--- a/DanyloThoughts.pptx
+++ b/DanyloThoughts.pptx
@@ -3,13 +3,11 @@
 <p:presentation xmlns:a="http://schemas.openxmlformats.org/drawingml/2006/main" xmlns:r="http://schemas.openxmlformats.org/officeDocument/2006/relationships" xmlns:p="http://schemas.openxmlformats.org/presentationml/2006/main" saveSubsetFonts="1">
   <p:sldMasterIdLst>
     <p:sldMasterId id="2147483870" r:id="rId1"/>
-    <p:sldMasterId id="2147483888" r:id="rId2"/>
   </p:sldMasterIdLst>
   <p:sldIdLst>
-    <p:sldId id="256" r:id="rId3"/>
-    <p:sldId id="257" r:id="rId4"/>
-    <p:sldId id="259" r:id="rId5"/>
-    <p:sldId id="260" r:id="rId6"/>
+    <p:sldId id="256" r:id="rId2"/>
+    <p:sldId id="257" r:id="rId3"/>
+    <p:sldId id="260" r:id="rId4"/>
   </p:sldIdLst>
   <p:sldSz cx="12192000" cy="6858000"/>
   <p:notesSz cx="6858000" cy="9144000"/>
@@ -115,15 +113,13 @@
           <p14:sldIdLst>
             <p14:sldId id="256"/>
             <p14:sldId id="257"/>
-          </p14:sldIdLst>
-        </p14:section>
-        <p14:section name="WebsiteDesign" id="{40201B38-9A4C-46A1-A1F1-076A8DFD1C7D}">
-          <p14:sldIdLst>
-            <p14:sldId id="259"/>
             <p14:sldId id="260"/>
           </p14:sldIdLst>
         </p14:section>
       </p14:sectionLst>
+    </p:ext>
+    <p:ext uri="{EFAFB233-063F-42B5-8137-9DF3F51BA10A}">
+      <p15:sldGuideLst xmlns:p15="http://schemas.microsoft.com/office/powerpoint/2012/main"/>
     </p:ext>
   </p:extLst>
 </p:presentation>
@@ -3305,428 +3301,6 @@
 </p:sldLayout>
 </file>
 
-<file path=ppt/slideLayouts/slideLayout18.xml><?xml version="1.0" encoding="utf-8"?>
-<p:sldLayout xmlns:a="http://schemas.openxmlformats.org/drawingml/2006/main" xmlns:r="http://schemas.openxmlformats.org/officeDocument/2006/relationships" xmlns:p="http://schemas.openxmlformats.org/presentationml/2006/main" type="title" preserve="1">
-  <p:cSld name="Title Slide">
-    <p:spTree>
-      <p:nvGrpSpPr>
-        <p:cNvPr id="1" name=""/>
-        <p:cNvGrpSpPr/>
-        <p:nvPr/>
-      </p:nvGrpSpPr>
-      <p:grpSpPr>
-        <a:xfrm>
-          <a:off x="0" y="0"/>
-          <a:ext cx="0" cy="0"/>
-          <a:chOff x="0" y="0"/>
-          <a:chExt cx="0" cy="0"/>
-        </a:xfrm>
-      </p:grpSpPr>
-      <p:sp>
-        <p:nvSpPr>
-          <p:cNvPr id="2" name="Title 1">
-            <a:extLst>
-              <a:ext uri="{FF2B5EF4-FFF2-40B4-BE49-F238E27FC236}">
-                <a16:creationId xmlns:a16="http://schemas.microsoft.com/office/drawing/2014/main" id="{3D4C6D1B-3B73-415A-B696-3E58DD92AFAD}"/>
-              </a:ext>
-            </a:extLst>
-          </p:cNvPr>
-          <p:cNvSpPr>
-            <a:spLocks noGrp="1"/>
-          </p:cNvSpPr>
-          <p:nvPr>
-            <p:ph type="ctrTitle"/>
-          </p:nvPr>
-        </p:nvSpPr>
-        <p:spPr>
-          <a:xfrm>
-            <a:off x="1524000" y="1122363"/>
-            <a:ext cx="9144000" cy="2387600"/>
-          </a:xfrm>
-        </p:spPr>
-        <p:txBody>
-          <a:bodyPr anchor="b"/>
-          <a:lstStyle>
-            <a:lvl1pPr algn="ctr">
-              <a:defRPr sz="6000"/>
-            </a:lvl1pPr>
-          </a:lstStyle>
-          <a:p>
-            <a:r>
-              <a:rPr lang="en-US"/>
-              <a:t>Click to edit Master title style</a:t>
-            </a:r>
-            <a:endParaRPr lang="en-CA"/>
-          </a:p>
-        </p:txBody>
-      </p:sp>
-      <p:sp>
-        <p:nvSpPr>
-          <p:cNvPr id="3" name="Subtitle 2">
-            <a:extLst>
-              <a:ext uri="{FF2B5EF4-FFF2-40B4-BE49-F238E27FC236}">
-                <a16:creationId xmlns:a16="http://schemas.microsoft.com/office/drawing/2014/main" id="{71B3D0DE-027F-4F65-BA6F-2D5CAB125413}"/>
-              </a:ext>
-            </a:extLst>
-          </p:cNvPr>
-          <p:cNvSpPr>
-            <a:spLocks noGrp="1"/>
-          </p:cNvSpPr>
-          <p:nvPr>
-            <p:ph type="subTitle" idx="1"/>
-          </p:nvPr>
-        </p:nvSpPr>
-        <p:spPr>
-          <a:xfrm>
-            <a:off x="1524000" y="3602038"/>
-            <a:ext cx="9144000" cy="1655762"/>
-          </a:xfrm>
-        </p:spPr>
-        <p:txBody>
-          <a:bodyPr/>
-          <a:lstStyle>
-            <a:lvl1pPr marL="0" indent="0" algn="ctr">
-              <a:buNone/>
-              <a:defRPr sz="2400"/>
-            </a:lvl1pPr>
-            <a:lvl2pPr marL="457200" indent="0" algn="ctr">
-              <a:buNone/>
-              <a:defRPr sz="2000"/>
-            </a:lvl2pPr>
-            <a:lvl3pPr marL="914400" indent="0" algn="ctr">
-              <a:buNone/>
-              <a:defRPr sz="1800"/>
-            </a:lvl3pPr>
-            <a:lvl4pPr marL="1371600" indent="0" algn="ctr">
-              <a:buNone/>
-              <a:defRPr sz="1600"/>
-            </a:lvl4pPr>
-            <a:lvl5pPr marL="1828800" indent="0" algn="ctr">
-              <a:buNone/>
-              <a:defRPr sz="1600"/>
-            </a:lvl5pPr>
-            <a:lvl6pPr marL="2286000" indent="0" algn="ctr">
-              <a:buNone/>
-              <a:defRPr sz="1600"/>
-            </a:lvl6pPr>
-            <a:lvl7pPr marL="2743200" indent="0" algn="ctr">
-              <a:buNone/>
-              <a:defRPr sz="1600"/>
-            </a:lvl7pPr>
-            <a:lvl8pPr marL="3200400" indent="0" algn="ctr">
-              <a:buNone/>
-              <a:defRPr sz="1600"/>
-            </a:lvl8pPr>
-            <a:lvl9pPr marL="3657600" indent="0" algn="ctr">
-              <a:buNone/>
-              <a:defRPr sz="1600"/>
-            </a:lvl9pPr>
-          </a:lstStyle>
-          <a:p>
-            <a:r>
-              <a:rPr lang="en-US"/>
-              <a:t>Click to edit Master subtitle style</a:t>
-            </a:r>
-            <a:endParaRPr lang="en-CA"/>
-          </a:p>
-        </p:txBody>
-      </p:sp>
-      <p:sp>
-        <p:nvSpPr>
-          <p:cNvPr id="4" name="Date Placeholder 3">
-            <a:extLst>
-              <a:ext uri="{FF2B5EF4-FFF2-40B4-BE49-F238E27FC236}">
-                <a16:creationId xmlns:a16="http://schemas.microsoft.com/office/drawing/2014/main" id="{FE507CF9-01F9-48CC-87BB-BBC53E20C454}"/>
-              </a:ext>
-            </a:extLst>
-          </p:cNvPr>
-          <p:cNvSpPr>
-            <a:spLocks noGrp="1"/>
-          </p:cNvSpPr>
-          <p:nvPr>
-            <p:ph type="dt" sz="half" idx="10"/>
-          </p:nvPr>
-        </p:nvSpPr>
-        <p:spPr/>
-        <p:txBody>
-          <a:bodyPr/>
-          <a:lstStyle/>
-          <a:p>
-            <a:fld id="{990D8905-EC0B-41E3-AC8C-C6823787CC1C}" type="datetimeFigureOut">
-              <a:rPr lang="en-CA" smtClean="0"/>
-              <a:t>2021-11-19</a:t>
-            </a:fld>
-            <a:endParaRPr lang="en-CA"/>
-          </a:p>
-        </p:txBody>
-      </p:sp>
-      <p:sp>
-        <p:nvSpPr>
-          <p:cNvPr id="5" name="Footer Placeholder 4">
-            <a:extLst>
-              <a:ext uri="{FF2B5EF4-FFF2-40B4-BE49-F238E27FC236}">
-                <a16:creationId xmlns:a16="http://schemas.microsoft.com/office/drawing/2014/main" id="{18DEE2EB-657E-469D-8EB8-11F0F494A96F}"/>
-              </a:ext>
-            </a:extLst>
-          </p:cNvPr>
-          <p:cNvSpPr>
-            <a:spLocks noGrp="1"/>
-          </p:cNvSpPr>
-          <p:nvPr>
-            <p:ph type="ftr" sz="quarter" idx="11"/>
-          </p:nvPr>
-        </p:nvSpPr>
-        <p:spPr/>
-        <p:txBody>
-          <a:bodyPr/>
-          <a:lstStyle/>
-          <a:p>
-            <a:endParaRPr lang="en-CA"/>
-          </a:p>
-        </p:txBody>
-      </p:sp>
-      <p:sp>
-        <p:nvSpPr>
-          <p:cNvPr id="6" name="Slide Number Placeholder 5">
-            <a:extLst>
-              <a:ext uri="{FF2B5EF4-FFF2-40B4-BE49-F238E27FC236}">
-                <a16:creationId xmlns:a16="http://schemas.microsoft.com/office/drawing/2014/main" id="{C0FC687D-2D27-4EC4-8F9C-6F42713C0E7D}"/>
-              </a:ext>
-            </a:extLst>
-          </p:cNvPr>
-          <p:cNvSpPr>
-            <a:spLocks noGrp="1"/>
-          </p:cNvSpPr>
-          <p:nvPr>
-            <p:ph type="sldNum" sz="quarter" idx="12"/>
-          </p:nvPr>
-        </p:nvSpPr>
-        <p:spPr/>
-        <p:txBody>
-          <a:bodyPr/>
-          <a:lstStyle/>
-          <a:p>
-            <a:fld id="{F9271A51-7DBF-495B-B08D-7D1CC480C90F}" type="slidenum">
-              <a:rPr lang="en-CA" smtClean="0"/>
-              <a:t>‹#›</a:t>
-            </a:fld>
-            <a:endParaRPr lang="en-CA"/>
-          </a:p>
-        </p:txBody>
-      </p:sp>
-    </p:spTree>
-    <p:extLst>
-      <p:ext uri="{BB962C8B-B14F-4D97-AF65-F5344CB8AC3E}">
-        <p14:creationId xmlns:p14="http://schemas.microsoft.com/office/powerpoint/2010/main" val="3889752886"/>
-      </p:ext>
-    </p:extLst>
-  </p:cSld>
-  <p:clrMapOvr>
-    <a:masterClrMapping/>
-  </p:clrMapOvr>
-</p:sldLayout>
-</file>
-
-<file path=ppt/slideLayouts/slideLayout19.xml><?xml version="1.0" encoding="utf-8"?>
-<p:sldLayout xmlns:a="http://schemas.openxmlformats.org/drawingml/2006/main" xmlns:r="http://schemas.openxmlformats.org/officeDocument/2006/relationships" xmlns:p="http://schemas.openxmlformats.org/presentationml/2006/main" type="obj" preserve="1">
-  <p:cSld name="Title and Content">
-    <p:spTree>
-      <p:nvGrpSpPr>
-        <p:cNvPr id="1" name=""/>
-        <p:cNvGrpSpPr/>
-        <p:nvPr/>
-      </p:nvGrpSpPr>
-      <p:grpSpPr>
-        <a:xfrm>
-          <a:off x="0" y="0"/>
-          <a:ext cx="0" cy="0"/>
-          <a:chOff x="0" y="0"/>
-          <a:chExt cx="0" cy="0"/>
-        </a:xfrm>
-      </p:grpSpPr>
-      <p:sp>
-        <p:nvSpPr>
-          <p:cNvPr id="2" name="Title 1">
-            <a:extLst>
-              <a:ext uri="{FF2B5EF4-FFF2-40B4-BE49-F238E27FC236}">
-                <a16:creationId xmlns:a16="http://schemas.microsoft.com/office/drawing/2014/main" id="{31567EEF-CE41-408B-9C10-9879868C0822}"/>
-              </a:ext>
-            </a:extLst>
-          </p:cNvPr>
-          <p:cNvSpPr>
-            <a:spLocks noGrp="1"/>
-          </p:cNvSpPr>
-          <p:nvPr>
-            <p:ph type="title"/>
-          </p:nvPr>
-        </p:nvSpPr>
-        <p:spPr/>
-        <p:txBody>
-          <a:bodyPr/>
-          <a:lstStyle/>
-          <a:p>
-            <a:r>
-              <a:rPr lang="en-US"/>
-              <a:t>Click to edit Master title style</a:t>
-            </a:r>
-            <a:endParaRPr lang="en-CA"/>
-          </a:p>
-        </p:txBody>
-      </p:sp>
-      <p:sp>
-        <p:nvSpPr>
-          <p:cNvPr id="3" name="Content Placeholder 2">
-            <a:extLst>
-              <a:ext uri="{FF2B5EF4-FFF2-40B4-BE49-F238E27FC236}">
-                <a16:creationId xmlns:a16="http://schemas.microsoft.com/office/drawing/2014/main" id="{F8820A39-64D1-475F-8A87-687C656A6C63}"/>
-              </a:ext>
-            </a:extLst>
-          </p:cNvPr>
-          <p:cNvSpPr>
-            <a:spLocks noGrp="1"/>
-          </p:cNvSpPr>
-          <p:nvPr>
-            <p:ph idx="1"/>
-          </p:nvPr>
-        </p:nvSpPr>
-        <p:spPr/>
-        <p:txBody>
-          <a:bodyPr/>
-          <a:lstStyle/>
-          <a:p>
-            <a:pPr lvl="0"/>
-            <a:r>
-              <a:rPr lang="en-US"/>
-              <a:t>Click to edit Master text styles</a:t>
-            </a:r>
-          </a:p>
-          <a:p>
-            <a:pPr lvl="1"/>
-            <a:r>
-              <a:rPr lang="en-US"/>
-              <a:t>Second level</a:t>
-            </a:r>
-          </a:p>
-          <a:p>
-            <a:pPr lvl="2"/>
-            <a:r>
-              <a:rPr lang="en-US"/>
-              <a:t>Third level</a:t>
-            </a:r>
-          </a:p>
-          <a:p>
-            <a:pPr lvl="3"/>
-            <a:r>
-              <a:rPr lang="en-US"/>
-              <a:t>Fourth level</a:t>
-            </a:r>
-          </a:p>
-          <a:p>
-            <a:pPr lvl="4"/>
-            <a:r>
-              <a:rPr lang="en-US"/>
-              <a:t>Fifth level</a:t>
-            </a:r>
-            <a:endParaRPr lang="en-CA"/>
-          </a:p>
-        </p:txBody>
-      </p:sp>
-      <p:sp>
-        <p:nvSpPr>
-          <p:cNvPr id="4" name="Date Placeholder 3">
-            <a:extLst>
-              <a:ext uri="{FF2B5EF4-FFF2-40B4-BE49-F238E27FC236}">
-                <a16:creationId xmlns:a16="http://schemas.microsoft.com/office/drawing/2014/main" id="{8F10F9EB-39CE-4DCF-A411-C36783DBE617}"/>
-              </a:ext>
-            </a:extLst>
-          </p:cNvPr>
-          <p:cNvSpPr>
-            <a:spLocks noGrp="1"/>
-          </p:cNvSpPr>
-          <p:nvPr>
-            <p:ph type="dt" sz="half" idx="10"/>
-          </p:nvPr>
-        </p:nvSpPr>
-        <p:spPr/>
-        <p:txBody>
-          <a:bodyPr/>
-          <a:lstStyle/>
-          <a:p>
-            <a:fld id="{990D8905-EC0B-41E3-AC8C-C6823787CC1C}" type="datetimeFigureOut">
-              <a:rPr lang="en-CA" smtClean="0"/>
-              <a:t>2021-11-19</a:t>
-            </a:fld>
-            <a:endParaRPr lang="en-CA"/>
-          </a:p>
-        </p:txBody>
-      </p:sp>
-      <p:sp>
-        <p:nvSpPr>
-          <p:cNvPr id="5" name="Footer Placeholder 4">
-            <a:extLst>
-              <a:ext uri="{FF2B5EF4-FFF2-40B4-BE49-F238E27FC236}">
-                <a16:creationId xmlns:a16="http://schemas.microsoft.com/office/drawing/2014/main" id="{A76DB1EA-0C53-470E-9CD2-14C2CDFC7489}"/>
-              </a:ext>
-            </a:extLst>
-          </p:cNvPr>
-          <p:cNvSpPr>
-            <a:spLocks noGrp="1"/>
-          </p:cNvSpPr>
-          <p:nvPr>
-            <p:ph type="ftr" sz="quarter" idx="11"/>
-          </p:nvPr>
-        </p:nvSpPr>
-        <p:spPr/>
-        <p:txBody>
-          <a:bodyPr/>
-          <a:lstStyle/>
-          <a:p>
-            <a:endParaRPr lang="en-CA"/>
-          </a:p>
-        </p:txBody>
-      </p:sp>
-      <p:sp>
-        <p:nvSpPr>
-          <p:cNvPr id="6" name="Slide Number Placeholder 5">
-            <a:extLst>
-              <a:ext uri="{FF2B5EF4-FFF2-40B4-BE49-F238E27FC236}">
-                <a16:creationId xmlns:a16="http://schemas.microsoft.com/office/drawing/2014/main" id="{714D3ACA-EDC9-4305-B17A-2ACFBD142AE9}"/>
-              </a:ext>
-            </a:extLst>
-          </p:cNvPr>
-          <p:cNvSpPr>
-            <a:spLocks noGrp="1"/>
-          </p:cNvSpPr>
-          <p:nvPr>
-            <p:ph type="sldNum" sz="quarter" idx="12"/>
-          </p:nvPr>
-        </p:nvSpPr>
-        <p:spPr/>
-        <p:txBody>
-          <a:bodyPr/>
-          <a:lstStyle/>
-          <a:p>
-            <a:fld id="{F9271A51-7DBF-495B-B08D-7D1CC480C90F}" type="slidenum">
-              <a:rPr lang="en-CA" smtClean="0"/>
-              <a:t>‹#›</a:t>
-            </a:fld>
-            <a:endParaRPr lang="en-CA"/>
-          </a:p>
-        </p:txBody>
-      </p:sp>
-    </p:spTree>
-    <p:extLst>
-      <p:ext uri="{BB962C8B-B14F-4D97-AF65-F5344CB8AC3E}">
-        <p14:creationId xmlns:p14="http://schemas.microsoft.com/office/powerpoint/2010/main" val="1327591172"/>
-      </p:ext>
-    </p:extLst>
-  </p:cSld>
-  <p:clrMapOvr>
-    <a:masterClrMapping/>
-  </p:clrMapOvr>
-</p:sldLayout>
-</file>
-
 <file path=ppt/slideLayouts/slideLayout2.xml><?xml version="1.0" encoding="utf-8"?>
 <p:sldLayout xmlns:a="http://schemas.openxmlformats.org/drawingml/2006/main" xmlns:r="http://schemas.openxmlformats.org/officeDocument/2006/relationships" xmlns:p="http://schemas.openxmlformats.org/presentationml/2006/main" type="obj" preserve="1">
   <p:cSld name="Title and Content">
@@ -3888,2232 +3462,6 @@
     <p:extLst>
       <p:ext uri="{BB962C8B-B14F-4D97-AF65-F5344CB8AC3E}">
         <p14:creationId xmlns:p14="http://schemas.microsoft.com/office/powerpoint/2010/main" val="900586506"/>
-      </p:ext>
-    </p:extLst>
-  </p:cSld>
-  <p:clrMapOvr>
-    <a:masterClrMapping/>
-  </p:clrMapOvr>
-</p:sldLayout>
-</file>
-
-<file path=ppt/slideLayouts/slideLayout20.xml><?xml version="1.0" encoding="utf-8"?>
-<p:sldLayout xmlns:a="http://schemas.openxmlformats.org/drawingml/2006/main" xmlns:r="http://schemas.openxmlformats.org/officeDocument/2006/relationships" xmlns:p="http://schemas.openxmlformats.org/presentationml/2006/main" type="secHead" preserve="1">
-  <p:cSld name="Section Header">
-    <p:spTree>
-      <p:nvGrpSpPr>
-        <p:cNvPr id="1" name=""/>
-        <p:cNvGrpSpPr/>
-        <p:nvPr/>
-      </p:nvGrpSpPr>
-      <p:grpSpPr>
-        <a:xfrm>
-          <a:off x="0" y="0"/>
-          <a:ext cx="0" cy="0"/>
-          <a:chOff x="0" y="0"/>
-          <a:chExt cx="0" cy="0"/>
-        </a:xfrm>
-      </p:grpSpPr>
-      <p:sp>
-        <p:nvSpPr>
-          <p:cNvPr id="2" name="Title 1">
-            <a:extLst>
-              <a:ext uri="{FF2B5EF4-FFF2-40B4-BE49-F238E27FC236}">
-                <a16:creationId xmlns:a16="http://schemas.microsoft.com/office/drawing/2014/main" id="{46044881-C234-49EC-9A8E-E0B75CA60E8F}"/>
-              </a:ext>
-            </a:extLst>
-          </p:cNvPr>
-          <p:cNvSpPr>
-            <a:spLocks noGrp="1"/>
-          </p:cNvSpPr>
-          <p:nvPr>
-            <p:ph type="title"/>
-          </p:nvPr>
-        </p:nvSpPr>
-        <p:spPr>
-          <a:xfrm>
-            <a:off x="831850" y="1709738"/>
-            <a:ext cx="10515600" cy="2852737"/>
-          </a:xfrm>
-        </p:spPr>
-        <p:txBody>
-          <a:bodyPr anchor="b"/>
-          <a:lstStyle>
-            <a:lvl1pPr>
-              <a:defRPr sz="6000"/>
-            </a:lvl1pPr>
-          </a:lstStyle>
-          <a:p>
-            <a:r>
-              <a:rPr lang="en-US"/>
-              <a:t>Click to edit Master title style</a:t>
-            </a:r>
-            <a:endParaRPr lang="en-CA"/>
-          </a:p>
-        </p:txBody>
-      </p:sp>
-      <p:sp>
-        <p:nvSpPr>
-          <p:cNvPr id="3" name="Text Placeholder 2">
-            <a:extLst>
-              <a:ext uri="{FF2B5EF4-FFF2-40B4-BE49-F238E27FC236}">
-                <a16:creationId xmlns:a16="http://schemas.microsoft.com/office/drawing/2014/main" id="{48D89F90-1049-4166-8CD8-F2970A73D527}"/>
-              </a:ext>
-            </a:extLst>
-          </p:cNvPr>
-          <p:cNvSpPr>
-            <a:spLocks noGrp="1"/>
-          </p:cNvSpPr>
-          <p:nvPr>
-            <p:ph type="body" idx="1"/>
-          </p:nvPr>
-        </p:nvSpPr>
-        <p:spPr>
-          <a:xfrm>
-            <a:off x="831850" y="4589463"/>
-            <a:ext cx="10515600" cy="1500187"/>
-          </a:xfrm>
-        </p:spPr>
-        <p:txBody>
-          <a:bodyPr/>
-          <a:lstStyle>
-            <a:lvl1pPr marL="0" indent="0">
-              <a:buNone/>
-              <a:defRPr sz="2400">
-                <a:solidFill>
-                  <a:schemeClr val="tx1">
-                    <a:tint val="75000"/>
-                  </a:schemeClr>
-                </a:solidFill>
-              </a:defRPr>
-            </a:lvl1pPr>
-            <a:lvl2pPr marL="457200" indent="0">
-              <a:buNone/>
-              <a:defRPr sz="2000">
-                <a:solidFill>
-                  <a:schemeClr val="tx1">
-                    <a:tint val="75000"/>
-                  </a:schemeClr>
-                </a:solidFill>
-              </a:defRPr>
-            </a:lvl2pPr>
-            <a:lvl3pPr marL="914400" indent="0">
-              <a:buNone/>
-              <a:defRPr sz="1800">
-                <a:solidFill>
-                  <a:schemeClr val="tx1">
-                    <a:tint val="75000"/>
-                  </a:schemeClr>
-                </a:solidFill>
-              </a:defRPr>
-            </a:lvl3pPr>
-            <a:lvl4pPr marL="1371600" indent="0">
-              <a:buNone/>
-              <a:defRPr sz="1600">
-                <a:solidFill>
-                  <a:schemeClr val="tx1">
-                    <a:tint val="75000"/>
-                  </a:schemeClr>
-                </a:solidFill>
-              </a:defRPr>
-            </a:lvl4pPr>
-            <a:lvl5pPr marL="1828800" indent="0">
-              <a:buNone/>
-              <a:defRPr sz="1600">
-                <a:solidFill>
-                  <a:schemeClr val="tx1">
-                    <a:tint val="75000"/>
-                  </a:schemeClr>
-                </a:solidFill>
-              </a:defRPr>
-            </a:lvl5pPr>
-            <a:lvl6pPr marL="2286000" indent="0">
-              <a:buNone/>
-              <a:defRPr sz="1600">
-                <a:solidFill>
-                  <a:schemeClr val="tx1">
-                    <a:tint val="75000"/>
-                  </a:schemeClr>
-                </a:solidFill>
-              </a:defRPr>
-            </a:lvl6pPr>
-            <a:lvl7pPr marL="2743200" indent="0">
-              <a:buNone/>
-              <a:defRPr sz="1600">
-                <a:solidFill>
-                  <a:schemeClr val="tx1">
-                    <a:tint val="75000"/>
-                  </a:schemeClr>
-                </a:solidFill>
-              </a:defRPr>
-            </a:lvl7pPr>
-            <a:lvl8pPr marL="3200400" indent="0">
-              <a:buNone/>
-              <a:defRPr sz="1600">
-                <a:solidFill>
-                  <a:schemeClr val="tx1">
-                    <a:tint val="75000"/>
-                  </a:schemeClr>
-                </a:solidFill>
-              </a:defRPr>
-            </a:lvl8pPr>
-            <a:lvl9pPr marL="3657600" indent="0">
-              <a:buNone/>
-              <a:defRPr sz="1600">
-                <a:solidFill>
-                  <a:schemeClr val="tx1">
-                    <a:tint val="75000"/>
-                  </a:schemeClr>
-                </a:solidFill>
-              </a:defRPr>
-            </a:lvl9pPr>
-          </a:lstStyle>
-          <a:p>
-            <a:pPr lvl="0"/>
-            <a:r>
-              <a:rPr lang="en-US"/>
-              <a:t>Click to edit Master text styles</a:t>
-            </a:r>
-          </a:p>
-        </p:txBody>
-      </p:sp>
-      <p:sp>
-        <p:nvSpPr>
-          <p:cNvPr id="4" name="Date Placeholder 3">
-            <a:extLst>
-              <a:ext uri="{FF2B5EF4-FFF2-40B4-BE49-F238E27FC236}">
-                <a16:creationId xmlns:a16="http://schemas.microsoft.com/office/drawing/2014/main" id="{777069E3-6BC1-4F33-A101-3838A547D888}"/>
-              </a:ext>
-            </a:extLst>
-          </p:cNvPr>
-          <p:cNvSpPr>
-            <a:spLocks noGrp="1"/>
-          </p:cNvSpPr>
-          <p:nvPr>
-            <p:ph type="dt" sz="half" idx="10"/>
-          </p:nvPr>
-        </p:nvSpPr>
-        <p:spPr/>
-        <p:txBody>
-          <a:bodyPr/>
-          <a:lstStyle/>
-          <a:p>
-            <a:fld id="{990D8905-EC0B-41E3-AC8C-C6823787CC1C}" type="datetimeFigureOut">
-              <a:rPr lang="en-CA" smtClean="0"/>
-              <a:t>2021-11-19</a:t>
-            </a:fld>
-            <a:endParaRPr lang="en-CA"/>
-          </a:p>
-        </p:txBody>
-      </p:sp>
-      <p:sp>
-        <p:nvSpPr>
-          <p:cNvPr id="5" name="Footer Placeholder 4">
-            <a:extLst>
-              <a:ext uri="{FF2B5EF4-FFF2-40B4-BE49-F238E27FC236}">
-                <a16:creationId xmlns:a16="http://schemas.microsoft.com/office/drawing/2014/main" id="{137FBBF3-2D64-45F0-9023-9F4A6A6970BE}"/>
-              </a:ext>
-            </a:extLst>
-          </p:cNvPr>
-          <p:cNvSpPr>
-            <a:spLocks noGrp="1"/>
-          </p:cNvSpPr>
-          <p:nvPr>
-            <p:ph type="ftr" sz="quarter" idx="11"/>
-          </p:nvPr>
-        </p:nvSpPr>
-        <p:spPr/>
-        <p:txBody>
-          <a:bodyPr/>
-          <a:lstStyle/>
-          <a:p>
-            <a:endParaRPr lang="en-CA"/>
-          </a:p>
-        </p:txBody>
-      </p:sp>
-      <p:sp>
-        <p:nvSpPr>
-          <p:cNvPr id="6" name="Slide Number Placeholder 5">
-            <a:extLst>
-              <a:ext uri="{FF2B5EF4-FFF2-40B4-BE49-F238E27FC236}">
-                <a16:creationId xmlns:a16="http://schemas.microsoft.com/office/drawing/2014/main" id="{CCFF78C1-6666-4CC9-B3DD-4E0A8BC11974}"/>
-              </a:ext>
-            </a:extLst>
-          </p:cNvPr>
-          <p:cNvSpPr>
-            <a:spLocks noGrp="1"/>
-          </p:cNvSpPr>
-          <p:nvPr>
-            <p:ph type="sldNum" sz="quarter" idx="12"/>
-          </p:nvPr>
-        </p:nvSpPr>
-        <p:spPr/>
-        <p:txBody>
-          <a:bodyPr/>
-          <a:lstStyle/>
-          <a:p>
-            <a:fld id="{F9271A51-7DBF-495B-B08D-7D1CC480C90F}" type="slidenum">
-              <a:rPr lang="en-CA" smtClean="0"/>
-              <a:t>‹#›</a:t>
-            </a:fld>
-            <a:endParaRPr lang="en-CA"/>
-          </a:p>
-        </p:txBody>
-      </p:sp>
-    </p:spTree>
-    <p:extLst>
-      <p:ext uri="{BB962C8B-B14F-4D97-AF65-F5344CB8AC3E}">
-        <p14:creationId xmlns:p14="http://schemas.microsoft.com/office/powerpoint/2010/main" val="3220120845"/>
-      </p:ext>
-    </p:extLst>
-  </p:cSld>
-  <p:clrMapOvr>
-    <a:masterClrMapping/>
-  </p:clrMapOvr>
-</p:sldLayout>
-</file>
-
-<file path=ppt/slideLayouts/slideLayout21.xml><?xml version="1.0" encoding="utf-8"?>
-<p:sldLayout xmlns:a="http://schemas.openxmlformats.org/drawingml/2006/main" xmlns:r="http://schemas.openxmlformats.org/officeDocument/2006/relationships" xmlns:p="http://schemas.openxmlformats.org/presentationml/2006/main" type="twoObj" preserve="1">
-  <p:cSld name="Two Content">
-    <p:spTree>
-      <p:nvGrpSpPr>
-        <p:cNvPr id="1" name=""/>
-        <p:cNvGrpSpPr/>
-        <p:nvPr/>
-      </p:nvGrpSpPr>
-      <p:grpSpPr>
-        <a:xfrm>
-          <a:off x="0" y="0"/>
-          <a:ext cx="0" cy="0"/>
-          <a:chOff x="0" y="0"/>
-          <a:chExt cx="0" cy="0"/>
-        </a:xfrm>
-      </p:grpSpPr>
-      <p:sp>
-        <p:nvSpPr>
-          <p:cNvPr id="2" name="Title 1">
-            <a:extLst>
-              <a:ext uri="{FF2B5EF4-FFF2-40B4-BE49-F238E27FC236}">
-                <a16:creationId xmlns:a16="http://schemas.microsoft.com/office/drawing/2014/main" id="{B56723EA-ADCB-410C-8E42-15873BFFEB83}"/>
-              </a:ext>
-            </a:extLst>
-          </p:cNvPr>
-          <p:cNvSpPr>
-            <a:spLocks noGrp="1"/>
-          </p:cNvSpPr>
-          <p:nvPr>
-            <p:ph type="title"/>
-          </p:nvPr>
-        </p:nvSpPr>
-        <p:spPr/>
-        <p:txBody>
-          <a:bodyPr/>
-          <a:lstStyle/>
-          <a:p>
-            <a:r>
-              <a:rPr lang="en-US"/>
-              <a:t>Click to edit Master title style</a:t>
-            </a:r>
-            <a:endParaRPr lang="en-CA"/>
-          </a:p>
-        </p:txBody>
-      </p:sp>
-      <p:sp>
-        <p:nvSpPr>
-          <p:cNvPr id="3" name="Content Placeholder 2">
-            <a:extLst>
-              <a:ext uri="{FF2B5EF4-FFF2-40B4-BE49-F238E27FC236}">
-                <a16:creationId xmlns:a16="http://schemas.microsoft.com/office/drawing/2014/main" id="{12AD9B9E-11CF-4151-A40C-AF44D01DF918}"/>
-              </a:ext>
-            </a:extLst>
-          </p:cNvPr>
-          <p:cNvSpPr>
-            <a:spLocks noGrp="1"/>
-          </p:cNvSpPr>
-          <p:nvPr>
-            <p:ph sz="half" idx="1"/>
-          </p:nvPr>
-        </p:nvSpPr>
-        <p:spPr>
-          <a:xfrm>
-            <a:off x="838200" y="1825625"/>
-            <a:ext cx="5181600" cy="4351338"/>
-          </a:xfrm>
-        </p:spPr>
-        <p:txBody>
-          <a:bodyPr/>
-          <a:lstStyle/>
-          <a:p>
-            <a:pPr lvl="0"/>
-            <a:r>
-              <a:rPr lang="en-US"/>
-              <a:t>Click to edit Master text styles</a:t>
-            </a:r>
-          </a:p>
-          <a:p>
-            <a:pPr lvl="1"/>
-            <a:r>
-              <a:rPr lang="en-US"/>
-              <a:t>Second level</a:t>
-            </a:r>
-          </a:p>
-          <a:p>
-            <a:pPr lvl="2"/>
-            <a:r>
-              <a:rPr lang="en-US"/>
-              <a:t>Third level</a:t>
-            </a:r>
-          </a:p>
-          <a:p>
-            <a:pPr lvl="3"/>
-            <a:r>
-              <a:rPr lang="en-US"/>
-              <a:t>Fourth level</a:t>
-            </a:r>
-          </a:p>
-          <a:p>
-            <a:pPr lvl="4"/>
-            <a:r>
-              <a:rPr lang="en-US"/>
-              <a:t>Fifth level</a:t>
-            </a:r>
-            <a:endParaRPr lang="en-CA"/>
-          </a:p>
-        </p:txBody>
-      </p:sp>
-      <p:sp>
-        <p:nvSpPr>
-          <p:cNvPr id="4" name="Content Placeholder 3">
-            <a:extLst>
-              <a:ext uri="{FF2B5EF4-FFF2-40B4-BE49-F238E27FC236}">
-                <a16:creationId xmlns:a16="http://schemas.microsoft.com/office/drawing/2014/main" id="{346DA42F-0A59-48DE-A833-4716BACAEFBA}"/>
-              </a:ext>
-            </a:extLst>
-          </p:cNvPr>
-          <p:cNvSpPr>
-            <a:spLocks noGrp="1"/>
-          </p:cNvSpPr>
-          <p:nvPr>
-            <p:ph sz="half" idx="2"/>
-          </p:nvPr>
-        </p:nvSpPr>
-        <p:spPr>
-          <a:xfrm>
-            <a:off x="6172200" y="1825625"/>
-            <a:ext cx="5181600" cy="4351338"/>
-          </a:xfrm>
-        </p:spPr>
-        <p:txBody>
-          <a:bodyPr/>
-          <a:lstStyle/>
-          <a:p>
-            <a:pPr lvl="0"/>
-            <a:r>
-              <a:rPr lang="en-US"/>
-              <a:t>Click to edit Master text styles</a:t>
-            </a:r>
-          </a:p>
-          <a:p>
-            <a:pPr lvl="1"/>
-            <a:r>
-              <a:rPr lang="en-US"/>
-              <a:t>Second level</a:t>
-            </a:r>
-          </a:p>
-          <a:p>
-            <a:pPr lvl="2"/>
-            <a:r>
-              <a:rPr lang="en-US"/>
-              <a:t>Third level</a:t>
-            </a:r>
-          </a:p>
-          <a:p>
-            <a:pPr lvl="3"/>
-            <a:r>
-              <a:rPr lang="en-US"/>
-              <a:t>Fourth level</a:t>
-            </a:r>
-          </a:p>
-          <a:p>
-            <a:pPr lvl="4"/>
-            <a:r>
-              <a:rPr lang="en-US"/>
-              <a:t>Fifth level</a:t>
-            </a:r>
-            <a:endParaRPr lang="en-CA"/>
-          </a:p>
-        </p:txBody>
-      </p:sp>
-      <p:sp>
-        <p:nvSpPr>
-          <p:cNvPr id="5" name="Date Placeholder 4">
-            <a:extLst>
-              <a:ext uri="{FF2B5EF4-FFF2-40B4-BE49-F238E27FC236}">
-                <a16:creationId xmlns:a16="http://schemas.microsoft.com/office/drawing/2014/main" id="{ADD4FE06-6EDE-4456-BC8F-E6F417C536E8}"/>
-              </a:ext>
-            </a:extLst>
-          </p:cNvPr>
-          <p:cNvSpPr>
-            <a:spLocks noGrp="1"/>
-          </p:cNvSpPr>
-          <p:nvPr>
-            <p:ph type="dt" sz="half" idx="10"/>
-          </p:nvPr>
-        </p:nvSpPr>
-        <p:spPr/>
-        <p:txBody>
-          <a:bodyPr/>
-          <a:lstStyle/>
-          <a:p>
-            <a:fld id="{990D8905-EC0B-41E3-AC8C-C6823787CC1C}" type="datetimeFigureOut">
-              <a:rPr lang="en-CA" smtClean="0"/>
-              <a:t>2021-11-19</a:t>
-            </a:fld>
-            <a:endParaRPr lang="en-CA"/>
-          </a:p>
-        </p:txBody>
-      </p:sp>
-      <p:sp>
-        <p:nvSpPr>
-          <p:cNvPr id="6" name="Footer Placeholder 5">
-            <a:extLst>
-              <a:ext uri="{FF2B5EF4-FFF2-40B4-BE49-F238E27FC236}">
-                <a16:creationId xmlns:a16="http://schemas.microsoft.com/office/drawing/2014/main" id="{381E480E-A559-4C09-91E3-2B2067B0A65D}"/>
-              </a:ext>
-            </a:extLst>
-          </p:cNvPr>
-          <p:cNvSpPr>
-            <a:spLocks noGrp="1"/>
-          </p:cNvSpPr>
-          <p:nvPr>
-            <p:ph type="ftr" sz="quarter" idx="11"/>
-          </p:nvPr>
-        </p:nvSpPr>
-        <p:spPr/>
-        <p:txBody>
-          <a:bodyPr/>
-          <a:lstStyle/>
-          <a:p>
-            <a:endParaRPr lang="en-CA"/>
-          </a:p>
-        </p:txBody>
-      </p:sp>
-      <p:sp>
-        <p:nvSpPr>
-          <p:cNvPr id="7" name="Slide Number Placeholder 6">
-            <a:extLst>
-              <a:ext uri="{FF2B5EF4-FFF2-40B4-BE49-F238E27FC236}">
-                <a16:creationId xmlns:a16="http://schemas.microsoft.com/office/drawing/2014/main" id="{4F22B63D-0AB9-41A6-9191-902AF35CFA2F}"/>
-              </a:ext>
-            </a:extLst>
-          </p:cNvPr>
-          <p:cNvSpPr>
-            <a:spLocks noGrp="1"/>
-          </p:cNvSpPr>
-          <p:nvPr>
-            <p:ph type="sldNum" sz="quarter" idx="12"/>
-          </p:nvPr>
-        </p:nvSpPr>
-        <p:spPr/>
-        <p:txBody>
-          <a:bodyPr/>
-          <a:lstStyle/>
-          <a:p>
-            <a:fld id="{F9271A51-7DBF-495B-B08D-7D1CC480C90F}" type="slidenum">
-              <a:rPr lang="en-CA" smtClean="0"/>
-              <a:t>‹#›</a:t>
-            </a:fld>
-            <a:endParaRPr lang="en-CA"/>
-          </a:p>
-        </p:txBody>
-      </p:sp>
-    </p:spTree>
-    <p:extLst>
-      <p:ext uri="{BB962C8B-B14F-4D97-AF65-F5344CB8AC3E}">
-        <p14:creationId xmlns:p14="http://schemas.microsoft.com/office/powerpoint/2010/main" val="3417305628"/>
-      </p:ext>
-    </p:extLst>
-  </p:cSld>
-  <p:clrMapOvr>
-    <a:masterClrMapping/>
-  </p:clrMapOvr>
-</p:sldLayout>
-</file>
-
-<file path=ppt/slideLayouts/slideLayout22.xml><?xml version="1.0" encoding="utf-8"?>
-<p:sldLayout xmlns:a="http://schemas.openxmlformats.org/drawingml/2006/main" xmlns:r="http://schemas.openxmlformats.org/officeDocument/2006/relationships" xmlns:p="http://schemas.openxmlformats.org/presentationml/2006/main" type="twoTxTwoObj" preserve="1">
-  <p:cSld name="Comparison">
-    <p:spTree>
-      <p:nvGrpSpPr>
-        <p:cNvPr id="1" name=""/>
-        <p:cNvGrpSpPr/>
-        <p:nvPr/>
-      </p:nvGrpSpPr>
-      <p:grpSpPr>
-        <a:xfrm>
-          <a:off x="0" y="0"/>
-          <a:ext cx="0" cy="0"/>
-          <a:chOff x="0" y="0"/>
-          <a:chExt cx="0" cy="0"/>
-        </a:xfrm>
-      </p:grpSpPr>
-      <p:sp>
-        <p:nvSpPr>
-          <p:cNvPr id="2" name="Title 1">
-            <a:extLst>
-              <a:ext uri="{FF2B5EF4-FFF2-40B4-BE49-F238E27FC236}">
-                <a16:creationId xmlns:a16="http://schemas.microsoft.com/office/drawing/2014/main" id="{D555B17E-7C9E-43C6-BA4B-E366D8E12C53}"/>
-              </a:ext>
-            </a:extLst>
-          </p:cNvPr>
-          <p:cNvSpPr>
-            <a:spLocks noGrp="1"/>
-          </p:cNvSpPr>
-          <p:nvPr>
-            <p:ph type="title"/>
-          </p:nvPr>
-        </p:nvSpPr>
-        <p:spPr>
-          <a:xfrm>
-            <a:off x="839788" y="365125"/>
-            <a:ext cx="10515600" cy="1325563"/>
-          </a:xfrm>
-        </p:spPr>
-        <p:txBody>
-          <a:bodyPr/>
-          <a:lstStyle/>
-          <a:p>
-            <a:r>
-              <a:rPr lang="en-US"/>
-              <a:t>Click to edit Master title style</a:t>
-            </a:r>
-            <a:endParaRPr lang="en-CA"/>
-          </a:p>
-        </p:txBody>
-      </p:sp>
-      <p:sp>
-        <p:nvSpPr>
-          <p:cNvPr id="3" name="Text Placeholder 2">
-            <a:extLst>
-              <a:ext uri="{FF2B5EF4-FFF2-40B4-BE49-F238E27FC236}">
-                <a16:creationId xmlns:a16="http://schemas.microsoft.com/office/drawing/2014/main" id="{1722B486-89C4-48CB-88F2-B22F3B22D7E9}"/>
-              </a:ext>
-            </a:extLst>
-          </p:cNvPr>
-          <p:cNvSpPr>
-            <a:spLocks noGrp="1"/>
-          </p:cNvSpPr>
-          <p:nvPr>
-            <p:ph type="body" idx="1"/>
-          </p:nvPr>
-        </p:nvSpPr>
-        <p:spPr>
-          <a:xfrm>
-            <a:off x="839788" y="1681163"/>
-            <a:ext cx="5157787" cy="823912"/>
-          </a:xfrm>
-        </p:spPr>
-        <p:txBody>
-          <a:bodyPr anchor="b"/>
-          <a:lstStyle>
-            <a:lvl1pPr marL="0" indent="0">
-              <a:buNone/>
-              <a:defRPr sz="2400" b="1"/>
-            </a:lvl1pPr>
-            <a:lvl2pPr marL="457200" indent="0">
-              <a:buNone/>
-              <a:defRPr sz="2000" b="1"/>
-            </a:lvl2pPr>
-            <a:lvl3pPr marL="914400" indent="0">
-              <a:buNone/>
-              <a:defRPr sz="1800" b="1"/>
-            </a:lvl3pPr>
-            <a:lvl4pPr marL="1371600" indent="0">
-              <a:buNone/>
-              <a:defRPr sz="1600" b="1"/>
-            </a:lvl4pPr>
-            <a:lvl5pPr marL="1828800" indent="0">
-              <a:buNone/>
-              <a:defRPr sz="1600" b="1"/>
-            </a:lvl5pPr>
-            <a:lvl6pPr marL="2286000" indent="0">
-              <a:buNone/>
-              <a:defRPr sz="1600" b="1"/>
-            </a:lvl6pPr>
-            <a:lvl7pPr marL="2743200" indent="0">
-              <a:buNone/>
-              <a:defRPr sz="1600" b="1"/>
-            </a:lvl7pPr>
-            <a:lvl8pPr marL="3200400" indent="0">
-              <a:buNone/>
-              <a:defRPr sz="1600" b="1"/>
-            </a:lvl8pPr>
-            <a:lvl9pPr marL="3657600" indent="0">
-              <a:buNone/>
-              <a:defRPr sz="1600" b="1"/>
-            </a:lvl9pPr>
-          </a:lstStyle>
-          <a:p>
-            <a:pPr lvl="0"/>
-            <a:r>
-              <a:rPr lang="en-US"/>
-              <a:t>Click to edit Master text styles</a:t>
-            </a:r>
-          </a:p>
-        </p:txBody>
-      </p:sp>
-      <p:sp>
-        <p:nvSpPr>
-          <p:cNvPr id="4" name="Content Placeholder 3">
-            <a:extLst>
-              <a:ext uri="{FF2B5EF4-FFF2-40B4-BE49-F238E27FC236}">
-                <a16:creationId xmlns:a16="http://schemas.microsoft.com/office/drawing/2014/main" id="{545D469F-4F4D-4A86-8B2C-DE7E458561D8}"/>
-              </a:ext>
-            </a:extLst>
-          </p:cNvPr>
-          <p:cNvSpPr>
-            <a:spLocks noGrp="1"/>
-          </p:cNvSpPr>
-          <p:nvPr>
-            <p:ph sz="half" idx="2"/>
-          </p:nvPr>
-        </p:nvSpPr>
-        <p:spPr>
-          <a:xfrm>
-            <a:off x="839788" y="2505075"/>
-            <a:ext cx="5157787" cy="3684588"/>
-          </a:xfrm>
-        </p:spPr>
-        <p:txBody>
-          <a:bodyPr/>
-          <a:lstStyle/>
-          <a:p>
-            <a:pPr lvl="0"/>
-            <a:r>
-              <a:rPr lang="en-US"/>
-              <a:t>Click to edit Master text styles</a:t>
-            </a:r>
-          </a:p>
-          <a:p>
-            <a:pPr lvl="1"/>
-            <a:r>
-              <a:rPr lang="en-US"/>
-              <a:t>Second level</a:t>
-            </a:r>
-          </a:p>
-          <a:p>
-            <a:pPr lvl="2"/>
-            <a:r>
-              <a:rPr lang="en-US"/>
-              <a:t>Third level</a:t>
-            </a:r>
-          </a:p>
-          <a:p>
-            <a:pPr lvl="3"/>
-            <a:r>
-              <a:rPr lang="en-US"/>
-              <a:t>Fourth level</a:t>
-            </a:r>
-          </a:p>
-          <a:p>
-            <a:pPr lvl="4"/>
-            <a:r>
-              <a:rPr lang="en-US"/>
-              <a:t>Fifth level</a:t>
-            </a:r>
-            <a:endParaRPr lang="en-CA"/>
-          </a:p>
-        </p:txBody>
-      </p:sp>
-      <p:sp>
-        <p:nvSpPr>
-          <p:cNvPr id="5" name="Text Placeholder 4">
-            <a:extLst>
-              <a:ext uri="{FF2B5EF4-FFF2-40B4-BE49-F238E27FC236}">
-                <a16:creationId xmlns:a16="http://schemas.microsoft.com/office/drawing/2014/main" id="{824435B8-89C7-405A-954C-FD8A1A78D3BB}"/>
-              </a:ext>
-            </a:extLst>
-          </p:cNvPr>
-          <p:cNvSpPr>
-            <a:spLocks noGrp="1"/>
-          </p:cNvSpPr>
-          <p:nvPr>
-            <p:ph type="body" sz="quarter" idx="3"/>
-          </p:nvPr>
-        </p:nvSpPr>
-        <p:spPr>
-          <a:xfrm>
-            <a:off x="6172200" y="1681163"/>
-            <a:ext cx="5183188" cy="823912"/>
-          </a:xfrm>
-        </p:spPr>
-        <p:txBody>
-          <a:bodyPr anchor="b"/>
-          <a:lstStyle>
-            <a:lvl1pPr marL="0" indent="0">
-              <a:buNone/>
-              <a:defRPr sz="2400" b="1"/>
-            </a:lvl1pPr>
-            <a:lvl2pPr marL="457200" indent="0">
-              <a:buNone/>
-              <a:defRPr sz="2000" b="1"/>
-            </a:lvl2pPr>
-            <a:lvl3pPr marL="914400" indent="0">
-              <a:buNone/>
-              <a:defRPr sz="1800" b="1"/>
-            </a:lvl3pPr>
-            <a:lvl4pPr marL="1371600" indent="0">
-              <a:buNone/>
-              <a:defRPr sz="1600" b="1"/>
-            </a:lvl4pPr>
-            <a:lvl5pPr marL="1828800" indent="0">
-              <a:buNone/>
-              <a:defRPr sz="1600" b="1"/>
-            </a:lvl5pPr>
-            <a:lvl6pPr marL="2286000" indent="0">
-              <a:buNone/>
-              <a:defRPr sz="1600" b="1"/>
-            </a:lvl6pPr>
-            <a:lvl7pPr marL="2743200" indent="0">
-              <a:buNone/>
-              <a:defRPr sz="1600" b="1"/>
-            </a:lvl7pPr>
-            <a:lvl8pPr marL="3200400" indent="0">
-              <a:buNone/>
-              <a:defRPr sz="1600" b="1"/>
-            </a:lvl8pPr>
-            <a:lvl9pPr marL="3657600" indent="0">
-              <a:buNone/>
-              <a:defRPr sz="1600" b="1"/>
-            </a:lvl9pPr>
-          </a:lstStyle>
-          <a:p>
-            <a:pPr lvl="0"/>
-            <a:r>
-              <a:rPr lang="en-US"/>
-              <a:t>Click to edit Master text styles</a:t>
-            </a:r>
-          </a:p>
-        </p:txBody>
-      </p:sp>
-      <p:sp>
-        <p:nvSpPr>
-          <p:cNvPr id="6" name="Content Placeholder 5">
-            <a:extLst>
-              <a:ext uri="{FF2B5EF4-FFF2-40B4-BE49-F238E27FC236}">
-                <a16:creationId xmlns:a16="http://schemas.microsoft.com/office/drawing/2014/main" id="{2E96BF61-E679-412A-AA0B-0C86618F529A}"/>
-              </a:ext>
-            </a:extLst>
-          </p:cNvPr>
-          <p:cNvSpPr>
-            <a:spLocks noGrp="1"/>
-          </p:cNvSpPr>
-          <p:nvPr>
-            <p:ph sz="quarter" idx="4"/>
-          </p:nvPr>
-        </p:nvSpPr>
-        <p:spPr>
-          <a:xfrm>
-            <a:off x="6172200" y="2505075"/>
-            <a:ext cx="5183188" cy="3684588"/>
-          </a:xfrm>
-        </p:spPr>
-        <p:txBody>
-          <a:bodyPr/>
-          <a:lstStyle/>
-          <a:p>
-            <a:pPr lvl="0"/>
-            <a:r>
-              <a:rPr lang="en-US"/>
-              <a:t>Click to edit Master text styles</a:t>
-            </a:r>
-          </a:p>
-          <a:p>
-            <a:pPr lvl="1"/>
-            <a:r>
-              <a:rPr lang="en-US"/>
-              <a:t>Second level</a:t>
-            </a:r>
-          </a:p>
-          <a:p>
-            <a:pPr lvl="2"/>
-            <a:r>
-              <a:rPr lang="en-US"/>
-              <a:t>Third level</a:t>
-            </a:r>
-          </a:p>
-          <a:p>
-            <a:pPr lvl="3"/>
-            <a:r>
-              <a:rPr lang="en-US"/>
-              <a:t>Fourth level</a:t>
-            </a:r>
-          </a:p>
-          <a:p>
-            <a:pPr lvl="4"/>
-            <a:r>
-              <a:rPr lang="en-US"/>
-              <a:t>Fifth level</a:t>
-            </a:r>
-            <a:endParaRPr lang="en-CA"/>
-          </a:p>
-        </p:txBody>
-      </p:sp>
-      <p:sp>
-        <p:nvSpPr>
-          <p:cNvPr id="7" name="Date Placeholder 6">
-            <a:extLst>
-              <a:ext uri="{FF2B5EF4-FFF2-40B4-BE49-F238E27FC236}">
-                <a16:creationId xmlns:a16="http://schemas.microsoft.com/office/drawing/2014/main" id="{09A9D977-C291-4921-9F76-9BA7EA53A974}"/>
-              </a:ext>
-            </a:extLst>
-          </p:cNvPr>
-          <p:cNvSpPr>
-            <a:spLocks noGrp="1"/>
-          </p:cNvSpPr>
-          <p:nvPr>
-            <p:ph type="dt" sz="half" idx="10"/>
-          </p:nvPr>
-        </p:nvSpPr>
-        <p:spPr/>
-        <p:txBody>
-          <a:bodyPr/>
-          <a:lstStyle/>
-          <a:p>
-            <a:fld id="{990D8905-EC0B-41E3-AC8C-C6823787CC1C}" type="datetimeFigureOut">
-              <a:rPr lang="en-CA" smtClean="0"/>
-              <a:t>2021-11-19</a:t>
-            </a:fld>
-            <a:endParaRPr lang="en-CA"/>
-          </a:p>
-        </p:txBody>
-      </p:sp>
-      <p:sp>
-        <p:nvSpPr>
-          <p:cNvPr id="8" name="Footer Placeholder 7">
-            <a:extLst>
-              <a:ext uri="{FF2B5EF4-FFF2-40B4-BE49-F238E27FC236}">
-                <a16:creationId xmlns:a16="http://schemas.microsoft.com/office/drawing/2014/main" id="{C0ACBF8D-1D39-4507-9DBF-9634C7E9555A}"/>
-              </a:ext>
-            </a:extLst>
-          </p:cNvPr>
-          <p:cNvSpPr>
-            <a:spLocks noGrp="1"/>
-          </p:cNvSpPr>
-          <p:nvPr>
-            <p:ph type="ftr" sz="quarter" idx="11"/>
-          </p:nvPr>
-        </p:nvSpPr>
-        <p:spPr/>
-        <p:txBody>
-          <a:bodyPr/>
-          <a:lstStyle/>
-          <a:p>
-            <a:endParaRPr lang="en-CA"/>
-          </a:p>
-        </p:txBody>
-      </p:sp>
-      <p:sp>
-        <p:nvSpPr>
-          <p:cNvPr id="9" name="Slide Number Placeholder 8">
-            <a:extLst>
-              <a:ext uri="{FF2B5EF4-FFF2-40B4-BE49-F238E27FC236}">
-                <a16:creationId xmlns:a16="http://schemas.microsoft.com/office/drawing/2014/main" id="{8015518C-B939-40E0-8858-DBE4D9B2B4B1}"/>
-              </a:ext>
-            </a:extLst>
-          </p:cNvPr>
-          <p:cNvSpPr>
-            <a:spLocks noGrp="1"/>
-          </p:cNvSpPr>
-          <p:nvPr>
-            <p:ph type="sldNum" sz="quarter" idx="12"/>
-          </p:nvPr>
-        </p:nvSpPr>
-        <p:spPr/>
-        <p:txBody>
-          <a:bodyPr/>
-          <a:lstStyle/>
-          <a:p>
-            <a:fld id="{F9271A51-7DBF-495B-B08D-7D1CC480C90F}" type="slidenum">
-              <a:rPr lang="en-CA" smtClean="0"/>
-              <a:t>‹#›</a:t>
-            </a:fld>
-            <a:endParaRPr lang="en-CA"/>
-          </a:p>
-        </p:txBody>
-      </p:sp>
-    </p:spTree>
-    <p:extLst>
-      <p:ext uri="{BB962C8B-B14F-4D97-AF65-F5344CB8AC3E}">
-        <p14:creationId xmlns:p14="http://schemas.microsoft.com/office/powerpoint/2010/main" val="3801472001"/>
-      </p:ext>
-    </p:extLst>
-  </p:cSld>
-  <p:clrMapOvr>
-    <a:masterClrMapping/>
-  </p:clrMapOvr>
-</p:sldLayout>
-</file>
-
-<file path=ppt/slideLayouts/slideLayout23.xml><?xml version="1.0" encoding="utf-8"?>
-<p:sldLayout xmlns:a="http://schemas.openxmlformats.org/drawingml/2006/main" xmlns:r="http://schemas.openxmlformats.org/officeDocument/2006/relationships" xmlns:p="http://schemas.openxmlformats.org/presentationml/2006/main" type="titleOnly" preserve="1">
-  <p:cSld name="Title Only">
-    <p:spTree>
-      <p:nvGrpSpPr>
-        <p:cNvPr id="1" name=""/>
-        <p:cNvGrpSpPr/>
-        <p:nvPr/>
-      </p:nvGrpSpPr>
-      <p:grpSpPr>
-        <a:xfrm>
-          <a:off x="0" y="0"/>
-          <a:ext cx="0" cy="0"/>
-          <a:chOff x="0" y="0"/>
-          <a:chExt cx="0" cy="0"/>
-        </a:xfrm>
-      </p:grpSpPr>
-      <p:sp>
-        <p:nvSpPr>
-          <p:cNvPr id="2" name="Title 1">
-            <a:extLst>
-              <a:ext uri="{FF2B5EF4-FFF2-40B4-BE49-F238E27FC236}">
-                <a16:creationId xmlns:a16="http://schemas.microsoft.com/office/drawing/2014/main" id="{0D9AB9BD-A83B-4624-985A-07F633949EDA}"/>
-              </a:ext>
-            </a:extLst>
-          </p:cNvPr>
-          <p:cNvSpPr>
-            <a:spLocks noGrp="1"/>
-          </p:cNvSpPr>
-          <p:nvPr>
-            <p:ph type="title"/>
-          </p:nvPr>
-        </p:nvSpPr>
-        <p:spPr/>
-        <p:txBody>
-          <a:bodyPr/>
-          <a:lstStyle/>
-          <a:p>
-            <a:r>
-              <a:rPr lang="en-US"/>
-              <a:t>Click to edit Master title style</a:t>
-            </a:r>
-            <a:endParaRPr lang="en-CA"/>
-          </a:p>
-        </p:txBody>
-      </p:sp>
-      <p:sp>
-        <p:nvSpPr>
-          <p:cNvPr id="3" name="Date Placeholder 2">
-            <a:extLst>
-              <a:ext uri="{FF2B5EF4-FFF2-40B4-BE49-F238E27FC236}">
-                <a16:creationId xmlns:a16="http://schemas.microsoft.com/office/drawing/2014/main" id="{C87E587A-42FE-4BF2-8072-A9146CF725EE}"/>
-              </a:ext>
-            </a:extLst>
-          </p:cNvPr>
-          <p:cNvSpPr>
-            <a:spLocks noGrp="1"/>
-          </p:cNvSpPr>
-          <p:nvPr>
-            <p:ph type="dt" sz="half" idx="10"/>
-          </p:nvPr>
-        </p:nvSpPr>
-        <p:spPr/>
-        <p:txBody>
-          <a:bodyPr/>
-          <a:lstStyle/>
-          <a:p>
-            <a:fld id="{990D8905-EC0B-41E3-AC8C-C6823787CC1C}" type="datetimeFigureOut">
-              <a:rPr lang="en-CA" smtClean="0"/>
-              <a:t>2021-11-19</a:t>
-            </a:fld>
-            <a:endParaRPr lang="en-CA"/>
-          </a:p>
-        </p:txBody>
-      </p:sp>
-      <p:sp>
-        <p:nvSpPr>
-          <p:cNvPr id="4" name="Footer Placeholder 3">
-            <a:extLst>
-              <a:ext uri="{FF2B5EF4-FFF2-40B4-BE49-F238E27FC236}">
-                <a16:creationId xmlns:a16="http://schemas.microsoft.com/office/drawing/2014/main" id="{19F945EA-0EDE-4373-95CA-AF1A1B55B82D}"/>
-              </a:ext>
-            </a:extLst>
-          </p:cNvPr>
-          <p:cNvSpPr>
-            <a:spLocks noGrp="1"/>
-          </p:cNvSpPr>
-          <p:nvPr>
-            <p:ph type="ftr" sz="quarter" idx="11"/>
-          </p:nvPr>
-        </p:nvSpPr>
-        <p:spPr/>
-        <p:txBody>
-          <a:bodyPr/>
-          <a:lstStyle/>
-          <a:p>
-            <a:endParaRPr lang="en-CA"/>
-          </a:p>
-        </p:txBody>
-      </p:sp>
-      <p:sp>
-        <p:nvSpPr>
-          <p:cNvPr id="5" name="Slide Number Placeholder 4">
-            <a:extLst>
-              <a:ext uri="{FF2B5EF4-FFF2-40B4-BE49-F238E27FC236}">
-                <a16:creationId xmlns:a16="http://schemas.microsoft.com/office/drawing/2014/main" id="{170F1625-F3B2-48B4-8589-12E03055D931}"/>
-              </a:ext>
-            </a:extLst>
-          </p:cNvPr>
-          <p:cNvSpPr>
-            <a:spLocks noGrp="1"/>
-          </p:cNvSpPr>
-          <p:nvPr>
-            <p:ph type="sldNum" sz="quarter" idx="12"/>
-          </p:nvPr>
-        </p:nvSpPr>
-        <p:spPr/>
-        <p:txBody>
-          <a:bodyPr/>
-          <a:lstStyle/>
-          <a:p>
-            <a:fld id="{F9271A51-7DBF-495B-B08D-7D1CC480C90F}" type="slidenum">
-              <a:rPr lang="en-CA" smtClean="0"/>
-              <a:t>‹#›</a:t>
-            </a:fld>
-            <a:endParaRPr lang="en-CA"/>
-          </a:p>
-        </p:txBody>
-      </p:sp>
-    </p:spTree>
-    <p:extLst>
-      <p:ext uri="{BB962C8B-B14F-4D97-AF65-F5344CB8AC3E}">
-        <p14:creationId xmlns:p14="http://schemas.microsoft.com/office/powerpoint/2010/main" val="1742346620"/>
-      </p:ext>
-    </p:extLst>
-  </p:cSld>
-  <p:clrMapOvr>
-    <a:masterClrMapping/>
-  </p:clrMapOvr>
-</p:sldLayout>
-</file>
-
-<file path=ppt/slideLayouts/slideLayout24.xml><?xml version="1.0" encoding="utf-8"?>
-<p:sldLayout xmlns:a="http://schemas.openxmlformats.org/drawingml/2006/main" xmlns:r="http://schemas.openxmlformats.org/officeDocument/2006/relationships" xmlns:p="http://schemas.openxmlformats.org/presentationml/2006/main" type="blank" preserve="1">
-  <p:cSld name="Blank">
-    <p:spTree>
-      <p:nvGrpSpPr>
-        <p:cNvPr id="1" name=""/>
-        <p:cNvGrpSpPr/>
-        <p:nvPr/>
-      </p:nvGrpSpPr>
-      <p:grpSpPr>
-        <a:xfrm>
-          <a:off x="0" y="0"/>
-          <a:ext cx="0" cy="0"/>
-          <a:chOff x="0" y="0"/>
-          <a:chExt cx="0" cy="0"/>
-        </a:xfrm>
-      </p:grpSpPr>
-      <p:sp>
-        <p:nvSpPr>
-          <p:cNvPr id="2" name="Date Placeholder 1">
-            <a:extLst>
-              <a:ext uri="{FF2B5EF4-FFF2-40B4-BE49-F238E27FC236}">
-                <a16:creationId xmlns:a16="http://schemas.microsoft.com/office/drawing/2014/main" id="{BD7DF2AB-6957-4DA5-A58C-247609A6C750}"/>
-              </a:ext>
-            </a:extLst>
-          </p:cNvPr>
-          <p:cNvSpPr>
-            <a:spLocks noGrp="1"/>
-          </p:cNvSpPr>
-          <p:nvPr>
-            <p:ph type="dt" sz="half" idx="10"/>
-          </p:nvPr>
-        </p:nvSpPr>
-        <p:spPr/>
-        <p:txBody>
-          <a:bodyPr/>
-          <a:lstStyle/>
-          <a:p>
-            <a:fld id="{990D8905-EC0B-41E3-AC8C-C6823787CC1C}" type="datetimeFigureOut">
-              <a:rPr lang="en-CA" smtClean="0"/>
-              <a:t>2021-11-19</a:t>
-            </a:fld>
-            <a:endParaRPr lang="en-CA"/>
-          </a:p>
-        </p:txBody>
-      </p:sp>
-      <p:sp>
-        <p:nvSpPr>
-          <p:cNvPr id="3" name="Footer Placeholder 2">
-            <a:extLst>
-              <a:ext uri="{FF2B5EF4-FFF2-40B4-BE49-F238E27FC236}">
-                <a16:creationId xmlns:a16="http://schemas.microsoft.com/office/drawing/2014/main" id="{CA49624F-0A70-4D30-BBFD-26AE1016E476}"/>
-              </a:ext>
-            </a:extLst>
-          </p:cNvPr>
-          <p:cNvSpPr>
-            <a:spLocks noGrp="1"/>
-          </p:cNvSpPr>
-          <p:nvPr>
-            <p:ph type="ftr" sz="quarter" idx="11"/>
-          </p:nvPr>
-        </p:nvSpPr>
-        <p:spPr/>
-        <p:txBody>
-          <a:bodyPr/>
-          <a:lstStyle/>
-          <a:p>
-            <a:endParaRPr lang="en-CA"/>
-          </a:p>
-        </p:txBody>
-      </p:sp>
-      <p:sp>
-        <p:nvSpPr>
-          <p:cNvPr id="4" name="Slide Number Placeholder 3">
-            <a:extLst>
-              <a:ext uri="{FF2B5EF4-FFF2-40B4-BE49-F238E27FC236}">
-                <a16:creationId xmlns:a16="http://schemas.microsoft.com/office/drawing/2014/main" id="{6F17A781-E9DE-4C8F-BD29-F7DAFB05ACC7}"/>
-              </a:ext>
-            </a:extLst>
-          </p:cNvPr>
-          <p:cNvSpPr>
-            <a:spLocks noGrp="1"/>
-          </p:cNvSpPr>
-          <p:nvPr>
-            <p:ph type="sldNum" sz="quarter" idx="12"/>
-          </p:nvPr>
-        </p:nvSpPr>
-        <p:spPr/>
-        <p:txBody>
-          <a:bodyPr/>
-          <a:lstStyle/>
-          <a:p>
-            <a:fld id="{F9271A51-7DBF-495B-B08D-7D1CC480C90F}" type="slidenum">
-              <a:rPr lang="en-CA" smtClean="0"/>
-              <a:t>‹#›</a:t>
-            </a:fld>
-            <a:endParaRPr lang="en-CA"/>
-          </a:p>
-        </p:txBody>
-      </p:sp>
-    </p:spTree>
-    <p:extLst>
-      <p:ext uri="{BB962C8B-B14F-4D97-AF65-F5344CB8AC3E}">
-        <p14:creationId xmlns:p14="http://schemas.microsoft.com/office/powerpoint/2010/main" val="1804595780"/>
-      </p:ext>
-    </p:extLst>
-  </p:cSld>
-  <p:clrMapOvr>
-    <a:masterClrMapping/>
-  </p:clrMapOvr>
-</p:sldLayout>
-</file>
-
-<file path=ppt/slideLayouts/slideLayout25.xml><?xml version="1.0" encoding="utf-8"?>
-<p:sldLayout xmlns:a="http://schemas.openxmlformats.org/drawingml/2006/main" xmlns:r="http://schemas.openxmlformats.org/officeDocument/2006/relationships" xmlns:p="http://schemas.openxmlformats.org/presentationml/2006/main" type="objTx" preserve="1">
-  <p:cSld name="Content with Caption">
-    <p:spTree>
-      <p:nvGrpSpPr>
-        <p:cNvPr id="1" name=""/>
-        <p:cNvGrpSpPr/>
-        <p:nvPr/>
-      </p:nvGrpSpPr>
-      <p:grpSpPr>
-        <a:xfrm>
-          <a:off x="0" y="0"/>
-          <a:ext cx="0" cy="0"/>
-          <a:chOff x="0" y="0"/>
-          <a:chExt cx="0" cy="0"/>
-        </a:xfrm>
-      </p:grpSpPr>
-      <p:sp>
-        <p:nvSpPr>
-          <p:cNvPr id="2" name="Title 1">
-            <a:extLst>
-              <a:ext uri="{FF2B5EF4-FFF2-40B4-BE49-F238E27FC236}">
-                <a16:creationId xmlns:a16="http://schemas.microsoft.com/office/drawing/2014/main" id="{309C3F2F-A1D1-4264-8CBE-3B47B6F84AA1}"/>
-              </a:ext>
-            </a:extLst>
-          </p:cNvPr>
-          <p:cNvSpPr>
-            <a:spLocks noGrp="1"/>
-          </p:cNvSpPr>
-          <p:nvPr>
-            <p:ph type="title"/>
-          </p:nvPr>
-        </p:nvSpPr>
-        <p:spPr>
-          <a:xfrm>
-            <a:off x="839788" y="457200"/>
-            <a:ext cx="3932237" cy="1600200"/>
-          </a:xfrm>
-        </p:spPr>
-        <p:txBody>
-          <a:bodyPr anchor="b"/>
-          <a:lstStyle>
-            <a:lvl1pPr>
-              <a:defRPr sz="3200"/>
-            </a:lvl1pPr>
-          </a:lstStyle>
-          <a:p>
-            <a:r>
-              <a:rPr lang="en-US"/>
-              <a:t>Click to edit Master title style</a:t>
-            </a:r>
-            <a:endParaRPr lang="en-CA"/>
-          </a:p>
-        </p:txBody>
-      </p:sp>
-      <p:sp>
-        <p:nvSpPr>
-          <p:cNvPr id="3" name="Content Placeholder 2">
-            <a:extLst>
-              <a:ext uri="{FF2B5EF4-FFF2-40B4-BE49-F238E27FC236}">
-                <a16:creationId xmlns:a16="http://schemas.microsoft.com/office/drawing/2014/main" id="{BFB03178-DD89-4891-BFD0-A5EAEBE9088F}"/>
-              </a:ext>
-            </a:extLst>
-          </p:cNvPr>
-          <p:cNvSpPr>
-            <a:spLocks noGrp="1"/>
-          </p:cNvSpPr>
-          <p:nvPr>
-            <p:ph idx="1"/>
-          </p:nvPr>
-        </p:nvSpPr>
-        <p:spPr>
-          <a:xfrm>
-            <a:off x="5183188" y="987425"/>
-            <a:ext cx="6172200" cy="4873625"/>
-          </a:xfrm>
-        </p:spPr>
-        <p:txBody>
-          <a:bodyPr/>
-          <a:lstStyle>
-            <a:lvl1pPr>
-              <a:defRPr sz="3200"/>
-            </a:lvl1pPr>
-            <a:lvl2pPr>
-              <a:defRPr sz="2800"/>
-            </a:lvl2pPr>
-            <a:lvl3pPr>
-              <a:defRPr sz="2400"/>
-            </a:lvl3pPr>
-            <a:lvl4pPr>
-              <a:defRPr sz="2000"/>
-            </a:lvl4pPr>
-            <a:lvl5pPr>
-              <a:defRPr sz="2000"/>
-            </a:lvl5pPr>
-            <a:lvl6pPr>
-              <a:defRPr sz="2000"/>
-            </a:lvl6pPr>
-            <a:lvl7pPr>
-              <a:defRPr sz="2000"/>
-            </a:lvl7pPr>
-            <a:lvl8pPr>
-              <a:defRPr sz="2000"/>
-            </a:lvl8pPr>
-            <a:lvl9pPr>
-              <a:defRPr sz="2000"/>
-            </a:lvl9pPr>
-          </a:lstStyle>
-          <a:p>
-            <a:pPr lvl="0"/>
-            <a:r>
-              <a:rPr lang="en-US"/>
-              <a:t>Click to edit Master text styles</a:t>
-            </a:r>
-          </a:p>
-          <a:p>
-            <a:pPr lvl="1"/>
-            <a:r>
-              <a:rPr lang="en-US"/>
-              <a:t>Second level</a:t>
-            </a:r>
-          </a:p>
-          <a:p>
-            <a:pPr lvl="2"/>
-            <a:r>
-              <a:rPr lang="en-US"/>
-              <a:t>Third level</a:t>
-            </a:r>
-          </a:p>
-          <a:p>
-            <a:pPr lvl="3"/>
-            <a:r>
-              <a:rPr lang="en-US"/>
-              <a:t>Fourth level</a:t>
-            </a:r>
-          </a:p>
-          <a:p>
-            <a:pPr lvl="4"/>
-            <a:r>
-              <a:rPr lang="en-US"/>
-              <a:t>Fifth level</a:t>
-            </a:r>
-            <a:endParaRPr lang="en-CA"/>
-          </a:p>
-        </p:txBody>
-      </p:sp>
-      <p:sp>
-        <p:nvSpPr>
-          <p:cNvPr id="4" name="Text Placeholder 3">
-            <a:extLst>
-              <a:ext uri="{FF2B5EF4-FFF2-40B4-BE49-F238E27FC236}">
-                <a16:creationId xmlns:a16="http://schemas.microsoft.com/office/drawing/2014/main" id="{6B8609C7-2057-4E3E-A55C-06CA68490865}"/>
-              </a:ext>
-            </a:extLst>
-          </p:cNvPr>
-          <p:cNvSpPr>
-            <a:spLocks noGrp="1"/>
-          </p:cNvSpPr>
-          <p:nvPr>
-            <p:ph type="body" sz="half" idx="2"/>
-          </p:nvPr>
-        </p:nvSpPr>
-        <p:spPr>
-          <a:xfrm>
-            <a:off x="839788" y="2057400"/>
-            <a:ext cx="3932237" cy="3811588"/>
-          </a:xfrm>
-        </p:spPr>
-        <p:txBody>
-          <a:bodyPr/>
-          <a:lstStyle>
-            <a:lvl1pPr marL="0" indent="0">
-              <a:buNone/>
-              <a:defRPr sz="1600"/>
-            </a:lvl1pPr>
-            <a:lvl2pPr marL="457200" indent="0">
-              <a:buNone/>
-              <a:defRPr sz="1400"/>
-            </a:lvl2pPr>
-            <a:lvl3pPr marL="914400" indent="0">
-              <a:buNone/>
-              <a:defRPr sz="1200"/>
-            </a:lvl3pPr>
-            <a:lvl4pPr marL="1371600" indent="0">
-              <a:buNone/>
-              <a:defRPr sz="1000"/>
-            </a:lvl4pPr>
-            <a:lvl5pPr marL="1828800" indent="0">
-              <a:buNone/>
-              <a:defRPr sz="1000"/>
-            </a:lvl5pPr>
-            <a:lvl6pPr marL="2286000" indent="0">
-              <a:buNone/>
-              <a:defRPr sz="1000"/>
-            </a:lvl6pPr>
-            <a:lvl7pPr marL="2743200" indent="0">
-              <a:buNone/>
-              <a:defRPr sz="1000"/>
-            </a:lvl7pPr>
-            <a:lvl8pPr marL="3200400" indent="0">
-              <a:buNone/>
-              <a:defRPr sz="1000"/>
-            </a:lvl8pPr>
-            <a:lvl9pPr marL="3657600" indent="0">
-              <a:buNone/>
-              <a:defRPr sz="1000"/>
-            </a:lvl9pPr>
-          </a:lstStyle>
-          <a:p>
-            <a:pPr lvl="0"/>
-            <a:r>
-              <a:rPr lang="en-US"/>
-              <a:t>Click to edit Master text styles</a:t>
-            </a:r>
-          </a:p>
-        </p:txBody>
-      </p:sp>
-      <p:sp>
-        <p:nvSpPr>
-          <p:cNvPr id="5" name="Date Placeholder 4">
-            <a:extLst>
-              <a:ext uri="{FF2B5EF4-FFF2-40B4-BE49-F238E27FC236}">
-                <a16:creationId xmlns:a16="http://schemas.microsoft.com/office/drawing/2014/main" id="{3D6E34C7-B160-4238-8B1A-04A9A289E3A6}"/>
-              </a:ext>
-            </a:extLst>
-          </p:cNvPr>
-          <p:cNvSpPr>
-            <a:spLocks noGrp="1"/>
-          </p:cNvSpPr>
-          <p:nvPr>
-            <p:ph type="dt" sz="half" idx="10"/>
-          </p:nvPr>
-        </p:nvSpPr>
-        <p:spPr/>
-        <p:txBody>
-          <a:bodyPr/>
-          <a:lstStyle/>
-          <a:p>
-            <a:fld id="{990D8905-EC0B-41E3-AC8C-C6823787CC1C}" type="datetimeFigureOut">
-              <a:rPr lang="en-CA" smtClean="0"/>
-              <a:t>2021-11-19</a:t>
-            </a:fld>
-            <a:endParaRPr lang="en-CA"/>
-          </a:p>
-        </p:txBody>
-      </p:sp>
-      <p:sp>
-        <p:nvSpPr>
-          <p:cNvPr id="6" name="Footer Placeholder 5">
-            <a:extLst>
-              <a:ext uri="{FF2B5EF4-FFF2-40B4-BE49-F238E27FC236}">
-                <a16:creationId xmlns:a16="http://schemas.microsoft.com/office/drawing/2014/main" id="{9F19859D-8611-460C-8A02-8C30512180D9}"/>
-              </a:ext>
-            </a:extLst>
-          </p:cNvPr>
-          <p:cNvSpPr>
-            <a:spLocks noGrp="1"/>
-          </p:cNvSpPr>
-          <p:nvPr>
-            <p:ph type="ftr" sz="quarter" idx="11"/>
-          </p:nvPr>
-        </p:nvSpPr>
-        <p:spPr/>
-        <p:txBody>
-          <a:bodyPr/>
-          <a:lstStyle/>
-          <a:p>
-            <a:endParaRPr lang="en-CA"/>
-          </a:p>
-        </p:txBody>
-      </p:sp>
-      <p:sp>
-        <p:nvSpPr>
-          <p:cNvPr id="7" name="Slide Number Placeholder 6">
-            <a:extLst>
-              <a:ext uri="{FF2B5EF4-FFF2-40B4-BE49-F238E27FC236}">
-                <a16:creationId xmlns:a16="http://schemas.microsoft.com/office/drawing/2014/main" id="{28B96BDC-9670-4D8B-8378-6241E86C5E78}"/>
-              </a:ext>
-            </a:extLst>
-          </p:cNvPr>
-          <p:cNvSpPr>
-            <a:spLocks noGrp="1"/>
-          </p:cNvSpPr>
-          <p:nvPr>
-            <p:ph type="sldNum" sz="quarter" idx="12"/>
-          </p:nvPr>
-        </p:nvSpPr>
-        <p:spPr/>
-        <p:txBody>
-          <a:bodyPr/>
-          <a:lstStyle/>
-          <a:p>
-            <a:fld id="{F9271A51-7DBF-495B-B08D-7D1CC480C90F}" type="slidenum">
-              <a:rPr lang="en-CA" smtClean="0"/>
-              <a:t>‹#›</a:t>
-            </a:fld>
-            <a:endParaRPr lang="en-CA"/>
-          </a:p>
-        </p:txBody>
-      </p:sp>
-    </p:spTree>
-    <p:extLst>
-      <p:ext uri="{BB962C8B-B14F-4D97-AF65-F5344CB8AC3E}">
-        <p14:creationId xmlns:p14="http://schemas.microsoft.com/office/powerpoint/2010/main" val="3930678203"/>
-      </p:ext>
-    </p:extLst>
-  </p:cSld>
-  <p:clrMapOvr>
-    <a:masterClrMapping/>
-  </p:clrMapOvr>
-</p:sldLayout>
-</file>
-
-<file path=ppt/slideLayouts/slideLayout26.xml><?xml version="1.0" encoding="utf-8"?>
-<p:sldLayout xmlns:a="http://schemas.openxmlformats.org/drawingml/2006/main" xmlns:r="http://schemas.openxmlformats.org/officeDocument/2006/relationships" xmlns:p="http://schemas.openxmlformats.org/presentationml/2006/main" type="picTx" preserve="1">
-  <p:cSld name="Picture with Caption">
-    <p:spTree>
-      <p:nvGrpSpPr>
-        <p:cNvPr id="1" name=""/>
-        <p:cNvGrpSpPr/>
-        <p:nvPr/>
-      </p:nvGrpSpPr>
-      <p:grpSpPr>
-        <a:xfrm>
-          <a:off x="0" y="0"/>
-          <a:ext cx="0" cy="0"/>
-          <a:chOff x="0" y="0"/>
-          <a:chExt cx="0" cy="0"/>
-        </a:xfrm>
-      </p:grpSpPr>
-      <p:sp>
-        <p:nvSpPr>
-          <p:cNvPr id="2" name="Title 1">
-            <a:extLst>
-              <a:ext uri="{FF2B5EF4-FFF2-40B4-BE49-F238E27FC236}">
-                <a16:creationId xmlns:a16="http://schemas.microsoft.com/office/drawing/2014/main" id="{F881A373-F6F3-40E4-A6A8-789DA9F55BBF}"/>
-              </a:ext>
-            </a:extLst>
-          </p:cNvPr>
-          <p:cNvSpPr>
-            <a:spLocks noGrp="1"/>
-          </p:cNvSpPr>
-          <p:nvPr>
-            <p:ph type="title"/>
-          </p:nvPr>
-        </p:nvSpPr>
-        <p:spPr>
-          <a:xfrm>
-            <a:off x="839788" y="457200"/>
-            <a:ext cx="3932237" cy="1600200"/>
-          </a:xfrm>
-        </p:spPr>
-        <p:txBody>
-          <a:bodyPr anchor="b"/>
-          <a:lstStyle>
-            <a:lvl1pPr>
-              <a:defRPr sz="3200"/>
-            </a:lvl1pPr>
-          </a:lstStyle>
-          <a:p>
-            <a:r>
-              <a:rPr lang="en-US"/>
-              <a:t>Click to edit Master title style</a:t>
-            </a:r>
-            <a:endParaRPr lang="en-CA"/>
-          </a:p>
-        </p:txBody>
-      </p:sp>
-      <p:sp>
-        <p:nvSpPr>
-          <p:cNvPr id="3" name="Picture Placeholder 2">
-            <a:extLst>
-              <a:ext uri="{FF2B5EF4-FFF2-40B4-BE49-F238E27FC236}">
-                <a16:creationId xmlns:a16="http://schemas.microsoft.com/office/drawing/2014/main" id="{7E35B9BC-A4D8-4055-914B-217884DF9DED}"/>
-              </a:ext>
-            </a:extLst>
-          </p:cNvPr>
-          <p:cNvSpPr>
-            <a:spLocks noGrp="1"/>
-          </p:cNvSpPr>
-          <p:nvPr>
-            <p:ph type="pic" idx="1"/>
-          </p:nvPr>
-        </p:nvSpPr>
-        <p:spPr>
-          <a:xfrm>
-            <a:off x="5183188" y="987425"/>
-            <a:ext cx="6172200" cy="4873625"/>
-          </a:xfrm>
-        </p:spPr>
-        <p:txBody>
-          <a:bodyPr/>
-          <a:lstStyle>
-            <a:lvl1pPr marL="0" indent="0">
-              <a:buNone/>
-              <a:defRPr sz="3200"/>
-            </a:lvl1pPr>
-            <a:lvl2pPr marL="457200" indent="0">
-              <a:buNone/>
-              <a:defRPr sz="2800"/>
-            </a:lvl2pPr>
-            <a:lvl3pPr marL="914400" indent="0">
-              <a:buNone/>
-              <a:defRPr sz="2400"/>
-            </a:lvl3pPr>
-            <a:lvl4pPr marL="1371600" indent="0">
-              <a:buNone/>
-              <a:defRPr sz="2000"/>
-            </a:lvl4pPr>
-            <a:lvl5pPr marL="1828800" indent="0">
-              <a:buNone/>
-              <a:defRPr sz="2000"/>
-            </a:lvl5pPr>
-            <a:lvl6pPr marL="2286000" indent="0">
-              <a:buNone/>
-              <a:defRPr sz="2000"/>
-            </a:lvl6pPr>
-            <a:lvl7pPr marL="2743200" indent="0">
-              <a:buNone/>
-              <a:defRPr sz="2000"/>
-            </a:lvl7pPr>
-            <a:lvl8pPr marL="3200400" indent="0">
-              <a:buNone/>
-              <a:defRPr sz="2000"/>
-            </a:lvl8pPr>
-            <a:lvl9pPr marL="3657600" indent="0">
-              <a:buNone/>
-              <a:defRPr sz="2000"/>
-            </a:lvl9pPr>
-          </a:lstStyle>
-          <a:p>
-            <a:endParaRPr lang="en-CA"/>
-          </a:p>
-        </p:txBody>
-      </p:sp>
-      <p:sp>
-        <p:nvSpPr>
-          <p:cNvPr id="4" name="Text Placeholder 3">
-            <a:extLst>
-              <a:ext uri="{FF2B5EF4-FFF2-40B4-BE49-F238E27FC236}">
-                <a16:creationId xmlns:a16="http://schemas.microsoft.com/office/drawing/2014/main" id="{3F86304F-AE96-4507-9F70-14CEC448FC23}"/>
-              </a:ext>
-            </a:extLst>
-          </p:cNvPr>
-          <p:cNvSpPr>
-            <a:spLocks noGrp="1"/>
-          </p:cNvSpPr>
-          <p:nvPr>
-            <p:ph type="body" sz="half" idx="2"/>
-          </p:nvPr>
-        </p:nvSpPr>
-        <p:spPr>
-          <a:xfrm>
-            <a:off x="839788" y="2057400"/>
-            <a:ext cx="3932237" cy="3811588"/>
-          </a:xfrm>
-        </p:spPr>
-        <p:txBody>
-          <a:bodyPr/>
-          <a:lstStyle>
-            <a:lvl1pPr marL="0" indent="0">
-              <a:buNone/>
-              <a:defRPr sz="1600"/>
-            </a:lvl1pPr>
-            <a:lvl2pPr marL="457200" indent="0">
-              <a:buNone/>
-              <a:defRPr sz="1400"/>
-            </a:lvl2pPr>
-            <a:lvl3pPr marL="914400" indent="0">
-              <a:buNone/>
-              <a:defRPr sz="1200"/>
-            </a:lvl3pPr>
-            <a:lvl4pPr marL="1371600" indent="0">
-              <a:buNone/>
-              <a:defRPr sz="1000"/>
-            </a:lvl4pPr>
-            <a:lvl5pPr marL="1828800" indent="0">
-              <a:buNone/>
-              <a:defRPr sz="1000"/>
-            </a:lvl5pPr>
-            <a:lvl6pPr marL="2286000" indent="0">
-              <a:buNone/>
-              <a:defRPr sz="1000"/>
-            </a:lvl6pPr>
-            <a:lvl7pPr marL="2743200" indent="0">
-              <a:buNone/>
-              <a:defRPr sz="1000"/>
-            </a:lvl7pPr>
-            <a:lvl8pPr marL="3200400" indent="0">
-              <a:buNone/>
-              <a:defRPr sz="1000"/>
-            </a:lvl8pPr>
-            <a:lvl9pPr marL="3657600" indent="0">
-              <a:buNone/>
-              <a:defRPr sz="1000"/>
-            </a:lvl9pPr>
-          </a:lstStyle>
-          <a:p>
-            <a:pPr lvl="0"/>
-            <a:r>
-              <a:rPr lang="en-US"/>
-              <a:t>Click to edit Master text styles</a:t>
-            </a:r>
-          </a:p>
-        </p:txBody>
-      </p:sp>
-      <p:sp>
-        <p:nvSpPr>
-          <p:cNvPr id="5" name="Date Placeholder 4">
-            <a:extLst>
-              <a:ext uri="{FF2B5EF4-FFF2-40B4-BE49-F238E27FC236}">
-                <a16:creationId xmlns:a16="http://schemas.microsoft.com/office/drawing/2014/main" id="{2B031708-FF1B-4943-9BEA-9E9C2A3C40C0}"/>
-              </a:ext>
-            </a:extLst>
-          </p:cNvPr>
-          <p:cNvSpPr>
-            <a:spLocks noGrp="1"/>
-          </p:cNvSpPr>
-          <p:nvPr>
-            <p:ph type="dt" sz="half" idx="10"/>
-          </p:nvPr>
-        </p:nvSpPr>
-        <p:spPr/>
-        <p:txBody>
-          <a:bodyPr/>
-          <a:lstStyle/>
-          <a:p>
-            <a:fld id="{990D8905-EC0B-41E3-AC8C-C6823787CC1C}" type="datetimeFigureOut">
-              <a:rPr lang="en-CA" smtClean="0"/>
-              <a:t>2021-11-19</a:t>
-            </a:fld>
-            <a:endParaRPr lang="en-CA"/>
-          </a:p>
-        </p:txBody>
-      </p:sp>
-      <p:sp>
-        <p:nvSpPr>
-          <p:cNvPr id="6" name="Footer Placeholder 5">
-            <a:extLst>
-              <a:ext uri="{FF2B5EF4-FFF2-40B4-BE49-F238E27FC236}">
-                <a16:creationId xmlns:a16="http://schemas.microsoft.com/office/drawing/2014/main" id="{7A41E254-F7C2-42B2-8463-7F3FBD1FC8F6}"/>
-              </a:ext>
-            </a:extLst>
-          </p:cNvPr>
-          <p:cNvSpPr>
-            <a:spLocks noGrp="1"/>
-          </p:cNvSpPr>
-          <p:nvPr>
-            <p:ph type="ftr" sz="quarter" idx="11"/>
-          </p:nvPr>
-        </p:nvSpPr>
-        <p:spPr/>
-        <p:txBody>
-          <a:bodyPr/>
-          <a:lstStyle/>
-          <a:p>
-            <a:endParaRPr lang="en-CA"/>
-          </a:p>
-        </p:txBody>
-      </p:sp>
-      <p:sp>
-        <p:nvSpPr>
-          <p:cNvPr id="7" name="Slide Number Placeholder 6">
-            <a:extLst>
-              <a:ext uri="{FF2B5EF4-FFF2-40B4-BE49-F238E27FC236}">
-                <a16:creationId xmlns:a16="http://schemas.microsoft.com/office/drawing/2014/main" id="{887F76F2-22F2-454C-AE05-68A688D5E27F}"/>
-              </a:ext>
-            </a:extLst>
-          </p:cNvPr>
-          <p:cNvSpPr>
-            <a:spLocks noGrp="1"/>
-          </p:cNvSpPr>
-          <p:nvPr>
-            <p:ph type="sldNum" sz="quarter" idx="12"/>
-          </p:nvPr>
-        </p:nvSpPr>
-        <p:spPr/>
-        <p:txBody>
-          <a:bodyPr/>
-          <a:lstStyle/>
-          <a:p>
-            <a:fld id="{F9271A51-7DBF-495B-B08D-7D1CC480C90F}" type="slidenum">
-              <a:rPr lang="en-CA" smtClean="0"/>
-              <a:t>‹#›</a:t>
-            </a:fld>
-            <a:endParaRPr lang="en-CA"/>
-          </a:p>
-        </p:txBody>
-      </p:sp>
-    </p:spTree>
-    <p:extLst>
-      <p:ext uri="{BB962C8B-B14F-4D97-AF65-F5344CB8AC3E}">
-        <p14:creationId xmlns:p14="http://schemas.microsoft.com/office/powerpoint/2010/main" val="3441177493"/>
-      </p:ext>
-    </p:extLst>
-  </p:cSld>
-  <p:clrMapOvr>
-    <a:masterClrMapping/>
-  </p:clrMapOvr>
-</p:sldLayout>
-</file>
-
-<file path=ppt/slideLayouts/slideLayout27.xml><?xml version="1.0" encoding="utf-8"?>
-<p:sldLayout xmlns:a="http://schemas.openxmlformats.org/drawingml/2006/main" xmlns:r="http://schemas.openxmlformats.org/officeDocument/2006/relationships" xmlns:p="http://schemas.openxmlformats.org/presentationml/2006/main" type="vertTx" preserve="1">
-  <p:cSld name="Title and Vertical Text">
-    <p:spTree>
-      <p:nvGrpSpPr>
-        <p:cNvPr id="1" name=""/>
-        <p:cNvGrpSpPr/>
-        <p:nvPr/>
-      </p:nvGrpSpPr>
-      <p:grpSpPr>
-        <a:xfrm>
-          <a:off x="0" y="0"/>
-          <a:ext cx="0" cy="0"/>
-          <a:chOff x="0" y="0"/>
-          <a:chExt cx="0" cy="0"/>
-        </a:xfrm>
-      </p:grpSpPr>
-      <p:sp>
-        <p:nvSpPr>
-          <p:cNvPr id="2" name="Title 1">
-            <a:extLst>
-              <a:ext uri="{FF2B5EF4-FFF2-40B4-BE49-F238E27FC236}">
-                <a16:creationId xmlns:a16="http://schemas.microsoft.com/office/drawing/2014/main" id="{E9FC0B54-0145-451D-9533-0BCE71F1BFF0}"/>
-              </a:ext>
-            </a:extLst>
-          </p:cNvPr>
-          <p:cNvSpPr>
-            <a:spLocks noGrp="1"/>
-          </p:cNvSpPr>
-          <p:nvPr>
-            <p:ph type="title"/>
-          </p:nvPr>
-        </p:nvSpPr>
-        <p:spPr/>
-        <p:txBody>
-          <a:bodyPr/>
-          <a:lstStyle/>
-          <a:p>
-            <a:r>
-              <a:rPr lang="en-US"/>
-              <a:t>Click to edit Master title style</a:t>
-            </a:r>
-            <a:endParaRPr lang="en-CA"/>
-          </a:p>
-        </p:txBody>
-      </p:sp>
-      <p:sp>
-        <p:nvSpPr>
-          <p:cNvPr id="3" name="Vertical Text Placeholder 2">
-            <a:extLst>
-              <a:ext uri="{FF2B5EF4-FFF2-40B4-BE49-F238E27FC236}">
-                <a16:creationId xmlns:a16="http://schemas.microsoft.com/office/drawing/2014/main" id="{52C2DBE9-8661-4D0C-AD1C-8651C48C346B}"/>
-              </a:ext>
-            </a:extLst>
-          </p:cNvPr>
-          <p:cNvSpPr>
-            <a:spLocks noGrp="1"/>
-          </p:cNvSpPr>
-          <p:nvPr>
-            <p:ph type="body" orient="vert" idx="1"/>
-          </p:nvPr>
-        </p:nvSpPr>
-        <p:spPr/>
-        <p:txBody>
-          <a:bodyPr vert="eaVert"/>
-          <a:lstStyle/>
-          <a:p>
-            <a:pPr lvl="0"/>
-            <a:r>
-              <a:rPr lang="en-US"/>
-              <a:t>Click to edit Master text styles</a:t>
-            </a:r>
-          </a:p>
-          <a:p>
-            <a:pPr lvl="1"/>
-            <a:r>
-              <a:rPr lang="en-US"/>
-              <a:t>Second level</a:t>
-            </a:r>
-          </a:p>
-          <a:p>
-            <a:pPr lvl="2"/>
-            <a:r>
-              <a:rPr lang="en-US"/>
-              <a:t>Third level</a:t>
-            </a:r>
-          </a:p>
-          <a:p>
-            <a:pPr lvl="3"/>
-            <a:r>
-              <a:rPr lang="en-US"/>
-              <a:t>Fourth level</a:t>
-            </a:r>
-          </a:p>
-          <a:p>
-            <a:pPr lvl="4"/>
-            <a:r>
-              <a:rPr lang="en-US"/>
-              <a:t>Fifth level</a:t>
-            </a:r>
-            <a:endParaRPr lang="en-CA"/>
-          </a:p>
-        </p:txBody>
-      </p:sp>
-      <p:sp>
-        <p:nvSpPr>
-          <p:cNvPr id="4" name="Date Placeholder 3">
-            <a:extLst>
-              <a:ext uri="{FF2B5EF4-FFF2-40B4-BE49-F238E27FC236}">
-                <a16:creationId xmlns:a16="http://schemas.microsoft.com/office/drawing/2014/main" id="{A14114AD-C45F-4102-92B1-E4A830F78B2B}"/>
-              </a:ext>
-            </a:extLst>
-          </p:cNvPr>
-          <p:cNvSpPr>
-            <a:spLocks noGrp="1"/>
-          </p:cNvSpPr>
-          <p:nvPr>
-            <p:ph type="dt" sz="half" idx="10"/>
-          </p:nvPr>
-        </p:nvSpPr>
-        <p:spPr/>
-        <p:txBody>
-          <a:bodyPr/>
-          <a:lstStyle/>
-          <a:p>
-            <a:fld id="{990D8905-EC0B-41E3-AC8C-C6823787CC1C}" type="datetimeFigureOut">
-              <a:rPr lang="en-CA" smtClean="0"/>
-              <a:t>2021-11-19</a:t>
-            </a:fld>
-            <a:endParaRPr lang="en-CA"/>
-          </a:p>
-        </p:txBody>
-      </p:sp>
-      <p:sp>
-        <p:nvSpPr>
-          <p:cNvPr id="5" name="Footer Placeholder 4">
-            <a:extLst>
-              <a:ext uri="{FF2B5EF4-FFF2-40B4-BE49-F238E27FC236}">
-                <a16:creationId xmlns:a16="http://schemas.microsoft.com/office/drawing/2014/main" id="{2E11AE6E-A983-46A0-B7D7-345796905FD5}"/>
-              </a:ext>
-            </a:extLst>
-          </p:cNvPr>
-          <p:cNvSpPr>
-            <a:spLocks noGrp="1"/>
-          </p:cNvSpPr>
-          <p:nvPr>
-            <p:ph type="ftr" sz="quarter" idx="11"/>
-          </p:nvPr>
-        </p:nvSpPr>
-        <p:spPr/>
-        <p:txBody>
-          <a:bodyPr/>
-          <a:lstStyle/>
-          <a:p>
-            <a:endParaRPr lang="en-CA"/>
-          </a:p>
-        </p:txBody>
-      </p:sp>
-      <p:sp>
-        <p:nvSpPr>
-          <p:cNvPr id="6" name="Slide Number Placeholder 5">
-            <a:extLst>
-              <a:ext uri="{FF2B5EF4-FFF2-40B4-BE49-F238E27FC236}">
-                <a16:creationId xmlns:a16="http://schemas.microsoft.com/office/drawing/2014/main" id="{2E1599BF-A22E-4BD8-8DE8-EC437962858B}"/>
-              </a:ext>
-            </a:extLst>
-          </p:cNvPr>
-          <p:cNvSpPr>
-            <a:spLocks noGrp="1"/>
-          </p:cNvSpPr>
-          <p:nvPr>
-            <p:ph type="sldNum" sz="quarter" idx="12"/>
-          </p:nvPr>
-        </p:nvSpPr>
-        <p:spPr/>
-        <p:txBody>
-          <a:bodyPr/>
-          <a:lstStyle/>
-          <a:p>
-            <a:fld id="{F9271A51-7DBF-495B-B08D-7D1CC480C90F}" type="slidenum">
-              <a:rPr lang="en-CA" smtClean="0"/>
-              <a:t>‹#›</a:t>
-            </a:fld>
-            <a:endParaRPr lang="en-CA"/>
-          </a:p>
-        </p:txBody>
-      </p:sp>
-    </p:spTree>
-    <p:extLst>
-      <p:ext uri="{BB962C8B-B14F-4D97-AF65-F5344CB8AC3E}">
-        <p14:creationId xmlns:p14="http://schemas.microsoft.com/office/powerpoint/2010/main" val="4268038689"/>
-      </p:ext>
-    </p:extLst>
-  </p:cSld>
-  <p:clrMapOvr>
-    <a:masterClrMapping/>
-  </p:clrMapOvr>
-</p:sldLayout>
-</file>
-
-<file path=ppt/slideLayouts/slideLayout28.xml><?xml version="1.0" encoding="utf-8"?>
-<p:sldLayout xmlns:a="http://schemas.openxmlformats.org/drawingml/2006/main" xmlns:r="http://schemas.openxmlformats.org/officeDocument/2006/relationships" xmlns:p="http://schemas.openxmlformats.org/presentationml/2006/main" type="vertTitleAndTx" preserve="1">
-  <p:cSld name="Vertical Title and Text">
-    <p:spTree>
-      <p:nvGrpSpPr>
-        <p:cNvPr id="1" name=""/>
-        <p:cNvGrpSpPr/>
-        <p:nvPr/>
-      </p:nvGrpSpPr>
-      <p:grpSpPr>
-        <a:xfrm>
-          <a:off x="0" y="0"/>
-          <a:ext cx="0" cy="0"/>
-          <a:chOff x="0" y="0"/>
-          <a:chExt cx="0" cy="0"/>
-        </a:xfrm>
-      </p:grpSpPr>
-      <p:sp>
-        <p:nvSpPr>
-          <p:cNvPr id="2" name="Vertical Title 1">
-            <a:extLst>
-              <a:ext uri="{FF2B5EF4-FFF2-40B4-BE49-F238E27FC236}">
-                <a16:creationId xmlns:a16="http://schemas.microsoft.com/office/drawing/2014/main" id="{47AB63B1-F672-4499-961B-31E23DEE417C}"/>
-              </a:ext>
-            </a:extLst>
-          </p:cNvPr>
-          <p:cNvSpPr>
-            <a:spLocks noGrp="1"/>
-          </p:cNvSpPr>
-          <p:nvPr>
-            <p:ph type="title" orient="vert"/>
-          </p:nvPr>
-        </p:nvSpPr>
-        <p:spPr>
-          <a:xfrm>
-            <a:off x="8724900" y="365125"/>
-            <a:ext cx="2628900" cy="5811838"/>
-          </a:xfrm>
-        </p:spPr>
-        <p:txBody>
-          <a:bodyPr vert="eaVert"/>
-          <a:lstStyle/>
-          <a:p>
-            <a:r>
-              <a:rPr lang="en-US"/>
-              <a:t>Click to edit Master title style</a:t>
-            </a:r>
-            <a:endParaRPr lang="en-CA"/>
-          </a:p>
-        </p:txBody>
-      </p:sp>
-      <p:sp>
-        <p:nvSpPr>
-          <p:cNvPr id="3" name="Vertical Text Placeholder 2">
-            <a:extLst>
-              <a:ext uri="{FF2B5EF4-FFF2-40B4-BE49-F238E27FC236}">
-                <a16:creationId xmlns:a16="http://schemas.microsoft.com/office/drawing/2014/main" id="{C80E3CB1-699A-4122-A5E4-060637E2DC01}"/>
-              </a:ext>
-            </a:extLst>
-          </p:cNvPr>
-          <p:cNvSpPr>
-            <a:spLocks noGrp="1"/>
-          </p:cNvSpPr>
-          <p:nvPr>
-            <p:ph type="body" orient="vert" idx="1"/>
-          </p:nvPr>
-        </p:nvSpPr>
-        <p:spPr>
-          <a:xfrm>
-            <a:off x="838200" y="365125"/>
-            <a:ext cx="7734300" cy="5811838"/>
-          </a:xfrm>
-        </p:spPr>
-        <p:txBody>
-          <a:bodyPr vert="eaVert"/>
-          <a:lstStyle/>
-          <a:p>
-            <a:pPr lvl="0"/>
-            <a:r>
-              <a:rPr lang="en-US"/>
-              <a:t>Click to edit Master text styles</a:t>
-            </a:r>
-          </a:p>
-          <a:p>
-            <a:pPr lvl="1"/>
-            <a:r>
-              <a:rPr lang="en-US"/>
-              <a:t>Second level</a:t>
-            </a:r>
-          </a:p>
-          <a:p>
-            <a:pPr lvl="2"/>
-            <a:r>
-              <a:rPr lang="en-US"/>
-              <a:t>Third level</a:t>
-            </a:r>
-          </a:p>
-          <a:p>
-            <a:pPr lvl="3"/>
-            <a:r>
-              <a:rPr lang="en-US"/>
-              <a:t>Fourth level</a:t>
-            </a:r>
-          </a:p>
-          <a:p>
-            <a:pPr lvl="4"/>
-            <a:r>
-              <a:rPr lang="en-US"/>
-              <a:t>Fifth level</a:t>
-            </a:r>
-            <a:endParaRPr lang="en-CA"/>
-          </a:p>
-        </p:txBody>
-      </p:sp>
-      <p:sp>
-        <p:nvSpPr>
-          <p:cNvPr id="4" name="Date Placeholder 3">
-            <a:extLst>
-              <a:ext uri="{FF2B5EF4-FFF2-40B4-BE49-F238E27FC236}">
-                <a16:creationId xmlns:a16="http://schemas.microsoft.com/office/drawing/2014/main" id="{FF419E44-8A25-41C4-AE3F-C5D8BEE08737}"/>
-              </a:ext>
-            </a:extLst>
-          </p:cNvPr>
-          <p:cNvSpPr>
-            <a:spLocks noGrp="1"/>
-          </p:cNvSpPr>
-          <p:nvPr>
-            <p:ph type="dt" sz="half" idx="10"/>
-          </p:nvPr>
-        </p:nvSpPr>
-        <p:spPr/>
-        <p:txBody>
-          <a:bodyPr/>
-          <a:lstStyle/>
-          <a:p>
-            <a:fld id="{990D8905-EC0B-41E3-AC8C-C6823787CC1C}" type="datetimeFigureOut">
-              <a:rPr lang="en-CA" smtClean="0"/>
-              <a:t>2021-11-19</a:t>
-            </a:fld>
-            <a:endParaRPr lang="en-CA"/>
-          </a:p>
-        </p:txBody>
-      </p:sp>
-      <p:sp>
-        <p:nvSpPr>
-          <p:cNvPr id="5" name="Footer Placeholder 4">
-            <a:extLst>
-              <a:ext uri="{FF2B5EF4-FFF2-40B4-BE49-F238E27FC236}">
-                <a16:creationId xmlns:a16="http://schemas.microsoft.com/office/drawing/2014/main" id="{37E526DA-62AF-4A27-A7EE-24CF2F750D58}"/>
-              </a:ext>
-            </a:extLst>
-          </p:cNvPr>
-          <p:cNvSpPr>
-            <a:spLocks noGrp="1"/>
-          </p:cNvSpPr>
-          <p:nvPr>
-            <p:ph type="ftr" sz="quarter" idx="11"/>
-          </p:nvPr>
-        </p:nvSpPr>
-        <p:spPr/>
-        <p:txBody>
-          <a:bodyPr/>
-          <a:lstStyle/>
-          <a:p>
-            <a:endParaRPr lang="en-CA"/>
-          </a:p>
-        </p:txBody>
-      </p:sp>
-      <p:sp>
-        <p:nvSpPr>
-          <p:cNvPr id="6" name="Slide Number Placeholder 5">
-            <a:extLst>
-              <a:ext uri="{FF2B5EF4-FFF2-40B4-BE49-F238E27FC236}">
-                <a16:creationId xmlns:a16="http://schemas.microsoft.com/office/drawing/2014/main" id="{0DC9888D-CB6B-424F-B446-8D29FCD470A2}"/>
-              </a:ext>
-            </a:extLst>
-          </p:cNvPr>
-          <p:cNvSpPr>
-            <a:spLocks noGrp="1"/>
-          </p:cNvSpPr>
-          <p:nvPr>
-            <p:ph type="sldNum" sz="quarter" idx="12"/>
-          </p:nvPr>
-        </p:nvSpPr>
-        <p:spPr/>
-        <p:txBody>
-          <a:bodyPr/>
-          <a:lstStyle/>
-          <a:p>
-            <a:fld id="{F9271A51-7DBF-495B-B08D-7D1CC480C90F}" type="slidenum">
-              <a:rPr lang="en-CA" smtClean="0"/>
-              <a:t>‹#›</a:t>
-            </a:fld>
-            <a:endParaRPr lang="en-CA"/>
-          </a:p>
-        </p:txBody>
-      </p:sp>
-    </p:spTree>
-    <p:extLst>
-      <p:ext uri="{BB962C8B-B14F-4D97-AF65-F5344CB8AC3E}">
-        <p14:creationId xmlns:p14="http://schemas.microsoft.com/office/powerpoint/2010/main" val="512825146"/>
       </p:ext>
     </p:extLst>
   </p:cSld>
@@ -8667,576 +6015,6 @@
 </p:sldMaster>
 </file>
 
-<file path=ppt/slideMasters/slideMaster2.xml><?xml version="1.0" encoding="utf-8"?>
-<p:sldMaster xmlns:a="http://schemas.openxmlformats.org/drawingml/2006/main" xmlns:r="http://schemas.openxmlformats.org/officeDocument/2006/relationships" xmlns:p="http://schemas.openxmlformats.org/presentationml/2006/main">
-  <p:cSld>
-    <p:bg>
-      <p:bgRef idx="1001">
-        <a:schemeClr val="bg1"/>
-      </p:bgRef>
-    </p:bg>
-    <p:spTree>
-      <p:nvGrpSpPr>
-        <p:cNvPr id="1" name=""/>
-        <p:cNvGrpSpPr/>
-        <p:nvPr/>
-      </p:nvGrpSpPr>
-      <p:grpSpPr>
-        <a:xfrm>
-          <a:off x="0" y="0"/>
-          <a:ext cx="0" cy="0"/>
-          <a:chOff x="0" y="0"/>
-          <a:chExt cx="0" cy="0"/>
-        </a:xfrm>
-      </p:grpSpPr>
-      <p:sp>
-        <p:nvSpPr>
-          <p:cNvPr id="2" name="Title Placeholder 1">
-            <a:extLst>
-              <a:ext uri="{FF2B5EF4-FFF2-40B4-BE49-F238E27FC236}">
-                <a16:creationId xmlns:a16="http://schemas.microsoft.com/office/drawing/2014/main" id="{D77AB656-0D8E-40DF-902E-11398B12D1D9}"/>
-              </a:ext>
-            </a:extLst>
-          </p:cNvPr>
-          <p:cNvSpPr>
-            <a:spLocks noGrp="1"/>
-          </p:cNvSpPr>
-          <p:nvPr>
-            <p:ph type="title"/>
-          </p:nvPr>
-        </p:nvSpPr>
-        <p:spPr>
-          <a:xfrm>
-            <a:off x="838200" y="365125"/>
-            <a:ext cx="10515600" cy="1325563"/>
-          </a:xfrm>
-          <a:prstGeom prst="rect">
-            <a:avLst/>
-          </a:prstGeom>
-        </p:spPr>
-        <p:txBody>
-          <a:bodyPr vert="horz" lIns="91440" tIns="45720" rIns="91440" bIns="45720" rtlCol="0" anchor="ctr">
-            <a:normAutofit/>
-          </a:bodyPr>
-          <a:lstStyle/>
-          <a:p>
-            <a:r>
-              <a:rPr lang="en-US"/>
-              <a:t>Click to edit Master title style</a:t>
-            </a:r>
-            <a:endParaRPr lang="en-CA"/>
-          </a:p>
-        </p:txBody>
-      </p:sp>
-      <p:sp>
-        <p:nvSpPr>
-          <p:cNvPr id="3" name="Text Placeholder 2">
-            <a:extLst>
-              <a:ext uri="{FF2B5EF4-FFF2-40B4-BE49-F238E27FC236}">
-                <a16:creationId xmlns:a16="http://schemas.microsoft.com/office/drawing/2014/main" id="{3BE6D900-5659-4155-B45C-4BD970BBB496}"/>
-              </a:ext>
-            </a:extLst>
-          </p:cNvPr>
-          <p:cNvSpPr>
-            <a:spLocks noGrp="1"/>
-          </p:cNvSpPr>
-          <p:nvPr>
-            <p:ph type="body" idx="1"/>
-          </p:nvPr>
-        </p:nvSpPr>
-        <p:spPr>
-          <a:xfrm>
-            <a:off x="838200" y="1825625"/>
-            <a:ext cx="10515600" cy="4351338"/>
-          </a:xfrm>
-          <a:prstGeom prst="rect">
-            <a:avLst/>
-          </a:prstGeom>
-        </p:spPr>
-        <p:txBody>
-          <a:bodyPr vert="horz" lIns="91440" tIns="45720" rIns="91440" bIns="45720" rtlCol="0">
-            <a:normAutofit/>
-          </a:bodyPr>
-          <a:lstStyle/>
-          <a:p>
-            <a:pPr lvl="0"/>
-            <a:r>
-              <a:rPr lang="en-US"/>
-              <a:t>Click to edit Master text styles</a:t>
-            </a:r>
-          </a:p>
-          <a:p>
-            <a:pPr lvl="1"/>
-            <a:r>
-              <a:rPr lang="en-US"/>
-              <a:t>Second level</a:t>
-            </a:r>
-          </a:p>
-          <a:p>
-            <a:pPr lvl="2"/>
-            <a:r>
-              <a:rPr lang="en-US"/>
-              <a:t>Third level</a:t>
-            </a:r>
-          </a:p>
-          <a:p>
-            <a:pPr lvl="3"/>
-            <a:r>
-              <a:rPr lang="en-US"/>
-              <a:t>Fourth level</a:t>
-            </a:r>
-          </a:p>
-          <a:p>
-            <a:pPr lvl="4"/>
-            <a:r>
-              <a:rPr lang="en-US"/>
-              <a:t>Fifth level</a:t>
-            </a:r>
-            <a:endParaRPr lang="en-CA"/>
-          </a:p>
-        </p:txBody>
-      </p:sp>
-      <p:sp>
-        <p:nvSpPr>
-          <p:cNvPr id="4" name="Date Placeholder 3">
-            <a:extLst>
-              <a:ext uri="{FF2B5EF4-FFF2-40B4-BE49-F238E27FC236}">
-                <a16:creationId xmlns:a16="http://schemas.microsoft.com/office/drawing/2014/main" id="{C6E7CC23-43C7-43C8-AF73-C87C5B92F74B}"/>
-              </a:ext>
-            </a:extLst>
-          </p:cNvPr>
-          <p:cNvSpPr>
-            <a:spLocks noGrp="1"/>
-          </p:cNvSpPr>
-          <p:nvPr>
-            <p:ph type="dt" sz="half" idx="2"/>
-          </p:nvPr>
-        </p:nvSpPr>
-        <p:spPr>
-          <a:xfrm>
-            <a:off x="838200" y="6356350"/>
-            <a:ext cx="2743200" cy="365125"/>
-          </a:xfrm>
-          <a:prstGeom prst="rect">
-            <a:avLst/>
-          </a:prstGeom>
-        </p:spPr>
-        <p:txBody>
-          <a:bodyPr vert="horz" lIns="91440" tIns="45720" rIns="91440" bIns="45720" rtlCol="0" anchor="ctr"/>
-          <a:lstStyle>
-            <a:lvl1pPr algn="l">
-              <a:defRPr sz="1200">
-                <a:solidFill>
-                  <a:schemeClr val="tx1">
-                    <a:tint val="75000"/>
-                  </a:schemeClr>
-                </a:solidFill>
-              </a:defRPr>
-            </a:lvl1pPr>
-          </a:lstStyle>
-          <a:p>
-            <a:fld id="{990D8905-EC0B-41E3-AC8C-C6823787CC1C}" type="datetimeFigureOut">
-              <a:rPr lang="en-CA" smtClean="0"/>
-              <a:t>2021-11-19</a:t>
-            </a:fld>
-            <a:endParaRPr lang="en-CA"/>
-          </a:p>
-        </p:txBody>
-      </p:sp>
-      <p:sp>
-        <p:nvSpPr>
-          <p:cNvPr id="5" name="Footer Placeholder 4">
-            <a:extLst>
-              <a:ext uri="{FF2B5EF4-FFF2-40B4-BE49-F238E27FC236}">
-                <a16:creationId xmlns:a16="http://schemas.microsoft.com/office/drawing/2014/main" id="{F5E31048-947F-42AD-A95E-68FBCE601C16}"/>
-              </a:ext>
-            </a:extLst>
-          </p:cNvPr>
-          <p:cNvSpPr>
-            <a:spLocks noGrp="1"/>
-          </p:cNvSpPr>
-          <p:nvPr>
-            <p:ph type="ftr" sz="quarter" idx="3"/>
-          </p:nvPr>
-        </p:nvSpPr>
-        <p:spPr>
-          <a:xfrm>
-            <a:off x="4038600" y="6356350"/>
-            <a:ext cx="4114800" cy="365125"/>
-          </a:xfrm>
-          <a:prstGeom prst="rect">
-            <a:avLst/>
-          </a:prstGeom>
-        </p:spPr>
-        <p:txBody>
-          <a:bodyPr vert="horz" lIns="91440" tIns="45720" rIns="91440" bIns="45720" rtlCol="0" anchor="ctr"/>
-          <a:lstStyle>
-            <a:lvl1pPr algn="ctr">
-              <a:defRPr sz="1200">
-                <a:solidFill>
-                  <a:schemeClr val="tx1">
-                    <a:tint val="75000"/>
-                  </a:schemeClr>
-                </a:solidFill>
-              </a:defRPr>
-            </a:lvl1pPr>
-          </a:lstStyle>
-          <a:p>
-            <a:endParaRPr lang="en-CA"/>
-          </a:p>
-        </p:txBody>
-      </p:sp>
-      <p:sp>
-        <p:nvSpPr>
-          <p:cNvPr id="6" name="Slide Number Placeholder 5">
-            <a:extLst>
-              <a:ext uri="{FF2B5EF4-FFF2-40B4-BE49-F238E27FC236}">
-                <a16:creationId xmlns:a16="http://schemas.microsoft.com/office/drawing/2014/main" id="{42BA7A72-0CCB-480C-96B0-69F400EAF355}"/>
-              </a:ext>
-            </a:extLst>
-          </p:cNvPr>
-          <p:cNvSpPr>
-            <a:spLocks noGrp="1"/>
-          </p:cNvSpPr>
-          <p:nvPr>
-            <p:ph type="sldNum" sz="quarter" idx="4"/>
-          </p:nvPr>
-        </p:nvSpPr>
-        <p:spPr>
-          <a:xfrm>
-            <a:off x="8610600" y="6356350"/>
-            <a:ext cx="2743200" cy="365125"/>
-          </a:xfrm>
-          <a:prstGeom prst="rect">
-            <a:avLst/>
-          </a:prstGeom>
-        </p:spPr>
-        <p:txBody>
-          <a:bodyPr vert="horz" lIns="91440" tIns="45720" rIns="91440" bIns="45720" rtlCol="0" anchor="ctr"/>
-          <a:lstStyle>
-            <a:lvl1pPr algn="r">
-              <a:defRPr sz="1200">
-                <a:solidFill>
-                  <a:schemeClr val="tx1">
-                    <a:tint val="75000"/>
-                  </a:schemeClr>
-                </a:solidFill>
-              </a:defRPr>
-            </a:lvl1pPr>
-          </a:lstStyle>
-          <a:p>
-            <a:fld id="{F9271A51-7DBF-495B-B08D-7D1CC480C90F}" type="slidenum">
-              <a:rPr lang="en-CA" smtClean="0"/>
-              <a:t>‹#›</a:t>
-            </a:fld>
-            <a:endParaRPr lang="en-CA"/>
-          </a:p>
-        </p:txBody>
-      </p:sp>
-    </p:spTree>
-    <p:extLst>
-      <p:ext uri="{BB962C8B-B14F-4D97-AF65-F5344CB8AC3E}">
-        <p14:creationId xmlns:p14="http://schemas.microsoft.com/office/powerpoint/2010/main" val="2668737256"/>
-      </p:ext>
-    </p:extLst>
-  </p:cSld>
-  <p:clrMap bg1="lt1" tx1="dk1" bg2="lt2" tx2="dk2" accent1="accent1" accent2="accent2" accent3="accent3" accent4="accent4" accent5="accent5" accent6="accent6" hlink="hlink" folHlink="folHlink"/>
-  <p:sldLayoutIdLst>
-    <p:sldLayoutId id="2147483889" r:id="rId1"/>
-    <p:sldLayoutId id="2147483890" r:id="rId2"/>
-    <p:sldLayoutId id="2147483891" r:id="rId3"/>
-    <p:sldLayoutId id="2147483892" r:id="rId4"/>
-    <p:sldLayoutId id="2147483893" r:id="rId5"/>
-    <p:sldLayoutId id="2147483894" r:id="rId6"/>
-    <p:sldLayoutId id="2147483895" r:id="rId7"/>
-    <p:sldLayoutId id="2147483896" r:id="rId8"/>
-    <p:sldLayoutId id="2147483897" r:id="rId9"/>
-    <p:sldLayoutId id="2147483898" r:id="rId10"/>
-    <p:sldLayoutId id="2147483899" r:id="rId11"/>
-  </p:sldLayoutIdLst>
-  <p:txStyles>
-    <p:titleStyle>
-      <a:lvl1pPr algn="l" defTabSz="914400" rtl="0" eaLnBrk="1" latinLnBrk="0" hangingPunct="1">
-        <a:lnSpc>
-          <a:spcPct val="90000"/>
-        </a:lnSpc>
-        <a:spcBef>
-          <a:spcPct val="0"/>
-        </a:spcBef>
-        <a:buNone/>
-        <a:defRPr sz="4400" kern="1200">
-          <a:solidFill>
-            <a:schemeClr val="tx1"/>
-          </a:solidFill>
-          <a:latin typeface="+mj-lt"/>
-          <a:ea typeface="+mj-ea"/>
-          <a:cs typeface="+mj-cs"/>
-        </a:defRPr>
-      </a:lvl1pPr>
-    </p:titleStyle>
-    <p:bodyStyle>
-      <a:lvl1pPr marL="228600" indent="-228600" algn="l" defTabSz="914400" rtl="0" eaLnBrk="1" latinLnBrk="0" hangingPunct="1">
-        <a:lnSpc>
-          <a:spcPct val="90000"/>
-        </a:lnSpc>
-        <a:spcBef>
-          <a:spcPts val="1000"/>
-        </a:spcBef>
-        <a:buFont typeface="Arial" panose="020B0604020202020204" pitchFamily="34" charset="0"/>
-        <a:buChar char="•"/>
-        <a:defRPr sz="2800" kern="1200">
-          <a:solidFill>
-            <a:schemeClr val="tx1"/>
-          </a:solidFill>
-          <a:latin typeface="+mn-lt"/>
-          <a:ea typeface="+mn-ea"/>
-          <a:cs typeface="+mn-cs"/>
-        </a:defRPr>
-      </a:lvl1pPr>
-      <a:lvl2pPr marL="685800" indent="-228600" algn="l" defTabSz="914400" rtl="0" eaLnBrk="1" latinLnBrk="0" hangingPunct="1">
-        <a:lnSpc>
-          <a:spcPct val="90000"/>
-        </a:lnSpc>
-        <a:spcBef>
-          <a:spcPts val="500"/>
-        </a:spcBef>
-        <a:buFont typeface="Arial" panose="020B0604020202020204" pitchFamily="34" charset="0"/>
-        <a:buChar char="•"/>
-        <a:defRPr sz="2400" kern="1200">
-          <a:solidFill>
-            <a:schemeClr val="tx1"/>
-          </a:solidFill>
-          <a:latin typeface="+mn-lt"/>
-          <a:ea typeface="+mn-ea"/>
-          <a:cs typeface="+mn-cs"/>
-        </a:defRPr>
-      </a:lvl2pPr>
-      <a:lvl3pPr marL="1143000" indent="-228600" algn="l" defTabSz="914400" rtl="0" eaLnBrk="1" latinLnBrk="0" hangingPunct="1">
-        <a:lnSpc>
-          <a:spcPct val="90000"/>
-        </a:lnSpc>
-        <a:spcBef>
-          <a:spcPts val="500"/>
-        </a:spcBef>
-        <a:buFont typeface="Arial" panose="020B0604020202020204" pitchFamily="34" charset="0"/>
-        <a:buChar char="•"/>
-        <a:defRPr sz="2000" kern="1200">
-          <a:solidFill>
-            <a:schemeClr val="tx1"/>
-          </a:solidFill>
-          <a:latin typeface="+mn-lt"/>
-          <a:ea typeface="+mn-ea"/>
-          <a:cs typeface="+mn-cs"/>
-        </a:defRPr>
-      </a:lvl3pPr>
-      <a:lvl4pPr marL="1600200" indent="-228600" algn="l" defTabSz="914400" rtl="0" eaLnBrk="1" latinLnBrk="0" hangingPunct="1">
-        <a:lnSpc>
-          <a:spcPct val="90000"/>
-        </a:lnSpc>
-        <a:spcBef>
-          <a:spcPts val="500"/>
-        </a:spcBef>
-        <a:buFont typeface="Arial" panose="020B0604020202020204" pitchFamily="34" charset="0"/>
-        <a:buChar char="•"/>
-        <a:defRPr sz="1800" kern="1200">
-          <a:solidFill>
-            <a:schemeClr val="tx1"/>
-          </a:solidFill>
-          <a:latin typeface="+mn-lt"/>
-          <a:ea typeface="+mn-ea"/>
-          <a:cs typeface="+mn-cs"/>
-        </a:defRPr>
-      </a:lvl4pPr>
-      <a:lvl5pPr marL="2057400" indent="-228600" algn="l" defTabSz="914400" rtl="0" eaLnBrk="1" latinLnBrk="0" hangingPunct="1">
-        <a:lnSpc>
-          <a:spcPct val="90000"/>
-        </a:lnSpc>
-        <a:spcBef>
-          <a:spcPts val="500"/>
-        </a:spcBef>
-        <a:buFont typeface="Arial" panose="020B0604020202020204" pitchFamily="34" charset="0"/>
-        <a:buChar char="•"/>
-        <a:defRPr sz="1800" kern="1200">
-          <a:solidFill>
-            <a:schemeClr val="tx1"/>
-          </a:solidFill>
-          <a:latin typeface="+mn-lt"/>
-          <a:ea typeface="+mn-ea"/>
-          <a:cs typeface="+mn-cs"/>
-        </a:defRPr>
-      </a:lvl5pPr>
-      <a:lvl6pPr marL="2514600" indent="-228600" algn="l" defTabSz="914400" rtl="0" eaLnBrk="1" latinLnBrk="0" hangingPunct="1">
-        <a:lnSpc>
-          <a:spcPct val="90000"/>
-        </a:lnSpc>
-        <a:spcBef>
-          <a:spcPts val="500"/>
-        </a:spcBef>
-        <a:buFont typeface="Arial" panose="020B0604020202020204" pitchFamily="34" charset="0"/>
-        <a:buChar char="•"/>
-        <a:defRPr sz="1800" kern="1200">
-          <a:solidFill>
-            <a:schemeClr val="tx1"/>
-          </a:solidFill>
-          <a:latin typeface="+mn-lt"/>
-          <a:ea typeface="+mn-ea"/>
-          <a:cs typeface="+mn-cs"/>
-        </a:defRPr>
-      </a:lvl6pPr>
-      <a:lvl7pPr marL="2971800" indent="-228600" algn="l" defTabSz="914400" rtl="0" eaLnBrk="1" latinLnBrk="0" hangingPunct="1">
-        <a:lnSpc>
-          <a:spcPct val="90000"/>
-        </a:lnSpc>
-        <a:spcBef>
-          <a:spcPts val="500"/>
-        </a:spcBef>
-        <a:buFont typeface="Arial" panose="020B0604020202020204" pitchFamily="34" charset="0"/>
-        <a:buChar char="•"/>
-        <a:defRPr sz="1800" kern="1200">
-          <a:solidFill>
-            <a:schemeClr val="tx1"/>
-          </a:solidFill>
-          <a:latin typeface="+mn-lt"/>
-          <a:ea typeface="+mn-ea"/>
-          <a:cs typeface="+mn-cs"/>
-        </a:defRPr>
-      </a:lvl7pPr>
-      <a:lvl8pPr marL="3429000" indent="-228600" algn="l" defTabSz="914400" rtl="0" eaLnBrk="1" latinLnBrk="0" hangingPunct="1">
-        <a:lnSpc>
-          <a:spcPct val="90000"/>
-        </a:lnSpc>
-        <a:spcBef>
-          <a:spcPts val="500"/>
-        </a:spcBef>
-        <a:buFont typeface="Arial" panose="020B0604020202020204" pitchFamily="34" charset="0"/>
-        <a:buChar char="•"/>
-        <a:defRPr sz="1800" kern="1200">
-          <a:solidFill>
-            <a:schemeClr val="tx1"/>
-          </a:solidFill>
-          <a:latin typeface="+mn-lt"/>
-          <a:ea typeface="+mn-ea"/>
-          <a:cs typeface="+mn-cs"/>
-        </a:defRPr>
-      </a:lvl8pPr>
-      <a:lvl9pPr marL="3886200" indent="-228600" algn="l" defTabSz="914400" rtl="0" eaLnBrk="1" latinLnBrk="0" hangingPunct="1">
-        <a:lnSpc>
-          <a:spcPct val="90000"/>
-        </a:lnSpc>
-        <a:spcBef>
-          <a:spcPts val="500"/>
-        </a:spcBef>
-        <a:buFont typeface="Arial" panose="020B0604020202020204" pitchFamily="34" charset="0"/>
-        <a:buChar char="•"/>
-        <a:defRPr sz="1800" kern="1200">
-          <a:solidFill>
-            <a:schemeClr val="tx1"/>
-          </a:solidFill>
-          <a:latin typeface="+mn-lt"/>
-          <a:ea typeface="+mn-ea"/>
-          <a:cs typeface="+mn-cs"/>
-        </a:defRPr>
-      </a:lvl9pPr>
-    </p:bodyStyle>
-    <p:otherStyle>
-      <a:defPPr>
-        <a:defRPr lang="en-US"/>
-      </a:defPPr>
-      <a:lvl1pPr marL="0" algn="l" defTabSz="914400" rtl="0" eaLnBrk="1" latinLnBrk="0" hangingPunct="1">
-        <a:defRPr sz="1800" kern="1200">
-          <a:solidFill>
-            <a:schemeClr val="tx1"/>
-          </a:solidFill>
-          <a:latin typeface="+mn-lt"/>
-          <a:ea typeface="+mn-ea"/>
-          <a:cs typeface="+mn-cs"/>
-        </a:defRPr>
-      </a:lvl1pPr>
-      <a:lvl2pPr marL="457200" algn="l" defTabSz="914400" rtl="0" eaLnBrk="1" latinLnBrk="0" hangingPunct="1">
-        <a:defRPr sz="1800" kern="1200">
-          <a:solidFill>
-            <a:schemeClr val="tx1"/>
-          </a:solidFill>
-          <a:latin typeface="+mn-lt"/>
-          <a:ea typeface="+mn-ea"/>
-          <a:cs typeface="+mn-cs"/>
-        </a:defRPr>
-      </a:lvl2pPr>
-      <a:lvl3pPr marL="914400" algn="l" defTabSz="914400" rtl="0" eaLnBrk="1" latinLnBrk="0" hangingPunct="1">
-        <a:defRPr sz="1800" kern="1200">
-          <a:solidFill>
-            <a:schemeClr val="tx1"/>
-          </a:solidFill>
-          <a:latin typeface="+mn-lt"/>
-          <a:ea typeface="+mn-ea"/>
-          <a:cs typeface="+mn-cs"/>
-        </a:defRPr>
-      </a:lvl3pPr>
-      <a:lvl4pPr marL="1371600" algn="l" defTabSz="914400" rtl="0" eaLnBrk="1" latinLnBrk="0" hangingPunct="1">
-        <a:defRPr sz="1800" kern="1200">
-          <a:solidFill>
-            <a:schemeClr val="tx1"/>
-          </a:solidFill>
-          <a:latin typeface="+mn-lt"/>
-          <a:ea typeface="+mn-ea"/>
-          <a:cs typeface="+mn-cs"/>
-        </a:defRPr>
-      </a:lvl4pPr>
-      <a:lvl5pPr marL="1828800" algn="l" defTabSz="914400" rtl="0" eaLnBrk="1" latinLnBrk="0" hangingPunct="1">
-        <a:defRPr sz="1800" kern="1200">
-          <a:solidFill>
-            <a:schemeClr val="tx1"/>
-          </a:solidFill>
-          <a:latin typeface="+mn-lt"/>
-          <a:ea typeface="+mn-ea"/>
-          <a:cs typeface="+mn-cs"/>
-        </a:defRPr>
-      </a:lvl5pPr>
-      <a:lvl6pPr marL="2286000" algn="l" defTabSz="914400" rtl="0" eaLnBrk="1" latinLnBrk="0" hangingPunct="1">
-        <a:defRPr sz="1800" kern="1200">
-          <a:solidFill>
-            <a:schemeClr val="tx1"/>
-          </a:solidFill>
-          <a:latin typeface="+mn-lt"/>
-          <a:ea typeface="+mn-ea"/>
-          <a:cs typeface="+mn-cs"/>
-        </a:defRPr>
-      </a:lvl6pPr>
-      <a:lvl7pPr marL="2743200" algn="l" defTabSz="914400" rtl="0" eaLnBrk="1" latinLnBrk="0" hangingPunct="1">
-        <a:defRPr sz="1800" kern="1200">
-          <a:solidFill>
-            <a:schemeClr val="tx1"/>
-          </a:solidFill>
-          <a:latin typeface="+mn-lt"/>
-          <a:ea typeface="+mn-ea"/>
-          <a:cs typeface="+mn-cs"/>
-        </a:defRPr>
-      </a:lvl7pPr>
-      <a:lvl8pPr marL="3200400" algn="l" defTabSz="914400" rtl="0" eaLnBrk="1" latinLnBrk="0" hangingPunct="1">
-        <a:defRPr sz="1800" kern="1200">
-          <a:solidFill>
-            <a:schemeClr val="tx1"/>
-          </a:solidFill>
-          <a:latin typeface="+mn-lt"/>
-          <a:ea typeface="+mn-ea"/>
-          <a:cs typeface="+mn-cs"/>
-        </a:defRPr>
-      </a:lvl8pPr>
-      <a:lvl9pPr marL="3657600" algn="l" defTabSz="914400" rtl="0" eaLnBrk="1" latinLnBrk="0" hangingPunct="1">
-        <a:defRPr sz="1800" kern="1200">
-          <a:solidFill>
-            <a:schemeClr val="tx1"/>
-          </a:solidFill>
-          <a:latin typeface="+mn-lt"/>
-          <a:ea typeface="+mn-ea"/>
-          <a:cs typeface="+mn-cs"/>
-        </a:defRPr>
-      </a:lvl9pPr>
-    </p:otherStyle>
-  </p:txStyles>
-</p:sldMaster>
-</file>
-
 <file path=ppt/slides/slide1.xml><?xml version="1.0" encoding="utf-8"?>
 <p:sld xmlns:a="http://schemas.openxmlformats.org/drawingml/2006/main" xmlns:r="http://schemas.openxmlformats.org/officeDocument/2006/relationships" xmlns:p="http://schemas.openxmlformats.org/presentationml/2006/main">
   <p:cSld>
@@ -9306,10 +6084,16 @@
         </p:nvSpPr>
         <p:spPr/>
         <p:txBody>
-          <a:bodyPr/>
-          <a:lstStyle/>
-          <a:p>
-            <a:endParaRPr lang="en-CA"/>
+          <a:bodyPr>
+            <a:normAutofit/>
+          </a:bodyPr>
+          <a:lstStyle/>
+          <a:p>
+            <a:r>
+              <a:rPr lang="en-US" sz="3600" dirty="0"/>
+              <a:t>(everything open to discussion)</a:t>
+            </a:r>
+            <a:endParaRPr lang="en-CA" sz="3600" dirty="0"/>
           </a:p>
         </p:txBody>
       </p:sp>
@@ -9367,20 +6151,13 @@
         </p:spPr>
         <p:txBody>
           <a:bodyPr>
-            <a:normAutofit fontScale="90000"/>
+            <a:normAutofit/>
           </a:bodyPr>
           <a:lstStyle/>
           <a:p>
             <a:r>
               <a:rPr lang="en-US" dirty="0"/>
               <a:t>Major Tasks to Complete</a:t>
-            </a:r>
-            <a:br>
-              <a:rPr lang="en-US" dirty="0"/>
-            </a:br>
-            <a:r>
-              <a:rPr lang="en-US" dirty="0"/>
-              <a:t>(everything open to discussion)</a:t>
             </a:r>
             <a:endParaRPr lang="en-CA" dirty="0"/>
           </a:p>
@@ -9426,7 +6203,7 @@
           <a:p>
             <a:r>
               <a:rPr lang="en-US" dirty="0"/>
-              <a:t>API software – connectivity program</a:t>
+              <a:t>API software – connectivity program/software/code</a:t>
             </a:r>
           </a:p>
           <a:p>
@@ -9476,120 +6253,6 @@
       </p:grpSpPr>
       <p:sp>
         <p:nvSpPr>
-          <p:cNvPr id="6" name="TextBox 5">
-            <a:extLst>
-              <a:ext uri="{FF2B5EF4-FFF2-40B4-BE49-F238E27FC236}">
-                <a16:creationId xmlns:a16="http://schemas.microsoft.com/office/drawing/2014/main" id="{F20DFE9E-055E-45F9-87E0-F341869EB831}"/>
-              </a:ext>
-            </a:extLst>
-          </p:cNvPr>
-          <p:cNvSpPr txBox="1"/>
-          <p:nvPr/>
-        </p:nvSpPr>
-        <p:spPr>
-          <a:xfrm>
-            <a:off x="1331258" y="887506"/>
-            <a:ext cx="2541494" cy="769441"/>
-          </a:xfrm>
-          <a:prstGeom prst="rect">
-            <a:avLst/>
-          </a:prstGeom>
-          <a:noFill/>
-          <a:ln>
-            <a:solidFill>
-              <a:schemeClr val="tx1"/>
-            </a:solidFill>
-          </a:ln>
-        </p:spPr>
-        <p:txBody>
-          <a:bodyPr wrap="square" rtlCol="0">
-            <a:spAutoFit/>
-          </a:bodyPr>
-          <a:lstStyle/>
-          <a:p>
-            <a:pPr algn="ctr"/>
-            <a:r>
-              <a:rPr lang="en-US" sz="4400" b="1" dirty="0"/>
-              <a:t>Inputs</a:t>
-            </a:r>
-            <a:endParaRPr lang="en-CA" sz="4400" b="1" dirty="0"/>
-          </a:p>
-        </p:txBody>
-      </p:sp>
-      <p:sp>
-        <p:nvSpPr>
-          <p:cNvPr id="8" name="TextBox 7">
-            <a:extLst>
-              <a:ext uri="{FF2B5EF4-FFF2-40B4-BE49-F238E27FC236}">
-                <a16:creationId xmlns:a16="http://schemas.microsoft.com/office/drawing/2014/main" id="{8A40043E-567C-48C9-9A41-AB87A0223C9B}"/>
-              </a:ext>
-            </a:extLst>
-          </p:cNvPr>
-          <p:cNvSpPr txBox="1"/>
-          <p:nvPr/>
-        </p:nvSpPr>
-        <p:spPr>
-          <a:xfrm>
-            <a:off x="7333130" y="887505"/>
-            <a:ext cx="2541494" cy="769441"/>
-          </a:xfrm>
-          <a:prstGeom prst="rect">
-            <a:avLst/>
-          </a:prstGeom>
-          <a:noFill/>
-          <a:ln>
-            <a:solidFill>
-              <a:schemeClr val="tx1"/>
-            </a:solidFill>
-          </a:ln>
-        </p:spPr>
-        <p:txBody>
-          <a:bodyPr wrap="square" rtlCol="0">
-            <a:spAutoFit/>
-          </a:bodyPr>
-          <a:lstStyle/>
-          <a:p>
-            <a:pPr algn="ctr"/>
-            <a:r>
-              <a:rPr lang="en-US" sz="4400" b="1" dirty="0"/>
-              <a:t>Outputs</a:t>
-            </a:r>
-            <a:endParaRPr lang="en-CA" sz="4400" b="1" dirty="0"/>
-          </a:p>
-        </p:txBody>
-      </p:sp>
-    </p:spTree>
-    <p:extLst>
-      <p:ext uri="{BB962C8B-B14F-4D97-AF65-F5344CB8AC3E}">
-        <p14:creationId xmlns:p14="http://schemas.microsoft.com/office/powerpoint/2010/main" val="328258151"/>
-      </p:ext>
-    </p:extLst>
-  </p:cSld>
-  <p:clrMapOvr>
-    <a:masterClrMapping/>
-  </p:clrMapOvr>
-</p:sld>
-</file>
-
-<file path=ppt/slides/slide4.xml><?xml version="1.0" encoding="utf-8"?>
-<p:sld xmlns:a="http://schemas.openxmlformats.org/drawingml/2006/main" xmlns:r="http://schemas.openxmlformats.org/officeDocument/2006/relationships" xmlns:p="http://schemas.openxmlformats.org/presentationml/2006/main">
-  <p:cSld>
-    <p:spTree>
-      <p:nvGrpSpPr>
-        <p:cNvPr id="1" name=""/>
-        <p:cNvGrpSpPr/>
-        <p:nvPr/>
-      </p:nvGrpSpPr>
-      <p:grpSpPr>
-        <a:xfrm>
-          <a:off x="0" y="0"/>
-          <a:ext cx="0" cy="0"/>
-          <a:chOff x="0" y="0"/>
-          <a:chExt cx="0" cy="0"/>
-        </a:xfrm>
-      </p:grpSpPr>
-      <p:sp>
-        <p:nvSpPr>
           <p:cNvPr id="7" name="Title 6">
             <a:extLst>
               <a:ext uri="{FF2B5EF4-FFF2-40B4-BE49-F238E27FC236}">
@@ -9609,7 +6272,11 @@
           <a:bodyPr/>
           <a:lstStyle/>
           <a:p>
-            <a:endParaRPr lang="en-CA"/>
+            <a:r>
+              <a:rPr lang="en-US" dirty="0"/>
+              <a:t>Solution (Website) Characteristics</a:t>
+            </a:r>
+            <a:endParaRPr lang="en-CA" dirty="0"/>
           </a:p>
         </p:txBody>
       </p:sp>
@@ -9660,10 +6327,52 @@
         </p:nvSpPr>
         <p:spPr/>
         <p:txBody>
-          <a:bodyPr/>
-          <a:lstStyle/>
-          <a:p>
-            <a:endParaRPr lang="en-CA"/>
+          <a:bodyPr>
+            <a:normAutofit/>
+          </a:bodyPr>
+          <a:lstStyle/>
+          <a:p>
+            <a:r>
+              <a:rPr lang="en-US" dirty="0"/>
+              <a:t>Mandatory: 1 of 2 (or both)</a:t>
+            </a:r>
+          </a:p>
+          <a:p>
+            <a:pPr lvl="1"/>
+            <a:r>
+              <a:rPr lang="en-US" dirty="0"/>
+              <a:t>Transformation Type – dropdown menu?</a:t>
+            </a:r>
+          </a:p>
+          <a:p>
+            <a:pPr lvl="1"/>
+            <a:r>
+              <a:rPr lang="en-US" dirty="0"/>
+              <a:t>Additional info – text</a:t>
+            </a:r>
+          </a:p>
+          <a:p>
+            <a:r>
+              <a:rPr lang="en-US" dirty="0"/>
+              <a:t>Optional: (0, 1, or both)</a:t>
+            </a:r>
+          </a:p>
+          <a:p>
+            <a:pPr lvl="1"/>
+            <a:r>
+              <a:rPr lang="en-US" dirty="0"/>
+              <a:t>a) Start Date </a:t>
+            </a:r>
+          </a:p>
+          <a:p>
+            <a:pPr lvl="1"/>
+            <a:r>
+              <a:rPr lang="en-US" dirty="0"/>
+              <a:t>b) # of units required</a:t>
+            </a:r>
+          </a:p>
+          <a:p>
+            <a:endParaRPr lang="en-CA" dirty="0"/>
           </a:p>
         </p:txBody>
       </p:sp>
@@ -9714,10 +6423,66 @@
         </p:nvSpPr>
         <p:spPr/>
         <p:txBody>
-          <a:bodyPr/>
-          <a:lstStyle/>
-          <a:p>
-            <a:endParaRPr lang="en-CA"/>
+          <a:bodyPr>
+            <a:normAutofit/>
+          </a:bodyPr>
+          <a:lstStyle/>
+          <a:p>
+            <a:endParaRPr lang="en-US" dirty="0"/>
+          </a:p>
+          <a:p>
+            <a:r>
+              <a:rPr lang="en-US" dirty="0"/>
+              <a:t>Completion rate: units per day (and error)</a:t>
+            </a:r>
+          </a:p>
+          <a:p>
+            <a:r>
+              <a:rPr lang="en-US" dirty="0"/>
+              <a:t>Completion time: days per unit (and error)</a:t>
+            </a:r>
+          </a:p>
+          <a:p>
+            <a:r>
+              <a:rPr lang="en-CA" dirty="0"/>
+              <a:t>Optional:</a:t>
+            </a:r>
+          </a:p>
+          <a:p>
+            <a:pPr lvl="1"/>
+            <a:r>
+              <a:rPr lang="en-CA" dirty="0"/>
+              <a:t>If optional input 0: empty</a:t>
+            </a:r>
+          </a:p>
+          <a:p>
+            <a:pPr lvl="1"/>
+            <a:r>
+              <a:rPr lang="en-CA" dirty="0"/>
+              <a:t>If optional input a: empty</a:t>
+            </a:r>
+          </a:p>
+          <a:p>
+            <a:pPr lvl="1"/>
+            <a:r>
+              <a:rPr lang="en-CA" dirty="0"/>
+              <a:t>If optional input b: days required to complete </a:t>
+            </a:r>
+          </a:p>
+          <a:p>
+            <a:pPr lvl="1"/>
+            <a:r>
+              <a:rPr lang="en-CA" dirty="0"/>
+              <a:t>If optional input </a:t>
+            </a:r>
+            <a:r>
+              <a:rPr lang="en-CA" dirty="0" err="1"/>
+              <a:t>a+b</a:t>
+            </a:r>
+            <a:r>
+              <a:rPr lang="en-CA" dirty="0"/>
+              <a:t>: predicted end date. </a:t>
+            </a:r>
           </a:p>
         </p:txBody>
       </p:sp>
@@ -9974,299 +6739,4 @@
     </a:ext>
   </a:extLst>
 </a:theme>
-</file>
-
-<file path=ppt/theme/theme2.xml><?xml version="1.0" encoding="utf-8"?>
-<a:theme xmlns:a="http://schemas.openxmlformats.org/drawingml/2006/main" name="Office Theme">
-  <a:themeElements>
-    <a:clrScheme name="Office">
-      <a:dk1>
-        <a:sysClr val="windowText" lastClr="000000"/>
-      </a:dk1>
-      <a:lt1>
-        <a:sysClr val="window" lastClr="FFFFFF"/>
-      </a:lt1>
-      <a:dk2>
-        <a:srgbClr val="44546A"/>
-      </a:dk2>
-      <a:lt2>
-        <a:srgbClr val="E7E6E6"/>
-      </a:lt2>
-      <a:accent1>
-        <a:srgbClr val="4472C4"/>
-      </a:accent1>
-      <a:accent2>
-        <a:srgbClr val="ED7D31"/>
-      </a:accent2>
-      <a:accent3>
-        <a:srgbClr val="A5A5A5"/>
-      </a:accent3>
-      <a:accent4>
-        <a:srgbClr val="FFC000"/>
-      </a:accent4>
-      <a:accent5>
-        <a:srgbClr val="5B9BD5"/>
-      </a:accent5>
-      <a:accent6>
-        <a:srgbClr val="70AD47"/>
-      </a:accent6>
-      <a:hlink>
-        <a:srgbClr val="0563C1"/>
-      </a:hlink>
-      <a:folHlink>
-        <a:srgbClr val="954F72"/>
-      </a:folHlink>
-    </a:clrScheme>
-    <a:fontScheme name="Office">
-      <a:majorFont>
-        <a:latin typeface="Calibri Light" panose="020F0302020204030204"/>
-        <a:ea typeface=""/>
-        <a:cs typeface=""/>
-        <a:font script="Jpan" typeface="游ゴシック Light"/>
-        <a:font script="Hang" typeface="맑은 고딕"/>
-        <a:font script="Hans" typeface="等线 Light"/>
-        <a:font script="Hant" typeface="新細明體"/>
-        <a:font script="Arab" typeface="Times New Roman"/>
-        <a:font script="Hebr" typeface="Times New Roman"/>
-        <a:font script="Thai" typeface="Angsana New"/>
-        <a:font script="Ethi" typeface="Nyala"/>
-        <a:font script="Beng" typeface="Vrinda"/>
-        <a:font script="Gujr" typeface="Shruti"/>
-        <a:font script="Khmr" typeface="MoolBoran"/>
-        <a:font script="Knda" typeface="Tunga"/>
-        <a:font script="Guru" typeface="Raavi"/>
-        <a:font script="Cans" typeface="Euphemia"/>
-        <a:font script="Cher" typeface="Plantagenet Cherokee"/>
-        <a:font script="Yiii" typeface="Microsoft Yi Baiti"/>
-        <a:font script="Tibt" typeface="Microsoft Himalaya"/>
-        <a:font script="Thaa" typeface="MV Boli"/>
-        <a:font script="Deva" typeface="Mangal"/>
-        <a:font script="Telu" typeface="Gautami"/>
-        <a:font script="Taml" typeface="Latha"/>
-        <a:font script="Syrc" typeface="Estrangelo Edessa"/>
-        <a:font script="Orya" typeface="Kalinga"/>
-        <a:font script="Mlym" typeface="Kartika"/>
-        <a:font script="Laoo" typeface="DokChampa"/>
-        <a:font script="Sinh" typeface="Iskoola Pota"/>
-        <a:font script="Mong" typeface="Mongolian Baiti"/>
-        <a:font script="Viet" typeface="Times New Roman"/>
-        <a:font script="Uigh" typeface="Microsoft Uighur"/>
-        <a:font script="Geor" typeface="Sylfaen"/>
-        <a:font script="Armn" typeface="Arial"/>
-        <a:font script="Bugi" typeface="Leelawadee UI"/>
-        <a:font script="Bopo" typeface="Microsoft JhengHei"/>
-        <a:font script="Java" typeface="Javanese Text"/>
-        <a:font script="Lisu" typeface="Segoe UI"/>
-        <a:font script="Mymr" typeface="Myanmar Text"/>
-        <a:font script="Nkoo" typeface="Ebrima"/>
-        <a:font script="Olck" typeface="Nirmala UI"/>
-        <a:font script="Osma" typeface="Ebrima"/>
-        <a:font script="Phag" typeface="Phagspa"/>
-        <a:font script="Syrn" typeface="Estrangelo Edessa"/>
-        <a:font script="Syrj" typeface="Estrangelo Edessa"/>
-        <a:font script="Syre" typeface="Estrangelo Edessa"/>
-        <a:font script="Sora" typeface="Nirmala UI"/>
-        <a:font script="Tale" typeface="Microsoft Tai Le"/>
-        <a:font script="Talu" typeface="Microsoft New Tai Lue"/>
-        <a:font script="Tfng" typeface="Ebrima"/>
-      </a:majorFont>
-      <a:minorFont>
-        <a:latin typeface="Calibri" panose="020F0502020204030204"/>
-        <a:ea typeface=""/>
-        <a:cs typeface=""/>
-        <a:font script="Jpan" typeface="游ゴシック"/>
-        <a:font script="Hang" typeface="맑은 고딕"/>
-        <a:font script="Hans" typeface="等线"/>
-        <a:font script="Hant" typeface="新細明體"/>
-        <a:font script="Arab" typeface="Arial"/>
-        <a:font script="Hebr" typeface="Arial"/>
-        <a:font script="Thai" typeface="Cordia New"/>
-        <a:font script="Ethi" typeface="Nyala"/>
-        <a:font script="Beng" typeface="Vrinda"/>
-        <a:font script="Gujr" typeface="Shruti"/>
-        <a:font script="Khmr" typeface="DaunPenh"/>
-        <a:font script="Knda" typeface="Tunga"/>
-        <a:font script="Guru" typeface="Raavi"/>
-        <a:font script="Cans" typeface="Euphemia"/>
-        <a:font script="Cher" typeface="Plantagenet Cherokee"/>
-        <a:font script="Yiii" typeface="Microsoft Yi Baiti"/>
-        <a:font script="Tibt" typeface="Microsoft Himalaya"/>
-        <a:font script="Thaa" typeface="MV Boli"/>
-        <a:font script="Deva" typeface="Mangal"/>
-        <a:font script="Telu" typeface="Gautami"/>
-        <a:font script="Taml" typeface="Latha"/>
-        <a:font script="Syrc" typeface="Estrangelo Edessa"/>
-        <a:font script="Orya" typeface="Kalinga"/>
-        <a:font script="Mlym" typeface="Kartika"/>
-        <a:font script="Laoo" typeface="DokChampa"/>
-        <a:font script="Sinh" typeface="Iskoola Pota"/>
-        <a:font script="Mong" typeface="Mongolian Baiti"/>
-        <a:font script="Viet" typeface="Arial"/>
-        <a:font script="Uigh" typeface="Microsoft Uighur"/>
-        <a:font script="Geor" typeface="Sylfaen"/>
-        <a:font script="Armn" typeface="Arial"/>
-        <a:font script="Bugi" typeface="Leelawadee UI"/>
-        <a:font script="Bopo" typeface="Microsoft JhengHei"/>
-        <a:font script="Java" typeface="Javanese Text"/>
-        <a:font script="Lisu" typeface="Segoe UI"/>
-        <a:font script="Mymr" typeface="Myanmar Text"/>
-        <a:font script="Nkoo" typeface="Ebrima"/>
-        <a:font script="Olck" typeface="Nirmala UI"/>
-        <a:font script="Osma" typeface="Ebrima"/>
-        <a:font script="Phag" typeface="Phagspa"/>
-        <a:font script="Syrn" typeface="Estrangelo Edessa"/>
-        <a:font script="Syrj" typeface="Estrangelo Edessa"/>
-        <a:font script="Syre" typeface="Estrangelo Edessa"/>
-        <a:font script="Sora" typeface="Nirmala UI"/>
-        <a:font script="Tale" typeface="Microsoft Tai Le"/>
-        <a:font script="Talu" typeface="Microsoft New Tai Lue"/>
-        <a:font script="Tfng" typeface="Ebrima"/>
-      </a:minorFont>
-    </a:fontScheme>
-    <a:fmtScheme name="Office">
-      <a:fillStyleLst>
-        <a:solidFill>
-          <a:schemeClr val="phClr"/>
-        </a:solidFill>
-        <a:gradFill rotWithShape="1">
-          <a:gsLst>
-            <a:gs pos="0">
-              <a:schemeClr val="phClr">
-                <a:lumMod val="110000"/>
-                <a:satMod val="105000"/>
-                <a:tint val="67000"/>
-              </a:schemeClr>
-            </a:gs>
-            <a:gs pos="50000">
-              <a:schemeClr val="phClr">
-                <a:lumMod val="105000"/>
-                <a:satMod val="103000"/>
-                <a:tint val="73000"/>
-              </a:schemeClr>
-            </a:gs>
-            <a:gs pos="100000">
-              <a:schemeClr val="phClr">
-                <a:lumMod val="105000"/>
-                <a:satMod val="109000"/>
-                <a:tint val="81000"/>
-              </a:schemeClr>
-            </a:gs>
-          </a:gsLst>
-          <a:lin ang="5400000" scaled="0"/>
-        </a:gradFill>
-        <a:gradFill rotWithShape="1">
-          <a:gsLst>
-            <a:gs pos="0">
-              <a:schemeClr val="phClr">
-                <a:satMod val="103000"/>
-                <a:lumMod val="102000"/>
-                <a:tint val="94000"/>
-              </a:schemeClr>
-            </a:gs>
-            <a:gs pos="50000">
-              <a:schemeClr val="phClr">
-                <a:satMod val="110000"/>
-                <a:lumMod val="100000"/>
-                <a:shade val="100000"/>
-              </a:schemeClr>
-            </a:gs>
-            <a:gs pos="100000">
-              <a:schemeClr val="phClr">
-                <a:lumMod val="99000"/>
-                <a:satMod val="120000"/>
-                <a:shade val="78000"/>
-              </a:schemeClr>
-            </a:gs>
-          </a:gsLst>
-          <a:lin ang="5400000" scaled="0"/>
-        </a:gradFill>
-      </a:fillStyleLst>
-      <a:lnStyleLst>
-        <a:ln w="6350" cap="flat" cmpd="sng" algn="ctr">
-          <a:solidFill>
-            <a:schemeClr val="phClr"/>
-          </a:solidFill>
-          <a:prstDash val="solid"/>
-          <a:miter lim="800000"/>
-        </a:ln>
-        <a:ln w="12700" cap="flat" cmpd="sng" algn="ctr">
-          <a:solidFill>
-            <a:schemeClr val="phClr"/>
-          </a:solidFill>
-          <a:prstDash val="solid"/>
-          <a:miter lim="800000"/>
-        </a:ln>
-        <a:ln w="19050" cap="flat" cmpd="sng" algn="ctr">
-          <a:solidFill>
-            <a:schemeClr val="phClr"/>
-          </a:solidFill>
-          <a:prstDash val="solid"/>
-          <a:miter lim="800000"/>
-        </a:ln>
-      </a:lnStyleLst>
-      <a:effectStyleLst>
-        <a:effectStyle>
-          <a:effectLst/>
-        </a:effectStyle>
-        <a:effectStyle>
-          <a:effectLst/>
-        </a:effectStyle>
-        <a:effectStyle>
-          <a:effectLst>
-            <a:outerShdw blurRad="57150" dist="19050" dir="5400000" algn="ctr" rotWithShape="0">
-              <a:srgbClr val="000000">
-                <a:alpha val="63000"/>
-              </a:srgbClr>
-            </a:outerShdw>
-          </a:effectLst>
-        </a:effectStyle>
-      </a:effectStyleLst>
-      <a:bgFillStyleLst>
-        <a:solidFill>
-          <a:schemeClr val="phClr"/>
-        </a:solidFill>
-        <a:solidFill>
-          <a:schemeClr val="phClr">
-            <a:tint val="95000"/>
-            <a:satMod val="170000"/>
-          </a:schemeClr>
-        </a:solidFill>
-        <a:gradFill rotWithShape="1">
-          <a:gsLst>
-            <a:gs pos="0">
-              <a:schemeClr val="phClr">
-                <a:tint val="93000"/>
-                <a:satMod val="150000"/>
-                <a:shade val="98000"/>
-                <a:lumMod val="102000"/>
-              </a:schemeClr>
-            </a:gs>
-            <a:gs pos="50000">
-              <a:schemeClr val="phClr">
-                <a:tint val="98000"/>
-                <a:satMod val="130000"/>
-                <a:shade val="90000"/>
-                <a:lumMod val="103000"/>
-              </a:schemeClr>
-            </a:gs>
-            <a:gs pos="100000">
-              <a:schemeClr val="phClr">
-                <a:shade val="63000"/>
-                <a:satMod val="120000"/>
-              </a:schemeClr>
-            </a:gs>
-          </a:gsLst>
-          <a:lin ang="5400000" scaled="0"/>
-        </a:gradFill>
-      </a:bgFillStyleLst>
-    </a:fmtScheme>
-  </a:themeElements>
-  <a:objectDefaults/>
-  <a:extraClrSchemeLst/>
-  <a:extLst>
-    <a:ext uri="{05A4C25C-085E-4340-85A3-A5531E510DB2}">
-      <thm15:themeFamily xmlns:thm15="http://schemas.microsoft.com/office/thememl/2012/main" name="Office Theme" id="{62F939B6-93AF-4DB8-9C6B-D6C7DFDC589F}" vid="{4A3C46E8-61CC-4603-A589-7422A47A8E4A}"/>
-    </a:ext>
-  </a:extLst>
-</a:theme>
 </file>
--- a/DanyloThoughts.pptx
+++ b/DanyloThoughts.pptx
@@ -310,7 +310,7 @@
           <a:p>
             <a:fld id="{990D8905-EC0B-41E3-AC8C-C6823787CC1C}" type="datetimeFigureOut">
               <a:rPr lang="en-CA" smtClean="0"/>
-              <a:t>2021-11-19</a:t>
+              <a:t>2021-11-22</a:t>
             </a:fld>
             <a:endParaRPr lang="en-CA"/>
           </a:p>
@@ -608,7 +608,7 @@
           <a:p>
             <a:fld id="{990D8905-EC0B-41E3-AC8C-C6823787CC1C}" type="datetimeFigureOut">
               <a:rPr lang="en-CA" smtClean="0"/>
-              <a:t>2021-11-19</a:t>
+              <a:t>2021-11-22</a:t>
             </a:fld>
             <a:endParaRPr lang="en-CA"/>
           </a:p>
@@ -800,7 +800,7 @@
           <a:p>
             <a:fld id="{990D8905-EC0B-41E3-AC8C-C6823787CC1C}" type="datetimeFigureOut">
               <a:rPr lang="en-CA" smtClean="0"/>
-              <a:t>2021-11-19</a:t>
+              <a:t>2021-11-22</a:t>
             </a:fld>
             <a:endParaRPr lang="en-CA"/>
           </a:p>
@@ -1061,7 +1061,7 @@
           <a:p>
             <a:fld id="{990D8905-EC0B-41E3-AC8C-C6823787CC1C}" type="datetimeFigureOut">
               <a:rPr lang="en-CA" smtClean="0"/>
-              <a:t>2021-11-19</a:t>
+              <a:t>2021-11-22</a:t>
             </a:fld>
             <a:endParaRPr lang="en-CA"/>
           </a:p>
@@ -1485,7 +1485,7 @@
           <a:p>
             <a:fld id="{990D8905-EC0B-41E3-AC8C-C6823787CC1C}" type="datetimeFigureOut">
               <a:rPr lang="en-CA" smtClean="0"/>
-              <a:t>2021-11-19</a:t>
+              <a:t>2021-11-22</a:t>
             </a:fld>
             <a:endParaRPr lang="en-CA"/>
           </a:p>
@@ -2022,7 +2022,7 @@
           <a:p>
             <a:fld id="{990D8905-EC0B-41E3-AC8C-C6823787CC1C}" type="datetimeFigureOut">
               <a:rPr lang="en-CA" smtClean="0"/>
-              <a:t>2021-11-19</a:t>
+              <a:t>2021-11-22</a:t>
             </a:fld>
             <a:endParaRPr lang="en-CA"/>
           </a:p>
@@ -2886,7 +2886,7 @@
           <a:p>
             <a:fld id="{990D8905-EC0B-41E3-AC8C-C6823787CC1C}" type="datetimeFigureOut">
               <a:rPr lang="en-CA" smtClean="0"/>
-              <a:t>2021-11-19</a:t>
+              <a:t>2021-11-22</a:t>
             </a:fld>
             <a:endParaRPr lang="en-CA"/>
           </a:p>
@@ -3056,7 +3056,7 @@
           <a:p>
             <a:fld id="{990D8905-EC0B-41E3-AC8C-C6823787CC1C}" type="datetimeFigureOut">
               <a:rPr lang="en-CA" smtClean="0"/>
-              <a:t>2021-11-19</a:t>
+              <a:t>2021-11-22</a:t>
             </a:fld>
             <a:endParaRPr lang="en-CA"/>
           </a:p>
@@ -3240,7 +3240,7 @@
           <a:p>
             <a:fld id="{990D8905-EC0B-41E3-AC8C-C6823787CC1C}" type="datetimeFigureOut">
               <a:rPr lang="en-CA" smtClean="0"/>
-              <a:t>2021-11-19</a:t>
+              <a:t>2021-11-22</a:t>
             </a:fld>
             <a:endParaRPr lang="en-CA"/>
           </a:p>
@@ -3410,7 +3410,7 @@
           <a:p>
             <a:fld id="{990D8905-EC0B-41E3-AC8C-C6823787CC1C}" type="datetimeFigureOut">
               <a:rPr lang="en-CA" smtClean="0"/>
-              <a:t>2021-11-19</a:t>
+              <a:t>2021-11-22</a:t>
             </a:fld>
             <a:endParaRPr lang="en-CA"/>
           </a:p>
@@ -3654,7 +3654,7 @@
           <a:p>
             <a:fld id="{990D8905-EC0B-41E3-AC8C-C6823787CC1C}" type="datetimeFigureOut">
               <a:rPr lang="en-CA" smtClean="0"/>
-              <a:t>2021-11-19</a:t>
+              <a:t>2021-11-22</a:t>
             </a:fld>
             <a:endParaRPr lang="en-CA"/>
           </a:p>
@@ -3890,7 +3890,7 @@
           <a:p>
             <a:fld id="{990D8905-EC0B-41E3-AC8C-C6823787CC1C}" type="datetimeFigureOut">
               <a:rPr lang="en-CA" smtClean="0"/>
-              <a:t>2021-11-19</a:t>
+              <a:t>2021-11-22</a:t>
             </a:fld>
             <a:endParaRPr lang="en-CA"/>
           </a:p>
@@ -4356,7 +4356,7 @@
           <a:p>
             <a:fld id="{990D8905-EC0B-41E3-AC8C-C6823787CC1C}" type="datetimeFigureOut">
               <a:rPr lang="en-CA" smtClean="0"/>
-              <a:t>2021-11-19</a:t>
+              <a:t>2021-11-22</a:t>
             </a:fld>
             <a:endParaRPr lang="en-CA"/>
           </a:p>
@@ -4474,7 +4474,7 @@
           <a:p>
             <a:fld id="{990D8905-EC0B-41E3-AC8C-C6823787CC1C}" type="datetimeFigureOut">
               <a:rPr lang="en-CA" smtClean="0"/>
-              <a:t>2021-11-19</a:t>
+              <a:t>2021-11-22</a:t>
             </a:fld>
             <a:endParaRPr lang="en-CA"/>
           </a:p>
@@ -4569,7 +4569,7 @@
           <a:p>
             <a:fld id="{990D8905-EC0B-41E3-AC8C-C6823787CC1C}" type="datetimeFigureOut">
               <a:rPr lang="en-CA" smtClean="0"/>
-              <a:t>2021-11-19</a:t>
+              <a:t>2021-11-22</a:t>
             </a:fld>
             <a:endParaRPr lang="en-CA"/>
           </a:p>
@@ -4824,7 +4824,7 @@
           <a:p>
             <a:fld id="{990D8905-EC0B-41E3-AC8C-C6823787CC1C}" type="datetimeFigureOut">
               <a:rPr lang="en-CA" smtClean="0"/>
-              <a:t>2021-11-19</a:t>
+              <a:t>2021-11-22</a:t>
             </a:fld>
             <a:endParaRPr lang="en-CA"/>
           </a:p>
@@ -5124,7 +5124,7 @@
           <a:p>
             <a:fld id="{990D8905-EC0B-41E3-AC8C-C6823787CC1C}" type="datetimeFigureOut">
               <a:rPr lang="en-CA" smtClean="0"/>
-              <a:t>2021-11-19</a:t>
+              <a:t>2021-11-22</a:t>
             </a:fld>
             <a:endParaRPr lang="en-CA"/>
           </a:p>
@@ -5358,7 +5358,7 @@
           <a:p>
             <a:fld id="{990D8905-EC0B-41E3-AC8C-C6823787CC1C}" type="datetimeFigureOut">
               <a:rPr lang="en-CA" smtClean="0"/>
-              <a:t>2021-11-19</a:t>
+              <a:t>2021-11-22</a:t>
             </a:fld>
             <a:endParaRPr lang="en-CA"/>
           </a:p>
@@ -6191,13 +6191,29 @@
           <a:p>
             <a:r>
               <a:rPr lang="en-US" dirty="0"/>
-              <a:t>Front-end – website</a:t>
-            </a:r>
-          </a:p>
-          <a:p>
+              <a:t>Front-end – website [</a:t>
+            </a:r>
+            <a:r>
+              <a:rPr lang="en-US" dirty="0" err="1"/>
+              <a:t>Jeepal</a:t>
+            </a:r>
             <a:r>
               <a:rPr lang="en-US" dirty="0"/>
-              <a:t>Back-end – machine learning algorithm, python code</a:t>
+              <a:t>, </a:t>
+            </a:r>
+            <a:r>
+              <a:rPr lang="en-US" dirty="0" err="1"/>
+              <a:t>Dipali</a:t>
+            </a:r>
+            <a:r>
+              <a:rPr lang="en-US" dirty="0"/>
+              <a:t>]</a:t>
+            </a:r>
+          </a:p>
+          <a:p>
+            <a:r>
+              <a:rPr lang="en-US" dirty="0"/>
+              <a:t>Back-end – machine learning algorithm, python code [Danylo]</a:t>
             </a:r>
           </a:p>
           <a:p>
@@ -6341,14 +6357,14 @@
             <a:pPr lvl="1"/>
             <a:r>
               <a:rPr lang="en-US" dirty="0"/>
-              <a:t>Transformation Type – dropdown menu?</a:t>
+              <a:t>Transformation Type – dropdown menu of transformations</a:t>
             </a:r>
           </a:p>
           <a:p>
             <a:pPr lvl="1"/>
             <a:r>
               <a:rPr lang="en-US" dirty="0"/>
-              <a:t>Additional info – text</a:t>
+              <a:t>Additional info – text (transformation and activity description)</a:t>
             </a:r>
           </a:p>
           <a:p>
@@ -6452,7 +6468,7 @@
             <a:pPr lvl="1"/>
             <a:r>
               <a:rPr lang="en-CA" dirty="0"/>
-              <a:t>If optional input 0: empty</a:t>
+              <a:t>If optional input none: empty</a:t>
             </a:r>
           </a:p>
           <a:p>

--- a/DanyloThoughts.pptx
+++ b/DanyloThoughts.pptx
@@ -8,6 +8,14 @@
     <p:sldId id="256" r:id="rId2"/>
     <p:sldId id="257" r:id="rId3"/>
     <p:sldId id="260" r:id="rId4"/>
+    <p:sldId id="261" r:id="rId5"/>
+    <p:sldId id="263" r:id="rId6"/>
+    <p:sldId id="262" r:id="rId7"/>
+    <p:sldId id="265" r:id="rId8"/>
+    <p:sldId id="266" r:id="rId9"/>
+    <p:sldId id="267" r:id="rId10"/>
+    <p:sldId id="268" r:id="rId11"/>
+    <p:sldId id="269" r:id="rId12"/>
   </p:sldIdLst>
   <p:sldSz cx="12192000" cy="6858000"/>
   <p:notesSz cx="6858000" cy="9144000"/>
@@ -114,6 +122,14 @@
             <p14:sldId id="256"/>
             <p14:sldId id="257"/>
             <p14:sldId id="260"/>
+            <p14:sldId id="261"/>
+            <p14:sldId id="263"/>
+            <p14:sldId id="262"/>
+            <p14:sldId id="265"/>
+            <p14:sldId id="266"/>
+            <p14:sldId id="267"/>
+            <p14:sldId id="268"/>
+            <p14:sldId id="269"/>
           </p14:sldIdLst>
         </p14:section>
       </p14:sectionLst>
@@ -123,6 +139,5517 @@
     </p:ext>
   </p:extLst>
 </p:presentation>
+</file>
+
+<file path=ppt/diagrams/colors1.xml><?xml version="1.0" encoding="utf-8"?>
+<dgm:colorsDef xmlns:dgm="http://schemas.openxmlformats.org/drawingml/2006/diagram" xmlns:a="http://schemas.openxmlformats.org/drawingml/2006/main" uniqueId="urn:microsoft.com/office/officeart/2005/8/colors/accent1_2">
+  <dgm:title val=""/>
+  <dgm:desc val=""/>
+  <dgm:catLst>
+    <dgm:cat type="accent1" pri="11200"/>
+  </dgm:catLst>
+  <dgm:styleLbl name="node0">
+    <dgm:fillClrLst meth="repeat">
+      <a:schemeClr val="accent1"/>
+    </dgm:fillClrLst>
+    <dgm:linClrLst meth="repeat">
+      <a:schemeClr val="lt1"/>
+    </dgm:linClrLst>
+    <dgm:effectClrLst/>
+    <dgm:txLinClrLst/>
+    <dgm:txFillClrLst/>
+    <dgm:txEffectClrLst/>
+  </dgm:styleLbl>
+  <dgm:styleLbl name="alignNode1">
+    <dgm:fillClrLst meth="repeat">
+      <a:schemeClr val="accent1"/>
+    </dgm:fillClrLst>
+    <dgm:linClrLst meth="repeat">
+      <a:schemeClr val="accent1"/>
+    </dgm:linClrLst>
+    <dgm:effectClrLst/>
+    <dgm:txLinClrLst/>
+    <dgm:txFillClrLst/>
+    <dgm:txEffectClrLst/>
+  </dgm:styleLbl>
+  <dgm:styleLbl name="node1">
+    <dgm:fillClrLst meth="repeat">
+      <a:schemeClr val="accent1"/>
+    </dgm:fillClrLst>
+    <dgm:linClrLst meth="repeat">
+      <a:schemeClr val="lt1"/>
+    </dgm:linClrLst>
+    <dgm:effectClrLst/>
+    <dgm:txLinClrLst/>
+    <dgm:txFillClrLst/>
+    <dgm:txEffectClrLst/>
+  </dgm:styleLbl>
+  <dgm:styleLbl name="lnNode1">
+    <dgm:fillClrLst meth="repeat">
+      <a:schemeClr val="accent1"/>
+    </dgm:fillClrLst>
+    <dgm:linClrLst meth="repeat">
+      <a:schemeClr val="lt1"/>
+    </dgm:linClrLst>
+    <dgm:effectClrLst/>
+    <dgm:txLinClrLst/>
+    <dgm:txFillClrLst/>
+    <dgm:txEffectClrLst/>
+  </dgm:styleLbl>
+  <dgm:styleLbl name="vennNode1">
+    <dgm:fillClrLst meth="repeat">
+      <a:schemeClr val="accent1">
+        <a:alpha val="50000"/>
+      </a:schemeClr>
+    </dgm:fillClrLst>
+    <dgm:linClrLst meth="repeat">
+      <a:schemeClr val="lt1"/>
+    </dgm:linClrLst>
+    <dgm:effectClrLst/>
+    <dgm:txLinClrLst/>
+    <dgm:txFillClrLst/>
+    <dgm:txEffectClrLst/>
+  </dgm:styleLbl>
+  <dgm:styleLbl name="node2">
+    <dgm:fillClrLst meth="repeat">
+      <a:schemeClr val="accent1"/>
+    </dgm:fillClrLst>
+    <dgm:linClrLst meth="repeat">
+      <a:schemeClr val="lt1"/>
+    </dgm:linClrLst>
+    <dgm:effectClrLst/>
+    <dgm:txLinClrLst/>
+    <dgm:txFillClrLst/>
+    <dgm:txEffectClrLst/>
+  </dgm:styleLbl>
+  <dgm:styleLbl name="node3">
+    <dgm:fillClrLst meth="repeat">
+      <a:schemeClr val="accent1"/>
+    </dgm:fillClrLst>
+    <dgm:linClrLst meth="repeat">
+      <a:schemeClr val="lt1"/>
+    </dgm:linClrLst>
+    <dgm:effectClrLst/>
+    <dgm:txLinClrLst/>
+    <dgm:txFillClrLst/>
+    <dgm:txEffectClrLst/>
+  </dgm:styleLbl>
+  <dgm:styleLbl name="node4">
+    <dgm:fillClrLst meth="repeat">
+      <a:schemeClr val="accent1"/>
+    </dgm:fillClrLst>
+    <dgm:linClrLst meth="repeat">
+      <a:schemeClr val="lt1"/>
+    </dgm:linClrLst>
+    <dgm:effectClrLst/>
+    <dgm:txLinClrLst/>
+    <dgm:txFillClrLst/>
+    <dgm:txEffectClrLst/>
+  </dgm:styleLbl>
+  <dgm:styleLbl name="fgImgPlace1">
+    <dgm:fillClrLst meth="repeat">
+      <a:schemeClr val="accent1">
+        <a:tint val="50000"/>
+      </a:schemeClr>
+    </dgm:fillClrLst>
+    <dgm:linClrLst meth="repeat">
+      <a:schemeClr val="lt1"/>
+    </dgm:linClrLst>
+    <dgm:effectClrLst/>
+    <dgm:txLinClrLst/>
+    <dgm:txFillClrLst meth="repeat">
+      <a:schemeClr val="lt1"/>
+    </dgm:txFillClrLst>
+    <dgm:txEffectClrLst/>
+  </dgm:styleLbl>
+  <dgm:styleLbl name="alignImgPlace1">
+    <dgm:fillClrLst meth="repeat">
+      <a:schemeClr val="accent1">
+        <a:tint val="50000"/>
+      </a:schemeClr>
+    </dgm:fillClrLst>
+    <dgm:linClrLst meth="repeat">
+      <a:schemeClr val="lt1"/>
+    </dgm:linClrLst>
+    <dgm:effectClrLst/>
+    <dgm:txLinClrLst/>
+    <dgm:txFillClrLst meth="repeat">
+      <a:schemeClr val="lt1"/>
+    </dgm:txFillClrLst>
+    <dgm:txEffectClrLst/>
+  </dgm:styleLbl>
+  <dgm:styleLbl name="bgImgPlace1">
+    <dgm:fillClrLst meth="repeat">
+      <a:schemeClr val="accent1">
+        <a:tint val="50000"/>
+      </a:schemeClr>
+    </dgm:fillClrLst>
+    <dgm:linClrLst meth="repeat">
+      <a:schemeClr val="lt1"/>
+    </dgm:linClrLst>
+    <dgm:effectClrLst/>
+    <dgm:txLinClrLst/>
+    <dgm:txFillClrLst meth="repeat">
+      <a:schemeClr val="lt1"/>
+    </dgm:txFillClrLst>
+    <dgm:txEffectClrLst/>
+  </dgm:styleLbl>
+  <dgm:styleLbl name="sibTrans2D1">
+    <dgm:fillClrLst meth="repeat">
+      <a:schemeClr val="accent1">
+        <a:tint val="60000"/>
+      </a:schemeClr>
+    </dgm:fillClrLst>
+    <dgm:linClrLst meth="repeat">
+      <a:schemeClr val="accent1">
+        <a:tint val="60000"/>
+      </a:schemeClr>
+    </dgm:linClrLst>
+    <dgm:effectClrLst/>
+    <dgm:txLinClrLst/>
+    <dgm:txFillClrLst/>
+    <dgm:txEffectClrLst/>
+  </dgm:styleLbl>
+  <dgm:styleLbl name="fgSibTrans2D1">
+    <dgm:fillClrLst meth="repeat">
+      <a:schemeClr val="accent1">
+        <a:tint val="60000"/>
+      </a:schemeClr>
+    </dgm:fillClrLst>
+    <dgm:linClrLst meth="repeat">
+      <a:schemeClr val="accent1">
+        <a:tint val="60000"/>
+      </a:schemeClr>
+    </dgm:linClrLst>
+    <dgm:effectClrLst/>
+    <dgm:txLinClrLst/>
+    <dgm:txFillClrLst/>
+    <dgm:txEffectClrLst/>
+  </dgm:styleLbl>
+  <dgm:styleLbl name="bgSibTrans2D1">
+    <dgm:fillClrLst meth="repeat">
+      <a:schemeClr val="accent1">
+        <a:tint val="60000"/>
+      </a:schemeClr>
+    </dgm:fillClrLst>
+    <dgm:linClrLst meth="repeat">
+      <a:schemeClr val="accent1">
+        <a:tint val="60000"/>
+      </a:schemeClr>
+    </dgm:linClrLst>
+    <dgm:effectClrLst/>
+    <dgm:txLinClrLst/>
+    <dgm:txFillClrLst/>
+    <dgm:txEffectClrLst/>
+  </dgm:styleLbl>
+  <dgm:styleLbl name="sibTrans1D1">
+    <dgm:fillClrLst meth="repeat">
+      <a:schemeClr val="accent1"/>
+    </dgm:fillClrLst>
+    <dgm:linClrLst meth="repeat">
+      <a:schemeClr val="accent1"/>
+    </dgm:linClrLst>
+    <dgm:effectClrLst/>
+    <dgm:txLinClrLst/>
+    <dgm:txFillClrLst meth="repeat">
+      <a:schemeClr val="tx1"/>
+    </dgm:txFillClrLst>
+    <dgm:txEffectClrLst/>
+  </dgm:styleLbl>
+  <dgm:styleLbl name="callout">
+    <dgm:fillClrLst meth="repeat">
+      <a:schemeClr val="accent1"/>
+    </dgm:fillClrLst>
+    <dgm:linClrLst meth="repeat">
+      <a:schemeClr val="accent1">
+        <a:tint val="50000"/>
+      </a:schemeClr>
+    </dgm:linClrLst>
+    <dgm:effectClrLst/>
+    <dgm:txLinClrLst/>
+    <dgm:txFillClrLst meth="repeat">
+      <a:schemeClr val="tx1"/>
+    </dgm:txFillClrLst>
+    <dgm:txEffectClrLst/>
+  </dgm:styleLbl>
+  <dgm:styleLbl name="asst0">
+    <dgm:fillClrLst meth="repeat">
+      <a:schemeClr val="accent1"/>
+    </dgm:fillClrLst>
+    <dgm:linClrLst meth="repeat">
+      <a:schemeClr val="lt1"/>
+    </dgm:linClrLst>
+    <dgm:effectClrLst/>
+    <dgm:txLinClrLst/>
+    <dgm:txFillClrLst/>
+    <dgm:txEffectClrLst/>
+  </dgm:styleLbl>
+  <dgm:styleLbl name="asst1">
+    <dgm:fillClrLst meth="repeat">
+      <a:schemeClr val="accent1"/>
+    </dgm:fillClrLst>
+    <dgm:linClrLst meth="repeat">
+      <a:schemeClr val="lt1"/>
+    </dgm:linClrLst>
+    <dgm:effectClrLst/>
+    <dgm:txLinClrLst/>
+    <dgm:txFillClrLst/>
+    <dgm:txEffectClrLst/>
+  </dgm:styleLbl>
+  <dgm:styleLbl name="asst2">
+    <dgm:fillClrLst meth="repeat">
+      <a:schemeClr val="accent1"/>
+    </dgm:fillClrLst>
+    <dgm:linClrLst meth="repeat">
+      <a:schemeClr val="lt1"/>
+    </dgm:linClrLst>
+    <dgm:effectClrLst/>
+    <dgm:txLinClrLst/>
+    <dgm:txFillClrLst/>
+    <dgm:txEffectClrLst/>
+  </dgm:styleLbl>
+  <dgm:styleLbl name="asst3">
+    <dgm:fillClrLst meth="repeat">
+      <a:schemeClr val="accent1"/>
+    </dgm:fillClrLst>
+    <dgm:linClrLst meth="repeat">
+      <a:schemeClr val="lt1"/>
+    </dgm:linClrLst>
+    <dgm:effectClrLst/>
+    <dgm:txLinClrLst/>
+    <dgm:txFillClrLst/>
+    <dgm:txEffectClrLst/>
+  </dgm:styleLbl>
+  <dgm:styleLbl name="asst4">
+    <dgm:fillClrLst meth="repeat">
+      <a:schemeClr val="accent1"/>
+    </dgm:fillClrLst>
+    <dgm:linClrLst meth="repeat">
+      <a:schemeClr val="lt1"/>
+    </dgm:linClrLst>
+    <dgm:effectClrLst/>
+    <dgm:txLinClrLst/>
+    <dgm:txFillClrLst/>
+    <dgm:txEffectClrLst/>
+  </dgm:styleLbl>
+  <dgm:styleLbl name="parChTrans2D1">
+    <dgm:fillClrLst meth="repeat">
+      <a:schemeClr val="accent1">
+        <a:tint val="60000"/>
+      </a:schemeClr>
+    </dgm:fillClrLst>
+    <dgm:linClrLst meth="repeat">
+      <a:schemeClr val="accent1">
+        <a:tint val="60000"/>
+      </a:schemeClr>
+    </dgm:linClrLst>
+    <dgm:effectClrLst/>
+    <dgm:txLinClrLst/>
+    <dgm:txFillClrLst meth="repeat">
+      <a:schemeClr val="lt1"/>
+    </dgm:txFillClrLst>
+    <dgm:txEffectClrLst/>
+  </dgm:styleLbl>
+  <dgm:styleLbl name="parChTrans2D2">
+    <dgm:fillClrLst meth="repeat">
+      <a:schemeClr val="accent1"/>
+    </dgm:fillClrLst>
+    <dgm:linClrLst meth="repeat">
+      <a:schemeClr val="accent1"/>
+    </dgm:linClrLst>
+    <dgm:effectClrLst/>
+    <dgm:txLinClrLst/>
+    <dgm:txFillClrLst meth="repeat">
+      <a:schemeClr val="lt1"/>
+    </dgm:txFillClrLst>
+    <dgm:txEffectClrLst/>
+  </dgm:styleLbl>
+  <dgm:styleLbl name="parChTrans2D3">
+    <dgm:fillClrLst meth="repeat">
+      <a:schemeClr val="accent1"/>
+    </dgm:fillClrLst>
+    <dgm:linClrLst meth="repeat">
+      <a:schemeClr val="accent1"/>
+    </dgm:linClrLst>
+    <dgm:effectClrLst/>
+    <dgm:txLinClrLst/>
+    <dgm:txFillClrLst meth="repeat">
+      <a:schemeClr val="lt1"/>
+    </dgm:txFillClrLst>
+    <dgm:txEffectClrLst/>
+  </dgm:styleLbl>
+  <dgm:styleLbl name="parChTrans2D4">
+    <dgm:fillClrLst meth="repeat">
+      <a:schemeClr val="accent1"/>
+    </dgm:fillClrLst>
+    <dgm:linClrLst meth="repeat">
+      <a:schemeClr val="accent1"/>
+    </dgm:linClrLst>
+    <dgm:effectClrLst/>
+    <dgm:txLinClrLst/>
+    <dgm:txFillClrLst meth="repeat">
+      <a:schemeClr val="lt1"/>
+    </dgm:txFillClrLst>
+    <dgm:txEffectClrLst/>
+  </dgm:styleLbl>
+  <dgm:styleLbl name="parChTrans1D1">
+    <dgm:fillClrLst meth="repeat">
+      <a:schemeClr val="accent1"/>
+    </dgm:fillClrLst>
+    <dgm:linClrLst meth="repeat">
+      <a:schemeClr val="accent1">
+        <a:shade val="60000"/>
+      </a:schemeClr>
+    </dgm:linClrLst>
+    <dgm:effectClrLst/>
+    <dgm:txLinClrLst/>
+    <dgm:txFillClrLst meth="repeat">
+      <a:schemeClr val="tx1"/>
+    </dgm:txFillClrLst>
+    <dgm:txEffectClrLst/>
+  </dgm:styleLbl>
+  <dgm:styleLbl name="parChTrans1D2">
+    <dgm:fillClrLst meth="repeat">
+      <a:schemeClr val="accent1"/>
+    </dgm:fillClrLst>
+    <dgm:linClrLst meth="repeat">
+      <a:schemeClr val="accent1">
+        <a:shade val="60000"/>
+      </a:schemeClr>
+    </dgm:linClrLst>
+    <dgm:effectClrLst/>
+    <dgm:txLinClrLst/>
+    <dgm:txFillClrLst meth="repeat">
+      <a:schemeClr val="tx1"/>
+    </dgm:txFillClrLst>
+    <dgm:txEffectClrLst/>
+  </dgm:styleLbl>
+  <dgm:styleLbl name="parChTrans1D3">
+    <dgm:fillClrLst meth="repeat">
+      <a:schemeClr val="accent1"/>
+    </dgm:fillClrLst>
+    <dgm:linClrLst meth="repeat">
+      <a:schemeClr val="accent1">
+        <a:shade val="80000"/>
+      </a:schemeClr>
+    </dgm:linClrLst>
+    <dgm:effectClrLst/>
+    <dgm:txLinClrLst/>
+    <dgm:txFillClrLst meth="repeat">
+      <a:schemeClr val="tx1"/>
+    </dgm:txFillClrLst>
+    <dgm:txEffectClrLst/>
+  </dgm:styleLbl>
+  <dgm:styleLbl name="parChTrans1D4">
+    <dgm:fillClrLst meth="repeat">
+      <a:schemeClr val="accent1"/>
+    </dgm:fillClrLst>
+    <dgm:linClrLst meth="repeat">
+      <a:schemeClr val="accent1">
+        <a:shade val="80000"/>
+      </a:schemeClr>
+    </dgm:linClrLst>
+    <dgm:effectClrLst/>
+    <dgm:txLinClrLst/>
+    <dgm:txFillClrLst meth="repeat">
+      <a:schemeClr val="tx1"/>
+    </dgm:txFillClrLst>
+    <dgm:txEffectClrLst/>
+  </dgm:styleLbl>
+  <dgm:styleLbl name="fgAcc1">
+    <dgm:fillClrLst meth="repeat">
+      <a:schemeClr val="lt1">
+        <a:alpha val="90000"/>
+      </a:schemeClr>
+    </dgm:fillClrLst>
+    <dgm:linClrLst meth="repeat">
+      <a:schemeClr val="accent1"/>
+    </dgm:linClrLst>
+    <dgm:effectClrLst/>
+    <dgm:txLinClrLst/>
+    <dgm:txFillClrLst meth="repeat">
+      <a:schemeClr val="dk1"/>
+    </dgm:txFillClrLst>
+    <dgm:txEffectClrLst/>
+  </dgm:styleLbl>
+  <dgm:styleLbl name="conFgAcc1">
+    <dgm:fillClrLst meth="repeat">
+      <a:schemeClr val="lt1">
+        <a:alpha val="90000"/>
+      </a:schemeClr>
+    </dgm:fillClrLst>
+    <dgm:linClrLst meth="repeat">
+      <a:schemeClr val="accent1"/>
+    </dgm:linClrLst>
+    <dgm:effectClrLst/>
+    <dgm:txLinClrLst/>
+    <dgm:txFillClrLst meth="repeat">
+      <a:schemeClr val="dk1"/>
+    </dgm:txFillClrLst>
+    <dgm:txEffectClrLst/>
+  </dgm:styleLbl>
+  <dgm:styleLbl name="alignAcc1">
+    <dgm:fillClrLst meth="repeat">
+      <a:schemeClr val="lt1">
+        <a:alpha val="90000"/>
+      </a:schemeClr>
+    </dgm:fillClrLst>
+    <dgm:linClrLst meth="repeat">
+      <a:schemeClr val="accent1"/>
+    </dgm:linClrLst>
+    <dgm:effectClrLst/>
+    <dgm:txLinClrLst/>
+    <dgm:txFillClrLst meth="repeat">
+      <a:schemeClr val="dk1"/>
+    </dgm:txFillClrLst>
+    <dgm:txEffectClrLst/>
+  </dgm:styleLbl>
+  <dgm:styleLbl name="trAlignAcc1">
+    <dgm:fillClrLst meth="repeat">
+      <a:schemeClr val="lt1">
+        <a:alpha val="40000"/>
+      </a:schemeClr>
+    </dgm:fillClrLst>
+    <dgm:linClrLst meth="repeat">
+      <a:schemeClr val="accent1"/>
+    </dgm:linClrLst>
+    <dgm:effectClrLst/>
+    <dgm:txLinClrLst/>
+    <dgm:txFillClrLst meth="repeat">
+      <a:schemeClr val="dk1"/>
+    </dgm:txFillClrLst>
+    <dgm:txEffectClrLst/>
+  </dgm:styleLbl>
+  <dgm:styleLbl name="bgAcc1">
+    <dgm:fillClrLst meth="repeat">
+      <a:schemeClr val="lt1">
+        <a:alpha val="90000"/>
+      </a:schemeClr>
+    </dgm:fillClrLst>
+    <dgm:linClrLst meth="repeat">
+      <a:schemeClr val="accent1"/>
+    </dgm:linClrLst>
+    <dgm:effectClrLst/>
+    <dgm:txLinClrLst/>
+    <dgm:txFillClrLst meth="repeat">
+      <a:schemeClr val="dk1"/>
+    </dgm:txFillClrLst>
+    <dgm:txEffectClrLst/>
+  </dgm:styleLbl>
+  <dgm:styleLbl name="solidFgAcc1">
+    <dgm:fillClrLst meth="repeat">
+      <a:schemeClr val="lt1"/>
+    </dgm:fillClrLst>
+    <dgm:linClrLst meth="repeat">
+      <a:schemeClr val="accent1"/>
+    </dgm:linClrLst>
+    <dgm:effectClrLst/>
+    <dgm:txLinClrLst/>
+    <dgm:txFillClrLst meth="repeat">
+      <a:schemeClr val="dk1"/>
+    </dgm:txFillClrLst>
+    <dgm:txEffectClrLst/>
+  </dgm:styleLbl>
+  <dgm:styleLbl name="solidAlignAcc1">
+    <dgm:fillClrLst meth="repeat">
+      <a:schemeClr val="lt1"/>
+    </dgm:fillClrLst>
+    <dgm:linClrLst meth="repeat">
+      <a:schemeClr val="accent1"/>
+    </dgm:linClrLst>
+    <dgm:effectClrLst/>
+    <dgm:txLinClrLst/>
+    <dgm:txFillClrLst meth="repeat">
+      <a:schemeClr val="dk1"/>
+    </dgm:txFillClrLst>
+    <dgm:txEffectClrLst/>
+  </dgm:styleLbl>
+  <dgm:styleLbl name="solidBgAcc1">
+    <dgm:fillClrLst meth="repeat">
+      <a:schemeClr val="lt1"/>
+    </dgm:fillClrLst>
+    <dgm:linClrLst meth="repeat">
+      <a:schemeClr val="accent1"/>
+    </dgm:linClrLst>
+    <dgm:effectClrLst/>
+    <dgm:txLinClrLst/>
+    <dgm:txFillClrLst meth="repeat">
+      <a:schemeClr val="dk1"/>
+    </dgm:txFillClrLst>
+    <dgm:txEffectClrLst/>
+  </dgm:styleLbl>
+  <dgm:styleLbl name="fgAccFollowNode1">
+    <dgm:fillClrLst meth="repeat">
+      <a:schemeClr val="accent1">
+        <a:alpha val="90000"/>
+        <a:tint val="40000"/>
+      </a:schemeClr>
+    </dgm:fillClrLst>
+    <dgm:linClrLst meth="repeat">
+      <a:schemeClr val="accent1">
+        <a:alpha val="90000"/>
+        <a:tint val="40000"/>
+      </a:schemeClr>
+    </dgm:linClrLst>
+    <dgm:effectClrLst/>
+    <dgm:txLinClrLst/>
+    <dgm:txFillClrLst meth="repeat">
+      <a:schemeClr val="dk1"/>
+    </dgm:txFillClrLst>
+    <dgm:txEffectClrLst/>
+  </dgm:styleLbl>
+  <dgm:styleLbl name="alignAccFollowNode1">
+    <dgm:fillClrLst meth="repeat">
+      <a:schemeClr val="accent1">
+        <a:alpha val="90000"/>
+        <a:tint val="40000"/>
+      </a:schemeClr>
+    </dgm:fillClrLst>
+    <dgm:linClrLst meth="repeat">
+      <a:schemeClr val="accent1">
+        <a:alpha val="90000"/>
+        <a:tint val="40000"/>
+      </a:schemeClr>
+    </dgm:linClrLst>
+    <dgm:effectClrLst/>
+    <dgm:txLinClrLst/>
+    <dgm:txFillClrLst meth="repeat">
+      <a:schemeClr val="dk1"/>
+    </dgm:txFillClrLst>
+    <dgm:txEffectClrLst/>
+  </dgm:styleLbl>
+  <dgm:styleLbl name="bgAccFollowNode1">
+    <dgm:fillClrLst meth="repeat">
+      <a:schemeClr val="accent1">
+        <a:alpha val="90000"/>
+        <a:tint val="40000"/>
+      </a:schemeClr>
+    </dgm:fillClrLst>
+    <dgm:linClrLst meth="repeat">
+      <a:schemeClr val="accent1">
+        <a:alpha val="90000"/>
+        <a:tint val="40000"/>
+      </a:schemeClr>
+    </dgm:linClrLst>
+    <dgm:effectClrLst/>
+    <dgm:txLinClrLst/>
+    <dgm:txFillClrLst meth="repeat">
+      <a:schemeClr val="dk1"/>
+    </dgm:txFillClrLst>
+    <dgm:txEffectClrLst/>
+  </dgm:styleLbl>
+  <dgm:styleLbl name="fgAcc0">
+    <dgm:fillClrLst meth="repeat">
+      <a:schemeClr val="lt1">
+        <a:alpha val="90000"/>
+      </a:schemeClr>
+    </dgm:fillClrLst>
+    <dgm:linClrLst meth="repeat">
+      <a:schemeClr val="accent1"/>
+    </dgm:linClrLst>
+    <dgm:effectClrLst/>
+    <dgm:txLinClrLst/>
+    <dgm:txFillClrLst meth="repeat">
+      <a:schemeClr val="dk1"/>
+    </dgm:txFillClrLst>
+    <dgm:txEffectClrLst/>
+  </dgm:styleLbl>
+  <dgm:styleLbl name="fgAcc2">
+    <dgm:fillClrLst meth="repeat">
+      <a:schemeClr val="lt1">
+        <a:alpha val="90000"/>
+      </a:schemeClr>
+    </dgm:fillClrLst>
+    <dgm:linClrLst meth="repeat">
+      <a:schemeClr val="accent1"/>
+    </dgm:linClrLst>
+    <dgm:effectClrLst/>
+    <dgm:txLinClrLst/>
+    <dgm:txFillClrLst meth="repeat">
+      <a:schemeClr val="dk1"/>
+    </dgm:txFillClrLst>
+    <dgm:txEffectClrLst/>
+  </dgm:styleLbl>
+  <dgm:styleLbl name="fgAcc3">
+    <dgm:fillClrLst meth="repeat">
+      <a:schemeClr val="lt1">
+        <a:alpha val="90000"/>
+      </a:schemeClr>
+    </dgm:fillClrLst>
+    <dgm:linClrLst meth="repeat">
+      <a:schemeClr val="accent1"/>
+    </dgm:linClrLst>
+    <dgm:effectClrLst/>
+    <dgm:txLinClrLst/>
+    <dgm:txFillClrLst meth="repeat">
+      <a:schemeClr val="dk1"/>
+    </dgm:txFillClrLst>
+    <dgm:txEffectClrLst/>
+  </dgm:styleLbl>
+  <dgm:styleLbl name="fgAcc4">
+    <dgm:fillClrLst meth="repeat">
+      <a:schemeClr val="lt1">
+        <a:alpha val="90000"/>
+      </a:schemeClr>
+    </dgm:fillClrLst>
+    <dgm:linClrLst meth="repeat">
+      <a:schemeClr val="accent1"/>
+    </dgm:linClrLst>
+    <dgm:effectClrLst/>
+    <dgm:txLinClrLst/>
+    <dgm:txFillClrLst meth="repeat">
+      <a:schemeClr val="dk1"/>
+    </dgm:txFillClrLst>
+    <dgm:txEffectClrLst/>
+  </dgm:styleLbl>
+  <dgm:styleLbl name="bgShp">
+    <dgm:fillClrLst meth="repeat">
+      <a:schemeClr val="accent1">
+        <a:tint val="40000"/>
+      </a:schemeClr>
+    </dgm:fillClrLst>
+    <dgm:linClrLst meth="repeat">
+      <a:schemeClr val="accent1"/>
+    </dgm:linClrLst>
+    <dgm:effectClrLst/>
+    <dgm:txLinClrLst/>
+    <dgm:txFillClrLst meth="repeat">
+      <a:schemeClr val="dk1"/>
+    </dgm:txFillClrLst>
+    <dgm:txEffectClrLst/>
+  </dgm:styleLbl>
+  <dgm:styleLbl name="dkBgShp">
+    <dgm:fillClrLst meth="repeat">
+      <a:schemeClr val="accent1">
+        <a:shade val="80000"/>
+      </a:schemeClr>
+    </dgm:fillClrLst>
+    <dgm:linClrLst meth="repeat">
+      <a:schemeClr val="accent1"/>
+    </dgm:linClrLst>
+    <dgm:effectClrLst/>
+    <dgm:txLinClrLst/>
+    <dgm:txFillClrLst meth="repeat">
+      <a:schemeClr val="lt1"/>
+    </dgm:txFillClrLst>
+    <dgm:txEffectClrLst/>
+  </dgm:styleLbl>
+  <dgm:styleLbl name="trBgShp">
+    <dgm:fillClrLst meth="repeat">
+      <a:schemeClr val="accent1">
+        <a:tint val="50000"/>
+        <a:alpha val="40000"/>
+      </a:schemeClr>
+    </dgm:fillClrLst>
+    <dgm:linClrLst meth="repeat">
+      <a:schemeClr val="accent1"/>
+    </dgm:linClrLst>
+    <dgm:effectClrLst/>
+    <dgm:txLinClrLst/>
+    <dgm:txFillClrLst meth="repeat">
+      <a:schemeClr val="lt1"/>
+    </dgm:txFillClrLst>
+    <dgm:txEffectClrLst/>
+  </dgm:styleLbl>
+  <dgm:styleLbl name="fgShp">
+    <dgm:fillClrLst meth="repeat">
+      <a:schemeClr val="accent1">
+        <a:tint val="60000"/>
+      </a:schemeClr>
+    </dgm:fillClrLst>
+    <dgm:linClrLst meth="repeat">
+      <a:schemeClr val="lt1"/>
+    </dgm:linClrLst>
+    <dgm:effectClrLst/>
+    <dgm:txLinClrLst/>
+    <dgm:txFillClrLst meth="repeat">
+      <a:schemeClr val="dk1"/>
+    </dgm:txFillClrLst>
+    <dgm:txEffectClrLst/>
+  </dgm:styleLbl>
+  <dgm:styleLbl name="revTx">
+    <dgm:fillClrLst meth="repeat">
+      <a:schemeClr val="lt1">
+        <a:alpha val="0"/>
+      </a:schemeClr>
+    </dgm:fillClrLst>
+    <dgm:linClrLst meth="repeat">
+      <a:schemeClr val="dk1">
+        <a:alpha val="0"/>
+      </a:schemeClr>
+    </dgm:linClrLst>
+    <dgm:effectClrLst/>
+    <dgm:txLinClrLst/>
+    <dgm:txFillClrLst meth="repeat">
+      <a:schemeClr val="tx1"/>
+    </dgm:txFillClrLst>
+    <dgm:txEffectClrLst/>
+  </dgm:styleLbl>
+</dgm:colorsDef>
+</file>
+
+<file path=ppt/diagrams/data1.xml><?xml version="1.0" encoding="utf-8"?>
+<dgm:dataModel xmlns:dgm="http://schemas.openxmlformats.org/drawingml/2006/diagram" xmlns:a="http://schemas.openxmlformats.org/drawingml/2006/main">
+  <dgm:ptLst>
+    <dgm:pt modelId="{3EDCB227-C7BC-4733-A03A-AC91E8CD7760}" type="doc">
+      <dgm:prSet loTypeId="urn:microsoft.com/office/officeart/2005/8/layout/hierarchy2" loCatId="hierarchy" qsTypeId="urn:microsoft.com/office/officeart/2005/8/quickstyle/simple1" qsCatId="simple" csTypeId="urn:microsoft.com/office/officeart/2005/8/colors/accent1_2" csCatId="accent1" phldr="1"/>
+      <dgm:spPr/>
+      <dgm:t>
+        <a:bodyPr/>
+        <a:lstStyle/>
+        <a:p>
+          <a:endParaRPr lang="en-CA"/>
+        </a:p>
+      </dgm:t>
+    </dgm:pt>
+    <dgm:pt modelId="{FC8B9BE6-6C10-44E6-B58F-DA9E8F334AF4}">
+      <dgm:prSet phldrT="[Text]"/>
+      <dgm:spPr/>
+      <dgm:t>
+        <a:bodyPr/>
+        <a:lstStyle/>
+        <a:p>
+          <a:r>
+            <a:rPr lang="en-US" dirty="0"/>
+            <a:t>Quantity</a:t>
+          </a:r>
+          <a:endParaRPr lang="en-CA" dirty="0"/>
+        </a:p>
+      </dgm:t>
+    </dgm:pt>
+    <dgm:pt modelId="{5A3DE445-6DD9-459E-A19A-ECA3969C5C75}" type="parTrans" cxnId="{214601E3-9DDE-4CE3-9C58-EA90A4D66D62}">
+      <dgm:prSet/>
+      <dgm:spPr/>
+      <dgm:t>
+        <a:bodyPr/>
+        <a:lstStyle/>
+        <a:p>
+          <a:endParaRPr lang="en-CA"/>
+        </a:p>
+      </dgm:t>
+    </dgm:pt>
+    <dgm:pt modelId="{B3B24C66-6266-4382-9403-9E0F7AFF31ED}" type="sibTrans" cxnId="{214601E3-9DDE-4CE3-9C58-EA90A4D66D62}">
+      <dgm:prSet/>
+      <dgm:spPr/>
+      <dgm:t>
+        <a:bodyPr/>
+        <a:lstStyle/>
+        <a:p>
+          <a:endParaRPr lang="en-CA"/>
+        </a:p>
+      </dgm:t>
+    </dgm:pt>
+    <dgm:pt modelId="{B1836555-3C08-4799-AFAB-606D619ADB41}">
+      <dgm:prSet phldrT="[Text]"/>
+      <dgm:spPr/>
+      <dgm:t>
+        <a:bodyPr/>
+        <a:lstStyle/>
+        <a:p>
+          <a:r>
+            <a:rPr lang="en-US" dirty="0"/>
+            <a:t>Time Start</a:t>
+          </a:r>
+          <a:endParaRPr lang="en-CA" dirty="0"/>
+        </a:p>
+      </dgm:t>
+    </dgm:pt>
+    <dgm:pt modelId="{AD30DF95-7EF8-4257-9DB1-23AE051D65BC}" type="parTrans" cxnId="{3B477A07-EC6B-4307-8E0F-5B23242E948D}">
+      <dgm:prSet/>
+      <dgm:spPr/>
+      <dgm:t>
+        <a:bodyPr/>
+        <a:lstStyle/>
+        <a:p>
+          <a:endParaRPr lang="en-CA"/>
+        </a:p>
+      </dgm:t>
+    </dgm:pt>
+    <dgm:pt modelId="{26C76F44-98D3-4652-B468-1FAF51347066}" type="sibTrans" cxnId="{3B477A07-EC6B-4307-8E0F-5B23242E948D}">
+      <dgm:prSet/>
+      <dgm:spPr/>
+      <dgm:t>
+        <a:bodyPr/>
+        <a:lstStyle/>
+        <a:p>
+          <a:endParaRPr lang="en-CA"/>
+        </a:p>
+      </dgm:t>
+    </dgm:pt>
+    <dgm:pt modelId="{DD91A2C7-1808-427F-8F2C-7A529E639F67}">
+      <dgm:prSet phldrT="[Text]"/>
+      <dgm:spPr/>
+      <dgm:t>
+        <a:bodyPr/>
+        <a:lstStyle/>
+        <a:p>
+          <a:r>
+            <a:rPr lang="en-US" dirty="0"/>
+            <a:t>Time End</a:t>
+          </a:r>
+          <a:endParaRPr lang="en-CA" dirty="0"/>
+        </a:p>
+      </dgm:t>
+    </dgm:pt>
+    <dgm:pt modelId="{9E7F65D3-16D9-45B8-A1FB-8F99F69AD12A}" type="parTrans" cxnId="{A2B4D111-5FBA-4841-BD9D-17915DE650D1}">
+      <dgm:prSet/>
+      <dgm:spPr/>
+      <dgm:t>
+        <a:bodyPr/>
+        <a:lstStyle/>
+        <a:p>
+          <a:endParaRPr lang="en-CA"/>
+        </a:p>
+      </dgm:t>
+    </dgm:pt>
+    <dgm:pt modelId="{DEB055A0-B11F-4F71-AF3E-C1DA138B352E}" type="sibTrans" cxnId="{A2B4D111-5FBA-4841-BD9D-17915DE650D1}">
+      <dgm:prSet/>
+      <dgm:spPr/>
+      <dgm:t>
+        <a:bodyPr/>
+        <a:lstStyle/>
+        <a:p>
+          <a:endParaRPr lang="en-CA"/>
+        </a:p>
+      </dgm:t>
+    </dgm:pt>
+    <dgm:pt modelId="{884B5C85-6E82-423D-850A-6798B329F12A}">
+      <dgm:prSet phldrT="[Text]"/>
+      <dgm:spPr/>
+      <dgm:t>
+        <a:bodyPr/>
+        <a:lstStyle/>
+        <a:p>
+          <a:r>
+            <a:rPr lang="en-US" dirty="0"/>
+            <a:t>Output 1</a:t>
+          </a:r>
+          <a:endParaRPr lang="en-CA" dirty="0"/>
+        </a:p>
+      </dgm:t>
+    </dgm:pt>
+    <dgm:pt modelId="{1F039957-064A-44C3-B21F-5F9B7E350358}" type="parTrans" cxnId="{82C118DE-A865-4BCB-B61F-ED73EDE66FB0}">
+      <dgm:prSet/>
+      <dgm:spPr/>
+      <dgm:t>
+        <a:bodyPr/>
+        <a:lstStyle/>
+        <a:p>
+          <a:endParaRPr lang="en-CA"/>
+        </a:p>
+      </dgm:t>
+    </dgm:pt>
+    <dgm:pt modelId="{CAEAB322-1738-45B9-AA2E-10C85FC371C3}" type="sibTrans" cxnId="{82C118DE-A865-4BCB-B61F-ED73EDE66FB0}">
+      <dgm:prSet/>
+      <dgm:spPr/>
+      <dgm:t>
+        <a:bodyPr/>
+        <a:lstStyle/>
+        <a:p>
+          <a:endParaRPr lang="en-CA"/>
+        </a:p>
+      </dgm:t>
+    </dgm:pt>
+    <dgm:pt modelId="{3D05D730-0BA9-4401-99B5-194569310C19}">
+      <dgm:prSet phldrT="[Text]"/>
+      <dgm:spPr/>
+      <dgm:t>
+        <a:bodyPr/>
+        <a:lstStyle/>
+        <a:p>
+          <a:r>
+            <a:rPr lang="en-US" dirty="0"/>
+            <a:t>Time Start</a:t>
+          </a:r>
+          <a:endParaRPr lang="en-CA" dirty="0"/>
+        </a:p>
+      </dgm:t>
+    </dgm:pt>
+    <dgm:pt modelId="{958EE4A8-90DE-4A73-A650-1F5C8614D1F6}" type="parTrans" cxnId="{400DF623-FF88-4AEE-818B-4AF5ED92FBC3}">
+      <dgm:prSet/>
+      <dgm:spPr/>
+      <dgm:t>
+        <a:bodyPr/>
+        <a:lstStyle/>
+        <a:p>
+          <a:endParaRPr lang="en-CA"/>
+        </a:p>
+      </dgm:t>
+    </dgm:pt>
+    <dgm:pt modelId="{D71DA763-E7D6-4AC6-9D4C-0BFEB6320E51}" type="sibTrans" cxnId="{400DF623-FF88-4AEE-818B-4AF5ED92FBC3}">
+      <dgm:prSet/>
+      <dgm:spPr/>
+      <dgm:t>
+        <a:bodyPr/>
+        <a:lstStyle/>
+        <a:p>
+          <a:endParaRPr lang="en-CA"/>
+        </a:p>
+      </dgm:t>
+    </dgm:pt>
+    <dgm:pt modelId="{1CA237B7-DE7B-42C7-ADCD-CA3BA637D6E7}">
+      <dgm:prSet phldrT="[Text]"/>
+      <dgm:spPr/>
+      <dgm:t>
+        <a:bodyPr/>
+        <a:lstStyle/>
+        <a:p>
+          <a:r>
+            <a:rPr lang="en-US" dirty="0"/>
+            <a:t>Time End</a:t>
+          </a:r>
+          <a:endParaRPr lang="en-CA" dirty="0"/>
+        </a:p>
+      </dgm:t>
+    </dgm:pt>
+    <dgm:pt modelId="{57F16EF4-D6EC-48FD-B76E-76E76394E010}" type="parTrans" cxnId="{F97BE586-A82E-483E-8BBE-CD3D9CC065CB}">
+      <dgm:prSet/>
+      <dgm:spPr/>
+      <dgm:t>
+        <a:bodyPr/>
+        <a:lstStyle/>
+        <a:p>
+          <a:endParaRPr lang="en-CA"/>
+        </a:p>
+      </dgm:t>
+    </dgm:pt>
+    <dgm:pt modelId="{5EF78F9F-D449-43D3-B995-BBC25DA22522}" type="sibTrans" cxnId="{F97BE586-A82E-483E-8BBE-CD3D9CC065CB}">
+      <dgm:prSet/>
+      <dgm:spPr/>
+      <dgm:t>
+        <a:bodyPr/>
+        <a:lstStyle/>
+        <a:p>
+          <a:endParaRPr lang="en-CA"/>
+        </a:p>
+      </dgm:t>
+    </dgm:pt>
+    <dgm:pt modelId="{CE25362B-4DCF-432F-8F5A-B3999837C1F2}">
+      <dgm:prSet phldrT="[Text]"/>
+      <dgm:spPr/>
+      <dgm:t>
+        <a:bodyPr/>
+        <a:lstStyle/>
+        <a:p>
+          <a:r>
+            <a:rPr lang="en-US" dirty="0"/>
+            <a:t>Output 2</a:t>
+          </a:r>
+          <a:endParaRPr lang="en-CA" dirty="0"/>
+        </a:p>
+      </dgm:t>
+    </dgm:pt>
+    <dgm:pt modelId="{5C0D3DE3-BF13-4223-ABA4-42732FCDF3D8}" type="parTrans" cxnId="{E99CA2F4-CC72-4123-92CE-F208751DFB83}">
+      <dgm:prSet/>
+      <dgm:spPr/>
+      <dgm:t>
+        <a:bodyPr/>
+        <a:lstStyle/>
+        <a:p>
+          <a:endParaRPr lang="en-CA"/>
+        </a:p>
+      </dgm:t>
+    </dgm:pt>
+    <dgm:pt modelId="{C0D0BAB6-2F89-4786-864D-A3652C495C10}" type="sibTrans" cxnId="{E99CA2F4-CC72-4123-92CE-F208751DFB83}">
+      <dgm:prSet/>
+      <dgm:spPr/>
+      <dgm:t>
+        <a:bodyPr/>
+        <a:lstStyle/>
+        <a:p>
+          <a:endParaRPr lang="en-CA"/>
+        </a:p>
+      </dgm:t>
+    </dgm:pt>
+    <dgm:pt modelId="{C4BDCB28-D41D-49D7-8E30-AE9C03506A2A}">
+      <dgm:prSet phldrT="[Text]"/>
+      <dgm:spPr/>
+      <dgm:t>
+        <a:bodyPr/>
+        <a:lstStyle/>
+        <a:p>
+          <a:r>
+            <a:rPr lang="en-US" dirty="0"/>
+            <a:t>Time End</a:t>
+          </a:r>
+          <a:endParaRPr lang="en-CA" dirty="0"/>
+        </a:p>
+      </dgm:t>
+    </dgm:pt>
+    <dgm:pt modelId="{D7B2C24C-4013-472B-857A-393942649B89}" type="parTrans" cxnId="{4E8A2AF4-11AF-43D3-90FB-B4728550D8F3}">
+      <dgm:prSet/>
+      <dgm:spPr/>
+      <dgm:t>
+        <a:bodyPr/>
+        <a:lstStyle/>
+        <a:p>
+          <a:endParaRPr lang="en-CA"/>
+        </a:p>
+      </dgm:t>
+    </dgm:pt>
+    <dgm:pt modelId="{745DBE48-5A94-4891-8179-53239E20D7D4}" type="sibTrans" cxnId="{4E8A2AF4-11AF-43D3-90FB-B4728550D8F3}">
+      <dgm:prSet/>
+      <dgm:spPr/>
+      <dgm:t>
+        <a:bodyPr/>
+        <a:lstStyle/>
+        <a:p>
+          <a:endParaRPr lang="en-CA"/>
+        </a:p>
+      </dgm:t>
+    </dgm:pt>
+    <dgm:pt modelId="{60079C13-2526-4061-8813-EE43B23B5E2F}">
+      <dgm:prSet phldrT="[Text]"/>
+      <dgm:spPr/>
+      <dgm:t>
+        <a:bodyPr/>
+        <a:lstStyle/>
+        <a:p>
+          <a:r>
+            <a:rPr lang="en-US" dirty="0"/>
+            <a:t>Time End</a:t>
+          </a:r>
+          <a:endParaRPr lang="en-CA" dirty="0"/>
+        </a:p>
+      </dgm:t>
+    </dgm:pt>
+    <dgm:pt modelId="{F9768EDB-B181-4197-9624-19E6185FFA60}" type="parTrans" cxnId="{9516AD1A-D595-42CC-84D7-B913AEB5BB2B}">
+      <dgm:prSet/>
+      <dgm:spPr/>
+      <dgm:t>
+        <a:bodyPr/>
+        <a:lstStyle/>
+        <a:p>
+          <a:endParaRPr lang="en-CA"/>
+        </a:p>
+      </dgm:t>
+    </dgm:pt>
+    <dgm:pt modelId="{F29615D2-11BC-47D6-AE60-02E277C94CE9}" type="sibTrans" cxnId="{9516AD1A-D595-42CC-84D7-B913AEB5BB2B}">
+      <dgm:prSet/>
+      <dgm:spPr/>
+      <dgm:t>
+        <a:bodyPr/>
+        <a:lstStyle/>
+        <a:p>
+          <a:endParaRPr lang="en-CA"/>
+        </a:p>
+      </dgm:t>
+    </dgm:pt>
+    <dgm:pt modelId="{B51FCD4D-8FD2-4F7D-834E-EC101E918B2B}">
+      <dgm:prSet phldrT="[Text]"/>
+      <dgm:spPr/>
+      <dgm:t>
+        <a:bodyPr/>
+        <a:lstStyle/>
+        <a:p>
+          <a:r>
+            <a:rPr lang="en-US" dirty="0"/>
+            <a:t>Out 3</a:t>
+          </a:r>
+          <a:endParaRPr lang="en-CA" dirty="0"/>
+        </a:p>
+      </dgm:t>
+    </dgm:pt>
+    <dgm:pt modelId="{242C0423-C6E9-4F34-9DD0-7DACD69D762A}" type="parTrans" cxnId="{DE45B913-83BD-4A18-8EA3-75493CA703C2}">
+      <dgm:prSet/>
+      <dgm:spPr/>
+      <dgm:t>
+        <a:bodyPr/>
+        <a:lstStyle/>
+        <a:p>
+          <a:endParaRPr lang="en-CA"/>
+        </a:p>
+      </dgm:t>
+    </dgm:pt>
+    <dgm:pt modelId="{CB7FD794-EA1D-414C-83E5-EE23B01906BF}" type="sibTrans" cxnId="{DE45B913-83BD-4A18-8EA3-75493CA703C2}">
+      <dgm:prSet/>
+      <dgm:spPr/>
+      <dgm:t>
+        <a:bodyPr/>
+        <a:lstStyle/>
+        <a:p>
+          <a:endParaRPr lang="en-CA"/>
+        </a:p>
+      </dgm:t>
+    </dgm:pt>
+    <dgm:pt modelId="{EE17570A-160A-4496-9A0B-86D0EDA26066}">
+      <dgm:prSet phldrT="[Text]"/>
+      <dgm:spPr/>
+      <dgm:t>
+        <a:bodyPr/>
+        <a:lstStyle/>
+        <a:p>
+          <a:r>
+            <a:rPr lang="en-US" dirty="0"/>
+            <a:t>Out 4</a:t>
+          </a:r>
+          <a:endParaRPr lang="en-CA" dirty="0"/>
+        </a:p>
+      </dgm:t>
+    </dgm:pt>
+    <dgm:pt modelId="{755EE7FA-A07E-4994-8AB2-8DF3FBE7B10A}" type="parTrans" cxnId="{045DBAC5-4384-4E83-9FF8-BCEA3112EF3C}">
+      <dgm:prSet/>
+      <dgm:spPr/>
+      <dgm:t>
+        <a:bodyPr/>
+        <a:lstStyle/>
+        <a:p>
+          <a:endParaRPr lang="en-CA"/>
+        </a:p>
+      </dgm:t>
+    </dgm:pt>
+    <dgm:pt modelId="{199E668A-6CC8-44C1-A452-BD385DFA9C38}" type="sibTrans" cxnId="{045DBAC5-4384-4E83-9FF8-BCEA3112EF3C}">
+      <dgm:prSet/>
+      <dgm:spPr/>
+      <dgm:t>
+        <a:bodyPr/>
+        <a:lstStyle/>
+        <a:p>
+          <a:endParaRPr lang="en-CA"/>
+        </a:p>
+      </dgm:t>
+    </dgm:pt>
+    <dgm:pt modelId="{0D77D865-2031-4284-81E7-A44A642E324C}">
+      <dgm:prSet phldrT="[Text]"/>
+      <dgm:spPr/>
+      <dgm:t>
+        <a:bodyPr/>
+        <a:lstStyle/>
+        <a:p>
+          <a:r>
+            <a:rPr lang="en-US" dirty="0"/>
+            <a:t>Out 5</a:t>
+          </a:r>
+          <a:endParaRPr lang="en-CA" dirty="0"/>
+        </a:p>
+      </dgm:t>
+    </dgm:pt>
+    <dgm:pt modelId="{BFDCB9ED-61DF-454B-BBE7-46A54141415F}" type="parTrans" cxnId="{C1946427-FEBD-4193-980E-F03E6C043250}">
+      <dgm:prSet/>
+      <dgm:spPr/>
+      <dgm:t>
+        <a:bodyPr/>
+        <a:lstStyle/>
+        <a:p>
+          <a:endParaRPr lang="en-CA"/>
+        </a:p>
+      </dgm:t>
+    </dgm:pt>
+    <dgm:pt modelId="{CAF513A2-4069-4469-9AF4-35E7EE40585E}" type="sibTrans" cxnId="{C1946427-FEBD-4193-980E-F03E6C043250}">
+      <dgm:prSet/>
+      <dgm:spPr/>
+      <dgm:t>
+        <a:bodyPr/>
+        <a:lstStyle/>
+        <a:p>
+          <a:endParaRPr lang="en-CA"/>
+        </a:p>
+      </dgm:t>
+    </dgm:pt>
+    <dgm:pt modelId="{56068AB0-0BE5-4812-B738-AFD1DBC43049}">
+      <dgm:prSet phldrT="[Text]"/>
+      <dgm:spPr/>
+      <dgm:t>
+        <a:bodyPr/>
+        <a:lstStyle/>
+        <a:p>
+          <a:r>
+            <a:rPr lang="en-US" dirty="0"/>
+            <a:t>Out 6</a:t>
+          </a:r>
+          <a:endParaRPr lang="en-CA" dirty="0"/>
+        </a:p>
+      </dgm:t>
+    </dgm:pt>
+    <dgm:pt modelId="{FCF0F4B9-6E32-49E3-B9CA-079AEF9E4CD4}" type="parTrans" cxnId="{6E670AE7-290F-4B1E-8AAF-4381909B2C86}">
+      <dgm:prSet/>
+      <dgm:spPr/>
+      <dgm:t>
+        <a:bodyPr/>
+        <a:lstStyle/>
+        <a:p>
+          <a:endParaRPr lang="en-CA"/>
+        </a:p>
+      </dgm:t>
+    </dgm:pt>
+    <dgm:pt modelId="{29CD612B-3ADA-4EE9-BE55-4A4CFA78333E}" type="sibTrans" cxnId="{6E670AE7-290F-4B1E-8AAF-4381909B2C86}">
+      <dgm:prSet/>
+      <dgm:spPr/>
+      <dgm:t>
+        <a:bodyPr/>
+        <a:lstStyle/>
+        <a:p>
+          <a:endParaRPr lang="en-CA"/>
+        </a:p>
+      </dgm:t>
+    </dgm:pt>
+    <dgm:pt modelId="{4367C6AE-2E80-4A53-BD30-923EF46199E5}">
+      <dgm:prSet phldrT="[Text]"/>
+      <dgm:spPr/>
+      <dgm:t>
+        <a:bodyPr/>
+        <a:lstStyle/>
+        <a:p>
+          <a:r>
+            <a:rPr lang="en-US" dirty="0"/>
+            <a:t>Out 7</a:t>
+          </a:r>
+          <a:endParaRPr lang="en-CA" dirty="0"/>
+        </a:p>
+      </dgm:t>
+    </dgm:pt>
+    <dgm:pt modelId="{6572160C-6EA7-4CFD-A099-24FB3204845F}" type="parTrans" cxnId="{C177E0B3-3BD3-4A33-B396-D599BC6FCCC3}">
+      <dgm:prSet/>
+      <dgm:spPr/>
+      <dgm:t>
+        <a:bodyPr/>
+        <a:lstStyle/>
+        <a:p>
+          <a:endParaRPr lang="en-CA"/>
+        </a:p>
+      </dgm:t>
+    </dgm:pt>
+    <dgm:pt modelId="{E8C5681B-4CBA-4688-A0F5-599E410D21F2}" type="sibTrans" cxnId="{C177E0B3-3BD3-4A33-B396-D599BC6FCCC3}">
+      <dgm:prSet/>
+      <dgm:spPr/>
+      <dgm:t>
+        <a:bodyPr/>
+        <a:lstStyle/>
+        <a:p>
+          <a:endParaRPr lang="en-CA"/>
+        </a:p>
+      </dgm:t>
+    </dgm:pt>
+    <dgm:pt modelId="{AFAAF415-AC0C-4B94-AF6B-B05BA80D642D}">
+      <dgm:prSet phldrT="[Text]"/>
+      <dgm:spPr/>
+      <dgm:t>
+        <a:bodyPr/>
+        <a:lstStyle/>
+        <a:p>
+          <a:r>
+            <a:rPr lang="en-US" dirty="0"/>
+            <a:t>Out8</a:t>
+          </a:r>
+          <a:endParaRPr lang="en-CA" dirty="0"/>
+        </a:p>
+      </dgm:t>
+    </dgm:pt>
+    <dgm:pt modelId="{52543BB3-7A38-4809-9465-693C4701F653}" type="parTrans" cxnId="{D6653AC5-5EA1-407C-ADDF-E8FBAF4F26E9}">
+      <dgm:prSet/>
+      <dgm:spPr/>
+      <dgm:t>
+        <a:bodyPr/>
+        <a:lstStyle/>
+        <a:p>
+          <a:endParaRPr lang="en-CA"/>
+        </a:p>
+      </dgm:t>
+    </dgm:pt>
+    <dgm:pt modelId="{6FC07D2F-5DFA-4355-B8BB-7443424B1735}" type="sibTrans" cxnId="{D6653AC5-5EA1-407C-ADDF-E8FBAF4F26E9}">
+      <dgm:prSet/>
+      <dgm:spPr/>
+      <dgm:t>
+        <a:bodyPr/>
+        <a:lstStyle/>
+        <a:p>
+          <a:endParaRPr lang="en-CA"/>
+        </a:p>
+      </dgm:t>
+    </dgm:pt>
+    <dgm:pt modelId="{35F76631-78DA-4A1E-98C1-549CC65A668F}" type="pres">
+      <dgm:prSet presAssocID="{3EDCB227-C7BC-4733-A03A-AC91E8CD7760}" presName="diagram" presStyleCnt="0">
+        <dgm:presLayoutVars>
+          <dgm:chPref val="1"/>
+          <dgm:dir/>
+          <dgm:animOne val="branch"/>
+          <dgm:animLvl val="lvl"/>
+          <dgm:resizeHandles val="exact"/>
+        </dgm:presLayoutVars>
+      </dgm:prSet>
+      <dgm:spPr/>
+    </dgm:pt>
+    <dgm:pt modelId="{F474D84F-62B4-41EF-8E03-74A701B8CDAC}" type="pres">
+      <dgm:prSet presAssocID="{FC8B9BE6-6C10-44E6-B58F-DA9E8F334AF4}" presName="root1" presStyleCnt="0"/>
+      <dgm:spPr/>
+    </dgm:pt>
+    <dgm:pt modelId="{5DE978A6-D99D-4B04-A5DD-2D54C8421989}" type="pres">
+      <dgm:prSet presAssocID="{FC8B9BE6-6C10-44E6-B58F-DA9E8F334AF4}" presName="LevelOneTextNode" presStyleLbl="node0" presStyleIdx="0" presStyleCnt="1">
+        <dgm:presLayoutVars>
+          <dgm:chPref val="3"/>
+        </dgm:presLayoutVars>
+      </dgm:prSet>
+      <dgm:spPr/>
+    </dgm:pt>
+    <dgm:pt modelId="{AC0F0DA8-7C67-46E1-B390-3DFE625047DD}" type="pres">
+      <dgm:prSet presAssocID="{FC8B9BE6-6C10-44E6-B58F-DA9E8F334AF4}" presName="level2hierChild" presStyleCnt="0"/>
+      <dgm:spPr/>
+    </dgm:pt>
+    <dgm:pt modelId="{B63EC61B-C449-427A-9070-662C881E96BF}" type="pres">
+      <dgm:prSet presAssocID="{AD30DF95-7EF8-4257-9DB1-23AE051D65BC}" presName="conn2-1" presStyleLbl="parChTrans1D2" presStyleIdx="0" presStyleCnt="2"/>
+      <dgm:spPr/>
+    </dgm:pt>
+    <dgm:pt modelId="{D415C343-27C3-4274-94EC-6EB43A9AC624}" type="pres">
+      <dgm:prSet presAssocID="{AD30DF95-7EF8-4257-9DB1-23AE051D65BC}" presName="connTx" presStyleLbl="parChTrans1D2" presStyleIdx="0" presStyleCnt="2"/>
+      <dgm:spPr/>
+    </dgm:pt>
+    <dgm:pt modelId="{4736A10F-E07F-4D76-9346-E20348C198E5}" type="pres">
+      <dgm:prSet presAssocID="{B1836555-3C08-4799-AFAB-606D619ADB41}" presName="root2" presStyleCnt="0"/>
+      <dgm:spPr/>
+    </dgm:pt>
+    <dgm:pt modelId="{E84E8E62-A11F-4119-9D57-A30FD94D7204}" type="pres">
+      <dgm:prSet presAssocID="{B1836555-3C08-4799-AFAB-606D619ADB41}" presName="LevelTwoTextNode" presStyleLbl="node2" presStyleIdx="0" presStyleCnt="2">
+        <dgm:presLayoutVars>
+          <dgm:chPref val="3"/>
+        </dgm:presLayoutVars>
+      </dgm:prSet>
+      <dgm:spPr/>
+    </dgm:pt>
+    <dgm:pt modelId="{8A02E749-1735-4594-A335-08F0A0DF3654}" type="pres">
+      <dgm:prSet presAssocID="{B1836555-3C08-4799-AFAB-606D619ADB41}" presName="level3hierChild" presStyleCnt="0"/>
+      <dgm:spPr/>
+    </dgm:pt>
+    <dgm:pt modelId="{8649E777-3117-4D2D-8B89-14C4C6013382}" type="pres">
+      <dgm:prSet presAssocID="{9E7F65D3-16D9-45B8-A1FB-8F99F69AD12A}" presName="conn2-1" presStyleLbl="parChTrans1D3" presStyleIdx="0" presStyleCnt="4"/>
+      <dgm:spPr/>
+    </dgm:pt>
+    <dgm:pt modelId="{2C5A12F4-81ED-48F9-9E09-880F7A93F16B}" type="pres">
+      <dgm:prSet presAssocID="{9E7F65D3-16D9-45B8-A1FB-8F99F69AD12A}" presName="connTx" presStyleLbl="parChTrans1D3" presStyleIdx="0" presStyleCnt="4"/>
+      <dgm:spPr/>
+    </dgm:pt>
+    <dgm:pt modelId="{A07C32FB-B0E8-4EB6-8373-384A6B745696}" type="pres">
+      <dgm:prSet presAssocID="{DD91A2C7-1808-427F-8F2C-7A529E639F67}" presName="root2" presStyleCnt="0"/>
+      <dgm:spPr/>
+    </dgm:pt>
+    <dgm:pt modelId="{DCB36E96-2312-4692-B8BF-6159CFCFEE64}" type="pres">
+      <dgm:prSet presAssocID="{DD91A2C7-1808-427F-8F2C-7A529E639F67}" presName="LevelTwoTextNode" presStyleLbl="node3" presStyleIdx="0" presStyleCnt="4">
+        <dgm:presLayoutVars>
+          <dgm:chPref val="3"/>
+        </dgm:presLayoutVars>
+      </dgm:prSet>
+      <dgm:spPr/>
+    </dgm:pt>
+    <dgm:pt modelId="{9BC80339-9E83-4EAB-950B-6FC262317509}" type="pres">
+      <dgm:prSet presAssocID="{DD91A2C7-1808-427F-8F2C-7A529E639F67}" presName="level3hierChild" presStyleCnt="0"/>
+      <dgm:spPr/>
+    </dgm:pt>
+    <dgm:pt modelId="{350EC784-AE57-49B8-860B-47579F33322E}" type="pres">
+      <dgm:prSet presAssocID="{1F039957-064A-44C3-B21F-5F9B7E350358}" presName="conn2-1" presStyleLbl="parChTrans1D4" presStyleIdx="0" presStyleCnt="8"/>
+      <dgm:spPr/>
+    </dgm:pt>
+    <dgm:pt modelId="{C5919396-ECF2-4837-9D6A-3E17942DE570}" type="pres">
+      <dgm:prSet presAssocID="{1F039957-064A-44C3-B21F-5F9B7E350358}" presName="connTx" presStyleLbl="parChTrans1D4" presStyleIdx="0" presStyleCnt="8"/>
+      <dgm:spPr/>
+    </dgm:pt>
+    <dgm:pt modelId="{D7473725-0CFC-4EE2-AB26-FF8423B00476}" type="pres">
+      <dgm:prSet presAssocID="{884B5C85-6E82-423D-850A-6798B329F12A}" presName="root2" presStyleCnt="0"/>
+      <dgm:spPr/>
+    </dgm:pt>
+    <dgm:pt modelId="{17FF8AAA-30CC-47EA-A8E1-C73B6F0AD77D}" type="pres">
+      <dgm:prSet presAssocID="{884B5C85-6E82-423D-850A-6798B329F12A}" presName="LevelTwoTextNode" presStyleLbl="node4" presStyleIdx="0" presStyleCnt="8">
+        <dgm:presLayoutVars>
+          <dgm:chPref val="3"/>
+        </dgm:presLayoutVars>
+      </dgm:prSet>
+      <dgm:spPr/>
+    </dgm:pt>
+    <dgm:pt modelId="{EED63CF1-7D78-4BB5-B815-D3648E03014A}" type="pres">
+      <dgm:prSet presAssocID="{884B5C85-6E82-423D-850A-6798B329F12A}" presName="level3hierChild" presStyleCnt="0"/>
+      <dgm:spPr/>
+    </dgm:pt>
+    <dgm:pt modelId="{8D9C18AD-9E9C-470F-B9DF-2096CB7730F5}" type="pres">
+      <dgm:prSet presAssocID="{5C0D3DE3-BF13-4223-ABA4-42732FCDF3D8}" presName="conn2-1" presStyleLbl="parChTrans1D4" presStyleIdx="1" presStyleCnt="8"/>
+      <dgm:spPr/>
+    </dgm:pt>
+    <dgm:pt modelId="{F3DE6015-5D21-4C97-83FB-909284F65EF4}" type="pres">
+      <dgm:prSet presAssocID="{5C0D3DE3-BF13-4223-ABA4-42732FCDF3D8}" presName="connTx" presStyleLbl="parChTrans1D4" presStyleIdx="1" presStyleCnt="8"/>
+      <dgm:spPr/>
+    </dgm:pt>
+    <dgm:pt modelId="{54207C5E-CE16-4F4F-8D4F-6E86989C8BA5}" type="pres">
+      <dgm:prSet presAssocID="{CE25362B-4DCF-432F-8F5A-B3999837C1F2}" presName="root2" presStyleCnt="0"/>
+      <dgm:spPr/>
+    </dgm:pt>
+    <dgm:pt modelId="{89942B91-84E7-4119-BBDC-CE09F4244ADC}" type="pres">
+      <dgm:prSet presAssocID="{CE25362B-4DCF-432F-8F5A-B3999837C1F2}" presName="LevelTwoTextNode" presStyleLbl="node4" presStyleIdx="1" presStyleCnt="8">
+        <dgm:presLayoutVars>
+          <dgm:chPref val="3"/>
+        </dgm:presLayoutVars>
+      </dgm:prSet>
+      <dgm:spPr/>
+    </dgm:pt>
+    <dgm:pt modelId="{CFE903BD-CFBF-476C-811B-2931B5D5CCEB}" type="pres">
+      <dgm:prSet presAssocID="{CE25362B-4DCF-432F-8F5A-B3999837C1F2}" presName="level3hierChild" presStyleCnt="0"/>
+      <dgm:spPr/>
+    </dgm:pt>
+    <dgm:pt modelId="{0150ACF9-2C4E-4DE5-9FA7-A90FE9A1F512}" type="pres">
+      <dgm:prSet presAssocID="{D7B2C24C-4013-472B-857A-393942649B89}" presName="conn2-1" presStyleLbl="parChTrans1D3" presStyleIdx="1" presStyleCnt="4"/>
+      <dgm:spPr/>
+    </dgm:pt>
+    <dgm:pt modelId="{FA78E135-65DC-4DF8-AFE3-7914C8220A75}" type="pres">
+      <dgm:prSet presAssocID="{D7B2C24C-4013-472B-857A-393942649B89}" presName="connTx" presStyleLbl="parChTrans1D3" presStyleIdx="1" presStyleCnt="4"/>
+      <dgm:spPr/>
+    </dgm:pt>
+    <dgm:pt modelId="{987083C4-FB2E-4526-BEB8-BB0465C1A9BD}" type="pres">
+      <dgm:prSet presAssocID="{C4BDCB28-D41D-49D7-8E30-AE9C03506A2A}" presName="root2" presStyleCnt="0"/>
+      <dgm:spPr/>
+    </dgm:pt>
+    <dgm:pt modelId="{C711E266-8583-4FE4-BEC1-898C33F6D314}" type="pres">
+      <dgm:prSet presAssocID="{C4BDCB28-D41D-49D7-8E30-AE9C03506A2A}" presName="LevelTwoTextNode" presStyleLbl="node3" presStyleIdx="1" presStyleCnt="4">
+        <dgm:presLayoutVars>
+          <dgm:chPref val="3"/>
+        </dgm:presLayoutVars>
+      </dgm:prSet>
+      <dgm:spPr/>
+    </dgm:pt>
+    <dgm:pt modelId="{87F7047B-3E9F-4C77-9147-6BE9305F5EBA}" type="pres">
+      <dgm:prSet presAssocID="{C4BDCB28-D41D-49D7-8E30-AE9C03506A2A}" presName="level3hierChild" presStyleCnt="0"/>
+      <dgm:spPr/>
+    </dgm:pt>
+    <dgm:pt modelId="{5E3F9ECC-3A0C-4CFD-B06C-97A84D10EED4}" type="pres">
+      <dgm:prSet presAssocID="{242C0423-C6E9-4F34-9DD0-7DACD69D762A}" presName="conn2-1" presStyleLbl="parChTrans1D4" presStyleIdx="2" presStyleCnt="8"/>
+      <dgm:spPr/>
+    </dgm:pt>
+    <dgm:pt modelId="{5BA86FEB-98F4-4833-909E-9AF1B75A1F96}" type="pres">
+      <dgm:prSet presAssocID="{242C0423-C6E9-4F34-9DD0-7DACD69D762A}" presName="connTx" presStyleLbl="parChTrans1D4" presStyleIdx="2" presStyleCnt="8"/>
+      <dgm:spPr/>
+    </dgm:pt>
+    <dgm:pt modelId="{5809DB8D-5314-43D2-BDDD-DA1050335C94}" type="pres">
+      <dgm:prSet presAssocID="{B51FCD4D-8FD2-4F7D-834E-EC101E918B2B}" presName="root2" presStyleCnt="0"/>
+      <dgm:spPr/>
+    </dgm:pt>
+    <dgm:pt modelId="{466C3B35-8CAB-4371-9D90-E96EAB6A7B7D}" type="pres">
+      <dgm:prSet presAssocID="{B51FCD4D-8FD2-4F7D-834E-EC101E918B2B}" presName="LevelTwoTextNode" presStyleLbl="node4" presStyleIdx="2" presStyleCnt="8">
+        <dgm:presLayoutVars>
+          <dgm:chPref val="3"/>
+        </dgm:presLayoutVars>
+      </dgm:prSet>
+      <dgm:spPr/>
+    </dgm:pt>
+    <dgm:pt modelId="{D684C3E5-2855-43FA-B72C-5ED338F8ABE0}" type="pres">
+      <dgm:prSet presAssocID="{B51FCD4D-8FD2-4F7D-834E-EC101E918B2B}" presName="level3hierChild" presStyleCnt="0"/>
+      <dgm:spPr/>
+    </dgm:pt>
+    <dgm:pt modelId="{A1D373B6-8067-4EAC-A14D-F1956071BA40}" type="pres">
+      <dgm:prSet presAssocID="{755EE7FA-A07E-4994-8AB2-8DF3FBE7B10A}" presName="conn2-1" presStyleLbl="parChTrans1D4" presStyleIdx="3" presStyleCnt="8"/>
+      <dgm:spPr/>
+    </dgm:pt>
+    <dgm:pt modelId="{625683D6-EFED-4443-ABAF-9A1521D1871A}" type="pres">
+      <dgm:prSet presAssocID="{755EE7FA-A07E-4994-8AB2-8DF3FBE7B10A}" presName="connTx" presStyleLbl="parChTrans1D4" presStyleIdx="3" presStyleCnt="8"/>
+      <dgm:spPr/>
+    </dgm:pt>
+    <dgm:pt modelId="{D3801F33-AD81-492E-AD3F-A54A0FDB0249}" type="pres">
+      <dgm:prSet presAssocID="{EE17570A-160A-4496-9A0B-86D0EDA26066}" presName="root2" presStyleCnt="0"/>
+      <dgm:spPr/>
+    </dgm:pt>
+    <dgm:pt modelId="{6B0B34EA-40FC-4C26-BD2A-F5CFE126D66C}" type="pres">
+      <dgm:prSet presAssocID="{EE17570A-160A-4496-9A0B-86D0EDA26066}" presName="LevelTwoTextNode" presStyleLbl="node4" presStyleIdx="3" presStyleCnt="8">
+        <dgm:presLayoutVars>
+          <dgm:chPref val="3"/>
+        </dgm:presLayoutVars>
+      </dgm:prSet>
+      <dgm:spPr/>
+    </dgm:pt>
+    <dgm:pt modelId="{993A55A7-1B03-422E-BE14-38EF8482CD95}" type="pres">
+      <dgm:prSet presAssocID="{EE17570A-160A-4496-9A0B-86D0EDA26066}" presName="level3hierChild" presStyleCnt="0"/>
+      <dgm:spPr/>
+    </dgm:pt>
+    <dgm:pt modelId="{4EF9488E-D882-48CD-99D0-7D86110FE946}" type="pres">
+      <dgm:prSet presAssocID="{958EE4A8-90DE-4A73-A650-1F5C8614D1F6}" presName="conn2-1" presStyleLbl="parChTrans1D2" presStyleIdx="1" presStyleCnt="2"/>
+      <dgm:spPr/>
+    </dgm:pt>
+    <dgm:pt modelId="{C202D939-C36C-4132-8298-1BB809A0B1F8}" type="pres">
+      <dgm:prSet presAssocID="{958EE4A8-90DE-4A73-A650-1F5C8614D1F6}" presName="connTx" presStyleLbl="parChTrans1D2" presStyleIdx="1" presStyleCnt="2"/>
+      <dgm:spPr/>
+    </dgm:pt>
+    <dgm:pt modelId="{BE11C6F9-B811-4B54-AFBA-37606E442E42}" type="pres">
+      <dgm:prSet presAssocID="{3D05D730-0BA9-4401-99B5-194569310C19}" presName="root2" presStyleCnt="0"/>
+      <dgm:spPr/>
+    </dgm:pt>
+    <dgm:pt modelId="{3FBD7A25-A35F-4948-ABE6-11D6588A0C89}" type="pres">
+      <dgm:prSet presAssocID="{3D05D730-0BA9-4401-99B5-194569310C19}" presName="LevelTwoTextNode" presStyleLbl="node2" presStyleIdx="1" presStyleCnt="2">
+        <dgm:presLayoutVars>
+          <dgm:chPref val="3"/>
+        </dgm:presLayoutVars>
+      </dgm:prSet>
+      <dgm:spPr/>
+    </dgm:pt>
+    <dgm:pt modelId="{7969052E-5E8F-43BB-A4F8-3C88CC563B9D}" type="pres">
+      <dgm:prSet presAssocID="{3D05D730-0BA9-4401-99B5-194569310C19}" presName="level3hierChild" presStyleCnt="0"/>
+      <dgm:spPr/>
+    </dgm:pt>
+    <dgm:pt modelId="{ED690540-E352-4229-8F9B-4141EFE46B46}" type="pres">
+      <dgm:prSet presAssocID="{57F16EF4-D6EC-48FD-B76E-76E76394E010}" presName="conn2-1" presStyleLbl="parChTrans1D3" presStyleIdx="2" presStyleCnt="4"/>
+      <dgm:spPr/>
+    </dgm:pt>
+    <dgm:pt modelId="{E30C9585-2370-4518-A76C-81B797BCB5EA}" type="pres">
+      <dgm:prSet presAssocID="{57F16EF4-D6EC-48FD-B76E-76E76394E010}" presName="connTx" presStyleLbl="parChTrans1D3" presStyleIdx="2" presStyleCnt="4"/>
+      <dgm:spPr/>
+    </dgm:pt>
+    <dgm:pt modelId="{67B11E4F-C9E5-4AE6-B1BE-48E313E4E51E}" type="pres">
+      <dgm:prSet presAssocID="{1CA237B7-DE7B-42C7-ADCD-CA3BA637D6E7}" presName="root2" presStyleCnt="0"/>
+      <dgm:spPr/>
+    </dgm:pt>
+    <dgm:pt modelId="{F4D59162-4A54-45CC-A74C-36E010EBD807}" type="pres">
+      <dgm:prSet presAssocID="{1CA237B7-DE7B-42C7-ADCD-CA3BA637D6E7}" presName="LevelTwoTextNode" presStyleLbl="node3" presStyleIdx="2" presStyleCnt="4">
+        <dgm:presLayoutVars>
+          <dgm:chPref val="3"/>
+        </dgm:presLayoutVars>
+      </dgm:prSet>
+      <dgm:spPr/>
+    </dgm:pt>
+    <dgm:pt modelId="{4D042183-CD1A-4B27-8742-87D3A1AEBE2E}" type="pres">
+      <dgm:prSet presAssocID="{1CA237B7-DE7B-42C7-ADCD-CA3BA637D6E7}" presName="level3hierChild" presStyleCnt="0"/>
+      <dgm:spPr/>
+    </dgm:pt>
+    <dgm:pt modelId="{CCAD1E01-E5D2-4869-BABB-60FE4115D288}" type="pres">
+      <dgm:prSet presAssocID="{BFDCB9ED-61DF-454B-BBE7-46A54141415F}" presName="conn2-1" presStyleLbl="parChTrans1D4" presStyleIdx="4" presStyleCnt="8"/>
+      <dgm:spPr/>
+    </dgm:pt>
+    <dgm:pt modelId="{60691B72-30AE-4F28-B88B-CDB6C5FF2F4A}" type="pres">
+      <dgm:prSet presAssocID="{BFDCB9ED-61DF-454B-BBE7-46A54141415F}" presName="connTx" presStyleLbl="parChTrans1D4" presStyleIdx="4" presStyleCnt="8"/>
+      <dgm:spPr/>
+    </dgm:pt>
+    <dgm:pt modelId="{33747F42-5C6A-4484-9815-04C044CCADC1}" type="pres">
+      <dgm:prSet presAssocID="{0D77D865-2031-4284-81E7-A44A642E324C}" presName="root2" presStyleCnt="0"/>
+      <dgm:spPr/>
+    </dgm:pt>
+    <dgm:pt modelId="{A05C7B35-62DC-4FF7-8C66-C9EE6A167BAA}" type="pres">
+      <dgm:prSet presAssocID="{0D77D865-2031-4284-81E7-A44A642E324C}" presName="LevelTwoTextNode" presStyleLbl="node4" presStyleIdx="4" presStyleCnt="8">
+        <dgm:presLayoutVars>
+          <dgm:chPref val="3"/>
+        </dgm:presLayoutVars>
+      </dgm:prSet>
+      <dgm:spPr/>
+    </dgm:pt>
+    <dgm:pt modelId="{11801D9A-8139-4458-B6E0-EC8218BE2366}" type="pres">
+      <dgm:prSet presAssocID="{0D77D865-2031-4284-81E7-A44A642E324C}" presName="level3hierChild" presStyleCnt="0"/>
+      <dgm:spPr/>
+    </dgm:pt>
+    <dgm:pt modelId="{0DA98085-3B92-4EE9-8CF2-A0F245B7D355}" type="pres">
+      <dgm:prSet presAssocID="{FCF0F4B9-6E32-49E3-B9CA-079AEF9E4CD4}" presName="conn2-1" presStyleLbl="parChTrans1D4" presStyleIdx="5" presStyleCnt="8"/>
+      <dgm:spPr/>
+    </dgm:pt>
+    <dgm:pt modelId="{8B7B0C08-4B6E-4B87-8A9B-081695FDE680}" type="pres">
+      <dgm:prSet presAssocID="{FCF0F4B9-6E32-49E3-B9CA-079AEF9E4CD4}" presName="connTx" presStyleLbl="parChTrans1D4" presStyleIdx="5" presStyleCnt="8"/>
+      <dgm:spPr/>
+    </dgm:pt>
+    <dgm:pt modelId="{E70F1219-5125-41EF-B44A-F481A76855D1}" type="pres">
+      <dgm:prSet presAssocID="{56068AB0-0BE5-4812-B738-AFD1DBC43049}" presName="root2" presStyleCnt="0"/>
+      <dgm:spPr/>
+    </dgm:pt>
+    <dgm:pt modelId="{5FC4CF79-2F08-4E8F-85B4-9A96A7EC3498}" type="pres">
+      <dgm:prSet presAssocID="{56068AB0-0BE5-4812-B738-AFD1DBC43049}" presName="LevelTwoTextNode" presStyleLbl="node4" presStyleIdx="5" presStyleCnt="8">
+        <dgm:presLayoutVars>
+          <dgm:chPref val="3"/>
+        </dgm:presLayoutVars>
+      </dgm:prSet>
+      <dgm:spPr/>
+    </dgm:pt>
+    <dgm:pt modelId="{426F6D11-BB5D-484C-8D8B-5A4DBB823060}" type="pres">
+      <dgm:prSet presAssocID="{56068AB0-0BE5-4812-B738-AFD1DBC43049}" presName="level3hierChild" presStyleCnt="0"/>
+      <dgm:spPr/>
+    </dgm:pt>
+    <dgm:pt modelId="{CB852336-74F8-4830-A5FC-F8E0056056C8}" type="pres">
+      <dgm:prSet presAssocID="{F9768EDB-B181-4197-9624-19E6185FFA60}" presName="conn2-1" presStyleLbl="parChTrans1D3" presStyleIdx="3" presStyleCnt="4"/>
+      <dgm:spPr/>
+    </dgm:pt>
+    <dgm:pt modelId="{54CACEEE-3CCF-4F40-B97A-B16DE95A1DB1}" type="pres">
+      <dgm:prSet presAssocID="{F9768EDB-B181-4197-9624-19E6185FFA60}" presName="connTx" presStyleLbl="parChTrans1D3" presStyleIdx="3" presStyleCnt="4"/>
+      <dgm:spPr/>
+    </dgm:pt>
+    <dgm:pt modelId="{85C023EB-F9E0-4875-BC9E-53EB7187D9BB}" type="pres">
+      <dgm:prSet presAssocID="{60079C13-2526-4061-8813-EE43B23B5E2F}" presName="root2" presStyleCnt="0"/>
+      <dgm:spPr/>
+    </dgm:pt>
+    <dgm:pt modelId="{89981576-8F27-4656-81FA-316B738675BE}" type="pres">
+      <dgm:prSet presAssocID="{60079C13-2526-4061-8813-EE43B23B5E2F}" presName="LevelTwoTextNode" presStyleLbl="node3" presStyleIdx="3" presStyleCnt="4">
+        <dgm:presLayoutVars>
+          <dgm:chPref val="3"/>
+        </dgm:presLayoutVars>
+      </dgm:prSet>
+      <dgm:spPr/>
+    </dgm:pt>
+    <dgm:pt modelId="{BE56F386-F089-49D8-8C0E-7B3F9C35D9A7}" type="pres">
+      <dgm:prSet presAssocID="{60079C13-2526-4061-8813-EE43B23B5E2F}" presName="level3hierChild" presStyleCnt="0"/>
+      <dgm:spPr/>
+    </dgm:pt>
+    <dgm:pt modelId="{7F1CA184-872B-4832-9020-5803DA1BCC6B}" type="pres">
+      <dgm:prSet presAssocID="{6572160C-6EA7-4CFD-A099-24FB3204845F}" presName="conn2-1" presStyleLbl="parChTrans1D4" presStyleIdx="6" presStyleCnt="8"/>
+      <dgm:spPr/>
+    </dgm:pt>
+    <dgm:pt modelId="{E07DADB8-9641-4D28-A81D-5F779FB1BF8A}" type="pres">
+      <dgm:prSet presAssocID="{6572160C-6EA7-4CFD-A099-24FB3204845F}" presName="connTx" presStyleLbl="parChTrans1D4" presStyleIdx="6" presStyleCnt="8"/>
+      <dgm:spPr/>
+    </dgm:pt>
+    <dgm:pt modelId="{1E0842F9-6B15-42C8-94E8-CF222E85D2B7}" type="pres">
+      <dgm:prSet presAssocID="{4367C6AE-2E80-4A53-BD30-923EF46199E5}" presName="root2" presStyleCnt="0"/>
+      <dgm:spPr/>
+    </dgm:pt>
+    <dgm:pt modelId="{D836A039-FA4A-4F19-BD07-B291D826C1A0}" type="pres">
+      <dgm:prSet presAssocID="{4367C6AE-2E80-4A53-BD30-923EF46199E5}" presName="LevelTwoTextNode" presStyleLbl="node4" presStyleIdx="6" presStyleCnt="8">
+        <dgm:presLayoutVars>
+          <dgm:chPref val="3"/>
+        </dgm:presLayoutVars>
+      </dgm:prSet>
+      <dgm:spPr/>
+    </dgm:pt>
+    <dgm:pt modelId="{62172C2B-7B08-43C7-9591-A8EA7BF9EA0D}" type="pres">
+      <dgm:prSet presAssocID="{4367C6AE-2E80-4A53-BD30-923EF46199E5}" presName="level3hierChild" presStyleCnt="0"/>
+      <dgm:spPr/>
+    </dgm:pt>
+    <dgm:pt modelId="{B7A53319-B148-4DC0-A6C1-4DB4EC533909}" type="pres">
+      <dgm:prSet presAssocID="{52543BB3-7A38-4809-9465-693C4701F653}" presName="conn2-1" presStyleLbl="parChTrans1D4" presStyleIdx="7" presStyleCnt="8"/>
+      <dgm:spPr/>
+    </dgm:pt>
+    <dgm:pt modelId="{2C3AB0CD-FE19-4C5E-9279-4BBF2A4DAE0A}" type="pres">
+      <dgm:prSet presAssocID="{52543BB3-7A38-4809-9465-693C4701F653}" presName="connTx" presStyleLbl="parChTrans1D4" presStyleIdx="7" presStyleCnt="8"/>
+      <dgm:spPr/>
+    </dgm:pt>
+    <dgm:pt modelId="{DB11C340-8A91-462A-B5E5-ADE2C6256413}" type="pres">
+      <dgm:prSet presAssocID="{AFAAF415-AC0C-4B94-AF6B-B05BA80D642D}" presName="root2" presStyleCnt="0"/>
+      <dgm:spPr/>
+    </dgm:pt>
+    <dgm:pt modelId="{3FA24A7F-F9D8-4780-96C2-16E58C21FF68}" type="pres">
+      <dgm:prSet presAssocID="{AFAAF415-AC0C-4B94-AF6B-B05BA80D642D}" presName="LevelTwoTextNode" presStyleLbl="node4" presStyleIdx="7" presStyleCnt="8">
+        <dgm:presLayoutVars>
+          <dgm:chPref val="3"/>
+        </dgm:presLayoutVars>
+      </dgm:prSet>
+      <dgm:spPr/>
+    </dgm:pt>
+    <dgm:pt modelId="{BEE00628-B360-4CE9-A316-5C0346D32E99}" type="pres">
+      <dgm:prSet presAssocID="{AFAAF415-AC0C-4B94-AF6B-B05BA80D642D}" presName="level3hierChild" presStyleCnt="0"/>
+      <dgm:spPr/>
+    </dgm:pt>
+  </dgm:ptLst>
+  <dgm:cxnLst>
+    <dgm:cxn modelId="{A860C500-CF23-440D-A5CE-0C00E2388C14}" type="presOf" srcId="{6572160C-6EA7-4CFD-A099-24FB3204845F}" destId="{E07DADB8-9641-4D28-A81D-5F779FB1BF8A}" srcOrd="1" destOrd="0" presId="urn:microsoft.com/office/officeart/2005/8/layout/hierarchy2"/>
+    <dgm:cxn modelId="{DCBB7C02-0626-4AA9-9FEC-C424E96688E2}" type="presOf" srcId="{DD91A2C7-1808-427F-8F2C-7A529E639F67}" destId="{DCB36E96-2312-4692-B8BF-6159CFCFEE64}" srcOrd="0" destOrd="0" presId="urn:microsoft.com/office/officeart/2005/8/layout/hierarchy2"/>
+    <dgm:cxn modelId="{3B477A07-EC6B-4307-8E0F-5B23242E948D}" srcId="{FC8B9BE6-6C10-44E6-B58F-DA9E8F334AF4}" destId="{B1836555-3C08-4799-AFAB-606D619ADB41}" srcOrd="0" destOrd="0" parTransId="{AD30DF95-7EF8-4257-9DB1-23AE051D65BC}" sibTransId="{26C76F44-98D3-4652-B468-1FAF51347066}"/>
+    <dgm:cxn modelId="{AB7A060B-93CA-40D8-93BB-E5A272B01F8B}" type="presOf" srcId="{AD30DF95-7EF8-4257-9DB1-23AE051D65BC}" destId="{D415C343-27C3-4274-94EC-6EB43A9AC624}" srcOrd="1" destOrd="0" presId="urn:microsoft.com/office/officeart/2005/8/layout/hierarchy2"/>
+    <dgm:cxn modelId="{9925420D-719B-47C9-B2D9-ECF2A873161F}" type="presOf" srcId="{755EE7FA-A07E-4994-8AB2-8DF3FBE7B10A}" destId="{625683D6-EFED-4443-ABAF-9A1521D1871A}" srcOrd="1" destOrd="0" presId="urn:microsoft.com/office/officeart/2005/8/layout/hierarchy2"/>
+    <dgm:cxn modelId="{1429740D-E14F-4B8B-B98F-39C28BB91FD2}" type="presOf" srcId="{FC8B9BE6-6C10-44E6-B58F-DA9E8F334AF4}" destId="{5DE978A6-D99D-4B04-A5DD-2D54C8421989}" srcOrd="0" destOrd="0" presId="urn:microsoft.com/office/officeart/2005/8/layout/hierarchy2"/>
+    <dgm:cxn modelId="{A2B4D111-5FBA-4841-BD9D-17915DE650D1}" srcId="{B1836555-3C08-4799-AFAB-606D619ADB41}" destId="{DD91A2C7-1808-427F-8F2C-7A529E639F67}" srcOrd="0" destOrd="0" parTransId="{9E7F65D3-16D9-45B8-A1FB-8F99F69AD12A}" sibTransId="{DEB055A0-B11F-4F71-AF3E-C1DA138B352E}"/>
+    <dgm:cxn modelId="{DE45B913-83BD-4A18-8EA3-75493CA703C2}" srcId="{C4BDCB28-D41D-49D7-8E30-AE9C03506A2A}" destId="{B51FCD4D-8FD2-4F7D-834E-EC101E918B2B}" srcOrd="0" destOrd="0" parTransId="{242C0423-C6E9-4F34-9DD0-7DACD69D762A}" sibTransId="{CB7FD794-EA1D-414C-83E5-EE23B01906BF}"/>
+    <dgm:cxn modelId="{2CBA7118-E61C-4690-B2C3-1C137938164D}" type="presOf" srcId="{BFDCB9ED-61DF-454B-BBE7-46A54141415F}" destId="{CCAD1E01-E5D2-4869-BABB-60FE4115D288}" srcOrd="0" destOrd="0" presId="urn:microsoft.com/office/officeart/2005/8/layout/hierarchy2"/>
+    <dgm:cxn modelId="{9516AD1A-D595-42CC-84D7-B913AEB5BB2B}" srcId="{3D05D730-0BA9-4401-99B5-194569310C19}" destId="{60079C13-2526-4061-8813-EE43B23B5E2F}" srcOrd="1" destOrd="0" parTransId="{F9768EDB-B181-4197-9624-19E6185FFA60}" sibTransId="{F29615D2-11BC-47D6-AE60-02E277C94CE9}"/>
+    <dgm:cxn modelId="{B5E8231E-7ADC-4EEE-9DE0-6312ABB4A429}" type="presOf" srcId="{242C0423-C6E9-4F34-9DD0-7DACD69D762A}" destId="{5E3F9ECC-3A0C-4CFD-B06C-97A84D10EED4}" srcOrd="0" destOrd="0" presId="urn:microsoft.com/office/officeart/2005/8/layout/hierarchy2"/>
+    <dgm:cxn modelId="{400DF623-FF88-4AEE-818B-4AF5ED92FBC3}" srcId="{FC8B9BE6-6C10-44E6-B58F-DA9E8F334AF4}" destId="{3D05D730-0BA9-4401-99B5-194569310C19}" srcOrd="1" destOrd="0" parTransId="{958EE4A8-90DE-4A73-A650-1F5C8614D1F6}" sibTransId="{D71DA763-E7D6-4AC6-9D4C-0BFEB6320E51}"/>
+    <dgm:cxn modelId="{C1946427-FEBD-4193-980E-F03E6C043250}" srcId="{1CA237B7-DE7B-42C7-ADCD-CA3BA637D6E7}" destId="{0D77D865-2031-4284-81E7-A44A642E324C}" srcOrd="0" destOrd="0" parTransId="{BFDCB9ED-61DF-454B-BBE7-46A54141415F}" sibTransId="{CAF513A2-4069-4469-9AF4-35E7EE40585E}"/>
+    <dgm:cxn modelId="{65D8702C-27F4-44CE-B2A3-864292E527FE}" type="presOf" srcId="{CE25362B-4DCF-432F-8F5A-B3999837C1F2}" destId="{89942B91-84E7-4119-BBDC-CE09F4244ADC}" srcOrd="0" destOrd="0" presId="urn:microsoft.com/office/officeart/2005/8/layout/hierarchy2"/>
+    <dgm:cxn modelId="{53688C39-CF4E-4A64-8DF1-1E2BDE2AC9E9}" type="presOf" srcId="{EE17570A-160A-4496-9A0B-86D0EDA26066}" destId="{6B0B34EA-40FC-4C26-BD2A-F5CFE126D66C}" srcOrd="0" destOrd="0" presId="urn:microsoft.com/office/officeart/2005/8/layout/hierarchy2"/>
+    <dgm:cxn modelId="{A159083B-D1B4-4F79-9E62-0DD254EC39A4}" type="presOf" srcId="{1CA237B7-DE7B-42C7-ADCD-CA3BA637D6E7}" destId="{F4D59162-4A54-45CC-A74C-36E010EBD807}" srcOrd="0" destOrd="0" presId="urn:microsoft.com/office/officeart/2005/8/layout/hierarchy2"/>
+    <dgm:cxn modelId="{69CE7E3E-8F39-4515-8E45-D60A87E9E35D}" type="presOf" srcId="{3D05D730-0BA9-4401-99B5-194569310C19}" destId="{3FBD7A25-A35F-4948-ABE6-11D6588A0C89}" srcOrd="0" destOrd="0" presId="urn:microsoft.com/office/officeart/2005/8/layout/hierarchy2"/>
+    <dgm:cxn modelId="{93501440-C6BC-4CDB-B6BE-8032E73765FA}" type="presOf" srcId="{B51FCD4D-8FD2-4F7D-834E-EC101E918B2B}" destId="{466C3B35-8CAB-4371-9D90-E96EAB6A7B7D}" srcOrd="0" destOrd="0" presId="urn:microsoft.com/office/officeart/2005/8/layout/hierarchy2"/>
+    <dgm:cxn modelId="{271C2040-FA05-4345-AC0A-022C197ED56B}" type="presOf" srcId="{AFAAF415-AC0C-4B94-AF6B-B05BA80D642D}" destId="{3FA24A7F-F9D8-4780-96C2-16E58C21FF68}" srcOrd="0" destOrd="0" presId="urn:microsoft.com/office/officeart/2005/8/layout/hierarchy2"/>
+    <dgm:cxn modelId="{37573C66-AD03-4228-8A52-87411AD3894B}" type="presOf" srcId="{FCF0F4B9-6E32-49E3-B9CA-079AEF9E4CD4}" destId="{8B7B0C08-4B6E-4B87-8A9B-081695FDE680}" srcOrd="1" destOrd="0" presId="urn:microsoft.com/office/officeart/2005/8/layout/hierarchy2"/>
+    <dgm:cxn modelId="{08A40F69-0628-48C9-9F07-E9A9625FFE6A}" type="presOf" srcId="{4367C6AE-2E80-4A53-BD30-923EF46199E5}" destId="{D836A039-FA4A-4F19-BD07-B291D826C1A0}" srcOrd="0" destOrd="0" presId="urn:microsoft.com/office/officeart/2005/8/layout/hierarchy2"/>
+    <dgm:cxn modelId="{EE360E4F-4612-4391-BC82-559C09374709}" type="presOf" srcId="{52543BB3-7A38-4809-9465-693C4701F653}" destId="{2C3AB0CD-FE19-4C5E-9279-4BBF2A4DAE0A}" srcOrd="1" destOrd="0" presId="urn:microsoft.com/office/officeart/2005/8/layout/hierarchy2"/>
+    <dgm:cxn modelId="{E237116F-78DD-4CDA-8000-5F4175B5A443}" type="presOf" srcId="{AD30DF95-7EF8-4257-9DB1-23AE051D65BC}" destId="{B63EC61B-C449-427A-9070-662C881E96BF}" srcOrd="0" destOrd="0" presId="urn:microsoft.com/office/officeart/2005/8/layout/hierarchy2"/>
+    <dgm:cxn modelId="{CD102150-D1A5-4962-9CD5-269DFEB095D9}" type="presOf" srcId="{FCF0F4B9-6E32-49E3-B9CA-079AEF9E4CD4}" destId="{0DA98085-3B92-4EE9-8CF2-A0F245B7D355}" srcOrd="0" destOrd="0" presId="urn:microsoft.com/office/officeart/2005/8/layout/hierarchy2"/>
+    <dgm:cxn modelId="{6F44FB71-57EC-4169-B8A3-B28C4CF9C27F}" type="presOf" srcId="{57F16EF4-D6EC-48FD-B76E-76E76394E010}" destId="{E30C9585-2370-4518-A76C-81B797BCB5EA}" srcOrd="1" destOrd="0" presId="urn:microsoft.com/office/officeart/2005/8/layout/hierarchy2"/>
+    <dgm:cxn modelId="{F86A3681-B7D7-4782-944F-772A5E5128B1}" type="presOf" srcId="{F9768EDB-B181-4197-9624-19E6185FFA60}" destId="{54CACEEE-3CCF-4F40-B97A-B16DE95A1DB1}" srcOrd="1" destOrd="0" presId="urn:microsoft.com/office/officeart/2005/8/layout/hierarchy2"/>
+    <dgm:cxn modelId="{F5C71A85-43C4-41EB-A606-98145958AFB8}" type="presOf" srcId="{C4BDCB28-D41D-49D7-8E30-AE9C03506A2A}" destId="{C711E266-8583-4FE4-BEC1-898C33F6D314}" srcOrd="0" destOrd="0" presId="urn:microsoft.com/office/officeart/2005/8/layout/hierarchy2"/>
+    <dgm:cxn modelId="{F97BE586-A82E-483E-8BBE-CD3D9CC065CB}" srcId="{3D05D730-0BA9-4401-99B5-194569310C19}" destId="{1CA237B7-DE7B-42C7-ADCD-CA3BA637D6E7}" srcOrd="0" destOrd="0" parTransId="{57F16EF4-D6EC-48FD-B76E-76E76394E010}" sibTransId="{5EF78F9F-D449-43D3-B995-BBC25DA22522}"/>
+    <dgm:cxn modelId="{8E37FA86-D4B1-4725-A019-D53059BEB3C7}" type="presOf" srcId="{D7B2C24C-4013-472B-857A-393942649B89}" destId="{FA78E135-65DC-4DF8-AFE3-7914C8220A75}" srcOrd="1" destOrd="0" presId="urn:microsoft.com/office/officeart/2005/8/layout/hierarchy2"/>
+    <dgm:cxn modelId="{E0D2708D-B97D-4C32-8F3A-D8A75ECCCF14}" type="presOf" srcId="{57F16EF4-D6EC-48FD-B76E-76E76394E010}" destId="{ED690540-E352-4229-8F9B-4141EFE46B46}" srcOrd="0" destOrd="0" presId="urn:microsoft.com/office/officeart/2005/8/layout/hierarchy2"/>
+    <dgm:cxn modelId="{27C1C397-7B7B-4E6F-896E-D764E46BB123}" type="presOf" srcId="{56068AB0-0BE5-4812-B738-AFD1DBC43049}" destId="{5FC4CF79-2F08-4E8F-85B4-9A96A7EC3498}" srcOrd="0" destOrd="0" presId="urn:microsoft.com/office/officeart/2005/8/layout/hierarchy2"/>
+    <dgm:cxn modelId="{FEF6C098-1636-4CAE-925B-3F412B596839}" type="presOf" srcId="{0D77D865-2031-4284-81E7-A44A642E324C}" destId="{A05C7B35-62DC-4FF7-8C66-C9EE6A167BAA}" srcOrd="0" destOrd="0" presId="urn:microsoft.com/office/officeart/2005/8/layout/hierarchy2"/>
+    <dgm:cxn modelId="{C242109B-C610-433C-AC7F-8E845F699898}" type="presOf" srcId="{5C0D3DE3-BF13-4223-ABA4-42732FCDF3D8}" destId="{F3DE6015-5D21-4C97-83FB-909284F65EF4}" srcOrd="1" destOrd="0" presId="urn:microsoft.com/office/officeart/2005/8/layout/hierarchy2"/>
+    <dgm:cxn modelId="{83D55D9F-6DEA-4DC5-85DE-41F4AEB7CA91}" type="presOf" srcId="{884B5C85-6E82-423D-850A-6798B329F12A}" destId="{17FF8AAA-30CC-47EA-A8E1-C73B6F0AD77D}" srcOrd="0" destOrd="0" presId="urn:microsoft.com/office/officeart/2005/8/layout/hierarchy2"/>
+    <dgm:cxn modelId="{71C425A0-DBB5-44FC-A15F-865D92F0015A}" type="presOf" srcId="{1F039957-064A-44C3-B21F-5F9B7E350358}" destId="{350EC784-AE57-49B8-860B-47579F33322E}" srcOrd="0" destOrd="0" presId="urn:microsoft.com/office/officeart/2005/8/layout/hierarchy2"/>
+    <dgm:cxn modelId="{F89A2CA0-F311-4E86-A8AA-68345C83D4EB}" type="presOf" srcId="{9E7F65D3-16D9-45B8-A1FB-8F99F69AD12A}" destId="{8649E777-3117-4D2D-8B89-14C4C6013382}" srcOrd="0" destOrd="0" presId="urn:microsoft.com/office/officeart/2005/8/layout/hierarchy2"/>
+    <dgm:cxn modelId="{2F8D53A8-9C93-4B32-8A75-489E354ABE77}" type="presOf" srcId="{60079C13-2526-4061-8813-EE43B23B5E2F}" destId="{89981576-8F27-4656-81FA-316B738675BE}" srcOrd="0" destOrd="0" presId="urn:microsoft.com/office/officeart/2005/8/layout/hierarchy2"/>
+    <dgm:cxn modelId="{45362FA9-8E38-4B29-9BFD-A8CBF5E0DFC4}" type="presOf" srcId="{F9768EDB-B181-4197-9624-19E6185FFA60}" destId="{CB852336-74F8-4830-A5FC-F8E0056056C8}" srcOrd="0" destOrd="0" presId="urn:microsoft.com/office/officeart/2005/8/layout/hierarchy2"/>
+    <dgm:cxn modelId="{8894E6AA-F42E-4443-838B-8BFA29581C72}" type="presOf" srcId="{958EE4A8-90DE-4A73-A650-1F5C8614D1F6}" destId="{C202D939-C36C-4132-8298-1BB809A0B1F8}" srcOrd="1" destOrd="0" presId="urn:microsoft.com/office/officeart/2005/8/layout/hierarchy2"/>
+    <dgm:cxn modelId="{CDCC60B1-CD88-4258-A696-07B8D90EB965}" type="presOf" srcId="{5C0D3DE3-BF13-4223-ABA4-42732FCDF3D8}" destId="{8D9C18AD-9E9C-470F-B9DF-2096CB7730F5}" srcOrd="0" destOrd="0" presId="urn:microsoft.com/office/officeart/2005/8/layout/hierarchy2"/>
+    <dgm:cxn modelId="{C177E0B3-3BD3-4A33-B396-D599BC6FCCC3}" srcId="{60079C13-2526-4061-8813-EE43B23B5E2F}" destId="{4367C6AE-2E80-4A53-BD30-923EF46199E5}" srcOrd="0" destOrd="0" parTransId="{6572160C-6EA7-4CFD-A099-24FB3204845F}" sibTransId="{E8C5681B-4CBA-4688-A0F5-599E410D21F2}"/>
+    <dgm:cxn modelId="{D6653AC5-5EA1-407C-ADDF-E8FBAF4F26E9}" srcId="{60079C13-2526-4061-8813-EE43B23B5E2F}" destId="{AFAAF415-AC0C-4B94-AF6B-B05BA80D642D}" srcOrd="1" destOrd="0" parTransId="{52543BB3-7A38-4809-9465-693C4701F653}" sibTransId="{6FC07D2F-5DFA-4355-B8BB-7443424B1735}"/>
+    <dgm:cxn modelId="{D57B57C5-900D-42E5-88D8-64EC02DBFAD4}" type="presOf" srcId="{3EDCB227-C7BC-4733-A03A-AC91E8CD7760}" destId="{35F76631-78DA-4A1E-98C1-549CC65A668F}" srcOrd="0" destOrd="0" presId="urn:microsoft.com/office/officeart/2005/8/layout/hierarchy2"/>
+    <dgm:cxn modelId="{045DBAC5-4384-4E83-9FF8-BCEA3112EF3C}" srcId="{C4BDCB28-D41D-49D7-8E30-AE9C03506A2A}" destId="{EE17570A-160A-4496-9A0B-86D0EDA26066}" srcOrd="1" destOrd="0" parTransId="{755EE7FA-A07E-4994-8AB2-8DF3FBE7B10A}" sibTransId="{199E668A-6CC8-44C1-A452-BD385DFA9C38}"/>
+    <dgm:cxn modelId="{03B378CA-8F88-4BDD-AC1E-9E9BB878EC69}" type="presOf" srcId="{9E7F65D3-16D9-45B8-A1FB-8F99F69AD12A}" destId="{2C5A12F4-81ED-48F9-9E09-880F7A93F16B}" srcOrd="1" destOrd="0" presId="urn:microsoft.com/office/officeart/2005/8/layout/hierarchy2"/>
+    <dgm:cxn modelId="{124D7CCB-72FF-4E4F-8BC2-AF776F9600DE}" type="presOf" srcId="{242C0423-C6E9-4F34-9DD0-7DACD69D762A}" destId="{5BA86FEB-98F4-4833-909E-9AF1B75A1F96}" srcOrd="1" destOrd="0" presId="urn:microsoft.com/office/officeart/2005/8/layout/hierarchy2"/>
+    <dgm:cxn modelId="{7373B5CF-BEBF-46C6-B6DB-7CD85F0E3034}" type="presOf" srcId="{6572160C-6EA7-4CFD-A099-24FB3204845F}" destId="{7F1CA184-872B-4832-9020-5803DA1BCC6B}" srcOrd="0" destOrd="0" presId="urn:microsoft.com/office/officeart/2005/8/layout/hierarchy2"/>
+    <dgm:cxn modelId="{82C118DE-A865-4BCB-B61F-ED73EDE66FB0}" srcId="{DD91A2C7-1808-427F-8F2C-7A529E639F67}" destId="{884B5C85-6E82-423D-850A-6798B329F12A}" srcOrd="0" destOrd="0" parTransId="{1F039957-064A-44C3-B21F-5F9B7E350358}" sibTransId="{CAEAB322-1738-45B9-AA2E-10C85FC371C3}"/>
+    <dgm:cxn modelId="{A8022DE0-82B2-4562-90FE-7F0165FC8EE6}" type="presOf" srcId="{52543BB3-7A38-4809-9465-693C4701F653}" destId="{B7A53319-B148-4DC0-A6C1-4DB4EC533909}" srcOrd="0" destOrd="0" presId="urn:microsoft.com/office/officeart/2005/8/layout/hierarchy2"/>
+    <dgm:cxn modelId="{214601E3-9DDE-4CE3-9C58-EA90A4D66D62}" srcId="{3EDCB227-C7BC-4733-A03A-AC91E8CD7760}" destId="{FC8B9BE6-6C10-44E6-B58F-DA9E8F334AF4}" srcOrd="0" destOrd="0" parTransId="{5A3DE445-6DD9-459E-A19A-ECA3969C5C75}" sibTransId="{B3B24C66-6266-4382-9403-9E0F7AFF31ED}"/>
+    <dgm:cxn modelId="{6E670AE7-290F-4B1E-8AAF-4381909B2C86}" srcId="{1CA237B7-DE7B-42C7-ADCD-CA3BA637D6E7}" destId="{56068AB0-0BE5-4812-B738-AFD1DBC43049}" srcOrd="1" destOrd="0" parTransId="{FCF0F4B9-6E32-49E3-B9CA-079AEF9E4CD4}" sibTransId="{29CD612B-3ADA-4EE9-BE55-4A4CFA78333E}"/>
+    <dgm:cxn modelId="{7C65BAE7-84BE-41BE-8E12-BB79D1347B75}" type="presOf" srcId="{BFDCB9ED-61DF-454B-BBE7-46A54141415F}" destId="{60691B72-30AE-4F28-B88B-CDB6C5FF2F4A}" srcOrd="1" destOrd="0" presId="urn:microsoft.com/office/officeart/2005/8/layout/hierarchy2"/>
+    <dgm:cxn modelId="{AD8CABE9-D758-4133-9443-CF2B4853FF57}" type="presOf" srcId="{1F039957-064A-44C3-B21F-5F9B7E350358}" destId="{C5919396-ECF2-4837-9D6A-3E17942DE570}" srcOrd="1" destOrd="0" presId="urn:microsoft.com/office/officeart/2005/8/layout/hierarchy2"/>
+    <dgm:cxn modelId="{4B6466EB-E524-45A5-B19E-1306793134F4}" type="presOf" srcId="{958EE4A8-90DE-4A73-A650-1F5C8614D1F6}" destId="{4EF9488E-D882-48CD-99D0-7D86110FE946}" srcOrd="0" destOrd="0" presId="urn:microsoft.com/office/officeart/2005/8/layout/hierarchy2"/>
+    <dgm:cxn modelId="{A258CBEB-03D3-4E10-A841-5E818CE608DA}" type="presOf" srcId="{755EE7FA-A07E-4994-8AB2-8DF3FBE7B10A}" destId="{A1D373B6-8067-4EAC-A14D-F1956071BA40}" srcOrd="0" destOrd="0" presId="urn:microsoft.com/office/officeart/2005/8/layout/hierarchy2"/>
+    <dgm:cxn modelId="{4E8A2AF4-11AF-43D3-90FB-B4728550D8F3}" srcId="{B1836555-3C08-4799-AFAB-606D619ADB41}" destId="{C4BDCB28-D41D-49D7-8E30-AE9C03506A2A}" srcOrd="1" destOrd="0" parTransId="{D7B2C24C-4013-472B-857A-393942649B89}" sibTransId="{745DBE48-5A94-4891-8179-53239E20D7D4}"/>
+    <dgm:cxn modelId="{E99CA2F4-CC72-4123-92CE-F208751DFB83}" srcId="{DD91A2C7-1808-427F-8F2C-7A529E639F67}" destId="{CE25362B-4DCF-432F-8F5A-B3999837C1F2}" srcOrd="1" destOrd="0" parTransId="{5C0D3DE3-BF13-4223-ABA4-42732FCDF3D8}" sibTransId="{C0D0BAB6-2F89-4786-864D-A3652C495C10}"/>
+    <dgm:cxn modelId="{552FB2F4-E540-4EC3-87C5-5C12FEFA19CC}" type="presOf" srcId="{B1836555-3C08-4799-AFAB-606D619ADB41}" destId="{E84E8E62-A11F-4119-9D57-A30FD94D7204}" srcOrd="0" destOrd="0" presId="urn:microsoft.com/office/officeart/2005/8/layout/hierarchy2"/>
+    <dgm:cxn modelId="{44E900F6-99EB-42FC-859F-017159FC9D27}" type="presOf" srcId="{D7B2C24C-4013-472B-857A-393942649B89}" destId="{0150ACF9-2C4E-4DE5-9FA7-A90FE9A1F512}" srcOrd="0" destOrd="0" presId="urn:microsoft.com/office/officeart/2005/8/layout/hierarchy2"/>
+    <dgm:cxn modelId="{4D8BDE5A-F504-49A3-AB14-9AD5D9CB4AA0}" type="presParOf" srcId="{35F76631-78DA-4A1E-98C1-549CC65A668F}" destId="{F474D84F-62B4-41EF-8E03-74A701B8CDAC}" srcOrd="0" destOrd="0" presId="urn:microsoft.com/office/officeart/2005/8/layout/hierarchy2"/>
+    <dgm:cxn modelId="{D1735D5D-9209-4DAF-AA33-0ACE449D652C}" type="presParOf" srcId="{F474D84F-62B4-41EF-8E03-74A701B8CDAC}" destId="{5DE978A6-D99D-4B04-A5DD-2D54C8421989}" srcOrd="0" destOrd="0" presId="urn:microsoft.com/office/officeart/2005/8/layout/hierarchy2"/>
+    <dgm:cxn modelId="{CE640B45-67B4-4B56-B8A5-7C5DA27E4706}" type="presParOf" srcId="{F474D84F-62B4-41EF-8E03-74A701B8CDAC}" destId="{AC0F0DA8-7C67-46E1-B390-3DFE625047DD}" srcOrd="1" destOrd="0" presId="urn:microsoft.com/office/officeart/2005/8/layout/hierarchy2"/>
+    <dgm:cxn modelId="{C87F1FD5-3EFE-43C8-BB35-7F9668B933C7}" type="presParOf" srcId="{AC0F0DA8-7C67-46E1-B390-3DFE625047DD}" destId="{B63EC61B-C449-427A-9070-662C881E96BF}" srcOrd="0" destOrd="0" presId="urn:microsoft.com/office/officeart/2005/8/layout/hierarchy2"/>
+    <dgm:cxn modelId="{0E851E7D-1638-4287-AF4F-EF278D67706C}" type="presParOf" srcId="{B63EC61B-C449-427A-9070-662C881E96BF}" destId="{D415C343-27C3-4274-94EC-6EB43A9AC624}" srcOrd="0" destOrd="0" presId="urn:microsoft.com/office/officeart/2005/8/layout/hierarchy2"/>
+    <dgm:cxn modelId="{EBAC99FB-B91A-45B1-9F32-C37E8CC3EA61}" type="presParOf" srcId="{AC0F0DA8-7C67-46E1-B390-3DFE625047DD}" destId="{4736A10F-E07F-4D76-9346-E20348C198E5}" srcOrd="1" destOrd="0" presId="urn:microsoft.com/office/officeart/2005/8/layout/hierarchy2"/>
+    <dgm:cxn modelId="{9666EB1B-C000-4E96-B174-22E2C4F595A9}" type="presParOf" srcId="{4736A10F-E07F-4D76-9346-E20348C198E5}" destId="{E84E8E62-A11F-4119-9D57-A30FD94D7204}" srcOrd="0" destOrd="0" presId="urn:microsoft.com/office/officeart/2005/8/layout/hierarchy2"/>
+    <dgm:cxn modelId="{8625679D-4C0A-4094-B659-D0D3C6356D88}" type="presParOf" srcId="{4736A10F-E07F-4D76-9346-E20348C198E5}" destId="{8A02E749-1735-4594-A335-08F0A0DF3654}" srcOrd="1" destOrd="0" presId="urn:microsoft.com/office/officeart/2005/8/layout/hierarchy2"/>
+    <dgm:cxn modelId="{81D6FBDA-DBD2-4600-AB70-821790DB8AD3}" type="presParOf" srcId="{8A02E749-1735-4594-A335-08F0A0DF3654}" destId="{8649E777-3117-4D2D-8B89-14C4C6013382}" srcOrd="0" destOrd="0" presId="urn:microsoft.com/office/officeart/2005/8/layout/hierarchy2"/>
+    <dgm:cxn modelId="{12031D2E-4D67-4A8C-BFEB-A560505F6200}" type="presParOf" srcId="{8649E777-3117-4D2D-8B89-14C4C6013382}" destId="{2C5A12F4-81ED-48F9-9E09-880F7A93F16B}" srcOrd="0" destOrd="0" presId="urn:microsoft.com/office/officeart/2005/8/layout/hierarchy2"/>
+    <dgm:cxn modelId="{6B5842A1-0F29-4006-A5FA-CDA839A99A81}" type="presParOf" srcId="{8A02E749-1735-4594-A335-08F0A0DF3654}" destId="{A07C32FB-B0E8-4EB6-8373-384A6B745696}" srcOrd="1" destOrd="0" presId="urn:microsoft.com/office/officeart/2005/8/layout/hierarchy2"/>
+    <dgm:cxn modelId="{903EA605-7F03-4182-AD98-A38121116DEC}" type="presParOf" srcId="{A07C32FB-B0E8-4EB6-8373-384A6B745696}" destId="{DCB36E96-2312-4692-B8BF-6159CFCFEE64}" srcOrd="0" destOrd="0" presId="urn:microsoft.com/office/officeart/2005/8/layout/hierarchy2"/>
+    <dgm:cxn modelId="{B95C8D25-BD43-4F3B-87B6-6D3F0204DC22}" type="presParOf" srcId="{A07C32FB-B0E8-4EB6-8373-384A6B745696}" destId="{9BC80339-9E83-4EAB-950B-6FC262317509}" srcOrd="1" destOrd="0" presId="urn:microsoft.com/office/officeart/2005/8/layout/hierarchy2"/>
+    <dgm:cxn modelId="{C102DC56-BC7B-4008-A95E-596B7F27859E}" type="presParOf" srcId="{9BC80339-9E83-4EAB-950B-6FC262317509}" destId="{350EC784-AE57-49B8-860B-47579F33322E}" srcOrd="0" destOrd="0" presId="urn:microsoft.com/office/officeart/2005/8/layout/hierarchy2"/>
+    <dgm:cxn modelId="{642ECB93-41A9-44E0-801B-1554671A1707}" type="presParOf" srcId="{350EC784-AE57-49B8-860B-47579F33322E}" destId="{C5919396-ECF2-4837-9D6A-3E17942DE570}" srcOrd="0" destOrd="0" presId="urn:microsoft.com/office/officeart/2005/8/layout/hierarchy2"/>
+    <dgm:cxn modelId="{ADB786DD-B897-4C0F-AA83-8F518211E016}" type="presParOf" srcId="{9BC80339-9E83-4EAB-950B-6FC262317509}" destId="{D7473725-0CFC-4EE2-AB26-FF8423B00476}" srcOrd="1" destOrd="0" presId="urn:microsoft.com/office/officeart/2005/8/layout/hierarchy2"/>
+    <dgm:cxn modelId="{49D34BAF-8810-4A0E-B0FB-2008464BC685}" type="presParOf" srcId="{D7473725-0CFC-4EE2-AB26-FF8423B00476}" destId="{17FF8AAA-30CC-47EA-A8E1-C73B6F0AD77D}" srcOrd="0" destOrd="0" presId="urn:microsoft.com/office/officeart/2005/8/layout/hierarchy2"/>
+    <dgm:cxn modelId="{E0361973-0429-4E6B-883A-B53C50A0ED3B}" type="presParOf" srcId="{D7473725-0CFC-4EE2-AB26-FF8423B00476}" destId="{EED63CF1-7D78-4BB5-B815-D3648E03014A}" srcOrd="1" destOrd="0" presId="urn:microsoft.com/office/officeart/2005/8/layout/hierarchy2"/>
+    <dgm:cxn modelId="{42A45C01-A000-42E8-96F9-9F960D427E7B}" type="presParOf" srcId="{9BC80339-9E83-4EAB-950B-6FC262317509}" destId="{8D9C18AD-9E9C-470F-B9DF-2096CB7730F5}" srcOrd="2" destOrd="0" presId="urn:microsoft.com/office/officeart/2005/8/layout/hierarchy2"/>
+    <dgm:cxn modelId="{25FA20A3-8E76-4663-93F1-7FEEC4E81F35}" type="presParOf" srcId="{8D9C18AD-9E9C-470F-B9DF-2096CB7730F5}" destId="{F3DE6015-5D21-4C97-83FB-909284F65EF4}" srcOrd="0" destOrd="0" presId="urn:microsoft.com/office/officeart/2005/8/layout/hierarchy2"/>
+    <dgm:cxn modelId="{C1BC3FAB-AC51-4582-A4EC-5F15F2EB5652}" type="presParOf" srcId="{9BC80339-9E83-4EAB-950B-6FC262317509}" destId="{54207C5E-CE16-4F4F-8D4F-6E86989C8BA5}" srcOrd="3" destOrd="0" presId="urn:microsoft.com/office/officeart/2005/8/layout/hierarchy2"/>
+    <dgm:cxn modelId="{591354F4-9EC8-41CF-B507-78052DCF3491}" type="presParOf" srcId="{54207C5E-CE16-4F4F-8D4F-6E86989C8BA5}" destId="{89942B91-84E7-4119-BBDC-CE09F4244ADC}" srcOrd="0" destOrd="0" presId="urn:microsoft.com/office/officeart/2005/8/layout/hierarchy2"/>
+    <dgm:cxn modelId="{54DEB9AB-FCA3-4C16-8EB0-7C843A028473}" type="presParOf" srcId="{54207C5E-CE16-4F4F-8D4F-6E86989C8BA5}" destId="{CFE903BD-CFBF-476C-811B-2931B5D5CCEB}" srcOrd="1" destOrd="0" presId="urn:microsoft.com/office/officeart/2005/8/layout/hierarchy2"/>
+    <dgm:cxn modelId="{16A79AB4-5B42-42C4-9F02-8B66071E6EFF}" type="presParOf" srcId="{8A02E749-1735-4594-A335-08F0A0DF3654}" destId="{0150ACF9-2C4E-4DE5-9FA7-A90FE9A1F512}" srcOrd="2" destOrd="0" presId="urn:microsoft.com/office/officeart/2005/8/layout/hierarchy2"/>
+    <dgm:cxn modelId="{69E3CBDE-2641-4CB9-ABD5-2D68D8961F0E}" type="presParOf" srcId="{0150ACF9-2C4E-4DE5-9FA7-A90FE9A1F512}" destId="{FA78E135-65DC-4DF8-AFE3-7914C8220A75}" srcOrd="0" destOrd="0" presId="urn:microsoft.com/office/officeart/2005/8/layout/hierarchy2"/>
+    <dgm:cxn modelId="{F383D19A-12AA-4C42-8753-392E720A5FDE}" type="presParOf" srcId="{8A02E749-1735-4594-A335-08F0A0DF3654}" destId="{987083C4-FB2E-4526-BEB8-BB0465C1A9BD}" srcOrd="3" destOrd="0" presId="urn:microsoft.com/office/officeart/2005/8/layout/hierarchy2"/>
+    <dgm:cxn modelId="{9AD0B600-355C-4938-9B26-AE7F3586C4D6}" type="presParOf" srcId="{987083C4-FB2E-4526-BEB8-BB0465C1A9BD}" destId="{C711E266-8583-4FE4-BEC1-898C33F6D314}" srcOrd="0" destOrd="0" presId="urn:microsoft.com/office/officeart/2005/8/layout/hierarchy2"/>
+    <dgm:cxn modelId="{1415AA1B-625B-4095-A5F1-CBD1D3AE5171}" type="presParOf" srcId="{987083C4-FB2E-4526-BEB8-BB0465C1A9BD}" destId="{87F7047B-3E9F-4C77-9147-6BE9305F5EBA}" srcOrd="1" destOrd="0" presId="urn:microsoft.com/office/officeart/2005/8/layout/hierarchy2"/>
+    <dgm:cxn modelId="{DFA6B546-80FE-41F2-804F-F62E7160955B}" type="presParOf" srcId="{87F7047B-3E9F-4C77-9147-6BE9305F5EBA}" destId="{5E3F9ECC-3A0C-4CFD-B06C-97A84D10EED4}" srcOrd="0" destOrd="0" presId="urn:microsoft.com/office/officeart/2005/8/layout/hierarchy2"/>
+    <dgm:cxn modelId="{4A9C03BB-0C72-4BD4-971F-E67F310BB5E8}" type="presParOf" srcId="{5E3F9ECC-3A0C-4CFD-B06C-97A84D10EED4}" destId="{5BA86FEB-98F4-4833-909E-9AF1B75A1F96}" srcOrd="0" destOrd="0" presId="urn:microsoft.com/office/officeart/2005/8/layout/hierarchy2"/>
+    <dgm:cxn modelId="{35366C96-64F0-4B0D-8CF1-438124E57221}" type="presParOf" srcId="{87F7047B-3E9F-4C77-9147-6BE9305F5EBA}" destId="{5809DB8D-5314-43D2-BDDD-DA1050335C94}" srcOrd="1" destOrd="0" presId="urn:microsoft.com/office/officeart/2005/8/layout/hierarchy2"/>
+    <dgm:cxn modelId="{072BF3A5-7EC3-4F43-927F-16DE2713A471}" type="presParOf" srcId="{5809DB8D-5314-43D2-BDDD-DA1050335C94}" destId="{466C3B35-8CAB-4371-9D90-E96EAB6A7B7D}" srcOrd="0" destOrd="0" presId="urn:microsoft.com/office/officeart/2005/8/layout/hierarchy2"/>
+    <dgm:cxn modelId="{8BA136ED-2071-43DF-9B0F-8D5C2D5C4BA0}" type="presParOf" srcId="{5809DB8D-5314-43D2-BDDD-DA1050335C94}" destId="{D684C3E5-2855-43FA-B72C-5ED338F8ABE0}" srcOrd="1" destOrd="0" presId="urn:microsoft.com/office/officeart/2005/8/layout/hierarchy2"/>
+    <dgm:cxn modelId="{BC815222-AE64-4A49-B5BF-1260CC2ECD0D}" type="presParOf" srcId="{87F7047B-3E9F-4C77-9147-6BE9305F5EBA}" destId="{A1D373B6-8067-4EAC-A14D-F1956071BA40}" srcOrd="2" destOrd="0" presId="urn:microsoft.com/office/officeart/2005/8/layout/hierarchy2"/>
+    <dgm:cxn modelId="{DA721A7E-246E-4189-8A8F-D234CE01528D}" type="presParOf" srcId="{A1D373B6-8067-4EAC-A14D-F1956071BA40}" destId="{625683D6-EFED-4443-ABAF-9A1521D1871A}" srcOrd="0" destOrd="0" presId="urn:microsoft.com/office/officeart/2005/8/layout/hierarchy2"/>
+    <dgm:cxn modelId="{1AD6F6D6-EBF1-4B3B-A454-4CB366B0C89F}" type="presParOf" srcId="{87F7047B-3E9F-4C77-9147-6BE9305F5EBA}" destId="{D3801F33-AD81-492E-AD3F-A54A0FDB0249}" srcOrd="3" destOrd="0" presId="urn:microsoft.com/office/officeart/2005/8/layout/hierarchy2"/>
+    <dgm:cxn modelId="{62C0E59B-6F2C-40FA-B3A6-D0CF9B956B65}" type="presParOf" srcId="{D3801F33-AD81-492E-AD3F-A54A0FDB0249}" destId="{6B0B34EA-40FC-4C26-BD2A-F5CFE126D66C}" srcOrd="0" destOrd="0" presId="urn:microsoft.com/office/officeart/2005/8/layout/hierarchy2"/>
+    <dgm:cxn modelId="{209C1FCF-A8E3-4128-99A4-04ED9A81D304}" type="presParOf" srcId="{D3801F33-AD81-492E-AD3F-A54A0FDB0249}" destId="{993A55A7-1B03-422E-BE14-38EF8482CD95}" srcOrd="1" destOrd="0" presId="urn:microsoft.com/office/officeart/2005/8/layout/hierarchy2"/>
+    <dgm:cxn modelId="{90DC8565-4917-40EF-BC60-12F985F3FFA2}" type="presParOf" srcId="{AC0F0DA8-7C67-46E1-B390-3DFE625047DD}" destId="{4EF9488E-D882-48CD-99D0-7D86110FE946}" srcOrd="2" destOrd="0" presId="urn:microsoft.com/office/officeart/2005/8/layout/hierarchy2"/>
+    <dgm:cxn modelId="{160A78BE-FF28-4DCD-9B40-DCA255B7B630}" type="presParOf" srcId="{4EF9488E-D882-48CD-99D0-7D86110FE946}" destId="{C202D939-C36C-4132-8298-1BB809A0B1F8}" srcOrd="0" destOrd="0" presId="urn:microsoft.com/office/officeart/2005/8/layout/hierarchy2"/>
+    <dgm:cxn modelId="{3AA3BA5C-552C-4363-80CB-B9306AD0C156}" type="presParOf" srcId="{AC0F0DA8-7C67-46E1-B390-3DFE625047DD}" destId="{BE11C6F9-B811-4B54-AFBA-37606E442E42}" srcOrd="3" destOrd="0" presId="urn:microsoft.com/office/officeart/2005/8/layout/hierarchy2"/>
+    <dgm:cxn modelId="{068E5C45-06CD-4880-9700-94A1AE98E67D}" type="presParOf" srcId="{BE11C6F9-B811-4B54-AFBA-37606E442E42}" destId="{3FBD7A25-A35F-4948-ABE6-11D6588A0C89}" srcOrd="0" destOrd="0" presId="urn:microsoft.com/office/officeart/2005/8/layout/hierarchy2"/>
+    <dgm:cxn modelId="{83CBDD89-00FB-47FF-8411-A3FF87B4D115}" type="presParOf" srcId="{BE11C6F9-B811-4B54-AFBA-37606E442E42}" destId="{7969052E-5E8F-43BB-A4F8-3C88CC563B9D}" srcOrd="1" destOrd="0" presId="urn:microsoft.com/office/officeart/2005/8/layout/hierarchy2"/>
+    <dgm:cxn modelId="{82B26DD4-6A33-4073-AC42-9686D0AAB56C}" type="presParOf" srcId="{7969052E-5E8F-43BB-A4F8-3C88CC563B9D}" destId="{ED690540-E352-4229-8F9B-4141EFE46B46}" srcOrd="0" destOrd="0" presId="urn:microsoft.com/office/officeart/2005/8/layout/hierarchy2"/>
+    <dgm:cxn modelId="{957907C9-6EF4-49F4-9063-11635EC24BC0}" type="presParOf" srcId="{ED690540-E352-4229-8F9B-4141EFE46B46}" destId="{E30C9585-2370-4518-A76C-81B797BCB5EA}" srcOrd="0" destOrd="0" presId="urn:microsoft.com/office/officeart/2005/8/layout/hierarchy2"/>
+    <dgm:cxn modelId="{9F1E425D-DBB5-44F7-B653-378353BCBD01}" type="presParOf" srcId="{7969052E-5E8F-43BB-A4F8-3C88CC563B9D}" destId="{67B11E4F-C9E5-4AE6-B1BE-48E313E4E51E}" srcOrd="1" destOrd="0" presId="urn:microsoft.com/office/officeart/2005/8/layout/hierarchy2"/>
+    <dgm:cxn modelId="{9D29EF8A-F38B-4468-9E3B-545064FB24BE}" type="presParOf" srcId="{67B11E4F-C9E5-4AE6-B1BE-48E313E4E51E}" destId="{F4D59162-4A54-45CC-A74C-36E010EBD807}" srcOrd="0" destOrd="0" presId="urn:microsoft.com/office/officeart/2005/8/layout/hierarchy2"/>
+    <dgm:cxn modelId="{D3916E02-0C60-48CC-BDF4-69716E561F83}" type="presParOf" srcId="{67B11E4F-C9E5-4AE6-B1BE-48E313E4E51E}" destId="{4D042183-CD1A-4B27-8742-87D3A1AEBE2E}" srcOrd="1" destOrd="0" presId="urn:microsoft.com/office/officeart/2005/8/layout/hierarchy2"/>
+    <dgm:cxn modelId="{FF11558C-C15E-42B7-BE3F-1A410FBE6264}" type="presParOf" srcId="{4D042183-CD1A-4B27-8742-87D3A1AEBE2E}" destId="{CCAD1E01-E5D2-4869-BABB-60FE4115D288}" srcOrd="0" destOrd="0" presId="urn:microsoft.com/office/officeart/2005/8/layout/hierarchy2"/>
+    <dgm:cxn modelId="{F9F46A92-1208-43E9-A52F-2315A66FA392}" type="presParOf" srcId="{CCAD1E01-E5D2-4869-BABB-60FE4115D288}" destId="{60691B72-30AE-4F28-B88B-CDB6C5FF2F4A}" srcOrd="0" destOrd="0" presId="urn:microsoft.com/office/officeart/2005/8/layout/hierarchy2"/>
+    <dgm:cxn modelId="{690DF336-FC72-40D5-A25A-28A48269BE46}" type="presParOf" srcId="{4D042183-CD1A-4B27-8742-87D3A1AEBE2E}" destId="{33747F42-5C6A-4484-9815-04C044CCADC1}" srcOrd="1" destOrd="0" presId="urn:microsoft.com/office/officeart/2005/8/layout/hierarchy2"/>
+    <dgm:cxn modelId="{2780C40A-1F88-4241-AF67-CD6D62C287DA}" type="presParOf" srcId="{33747F42-5C6A-4484-9815-04C044CCADC1}" destId="{A05C7B35-62DC-4FF7-8C66-C9EE6A167BAA}" srcOrd="0" destOrd="0" presId="urn:microsoft.com/office/officeart/2005/8/layout/hierarchy2"/>
+    <dgm:cxn modelId="{E2112E56-B71B-4414-8679-A88431D5F36A}" type="presParOf" srcId="{33747F42-5C6A-4484-9815-04C044CCADC1}" destId="{11801D9A-8139-4458-B6E0-EC8218BE2366}" srcOrd="1" destOrd="0" presId="urn:microsoft.com/office/officeart/2005/8/layout/hierarchy2"/>
+    <dgm:cxn modelId="{ACFF7EC6-99FC-4956-9E8A-A09E1D744AAA}" type="presParOf" srcId="{4D042183-CD1A-4B27-8742-87D3A1AEBE2E}" destId="{0DA98085-3B92-4EE9-8CF2-A0F245B7D355}" srcOrd="2" destOrd="0" presId="urn:microsoft.com/office/officeart/2005/8/layout/hierarchy2"/>
+    <dgm:cxn modelId="{4619EE50-54AB-4043-B53B-6DECCA9967CD}" type="presParOf" srcId="{0DA98085-3B92-4EE9-8CF2-A0F245B7D355}" destId="{8B7B0C08-4B6E-4B87-8A9B-081695FDE680}" srcOrd="0" destOrd="0" presId="urn:microsoft.com/office/officeart/2005/8/layout/hierarchy2"/>
+    <dgm:cxn modelId="{54A96553-F6F7-4F4A-9F90-2B14765F050F}" type="presParOf" srcId="{4D042183-CD1A-4B27-8742-87D3A1AEBE2E}" destId="{E70F1219-5125-41EF-B44A-F481A76855D1}" srcOrd="3" destOrd="0" presId="urn:microsoft.com/office/officeart/2005/8/layout/hierarchy2"/>
+    <dgm:cxn modelId="{1B2FBF1E-0AFA-44BA-92A2-15A9F39141D1}" type="presParOf" srcId="{E70F1219-5125-41EF-B44A-F481A76855D1}" destId="{5FC4CF79-2F08-4E8F-85B4-9A96A7EC3498}" srcOrd="0" destOrd="0" presId="urn:microsoft.com/office/officeart/2005/8/layout/hierarchy2"/>
+    <dgm:cxn modelId="{94E12360-C6EB-49DC-8D51-33593F7598C5}" type="presParOf" srcId="{E70F1219-5125-41EF-B44A-F481A76855D1}" destId="{426F6D11-BB5D-484C-8D8B-5A4DBB823060}" srcOrd="1" destOrd="0" presId="urn:microsoft.com/office/officeart/2005/8/layout/hierarchy2"/>
+    <dgm:cxn modelId="{C3923329-D62A-4947-AA7E-60043ABCA665}" type="presParOf" srcId="{7969052E-5E8F-43BB-A4F8-3C88CC563B9D}" destId="{CB852336-74F8-4830-A5FC-F8E0056056C8}" srcOrd="2" destOrd="0" presId="urn:microsoft.com/office/officeart/2005/8/layout/hierarchy2"/>
+    <dgm:cxn modelId="{3F9A01FC-22C1-486D-8CAD-B19B258EC691}" type="presParOf" srcId="{CB852336-74F8-4830-A5FC-F8E0056056C8}" destId="{54CACEEE-3CCF-4F40-B97A-B16DE95A1DB1}" srcOrd="0" destOrd="0" presId="urn:microsoft.com/office/officeart/2005/8/layout/hierarchy2"/>
+    <dgm:cxn modelId="{2EF6C7AB-9844-4120-B4BC-D76F3BEABFD6}" type="presParOf" srcId="{7969052E-5E8F-43BB-A4F8-3C88CC563B9D}" destId="{85C023EB-F9E0-4875-BC9E-53EB7187D9BB}" srcOrd="3" destOrd="0" presId="urn:microsoft.com/office/officeart/2005/8/layout/hierarchy2"/>
+    <dgm:cxn modelId="{46773911-7530-46EE-98F1-7E5406A201DE}" type="presParOf" srcId="{85C023EB-F9E0-4875-BC9E-53EB7187D9BB}" destId="{89981576-8F27-4656-81FA-316B738675BE}" srcOrd="0" destOrd="0" presId="urn:microsoft.com/office/officeart/2005/8/layout/hierarchy2"/>
+    <dgm:cxn modelId="{D247DD0B-365D-4E97-84BF-4E053AFAA512}" type="presParOf" srcId="{85C023EB-F9E0-4875-BC9E-53EB7187D9BB}" destId="{BE56F386-F089-49D8-8C0E-7B3F9C35D9A7}" srcOrd="1" destOrd="0" presId="urn:microsoft.com/office/officeart/2005/8/layout/hierarchy2"/>
+    <dgm:cxn modelId="{3E9B4685-ECAE-44A0-9959-1EEFEB5D5E17}" type="presParOf" srcId="{BE56F386-F089-49D8-8C0E-7B3F9C35D9A7}" destId="{7F1CA184-872B-4832-9020-5803DA1BCC6B}" srcOrd="0" destOrd="0" presId="urn:microsoft.com/office/officeart/2005/8/layout/hierarchy2"/>
+    <dgm:cxn modelId="{BA2A8263-C828-4B5F-99AB-8CBE1BF952B8}" type="presParOf" srcId="{7F1CA184-872B-4832-9020-5803DA1BCC6B}" destId="{E07DADB8-9641-4D28-A81D-5F779FB1BF8A}" srcOrd="0" destOrd="0" presId="urn:microsoft.com/office/officeart/2005/8/layout/hierarchy2"/>
+    <dgm:cxn modelId="{565A518E-533F-4F1D-A6BC-199E8DDCA5B3}" type="presParOf" srcId="{BE56F386-F089-49D8-8C0E-7B3F9C35D9A7}" destId="{1E0842F9-6B15-42C8-94E8-CF222E85D2B7}" srcOrd="1" destOrd="0" presId="urn:microsoft.com/office/officeart/2005/8/layout/hierarchy2"/>
+    <dgm:cxn modelId="{A87A37C9-A0FF-4382-B47E-0076CB33F735}" type="presParOf" srcId="{1E0842F9-6B15-42C8-94E8-CF222E85D2B7}" destId="{D836A039-FA4A-4F19-BD07-B291D826C1A0}" srcOrd="0" destOrd="0" presId="urn:microsoft.com/office/officeart/2005/8/layout/hierarchy2"/>
+    <dgm:cxn modelId="{8281070E-FABF-4CD5-8D47-74447A9AD084}" type="presParOf" srcId="{1E0842F9-6B15-42C8-94E8-CF222E85D2B7}" destId="{62172C2B-7B08-43C7-9591-A8EA7BF9EA0D}" srcOrd="1" destOrd="0" presId="urn:microsoft.com/office/officeart/2005/8/layout/hierarchy2"/>
+    <dgm:cxn modelId="{7A027020-D320-4AD1-A961-182D9A5B638A}" type="presParOf" srcId="{BE56F386-F089-49D8-8C0E-7B3F9C35D9A7}" destId="{B7A53319-B148-4DC0-A6C1-4DB4EC533909}" srcOrd="2" destOrd="0" presId="urn:microsoft.com/office/officeart/2005/8/layout/hierarchy2"/>
+    <dgm:cxn modelId="{8052C302-449A-43E2-90EE-AC2D24A22566}" type="presParOf" srcId="{B7A53319-B148-4DC0-A6C1-4DB4EC533909}" destId="{2C3AB0CD-FE19-4C5E-9279-4BBF2A4DAE0A}" srcOrd="0" destOrd="0" presId="urn:microsoft.com/office/officeart/2005/8/layout/hierarchy2"/>
+    <dgm:cxn modelId="{6B6B9DF8-3BEF-4BE3-B638-8DCD1F0F0996}" type="presParOf" srcId="{BE56F386-F089-49D8-8C0E-7B3F9C35D9A7}" destId="{DB11C340-8A91-462A-B5E5-ADE2C6256413}" srcOrd="3" destOrd="0" presId="urn:microsoft.com/office/officeart/2005/8/layout/hierarchy2"/>
+    <dgm:cxn modelId="{95062331-C6AC-4072-9950-70910A667F7E}" type="presParOf" srcId="{DB11C340-8A91-462A-B5E5-ADE2C6256413}" destId="{3FA24A7F-F9D8-4780-96C2-16E58C21FF68}" srcOrd="0" destOrd="0" presId="urn:microsoft.com/office/officeart/2005/8/layout/hierarchy2"/>
+    <dgm:cxn modelId="{D285DF25-6787-4E92-B66B-A51DDF5ED9A4}" type="presParOf" srcId="{DB11C340-8A91-462A-B5E5-ADE2C6256413}" destId="{BEE00628-B360-4CE9-A316-5C0346D32E99}" srcOrd="1" destOrd="0" presId="urn:microsoft.com/office/officeart/2005/8/layout/hierarchy2"/>
+  </dgm:cxnLst>
+  <dgm:bg/>
+  <dgm:whole/>
+  <dgm:extLst>
+    <a:ext uri="http://schemas.microsoft.com/office/drawing/2008/diagram">
+      <dsp:dataModelExt xmlns:dsp="http://schemas.microsoft.com/office/drawing/2008/diagram" relId="rId6" minVer="http://schemas.openxmlformats.org/drawingml/2006/diagram"/>
+    </a:ext>
+  </dgm:extLst>
+</dgm:dataModel>
+</file>
+
+<file path=ppt/diagrams/drawing1.xml><?xml version="1.0" encoding="utf-8"?>
+<dsp:drawing xmlns:dgm="http://schemas.openxmlformats.org/drawingml/2006/diagram" xmlns:dsp="http://schemas.microsoft.com/office/drawing/2008/diagram" xmlns:a="http://schemas.openxmlformats.org/drawingml/2006/main">
+  <dsp:spTree>
+    <dsp:nvGrpSpPr>
+      <dsp:cNvPr id="0" name=""/>
+      <dsp:cNvGrpSpPr/>
+    </dsp:nvGrpSpPr>
+    <dsp:grpSpPr/>
+    <dsp:sp modelId="{5DE978A6-D99D-4B04-A5DD-2D54C8421989}">
+      <dsp:nvSpPr>
+        <dsp:cNvPr id="0" name=""/>
+        <dsp:cNvSpPr/>
+      </dsp:nvSpPr>
+      <dsp:spPr>
+        <a:xfrm>
+          <a:off x="951176" y="2410023"/>
+          <a:ext cx="1197239" cy="598619"/>
+        </a:xfrm>
+        <a:prstGeom prst="roundRect">
+          <a:avLst>
+            <a:gd name="adj" fmla="val 10000"/>
+          </a:avLst>
+        </a:prstGeom>
+        <a:solidFill>
+          <a:schemeClr val="accent1">
+            <a:hueOff val="0"/>
+            <a:satOff val="0"/>
+            <a:lumOff val="0"/>
+            <a:alphaOff val="0"/>
+          </a:schemeClr>
+        </a:solidFill>
+        <a:ln w="15875" cap="rnd" cmpd="sng" algn="ctr">
+          <a:solidFill>
+            <a:schemeClr val="lt1">
+              <a:hueOff val="0"/>
+              <a:satOff val="0"/>
+              <a:lumOff val="0"/>
+              <a:alphaOff val="0"/>
+            </a:schemeClr>
+          </a:solidFill>
+          <a:prstDash val="solid"/>
+        </a:ln>
+        <a:effectLst/>
+      </dsp:spPr>
+      <dsp:style>
+        <a:lnRef idx="2">
+          <a:scrgbClr r="0" g="0" b="0"/>
+        </a:lnRef>
+        <a:fillRef idx="1">
+          <a:scrgbClr r="0" g="0" b="0"/>
+        </a:fillRef>
+        <a:effectRef idx="0">
+          <a:scrgbClr r="0" g="0" b="0"/>
+        </a:effectRef>
+        <a:fontRef idx="minor">
+          <a:schemeClr val="lt1"/>
+        </a:fontRef>
+      </dsp:style>
+      <dsp:txBody>
+        <a:bodyPr spcFirstLastPara="0" vert="horz" wrap="square" lIns="12700" tIns="12700" rIns="12700" bIns="12700" numCol="1" spcCol="1270" anchor="ctr" anchorCtr="0">
+          <a:noAutofit/>
+        </a:bodyPr>
+        <a:lstStyle/>
+        <a:p>
+          <a:pPr marL="0" lvl="0" indent="0" algn="ctr" defTabSz="889000">
+            <a:lnSpc>
+              <a:spcPct val="90000"/>
+            </a:lnSpc>
+            <a:spcBef>
+              <a:spcPct val="0"/>
+            </a:spcBef>
+            <a:spcAft>
+              <a:spcPct val="35000"/>
+            </a:spcAft>
+            <a:buNone/>
+          </a:pPr>
+          <a:r>
+            <a:rPr lang="en-US" sz="2000" kern="1200" dirty="0"/>
+            <a:t>Quantity</a:t>
+          </a:r>
+          <a:endParaRPr lang="en-CA" sz="2000" kern="1200" dirty="0"/>
+        </a:p>
+      </dsp:txBody>
+      <dsp:txXfrm>
+        <a:off x="968709" y="2427556"/>
+        <a:ext cx="1162173" cy="563553"/>
+      </dsp:txXfrm>
+    </dsp:sp>
+    <dsp:sp modelId="{B63EC61B-C449-427A-9070-662C881E96BF}">
+      <dsp:nvSpPr>
+        <dsp:cNvPr id="0" name=""/>
+        <dsp:cNvSpPr/>
+      </dsp:nvSpPr>
+      <dsp:spPr>
+        <a:xfrm rot="17350740">
+          <a:off x="1658997" y="2010978"/>
+          <a:ext cx="1457734" cy="19885"/>
+        </a:xfrm>
+        <a:custGeom>
+          <a:avLst/>
+          <a:gdLst/>
+          <a:ahLst/>
+          <a:cxnLst/>
+          <a:rect l="0" t="0" r="0" b="0"/>
+          <a:pathLst>
+            <a:path>
+              <a:moveTo>
+                <a:pt x="0" y="9942"/>
+              </a:moveTo>
+              <a:lnTo>
+                <a:pt x="1457734" y="9942"/>
+              </a:lnTo>
+            </a:path>
+          </a:pathLst>
+        </a:custGeom>
+        <a:noFill/>
+        <a:ln w="15875" cap="rnd" cmpd="sng" algn="ctr">
+          <a:solidFill>
+            <a:schemeClr val="accent1">
+              <a:shade val="60000"/>
+              <a:hueOff val="0"/>
+              <a:satOff val="0"/>
+              <a:lumOff val="0"/>
+              <a:alphaOff val="0"/>
+            </a:schemeClr>
+          </a:solidFill>
+          <a:prstDash val="solid"/>
+        </a:ln>
+        <a:effectLst/>
+      </dsp:spPr>
+      <dsp:style>
+        <a:lnRef idx="2">
+          <a:scrgbClr r="0" g="0" b="0"/>
+        </a:lnRef>
+        <a:fillRef idx="0">
+          <a:scrgbClr r="0" g="0" b="0"/>
+        </a:fillRef>
+        <a:effectRef idx="0">
+          <a:scrgbClr r="0" g="0" b="0"/>
+        </a:effectRef>
+        <a:fontRef idx="minor"/>
+      </dsp:style>
+      <dsp:txBody>
+        <a:bodyPr spcFirstLastPara="0" vert="horz" wrap="square" lIns="12700" tIns="0" rIns="12700" bIns="0" numCol="1" spcCol="1270" anchor="ctr" anchorCtr="0">
+          <a:noAutofit/>
+        </a:bodyPr>
+        <a:lstStyle/>
+        <a:p>
+          <a:pPr marL="0" lvl="0" indent="0" algn="ctr" defTabSz="222250">
+            <a:lnSpc>
+              <a:spcPct val="90000"/>
+            </a:lnSpc>
+            <a:spcBef>
+              <a:spcPct val="0"/>
+            </a:spcBef>
+            <a:spcAft>
+              <a:spcPct val="35000"/>
+            </a:spcAft>
+            <a:buNone/>
+          </a:pPr>
+          <a:endParaRPr lang="en-CA" sz="500" kern="1200"/>
+        </a:p>
+      </dsp:txBody>
+      <dsp:txXfrm>
+        <a:off x="2351421" y="1984477"/>
+        <a:ext cx="72886" cy="72886"/>
+      </dsp:txXfrm>
+    </dsp:sp>
+    <dsp:sp modelId="{E84E8E62-A11F-4119-9D57-A30FD94D7204}">
+      <dsp:nvSpPr>
+        <dsp:cNvPr id="0" name=""/>
+        <dsp:cNvSpPr/>
+      </dsp:nvSpPr>
+      <dsp:spPr>
+        <a:xfrm>
+          <a:off x="2627312" y="1033197"/>
+          <a:ext cx="1197239" cy="598619"/>
+        </a:xfrm>
+        <a:prstGeom prst="roundRect">
+          <a:avLst>
+            <a:gd name="adj" fmla="val 10000"/>
+          </a:avLst>
+        </a:prstGeom>
+        <a:solidFill>
+          <a:schemeClr val="accent1">
+            <a:hueOff val="0"/>
+            <a:satOff val="0"/>
+            <a:lumOff val="0"/>
+            <a:alphaOff val="0"/>
+          </a:schemeClr>
+        </a:solidFill>
+        <a:ln w="15875" cap="rnd" cmpd="sng" algn="ctr">
+          <a:solidFill>
+            <a:schemeClr val="lt1">
+              <a:hueOff val="0"/>
+              <a:satOff val="0"/>
+              <a:lumOff val="0"/>
+              <a:alphaOff val="0"/>
+            </a:schemeClr>
+          </a:solidFill>
+          <a:prstDash val="solid"/>
+        </a:ln>
+        <a:effectLst/>
+      </dsp:spPr>
+      <dsp:style>
+        <a:lnRef idx="2">
+          <a:scrgbClr r="0" g="0" b="0"/>
+        </a:lnRef>
+        <a:fillRef idx="1">
+          <a:scrgbClr r="0" g="0" b="0"/>
+        </a:fillRef>
+        <a:effectRef idx="0">
+          <a:scrgbClr r="0" g="0" b="0"/>
+        </a:effectRef>
+        <a:fontRef idx="minor">
+          <a:schemeClr val="lt1"/>
+        </a:fontRef>
+      </dsp:style>
+      <dsp:txBody>
+        <a:bodyPr spcFirstLastPara="0" vert="horz" wrap="square" lIns="12700" tIns="12700" rIns="12700" bIns="12700" numCol="1" spcCol="1270" anchor="ctr" anchorCtr="0">
+          <a:noAutofit/>
+        </a:bodyPr>
+        <a:lstStyle/>
+        <a:p>
+          <a:pPr marL="0" lvl="0" indent="0" algn="ctr" defTabSz="889000">
+            <a:lnSpc>
+              <a:spcPct val="90000"/>
+            </a:lnSpc>
+            <a:spcBef>
+              <a:spcPct val="0"/>
+            </a:spcBef>
+            <a:spcAft>
+              <a:spcPct val="35000"/>
+            </a:spcAft>
+            <a:buNone/>
+          </a:pPr>
+          <a:r>
+            <a:rPr lang="en-US" sz="2000" kern="1200" dirty="0"/>
+            <a:t>Time Start</a:t>
+          </a:r>
+          <a:endParaRPr lang="en-CA" sz="2000" kern="1200" dirty="0"/>
+        </a:p>
+      </dsp:txBody>
+      <dsp:txXfrm>
+        <a:off x="2644845" y="1050730"/>
+        <a:ext cx="1162173" cy="563553"/>
+      </dsp:txXfrm>
+    </dsp:sp>
+    <dsp:sp modelId="{8649E777-3117-4D2D-8B89-14C4C6013382}">
+      <dsp:nvSpPr>
+        <dsp:cNvPr id="0" name=""/>
+        <dsp:cNvSpPr/>
+      </dsp:nvSpPr>
+      <dsp:spPr>
+        <a:xfrm rot="18289469">
+          <a:off x="3644698" y="978358"/>
+          <a:ext cx="838602" cy="19885"/>
+        </a:xfrm>
+        <a:custGeom>
+          <a:avLst/>
+          <a:gdLst/>
+          <a:ahLst/>
+          <a:cxnLst/>
+          <a:rect l="0" t="0" r="0" b="0"/>
+          <a:pathLst>
+            <a:path>
+              <a:moveTo>
+                <a:pt x="0" y="9942"/>
+              </a:moveTo>
+              <a:lnTo>
+                <a:pt x="838602" y="9942"/>
+              </a:lnTo>
+            </a:path>
+          </a:pathLst>
+        </a:custGeom>
+        <a:noFill/>
+        <a:ln w="15875" cap="rnd" cmpd="sng" algn="ctr">
+          <a:solidFill>
+            <a:schemeClr val="accent1">
+              <a:shade val="80000"/>
+              <a:hueOff val="0"/>
+              <a:satOff val="0"/>
+              <a:lumOff val="0"/>
+              <a:alphaOff val="0"/>
+            </a:schemeClr>
+          </a:solidFill>
+          <a:prstDash val="solid"/>
+        </a:ln>
+        <a:effectLst/>
+      </dsp:spPr>
+      <dsp:style>
+        <a:lnRef idx="2">
+          <a:scrgbClr r="0" g="0" b="0"/>
+        </a:lnRef>
+        <a:fillRef idx="0">
+          <a:scrgbClr r="0" g="0" b="0"/>
+        </a:fillRef>
+        <a:effectRef idx="0">
+          <a:scrgbClr r="0" g="0" b="0"/>
+        </a:effectRef>
+        <a:fontRef idx="minor"/>
+      </dsp:style>
+      <dsp:txBody>
+        <a:bodyPr spcFirstLastPara="0" vert="horz" wrap="square" lIns="12700" tIns="0" rIns="12700" bIns="0" numCol="1" spcCol="1270" anchor="ctr" anchorCtr="0">
+          <a:noAutofit/>
+        </a:bodyPr>
+        <a:lstStyle/>
+        <a:p>
+          <a:pPr marL="0" lvl="0" indent="0" algn="ctr" defTabSz="222250">
+            <a:lnSpc>
+              <a:spcPct val="90000"/>
+            </a:lnSpc>
+            <a:spcBef>
+              <a:spcPct val="0"/>
+            </a:spcBef>
+            <a:spcAft>
+              <a:spcPct val="35000"/>
+            </a:spcAft>
+            <a:buNone/>
+          </a:pPr>
+          <a:endParaRPr lang="en-CA" sz="500" kern="1200"/>
+        </a:p>
+      </dsp:txBody>
+      <dsp:txXfrm>
+        <a:off x="4043034" y="967336"/>
+        <a:ext cx="41930" cy="41930"/>
+      </dsp:txXfrm>
+    </dsp:sp>
+    <dsp:sp modelId="{DCB36E96-2312-4692-B8BF-6159CFCFEE64}">
+      <dsp:nvSpPr>
+        <dsp:cNvPr id="0" name=""/>
+        <dsp:cNvSpPr/>
+      </dsp:nvSpPr>
+      <dsp:spPr>
+        <a:xfrm>
+          <a:off x="4303447" y="344785"/>
+          <a:ext cx="1197239" cy="598619"/>
+        </a:xfrm>
+        <a:prstGeom prst="roundRect">
+          <a:avLst>
+            <a:gd name="adj" fmla="val 10000"/>
+          </a:avLst>
+        </a:prstGeom>
+        <a:solidFill>
+          <a:schemeClr val="accent1">
+            <a:hueOff val="0"/>
+            <a:satOff val="0"/>
+            <a:lumOff val="0"/>
+            <a:alphaOff val="0"/>
+          </a:schemeClr>
+        </a:solidFill>
+        <a:ln w="15875" cap="rnd" cmpd="sng" algn="ctr">
+          <a:solidFill>
+            <a:schemeClr val="lt1">
+              <a:hueOff val="0"/>
+              <a:satOff val="0"/>
+              <a:lumOff val="0"/>
+              <a:alphaOff val="0"/>
+            </a:schemeClr>
+          </a:solidFill>
+          <a:prstDash val="solid"/>
+        </a:ln>
+        <a:effectLst/>
+      </dsp:spPr>
+      <dsp:style>
+        <a:lnRef idx="2">
+          <a:scrgbClr r="0" g="0" b="0"/>
+        </a:lnRef>
+        <a:fillRef idx="1">
+          <a:scrgbClr r="0" g="0" b="0"/>
+        </a:fillRef>
+        <a:effectRef idx="0">
+          <a:scrgbClr r="0" g="0" b="0"/>
+        </a:effectRef>
+        <a:fontRef idx="minor">
+          <a:schemeClr val="lt1"/>
+        </a:fontRef>
+      </dsp:style>
+      <dsp:txBody>
+        <a:bodyPr spcFirstLastPara="0" vert="horz" wrap="square" lIns="12700" tIns="12700" rIns="12700" bIns="12700" numCol="1" spcCol="1270" anchor="ctr" anchorCtr="0">
+          <a:noAutofit/>
+        </a:bodyPr>
+        <a:lstStyle/>
+        <a:p>
+          <a:pPr marL="0" lvl="0" indent="0" algn="ctr" defTabSz="889000">
+            <a:lnSpc>
+              <a:spcPct val="90000"/>
+            </a:lnSpc>
+            <a:spcBef>
+              <a:spcPct val="0"/>
+            </a:spcBef>
+            <a:spcAft>
+              <a:spcPct val="35000"/>
+            </a:spcAft>
+            <a:buNone/>
+          </a:pPr>
+          <a:r>
+            <a:rPr lang="en-US" sz="2000" kern="1200" dirty="0"/>
+            <a:t>Time End</a:t>
+          </a:r>
+          <a:endParaRPr lang="en-CA" sz="2000" kern="1200" dirty="0"/>
+        </a:p>
+      </dsp:txBody>
+      <dsp:txXfrm>
+        <a:off x="4320980" y="362318"/>
+        <a:ext cx="1162173" cy="563553"/>
+      </dsp:txXfrm>
+    </dsp:sp>
+    <dsp:sp modelId="{350EC784-AE57-49B8-860B-47579F33322E}">
+      <dsp:nvSpPr>
+        <dsp:cNvPr id="0" name=""/>
+        <dsp:cNvSpPr/>
+      </dsp:nvSpPr>
+      <dsp:spPr>
+        <a:xfrm rot="19457599">
+          <a:off x="5445254" y="462049"/>
+          <a:ext cx="589762" cy="19885"/>
+        </a:xfrm>
+        <a:custGeom>
+          <a:avLst/>
+          <a:gdLst/>
+          <a:ahLst/>
+          <a:cxnLst/>
+          <a:rect l="0" t="0" r="0" b="0"/>
+          <a:pathLst>
+            <a:path>
+              <a:moveTo>
+                <a:pt x="0" y="9942"/>
+              </a:moveTo>
+              <a:lnTo>
+                <a:pt x="589762" y="9942"/>
+              </a:lnTo>
+            </a:path>
+          </a:pathLst>
+        </a:custGeom>
+        <a:noFill/>
+        <a:ln w="15875" cap="rnd" cmpd="sng" algn="ctr">
+          <a:solidFill>
+            <a:schemeClr val="accent1">
+              <a:shade val="80000"/>
+              <a:hueOff val="0"/>
+              <a:satOff val="0"/>
+              <a:lumOff val="0"/>
+              <a:alphaOff val="0"/>
+            </a:schemeClr>
+          </a:solidFill>
+          <a:prstDash val="solid"/>
+        </a:ln>
+        <a:effectLst/>
+      </dsp:spPr>
+      <dsp:style>
+        <a:lnRef idx="2">
+          <a:scrgbClr r="0" g="0" b="0"/>
+        </a:lnRef>
+        <a:fillRef idx="0">
+          <a:scrgbClr r="0" g="0" b="0"/>
+        </a:fillRef>
+        <a:effectRef idx="0">
+          <a:scrgbClr r="0" g="0" b="0"/>
+        </a:effectRef>
+        <a:fontRef idx="minor"/>
+      </dsp:style>
+      <dsp:txBody>
+        <a:bodyPr spcFirstLastPara="0" vert="horz" wrap="square" lIns="12700" tIns="0" rIns="12700" bIns="0" numCol="1" spcCol="1270" anchor="ctr" anchorCtr="0">
+          <a:noAutofit/>
+        </a:bodyPr>
+        <a:lstStyle/>
+        <a:p>
+          <a:pPr marL="0" lvl="0" indent="0" algn="ctr" defTabSz="222250">
+            <a:lnSpc>
+              <a:spcPct val="90000"/>
+            </a:lnSpc>
+            <a:spcBef>
+              <a:spcPct val="0"/>
+            </a:spcBef>
+            <a:spcAft>
+              <a:spcPct val="35000"/>
+            </a:spcAft>
+            <a:buNone/>
+          </a:pPr>
+          <a:endParaRPr lang="en-CA" sz="500" kern="1200"/>
+        </a:p>
+      </dsp:txBody>
+      <dsp:txXfrm>
+        <a:off x="5725391" y="457247"/>
+        <a:ext cx="29488" cy="29488"/>
+      </dsp:txXfrm>
+    </dsp:sp>
+    <dsp:sp modelId="{17FF8AAA-30CC-47EA-A8E1-C73B6F0AD77D}">
+      <dsp:nvSpPr>
+        <dsp:cNvPr id="0" name=""/>
+        <dsp:cNvSpPr/>
+      </dsp:nvSpPr>
+      <dsp:spPr>
+        <a:xfrm>
+          <a:off x="5979583" y="578"/>
+          <a:ext cx="1197239" cy="598619"/>
+        </a:xfrm>
+        <a:prstGeom prst="roundRect">
+          <a:avLst>
+            <a:gd name="adj" fmla="val 10000"/>
+          </a:avLst>
+        </a:prstGeom>
+        <a:solidFill>
+          <a:schemeClr val="accent1">
+            <a:hueOff val="0"/>
+            <a:satOff val="0"/>
+            <a:lumOff val="0"/>
+            <a:alphaOff val="0"/>
+          </a:schemeClr>
+        </a:solidFill>
+        <a:ln w="15875" cap="rnd" cmpd="sng" algn="ctr">
+          <a:solidFill>
+            <a:schemeClr val="lt1">
+              <a:hueOff val="0"/>
+              <a:satOff val="0"/>
+              <a:lumOff val="0"/>
+              <a:alphaOff val="0"/>
+            </a:schemeClr>
+          </a:solidFill>
+          <a:prstDash val="solid"/>
+        </a:ln>
+        <a:effectLst/>
+      </dsp:spPr>
+      <dsp:style>
+        <a:lnRef idx="2">
+          <a:scrgbClr r="0" g="0" b="0"/>
+        </a:lnRef>
+        <a:fillRef idx="1">
+          <a:scrgbClr r="0" g="0" b="0"/>
+        </a:fillRef>
+        <a:effectRef idx="0">
+          <a:scrgbClr r="0" g="0" b="0"/>
+        </a:effectRef>
+        <a:fontRef idx="minor">
+          <a:schemeClr val="lt1"/>
+        </a:fontRef>
+      </dsp:style>
+      <dsp:txBody>
+        <a:bodyPr spcFirstLastPara="0" vert="horz" wrap="square" lIns="12700" tIns="12700" rIns="12700" bIns="12700" numCol="1" spcCol="1270" anchor="ctr" anchorCtr="0">
+          <a:noAutofit/>
+        </a:bodyPr>
+        <a:lstStyle/>
+        <a:p>
+          <a:pPr marL="0" lvl="0" indent="0" algn="ctr" defTabSz="889000">
+            <a:lnSpc>
+              <a:spcPct val="90000"/>
+            </a:lnSpc>
+            <a:spcBef>
+              <a:spcPct val="0"/>
+            </a:spcBef>
+            <a:spcAft>
+              <a:spcPct val="35000"/>
+            </a:spcAft>
+            <a:buNone/>
+          </a:pPr>
+          <a:r>
+            <a:rPr lang="en-US" sz="2000" kern="1200" dirty="0"/>
+            <a:t>Output 1</a:t>
+          </a:r>
+          <a:endParaRPr lang="en-CA" sz="2000" kern="1200" dirty="0"/>
+        </a:p>
+      </dsp:txBody>
+      <dsp:txXfrm>
+        <a:off x="5997116" y="18111"/>
+        <a:ext cx="1162173" cy="563553"/>
+      </dsp:txXfrm>
+    </dsp:sp>
+    <dsp:sp modelId="{8D9C18AD-9E9C-470F-B9DF-2096CB7730F5}">
+      <dsp:nvSpPr>
+        <dsp:cNvPr id="0" name=""/>
+        <dsp:cNvSpPr/>
+      </dsp:nvSpPr>
+      <dsp:spPr>
+        <a:xfrm rot="2142401">
+          <a:off x="5445254" y="806255"/>
+          <a:ext cx="589762" cy="19885"/>
+        </a:xfrm>
+        <a:custGeom>
+          <a:avLst/>
+          <a:gdLst/>
+          <a:ahLst/>
+          <a:cxnLst/>
+          <a:rect l="0" t="0" r="0" b="0"/>
+          <a:pathLst>
+            <a:path>
+              <a:moveTo>
+                <a:pt x="0" y="9942"/>
+              </a:moveTo>
+              <a:lnTo>
+                <a:pt x="589762" y="9942"/>
+              </a:lnTo>
+            </a:path>
+          </a:pathLst>
+        </a:custGeom>
+        <a:noFill/>
+        <a:ln w="15875" cap="rnd" cmpd="sng" algn="ctr">
+          <a:solidFill>
+            <a:schemeClr val="accent1">
+              <a:shade val="80000"/>
+              <a:hueOff val="0"/>
+              <a:satOff val="0"/>
+              <a:lumOff val="0"/>
+              <a:alphaOff val="0"/>
+            </a:schemeClr>
+          </a:solidFill>
+          <a:prstDash val="solid"/>
+        </a:ln>
+        <a:effectLst/>
+      </dsp:spPr>
+      <dsp:style>
+        <a:lnRef idx="2">
+          <a:scrgbClr r="0" g="0" b="0"/>
+        </a:lnRef>
+        <a:fillRef idx="0">
+          <a:scrgbClr r="0" g="0" b="0"/>
+        </a:fillRef>
+        <a:effectRef idx="0">
+          <a:scrgbClr r="0" g="0" b="0"/>
+        </a:effectRef>
+        <a:fontRef idx="minor"/>
+      </dsp:style>
+      <dsp:txBody>
+        <a:bodyPr spcFirstLastPara="0" vert="horz" wrap="square" lIns="12700" tIns="0" rIns="12700" bIns="0" numCol="1" spcCol="1270" anchor="ctr" anchorCtr="0">
+          <a:noAutofit/>
+        </a:bodyPr>
+        <a:lstStyle/>
+        <a:p>
+          <a:pPr marL="0" lvl="0" indent="0" algn="ctr" defTabSz="222250">
+            <a:lnSpc>
+              <a:spcPct val="90000"/>
+            </a:lnSpc>
+            <a:spcBef>
+              <a:spcPct val="0"/>
+            </a:spcBef>
+            <a:spcAft>
+              <a:spcPct val="35000"/>
+            </a:spcAft>
+            <a:buNone/>
+          </a:pPr>
+          <a:endParaRPr lang="en-CA" sz="500" kern="1200"/>
+        </a:p>
+      </dsp:txBody>
+      <dsp:txXfrm>
+        <a:off x="5725391" y="801454"/>
+        <a:ext cx="29488" cy="29488"/>
+      </dsp:txXfrm>
+    </dsp:sp>
+    <dsp:sp modelId="{89942B91-84E7-4119-BBDC-CE09F4244ADC}">
+      <dsp:nvSpPr>
+        <dsp:cNvPr id="0" name=""/>
+        <dsp:cNvSpPr/>
+      </dsp:nvSpPr>
+      <dsp:spPr>
+        <a:xfrm>
+          <a:off x="5979583" y="688991"/>
+          <a:ext cx="1197239" cy="598619"/>
+        </a:xfrm>
+        <a:prstGeom prst="roundRect">
+          <a:avLst>
+            <a:gd name="adj" fmla="val 10000"/>
+          </a:avLst>
+        </a:prstGeom>
+        <a:solidFill>
+          <a:schemeClr val="accent1">
+            <a:hueOff val="0"/>
+            <a:satOff val="0"/>
+            <a:lumOff val="0"/>
+            <a:alphaOff val="0"/>
+          </a:schemeClr>
+        </a:solidFill>
+        <a:ln w="15875" cap="rnd" cmpd="sng" algn="ctr">
+          <a:solidFill>
+            <a:schemeClr val="lt1">
+              <a:hueOff val="0"/>
+              <a:satOff val="0"/>
+              <a:lumOff val="0"/>
+              <a:alphaOff val="0"/>
+            </a:schemeClr>
+          </a:solidFill>
+          <a:prstDash val="solid"/>
+        </a:ln>
+        <a:effectLst/>
+      </dsp:spPr>
+      <dsp:style>
+        <a:lnRef idx="2">
+          <a:scrgbClr r="0" g="0" b="0"/>
+        </a:lnRef>
+        <a:fillRef idx="1">
+          <a:scrgbClr r="0" g="0" b="0"/>
+        </a:fillRef>
+        <a:effectRef idx="0">
+          <a:scrgbClr r="0" g="0" b="0"/>
+        </a:effectRef>
+        <a:fontRef idx="minor">
+          <a:schemeClr val="lt1"/>
+        </a:fontRef>
+      </dsp:style>
+      <dsp:txBody>
+        <a:bodyPr spcFirstLastPara="0" vert="horz" wrap="square" lIns="12700" tIns="12700" rIns="12700" bIns="12700" numCol="1" spcCol="1270" anchor="ctr" anchorCtr="0">
+          <a:noAutofit/>
+        </a:bodyPr>
+        <a:lstStyle/>
+        <a:p>
+          <a:pPr marL="0" lvl="0" indent="0" algn="ctr" defTabSz="889000">
+            <a:lnSpc>
+              <a:spcPct val="90000"/>
+            </a:lnSpc>
+            <a:spcBef>
+              <a:spcPct val="0"/>
+            </a:spcBef>
+            <a:spcAft>
+              <a:spcPct val="35000"/>
+            </a:spcAft>
+            <a:buNone/>
+          </a:pPr>
+          <a:r>
+            <a:rPr lang="en-US" sz="2000" kern="1200" dirty="0"/>
+            <a:t>Output 2</a:t>
+          </a:r>
+          <a:endParaRPr lang="en-CA" sz="2000" kern="1200" dirty="0"/>
+        </a:p>
+      </dsp:txBody>
+      <dsp:txXfrm>
+        <a:off x="5997116" y="706524"/>
+        <a:ext cx="1162173" cy="563553"/>
+      </dsp:txXfrm>
+    </dsp:sp>
+    <dsp:sp modelId="{0150ACF9-2C4E-4DE5-9FA7-A90FE9A1F512}">
+      <dsp:nvSpPr>
+        <dsp:cNvPr id="0" name=""/>
+        <dsp:cNvSpPr/>
+      </dsp:nvSpPr>
+      <dsp:spPr>
+        <a:xfrm rot="3310531">
+          <a:off x="3644698" y="1666771"/>
+          <a:ext cx="838602" cy="19885"/>
+        </a:xfrm>
+        <a:custGeom>
+          <a:avLst/>
+          <a:gdLst/>
+          <a:ahLst/>
+          <a:cxnLst/>
+          <a:rect l="0" t="0" r="0" b="0"/>
+          <a:pathLst>
+            <a:path>
+              <a:moveTo>
+                <a:pt x="0" y="9942"/>
+              </a:moveTo>
+              <a:lnTo>
+                <a:pt x="838602" y="9942"/>
+              </a:lnTo>
+            </a:path>
+          </a:pathLst>
+        </a:custGeom>
+        <a:noFill/>
+        <a:ln w="15875" cap="rnd" cmpd="sng" algn="ctr">
+          <a:solidFill>
+            <a:schemeClr val="accent1">
+              <a:shade val="80000"/>
+              <a:hueOff val="0"/>
+              <a:satOff val="0"/>
+              <a:lumOff val="0"/>
+              <a:alphaOff val="0"/>
+            </a:schemeClr>
+          </a:solidFill>
+          <a:prstDash val="solid"/>
+        </a:ln>
+        <a:effectLst/>
+      </dsp:spPr>
+      <dsp:style>
+        <a:lnRef idx="2">
+          <a:scrgbClr r="0" g="0" b="0"/>
+        </a:lnRef>
+        <a:fillRef idx="0">
+          <a:scrgbClr r="0" g="0" b="0"/>
+        </a:fillRef>
+        <a:effectRef idx="0">
+          <a:scrgbClr r="0" g="0" b="0"/>
+        </a:effectRef>
+        <a:fontRef idx="minor"/>
+      </dsp:style>
+      <dsp:txBody>
+        <a:bodyPr spcFirstLastPara="0" vert="horz" wrap="square" lIns="12700" tIns="0" rIns="12700" bIns="0" numCol="1" spcCol="1270" anchor="ctr" anchorCtr="0">
+          <a:noAutofit/>
+        </a:bodyPr>
+        <a:lstStyle/>
+        <a:p>
+          <a:pPr marL="0" lvl="0" indent="0" algn="ctr" defTabSz="222250">
+            <a:lnSpc>
+              <a:spcPct val="90000"/>
+            </a:lnSpc>
+            <a:spcBef>
+              <a:spcPct val="0"/>
+            </a:spcBef>
+            <a:spcAft>
+              <a:spcPct val="35000"/>
+            </a:spcAft>
+            <a:buNone/>
+          </a:pPr>
+          <a:endParaRPr lang="en-CA" sz="500" kern="1200"/>
+        </a:p>
+      </dsp:txBody>
+      <dsp:txXfrm>
+        <a:off x="4043034" y="1655749"/>
+        <a:ext cx="41930" cy="41930"/>
+      </dsp:txXfrm>
+    </dsp:sp>
+    <dsp:sp modelId="{C711E266-8583-4FE4-BEC1-898C33F6D314}">
+      <dsp:nvSpPr>
+        <dsp:cNvPr id="0" name=""/>
+        <dsp:cNvSpPr/>
+      </dsp:nvSpPr>
+      <dsp:spPr>
+        <a:xfrm>
+          <a:off x="4303447" y="1721610"/>
+          <a:ext cx="1197239" cy="598619"/>
+        </a:xfrm>
+        <a:prstGeom prst="roundRect">
+          <a:avLst>
+            <a:gd name="adj" fmla="val 10000"/>
+          </a:avLst>
+        </a:prstGeom>
+        <a:solidFill>
+          <a:schemeClr val="accent1">
+            <a:hueOff val="0"/>
+            <a:satOff val="0"/>
+            <a:lumOff val="0"/>
+            <a:alphaOff val="0"/>
+          </a:schemeClr>
+        </a:solidFill>
+        <a:ln w="15875" cap="rnd" cmpd="sng" algn="ctr">
+          <a:solidFill>
+            <a:schemeClr val="lt1">
+              <a:hueOff val="0"/>
+              <a:satOff val="0"/>
+              <a:lumOff val="0"/>
+              <a:alphaOff val="0"/>
+            </a:schemeClr>
+          </a:solidFill>
+          <a:prstDash val="solid"/>
+        </a:ln>
+        <a:effectLst/>
+      </dsp:spPr>
+      <dsp:style>
+        <a:lnRef idx="2">
+          <a:scrgbClr r="0" g="0" b="0"/>
+        </a:lnRef>
+        <a:fillRef idx="1">
+          <a:scrgbClr r="0" g="0" b="0"/>
+        </a:fillRef>
+        <a:effectRef idx="0">
+          <a:scrgbClr r="0" g="0" b="0"/>
+        </a:effectRef>
+        <a:fontRef idx="minor">
+          <a:schemeClr val="lt1"/>
+        </a:fontRef>
+      </dsp:style>
+      <dsp:txBody>
+        <a:bodyPr spcFirstLastPara="0" vert="horz" wrap="square" lIns="12700" tIns="12700" rIns="12700" bIns="12700" numCol="1" spcCol="1270" anchor="ctr" anchorCtr="0">
+          <a:noAutofit/>
+        </a:bodyPr>
+        <a:lstStyle/>
+        <a:p>
+          <a:pPr marL="0" lvl="0" indent="0" algn="ctr" defTabSz="889000">
+            <a:lnSpc>
+              <a:spcPct val="90000"/>
+            </a:lnSpc>
+            <a:spcBef>
+              <a:spcPct val="0"/>
+            </a:spcBef>
+            <a:spcAft>
+              <a:spcPct val="35000"/>
+            </a:spcAft>
+            <a:buNone/>
+          </a:pPr>
+          <a:r>
+            <a:rPr lang="en-US" sz="2000" kern="1200" dirty="0"/>
+            <a:t>Time End</a:t>
+          </a:r>
+          <a:endParaRPr lang="en-CA" sz="2000" kern="1200" dirty="0"/>
+        </a:p>
+      </dsp:txBody>
+      <dsp:txXfrm>
+        <a:off x="4320980" y="1739143"/>
+        <a:ext cx="1162173" cy="563553"/>
+      </dsp:txXfrm>
+    </dsp:sp>
+    <dsp:sp modelId="{5E3F9ECC-3A0C-4CFD-B06C-97A84D10EED4}">
+      <dsp:nvSpPr>
+        <dsp:cNvPr id="0" name=""/>
+        <dsp:cNvSpPr/>
+      </dsp:nvSpPr>
+      <dsp:spPr>
+        <a:xfrm rot="19457599">
+          <a:off x="5445254" y="1838874"/>
+          <a:ext cx="589762" cy="19885"/>
+        </a:xfrm>
+        <a:custGeom>
+          <a:avLst/>
+          <a:gdLst/>
+          <a:ahLst/>
+          <a:cxnLst/>
+          <a:rect l="0" t="0" r="0" b="0"/>
+          <a:pathLst>
+            <a:path>
+              <a:moveTo>
+                <a:pt x="0" y="9942"/>
+              </a:moveTo>
+              <a:lnTo>
+                <a:pt x="589762" y="9942"/>
+              </a:lnTo>
+            </a:path>
+          </a:pathLst>
+        </a:custGeom>
+        <a:noFill/>
+        <a:ln w="15875" cap="rnd" cmpd="sng" algn="ctr">
+          <a:solidFill>
+            <a:schemeClr val="accent1">
+              <a:shade val="80000"/>
+              <a:hueOff val="0"/>
+              <a:satOff val="0"/>
+              <a:lumOff val="0"/>
+              <a:alphaOff val="0"/>
+            </a:schemeClr>
+          </a:solidFill>
+          <a:prstDash val="solid"/>
+        </a:ln>
+        <a:effectLst/>
+      </dsp:spPr>
+      <dsp:style>
+        <a:lnRef idx="2">
+          <a:scrgbClr r="0" g="0" b="0"/>
+        </a:lnRef>
+        <a:fillRef idx="0">
+          <a:scrgbClr r="0" g="0" b="0"/>
+        </a:fillRef>
+        <a:effectRef idx="0">
+          <a:scrgbClr r="0" g="0" b="0"/>
+        </a:effectRef>
+        <a:fontRef idx="minor"/>
+      </dsp:style>
+      <dsp:txBody>
+        <a:bodyPr spcFirstLastPara="0" vert="horz" wrap="square" lIns="12700" tIns="0" rIns="12700" bIns="0" numCol="1" spcCol="1270" anchor="ctr" anchorCtr="0">
+          <a:noAutofit/>
+        </a:bodyPr>
+        <a:lstStyle/>
+        <a:p>
+          <a:pPr marL="0" lvl="0" indent="0" algn="ctr" defTabSz="222250">
+            <a:lnSpc>
+              <a:spcPct val="90000"/>
+            </a:lnSpc>
+            <a:spcBef>
+              <a:spcPct val="0"/>
+            </a:spcBef>
+            <a:spcAft>
+              <a:spcPct val="35000"/>
+            </a:spcAft>
+            <a:buNone/>
+          </a:pPr>
+          <a:endParaRPr lang="en-CA" sz="500" kern="1200"/>
+        </a:p>
+      </dsp:txBody>
+      <dsp:txXfrm>
+        <a:off x="5725391" y="1834073"/>
+        <a:ext cx="29488" cy="29488"/>
+      </dsp:txXfrm>
+    </dsp:sp>
+    <dsp:sp modelId="{466C3B35-8CAB-4371-9D90-E96EAB6A7B7D}">
+      <dsp:nvSpPr>
+        <dsp:cNvPr id="0" name=""/>
+        <dsp:cNvSpPr/>
+      </dsp:nvSpPr>
+      <dsp:spPr>
+        <a:xfrm>
+          <a:off x="5979583" y="1377404"/>
+          <a:ext cx="1197239" cy="598619"/>
+        </a:xfrm>
+        <a:prstGeom prst="roundRect">
+          <a:avLst>
+            <a:gd name="adj" fmla="val 10000"/>
+          </a:avLst>
+        </a:prstGeom>
+        <a:solidFill>
+          <a:schemeClr val="accent1">
+            <a:hueOff val="0"/>
+            <a:satOff val="0"/>
+            <a:lumOff val="0"/>
+            <a:alphaOff val="0"/>
+          </a:schemeClr>
+        </a:solidFill>
+        <a:ln w="15875" cap="rnd" cmpd="sng" algn="ctr">
+          <a:solidFill>
+            <a:schemeClr val="lt1">
+              <a:hueOff val="0"/>
+              <a:satOff val="0"/>
+              <a:lumOff val="0"/>
+              <a:alphaOff val="0"/>
+            </a:schemeClr>
+          </a:solidFill>
+          <a:prstDash val="solid"/>
+        </a:ln>
+        <a:effectLst/>
+      </dsp:spPr>
+      <dsp:style>
+        <a:lnRef idx="2">
+          <a:scrgbClr r="0" g="0" b="0"/>
+        </a:lnRef>
+        <a:fillRef idx="1">
+          <a:scrgbClr r="0" g="0" b="0"/>
+        </a:fillRef>
+        <a:effectRef idx="0">
+          <a:scrgbClr r="0" g="0" b="0"/>
+        </a:effectRef>
+        <a:fontRef idx="minor">
+          <a:schemeClr val="lt1"/>
+        </a:fontRef>
+      </dsp:style>
+      <dsp:txBody>
+        <a:bodyPr spcFirstLastPara="0" vert="horz" wrap="square" lIns="12700" tIns="12700" rIns="12700" bIns="12700" numCol="1" spcCol="1270" anchor="ctr" anchorCtr="0">
+          <a:noAutofit/>
+        </a:bodyPr>
+        <a:lstStyle/>
+        <a:p>
+          <a:pPr marL="0" lvl="0" indent="0" algn="ctr" defTabSz="889000">
+            <a:lnSpc>
+              <a:spcPct val="90000"/>
+            </a:lnSpc>
+            <a:spcBef>
+              <a:spcPct val="0"/>
+            </a:spcBef>
+            <a:spcAft>
+              <a:spcPct val="35000"/>
+            </a:spcAft>
+            <a:buNone/>
+          </a:pPr>
+          <a:r>
+            <a:rPr lang="en-US" sz="2000" kern="1200" dirty="0"/>
+            <a:t>Out 3</a:t>
+          </a:r>
+          <a:endParaRPr lang="en-CA" sz="2000" kern="1200" dirty="0"/>
+        </a:p>
+      </dsp:txBody>
+      <dsp:txXfrm>
+        <a:off x="5997116" y="1394937"/>
+        <a:ext cx="1162173" cy="563553"/>
+      </dsp:txXfrm>
+    </dsp:sp>
+    <dsp:sp modelId="{A1D373B6-8067-4EAC-A14D-F1956071BA40}">
+      <dsp:nvSpPr>
+        <dsp:cNvPr id="0" name=""/>
+        <dsp:cNvSpPr/>
+      </dsp:nvSpPr>
+      <dsp:spPr>
+        <a:xfrm rot="2142401">
+          <a:off x="5445254" y="2183081"/>
+          <a:ext cx="589762" cy="19885"/>
+        </a:xfrm>
+        <a:custGeom>
+          <a:avLst/>
+          <a:gdLst/>
+          <a:ahLst/>
+          <a:cxnLst/>
+          <a:rect l="0" t="0" r="0" b="0"/>
+          <a:pathLst>
+            <a:path>
+              <a:moveTo>
+                <a:pt x="0" y="9942"/>
+              </a:moveTo>
+              <a:lnTo>
+                <a:pt x="589762" y="9942"/>
+              </a:lnTo>
+            </a:path>
+          </a:pathLst>
+        </a:custGeom>
+        <a:noFill/>
+        <a:ln w="15875" cap="rnd" cmpd="sng" algn="ctr">
+          <a:solidFill>
+            <a:schemeClr val="accent1">
+              <a:shade val="80000"/>
+              <a:hueOff val="0"/>
+              <a:satOff val="0"/>
+              <a:lumOff val="0"/>
+              <a:alphaOff val="0"/>
+            </a:schemeClr>
+          </a:solidFill>
+          <a:prstDash val="solid"/>
+        </a:ln>
+        <a:effectLst/>
+      </dsp:spPr>
+      <dsp:style>
+        <a:lnRef idx="2">
+          <a:scrgbClr r="0" g="0" b="0"/>
+        </a:lnRef>
+        <a:fillRef idx="0">
+          <a:scrgbClr r="0" g="0" b="0"/>
+        </a:fillRef>
+        <a:effectRef idx="0">
+          <a:scrgbClr r="0" g="0" b="0"/>
+        </a:effectRef>
+        <a:fontRef idx="minor"/>
+      </dsp:style>
+      <dsp:txBody>
+        <a:bodyPr spcFirstLastPara="0" vert="horz" wrap="square" lIns="12700" tIns="0" rIns="12700" bIns="0" numCol="1" spcCol="1270" anchor="ctr" anchorCtr="0">
+          <a:noAutofit/>
+        </a:bodyPr>
+        <a:lstStyle/>
+        <a:p>
+          <a:pPr marL="0" lvl="0" indent="0" algn="ctr" defTabSz="222250">
+            <a:lnSpc>
+              <a:spcPct val="90000"/>
+            </a:lnSpc>
+            <a:spcBef>
+              <a:spcPct val="0"/>
+            </a:spcBef>
+            <a:spcAft>
+              <a:spcPct val="35000"/>
+            </a:spcAft>
+            <a:buNone/>
+          </a:pPr>
+          <a:endParaRPr lang="en-CA" sz="500" kern="1200"/>
+        </a:p>
+      </dsp:txBody>
+      <dsp:txXfrm>
+        <a:off x="5725391" y="2178279"/>
+        <a:ext cx="29488" cy="29488"/>
+      </dsp:txXfrm>
+    </dsp:sp>
+    <dsp:sp modelId="{6B0B34EA-40FC-4C26-BD2A-F5CFE126D66C}">
+      <dsp:nvSpPr>
+        <dsp:cNvPr id="0" name=""/>
+        <dsp:cNvSpPr/>
+      </dsp:nvSpPr>
+      <dsp:spPr>
+        <a:xfrm>
+          <a:off x="5979583" y="2065817"/>
+          <a:ext cx="1197239" cy="598619"/>
+        </a:xfrm>
+        <a:prstGeom prst="roundRect">
+          <a:avLst>
+            <a:gd name="adj" fmla="val 10000"/>
+          </a:avLst>
+        </a:prstGeom>
+        <a:solidFill>
+          <a:schemeClr val="accent1">
+            <a:hueOff val="0"/>
+            <a:satOff val="0"/>
+            <a:lumOff val="0"/>
+            <a:alphaOff val="0"/>
+          </a:schemeClr>
+        </a:solidFill>
+        <a:ln w="15875" cap="rnd" cmpd="sng" algn="ctr">
+          <a:solidFill>
+            <a:schemeClr val="lt1">
+              <a:hueOff val="0"/>
+              <a:satOff val="0"/>
+              <a:lumOff val="0"/>
+              <a:alphaOff val="0"/>
+            </a:schemeClr>
+          </a:solidFill>
+          <a:prstDash val="solid"/>
+        </a:ln>
+        <a:effectLst/>
+      </dsp:spPr>
+      <dsp:style>
+        <a:lnRef idx="2">
+          <a:scrgbClr r="0" g="0" b="0"/>
+        </a:lnRef>
+        <a:fillRef idx="1">
+          <a:scrgbClr r="0" g="0" b="0"/>
+        </a:fillRef>
+        <a:effectRef idx="0">
+          <a:scrgbClr r="0" g="0" b="0"/>
+        </a:effectRef>
+        <a:fontRef idx="minor">
+          <a:schemeClr val="lt1"/>
+        </a:fontRef>
+      </dsp:style>
+      <dsp:txBody>
+        <a:bodyPr spcFirstLastPara="0" vert="horz" wrap="square" lIns="12700" tIns="12700" rIns="12700" bIns="12700" numCol="1" spcCol="1270" anchor="ctr" anchorCtr="0">
+          <a:noAutofit/>
+        </a:bodyPr>
+        <a:lstStyle/>
+        <a:p>
+          <a:pPr marL="0" lvl="0" indent="0" algn="ctr" defTabSz="889000">
+            <a:lnSpc>
+              <a:spcPct val="90000"/>
+            </a:lnSpc>
+            <a:spcBef>
+              <a:spcPct val="0"/>
+            </a:spcBef>
+            <a:spcAft>
+              <a:spcPct val="35000"/>
+            </a:spcAft>
+            <a:buNone/>
+          </a:pPr>
+          <a:r>
+            <a:rPr lang="en-US" sz="2000" kern="1200" dirty="0"/>
+            <a:t>Out 4</a:t>
+          </a:r>
+          <a:endParaRPr lang="en-CA" sz="2000" kern="1200" dirty="0"/>
+        </a:p>
+      </dsp:txBody>
+      <dsp:txXfrm>
+        <a:off x="5997116" y="2083350"/>
+        <a:ext cx="1162173" cy="563553"/>
+      </dsp:txXfrm>
+    </dsp:sp>
+    <dsp:sp modelId="{4EF9488E-D882-48CD-99D0-7D86110FE946}">
+      <dsp:nvSpPr>
+        <dsp:cNvPr id="0" name=""/>
+        <dsp:cNvSpPr/>
+      </dsp:nvSpPr>
+      <dsp:spPr>
+        <a:xfrm rot="4249260">
+          <a:off x="1658997" y="3387803"/>
+          <a:ext cx="1457734" cy="19885"/>
+        </a:xfrm>
+        <a:custGeom>
+          <a:avLst/>
+          <a:gdLst/>
+          <a:ahLst/>
+          <a:cxnLst/>
+          <a:rect l="0" t="0" r="0" b="0"/>
+          <a:pathLst>
+            <a:path>
+              <a:moveTo>
+                <a:pt x="0" y="9942"/>
+              </a:moveTo>
+              <a:lnTo>
+                <a:pt x="1457734" y="9942"/>
+              </a:lnTo>
+            </a:path>
+          </a:pathLst>
+        </a:custGeom>
+        <a:noFill/>
+        <a:ln w="15875" cap="rnd" cmpd="sng" algn="ctr">
+          <a:solidFill>
+            <a:schemeClr val="accent1">
+              <a:shade val="60000"/>
+              <a:hueOff val="0"/>
+              <a:satOff val="0"/>
+              <a:lumOff val="0"/>
+              <a:alphaOff val="0"/>
+            </a:schemeClr>
+          </a:solidFill>
+          <a:prstDash val="solid"/>
+        </a:ln>
+        <a:effectLst/>
+      </dsp:spPr>
+      <dsp:style>
+        <a:lnRef idx="2">
+          <a:scrgbClr r="0" g="0" b="0"/>
+        </a:lnRef>
+        <a:fillRef idx="0">
+          <a:scrgbClr r="0" g="0" b="0"/>
+        </a:fillRef>
+        <a:effectRef idx="0">
+          <a:scrgbClr r="0" g="0" b="0"/>
+        </a:effectRef>
+        <a:fontRef idx="minor"/>
+      </dsp:style>
+      <dsp:txBody>
+        <a:bodyPr spcFirstLastPara="0" vert="horz" wrap="square" lIns="12700" tIns="0" rIns="12700" bIns="0" numCol="1" spcCol="1270" anchor="ctr" anchorCtr="0">
+          <a:noAutofit/>
+        </a:bodyPr>
+        <a:lstStyle/>
+        <a:p>
+          <a:pPr marL="0" lvl="0" indent="0" algn="ctr" defTabSz="222250">
+            <a:lnSpc>
+              <a:spcPct val="90000"/>
+            </a:lnSpc>
+            <a:spcBef>
+              <a:spcPct val="0"/>
+            </a:spcBef>
+            <a:spcAft>
+              <a:spcPct val="35000"/>
+            </a:spcAft>
+            <a:buNone/>
+          </a:pPr>
+          <a:endParaRPr lang="en-CA" sz="500" kern="1200"/>
+        </a:p>
+      </dsp:txBody>
+      <dsp:txXfrm>
+        <a:off x="2351421" y="3361302"/>
+        <a:ext cx="72886" cy="72886"/>
+      </dsp:txXfrm>
+    </dsp:sp>
+    <dsp:sp modelId="{3FBD7A25-A35F-4948-ABE6-11D6588A0C89}">
+      <dsp:nvSpPr>
+        <dsp:cNvPr id="0" name=""/>
+        <dsp:cNvSpPr/>
+      </dsp:nvSpPr>
+      <dsp:spPr>
+        <a:xfrm>
+          <a:off x="2627312" y="3786849"/>
+          <a:ext cx="1197239" cy="598619"/>
+        </a:xfrm>
+        <a:prstGeom prst="roundRect">
+          <a:avLst>
+            <a:gd name="adj" fmla="val 10000"/>
+          </a:avLst>
+        </a:prstGeom>
+        <a:solidFill>
+          <a:schemeClr val="accent1">
+            <a:hueOff val="0"/>
+            <a:satOff val="0"/>
+            <a:lumOff val="0"/>
+            <a:alphaOff val="0"/>
+          </a:schemeClr>
+        </a:solidFill>
+        <a:ln w="15875" cap="rnd" cmpd="sng" algn="ctr">
+          <a:solidFill>
+            <a:schemeClr val="lt1">
+              <a:hueOff val="0"/>
+              <a:satOff val="0"/>
+              <a:lumOff val="0"/>
+              <a:alphaOff val="0"/>
+            </a:schemeClr>
+          </a:solidFill>
+          <a:prstDash val="solid"/>
+        </a:ln>
+        <a:effectLst/>
+      </dsp:spPr>
+      <dsp:style>
+        <a:lnRef idx="2">
+          <a:scrgbClr r="0" g="0" b="0"/>
+        </a:lnRef>
+        <a:fillRef idx="1">
+          <a:scrgbClr r="0" g="0" b="0"/>
+        </a:fillRef>
+        <a:effectRef idx="0">
+          <a:scrgbClr r="0" g="0" b="0"/>
+        </a:effectRef>
+        <a:fontRef idx="minor">
+          <a:schemeClr val="lt1"/>
+        </a:fontRef>
+      </dsp:style>
+      <dsp:txBody>
+        <a:bodyPr spcFirstLastPara="0" vert="horz" wrap="square" lIns="12700" tIns="12700" rIns="12700" bIns="12700" numCol="1" spcCol="1270" anchor="ctr" anchorCtr="0">
+          <a:noAutofit/>
+        </a:bodyPr>
+        <a:lstStyle/>
+        <a:p>
+          <a:pPr marL="0" lvl="0" indent="0" algn="ctr" defTabSz="889000">
+            <a:lnSpc>
+              <a:spcPct val="90000"/>
+            </a:lnSpc>
+            <a:spcBef>
+              <a:spcPct val="0"/>
+            </a:spcBef>
+            <a:spcAft>
+              <a:spcPct val="35000"/>
+            </a:spcAft>
+            <a:buNone/>
+          </a:pPr>
+          <a:r>
+            <a:rPr lang="en-US" sz="2000" kern="1200" dirty="0"/>
+            <a:t>Time Start</a:t>
+          </a:r>
+          <a:endParaRPr lang="en-CA" sz="2000" kern="1200" dirty="0"/>
+        </a:p>
+      </dsp:txBody>
+      <dsp:txXfrm>
+        <a:off x="2644845" y="3804382"/>
+        <a:ext cx="1162173" cy="563553"/>
+      </dsp:txXfrm>
+    </dsp:sp>
+    <dsp:sp modelId="{ED690540-E352-4229-8F9B-4141EFE46B46}">
+      <dsp:nvSpPr>
+        <dsp:cNvPr id="0" name=""/>
+        <dsp:cNvSpPr/>
+      </dsp:nvSpPr>
+      <dsp:spPr>
+        <a:xfrm rot="18289469">
+          <a:off x="3644698" y="3732010"/>
+          <a:ext cx="838602" cy="19885"/>
+        </a:xfrm>
+        <a:custGeom>
+          <a:avLst/>
+          <a:gdLst/>
+          <a:ahLst/>
+          <a:cxnLst/>
+          <a:rect l="0" t="0" r="0" b="0"/>
+          <a:pathLst>
+            <a:path>
+              <a:moveTo>
+                <a:pt x="0" y="9942"/>
+              </a:moveTo>
+              <a:lnTo>
+                <a:pt x="838602" y="9942"/>
+              </a:lnTo>
+            </a:path>
+          </a:pathLst>
+        </a:custGeom>
+        <a:noFill/>
+        <a:ln w="15875" cap="rnd" cmpd="sng" algn="ctr">
+          <a:solidFill>
+            <a:schemeClr val="accent1">
+              <a:shade val="80000"/>
+              <a:hueOff val="0"/>
+              <a:satOff val="0"/>
+              <a:lumOff val="0"/>
+              <a:alphaOff val="0"/>
+            </a:schemeClr>
+          </a:solidFill>
+          <a:prstDash val="solid"/>
+        </a:ln>
+        <a:effectLst/>
+      </dsp:spPr>
+      <dsp:style>
+        <a:lnRef idx="2">
+          <a:scrgbClr r="0" g="0" b="0"/>
+        </a:lnRef>
+        <a:fillRef idx="0">
+          <a:scrgbClr r="0" g="0" b="0"/>
+        </a:fillRef>
+        <a:effectRef idx="0">
+          <a:scrgbClr r="0" g="0" b="0"/>
+        </a:effectRef>
+        <a:fontRef idx="minor"/>
+      </dsp:style>
+      <dsp:txBody>
+        <a:bodyPr spcFirstLastPara="0" vert="horz" wrap="square" lIns="12700" tIns="0" rIns="12700" bIns="0" numCol="1" spcCol="1270" anchor="ctr" anchorCtr="0">
+          <a:noAutofit/>
+        </a:bodyPr>
+        <a:lstStyle/>
+        <a:p>
+          <a:pPr marL="0" lvl="0" indent="0" algn="ctr" defTabSz="222250">
+            <a:lnSpc>
+              <a:spcPct val="90000"/>
+            </a:lnSpc>
+            <a:spcBef>
+              <a:spcPct val="0"/>
+            </a:spcBef>
+            <a:spcAft>
+              <a:spcPct val="35000"/>
+            </a:spcAft>
+            <a:buNone/>
+          </a:pPr>
+          <a:endParaRPr lang="en-CA" sz="500" kern="1200"/>
+        </a:p>
+      </dsp:txBody>
+      <dsp:txXfrm>
+        <a:off x="4043034" y="3720987"/>
+        <a:ext cx="41930" cy="41930"/>
+      </dsp:txXfrm>
+    </dsp:sp>
+    <dsp:sp modelId="{F4D59162-4A54-45CC-A74C-36E010EBD807}">
+      <dsp:nvSpPr>
+        <dsp:cNvPr id="0" name=""/>
+        <dsp:cNvSpPr/>
+      </dsp:nvSpPr>
+      <dsp:spPr>
+        <a:xfrm>
+          <a:off x="4303447" y="3098436"/>
+          <a:ext cx="1197239" cy="598619"/>
+        </a:xfrm>
+        <a:prstGeom prst="roundRect">
+          <a:avLst>
+            <a:gd name="adj" fmla="val 10000"/>
+          </a:avLst>
+        </a:prstGeom>
+        <a:solidFill>
+          <a:schemeClr val="accent1">
+            <a:hueOff val="0"/>
+            <a:satOff val="0"/>
+            <a:lumOff val="0"/>
+            <a:alphaOff val="0"/>
+          </a:schemeClr>
+        </a:solidFill>
+        <a:ln w="15875" cap="rnd" cmpd="sng" algn="ctr">
+          <a:solidFill>
+            <a:schemeClr val="lt1">
+              <a:hueOff val="0"/>
+              <a:satOff val="0"/>
+              <a:lumOff val="0"/>
+              <a:alphaOff val="0"/>
+            </a:schemeClr>
+          </a:solidFill>
+          <a:prstDash val="solid"/>
+        </a:ln>
+        <a:effectLst/>
+      </dsp:spPr>
+      <dsp:style>
+        <a:lnRef idx="2">
+          <a:scrgbClr r="0" g="0" b="0"/>
+        </a:lnRef>
+        <a:fillRef idx="1">
+          <a:scrgbClr r="0" g="0" b="0"/>
+        </a:fillRef>
+        <a:effectRef idx="0">
+          <a:scrgbClr r="0" g="0" b="0"/>
+        </a:effectRef>
+        <a:fontRef idx="minor">
+          <a:schemeClr val="lt1"/>
+        </a:fontRef>
+      </dsp:style>
+      <dsp:txBody>
+        <a:bodyPr spcFirstLastPara="0" vert="horz" wrap="square" lIns="12700" tIns="12700" rIns="12700" bIns="12700" numCol="1" spcCol="1270" anchor="ctr" anchorCtr="0">
+          <a:noAutofit/>
+        </a:bodyPr>
+        <a:lstStyle/>
+        <a:p>
+          <a:pPr marL="0" lvl="0" indent="0" algn="ctr" defTabSz="889000">
+            <a:lnSpc>
+              <a:spcPct val="90000"/>
+            </a:lnSpc>
+            <a:spcBef>
+              <a:spcPct val="0"/>
+            </a:spcBef>
+            <a:spcAft>
+              <a:spcPct val="35000"/>
+            </a:spcAft>
+            <a:buNone/>
+          </a:pPr>
+          <a:r>
+            <a:rPr lang="en-US" sz="2000" kern="1200" dirty="0"/>
+            <a:t>Time End</a:t>
+          </a:r>
+          <a:endParaRPr lang="en-CA" sz="2000" kern="1200" dirty="0"/>
+        </a:p>
+      </dsp:txBody>
+      <dsp:txXfrm>
+        <a:off x="4320980" y="3115969"/>
+        <a:ext cx="1162173" cy="563553"/>
+      </dsp:txXfrm>
+    </dsp:sp>
+    <dsp:sp modelId="{CCAD1E01-E5D2-4869-BABB-60FE4115D288}">
+      <dsp:nvSpPr>
+        <dsp:cNvPr id="0" name=""/>
+        <dsp:cNvSpPr/>
+      </dsp:nvSpPr>
+      <dsp:spPr>
+        <a:xfrm rot="19457599">
+          <a:off x="5445254" y="3215700"/>
+          <a:ext cx="589762" cy="19885"/>
+        </a:xfrm>
+        <a:custGeom>
+          <a:avLst/>
+          <a:gdLst/>
+          <a:ahLst/>
+          <a:cxnLst/>
+          <a:rect l="0" t="0" r="0" b="0"/>
+          <a:pathLst>
+            <a:path>
+              <a:moveTo>
+                <a:pt x="0" y="9942"/>
+              </a:moveTo>
+              <a:lnTo>
+                <a:pt x="589762" y="9942"/>
+              </a:lnTo>
+            </a:path>
+          </a:pathLst>
+        </a:custGeom>
+        <a:noFill/>
+        <a:ln w="15875" cap="rnd" cmpd="sng" algn="ctr">
+          <a:solidFill>
+            <a:schemeClr val="accent1">
+              <a:shade val="80000"/>
+              <a:hueOff val="0"/>
+              <a:satOff val="0"/>
+              <a:lumOff val="0"/>
+              <a:alphaOff val="0"/>
+            </a:schemeClr>
+          </a:solidFill>
+          <a:prstDash val="solid"/>
+        </a:ln>
+        <a:effectLst/>
+      </dsp:spPr>
+      <dsp:style>
+        <a:lnRef idx="2">
+          <a:scrgbClr r="0" g="0" b="0"/>
+        </a:lnRef>
+        <a:fillRef idx="0">
+          <a:scrgbClr r="0" g="0" b="0"/>
+        </a:fillRef>
+        <a:effectRef idx="0">
+          <a:scrgbClr r="0" g="0" b="0"/>
+        </a:effectRef>
+        <a:fontRef idx="minor"/>
+      </dsp:style>
+      <dsp:txBody>
+        <a:bodyPr spcFirstLastPara="0" vert="horz" wrap="square" lIns="12700" tIns="0" rIns="12700" bIns="0" numCol="1" spcCol="1270" anchor="ctr" anchorCtr="0">
+          <a:noAutofit/>
+        </a:bodyPr>
+        <a:lstStyle/>
+        <a:p>
+          <a:pPr marL="0" lvl="0" indent="0" algn="ctr" defTabSz="222250">
+            <a:lnSpc>
+              <a:spcPct val="90000"/>
+            </a:lnSpc>
+            <a:spcBef>
+              <a:spcPct val="0"/>
+            </a:spcBef>
+            <a:spcAft>
+              <a:spcPct val="35000"/>
+            </a:spcAft>
+            <a:buNone/>
+          </a:pPr>
+          <a:endParaRPr lang="en-CA" sz="500" kern="1200"/>
+        </a:p>
+      </dsp:txBody>
+      <dsp:txXfrm>
+        <a:off x="5725391" y="3210899"/>
+        <a:ext cx="29488" cy="29488"/>
+      </dsp:txXfrm>
+    </dsp:sp>
+    <dsp:sp modelId="{A05C7B35-62DC-4FF7-8C66-C9EE6A167BAA}">
+      <dsp:nvSpPr>
+        <dsp:cNvPr id="0" name=""/>
+        <dsp:cNvSpPr/>
+      </dsp:nvSpPr>
+      <dsp:spPr>
+        <a:xfrm>
+          <a:off x="5979583" y="2754229"/>
+          <a:ext cx="1197239" cy="598619"/>
+        </a:xfrm>
+        <a:prstGeom prst="roundRect">
+          <a:avLst>
+            <a:gd name="adj" fmla="val 10000"/>
+          </a:avLst>
+        </a:prstGeom>
+        <a:solidFill>
+          <a:schemeClr val="accent1">
+            <a:hueOff val="0"/>
+            <a:satOff val="0"/>
+            <a:lumOff val="0"/>
+            <a:alphaOff val="0"/>
+          </a:schemeClr>
+        </a:solidFill>
+        <a:ln w="15875" cap="rnd" cmpd="sng" algn="ctr">
+          <a:solidFill>
+            <a:schemeClr val="lt1">
+              <a:hueOff val="0"/>
+              <a:satOff val="0"/>
+              <a:lumOff val="0"/>
+              <a:alphaOff val="0"/>
+            </a:schemeClr>
+          </a:solidFill>
+          <a:prstDash val="solid"/>
+        </a:ln>
+        <a:effectLst/>
+      </dsp:spPr>
+      <dsp:style>
+        <a:lnRef idx="2">
+          <a:scrgbClr r="0" g="0" b="0"/>
+        </a:lnRef>
+        <a:fillRef idx="1">
+          <a:scrgbClr r="0" g="0" b="0"/>
+        </a:fillRef>
+        <a:effectRef idx="0">
+          <a:scrgbClr r="0" g="0" b="0"/>
+        </a:effectRef>
+        <a:fontRef idx="minor">
+          <a:schemeClr val="lt1"/>
+        </a:fontRef>
+      </dsp:style>
+      <dsp:txBody>
+        <a:bodyPr spcFirstLastPara="0" vert="horz" wrap="square" lIns="12700" tIns="12700" rIns="12700" bIns="12700" numCol="1" spcCol="1270" anchor="ctr" anchorCtr="0">
+          <a:noAutofit/>
+        </a:bodyPr>
+        <a:lstStyle/>
+        <a:p>
+          <a:pPr marL="0" lvl="0" indent="0" algn="ctr" defTabSz="889000">
+            <a:lnSpc>
+              <a:spcPct val="90000"/>
+            </a:lnSpc>
+            <a:spcBef>
+              <a:spcPct val="0"/>
+            </a:spcBef>
+            <a:spcAft>
+              <a:spcPct val="35000"/>
+            </a:spcAft>
+            <a:buNone/>
+          </a:pPr>
+          <a:r>
+            <a:rPr lang="en-US" sz="2000" kern="1200" dirty="0"/>
+            <a:t>Out 5</a:t>
+          </a:r>
+          <a:endParaRPr lang="en-CA" sz="2000" kern="1200" dirty="0"/>
+        </a:p>
+      </dsp:txBody>
+      <dsp:txXfrm>
+        <a:off x="5997116" y="2771762"/>
+        <a:ext cx="1162173" cy="563553"/>
+      </dsp:txXfrm>
+    </dsp:sp>
+    <dsp:sp modelId="{0DA98085-3B92-4EE9-8CF2-A0F245B7D355}">
+      <dsp:nvSpPr>
+        <dsp:cNvPr id="0" name=""/>
+        <dsp:cNvSpPr/>
+      </dsp:nvSpPr>
+      <dsp:spPr>
+        <a:xfrm rot="2142401">
+          <a:off x="5445254" y="3559906"/>
+          <a:ext cx="589762" cy="19885"/>
+        </a:xfrm>
+        <a:custGeom>
+          <a:avLst/>
+          <a:gdLst/>
+          <a:ahLst/>
+          <a:cxnLst/>
+          <a:rect l="0" t="0" r="0" b="0"/>
+          <a:pathLst>
+            <a:path>
+              <a:moveTo>
+                <a:pt x="0" y="9942"/>
+              </a:moveTo>
+              <a:lnTo>
+                <a:pt x="589762" y="9942"/>
+              </a:lnTo>
+            </a:path>
+          </a:pathLst>
+        </a:custGeom>
+        <a:noFill/>
+        <a:ln w="15875" cap="rnd" cmpd="sng" algn="ctr">
+          <a:solidFill>
+            <a:schemeClr val="accent1">
+              <a:shade val="80000"/>
+              <a:hueOff val="0"/>
+              <a:satOff val="0"/>
+              <a:lumOff val="0"/>
+              <a:alphaOff val="0"/>
+            </a:schemeClr>
+          </a:solidFill>
+          <a:prstDash val="solid"/>
+        </a:ln>
+        <a:effectLst/>
+      </dsp:spPr>
+      <dsp:style>
+        <a:lnRef idx="2">
+          <a:scrgbClr r="0" g="0" b="0"/>
+        </a:lnRef>
+        <a:fillRef idx="0">
+          <a:scrgbClr r="0" g="0" b="0"/>
+        </a:fillRef>
+        <a:effectRef idx="0">
+          <a:scrgbClr r="0" g="0" b="0"/>
+        </a:effectRef>
+        <a:fontRef idx="minor"/>
+      </dsp:style>
+      <dsp:txBody>
+        <a:bodyPr spcFirstLastPara="0" vert="horz" wrap="square" lIns="12700" tIns="0" rIns="12700" bIns="0" numCol="1" spcCol="1270" anchor="ctr" anchorCtr="0">
+          <a:noAutofit/>
+        </a:bodyPr>
+        <a:lstStyle/>
+        <a:p>
+          <a:pPr marL="0" lvl="0" indent="0" algn="ctr" defTabSz="222250">
+            <a:lnSpc>
+              <a:spcPct val="90000"/>
+            </a:lnSpc>
+            <a:spcBef>
+              <a:spcPct val="0"/>
+            </a:spcBef>
+            <a:spcAft>
+              <a:spcPct val="35000"/>
+            </a:spcAft>
+            <a:buNone/>
+          </a:pPr>
+          <a:endParaRPr lang="en-CA" sz="500" kern="1200"/>
+        </a:p>
+      </dsp:txBody>
+      <dsp:txXfrm>
+        <a:off x="5725391" y="3555105"/>
+        <a:ext cx="29488" cy="29488"/>
+      </dsp:txXfrm>
+    </dsp:sp>
+    <dsp:sp modelId="{5FC4CF79-2F08-4E8F-85B4-9A96A7EC3498}">
+      <dsp:nvSpPr>
+        <dsp:cNvPr id="0" name=""/>
+        <dsp:cNvSpPr/>
+      </dsp:nvSpPr>
+      <dsp:spPr>
+        <a:xfrm>
+          <a:off x="5979583" y="3442642"/>
+          <a:ext cx="1197239" cy="598619"/>
+        </a:xfrm>
+        <a:prstGeom prst="roundRect">
+          <a:avLst>
+            <a:gd name="adj" fmla="val 10000"/>
+          </a:avLst>
+        </a:prstGeom>
+        <a:solidFill>
+          <a:schemeClr val="accent1">
+            <a:hueOff val="0"/>
+            <a:satOff val="0"/>
+            <a:lumOff val="0"/>
+            <a:alphaOff val="0"/>
+          </a:schemeClr>
+        </a:solidFill>
+        <a:ln w="15875" cap="rnd" cmpd="sng" algn="ctr">
+          <a:solidFill>
+            <a:schemeClr val="lt1">
+              <a:hueOff val="0"/>
+              <a:satOff val="0"/>
+              <a:lumOff val="0"/>
+              <a:alphaOff val="0"/>
+            </a:schemeClr>
+          </a:solidFill>
+          <a:prstDash val="solid"/>
+        </a:ln>
+        <a:effectLst/>
+      </dsp:spPr>
+      <dsp:style>
+        <a:lnRef idx="2">
+          <a:scrgbClr r="0" g="0" b="0"/>
+        </a:lnRef>
+        <a:fillRef idx="1">
+          <a:scrgbClr r="0" g="0" b="0"/>
+        </a:fillRef>
+        <a:effectRef idx="0">
+          <a:scrgbClr r="0" g="0" b="0"/>
+        </a:effectRef>
+        <a:fontRef idx="minor">
+          <a:schemeClr val="lt1"/>
+        </a:fontRef>
+      </dsp:style>
+      <dsp:txBody>
+        <a:bodyPr spcFirstLastPara="0" vert="horz" wrap="square" lIns="12700" tIns="12700" rIns="12700" bIns="12700" numCol="1" spcCol="1270" anchor="ctr" anchorCtr="0">
+          <a:noAutofit/>
+        </a:bodyPr>
+        <a:lstStyle/>
+        <a:p>
+          <a:pPr marL="0" lvl="0" indent="0" algn="ctr" defTabSz="889000">
+            <a:lnSpc>
+              <a:spcPct val="90000"/>
+            </a:lnSpc>
+            <a:spcBef>
+              <a:spcPct val="0"/>
+            </a:spcBef>
+            <a:spcAft>
+              <a:spcPct val="35000"/>
+            </a:spcAft>
+            <a:buNone/>
+          </a:pPr>
+          <a:r>
+            <a:rPr lang="en-US" sz="2000" kern="1200" dirty="0"/>
+            <a:t>Out 6</a:t>
+          </a:r>
+          <a:endParaRPr lang="en-CA" sz="2000" kern="1200" dirty="0"/>
+        </a:p>
+      </dsp:txBody>
+      <dsp:txXfrm>
+        <a:off x="5997116" y="3460175"/>
+        <a:ext cx="1162173" cy="563553"/>
+      </dsp:txXfrm>
+    </dsp:sp>
+    <dsp:sp modelId="{CB852336-74F8-4830-A5FC-F8E0056056C8}">
+      <dsp:nvSpPr>
+        <dsp:cNvPr id="0" name=""/>
+        <dsp:cNvSpPr/>
+      </dsp:nvSpPr>
+      <dsp:spPr>
+        <a:xfrm rot="3310531">
+          <a:off x="3644698" y="4420422"/>
+          <a:ext cx="838602" cy="19885"/>
+        </a:xfrm>
+        <a:custGeom>
+          <a:avLst/>
+          <a:gdLst/>
+          <a:ahLst/>
+          <a:cxnLst/>
+          <a:rect l="0" t="0" r="0" b="0"/>
+          <a:pathLst>
+            <a:path>
+              <a:moveTo>
+                <a:pt x="0" y="9942"/>
+              </a:moveTo>
+              <a:lnTo>
+                <a:pt x="838602" y="9942"/>
+              </a:lnTo>
+            </a:path>
+          </a:pathLst>
+        </a:custGeom>
+        <a:noFill/>
+        <a:ln w="15875" cap="rnd" cmpd="sng" algn="ctr">
+          <a:solidFill>
+            <a:schemeClr val="accent1">
+              <a:shade val="80000"/>
+              <a:hueOff val="0"/>
+              <a:satOff val="0"/>
+              <a:lumOff val="0"/>
+              <a:alphaOff val="0"/>
+            </a:schemeClr>
+          </a:solidFill>
+          <a:prstDash val="solid"/>
+        </a:ln>
+        <a:effectLst/>
+      </dsp:spPr>
+      <dsp:style>
+        <a:lnRef idx="2">
+          <a:scrgbClr r="0" g="0" b="0"/>
+        </a:lnRef>
+        <a:fillRef idx="0">
+          <a:scrgbClr r="0" g="0" b="0"/>
+        </a:fillRef>
+        <a:effectRef idx="0">
+          <a:scrgbClr r="0" g="0" b="0"/>
+        </a:effectRef>
+        <a:fontRef idx="minor"/>
+      </dsp:style>
+      <dsp:txBody>
+        <a:bodyPr spcFirstLastPara="0" vert="horz" wrap="square" lIns="12700" tIns="0" rIns="12700" bIns="0" numCol="1" spcCol="1270" anchor="ctr" anchorCtr="0">
+          <a:noAutofit/>
+        </a:bodyPr>
+        <a:lstStyle/>
+        <a:p>
+          <a:pPr marL="0" lvl="0" indent="0" algn="ctr" defTabSz="222250">
+            <a:lnSpc>
+              <a:spcPct val="90000"/>
+            </a:lnSpc>
+            <a:spcBef>
+              <a:spcPct val="0"/>
+            </a:spcBef>
+            <a:spcAft>
+              <a:spcPct val="35000"/>
+            </a:spcAft>
+            <a:buNone/>
+          </a:pPr>
+          <a:endParaRPr lang="en-CA" sz="500" kern="1200"/>
+        </a:p>
+      </dsp:txBody>
+      <dsp:txXfrm>
+        <a:off x="4043034" y="4409400"/>
+        <a:ext cx="41930" cy="41930"/>
+      </dsp:txXfrm>
+    </dsp:sp>
+    <dsp:sp modelId="{89981576-8F27-4656-81FA-316B738675BE}">
+      <dsp:nvSpPr>
+        <dsp:cNvPr id="0" name=""/>
+        <dsp:cNvSpPr/>
+      </dsp:nvSpPr>
+      <dsp:spPr>
+        <a:xfrm>
+          <a:off x="4303447" y="4475261"/>
+          <a:ext cx="1197239" cy="598619"/>
+        </a:xfrm>
+        <a:prstGeom prst="roundRect">
+          <a:avLst>
+            <a:gd name="adj" fmla="val 10000"/>
+          </a:avLst>
+        </a:prstGeom>
+        <a:solidFill>
+          <a:schemeClr val="accent1">
+            <a:hueOff val="0"/>
+            <a:satOff val="0"/>
+            <a:lumOff val="0"/>
+            <a:alphaOff val="0"/>
+          </a:schemeClr>
+        </a:solidFill>
+        <a:ln w="15875" cap="rnd" cmpd="sng" algn="ctr">
+          <a:solidFill>
+            <a:schemeClr val="lt1">
+              <a:hueOff val="0"/>
+              <a:satOff val="0"/>
+              <a:lumOff val="0"/>
+              <a:alphaOff val="0"/>
+            </a:schemeClr>
+          </a:solidFill>
+          <a:prstDash val="solid"/>
+        </a:ln>
+        <a:effectLst/>
+      </dsp:spPr>
+      <dsp:style>
+        <a:lnRef idx="2">
+          <a:scrgbClr r="0" g="0" b="0"/>
+        </a:lnRef>
+        <a:fillRef idx="1">
+          <a:scrgbClr r="0" g="0" b="0"/>
+        </a:fillRef>
+        <a:effectRef idx="0">
+          <a:scrgbClr r="0" g="0" b="0"/>
+        </a:effectRef>
+        <a:fontRef idx="minor">
+          <a:schemeClr val="lt1"/>
+        </a:fontRef>
+      </dsp:style>
+      <dsp:txBody>
+        <a:bodyPr spcFirstLastPara="0" vert="horz" wrap="square" lIns="12700" tIns="12700" rIns="12700" bIns="12700" numCol="1" spcCol="1270" anchor="ctr" anchorCtr="0">
+          <a:noAutofit/>
+        </a:bodyPr>
+        <a:lstStyle/>
+        <a:p>
+          <a:pPr marL="0" lvl="0" indent="0" algn="ctr" defTabSz="889000">
+            <a:lnSpc>
+              <a:spcPct val="90000"/>
+            </a:lnSpc>
+            <a:spcBef>
+              <a:spcPct val="0"/>
+            </a:spcBef>
+            <a:spcAft>
+              <a:spcPct val="35000"/>
+            </a:spcAft>
+            <a:buNone/>
+          </a:pPr>
+          <a:r>
+            <a:rPr lang="en-US" sz="2000" kern="1200" dirty="0"/>
+            <a:t>Time End</a:t>
+          </a:r>
+          <a:endParaRPr lang="en-CA" sz="2000" kern="1200" dirty="0"/>
+        </a:p>
+      </dsp:txBody>
+      <dsp:txXfrm>
+        <a:off x="4320980" y="4492794"/>
+        <a:ext cx="1162173" cy="563553"/>
+      </dsp:txXfrm>
+    </dsp:sp>
+    <dsp:sp modelId="{7F1CA184-872B-4832-9020-5803DA1BCC6B}">
+      <dsp:nvSpPr>
+        <dsp:cNvPr id="0" name=""/>
+        <dsp:cNvSpPr/>
+      </dsp:nvSpPr>
+      <dsp:spPr>
+        <a:xfrm rot="19457599">
+          <a:off x="5445254" y="4592526"/>
+          <a:ext cx="589762" cy="19885"/>
+        </a:xfrm>
+        <a:custGeom>
+          <a:avLst/>
+          <a:gdLst/>
+          <a:ahLst/>
+          <a:cxnLst/>
+          <a:rect l="0" t="0" r="0" b="0"/>
+          <a:pathLst>
+            <a:path>
+              <a:moveTo>
+                <a:pt x="0" y="9942"/>
+              </a:moveTo>
+              <a:lnTo>
+                <a:pt x="589762" y="9942"/>
+              </a:lnTo>
+            </a:path>
+          </a:pathLst>
+        </a:custGeom>
+        <a:noFill/>
+        <a:ln w="15875" cap="rnd" cmpd="sng" algn="ctr">
+          <a:solidFill>
+            <a:schemeClr val="accent1">
+              <a:shade val="80000"/>
+              <a:hueOff val="0"/>
+              <a:satOff val="0"/>
+              <a:lumOff val="0"/>
+              <a:alphaOff val="0"/>
+            </a:schemeClr>
+          </a:solidFill>
+          <a:prstDash val="solid"/>
+        </a:ln>
+        <a:effectLst/>
+      </dsp:spPr>
+      <dsp:style>
+        <a:lnRef idx="2">
+          <a:scrgbClr r="0" g="0" b="0"/>
+        </a:lnRef>
+        <a:fillRef idx="0">
+          <a:scrgbClr r="0" g="0" b="0"/>
+        </a:fillRef>
+        <a:effectRef idx="0">
+          <a:scrgbClr r="0" g="0" b="0"/>
+        </a:effectRef>
+        <a:fontRef idx="minor"/>
+      </dsp:style>
+      <dsp:txBody>
+        <a:bodyPr spcFirstLastPara="0" vert="horz" wrap="square" lIns="12700" tIns="0" rIns="12700" bIns="0" numCol="1" spcCol="1270" anchor="ctr" anchorCtr="0">
+          <a:noAutofit/>
+        </a:bodyPr>
+        <a:lstStyle/>
+        <a:p>
+          <a:pPr marL="0" lvl="0" indent="0" algn="ctr" defTabSz="222250">
+            <a:lnSpc>
+              <a:spcPct val="90000"/>
+            </a:lnSpc>
+            <a:spcBef>
+              <a:spcPct val="0"/>
+            </a:spcBef>
+            <a:spcAft>
+              <a:spcPct val="35000"/>
+            </a:spcAft>
+            <a:buNone/>
+          </a:pPr>
+          <a:endParaRPr lang="en-CA" sz="500" kern="1200"/>
+        </a:p>
+      </dsp:txBody>
+      <dsp:txXfrm>
+        <a:off x="5725391" y="4587724"/>
+        <a:ext cx="29488" cy="29488"/>
+      </dsp:txXfrm>
+    </dsp:sp>
+    <dsp:sp modelId="{D836A039-FA4A-4F19-BD07-B291D826C1A0}">
+      <dsp:nvSpPr>
+        <dsp:cNvPr id="0" name=""/>
+        <dsp:cNvSpPr/>
+      </dsp:nvSpPr>
+      <dsp:spPr>
+        <a:xfrm>
+          <a:off x="5979583" y="4131055"/>
+          <a:ext cx="1197239" cy="598619"/>
+        </a:xfrm>
+        <a:prstGeom prst="roundRect">
+          <a:avLst>
+            <a:gd name="adj" fmla="val 10000"/>
+          </a:avLst>
+        </a:prstGeom>
+        <a:solidFill>
+          <a:schemeClr val="accent1">
+            <a:hueOff val="0"/>
+            <a:satOff val="0"/>
+            <a:lumOff val="0"/>
+            <a:alphaOff val="0"/>
+          </a:schemeClr>
+        </a:solidFill>
+        <a:ln w="15875" cap="rnd" cmpd="sng" algn="ctr">
+          <a:solidFill>
+            <a:schemeClr val="lt1">
+              <a:hueOff val="0"/>
+              <a:satOff val="0"/>
+              <a:lumOff val="0"/>
+              <a:alphaOff val="0"/>
+            </a:schemeClr>
+          </a:solidFill>
+          <a:prstDash val="solid"/>
+        </a:ln>
+        <a:effectLst/>
+      </dsp:spPr>
+      <dsp:style>
+        <a:lnRef idx="2">
+          <a:scrgbClr r="0" g="0" b="0"/>
+        </a:lnRef>
+        <a:fillRef idx="1">
+          <a:scrgbClr r="0" g="0" b="0"/>
+        </a:fillRef>
+        <a:effectRef idx="0">
+          <a:scrgbClr r="0" g="0" b="0"/>
+        </a:effectRef>
+        <a:fontRef idx="minor">
+          <a:schemeClr val="lt1"/>
+        </a:fontRef>
+      </dsp:style>
+      <dsp:txBody>
+        <a:bodyPr spcFirstLastPara="0" vert="horz" wrap="square" lIns="12700" tIns="12700" rIns="12700" bIns="12700" numCol="1" spcCol="1270" anchor="ctr" anchorCtr="0">
+          <a:noAutofit/>
+        </a:bodyPr>
+        <a:lstStyle/>
+        <a:p>
+          <a:pPr marL="0" lvl="0" indent="0" algn="ctr" defTabSz="889000">
+            <a:lnSpc>
+              <a:spcPct val="90000"/>
+            </a:lnSpc>
+            <a:spcBef>
+              <a:spcPct val="0"/>
+            </a:spcBef>
+            <a:spcAft>
+              <a:spcPct val="35000"/>
+            </a:spcAft>
+            <a:buNone/>
+          </a:pPr>
+          <a:r>
+            <a:rPr lang="en-US" sz="2000" kern="1200" dirty="0"/>
+            <a:t>Out 7</a:t>
+          </a:r>
+          <a:endParaRPr lang="en-CA" sz="2000" kern="1200" dirty="0"/>
+        </a:p>
+      </dsp:txBody>
+      <dsp:txXfrm>
+        <a:off x="5997116" y="4148588"/>
+        <a:ext cx="1162173" cy="563553"/>
+      </dsp:txXfrm>
+    </dsp:sp>
+    <dsp:sp modelId="{B7A53319-B148-4DC0-A6C1-4DB4EC533909}">
+      <dsp:nvSpPr>
+        <dsp:cNvPr id="0" name=""/>
+        <dsp:cNvSpPr/>
+      </dsp:nvSpPr>
+      <dsp:spPr>
+        <a:xfrm rot="2142401">
+          <a:off x="5445254" y="4936732"/>
+          <a:ext cx="589762" cy="19885"/>
+        </a:xfrm>
+        <a:custGeom>
+          <a:avLst/>
+          <a:gdLst/>
+          <a:ahLst/>
+          <a:cxnLst/>
+          <a:rect l="0" t="0" r="0" b="0"/>
+          <a:pathLst>
+            <a:path>
+              <a:moveTo>
+                <a:pt x="0" y="9942"/>
+              </a:moveTo>
+              <a:lnTo>
+                <a:pt x="589762" y="9942"/>
+              </a:lnTo>
+            </a:path>
+          </a:pathLst>
+        </a:custGeom>
+        <a:noFill/>
+        <a:ln w="15875" cap="rnd" cmpd="sng" algn="ctr">
+          <a:solidFill>
+            <a:schemeClr val="accent1">
+              <a:shade val="80000"/>
+              <a:hueOff val="0"/>
+              <a:satOff val="0"/>
+              <a:lumOff val="0"/>
+              <a:alphaOff val="0"/>
+            </a:schemeClr>
+          </a:solidFill>
+          <a:prstDash val="solid"/>
+        </a:ln>
+        <a:effectLst/>
+      </dsp:spPr>
+      <dsp:style>
+        <a:lnRef idx="2">
+          <a:scrgbClr r="0" g="0" b="0"/>
+        </a:lnRef>
+        <a:fillRef idx="0">
+          <a:scrgbClr r="0" g="0" b="0"/>
+        </a:fillRef>
+        <a:effectRef idx="0">
+          <a:scrgbClr r="0" g="0" b="0"/>
+        </a:effectRef>
+        <a:fontRef idx="minor"/>
+      </dsp:style>
+      <dsp:txBody>
+        <a:bodyPr spcFirstLastPara="0" vert="horz" wrap="square" lIns="12700" tIns="0" rIns="12700" bIns="0" numCol="1" spcCol="1270" anchor="ctr" anchorCtr="0">
+          <a:noAutofit/>
+        </a:bodyPr>
+        <a:lstStyle/>
+        <a:p>
+          <a:pPr marL="0" lvl="0" indent="0" algn="ctr" defTabSz="222250">
+            <a:lnSpc>
+              <a:spcPct val="90000"/>
+            </a:lnSpc>
+            <a:spcBef>
+              <a:spcPct val="0"/>
+            </a:spcBef>
+            <a:spcAft>
+              <a:spcPct val="35000"/>
+            </a:spcAft>
+            <a:buNone/>
+          </a:pPr>
+          <a:endParaRPr lang="en-CA" sz="500" kern="1200"/>
+        </a:p>
+      </dsp:txBody>
+      <dsp:txXfrm>
+        <a:off x="5725391" y="4931931"/>
+        <a:ext cx="29488" cy="29488"/>
+      </dsp:txXfrm>
+    </dsp:sp>
+    <dsp:sp modelId="{3FA24A7F-F9D8-4780-96C2-16E58C21FF68}">
+      <dsp:nvSpPr>
+        <dsp:cNvPr id="0" name=""/>
+        <dsp:cNvSpPr/>
+      </dsp:nvSpPr>
+      <dsp:spPr>
+        <a:xfrm>
+          <a:off x="5979583" y="4819468"/>
+          <a:ext cx="1197239" cy="598619"/>
+        </a:xfrm>
+        <a:prstGeom prst="roundRect">
+          <a:avLst>
+            <a:gd name="adj" fmla="val 10000"/>
+          </a:avLst>
+        </a:prstGeom>
+        <a:solidFill>
+          <a:schemeClr val="accent1">
+            <a:hueOff val="0"/>
+            <a:satOff val="0"/>
+            <a:lumOff val="0"/>
+            <a:alphaOff val="0"/>
+          </a:schemeClr>
+        </a:solidFill>
+        <a:ln w="15875" cap="rnd" cmpd="sng" algn="ctr">
+          <a:solidFill>
+            <a:schemeClr val="lt1">
+              <a:hueOff val="0"/>
+              <a:satOff val="0"/>
+              <a:lumOff val="0"/>
+              <a:alphaOff val="0"/>
+            </a:schemeClr>
+          </a:solidFill>
+          <a:prstDash val="solid"/>
+        </a:ln>
+        <a:effectLst/>
+      </dsp:spPr>
+      <dsp:style>
+        <a:lnRef idx="2">
+          <a:scrgbClr r="0" g="0" b="0"/>
+        </a:lnRef>
+        <a:fillRef idx="1">
+          <a:scrgbClr r="0" g="0" b="0"/>
+        </a:fillRef>
+        <a:effectRef idx="0">
+          <a:scrgbClr r="0" g="0" b="0"/>
+        </a:effectRef>
+        <a:fontRef idx="minor">
+          <a:schemeClr val="lt1"/>
+        </a:fontRef>
+      </dsp:style>
+      <dsp:txBody>
+        <a:bodyPr spcFirstLastPara="0" vert="horz" wrap="square" lIns="12700" tIns="12700" rIns="12700" bIns="12700" numCol="1" spcCol="1270" anchor="ctr" anchorCtr="0">
+          <a:noAutofit/>
+        </a:bodyPr>
+        <a:lstStyle/>
+        <a:p>
+          <a:pPr marL="0" lvl="0" indent="0" algn="ctr" defTabSz="889000">
+            <a:lnSpc>
+              <a:spcPct val="90000"/>
+            </a:lnSpc>
+            <a:spcBef>
+              <a:spcPct val="0"/>
+            </a:spcBef>
+            <a:spcAft>
+              <a:spcPct val="35000"/>
+            </a:spcAft>
+            <a:buNone/>
+          </a:pPr>
+          <a:r>
+            <a:rPr lang="en-US" sz="2000" kern="1200" dirty="0"/>
+            <a:t>Out8</a:t>
+          </a:r>
+          <a:endParaRPr lang="en-CA" sz="2000" kern="1200" dirty="0"/>
+        </a:p>
+      </dsp:txBody>
+      <dsp:txXfrm>
+        <a:off x="5997116" y="4837001"/>
+        <a:ext cx="1162173" cy="563553"/>
+      </dsp:txXfrm>
+    </dsp:sp>
+  </dsp:spTree>
+</dsp:drawing>
+</file>
+
+<file path=ppt/diagrams/layout1.xml><?xml version="1.0" encoding="utf-8"?>
+<dgm:layoutDef xmlns:dgm="http://schemas.openxmlformats.org/drawingml/2006/diagram" xmlns:a="http://schemas.openxmlformats.org/drawingml/2006/main" uniqueId="urn:microsoft.com/office/officeart/2005/8/layout/hierarchy2">
+  <dgm:title val=""/>
+  <dgm:desc val=""/>
+  <dgm:catLst>
+    <dgm:cat type="hierarchy" pri="5000"/>
+  </dgm:catLst>
+  <dgm:sampData>
+    <dgm:dataModel>
+      <dgm:ptLst>
+        <dgm:pt modelId="0" type="doc"/>
+        <dgm:pt modelId="1">
+          <dgm:prSet phldr="1"/>
+        </dgm:pt>
+        <dgm:pt modelId="2">
+          <dgm:prSet phldr="1"/>
+        </dgm:pt>
+        <dgm:pt modelId="21">
+          <dgm:prSet phldr="1"/>
+        </dgm:pt>
+        <dgm:pt modelId="22">
+          <dgm:prSet phldr="1"/>
+        </dgm:pt>
+        <dgm:pt modelId="3">
+          <dgm:prSet phldr="1"/>
+        </dgm:pt>
+        <dgm:pt modelId="31">
+          <dgm:prSet phldr="1"/>
+        </dgm:pt>
+      </dgm:ptLst>
+      <dgm:cxnLst>
+        <dgm:cxn modelId="4" srcId="0" destId="1" srcOrd="0" destOrd="0"/>
+        <dgm:cxn modelId="5" srcId="1" destId="2" srcOrd="0" destOrd="0"/>
+        <dgm:cxn modelId="6" srcId="1" destId="3" srcOrd="1" destOrd="0"/>
+        <dgm:cxn modelId="23" srcId="2" destId="21" srcOrd="0" destOrd="0"/>
+        <dgm:cxn modelId="24" srcId="2" destId="22" srcOrd="1" destOrd="0"/>
+        <dgm:cxn modelId="33" srcId="3" destId="31" srcOrd="0" destOrd="0"/>
+      </dgm:cxnLst>
+      <dgm:bg/>
+      <dgm:whole/>
+    </dgm:dataModel>
+  </dgm:sampData>
+  <dgm:styleData>
+    <dgm:dataModel>
+      <dgm:ptLst>
+        <dgm:pt modelId="0" type="doc"/>
+        <dgm:pt modelId="1"/>
+        <dgm:pt modelId="11"/>
+        <dgm:pt modelId="12"/>
+      </dgm:ptLst>
+      <dgm:cxnLst>
+        <dgm:cxn modelId="2" srcId="0" destId="1" srcOrd="0" destOrd="0"/>
+        <dgm:cxn modelId="13" srcId="1" destId="11" srcOrd="0" destOrd="0"/>
+        <dgm:cxn modelId="14" srcId="1" destId="12" srcOrd="1" destOrd="0"/>
+      </dgm:cxnLst>
+      <dgm:bg/>
+      <dgm:whole/>
+    </dgm:dataModel>
+  </dgm:styleData>
+  <dgm:clrData>
+    <dgm:dataModel>
+      <dgm:ptLst>
+        <dgm:pt modelId="0" type="doc"/>
+        <dgm:pt modelId="1"/>
+        <dgm:pt modelId="2"/>
+        <dgm:pt modelId="21"/>
+        <dgm:pt modelId="211"/>
+        <dgm:pt modelId="3"/>
+        <dgm:pt modelId="31"/>
+        <dgm:pt modelId="311"/>
+      </dgm:ptLst>
+      <dgm:cxnLst>
+        <dgm:cxn modelId="4" srcId="0" destId="1" srcOrd="0" destOrd="0"/>
+        <dgm:cxn modelId="5" srcId="1" destId="2" srcOrd="0" destOrd="0"/>
+        <dgm:cxn modelId="6" srcId="1" destId="3" srcOrd="1" destOrd="0"/>
+        <dgm:cxn modelId="23" srcId="2" destId="21" srcOrd="0" destOrd="0"/>
+        <dgm:cxn modelId="24" srcId="21" destId="211" srcOrd="0" destOrd="0"/>
+        <dgm:cxn modelId="33" srcId="3" destId="31" srcOrd="0" destOrd="0"/>
+        <dgm:cxn modelId="34" srcId="31" destId="311" srcOrd="0" destOrd="0"/>
+      </dgm:cxnLst>
+      <dgm:bg/>
+      <dgm:whole/>
+    </dgm:dataModel>
+  </dgm:clrData>
+  <dgm:layoutNode name="diagram">
+    <dgm:varLst>
+      <dgm:chPref val="1"/>
+      <dgm:dir/>
+      <dgm:animOne val="branch"/>
+      <dgm:animLvl val="lvl"/>
+      <dgm:resizeHandles val="exact"/>
+    </dgm:varLst>
+    <dgm:choose name="Name0">
+      <dgm:if name="Name1" func="var" arg="dir" op="equ" val="norm">
+        <dgm:alg type="hierChild">
+          <dgm:param type="linDir" val="fromT"/>
+          <dgm:param type="chAlign" val="l"/>
+        </dgm:alg>
+      </dgm:if>
+      <dgm:else name="Name2">
+        <dgm:alg type="hierChild">
+          <dgm:param type="linDir" val="fromT"/>
+          <dgm:param type="chAlign" val="r"/>
+        </dgm:alg>
+      </dgm:else>
+    </dgm:choose>
+    <dgm:shape xmlns:r="http://schemas.openxmlformats.org/officeDocument/2006/relationships" r:blip="">
+      <dgm:adjLst/>
+    </dgm:shape>
+    <dgm:presOf/>
+    <dgm:constrLst>
+      <dgm:constr type="h" for="des" ptType="node" refType="h"/>
+      <dgm:constr type="w" for="des" ptType="node" refType="h" refFor="des" refPtType="node" fact="2"/>
+      <dgm:constr type="sibSp" refType="h" refFor="des" refPtType="node" op="equ" fact="0.15"/>
+      <dgm:constr type="sibSp" for="des" forName="level2hierChild" refType="h" refFor="des" refPtType="node" op="equ" fact="0.15"/>
+      <dgm:constr type="sibSp" for="des" forName="level3hierChild" refType="h" refFor="des" refPtType="node" op="equ" fact="0.15"/>
+      <dgm:constr type="sp" for="des" forName="root1" refType="w" refFor="des" refPtType="node" fact="0.4"/>
+      <dgm:constr type="sp" for="des" forName="root2" refType="sp" refFor="des" refForName="root1" op="equ"/>
+      <dgm:constr type="primFontSz" for="des" ptType="node" op="equ" val="65"/>
+      <dgm:constr type="primFontSz" for="des" forName="connTx" op="equ" val="55"/>
+      <dgm:constr type="primFontSz" for="des" forName="connTx" refType="primFontSz" refFor="des" refPtType="node" op="lte" fact="0.8"/>
+    </dgm:constrLst>
+    <dgm:ruleLst/>
+    <dgm:forEach name="Name3" axis="ch">
+      <dgm:forEach name="Name4" axis="self" ptType="node">
+        <dgm:layoutNode name="root1">
+          <dgm:choose name="Name5">
+            <dgm:if name="Name6" func="var" arg="dir" op="equ" val="norm">
+              <dgm:alg type="hierRoot">
+                <dgm:param type="hierAlign" val="lCtrCh"/>
+              </dgm:alg>
+            </dgm:if>
+            <dgm:else name="Name7">
+              <dgm:alg type="hierRoot">
+                <dgm:param type="hierAlign" val="rCtrCh"/>
+              </dgm:alg>
+            </dgm:else>
+          </dgm:choose>
+          <dgm:shape xmlns:r="http://schemas.openxmlformats.org/officeDocument/2006/relationships" r:blip="">
+            <dgm:adjLst/>
+          </dgm:shape>
+          <dgm:presOf/>
+          <dgm:constrLst/>
+          <dgm:ruleLst/>
+          <dgm:layoutNode name="LevelOneTextNode" styleLbl="node0">
+            <dgm:varLst>
+              <dgm:chPref val="3"/>
+            </dgm:varLst>
+            <dgm:alg type="tx"/>
+            <dgm:shape xmlns:r="http://schemas.openxmlformats.org/officeDocument/2006/relationships" type="roundRect" r:blip="">
+              <dgm:adjLst>
+                <dgm:adj idx="1" val="0.1"/>
+              </dgm:adjLst>
+            </dgm:shape>
+            <dgm:presOf axis="self"/>
+            <dgm:constrLst>
+              <dgm:constr type="tMarg" refType="primFontSz" fact="0.05"/>
+              <dgm:constr type="bMarg" refType="primFontSz" fact="0.05"/>
+              <dgm:constr type="lMarg" refType="primFontSz" fact="0.05"/>
+              <dgm:constr type="rMarg" refType="primFontSz" fact="0.05"/>
+            </dgm:constrLst>
+            <dgm:ruleLst>
+              <dgm:rule type="primFontSz" val="5" fact="NaN" max="NaN"/>
+            </dgm:ruleLst>
+          </dgm:layoutNode>
+          <dgm:layoutNode name="level2hierChild">
+            <dgm:choose name="Name8">
+              <dgm:if name="Name9" func="var" arg="dir" op="equ" val="norm">
+                <dgm:alg type="hierChild">
+                  <dgm:param type="linDir" val="fromT"/>
+                  <dgm:param type="chAlign" val="l"/>
+                </dgm:alg>
+              </dgm:if>
+              <dgm:else name="Name10">
+                <dgm:alg type="hierChild">
+                  <dgm:param type="linDir" val="fromT"/>
+                  <dgm:param type="chAlign" val="r"/>
+                </dgm:alg>
+              </dgm:else>
+            </dgm:choose>
+            <dgm:shape xmlns:r="http://schemas.openxmlformats.org/officeDocument/2006/relationships" r:blip="">
+              <dgm:adjLst/>
+            </dgm:shape>
+            <dgm:presOf/>
+            <dgm:constrLst/>
+            <dgm:ruleLst/>
+            <dgm:forEach name="repeat" axis="ch">
+              <dgm:forEach name="Name11" axis="self" ptType="parTrans" cnt="1">
+                <dgm:layoutNode name="conn2-1">
+                  <dgm:choose name="Name12">
+                    <dgm:if name="Name13" func="var" arg="dir" op="equ" val="norm">
+                      <dgm:alg type="conn">
+                        <dgm:param type="dim" val="1D"/>
+                        <dgm:param type="begPts" val="midR"/>
+                        <dgm:param type="endPts" val="midL"/>
+                        <dgm:param type="endSty" val="noArr"/>
+                      </dgm:alg>
+                    </dgm:if>
+                    <dgm:else name="Name14">
+                      <dgm:alg type="conn">
+                        <dgm:param type="dim" val="1D"/>
+                        <dgm:param type="begPts" val="midL"/>
+                        <dgm:param type="endPts" val="midR"/>
+                        <dgm:param type="endSty" val="noArr"/>
+                      </dgm:alg>
+                    </dgm:else>
+                  </dgm:choose>
+                  <dgm:shape xmlns:r="http://schemas.openxmlformats.org/officeDocument/2006/relationships" type="conn" r:blip="">
+                    <dgm:adjLst/>
+                  </dgm:shape>
+                  <dgm:presOf axis="self"/>
+                  <dgm:constrLst>
+                    <dgm:constr type="w" val="1"/>
+                    <dgm:constr type="h" val="5"/>
+                    <dgm:constr type="connDist"/>
+                    <dgm:constr type="begPad"/>
+                    <dgm:constr type="endPad"/>
+                    <dgm:constr type="userA" for="ch" refType="connDist"/>
+                  </dgm:constrLst>
+                  <dgm:ruleLst/>
+                  <dgm:layoutNode name="connTx">
+                    <dgm:alg type="tx">
+                      <dgm:param type="autoTxRot" val="grav"/>
+                    </dgm:alg>
+                    <dgm:shape xmlns:r="http://schemas.openxmlformats.org/officeDocument/2006/relationships" type="rect" r:blip="" hideGeom="1">
+                      <dgm:adjLst/>
+                    </dgm:shape>
+                    <dgm:presOf axis="self"/>
+                    <dgm:constrLst>
+                      <dgm:constr type="userA"/>
+                      <dgm:constr type="w" refType="userA" fact="0.05"/>
+                      <dgm:constr type="h" refType="userA" fact="0.05"/>
+                      <dgm:constr type="lMarg" val="1"/>
+                      <dgm:constr type="rMarg" val="1"/>
+                      <dgm:constr type="tMarg"/>
+                      <dgm:constr type="bMarg"/>
+                    </dgm:constrLst>
+                    <dgm:ruleLst>
+                      <dgm:rule type="h" val="NaN" fact="0.25" max="NaN"/>
+                      <dgm:rule type="w" val="NaN" fact="0.8" max="NaN"/>
+                      <dgm:rule type="primFontSz" val="5" fact="NaN" max="NaN"/>
+                    </dgm:ruleLst>
+                  </dgm:layoutNode>
+                </dgm:layoutNode>
+              </dgm:forEach>
+              <dgm:forEach name="Name15" axis="self" ptType="node">
+                <dgm:layoutNode name="root2">
+                  <dgm:choose name="Name16">
+                    <dgm:if name="Name17" func="var" arg="dir" op="equ" val="norm">
+                      <dgm:alg type="hierRoot">
+                        <dgm:param type="hierAlign" val="lCtrCh"/>
+                      </dgm:alg>
+                    </dgm:if>
+                    <dgm:else name="Name18">
+                      <dgm:alg type="hierRoot">
+                        <dgm:param type="hierAlign" val="rCtrCh"/>
+                      </dgm:alg>
+                    </dgm:else>
+                  </dgm:choose>
+                  <dgm:shape xmlns:r="http://schemas.openxmlformats.org/officeDocument/2006/relationships" r:blip="">
+                    <dgm:adjLst/>
+                  </dgm:shape>
+                  <dgm:presOf/>
+                  <dgm:constrLst/>
+                  <dgm:ruleLst/>
+                  <dgm:layoutNode name="LevelTwoTextNode">
+                    <dgm:varLst>
+                      <dgm:chPref val="3"/>
+                    </dgm:varLst>
+                    <dgm:alg type="tx"/>
+                    <dgm:shape xmlns:r="http://schemas.openxmlformats.org/officeDocument/2006/relationships" type="roundRect" r:blip="">
+                      <dgm:adjLst>
+                        <dgm:adj idx="1" val="0.1"/>
+                      </dgm:adjLst>
+                    </dgm:shape>
+                    <dgm:presOf axis="self"/>
+                    <dgm:constrLst>
+                      <dgm:constr type="tMarg" refType="primFontSz" fact="0.05"/>
+                      <dgm:constr type="bMarg" refType="primFontSz" fact="0.05"/>
+                      <dgm:constr type="lMarg" refType="primFontSz" fact="0.05"/>
+                      <dgm:constr type="rMarg" refType="primFontSz" fact="0.05"/>
+                    </dgm:constrLst>
+                    <dgm:ruleLst>
+                      <dgm:rule type="primFontSz" val="5" fact="NaN" max="NaN"/>
+                    </dgm:ruleLst>
+                  </dgm:layoutNode>
+                  <dgm:layoutNode name="level3hierChild">
+                    <dgm:choose name="Name19">
+                      <dgm:if name="Name20" func="var" arg="dir" op="equ" val="norm">
+                        <dgm:alg type="hierChild">
+                          <dgm:param type="linDir" val="fromT"/>
+                          <dgm:param type="chAlign" val="l"/>
+                        </dgm:alg>
+                      </dgm:if>
+                      <dgm:else name="Name21">
+                        <dgm:alg type="hierChild">
+                          <dgm:param type="linDir" val="fromT"/>
+                          <dgm:param type="chAlign" val="r"/>
+                        </dgm:alg>
+                      </dgm:else>
+                    </dgm:choose>
+                    <dgm:shape xmlns:r="http://schemas.openxmlformats.org/officeDocument/2006/relationships" r:blip="">
+                      <dgm:adjLst/>
+                    </dgm:shape>
+                    <dgm:presOf/>
+                    <dgm:constrLst/>
+                    <dgm:ruleLst/>
+                    <dgm:forEach name="Name22" ref="repeat"/>
+                  </dgm:layoutNode>
+                </dgm:layoutNode>
+              </dgm:forEach>
+            </dgm:forEach>
+          </dgm:layoutNode>
+        </dgm:layoutNode>
+      </dgm:forEach>
+    </dgm:forEach>
+  </dgm:layoutNode>
+</dgm:layoutDef>
+</file>
+
+<file path=ppt/diagrams/quickStyle1.xml><?xml version="1.0" encoding="utf-8"?>
+<dgm:styleDef xmlns:dgm="http://schemas.openxmlformats.org/drawingml/2006/diagram" xmlns:a="http://schemas.openxmlformats.org/drawingml/2006/main" uniqueId="urn:microsoft.com/office/officeart/2005/8/quickstyle/simple1">
+  <dgm:title val=""/>
+  <dgm:desc val=""/>
+  <dgm:catLst>
+    <dgm:cat type="simple" pri="10100"/>
+  </dgm:catLst>
+  <dgm:scene3d>
+    <a:camera prst="orthographicFront"/>
+    <a:lightRig rig="threePt" dir="t"/>
+  </dgm:scene3d>
+  <dgm:styleLbl name="node0">
+    <dgm:scene3d>
+      <a:camera prst="orthographicFront"/>
+      <a:lightRig rig="threePt" dir="t"/>
+    </dgm:scene3d>
+    <dgm:sp3d/>
+    <dgm:txPr/>
+    <dgm:style>
+      <a:lnRef idx="2">
+        <a:scrgbClr r="0" g="0" b="0"/>
+      </a:lnRef>
+      <a:fillRef idx="1">
+        <a:scrgbClr r="0" g="0" b="0"/>
+      </a:fillRef>
+      <a:effectRef idx="0">
+        <a:scrgbClr r="0" g="0" b="0"/>
+      </a:effectRef>
+      <a:fontRef idx="minor">
+        <a:schemeClr val="lt1"/>
+      </a:fontRef>
+    </dgm:style>
+  </dgm:styleLbl>
+  <dgm:styleLbl name="lnNode1">
+    <dgm:scene3d>
+      <a:camera prst="orthographicFront"/>
+      <a:lightRig rig="threePt" dir="t"/>
+    </dgm:scene3d>
+    <dgm:sp3d/>
+    <dgm:txPr/>
+    <dgm:style>
+      <a:lnRef idx="2">
+        <a:scrgbClr r="0" g="0" b="0"/>
+      </a:lnRef>
+      <a:fillRef idx="1">
+        <a:scrgbClr r="0" g="0" b="0"/>
+      </a:fillRef>
+      <a:effectRef idx="0">
+        <a:scrgbClr r="0" g="0" b="0"/>
+      </a:effectRef>
+      <a:fontRef idx="minor">
+        <a:schemeClr val="lt1"/>
+      </a:fontRef>
+    </dgm:style>
+  </dgm:styleLbl>
+  <dgm:styleLbl name="vennNode1">
+    <dgm:scene3d>
+      <a:camera prst="orthographicFront"/>
+      <a:lightRig rig="threePt" dir="t"/>
+    </dgm:scene3d>
+    <dgm:sp3d/>
+    <dgm:txPr/>
+    <dgm:style>
+      <a:lnRef idx="2">
+        <a:scrgbClr r="0" g="0" b="0"/>
+      </a:lnRef>
+      <a:fillRef idx="1">
+        <a:scrgbClr r="0" g="0" b="0"/>
+      </a:fillRef>
+      <a:effectRef idx="0">
+        <a:scrgbClr r="0" g="0" b="0"/>
+      </a:effectRef>
+      <a:fontRef idx="minor">
+        <a:schemeClr val="tx1"/>
+      </a:fontRef>
+    </dgm:style>
+  </dgm:styleLbl>
+  <dgm:styleLbl name="alignNode1">
+    <dgm:scene3d>
+      <a:camera prst="orthographicFront"/>
+      <a:lightRig rig="threePt" dir="t"/>
+    </dgm:scene3d>
+    <dgm:sp3d/>
+    <dgm:txPr/>
+    <dgm:style>
+      <a:lnRef idx="2">
+        <a:scrgbClr r="0" g="0" b="0"/>
+      </a:lnRef>
+      <a:fillRef idx="1">
+        <a:scrgbClr r="0" g="0" b="0"/>
+      </a:fillRef>
+      <a:effectRef idx="0">
+        <a:scrgbClr r="0" g="0" b="0"/>
+      </a:effectRef>
+      <a:fontRef idx="minor">
+        <a:schemeClr val="lt1"/>
+      </a:fontRef>
+    </dgm:style>
+  </dgm:styleLbl>
+  <dgm:styleLbl name="node1">
+    <dgm:scene3d>
+      <a:camera prst="orthographicFront"/>
+      <a:lightRig rig="threePt" dir="t"/>
+    </dgm:scene3d>
+    <dgm:sp3d/>
+    <dgm:txPr/>
+    <dgm:style>
+      <a:lnRef idx="2">
+        <a:scrgbClr r="0" g="0" b="0"/>
+      </a:lnRef>
+      <a:fillRef idx="1">
+        <a:scrgbClr r="0" g="0" b="0"/>
+      </a:fillRef>
+      <a:effectRef idx="0">
+        <a:scrgbClr r="0" g="0" b="0"/>
+      </a:effectRef>
+      <a:fontRef idx="minor">
+        <a:schemeClr val="lt1"/>
+      </a:fontRef>
+    </dgm:style>
+  </dgm:styleLbl>
+  <dgm:styleLbl name="node2">
+    <dgm:scene3d>
+      <a:camera prst="orthographicFront"/>
+      <a:lightRig rig="threePt" dir="t"/>
+    </dgm:scene3d>
+    <dgm:sp3d/>
+    <dgm:txPr/>
+    <dgm:style>
+      <a:lnRef idx="2">
+        <a:scrgbClr r="0" g="0" b="0"/>
+      </a:lnRef>
+      <a:fillRef idx="1">
+        <a:scrgbClr r="0" g="0" b="0"/>
+      </a:fillRef>
+      <a:effectRef idx="0">
+        <a:scrgbClr r="0" g="0" b="0"/>
+      </a:effectRef>
+      <a:fontRef idx="minor">
+        <a:schemeClr val="lt1"/>
+      </a:fontRef>
+    </dgm:style>
+  </dgm:styleLbl>
+  <dgm:styleLbl name="node3">
+    <dgm:scene3d>
+      <a:camera prst="orthographicFront"/>
+      <a:lightRig rig="threePt" dir="t"/>
+    </dgm:scene3d>
+    <dgm:sp3d/>
+    <dgm:txPr/>
+    <dgm:style>
+      <a:lnRef idx="2">
+        <a:scrgbClr r="0" g="0" b="0"/>
+      </a:lnRef>
+      <a:fillRef idx="1">
+        <a:scrgbClr r="0" g="0" b="0"/>
+      </a:fillRef>
+      <a:effectRef idx="0">
+        <a:scrgbClr r="0" g="0" b="0"/>
+      </a:effectRef>
+      <a:fontRef idx="minor">
+        <a:schemeClr val="lt1"/>
+      </a:fontRef>
+    </dgm:style>
+  </dgm:styleLbl>
+  <dgm:styleLbl name="node4">
+    <dgm:scene3d>
+      <a:camera prst="orthographicFront"/>
+      <a:lightRig rig="threePt" dir="t"/>
+    </dgm:scene3d>
+    <dgm:sp3d/>
+    <dgm:txPr/>
+    <dgm:style>
+      <a:lnRef idx="2">
+        <a:scrgbClr r="0" g="0" b="0"/>
+      </a:lnRef>
+      <a:fillRef idx="1">
+        <a:scrgbClr r="0" g="0" b="0"/>
+      </a:fillRef>
+      <a:effectRef idx="0">
+        <a:scrgbClr r="0" g="0" b="0"/>
+      </a:effectRef>
+      <a:fontRef idx="minor">
+        <a:schemeClr val="lt1"/>
+      </a:fontRef>
+    </dgm:style>
+  </dgm:styleLbl>
+  <dgm:styleLbl name="fgImgPlace1">
+    <dgm:scene3d>
+      <a:camera prst="orthographicFront"/>
+      <a:lightRig rig="threePt" dir="t"/>
+    </dgm:scene3d>
+    <dgm:sp3d/>
+    <dgm:txPr/>
+    <dgm:style>
+      <a:lnRef idx="2">
+        <a:scrgbClr r="0" g="0" b="0"/>
+      </a:lnRef>
+      <a:fillRef idx="1">
+        <a:scrgbClr r="0" g="0" b="0"/>
+      </a:fillRef>
+      <a:effectRef idx="0">
+        <a:scrgbClr r="0" g="0" b="0"/>
+      </a:effectRef>
+      <a:fontRef idx="minor"/>
+    </dgm:style>
+  </dgm:styleLbl>
+  <dgm:styleLbl name="alignImgPlace1">
+    <dgm:scene3d>
+      <a:camera prst="orthographicFront"/>
+      <a:lightRig rig="threePt" dir="t"/>
+    </dgm:scene3d>
+    <dgm:sp3d/>
+    <dgm:txPr/>
+    <dgm:style>
+      <a:lnRef idx="2">
+        <a:scrgbClr r="0" g="0" b="0"/>
+      </a:lnRef>
+      <a:fillRef idx="1">
+        <a:scrgbClr r="0" g="0" b="0"/>
+      </a:fillRef>
+      <a:effectRef idx="0">
+        <a:scrgbClr r="0" g="0" b="0"/>
+      </a:effectRef>
+      <a:fontRef idx="minor"/>
+    </dgm:style>
+  </dgm:styleLbl>
+  <dgm:styleLbl name="bgImgPlace1">
+    <dgm:scene3d>
+      <a:camera prst="orthographicFront"/>
+      <a:lightRig rig="threePt" dir="t"/>
+    </dgm:scene3d>
+    <dgm:sp3d/>
+    <dgm:txPr/>
+    <dgm:style>
+      <a:lnRef idx="2">
+        <a:scrgbClr r="0" g="0" b="0"/>
+      </a:lnRef>
+      <a:fillRef idx="1">
+        <a:scrgbClr r="0" g="0" b="0"/>
+      </a:fillRef>
+      <a:effectRef idx="0">
+        <a:scrgbClr r="0" g="0" b="0"/>
+      </a:effectRef>
+      <a:fontRef idx="minor"/>
+    </dgm:style>
+  </dgm:styleLbl>
+  <dgm:styleLbl name="sibTrans2D1">
+    <dgm:scene3d>
+      <a:camera prst="orthographicFront"/>
+      <a:lightRig rig="threePt" dir="t"/>
+    </dgm:scene3d>
+    <dgm:sp3d/>
+    <dgm:txPr/>
+    <dgm:style>
+      <a:lnRef idx="0">
+        <a:scrgbClr r="0" g="0" b="0"/>
+      </a:lnRef>
+      <a:fillRef idx="1">
+        <a:scrgbClr r="0" g="0" b="0"/>
+      </a:fillRef>
+      <a:effectRef idx="0">
+        <a:scrgbClr r="0" g="0" b="0"/>
+      </a:effectRef>
+      <a:fontRef idx="minor">
+        <a:schemeClr val="lt1"/>
+      </a:fontRef>
+    </dgm:style>
+  </dgm:styleLbl>
+  <dgm:styleLbl name="fgSibTrans2D1">
+    <dgm:scene3d>
+      <a:camera prst="orthographicFront"/>
+      <a:lightRig rig="threePt" dir="t"/>
+    </dgm:scene3d>
+    <dgm:sp3d/>
+    <dgm:txPr/>
+    <dgm:style>
+      <a:lnRef idx="0">
+        <a:scrgbClr r="0" g="0" b="0"/>
+      </a:lnRef>
+      <a:fillRef idx="1">
+        <a:scrgbClr r="0" g="0" b="0"/>
+      </a:fillRef>
+      <a:effectRef idx="0">
+        <a:scrgbClr r="0" g="0" b="0"/>
+      </a:effectRef>
+      <a:fontRef idx="minor">
+        <a:schemeClr val="lt1"/>
+      </a:fontRef>
+    </dgm:style>
+  </dgm:styleLbl>
+  <dgm:styleLbl name="bgSibTrans2D1">
+    <dgm:scene3d>
+      <a:camera prst="orthographicFront"/>
+      <a:lightRig rig="threePt" dir="t"/>
+    </dgm:scene3d>
+    <dgm:sp3d/>
+    <dgm:txPr/>
+    <dgm:style>
+      <a:lnRef idx="0">
+        <a:scrgbClr r="0" g="0" b="0"/>
+      </a:lnRef>
+      <a:fillRef idx="1">
+        <a:scrgbClr r="0" g="0" b="0"/>
+      </a:fillRef>
+      <a:effectRef idx="0">
+        <a:scrgbClr r="0" g="0" b="0"/>
+      </a:effectRef>
+      <a:fontRef idx="minor">
+        <a:schemeClr val="lt1"/>
+      </a:fontRef>
+    </dgm:style>
+  </dgm:styleLbl>
+  <dgm:styleLbl name="sibTrans1D1">
+    <dgm:scene3d>
+      <a:camera prst="orthographicFront"/>
+      <a:lightRig rig="threePt" dir="t"/>
+    </dgm:scene3d>
+    <dgm:sp3d/>
+    <dgm:txPr/>
+    <dgm:style>
+      <a:lnRef idx="1">
+        <a:scrgbClr r="0" g="0" b="0"/>
+      </a:lnRef>
+      <a:fillRef idx="0">
+        <a:scrgbClr r="0" g="0" b="0"/>
+      </a:fillRef>
+      <a:effectRef idx="0">
+        <a:scrgbClr r="0" g="0" b="0"/>
+      </a:effectRef>
+      <a:fontRef idx="minor"/>
+    </dgm:style>
+  </dgm:styleLbl>
+  <dgm:styleLbl name="callout">
+    <dgm:scene3d>
+      <a:camera prst="orthographicFront"/>
+      <a:lightRig rig="threePt" dir="t"/>
+    </dgm:scene3d>
+    <dgm:sp3d/>
+    <dgm:txPr/>
+    <dgm:style>
+      <a:lnRef idx="2">
+        <a:scrgbClr r="0" g="0" b="0"/>
+      </a:lnRef>
+      <a:fillRef idx="1">
+        <a:scrgbClr r="0" g="0" b="0"/>
+      </a:fillRef>
+      <a:effectRef idx="0">
+        <a:scrgbClr r="0" g="0" b="0"/>
+      </a:effectRef>
+      <a:fontRef idx="minor"/>
+    </dgm:style>
+  </dgm:styleLbl>
+  <dgm:styleLbl name="asst0">
+    <dgm:scene3d>
+      <a:camera prst="orthographicFront"/>
+      <a:lightRig rig="threePt" dir="t"/>
+    </dgm:scene3d>
+    <dgm:sp3d/>
+    <dgm:txPr/>
+    <dgm:style>
+      <a:lnRef idx="2">
+        <a:scrgbClr r="0" g="0" b="0"/>
+      </a:lnRef>
+      <a:fillRef idx="1">
+        <a:scrgbClr r="0" g="0" b="0"/>
+      </a:fillRef>
+      <a:effectRef idx="0">
+        <a:scrgbClr r="0" g="0" b="0"/>
+      </a:effectRef>
+      <a:fontRef idx="minor">
+        <a:schemeClr val="lt1"/>
+      </a:fontRef>
+    </dgm:style>
+  </dgm:styleLbl>
+  <dgm:styleLbl name="asst1">
+    <dgm:scene3d>
+      <a:camera prst="orthographicFront"/>
+      <a:lightRig rig="threePt" dir="t"/>
+    </dgm:scene3d>
+    <dgm:sp3d/>
+    <dgm:txPr/>
+    <dgm:style>
+      <a:lnRef idx="2">
+        <a:scrgbClr r="0" g="0" b="0"/>
+      </a:lnRef>
+      <a:fillRef idx="1">
+        <a:scrgbClr r="0" g="0" b="0"/>
+      </a:fillRef>
+      <a:effectRef idx="0">
+        <a:scrgbClr r="0" g="0" b="0"/>
+      </a:effectRef>
+      <a:fontRef idx="minor">
+        <a:schemeClr val="lt1"/>
+      </a:fontRef>
+    </dgm:style>
+  </dgm:styleLbl>
+  <dgm:styleLbl name="asst2">
+    <dgm:scene3d>
+      <a:camera prst="orthographicFront"/>
+      <a:lightRig rig="threePt" dir="t"/>
+    </dgm:scene3d>
+    <dgm:sp3d/>
+    <dgm:txPr/>
+    <dgm:style>
+      <a:lnRef idx="2">
+        <a:scrgbClr r="0" g="0" b="0"/>
+      </a:lnRef>
+      <a:fillRef idx="1">
+        <a:scrgbClr r="0" g="0" b="0"/>
+      </a:fillRef>
+      <a:effectRef idx="0">
+        <a:scrgbClr r="0" g="0" b="0"/>
+      </a:effectRef>
+      <a:fontRef idx="minor">
+        <a:schemeClr val="lt1"/>
+      </a:fontRef>
+    </dgm:style>
+  </dgm:styleLbl>
+  <dgm:styleLbl name="asst3">
+    <dgm:scene3d>
+      <a:camera prst="orthographicFront"/>
+      <a:lightRig rig="threePt" dir="t"/>
+    </dgm:scene3d>
+    <dgm:sp3d/>
+    <dgm:txPr/>
+    <dgm:style>
+      <a:lnRef idx="2">
+        <a:scrgbClr r="0" g="0" b="0"/>
+      </a:lnRef>
+      <a:fillRef idx="1">
+        <a:scrgbClr r="0" g="0" b="0"/>
+      </a:fillRef>
+      <a:effectRef idx="0">
+        <a:scrgbClr r="0" g="0" b="0"/>
+      </a:effectRef>
+      <a:fontRef idx="minor">
+        <a:schemeClr val="lt1"/>
+      </a:fontRef>
+    </dgm:style>
+  </dgm:styleLbl>
+  <dgm:styleLbl name="asst4">
+    <dgm:scene3d>
+      <a:camera prst="orthographicFront"/>
+      <a:lightRig rig="threePt" dir="t"/>
+    </dgm:scene3d>
+    <dgm:sp3d/>
+    <dgm:txPr/>
+    <dgm:style>
+      <a:lnRef idx="2">
+        <a:scrgbClr r="0" g="0" b="0"/>
+      </a:lnRef>
+      <a:fillRef idx="1">
+        <a:scrgbClr r="0" g="0" b="0"/>
+      </a:fillRef>
+      <a:effectRef idx="0">
+        <a:scrgbClr r="0" g="0" b="0"/>
+      </a:effectRef>
+      <a:fontRef idx="minor">
+        <a:schemeClr val="lt1"/>
+      </a:fontRef>
+    </dgm:style>
+  </dgm:styleLbl>
+  <dgm:styleLbl name="parChTrans2D1">
+    <dgm:scene3d>
+      <a:camera prst="orthographicFront"/>
+      <a:lightRig rig="threePt" dir="t"/>
+    </dgm:scene3d>
+    <dgm:sp3d/>
+    <dgm:txPr/>
+    <dgm:style>
+      <a:lnRef idx="2">
+        <a:scrgbClr r="0" g="0" b="0"/>
+      </a:lnRef>
+      <a:fillRef idx="1">
+        <a:scrgbClr r="0" g="0" b="0"/>
+      </a:fillRef>
+      <a:effectRef idx="0">
+        <a:scrgbClr r="0" g="0" b="0"/>
+      </a:effectRef>
+      <a:fontRef idx="minor">
+        <a:schemeClr val="lt1"/>
+      </a:fontRef>
+    </dgm:style>
+  </dgm:styleLbl>
+  <dgm:styleLbl name="parChTrans2D2">
+    <dgm:scene3d>
+      <a:camera prst="orthographicFront"/>
+      <a:lightRig rig="threePt" dir="t"/>
+    </dgm:scene3d>
+    <dgm:sp3d/>
+    <dgm:txPr/>
+    <dgm:style>
+      <a:lnRef idx="2">
+        <a:scrgbClr r="0" g="0" b="0"/>
+      </a:lnRef>
+      <a:fillRef idx="1">
+        <a:scrgbClr r="0" g="0" b="0"/>
+      </a:fillRef>
+      <a:effectRef idx="0">
+        <a:scrgbClr r="0" g="0" b="0"/>
+      </a:effectRef>
+      <a:fontRef idx="minor">
+        <a:schemeClr val="lt1"/>
+      </a:fontRef>
+    </dgm:style>
+  </dgm:styleLbl>
+  <dgm:styleLbl name="parChTrans2D3">
+    <dgm:scene3d>
+      <a:camera prst="orthographicFront"/>
+      <a:lightRig rig="threePt" dir="t"/>
+    </dgm:scene3d>
+    <dgm:sp3d/>
+    <dgm:txPr/>
+    <dgm:style>
+      <a:lnRef idx="2">
+        <a:scrgbClr r="0" g="0" b="0"/>
+      </a:lnRef>
+      <a:fillRef idx="1">
+        <a:scrgbClr r="0" g="0" b="0"/>
+      </a:fillRef>
+      <a:effectRef idx="0">
+        <a:scrgbClr r="0" g="0" b="0"/>
+      </a:effectRef>
+      <a:fontRef idx="minor">
+        <a:schemeClr val="lt1"/>
+      </a:fontRef>
+    </dgm:style>
+  </dgm:styleLbl>
+  <dgm:styleLbl name="parChTrans2D4">
+    <dgm:scene3d>
+      <a:camera prst="orthographicFront"/>
+      <a:lightRig rig="threePt" dir="t"/>
+    </dgm:scene3d>
+    <dgm:sp3d/>
+    <dgm:txPr/>
+    <dgm:style>
+      <a:lnRef idx="2">
+        <a:scrgbClr r="0" g="0" b="0"/>
+      </a:lnRef>
+      <a:fillRef idx="1">
+        <a:scrgbClr r="0" g="0" b="0"/>
+      </a:fillRef>
+      <a:effectRef idx="0">
+        <a:scrgbClr r="0" g="0" b="0"/>
+      </a:effectRef>
+      <a:fontRef idx="minor">
+        <a:schemeClr val="lt1"/>
+      </a:fontRef>
+    </dgm:style>
+  </dgm:styleLbl>
+  <dgm:styleLbl name="parChTrans1D1">
+    <dgm:scene3d>
+      <a:camera prst="orthographicFront"/>
+      <a:lightRig rig="threePt" dir="t"/>
+    </dgm:scene3d>
+    <dgm:sp3d/>
+    <dgm:txPr/>
+    <dgm:style>
+      <a:lnRef idx="2">
+        <a:scrgbClr r="0" g="0" b="0"/>
+      </a:lnRef>
+      <a:fillRef idx="0">
+        <a:scrgbClr r="0" g="0" b="0"/>
+      </a:fillRef>
+      <a:effectRef idx="0">
+        <a:scrgbClr r="0" g="0" b="0"/>
+      </a:effectRef>
+      <a:fontRef idx="minor"/>
+    </dgm:style>
+  </dgm:styleLbl>
+  <dgm:styleLbl name="parChTrans1D2">
+    <dgm:scene3d>
+      <a:camera prst="orthographicFront"/>
+      <a:lightRig rig="threePt" dir="t"/>
+    </dgm:scene3d>
+    <dgm:sp3d/>
+    <dgm:txPr/>
+    <dgm:style>
+      <a:lnRef idx="2">
+        <a:scrgbClr r="0" g="0" b="0"/>
+      </a:lnRef>
+      <a:fillRef idx="0">
+        <a:scrgbClr r="0" g="0" b="0"/>
+      </a:fillRef>
+      <a:effectRef idx="0">
+        <a:scrgbClr r="0" g="0" b="0"/>
+      </a:effectRef>
+      <a:fontRef idx="minor"/>
+    </dgm:style>
+  </dgm:styleLbl>
+  <dgm:styleLbl name="parChTrans1D3">
+    <dgm:scene3d>
+      <a:camera prst="orthographicFront"/>
+      <a:lightRig rig="threePt" dir="t"/>
+    </dgm:scene3d>
+    <dgm:sp3d/>
+    <dgm:txPr/>
+    <dgm:style>
+      <a:lnRef idx="2">
+        <a:scrgbClr r="0" g="0" b="0"/>
+      </a:lnRef>
+      <a:fillRef idx="0">
+        <a:scrgbClr r="0" g="0" b="0"/>
+      </a:fillRef>
+      <a:effectRef idx="0">
+        <a:scrgbClr r="0" g="0" b="0"/>
+      </a:effectRef>
+      <a:fontRef idx="minor"/>
+    </dgm:style>
+  </dgm:styleLbl>
+  <dgm:styleLbl name="parChTrans1D4">
+    <dgm:scene3d>
+      <a:camera prst="orthographicFront"/>
+      <a:lightRig rig="threePt" dir="t"/>
+    </dgm:scene3d>
+    <dgm:sp3d/>
+    <dgm:txPr/>
+    <dgm:style>
+      <a:lnRef idx="2">
+        <a:scrgbClr r="0" g="0" b="0"/>
+      </a:lnRef>
+      <a:fillRef idx="0">
+        <a:scrgbClr r="0" g="0" b="0"/>
+      </a:fillRef>
+      <a:effectRef idx="0">
+        <a:scrgbClr r="0" g="0" b="0"/>
+      </a:effectRef>
+      <a:fontRef idx="minor"/>
+    </dgm:style>
+  </dgm:styleLbl>
+  <dgm:styleLbl name="fgAcc1">
+    <dgm:scene3d>
+      <a:camera prst="orthographicFront"/>
+      <a:lightRig rig="threePt" dir="t"/>
+    </dgm:scene3d>
+    <dgm:sp3d/>
+    <dgm:txPr/>
+    <dgm:style>
+      <a:lnRef idx="2">
+        <a:scrgbClr r="0" g="0" b="0"/>
+      </a:lnRef>
+      <a:fillRef idx="1">
+        <a:scrgbClr r="0" g="0" b="0"/>
+      </a:fillRef>
+      <a:effectRef idx="0">
+        <a:scrgbClr r="0" g="0" b="0"/>
+      </a:effectRef>
+      <a:fontRef idx="minor"/>
+    </dgm:style>
+  </dgm:styleLbl>
+  <dgm:styleLbl name="conFgAcc1">
+    <dgm:scene3d>
+      <a:camera prst="orthographicFront"/>
+      <a:lightRig rig="threePt" dir="t"/>
+    </dgm:scene3d>
+    <dgm:sp3d/>
+    <dgm:txPr/>
+    <dgm:style>
+      <a:lnRef idx="2">
+        <a:scrgbClr r="0" g="0" b="0"/>
+      </a:lnRef>
+      <a:fillRef idx="1">
+        <a:scrgbClr r="0" g="0" b="0"/>
+      </a:fillRef>
+      <a:effectRef idx="0">
+        <a:scrgbClr r="0" g="0" b="0"/>
+      </a:effectRef>
+      <a:fontRef idx="minor"/>
+    </dgm:style>
+  </dgm:styleLbl>
+  <dgm:styleLbl name="alignAcc1">
+    <dgm:scene3d>
+      <a:camera prst="orthographicFront"/>
+      <a:lightRig rig="threePt" dir="t"/>
+    </dgm:scene3d>
+    <dgm:sp3d/>
+    <dgm:txPr/>
+    <dgm:style>
+      <a:lnRef idx="2">
+        <a:scrgbClr r="0" g="0" b="0"/>
+      </a:lnRef>
+      <a:fillRef idx="1">
+        <a:scrgbClr r="0" g="0" b="0"/>
+      </a:fillRef>
+      <a:effectRef idx="0">
+        <a:scrgbClr r="0" g="0" b="0"/>
+      </a:effectRef>
+      <a:fontRef idx="minor"/>
+    </dgm:style>
+  </dgm:styleLbl>
+  <dgm:styleLbl name="trAlignAcc1">
+    <dgm:scene3d>
+      <a:camera prst="orthographicFront"/>
+      <a:lightRig rig="threePt" dir="t"/>
+    </dgm:scene3d>
+    <dgm:sp3d/>
+    <dgm:txPr/>
+    <dgm:style>
+      <a:lnRef idx="1">
+        <a:scrgbClr r="0" g="0" b="0"/>
+      </a:lnRef>
+      <a:fillRef idx="1">
+        <a:scrgbClr r="0" g="0" b="0"/>
+      </a:fillRef>
+      <a:effectRef idx="0">
+        <a:scrgbClr r="0" g="0" b="0"/>
+      </a:effectRef>
+      <a:fontRef idx="minor"/>
+    </dgm:style>
+  </dgm:styleLbl>
+  <dgm:styleLbl name="bgAcc1">
+    <dgm:scene3d>
+      <a:camera prst="orthographicFront"/>
+      <a:lightRig rig="threePt" dir="t"/>
+    </dgm:scene3d>
+    <dgm:sp3d/>
+    <dgm:txPr/>
+    <dgm:style>
+      <a:lnRef idx="2">
+        <a:scrgbClr r="0" g="0" b="0"/>
+      </a:lnRef>
+      <a:fillRef idx="1">
+        <a:scrgbClr r="0" g="0" b="0"/>
+      </a:fillRef>
+      <a:effectRef idx="0">
+        <a:scrgbClr r="0" g="0" b="0"/>
+      </a:effectRef>
+      <a:fontRef idx="minor"/>
+    </dgm:style>
+  </dgm:styleLbl>
+  <dgm:styleLbl name="solidFgAcc1">
+    <dgm:scene3d>
+      <a:camera prst="orthographicFront"/>
+      <a:lightRig rig="threePt" dir="t"/>
+    </dgm:scene3d>
+    <dgm:sp3d/>
+    <dgm:txPr/>
+    <dgm:style>
+      <a:lnRef idx="2">
+        <a:scrgbClr r="0" g="0" b="0"/>
+      </a:lnRef>
+      <a:fillRef idx="1">
+        <a:scrgbClr r="0" g="0" b="0"/>
+      </a:fillRef>
+      <a:effectRef idx="0">
+        <a:scrgbClr r="0" g="0" b="0"/>
+      </a:effectRef>
+      <a:fontRef idx="minor"/>
+    </dgm:style>
+  </dgm:styleLbl>
+  <dgm:styleLbl name="solidAlignAcc1">
+    <dgm:scene3d>
+      <a:camera prst="orthographicFront"/>
+      <a:lightRig rig="threePt" dir="t"/>
+    </dgm:scene3d>
+    <dgm:sp3d/>
+    <dgm:txPr/>
+    <dgm:style>
+      <a:lnRef idx="2">
+        <a:scrgbClr r="0" g="0" b="0"/>
+      </a:lnRef>
+      <a:fillRef idx="1">
+        <a:scrgbClr r="0" g="0" b="0"/>
+      </a:fillRef>
+      <a:effectRef idx="0">
+        <a:scrgbClr r="0" g="0" b="0"/>
+      </a:effectRef>
+      <a:fontRef idx="minor"/>
+    </dgm:style>
+  </dgm:styleLbl>
+  <dgm:styleLbl name="solidBgAcc1">
+    <dgm:scene3d>
+      <a:camera prst="orthographicFront"/>
+      <a:lightRig rig="threePt" dir="t"/>
+    </dgm:scene3d>
+    <dgm:sp3d/>
+    <dgm:txPr/>
+    <dgm:style>
+      <a:lnRef idx="2">
+        <a:scrgbClr r="0" g="0" b="0"/>
+      </a:lnRef>
+      <a:fillRef idx="1">
+        <a:scrgbClr r="0" g="0" b="0"/>
+      </a:fillRef>
+      <a:effectRef idx="0">
+        <a:scrgbClr r="0" g="0" b="0"/>
+      </a:effectRef>
+      <a:fontRef idx="minor"/>
+    </dgm:style>
+  </dgm:styleLbl>
+  <dgm:styleLbl name="fgAccFollowNode1">
+    <dgm:scene3d>
+      <a:camera prst="orthographicFront"/>
+      <a:lightRig rig="threePt" dir="t"/>
+    </dgm:scene3d>
+    <dgm:sp3d/>
+    <dgm:txPr/>
+    <dgm:style>
+      <a:lnRef idx="2">
+        <a:scrgbClr r="0" g="0" b="0"/>
+      </a:lnRef>
+      <a:fillRef idx="1">
+        <a:scrgbClr r="0" g="0" b="0"/>
+      </a:fillRef>
+      <a:effectRef idx="0">
+        <a:scrgbClr r="0" g="0" b="0"/>
+      </a:effectRef>
+      <a:fontRef idx="minor"/>
+    </dgm:style>
+  </dgm:styleLbl>
+  <dgm:styleLbl name="alignAccFollowNode1">
+    <dgm:scene3d>
+      <a:camera prst="orthographicFront"/>
+      <a:lightRig rig="threePt" dir="t"/>
+    </dgm:scene3d>
+    <dgm:sp3d/>
+    <dgm:txPr/>
+    <dgm:style>
+      <a:lnRef idx="2">
+        <a:scrgbClr r="0" g="0" b="0"/>
+      </a:lnRef>
+      <a:fillRef idx="1">
+        <a:scrgbClr r="0" g="0" b="0"/>
+      </a:fillRef>
+      <a:effectRef idx="0">
+        <a:scrgbClr r="0" g="0" b="0"/>
+      </a:effectRef>
+      <a:fontRef idx="minor"/>
+    </dgm:style>
+  </dgm:styleLbl>
+  <dgm:styleLbl name="bgAccFollowNode1">
+    <dgm:scene3d>
+      <a:camera prst="orthographicFront"/>
+      <a:lightRig rig="threePt" dir="t"/>
+    </dgm:scene3d>
+    <dgm:sp3d/>
+    <dgm:txPr/>
+    <dgm:style>
+      <a:lnRef idx="2">
+        <a:scrgbClr r="0" g="0" b="0"/>
+      </a:lnRef>
+      <a:fillRef idx="1">
+        <a:scrgbClr r="0" g="0" b="0"/>
+      </a:fillRef>
+      <a:effectRef idx="0">
+        <a:scrgbClr r="0" g="0" b="0"/>
+      </a:effectRef>
+      <a:fontRef idx="minor"/>
+    </dgm:style>
+  </dgm:styleLbl>
+  <dgm:styleLbl name="fgAcc0">
+    <dgm:scene3d>
+      <a:camera prst="orthographicFront"/>
+      <a:lightRig rig="threePt" dir="t"/>
+    </dgm:scene3d>
+    <dgm:sp3d/>
+    <dgm:txPr/>
+    <dgm:style>
+      <a:lnRef idx="2">
+        <a:scrgbClr r="0" g="0" b="0"/>
+      </a:lnRef>
+      <a:fillRef idx="1">
+        <a:scrgbClr r="0" g="0" b="0"/>
+      </a:fillRef>
+      <a:effectRef idx="0">
+        <a:scrgbClr r="0" g="0" b="0"/>
+      </a:effectRef>
+      <a:fontRef idx="minor"/>
+    </dgm:style>
+  </dgm:styleLbl>
+  <dgm:styleLbl name="fgAcc2">
+    <dgm:scene3d>
+      <a:camera prst="orthographicFront"/>
+      <a:lightRig rig="threePt" dir="t"/>
+    </dgm:scene3d>
+    <dgm:sp3d/>
+    <dgm:txPr/>
+    <dgm:style>
+      <a:lnRef idx="2">
+        <a:scrgbClr r="0" g="0" b="0"/>
+      </a:lnRef>
+      <a:fillRef idx="1">
+        <a:scrgbClr r="0" g="0" b="0"/>
+      </a:fillRef>
+      <a:effectRef idx="0">
+        <a:scrgbClr r="0" g="0" b="0"/>
+      </a:effectRef>
+      <a:fontRef idx="minor"/>
+    </dgm:style>
+  </dgm:styleLbl>
+  <dgm:styleLbl name="fgAcc3">
+    <dgm:scene3d>
+      <a:camera prst="orthographicFront"/>
+      <a:lightRig rig="threePt" dir="t"/>
+    </dgm:scene3d>
+    <dgm:sp3d/>
+    <dgm:txPr/>
+    <dgm:style>
+      <a:lnRef idx="2">
+        <a:scrgbClr r="0" g="0" b="0"/>
+      </a:lnRef>
+      <a:fillRef idx="1">
+        <a:scrgbClr r="0" g="0" b="0"/>
+      </a:fillRef>
+      <a:effectRef idx="0">
+        <a:scrgbClr r="0" g="0" b="0"/>
+      </a:effectRef>
+      <a:fontRef idx="minor"/>
+    </dgm:style>
+  </dgm:styleLbl>
+  <dgm:styleLbl name="fgAcc4">
+    <dgm:scene3d>
+      <a:camera prst="orthographicFront"/>
+      <a:lightRig rig="threePt" dir="t"/>
+    </dgm:scene3d>
+    <dgm:sp3d/>
+    <dgm:txPr/>
+    <dgm:style>
+      <a:lnRef idx="2">
+        <a:scrgbClr r="0" g="0" b="0"/>
+      </a:lnRef>
+      <a:fillRef idx="1">
+        <a:scrgbClr r="0" g="0" b="0"/>
+      </a:fillRef>
+      <a:effectRef idx="0">
+        <a:scrgbClr r="0" g="0" b="0"/>
+      </a:effectRef>
+      <a:fontRef idx="minor"/>
+    </dgm:style>
+  </dgm:styleLbl>
+  <dgm:styleLbl name="bgShp">
+    <dgm:scene3d>
+      <a:camera prst="orthographicFront"/>
+      <a:lightRig rig="threePt" dir="t"/>
+    </dgm:scene3d>
+    <dgm:sp3d/>
+    <dgm:txPr/>
+    <dgm:style>
+      <a:lnRef idx="0">
+        <a:scrgbClr r="0" g="0" b="0"/>
+      </a:lnRef>
+      <a:fillRef idx="1">
+        <a:scrgbClr r="0" g="0" b="0"/>
+      </a:fillRef>
+      <a:effectRef idx="0">
+        <a:scrgbClr r="0" g="0" b="0"/>
+      </a:effectRef>
+      <a:fontRef idx="minor"/>
+    </dgm:style>
+  </dgm:styleLbl>
+  <dgm:styleLbl name="dkBgShp">
+    <dgm:scene3d>
+      <a:camera prst="orthographicFront"/>
+      <a:lightRig rig="threePt" dir="t"/>
+    </dgm:scene3d>
+    <dgm:sp3d/>
+    <dgm:txPr/>
+    <dgm:style>
+      <a:lnRef idx="0">
+        <a:scrgbClr r="0" g="0" b="0"/>
+      </a:lnRef>
+      <a:fillRef idx="1">
+        <a:scrgbClr r="0" g="0" b="0"/>
+      </a:fillRef>
+      <a:effectRef idx="0">
+        <a:scrgbClr r="0" g="0" b="0"/>
+      </a:effectRef>
+      <a:fontRef idx="minor"/>
+    </dgm:style>
+  </dgm:styleLbl>
+  <dgm:styleLbl name="trBgShp">
+    <dgm:scene3d>
+      <a:camera prst="orthographicFront"/>
+      <a:lightRig rig="threePt" dir="t"/>
+    </dgm:scene3d>
+    <dgm:sp3d/>
+    <dgm:txPr/>
+    <dgm:style>
+      <a:lnRef idx="0">
+        <a:scrgbClr r="0" g="0" b="0"/>
+      </a:lnRef>
+      <a:fillRef idx="1">
+        <a:scrgbClr r="0" g="0" b="0"/>
+      </a:fillRef>
+      <a:effectRef idx="0">
+        <a:scrgbClr r="0" g="0" b="0"/>
+      </a:effectRef>
+      <a:fontRef idx="minor"/>
+    </dgm:style>
+  </dgm:styleLbl>
+  <dgm:styleLbl name="fgShp">
+    <dgm:scene3d>
+      <a:camera prst="orthographicFront"/>
+      <a:lightRig rig="threePt" dir="t"/>
+    </dgm:scene3d>
+    <dgm:sp3d/>
+    <dgm:txPr/>
+    <dgm:style>
+      <a:lnRef idx="2">
+        <a:scrgbClr r="0" g="0" b="0"/>
+      </a:lnRef>
+      <a:fillRef idx="1">
+        <a:scrgbClr r="0" g="0" b="0"/>
+      </a:fillRef>
+      <a:effectRef idx="0">
+        <a:scrgbClr r="0" g="0" b="0"/>
+      </a:effectRef>
+      <a:fontRef idx="minor"/>
+    </dgm:style>
+  </dgm:styleLbl>
+  <dgm:styleLbl name="revTx">
+    <dgm:scene3d>
+      <a:camera prst="orthographicFront"/>
+      <a:lightRig rig="threePt" dir="t"/>
+    </dgm:scene3d>
+    <dgm:sp3d/>
+    <dgm:txPr/>
+    <dgm:style>
+      <a:lnRef idx="0">
+        <a:scrgbClr r="0" g="0" b="0"/>
+      </a:lnRef>
+      <a:fillRef idx="0">
+        <a:scrgbClr r="0" g="0" b="0"/>
+      </a:fillRef>
+      <a:effectRef idx="0">
+        <a:scrgbClr r="0" g="0" b="0"/>
+      </a:effectRef>
+      <a:fontRef idx="minor"/>
+    </dgm:style>
+  </dgm:styleLbl>
+</dgm:styleDef>
 </file>
 
 <file path=ppt/slideLayouts/slideLayout1.xml><?xml version="1.0" encoding="utf-8"?>
@@ -310,7 +5837,7 @@
           <a:p>
             <a:fld id="{990D8905-EC0B-41E3-AC8C-C6823787CC1C}" type="datetimeFigureOut">
               <a:rPr lang="en-CA" smtClean="0"/>
-              <a:t>2021-11-22</a:t>
+              <a:t>2021-12-01</a:t>
             </a:fld>
             <a:endParaRPr lang="en-CA"/>
           </a:p>
@@ -608,7 +6135,7 @@
           <a:p>
             <a:fld id="{990D8905-EC0B-41E3-AC8C-C6823787CC1C}" type="datetimeFigureOut">
               <a:rPr lang="en-CA" smtClean="0"/>
-              <a:t>2021-11-22</a:t>
+              <a:t>2021-12-01</a:t>
             </a:fld>
             <a:endParaRPr lang="en-CA"/>
           </a:p>
@@ -800,7 +6327,7 @@
           <a:p>
             <a:fld id="{990D8905-EC0B-41E3-AC8C-C6823787CC1C}" type="datetimeFigureOut">
               <a:rPr lang="en-CA" smtClean="0"/>
-              <a:t>2021-11-22</a:t>
+              <a:t>2021-12-01</a:t>
             </a:fld>
             <a:endParaRPr lang="en-CA"/>
           </a:p>
@@ -1061,7 +6588,7 @@
           <a:p>
             <a:fld id="{990D8905-EC0B-41E3-AC8C-C6823787CC1C}" type="datetimeFigureOut">
               <a:rPr lang="en-CA" smtClean="0"/>
-              <a:t>2021-11-22</a:t>
+              <a:t>2021-12-01</a:t>
             </a:fld>
             <a:endParaRPr lang="en-CA"/>
           </a:p>
@@ -1485,7 +7012,7 @@
           <a:p>
             <a:fld id="{990D8905-EC0B-41E3-AC8C-C6823787CC1C}" type="datetimeFigureOut">
               <a:rPr lang="en-CA" smtClean="0"/>
-              <a:t>2021-11-22</a:t>
+              <a:t>2021-12-01</a:t>
             </a:fld>
             <a:endParaRPr lang="en-CA"/>
           </a:p>
@@ -2022,7 +7549,7 @@
           <a:p>
             <a:fld id="{990D8905-EC0B-41E3-AC8C-C6823787CC1C}" type="datetimeFigureOut">
               <a:rPr lang="en-CA" smtClean="0"/>
-              <a:t>2021-11-22</a:t>
+              <a:t>2021-12-01</a:t>
             </a:fld>
             <a:endParaRPr lang="en-CA"/>
           </a:p>
@@ -2886,7 +8413,7 @@
           <a:p>
             <a:fld id="{990D8905-EC0B-41E3-AC8C-C6823787CC1C}" type="datetimeFigureOut">
               <a:rPr lang="en-CA" smtClean="0"/>
-              <a:t>2021-11-22</a:t>
+              <a:t>2021-12-01</a:t>
             </a:fld>
             <a:endParaRPr lang="en-CA"/>
           </a:p>
@@ -3056,7 +8583,7 @@
           <a:p>
             <a:fld id="{990D8905-EC0B-41E3-AC8C-C6823787CC1C}" type="datetimeFigureOut">
               <a:rPr lang="en-CA" smtClean="0"/>
-              <a:t>2021-11-22</a:t>
+              <a:t>2021-12-01</a:t>
             </a:fld>
             <a:endParaRPr lang="en-CA"/>
           </a:p>
@@ -3240,7 +8767,7 @@
           <a:p>
             <a:fld id="{990D8905-EC0B-41E3-AC8C-C6823787CC1C}" type="datetimeFigureOut">
               <a:rPr lang="en-CA" smtClean="0"/>
-              <a:t>2021-11-22</a:t>
+              <a:t>2021-12-01</a:t>
             </a:fld>
             <a:endParaRPr lang="en-CA"/>
           </a:p>
@@ -3410,7 +8937,7 @@
           <a:p>
             <a:fld id="{990D8905-EC0B-41E3-AC8C-C6823787CC1C}" type="datetimeFigureOut">
               <a:rPr lang="en-CA" smtClean="0"/>
-              <a:t>2021-11-22</a:t>
+              <a:t>2021-12-01</a:t>
             </a:fld>
             <a:endParaRPr lang="en-CA"/>
           </a:p>
@@ -3654,7 +9181,7 @@
           <a:p>
             <a:fld id="{990D8905-EC0B-41E3-AC8C-C6823787CC1C}" type="datetimeFigureOut">
               <a:rPr lang="en-CA" smtClean="0"/>
-              <a:t>2021-11-22</a:t>
+              <a:t>2021-12-01</a:t>
             </a:fld>
             <a:endParaRPr lang="en-CA"/>
           </a:p>
@@ -3890,7 +9417,7 @@
           <a:p>
             <a:fld id="{990D8905-EC0B-41E3-AC8C-C6823787CC1C}" type="datetimeFigureOut">
               <a:rPr lang="en-CA" smtClean="0"/>
-              <a:t>2021-11-22</a:t>
+              <a:t>2021-12-01</a:t>
             </a:fld>
             <a:endParaRPr lang="en-CA"/>
           </a:p>
@@ -4356,7 +9883,7 @@
           <a:p>
             <a:fld id="{990D8905-EC0B-41E3-AC8C-C6823787CC1C}" type="datetimeFigureOut">
               <a:rPr lang="en-CA" smtClean="0"/>
-              <a:t>2021-11-22</a:t>
+              <a:t>2021-12-01</a:t>
             </a:fld>
             <a:endParaRPr lang="en-CA"/>
           </a:p>
@@ -4474,7 +10001,7 @@
           <a:p>
             <a:fld id="{990D8905-EC0B-41E3-AC8C-C6823787CC1C}" type="datetimeFigureOut">
               <a:rPr lang="en-CA" smtClean="0"/>
-              <a:t>2021-11-22</a:t>
+              <a:t>2021-12-01</a:t>
             </a:fld>
             <a:endParaRPr lang="en-CA"/>
           </a:p>
@@ -4569,7 +10096,7 @@
           <a:p>
             <a:fld id="{990D8905-EC0B-41E3-AC8C-C6823787CC1C}" type="datetimeFigureOut">
               <a:rPr lang="en-CA" smtClean="0"/>
-              <a:t>2021-11-22</a:t>
+              <a:t>2021-12-01</a:t>
             </a:fld>
             <a:endParaRPr lang="en-CA"/>
           </a:p>
@@ -4824,7 +10351,7 @@
           <a:p>
             <a:fld id="{990D8905-EC0B-41E3-AC8C-C6823787CC1C}" type="datetimeFigureOut">
               <a:rPr lang="en-CA" smtClean="0"/>
-              <a:t>2021-11-22</a:t>
+              <a:t>2021-12-01</a:t>
             </a:fld>
             <a:endParaRPr lang="en-CA"/>
           </a:p>
@@ -5124,7 +10651,7 @@
           <a:p>
             <a:fld id="{990D8905-EC0B-41E3-AC8C-C6823787CC1C}" type="datetimeFigureOut">
               <a:rPr lang="en-CA" smtClean="0"/>
-              <a:t>2021-11-22</a:t>
+              <a:t>2021-12-01</a:t>
             </a:fld>
             <a:endParaRPr lang="en-CA"/>
           </a:p>
@@ -5358,7 +10885,7 @@
           <a:p>
             <a:fld id="{990D8905-EC0B-41E3-AC8C-C6823787CC1C}" type="datetimeFigureOut">
               <a:rPr lang="en-CA" smtClean="0"/>
-              <a:t>2021-11-22</a:t>
+              <a:t>2021-12-01</a:t>
             </a:fld>
             <a:endParaRPr lang="en-CA"/>
           </a:p>
@@ -6110,6 +11637,289 @@
 </p:sld>
 </file>
 
+<file path=ppt/slides/slide10.xml><?xml version="1.0" encoding="utf-8"?>
+<p:sld xmlns:a="http://schemas.openxmlformats.org/drawingml/2006/main" xmlns:r="http://schemas.openxmlformats.org/officeDocument/2006/relationships" xmlns:p="http://schemas.openxmlformats.org/presentationml/2006/main">
+  <p:cSld>
+    <p:spTree>
+      <p:nvGrpSpPr>
+        <p:cNvPr id="1" name=""/>
+        <p:cNvGrpSpPr/>
+        <p:nvPr/>
+      </p:nvGrpSpPr>
+      <p:grpSpPr>
+        <a:xfrm>
+          <a:off x="0" y="0"/>
+          <a:ext cx="0" cy="0"/>
+          <a:chOff x="0" y="0"/>
+          <a:chExt cx="0" cy="0"/>
+        </a:xfrm>
+      </p:grpSpPr>
+      <p:sp>
+        <p:nvSpPr>
+          <p:cNvPr id="2" name="Title 1">
+            <a:extLst>
+              <a:ext uri="{FF2B5EF4-FFF2-40B4-BE49-F238E27FC236}">
+                <a16:creationId xmlns:a16="http://schemas.microsoft.com/office/drawing/2014/main" id="{E1D29AE4-537E-437E-A217-E7E595D68A43}"/>
+              </a:ext>
+            </a:extLst>
+          </p:cNvPr>
+          <p:cNvSpPr>
+            <a:spLocks noGrp="1"/>
+          </p:cNvSpPr>
+          <p:nvPr>
+            <p:ph type="title"/>
+          </p:nvPr>
+        </p:nvSpPr>
+        <p:spPr/>
+        <p:txBody>
+          <a:bodyPr/>
+          <a:lstStyle/>
+          <a:p>
+            <a:r>
+              <a:rPr lang="en-US" dirty="0"/>
+              <a:t>Sample Output 5</a:t>
+            </a:r>
+            <a:endParaRPr lang="en-CA" dirty="0"/>
+          </a:p>
+        </p:txBody>
+      </p:sp>
+      <p:sp>
+        <p:nvSpPr>
+          <p:cNvPr id="3" name="Content Placeholder 2">
+            <a:extLst>
+              <a:ext uri="{FF2B5EF4-FFF2-40B4-BE49-F238E27FC236}">
+                <a16:creationId xmlns:a16="http://schemas.microsoft.com/office/drawing/2014/main" id="{A481C032-31BB-438D-A329-B2F683E4CE89}"/>
+              </a:ext>
+            </a:extLst>
+          </p:cNvPr>
+          <p:cNvSpPr>
+            <a:spLocks noGrp="1"/>
+          </p:cNvSpPr>
+          <p:nvPr>
+            <p:ph idx="1"/>
+          </p:nvPr>
+        </p:nvSpPr>
+        <p:spPr/>
+        <p:txBody>
+          <a:bodyPr>
+            <a:normAutofit/>
+          </a:bodyPr>
+          <a:lstStyle/>
+          <a:p>
+            <a:pPr marL="36900" indent="0">
+              <a:buNone/>
+            </a:pPr>
+            <a:r>
+              <a:rPr lang="en-US" dirty="0"/>
+              <a:t>========== Prediction for Activity 1 ==========</a:t>
+            </a:r>
+          </a:p>
+          <a:p>
+            <a:pPr marL="36900" indent="0">
+              <a:buNone/>
+            </a:pPr>
+            <a:r>
+              <a:rPr lang="en-US" dirty="0"/>
+              <a:t>Completion Rate, Days per Unit: ??? (min: ???, max: ???)</a:t>
+            </a:r>
+          </a:p>
+          <a:p>
+            <a:pPr marL="36900" indent="0">
+              <a:buNone/>
+            </a:pPr>
+            <a:r>
+              <a:rPr lang="en-US" dirty="0"/>
+              <a:t>Completion Rate, Units per Day: ??? (min: ???, max: ???)</a:t>
+            </a:r>
+          </a:p>
+          <a:p>
+            <a:pPr marL="36900" indent="0">
+              <a:buNone/>
+            </a:pPr>
+            <a:r>
+              <a:rPr lang="en-US" dirty="0"/>
+              <a:t>Units: ???</a:t>
+            </a:r>
+          </a:p>
+          <a:p>
+            <a:pPr marL="36900" indent="0">
+              <a:buNone/>
+            </a:pPr>
+            <a:r>
+              <a:rPr lang="en-US" dirty="0"/>
+              <a:t>Start Date: ????-??-??</a:t>
+            </a:r>
+          </a:p>
+          <a:p>
+            <a:pPr marL="36900" indent="0">
+              <a:buNone/>
+            </a:pPr>
+            <a:r>
+              <a:rPr lang="en-US" dirty="0"/>
+              <a:t>End Date: ????-??-??</a:t>
+            </a:r>
+          </a:p>
+          <a:p>
+            <a:pPr marL="36900" indent="0">
+              <a:buNone/>
+            </a:pPr>
+            <a:r>
+              <a:rPr lang="en-US" dirty="0">
+                <a:sym typeface="Wingdings" panose="05000000000000000000" pitchFamily="2" charset="2"/>
+              </a:rPr>
+              <a:t> </a:t>
+            </a:r>
+            <a:r>
+              <a:rPr lang="en-US" dirty="0"/>
+              <a:t>Number of Units completed in timeframe: ???</a:t>
+            </a:r>
+          </a:p>
+          <a:p>
+            <a:pPr marL="36900" indent="0">
+              <a:buNone/>
+            </a:pPr>
+            <a:endParaRPr lang="en-US" dirty="0"/>
+          </a:p>
+        </p:txBody>
+      </p:sp>
+    </p:spTree>
+    <p:extLst>
+      <p:ext uri="{BB962C8B-B14F-4D97-AF65-F5344CB8AC3E}">
+        <p14:creationId xmlns:p14="http://schemas.microsoft.com/office/powerpoint/2010/main" val="960061495"/>
+      </p:ext>
+    </p:extLst>
+  </p:cSld>
+  <p:clrMapOvr>
+    <a:masterClrMapping/>
+  </p:clrMapOvr>
+</p:sld>
+</file>
+
+<file path=ppt/slides/slide11.xml><?xml version="1.0" encoding="utf-8"?>
+<p:sld xmlns:a="http://schemas.openxmlformats.org/drawingml/2006/main" xmlns:r="http://schemas.openxmlformats.org/officeDocument/2006/relationships" xmlns:p="http://schemas.openxmlformats.org/presentationml/2006/main">
+  <p:cSld>
+    <p:spTree>
+      <p:nvGrpSpPr>
+        <p:cNvPr id="1" name=""/>
+        <p:cNvGrpSpPr/>
+        <p:nvPr/>
+      </p:nvGrpSpPr>
+      <p:grpSpPr>
+        <a:xfrm>
+          <a:off x="0" y="0"/>
+          <a:ext cx="0" cy="0"/>
+          <a:chOff x="0" y="0"/>
+          <a:chExt cx="0" cy="0"/>
+        </a:xfrm>
+      </p:grpSpPr>
+      <p:sp>
+        <p:nvSpPr>
+          <p:cNvPr id="2" name="Title 1">
+            <a:extLst>
+              <a:ext uri="{FF2B5EF4-FFF2-40B4-BE49-F238E27FC236}">
+                <a16:creationId xmlns:a16="http://schemas.microsoft.com/office/drawing/2014/main" id="{E1D29AE4-537E-437E-A217-E7E595D68A43}"/>
+              </a:ext>
+            </a:extLst>
+          </p:cNvPr>
+          <p:cNvSpPr>
+            <a:spLocks noGrp="1"/>
+          </p:cNvSpPr>
+          <p:nvPr>
+            <p:ph type="title"/>
+          </p:nvPr>
+        </p:nvSpPr>
+        <p:spPr/>
+        <p:txBody>
+          <a:bodyPr/>
+          <a:lstStyle/>
+          <a:p>
+            <a:r>
+              <a:rPr lang="en-US" dirty="0"/>
+              <a:t>Sample Output 6, 7 and 8</a:t>
+            </a:r>
+            <a:endParaRPr lang="en-CA" dirty="0"/>
+          </a:p>
+        </p:txBody>
+      </p:sp>
+      <p:sp>
+        <p:nvSpPr>
+          <p:cNvPr id="3" name="Content Placeholder 2">
+            <a:extLst>
+              <a:ext uri="{FF2B5EF4-FFF2-40B4-BE49-F238E27FC236}">
+                <a16:creationId xmlns:a16="http://schemas.microsoft.com/office/drawing/2014/main" id="{A481C032-31BB-438D-A329-B2F683E4CE89}"/>
+              </a:ext>
+            </a:extLst>
+          </p:cNvPr>
+          <p:cNvSpPr>
+            <a:spLocks noGrp="1"/>
+          </p:cNvSpPr>
+          <p:nvPr>
+            <p:ph idx="1"/>
+          </p:nvPr>
+        </p:nvSpPr>
+        <p:spPr/>
+        <p:txBody>
+          <a:bodyPr>
+            <a:normAutofit/>
+          </a:bodyPr>
+          <a:lstStyle/>
+          <a:p>
+            <a:pPr marL="36900" indent="0">
+              <a:buNone/>
+            </a:pPr>
+            <a:r>
+              <a:rPr lang="en-US" dirty="0"/>
+              <a:t>========== Prediction for Activity 1 ==========</a:t>
+            </a:r>
+          </a:p>
+          <a:p>
+            <a:pPr marL="36900" indent="0">
+              <a:buNone/>
+            </a:pPr>
+            <a:r>
+              <a:rPr lang="en-US" dirty="0"/>
+              <a:t>Completion Rate, Days per Unit: ??? (min: ???, max: ???)</a:t>
+            </a:r>
+          </a:p>
+          <a:p>
+            <a:pPr marL="36900" indent="0">
+              <a:buNone/>
+            </a:pPr>
+            <a:r>
+              <a:rPr lang="en-US" dirty="0"/>
+              <a:t>Completion Rate, Units per Day: ??? (min: ???, max: ???)</a:t>
+            </a:r>
+          </a:p>
+          <a:p>
+            <a:pPr marL="36900" indent="0">
+              <a:buNone/>
+            </a:pPr>
+            <a:r>
+              <a:rPr lang="en-US" dirty="0"/>
+              <a:t>Units: ???</a:t>
+            </a:r>
+          </a:p>
+          <a:p>
+            <a:pPr marL="36900" indent="0">
+              <a:buNone/>
+            </a:pPr>
+            <a:endParaRPr lang="en-US" dirty="0"/>
+          </a:p>
+        </p:txBody>
+      </p:sp>
+    </p:spTree>
+    <p:extLst>
+      <p:ext uri="{BB962C8B-B14F-4D97-AF65-F5344CB8AC3E}">
+        <p14:creationId xmlns:p14="http://schemas.microsoft.com/office/powerpoint/2010/main" val="2272108907"/>
+      </p:ext>
+    </p:extLst>
+  </p:cSld>
+  <p:clrMapOvr>
+    <a:masterClrMapping/>
+  </p:clrMapOvr>
+</p:sld>
+</file>
+
 <file path=ppt/slides/slide2.xml><?xml version="1.0" encoding="utf-8"?>
 <p:sld xmlns:a="http://schemas.openxmlformats.org/drawingml/2006/main" xmlns:r="http://schemas.openxmlformats.org/officeDocument/2006/relationships" xmlns:p="http://schemas.openxmlformats.org/presentationml/2006/main">
   <p:cSld>
@@ -6506,6 +12316,1335 @@
     <p:extLst>
       <p:ext uri="{BB962C8B-B14F-4D97-AF65-F5344CB8AC3E}">
         <p14:creationId xmlns:p14="http://schemas.microsoft.com/office/powerpoint/2010/main" val="783096495"/>
+      </p:ext>
+    </p:extLst>
+  </p:cSld>
+  <p:clrMapOvr>
+    <a:masterClrMapping/>
+  </p:clrMapOvr>
+</p:sld>
+</file>
+
+<file path=ppt/slides/slide4.xml><?xml version="1.0" encoding="utf-8"?>
+<p:sld xmlns:a="http://schemas.openxmlformats.org/drawingml/2006/main" xmlns:r="http://schemas.openxmlformats.org/officeDocument/2006/relationships" xmlns:p="http://schemas.openxmlformats.org/presentationml/2006/main">
+  <p:cSld>
+    <p:spTree>
+      <p:nvGrpSpPr>
+        <p:cNvPr id="1" name=""/>
+        <p:cNvGrpSpPr/>
+        <p:nvPr/>
+      </p:nvGrpSpPr>
+      <p:grpSpPr>
+        <a:xfrm>
+          <a:off x="0" y="0"/>
+          <a:ext cx="0" cy="0"/>
+          <a:chOff x="0" y="0"/>
+          <a:chExt cx="0" cy="0"/>
+        </a:xfrm>
+      </p:grpSpPr>
+      <p:sp>
+        <p:nvSpPr>
+          <p:cNvPr id="7" name="Title 6">
+            <a:extLst>
+              <a:ext uri="{FF2B5EF4-FFF2-40B4-BE49-F238E27FC236}">
+                <a16:creationId xmlns:a16="http://schemas.microsoft.com/office/drawing/2014/main" id="{02414907-3B3B-4926-A8A2-0B83ECF3AD74}"/>
+              </a:ext>
+            </a:extLst>
+          </p:cNvPr>
+          <p:cNvSpPr>
+            <a:spLocks noGrp="1"/>
+          </p:cNvSpPr>
+          <p:nvPr>
+            <p:ph type="title"/>
+          </p:nvPr>
+        </p:nvSpPr>
+        <p:spPr/>
+        <p:txBody>
+          <a:bodyPr/>
+          <a:lstStyle/>
+          <a:p>
+            <a:r>
+              <a:rPr lang="en-US" dirty="0"/>
+              <a:t>Types of Output</a:t>
+            </a:r>
+            <a:endParaRPr lang="en-CA" dirty="0"/>
+          </a:p>
+        </p:txBody>
+      </p:sp>
+      <p:sp>
+        <p:nvSpPr>
+          <p:cNvPr id="8" name="Content Placeholder 7">
+            <a:extLst>
+              <a:ext uri="{FF2B5EF4-FFF2-40B4-BE49-F238E27FC236}">
+                <a16:creationId xmlns:a16="http://schemas.microsoft.com/office/drawing/2014/main" id="{FDEB6C2C-FD2D-4775-A785-523294AEC68F}"/>
+              </a:ext>
+            </a:extLst>
+          </p:cNvPr>
+          <p:cNvSpPr>
+            <a:spLocks noGrp="1"/>
+          </p:cNvSpPr>
+          <p:nvPr>
+            <p:ph idx="1"/>
+          </p:nvPr>
+        </p:nvSpPr>
+        <p:spPr/>
+        <p:txBody>
+          <a:bodyPr/>
+          <a:lstStyle/>
+          <a:p>
+            <a:r>
+              <a:rPr lang="en-US" dirty="0"/>
+              <a:t>Quantity – yes or no</a:t>
+            </a:r>
+          </a:p>
+          <a:p>
+            <a:r>
+              <a:rPr lang="en-US" dirty="0"/>
+              <a:t>Time start – yes or no</a:t>
+            </a:r>
+          </a:p>
+          <a:p>
+            <a:r>
+              <a:rPr lang="en-US" dirty="0"/>
+              <a:t>Time end – yes  or no</a:t>
+            </a:r>
+          </a:p>
+          <a:p>
+            <a:pPr marL="36900" indent="0">
+              <a:buNone/>
+            </a:pPr>
+            <a:endParaRPr lang="en-US" dirty="0"/>
+          </a:p>
+          <a:p>
+            <a:pPr marL="36900" indent="0">
+              <a:buNone/>
+            </a:pPr>
+            <a:r>
+              <a:rPr lang="en-US" dirty="0"/>
+              <a:t>1. Prediction</a:t>
+            </a:r>
+          </a:p>
+          <a:p>
+            <a:pPr marL="36900" indent="0">
+              <a:buNone/>
+            </a:pPr>
+            <a:r>
+              <a:rPr lang="en-US" dirty="0"/>
+              <a:t>2. Error, minimum search</a:t>
+            </a:r>
+          </a:p>
+          <a:p>
+            <a:pPr marL="36900" indent="0">
+              <a:buNone/>
+            </a:pPr>
+            <a:r>
+              <a:rPr lang="en-US" dirty="0"/>
+              <a:t>3. Error, maximum search</a:t>
+            </a:r>
+          </a:p>
+        </p:txBody>
+      </p:sp>
+    </p:spTree>
+    <p:extLst>
+      <p:ext uri="{BB962C8B-B14F-4D97-AF65-F5344CB8AC3E}">
+        <p14:creationId xmlns:p14="http://schemas.microsoft.com/office/powerpoint/2010/main" val="38305290"/>
+      </p:ext>
+    </p:extLst>
+  </p:cSld>
+  <p:clrMapOvr>
+    <a:masterClrMapping/>
+  </p:clrMapOvr>
+</p:sld>
+</file>
+
+<file path=ppt/slides/slide5.xml><?xml version="1.0" encoding="utf-8"?>
+<p:sld xmlns:a="http://schemas.openxmlformats.org/drawingml/2006/main" xmlns:r="http://schemas.openxmlformats.org/officeDocument/2006/relationships" xmlns:p="http://schemas.openxmlformats.org/presentationml/2006/main">
+  <p:cSld>
+    <p:spTree>
+      <p:nvGrpSpPr>
+        <p:cNvPr id="1" name=""/>
+        <p:cNvGrpSpPr/>
+        <p:nvPr/>
+      </p:nvGrpSpPr>
+      <p:grpSpPr>
+        <a:xfrm>
+          <a:off x="0" y="0"/>
+          <a:ext cx="0" cy="0"/>
+          <a:chOff x="0" y="0"/>
+          <a:chExt cx="0" cy="0"/>
+        </a:xfrm>
+      </p:grpSpPr>
+      <p:graphicFrame>
+        <p:nvGraphicFramePr>
+          <p:cNvPr id="4" name="Diagram 3">
+            <a:extLst>
+              <a:ext uri="{FF2B5EF4-FFF2-40B4-BE49-F238E27FC236}">
+                <a16:creationId xmlns:a16="http://schemas.microsoft.com/office/drawing/2014/main" id="{CBA507C7-8F98-4AE8-9C10-1ADA3D41C5BF}"/>
+              </a:ext>
+            </a:extLst>
+          </p:cNvPr>
+          <p:cNvGraphicFramePr/>
+          <p:nvPr>
+            <p:extLst>
+              <p:ext uri="{D42A27DB-BD31-4B8C-83A1-F6EECF244321}">
+                <p14:modId xmlns:p14="http://schemas.microsoft.com/office/powerpoint/2010/main" val="2279479903"/>
+              </p:ext>
+            </p:extLst>
+          </p:nvPr>
+        </p:nvGraphicFramePr>
+        <p:xfrm>
+          <a:off x="2032000" y="719666"/>
+          <a:ext cx="8128000" cy="5418667"/>
+        </p:xfrm>
+        <a:graphic>
+          <a:graphicData uri="http://schemas.openxmlformats.org/drawingml/2006/diagram">
+            <dgm:relIds xmlns:dgm="http://schemas.openxmlformats.org/drawingml/2006/diagram" xmlns:r="http://schemas.openxmlformats.org/officeDocument/2006/relationships" r:dm="rId2" r:lo="rId3" r:qs="rId4" r:cs="rId5"/>
+          </a:graphicData>
+        </a:graphic>
+      </p:graphicFrame>
+      <p:sp>
+        <p:nvSpPr>
+          <p:cNvPr id="5" name="TextBox 4">
+            <a:extLst>
+              <a:ext uri="{FF2B5EF4-FFF2-40B4-BE49-F238E27FC236}">
+                <a16:creationId xmlns:a16="http://schemas.microsoft.com/office/drawing/2014/main" id="{B88BFC13-7742-4B65-B477-B87567887938}"/>
+              </a:ext>
+            </a:extLst>
+          </p:cNvPr>
+          <p:cNvSpPr txBox="1"/>
+          <p:nvPr/>
+        </p:nvSpPr>
+        <p:spPr>
+          <a:xfrm>
+            <a:off x="3955312" y="2474406"/>
+            <a:ext cx="1063255" cy="369332"/>
+          </a:xfrm>
+          <a:prstGeom prst="rect">
+            <a:avLst/>
+          </a:prstGeom>
+          <a:noFill/>
+        </p:spPr>
+        <p:txBody>
+          <a:bodyPr wrap="square" rtlCol="0">
+            <a:spAutoFit/>
+          </a:bodyPr>
+          <a:lstStyle/>
+          <a:p>
+            <a:r>
+              <a:rPr lang="en-US" dirty="0"/>
+              <a:t>Yes</a:t>
+            </a:r>
+            <a:endParaRPr lang="en-CA" dirty="0"/>
+          </a:p>
+        </p:txBody>
+      </p:sp>
+      <p:sp>
+        <p:nvSpPr>
+          <p:cNvPr id="6" name="TextBox 5">
+            <a:extLst>
+              <a:ext uri="{FF2B5EF4-FFF2-40B4-BE49-F238E27FC236}">
+                <a16:creationId xmlns:a16="http://schemas.microsoft.com/office/drawing/2014/main" id="{15F8C443-954F-4C10-A5D3-502C02F3253C}"/>
+              </a:ext>
+            </a:extLst>
+          </p:cNvPr>
+          <p:cNvSpPr txBox="1"/>
+          <p:nvPr/>
+        </p:nvSpPr>
+        <p:spPr>
+          <a:xfrm>
+            <a:off x="3955312" y="4014263"/>
+            <a:ext cx="1063255" cy="369332"/>
+          </a:xfrm>
+          <a:prstGeom prst="rect">
+            <a:avLst/>
+          </a:prstGeom>
+          <a:noFill/>
+        </p:spPr>
+        <p:txBody>
+          <a:bodyPr wrap="square" rtlCol="0">
+            <a:spAutoFit/>
+          </a:bodyPr>
+          <a:lstStyle/>
+          <a:p>
+            <a:r>
+              <a:rPr lang="en-US" dirty="0"/>
+              <a:t>No</a:t>
+            </a:r>
+            <a:endParaRPr lang="en-CA" dirty="0"/>
+          </a:p>
+        </p:txBody>
+      </p:sp>
+      <p:sp>
+        <p:nvSpPr>
+          <p:cNvPr id="7" name="TextBox 6">
+            <a:extLst>
+              <a:ext uri="{FF2B5EF4-FFF2-40B4-BE49-F238E27FC236}">
+                <a16:creationId xmlns:a16="http://schemas.microsoft.com/office/drawing/2014/main" id="{6BCF4E77-D1E3-4AFA-9F2F-1A34A31C0B54}"/>
+              </a:ext>
+            </a:extLst>
+          </p:cNvPr>
+          <p:cNvSpPr txBox="1"/>
+          <p:nvPr/>
+        </p:nvSpPr>
+        <p:spPr>
+          <a:xfrm>
+            <a:off x="5878624" y="1510755"/>
+            <a:ext cx="1063255" cy="369332"/>
+          </a:xfrm>
+          <a:prstGeom prst="rect">
+            <a:avLst/>
+          </a:prstGeom>
+          <a:noFill/>
+        </p:spPr>
+        <p:txBody>
+          <a:bodyPr wrap="square" rtlCol="0">
+            <a:spAutoFit/>
+          </a:bodyPr>
+          <a:lstStyle/>
+          <a:p>
+            <a:r>
+              <a:rPr lang="en-US" dirty="0"/>
+              <a:t>Yes</a:t>
+            </a:r>
+            <a:endParaRPr lang="en-CA" dirty="0"/>
+          </a:p>
+        </p:txBody>
+      </p:sp>
+      <p:sp>
+        <p:nvSpPr>
+          <p:cNvPr id="8" name="TextBox 7">
+            <a:extLst>
+              <a:ext uri="{FF2B5EF4-FFF2-40B4-BE49-F238E27FC236}">
+                <a16:creationId xmlns:a16="http://schemas.microsoft.com/office/drawing/2014/main" id="{BD5EB1C0-FAB6-41E7-A8C4-99EAE56EDD86}"/>
+              </a:ext>
+            </a:extLst>
+          </p:cNvPr>
+          <p:cNvSpPr txBox="1"/>
+          <p:nvPr/>
+        </p:nvSpPr>
+        <p:spPr>
+          <a:xfrm>
+            <a:off x="5878623" y="2188351"/>
+            <a:ext cx="1063255" cy="369332"/>
+          </a:xfrm>
+          <a:prstGeom prst="rect">
+            <a:avLst/>
+          </a:prstGeom>
+          <a:noFill/>
+        </p:spPr>
+        <p:txBody>
+          <a:bodyPr wrap="square" rtlCol="0">
+            <a:spAutoFit/>
+          </a:bodyPr>
+          <a:lstStyle/>
+          <a:p>
+            <a:r>
+              <a:rPr lang="en-US" dirty="0"/>
+              <a:t>No</a:t>
+            </a:r>
+            <a:endParaRPr lang="en-CA" dirty="0"/>
+          </a:p>
+        </p:txBody>
+      </p:sp>
+      <p:sp>
+        <p:nvSpPr>
+          <p:cNvPr id="9" name="TextBox 8">
+            <a:extLst>
+              <a:ext uri="{FF2B5EF4-FFF2-40B4-BE49-F238E27FC236}">
+                <a16:creationId xmlns:a16="http://schemas.microsoft.com/office/drawing/2014/main" id="{850EFEB6-60AA-4615-B4CD-061845DBBFC9}"/>
+              </a:ext>
+            </a:extLst>
+          </p:cNvPr>
+          <p:cNvSpPr txBox="1"/>
+          <p:nvPr/>
+        </p:nvSpPr>
+        <p:spPr>
+          <a:xfrm>
+            <a:off x="5878624" y="4300317"/>
+            <a:ext cx="1063255" cy="369332"/>
+          </a:xfrm>
+          <a:prstGeom prst="rect">
+            <a:avLst/>
+          </a:prstGeom>
+          <a:noFill/>
+        </p:spPr>
+        <p:txBody>
+          <a:bodyPr wrap="square" rtlCol="0">
+            <a:spAutoFit/>
+          </a:bodyPr>
+          <a:lstStyle/>
+          <a:p>
+            <a:r>
+              <a:rPr lang="en-US" dirty="0"/>
+              <a:t>Yes</a:t>
+            </a:r>
+            <a:endParaRPr lang="en-CA" dirty="0"/>
+          </a:p>
+        </p:txBody>
+      </p:sp>
+      <p:sp>
+        <p:nvSpPr>
+          <p:cNvPr id="10" name="TextBox 9">
+            <a:extLst>
+              <a:ext uri="{FF2B5EF4-FFF2-40B4-BE49-F238E27FC236}">
+                <a16:creationId xmlns:a16="http://schemas.microsoft.com/office/drawing/2014/main" id="{76F1CA39-A01F-48B1-BDFC-B09E404B9A2C}"/>
+              </a:ext>
+            </a:extLst>
+          </p:cNvPr>
+          <p:cNvSpPr txBox="1"/>
+          <p:nvPr/>
+        </p:nvSpPr>
+        <p:spPr>
+          <a:xfrm>
+            <a:off x="5878623" y="4977913"/>
+            <a:ext cx="1063255" cy="369332"/>
+          </a:xfrm>
+          <a:prstGeom prst="rect">
+            <a:avLst/>
+          </a:prstGeom>
+          <a:noFill/>
+        </p:spPr>
+        <p:txBody>
+          <a:bodyPr wrap="square" rtlCol="0">
+            <a:spAutoFit/>
+          </a:bodyPr>
+          <a:lstStyle/>
+          <a:p>
+            <a:r>
+              <a:rPr lang="en-US" dirty="0"/>
+              <a:t>No</a:t>
+            </a:r>
+            <a:endParaRPr lang="en-CA" dirty="0"/>
+          </a:p>
+        </p:txBody>
+      </p:sp>
+      <p:sp>
+        <p:nvSpPr>
+          <p:cNvPr id="11" name="TextBox 10">
+            <a:extLst>
+              <a:ext uri="{FF2B5EF4-FFF2-40B4-BE49-F238E27FC236}">
+                <a16:creationId xmlns:a16="http://schemas.microsoft.com/office/drawing/2014/main" id="{8EC6FE9C-F7CC-4FAC-91C6-0CB5C9E4751B}"/>
+              </a:ext>
+            </a:extLst>
+          </p:cNvPr>
+          <p:cNvSpPr txBox="1"/>
+          <p:nvPr/>
+        </p:nvSpPr>
+        <p:spPr>
+          <a:xfrm>
+            <a:off x="7487684" y="5162579"/>
+            <a:ext cx="1063255" cy="369332"/>
+          </a:xfrm>
+          <a:prstGeom prst="rect">
+            <a:avLst/>
+          </a:prstGeom>
+          <a:noFill/>
+        </p:spPr>
+        <p:txBody>
+          <a:bodyPr wrap="square" rtlCol="0">
+            <a:spAutoFit/>
+          </a:bodyPr>
+          <a:lstStyle/>
+          <a:p>
+            <a:r>
+              <a:rPr lang="en-US" dirty="0"/>
+              <a:t>Yes</a:t>
+            </a:r>
+            <a:endParaRPr lang="en-CA" dirty="0"/>
+          </a:p>
+        </p:txBody>
+      </p:sp>
+      <p:sp>
+        <p:nvSpPr>
+          <p:cNvPr id="12" name="TextBox 11">
+            <a:extLst>
+              <a:ext uri="{FF2B5EF4-FFF2-40B4-BE49-F238E27FC236}">
+                <a16:creationId xmlns:a16="http://schemas.microsoft.com/office/drawing/2014/main" id="{4512FF24-47DA-4C0C-BF51-42FCC3A6FA94}"/>
+              </a:ext>
+            </a:extLst>
+          </p:cNvPr>
+          <p:cNvSpPr txBox="1"/>
+          <p:nvPr/>
+        </p:nvSpPr>
+        <p:spPr>
+          <a:xfrm>
+            <a:off x="7487683" y="5501377"/>
+            <a:ext cx="1063255" cy="369332"/>
+          </a:xfrm>
+          <a:prstGeom prst="rect">
+            <a:avLst/>
+          </a:prstGeom>
+          <a:noFill/>
+        </p:spPr>
+        <p:txBody>
+          <a:bodyPr wrap="square" rtlCol="0">
+            <a:spAutoFit/>
+          </a:bodyPr>
+          <a:lstStyle/>
+          <a:p>
+            <a:r>
+              <a:rPr lang="en-US" dirty="0"/>
+              <a:t>No</a:t>
+            </a:r>
+            <a:endParaRPr lang="en-CA" dirty="0"/>
+          </a:p>
+        </p:txBody>
+      </p:sp>
+      <p:sp>
+        <p:nvSpPr>
+          <p:cNvPr id="13" name="TextBox 12">
+            <a:extLst>
+              <a:ext uri="{FF2B5EF4-FFF2-40B4-BE49-F238E27FC236}">
+                <a16:creationId xmlns:a16="http://schemas.microsoft.com/office/drawing/2014/main" id="{4D315B6E-D167-45C4-884B-F39A4417F211}"/>
+              </a:ext>
+            </a:extLst>
+          </p:cNvPr>
+          <p:cNvSpPr txBox="1"/>
+          <p:nvPr/>
+        </p:nvSpPr>
+        <p:spPr>
+          <a:xfrm>
+            <a:off x="7487684" y="3776853"/>
+            <a:ext cx="1063255" cy="369332"/>
+          </a:xfrm>
+          <a:prstGeom prst="rect">
+            <a:avLst/>
+          </a:prstGeom>
+          <a:noFill/>
+        </p:spPr>
+        <p:txBody>
+          <a:bodyPr wrap="square" rtlCol="0">
+            <a:spAutoFit/>
+          </a:bodyPr>
+          <a:lstStyle/>
+          <a:p>
+            <a:r>
+              <a:rPr lang="en-US" dirty="0"/>
+              <a:t>Yes</a:t>
+            </a:r>
+            <a:endParaRPr lang="en-CA" dirty="0"/>
+          </a:p>
+        </p:txBody>
+      </p:sp>
+      <p:sp>
+        <p:nvSpPr>
+          <p:cNvPr id="14" name="TextBox 13">
+            <a:extLst>
+              <a:ext uri="{FF2B5EF4-FFF2-40B4-BE49-F238E27FC236}">
+                <a16:creationId xmlns:a16="http://schemas.microsoft.com/office/drawing/2014/main" id="{AE3A5AA4-E3B1-42AE-B1C9-5393A9372ABB}"/>
+              </a:ext>
+            </a:extLst>
+          </p:cNvPr>
+          <p:cNvSpPr txBox="1"/>
+          <p:nvPr/>
+        </p:nvSpPr>
+        <p:spPr>
+          <a:xfrm>
+            <a:off x="7487683" y="4115651"/>
+            <a:ext cx="1063255" cy="369332"/>
+          </a:xfrm>
+          <a:prstGeom prst="rect">
+            <a:avLst/>
+          </a:prstGeom>
+          <a:noFill/>
+        </p:spPr>
+        <p:txBody>
+          <a:bodyPr wrap="square" rtlCol="0">
+            <a:spAutoFit/>
+          </a:bodyPr>
+          <a:lstStyle/>
+          <a:p>
+            <a:r>
+              <a:rPr lang="en-US" dirty="0"/>
+              <a:t>No</a:t>
+            </a:r>
+            <a:endParaRPr lang="en-CA" dirty="0"/>
+          </a:p>
+        </p:txBody>
+      </p:sp>
+      <p:sp>
+        <p:nvSpPr>
+          <p:cNvPr id="15" name="TextBox 14">
+            <a:extLst>
+              <a:ext uri="{FF2B5EF4-FFF2-40B4-BE49-F238E27FC236}">
+                <a16:creationId xmlns:a16="http://schemas.microsoft.com/office/drawing/2014/main" id="{62A1E535-4345-4CEB-BC7B-C7D0177B9EFA}"/>
+              </a:ext>
+            </a:extLst>
+          </p:cNvPr>
+          <p:cNvSpPr txBox="1"/>
+          <p:nvPr/>
+        </p:nvSpPr>
+        <p:spPr>
+          <a:xfrm>
+            <a:off x="7487684" y="2373017"/>
+            <a:ext cx="1063255" cy="369332"/>
+          </a:xfrm>
+          <a:prstGeom prst="rect">
+            <a:avLst/>
+          </a:prstGeom>
+          <a:noFill/>
+        </p:spPr>
+        <p:txBody>
+          <a:bodyPr wrap="square" rtlCol="0">
+            <a:spAutoFit/>
+          </a:bodyPr>
+          <a:lstStyle/>
+          <a:p>
+            <a:r>
+              <a:rPr lang="en-US" dirty="0"/>
+              <a:t>Yes</a:t>
+            </a:r>
+            <a:endParaRPr lang="en-CA" dirty="0"/>
+          </a:p>
+        </p:txBody>
+      </p:sp>
+      <p:sp>
+        <p:nvSpPr>
+          <p:cNvPr id="16" name="TextBox 15">
+            <a:extLst>
+              <a:ext uri="{FF2B5EF4-FFF2-40B4-BE49-F238E27FC236}">
+                <a16:creationId xmlns:a16="http://schemas.microsoft.com/office/drawing/2014/main" id="{0F518330-64D5-45AE-A8AB-E2FDAE19C8E7}"/>
+              </a:ext>
+            </a:extLst>
+          </p:cNvPr>
+          <p:cNvSpPr txBox="1"/>
+          <p:nvPr/>
+        </p:nvSpPr>
+        <p:spPr>
+          <a:xfrm>
+            <a:off x="7487683" y="2711815"/>
+            <a:ext cx="1063255" cy="369332"/>
+          </a:xfrm>
+          <a:prstGeom prst="rect">
+            <a:avLst/>
+          </a:prstGeom>
+          <a:noFill/>
+        </p:spPr>
+        <p:txBody>
+          <a:bodyPr wrap="square" rtlCol="0">
+            <a:spAutoFit/>
+          </a:bodyPr>
+          <a:lstStyle/>
+          <a:p>
+            <a:r>
+              <a:rPr lang="en-US" dirty="0"/>
+              <a:t>No</a:t>
+            </a:r>
+            <a:endParaRPr lang="en-CA" dirty="0"/>
+          </a:p>
+        </p:txBody>
+      </p:sp>
+      <p:sp>
+        <p:nvSpPr>
+          <p:cNvPr id="17" name="TextBox 16">
+            <a:extLst>
+              <a:ext uri="{FF2B5EF4-FFF2-40B4-BE49-F238E27FC236}">
+                <a16:creationId xmlns:a16="http://schemas.microsoft.com/office/drawing/2014/main" id="{43D191B8-2194-40DD-8E4A-F063931B2F04}"/>
+              </a:ext>
+            </a:extLst>
+          </p:cNvPr>
+          <p:cNvSpPr txBox="1"/>
+          <p:nvPr/>
+        </p:nvSpPr>
+        <p:spPr>
+          <a:xfrm>
+            <a:off x="7517218" y="987291"/>
+            <a:ext cx="1063255" cy="369332"/>
+          </a:xfrm>
+          <a:prstGeom prst="rect">
+            <a:avLst/>
+          </a:prstGeom>
+          <a:noFill/>
+        </p:spPr>
+        <p:txBody>
+          <a:bodyPr wrap="square" rtlCol="0">
+            <a:spAutoFit/>
+          </a:bodyPr>
+          <a:lstStyle/>
+          <a:p>
+            <a:r>
+              <a:rPr lang="en-US" dirty="0"/>
+              <a:t>Yes</a:t>
+            </a:r>
+            <a:endParaRPr lang="en-CA" dirty="0"/>
+          </a:p>
+        </p:txBody>
+      </p:sp>
+      <p:sp>
+        <p:nvSpPr>
+          <p:cNvPr id="18" name="TextBox 17">
+            <a:extLst>
+              <a:ext uri="{FF2B5EF4-FFF2-40B4-BE49-F238E27FC236}">
+                <a16:creationId xmlns:a16="http://schemas.microsoft.com/office/drawing/2014/main" id="{D62C1E91-5273-4918-BA39-5A3EAF3A55FF}"/>
+              </a:ext>
+            </a:extLst>
+          </p:cNvPr>
+          <p:cNvSpPr txBox="1"/>
+          <p:nvPr/>
+        </p:nvSpPr>
+        <p:spPr>
+          <a:xfrm>
+            <a:off x="7517217" y="1326089"/>
+            <a:ext cx="1063255" cy="369332"/>
+          </a:xfrm>
+          <a:prstGeom prst="rect">
+            <a:avLst/>
+          </a:prstGeom>
+          <a:noFill/>
+        </p:spPr>
+        <p:txBody>
+          <a:bodyPr wrap="square" rtlCol="0">
+            <a:spAutoFit/>
+          </a:bodyPr>
+          <a:lstStyle/>
+          <a:p>
+            <a:r>
+              <a:rPr lang="en-US" dirty="0"/>
+              <a:t>No</a:t>
+            </a:r>
+            <a:endParaRPr lang="en-CA" dirty="0"/>
+          </a:p>
+        </p:txBody>
+      </p:sp>
+    </p:spTree>
+    <p:extLst>
+      <p:ext uri="{BB962C8B-B14F-4D97-AF65-F5344CB8AC3E}">
+        <p14:creationId xmlns:p14="http://schemas.microsoft.com/office/powerpoint/2010/main" val="2944466198"/>
+      </p:ext>
+    </p:extLst>
+  </p:cSld>
+  <p:clrMapOvr>
+    <a:masterClrMapping/>
+  </p:clrMapOvr>
+</p:sld>
+</file>
+
+<file path=ppt/slides/slide6.xml><?xml version="1.0" encoding="utf-8"?>
+<p:sld xmlns:a="http://schemas.openxmlformats.org/drawingml/2006/main" xmlns:r="http://schemas.openxmlformats.org/officeDocument/2006/relationships" xmlns:p="http://schemas.openxmlformats.org/presentationml/2006/main">
+  <p:cSld>
+    <p:spTree>
+      <p:nvGrpSpPr>
+        <p:cNvPr id="1" name=""/>
+        <p:cNvGrpSpPr/>
+        <p:nvPr/>
+      </p:nvGrpSpPr>
+      <p:grpSpPr>
+        <a:xfrm>
+          <a:off x="0" y="0"/>
+          <a:ext cx="0" cy="0"/>
+          <a:chOff x="0" y="0"/>
+          <a:chExt cx="0" cy="0"/>
+        </a:xfrm>
+      </p:grpSpPr>
+      <p:sp>
+        <p:nvSpPr>
+          <p:cNvPr id="2" name="Title 1">
+            <a:extLst>
+              <a:ext uri="{FF2B5EF4-FFF2-40B4-BE49-F238E27FC236}">
+                <a16:creationId xmlns:a16="http://schemas.microsoft.com/office/drawing/2014/main" id="{E1D29AE4-537E-437E-A217-E7E595D68A43}"/>
+              </a:ext>
+            </a:extLst>
+          </p:cNvPr>
+          <p:cNvSpPr>
+            <a:spLocks noGrp="1"/>
+          </p:cNvSpPr>
+          <p:nvPr>
+            <p:ph type="title"/>
+          </p:nvPr>
+        </p:nvSpPr>
+        <p:spPr/>
+        <p:txBody>
+          <a:bodyPr/>
+          <a:lstStyle/>
+          <a:p>
+            <a:r>
+              <a:rPr lang="en-US" dirty="0"/>
+              <a:t>Sample Output 1</a:t>
+            </a:r>
+            <a:endParaRPr lang="en-CA" dirty="0"/>
+          </a:p>
+        </p:txBody>
+      </p:sp>
+      <p:sp>
+        <p:nvSpPr>
+          <p:cNvPr id="3" name="Content Placeholder 2">
+            <a:extLst>
+              <a:ext uri="{FF2B5EF4-FFF2-40B4-BE49-F238E27FC236}">
+                <a16:creationId xmlns:a16="http://schemas.microsoft.com/office/drawing/2014/main" id="{A481C032-31BB-438D-A329-B2F683E4CE89}"/>
+              </a:ext>
+            </a:extLst>
+          </p:cNvPr>
+          <p:cNvSpPr>
+            <a:spLocks noGrp="1"/>
+          </p:cNvSpPr>
+          <p:nvPr>
+            <p:ph idx="1"/>
+          </p:nvPr>
+        </p:nvSpPr>
+        <p:spPr/>
+        <p:txBody>
+          <a:bodyPr>
+            <a:normAutofit/>
+          </a:bodyPr>
+          <a:lstStyle/>
+          <a:p>
+            <a:pPr marL="36900" indent="0">
+              <a:buNone/>
+            </a:pPr>
+            <a:r>
+              <a:rPr lang="en-US" dirty="0"/>
+              <a:t>========== Prediction for Activity 1 ==========</a:t>
+            </a:r>
+          </a:p>
+          <a:p>
+            <a:pPr marL="36900" indent="0">
+              <a:buNone/>
+            </a:pPr>
+            <a:r>
+              <a:rPr lang="en-US" dirty="0"/>
+              <a:t>Completion Rate, Days per Unit: ??? (min: ???, max: ???)</a:t>
+            </a:r>
+          </a:p>
+          <a:p>
+            <a:pPr marL="36900" indent="0">
+              <a:buNone/>
+            </a:pPr>
+            <a:r>
+              <a:rPr lang="en-US" dirty="0"/>
+              <a:t>Completion Rate, Units per Day: ??? (min: ???, max: ???)</a:t>
+            </a:r>
+          </a:p>
+          <a:p>
+            <a:pPr marL="36900" indent="0">
+              <a:buNone/>
+            </a:pPr>
+            <a:r>
+              <a:rPr lang="en-US" dirty="0"/>
+              <a:t>Units: ???</a:t>
+            </a:r>
+          </a:p>
+          <a:p>
+            <a:pPr marL="36900" indent="0">
+              <a:buNone/>
+            </a:pPr>
+            <a:r>
+              <a:rPr lang="en-US" dirty="0"/>
+              <a:t>Quantity: ???</a:t>
+            </a:r>
+          </a:p>
+          <a:p>
+            <a:pPr marL="36900" indent="0">
+              <a:buNone/>
+            </a:pPr>
+            <a:r>
+              <a:rPr lang="en-US" dirty="0"/>
+              <a:t>Start Date: ????-??-??</a:t>
+            </a:r>
+          </a:p>
+          <a:p>
+            <a:pPr marL="36900" indent="0">
+              <a:buNone/>
+            </a:pPr>
+            <a:r>
+              <a:rPr lang="en-US" dirty="0"/>
+              <a:t>End Date: ????-??-??</a:t>
+            </a:r>
+          </a:p>
+          <a:p>
+            <a:pPr marL="36900" indent="0">
+              <a:buNone/>
+            </a:pPr>
+            <a:r>
+              <a:rPr lang="en-US" dirty="0">
+                <a:sym typeface="Wingdings" panose="05000000000000000000" pitchFamily="2" charset="2"/>
+              </a:rPr>
+              <a:t> </a:t>
+            </a:r>
+            <a:r>
+              <a:rPr lang="en-US" dirty="0"/>
+              <a:t>Sufficient Time Allocated to Project OR Insufficient Time Allocated to Project </a:t>
+            </a:r>
+          </a:p>
+          <a:p>
+            <a:pPr marL="36900" indent="0">
+              <a:buNone/>
+            </a:pPr>
+            <a:r>
+              <a:rPr lang="en-US" dirty="0"/>
+              <a:t>Predicted Activity End Date: </a:t>
+            </a:r>
+          </a:p>
+          <a:p>
+            <a:pPr marL="36900" indent="0">
+              <a:buNone/>
+            </a:pPr>
+            <a:endParaRPr lang="en-US" dirty="0"/>
+          </a:p>
+        </p:txBody>
+      </p:sp>
+    </p:spTree>
+    <p:extLst>
+      <p:ext uri="{BB962C8B-B14F-4D97-AF65-F5344CB8AC3E}">
+        <p14:creationId xmlns:p14="http://schemas.microsoft.com/office/powerpoint/2010/main" val="717110718"/>
+      </p:ext>
+    </p:extLst>
+  </p:cSld>
+  <p:clrMapOvr>
+    <a:masterClrMapping/>
+  </p:clrMapOvr>
+</p:sld>
+</file>
+
+<file path=ppt/slides/slide7.xml><?xml version="1.0" encoding="utf-8"?>
+<p:sld xmlns:a="http://schemas.openxmlformats.org/drawingml/2006/main" xmlns:r="http://schemas.openxmlformats.org/officeDocument/2006/relationships" xmlns:p="http://schemas.openxmlformats.org/presentationml/2006/main">
+  <p:cSld>
+    <p:spTree>
+      <p:nvGrpSpPr>
+        <p:cNvPr id="1" name=""/>
+        <p:cNvGrpSpPr/>
+        <p:nvPr/>
+      </p:nvGrpSpPr>
+      <p:grpSpPr>
+        <a:xfrm>
+          <a:off x="0" y="0"/>
+          <a:ext cx="0" cy="0"/>
+          <a:chOff x="0" y="0"/>
+          <a:chExt cx="0" cy="0"/>
+        </a:xfrm>
+      </p:grpSpPr>
+      <p:sp>
+        <p:nvSpPr>
+          <p:cNvPr id="2" name="Title 1">
+            <a:extLst>
+              <a:ext uri="{FF2B5EF4-FFF2-40B4-BE49-F238E27FC236}">
+                <a16:creationId xmlns:a16="http://schemas.microsoft.com/office/drawing/2014/main" id="{E1D29AE4-537E-437E-A217-E7E595D68A43}"/>
+              </a:ext>
+            </a:extLst>
+          </p:cNvPr>
+          <p:cNvSpPr>
+            <a:spLocks noGrp="1"/>
+          </p:cNvSpPr>
+          <p:nvPr>
+            <p:ph type="title"/>
+          </p:nvPr>
+        </p:nvSpPr>
+        <p:spPr/>
+        <p:txBody>
+          <a:bodyPr/>
+          <a:lstStyle/>
+          <a:p>
+            <a:r>
+              <a:rPr lang="en-US" dirty="0"/>
+              <a:t>Sample Output 2</a:t>
+            </a:r>
+            <a:endParaRPr lang="en-CA" dirty="0"/>
+          </a:p>
+        </p:txBody>
+      </p:sp>
+      <p:sp>
+        <p:nvSpPr>
+          <p:cNvPr id="3" name="Content Placeholder 2">
+            <a:extLst>
+              <a:ext uri="{FF2B5EF4-FFF2-40B4-BE49-F238E27FC236}">
+                <a16:creationId xmlns:a16="http://schemas.microsoft.com/office/drawing/2014/main" id="{A481C032-31BB-438D-A329-B2F683E4CE89}"/>
+              </a:ext>
+            </a:extLst>
+          </p:cNvPr>
+          <p:cNvSpPr>
+            <a:spLocks noGrp="1"/>
+          </p:cNvSpPr>
+          <p:nvPr>
+            <p:ph idx="1"/>
+          </p:nvPr>
+        </p:nvSpPr>
+        <p:spPr/>
+        <p:txBody>
+          <a:bodyPr/>
+          <a:lstStyle/>
+          <a:p>
+            <a:pPr marL="36900" indent="0">
+              <a:buNone/>
+            </a:pPr>
+            <a:r>
+              <a:rPr lang="en-US" dirty="0"/>
+              <a:t>========== Prediction for Activity 1 ==========</a:t>
+            </a:r>
+          </a:p>
+          <a:p>
+            <a:pPr marL="36900" indent="0">
+              <a:buNone/>
+            </a:pPr>
+            <a:r>
+              <a:rPr lang="en-US" dirty="0"/>
+              <a:t>Completion Rate, Days per Unit: ??? (min: ???, max: ???)</a:t>
+            </a:r>
+          </a:p>
+          <a:p>
+            <a:pPr marL="36900" indent="0">
+              <a:buNone/>
+            </a:pPr>
+            <a:r>
+              <a:rPr lang="en-US" dirty="0"/>
+              <a:t>Completion Rate, Units per Day: ??? (min: ???, max: ???)</a:t>
+            </a:r>
+          </a:p>
+          <a:p>
+            <a:pPr marL="36900" indent="0">
+              <a:buNone/>
+            </a:pPr>
+            <a:r>
+              <a:rPr lang="en-US" dirty="0"/>
+              <a:t>Units: ???</a:t>
+            </a:r>
+          </a:p>
+          <a:p>
+            <a:pPr marL="36900" indent="0">
+              <a:buNone/>
+            </a:pPr>
+            <a:r>
+              <a:rPr lang="en-US" dirty="0"/>
+              <a:t>Quantity: ???</a:t>
+            </a:r>
+          </a:p>
+          <a:p>
+            <a:pPr marL="36900" indent="0">
+              <a:buNone/>
+            </a:pPr>
+            <a:r>
+              <a:rPr lang="en-US" dirty="0"/>
+              <a:t>Start Date: ????-??-??</a:t>
+            </a:r>
+          </a:p>
+          <a:p>
+            <a:pPr marL="36900" indent="0">
+              <a:buNone/>
+            </a:pPr>
+            <a:r>
+              <a:rPr lang="en-US" dirty="0">
+                <a:sym typeface="Wingdings" panose="05000000000000000000" pitchFamily="2" charset="2"/>
+              </a:rPr>
+              <a:t> End Date Predicted to be: </a:t>
+            </a:r>
+            <a:r>
+              <a:rPr lang="en-US" dirty="0"/>
+              <a:t>????-??-??</a:t>
+            </a:r>
+          </a:p>
+          <a:p>
+            <a:pPr marL="36900" indent="0">
+              <a:buNone/>
+            </a:pPr>
+            <a:endParaRPr lang="en-US" dirty="0"/>
+          </a:p>
+        </p:txBody>
+      </p:sp>
+    </p:spTree>
+    <p:extLst>
+      <p:ext uri="{BB962C8B-B14F-4D97-AF65-F5344CB8AC3E}">
+        <p14:creationId xmlns:p14="http://schemas.microsoft.com/office/powerpoint/2010/main" val="1015968016"/>
+      </p:ext>
+    </p:extLst>
+  </p:cSld>
+  <p:clrMapOvr>
+    <a:masterClrMapping/>
+  </p:clrMapOvr>
+</p:sld>
+</file>
+
+<file path=ppt/slides/slide8.xml><?xml version="1.0" encoding="utf-8"?>
+<p:sld xmlns:a="http://schemas.openxmlformats.org/drawingml/2006/main" xmlns:r="http://schemas.openxmlformats.org/officeDocument/2006/relationships" xmlns:p="http://schemas.openxmlformats.org/presentationml/2006/main">
+  <p:cSld>
+    <p:spTree>
+      <p:nvGrpSpPr>
+        <p:cNvPr id="1" name=""/>
+        <p:cNvGrpSpPr/>
+        <p:nvPr/>
+      </p:nvGrpSpPr>
+      <p:grpSpPr>
+        <a:xfrm>
+          <a:off x="0" y="0"/>
+          <a:ext cx="0" cy="0"/>
+          <a:chOff x="0" y="0"/>
+          <a:chExt cx="0" cy="0"/>
+        </a:xfrm>
+      </p:grpSpPr>
+      <p:sp>
+        <p:nvSpPr>
+          <p:cNvPr id="2" name="Title 1">
+            <a:extLst>
+              <a:ext uri="{FF2B5EF4-FFF2-40B4-BE49-F238E27FC236}">
+                <a16:creationId xmlns:a16="http://schemas.microsoft.com/office/drawing/2014/main" id="{E1D29AE4-537E-437E-A217-E7E595D68A43}"/>
+              </a:ext>
+            </a:extLst>
+          </p:cNvPr>
+          <p:cNvSpPr>
+            <a:spLocks noGrp="1"/>
+          </p:cNvSpPr>
+          <p:nvPr>
+            <p:ph type="title"/>
+          </p:nvPr>
+        </p:nvSpPr>
+        <p:spPr/>
+        <p:txBody>
+          <a:bodyPr/>
+          <a:lstStyle/>
+          <a:p>
+            <a:r>
+              <a:rPr lang="en-US" dirty="0"/>
+              <a:t>Sample Output 3</a:t>
+            </a:r>
+            <a:endParaRPr lang="en-CA" dirty="0"/>
+          </a:p>
+        </p:txBody>
+      </p:sp>
+      <p:sp>
+        <p:nvSpPr>
+          <p:cNvPr id="3" name="Content Placeholder 2">
+            <a:extLst>
+              <a:ext uri="{FF2B5EF4-FFF2-40B4-BE49-F238E27FC236}">
+                <a16:creationId xmlns:a16="http://schemas.microsoft.com/office/drawing/2014/main" id="{A481C032-31BB-438D-A329-B2F683E4CE89}"/>
+              </a:ext>
+            </a:extLst>
+          </p:cNvPr>
+          <p:cNvSpPr>
+            <a:spLocks noGrp="1"/>
+          </p:cNvSpPr>
+          <p:nvPr>
+            <p:ph idx="1"/>
+          </p:nvPr>
+        </p:nvSpPr>
+        <p:spPr/>
+        <p:txBody>
+          <a:bodyPr/>
+          <a:lstStyle/>
+          <a:p>
+            <a:pPr marL="36900" indent="0">
+              <a:buNone/>
+            </a:pPr>
+            <a:r>
+              <a:rPr lang="en-US" dirty="0"/>
+              <a:t>========== Prediction for Activity 1 ==========</a:t>
+            </a:r>
+          </a:p>
+          <a:p>
+            <a:pPr marL="36900" indent="0">
+              <a:buNone/>
+            </a:pPr>
+            <a:r>
+              <a:rPr lang="en-US" dirty="0"/>
+              <a:t>Completion Rate, Days per Unit: ??? (min: ???, max: ???)</a:t>
+            </a:r>
+          </a:p>
+          <a:p>
+            <a:pPr marL="36900" indent="0">
+              <a:buNone/>
+            </a:pPr>
+            <a:r>
+              <a:rPr lang="en-US" dirty="0"/>
+              <a:t>Completion Rate, Units per Day: ??? (min: ???, max: ???)</a:t>
+            </a:r>
+          </a:p>
+          <a:p>
+            <a:pPr marL="36900" indent="0">
+              <a:buNone/>
+            </a:pPr>
+            <a:r>
+              <a:rPr lang="en-US" dirty="0"/>
+              <a:t>Units: ???</a:t>
+            </a:r>
+          </a:p>
+          <a:p>
+            <a:pPr marL="36900" indent="0">
+              <a:buNone/>
+            </a:pPr>
+            <a:r>
+              <a:rPr lang="en-US" dirty="0"/>
+              <a:t>Quantity: ???</a:t>
+            </a:r>
+          </a:p>
+          <a:p>
+            <a:pPr marL="36900" indent="0">
+              <a:buNone/>
+            </a:pPr>
+            <a:r>
+              <a:rPr lang="en-US" dirty="0"/>
+              <a:t>End Date: ????-??-??</a:t>
+            </a:r>
+          </a:p>
+          <a:p>
+            <a:pPr marL="36900" indent="0">
+              <a:buNone/>
+            </a:pPr>
+            <a:r>
+              <a:rPr lang="en-US" dirty="0">
+                <a:sym typeface="Wingdings" panose="05000000000000000000" pitchFamily="2" charset="2"/>
+              </a:rPr>
+              <a:t> To Complete on Time, Start By: </a:t>
+            </a:r>
+            <a:r>
+              <a:rPr lang="en-US" dirty="0"/>
+              <a:t>????-??-??</a:t>
+            </a:r>
+          </a:p>
+          <a:p>
+            <a:pPr marL="36900" indent="0">
+              <a:buNone/>
+            </a:pPr>
+            <a:endParaRPr lang="en-US" dirty="0"/>
+          </a:p>
+        </p:txBody>
+      </p:sp>
+    </p:spTree>
+    <p:extLst>
+      <p:ext uri="{BB962C8B-B14F-4D97-AF65-F5344CB8AC3E}">
+        <p14:creationId xmlns:p14="http://schemas.microsoft.com/office/powerpoint/2010/main" val="633739981"/>
+      </p:ext>
+    </p:extLst>
+  </p:cSld>
+  <p:clrMapOvr>
+    <a:masterClrMapping/>
+  </p:clrMapOvr>
+</p:sld>
+</file>
+
+<file path=ppt/slides/slide9.xml><?xml version="1.0" encoding="utf-8"?>
+<p:sld xmlns:a="http://schemas.openxmlformats.org/drawingml/2006/main" xmlns:r="http://schemas.openxmlformats.org/officeDocument/2006/relationships" xmlns:p="http://schemas.openxmlformats.org/presentationml/2006/main">
+  <p:cSld>
+    <p:spTree>
+      <p:nvGrpSpPr>
+        <p:cNvPr id="1" name=""/>
+        <p:cNvGrpSpPr/>
+        <p:nvPr/>
+      </p:nvGrpSpPr>
+      <p:grpSpPr>
+        <a:xfrm>
+          <a:off x="0" y="0"/>
+          <a:ext cx="0" cy="0"/>
+          <a:chOff x="0" y="0"/>
+          <a:chExt cx="0" cy="0"/>
+        </a:xfrm>
+      </p:grpSpPr>
+      <p:sp>
+        <p:nvSpPr>
+          <p:cNvPr id="2" name="Title 1">
+            <a:extLst>
+              <a:ext uri="{FF2B5EF4-FFF2-40B4-BE49-F238E27FC236}">
+                <a16:creationId xmlns:a16="http://schemas.microsoft.com/office/drawing/2014/main" id="{E1D29AE4-537E-437E-A217-E7E595D68A43}"/>
+              </a:ext>
+            </a:extLst>
+          </p:cNvPr>
+          <p:cNvSpPr>
+            <a:spLocks noGrp="1"/>
+          </p:cNvSpPr>
+          <p:nvPr>
+            <p:ph type="title"/>
+          </p:nvPr>
+        </p:nvSpPr>
+        <p:spPr/>
+        <p:txBody>
+          <a:bodyPr/>
+          <a:lstStyle/>
+          <a:p>
+            <a:r>
+              <a:rPr lang="en-US" dirty="0"/>
+              <a:t>Sample Output 4</a:t>
+            </a:r>
+            <a:endParaRPr lang="en-CA" dirty="0"/>
+          </a:p>
+        </p:txBody>
+      </p:sp>
+      <p:sp>
+        <p:nvSpPr>
+          <p:cNvPr id="3" name="Content Placeholder 2">
+            <a:extLst>
+              <a:ext uri="{FF2B5EF4-FFF2-40B4-BE49-F238E27FC236}">
+                <a16:creationId xmlns:a16="http://schemas.microsoft.com/office/drawing/2014/main" id="{A481C032-31BB-438D-A329-B2F683E4CE89}"/>
+              </a:ext>
+            </a:extLst>
+          </p:cNvPr>
+          <p:cNvSpPr>
+            <a:spLocks noGrp="1"/>
+          </p:cNvSpPr>
+          <p:nvPr>
+            <p:ph idx="1"/>
+          </p:nvPr>
+        </p:nvSpPr>
+        <p:spPr/>
+        <p:txBody>
+          <a:bodyPr/>
+          <a:lstStyle/>
+          <a:p>
+            <a:pPr marL="36900" indent="0">
+              <a:buNone/>
+            </a:pPr>
+            <a:r>
+              <a:rPr lang="en-US" dirty="0"/>
+              <a:t>========== Prediction for Activity 1 ==========</a:t>
+            </a:r>
+          </a:p>
+          <a:p>
+            <a:pPr marL="36900" indent="0">
+              <a:buNone/>
+            </a:pPr>
+            <a:r>
+              <a:rPr lang="en-US" dirty="0"/>
+              <a:t>Completion Rate, Days per Unit: ??? (min: ???, max: ???)</a:t>
+            </a:r>
+          </a:p>
+          <a:p>
+            <a:pPr marL="36900" indent="0">
+              <a:buNone/>
+            </a:pPr>
+            <a:r>
+              <a:rPr lang="en-US" dirty="0"/>
+              <a:t>Completion Rate, Units per Day: ??? (min: ???, max: ???)</a:t>
+            </a:r>
+          </a:p>
+          <a:p>
+            <a:pPr marL="36900" indent="0">
+              <a:buNone/>
+            </a:pPr>
+            <a:r>
+              <a:rPr lang="en-US" dirty="0"/>
+              <a:t>Units: ???</a:t>
+            </a:r>
+          </a:p>
+          <a:p>
+            <a:pPr marL="36900" indent="0">
+              <a:buNone/>
+            </a:pPr>
+            <a:r>
+              <a:rPr lang="en-US" dirty="0"/>
+              <a:t>Quantity: ???</a:t>
+            </a:r>
+          </a:p>
+          <a:p>
+            <a:pPr marL="36900" indent="0">
+              <a:buNone/>
+            </a:pPr>
+            <a:r>
+              <a:rPr lang="en-US" dirty="0">
+                <a:sym typeface="Wingdings" panose="05000000000000000000" pitchFamily="2" charset="2"/>
+              </a:rPr>
+              <a:t> Total Predicted Completion Time: </a:t>
+            </a:r>
+            <a:r>
+              <a:rPr lang="en-US" dirty="0"/>
+              <a:t>??? days</a:t>
+            </a:r>
+          </a:p>
+          <a:p>
+            <a:pPr marL="36900" indent="0">
+              <a:buNone/>
+            </a:pPr>
+            <a:endParaRPr lang="en-US" dirty="0"/>
+          </a:p>
+        </p:txBody>
+      </p:sp>
+    </p:spTree>
+    <p:extLst>
+      <p:ext uri="{BB962C8B-B14F-4D97-AF65-F5344CB8AC3E}">
+        <p14:creationId xmlns:p14="http://schemas.microsoft.com/office/powerpoint/2010/main" val="2838220645"/>
       </p:ext>
     </p:extLst>
   </p:cSld>

--- a/DanyloThoughts.pptx
+++ b/DanyloThoughts.pptx
@@ -3,19 +3,24 @@
 <p:presentation xmlns:a="http://schemas.openxmlformats.org/drawingml/2006/main" xmlns:r="http://schemas.openxmlformats.org/officeDocument/2006/relationships" xmlns:p="http://schemas.openxmlformats.org/presentationml/2006/main" saveSubsetFonts="1">
   <p:sldMasterIdLst>
     <p:sldMasterId id="2147483870" r:id="rId1"/>
+    <p:sldMasterId id="2147483888" r:id="rId2"/>
   </p:sldMasterIdLst>
   <p:sldIdLst>
-    <p:sldId id="256" r:id="rId2"/>
-    <p:sldId id="257" r:id="rId3"/>
-    <p:sldId id="260" r:id="rId4"/>
-    <p:sldId id="261" r:id="rId5"/>
-    <p:sldId id="263" r:id="rId6"/>
-    <p:sldId id="262" r:id="rId7"/>
-    <p:sldId id="265" r:id="rId8"/>
-    <p:sldId id="266" r:id="rId9"/>
-    <p:sldId id="267" r:id="rId10"/>
-    <p:sldId id="268" r:id="rId11"/>
-    <p:sldId id="269" r:id="rId12"/>
+    <p:sldId id="256" r:id="rId3"/>
+    <p:sldId id="257" r:id="rId4"/>
+    <p:sldId id="260" r:id="rId5"/>
+    <p:sldId id="261" r:id="rId6"/>
+    <p:sldId id="263" r:id="rId7"/>
+    <p:sldId id="262" r:id="rId8"/>
+    <p:sldId id="265" r:id="rId9"/>
+    <p:sldId id="266" r:id="rId10"/>
+    <p:sldId id="267" r:id="rId11"/>
+    <p:sldId id="268" r:id="rId12"/>
+    <p:sldId id="269" r:id="rId13"/>
+    <p:sldId id="270" r:id="rId14"/>
+    <p:sldId id="271" r:id="rId15"/>
+    <p:sldId id="258" r:id="rId16"/>
+    <p:sldId id="259" r:id="rId17"/>
   </p:sldIdLst>
   <p:sldSz cx="12192000" cy="6858000"/>
   <p:notesSz cx="6858000" cy="9144000"/>
@@ -130,6 +135,14 @@
             <p14:sldId id="267"/>
             <p14:sldId id="268"/>
             <p14:sldId id="269"/>
+          </p14:sldIdLst>
+        </p14:section>
+        <p14:section name="Front End" id="{01CF07E5-0B7E-4287-93B1-580AC79B10E5}">
+          <p14:sldIdLst>
+            <p14:sldId id="270"/>
+            <p14:sldId id="271"/>
+            <p14:sldId id="258"/>
+            <p14:sldId id="259"/>
           </p14:sldIdLst>
         </p14:section>
       </p14:sectionLst>
@@ -8828,6 +8841,428 @@
 </p:sldLayout>
 </file>
 
+<file path=ppt/slideLayouts/slideLayout18.xml><?xml version="1.0" encoding="utf-8"?>
+<p:sldLayout xmlns:a="http://schemas.openxmlformats.org/drawingml/2006/main" xmlns:r="http://schemas.openxmlformats.org/officeDocument/2006/relationships" xmlns:p="http://schemas.openxmlformats.org/presentationml/2006/main" type="title" preserve="1">
+  <p:cSld name="Title Slide">
+    <p:spTree>
+      <p:nvGrpSpPr>
+        <p:cNvPr id="1" name=""/>
+        <p:cNvGrpSpPr/>
+        <p:nvPr/>
+      </p:nvGrpSpPr>
+      <p:grpSpPr>
+        <a:xfrm>
+          <a:off x="0" y="0"/>
+          <a:ext cx="0" cy="0"/>
+          <a:chOff x="0" y="0"/>
+          <a:chExt cx="0" cy="0"/>
+        </a:xfrm>
+      </p:grpSpPr>
+      <p:sp>
+        <p:nvSpPr>
+          <p:cNvPr id="2" name="Title 1">
+            <a:extLst>
+              <a:ext uri="{FF2B5EF4-FFF2-40B4-BE49-F238E27FC236}">
+                <a16:creationId xmlns:a16="http://schemas.microsoft.com/office/drawing/2014/main" id="{53342CBB-CA55-4820-B35C-D84DB051C7D2}"/>
+              </a:ext>
+            </a:extLst>
+          </p:cNvPr>
+          <p:cNvSpPr>
+            <a:spLocks noGrp="1"/>
+          </p:cNvSpPr>
+          <p:nvPr>
+            <p:ph type="ctrTitle"/>
+          </p:nvPr>
+        </p:nvSpPr>
+        <p:spPr>
+          <a:xfrm>
+            <a:off x="1524000" y="1122363"/>
+            <a:ext cx="9144000" cy="2387600"/>
+          </a:xfrm>
+        </p:spPr>
+        <p:txBody>
+          <a:bodyPr anchor="b"/>
+          <a:lstStyle>
+            <a:lvl1pPr algn="ctr">
+              <a:defRPr sz="6000"/>
+            </a:lvl1pPr>
+          </a:lstStyle>
+          <a:p>
+            <a:r>
+              <a:rPr lang="en-US"/>
+              <a:t>Click to edit Master title style</a:t>
+            </a:r>
+            <a:endParaRPr lang="en-CA"/>
+          </a:p>
+        </p:txBody>
+      </p:sp>
+      <p:sp>
+        <p:nvSpPr>
+          <p:cNvPr id="3" name="Subtitle 2">
+            <a:extLst>
+              <a:ext uri="{FF2B5EF4-FFF2-40B4-BE49-F238E27FC236}">
+                <a16:creationId xmlns:a16="http://schemas.microsoft.com/office/drawing/2014/main" id="{A73871B5-3175-4CFC-BE42-5E5062C4E010}"/>
+              </a:ext>
+            </a:extLst>
+          </p:cNvPr>
+          <p:cNvSpPr>
+            <a:spLocks noGrp="1"/>
+          </p:cNvSpPr>
+          <p:nvPr>
+            <p:ph type="subTitle" idx="1"/>
+          </p:nvPr>
+        </p:nvSpPr>
+        <p:spPr>
+          <a:xfrm>
+            <a:off x="1524000" y="3602038"/>
+            <a:ext cx="9144000" cy="1655762"/>
+          </a:xfrm>
+        </p:spPr>
+        <p:txBody>
+          <a:bodyPr/>
+          <a:lstStyle>
+            <a:lvl1pPr marL="0" indent="0" algn="ctr">
+              <a:buNone/>
+              <a:defRPr sz="2400"/>
+            </a:lvl1pPr>
+            <a:lvl2pPr marL="457200" indent="0" algn="ctr">
+              <a:buNone/>
+              <a:defRPr sz="2000"/>
+            </a:lvl2pPr>
+            <a:lvl3pPr marL="914400" indent="0" algn="ctr">
+              <a:buNone/>
+              <a:defRPr sz="1800"/>
+            </a:lvl3pPr>
+            <a:lvl4pPr marL="1371600" indent="0" algn="ctr">
+              <a:buNone/>
+              <a:defRPr sz="1600"/>
+            </a:lvl4pPr>
+            <a:lvl5pPr marL="1828800" indent="0" algn="ctr">
+              <a:buNone/>
+              <a:defRPr sz="1600"/>
+            </a:lvl5pPr>
+            <a:lvl6pPr marL="2286000" indent="0" algn="ctr">
+              <a:buNone/>
+              <a:defRPr sz="1600"/>
+            </a:lvl6pPr>
+            <a:lvl7pPr marL="2743200" indent="0" algn="ctr">
+              <a:buNone/>
+              <a:defRPr sz="1600"/>
+            </a:lvl7pPr>
+            <a:lvl8pPr marL="3200400" indent="0" algn="ctr">
+              <a:buNone/>
+              <a:defRPr sz="1600"/>
+            </a:lvl8pPr>
+            <a:lvl9pPr marL="3657600" indent="0" algn="ctr">
+              <a:buNone/>
+              <a:defRPr sz="1600"/>
+            </a:lvl9pPr>
+          </a:lstStyle>
+          <a:p>
+            <a:r>
+              <a:rPr lang="en-US"/>
+              <a:t>Click to edit Master subtitle style</a:t>
+            </a:r>
+            <a:endParaRPr lang="en-CA"/>
+          </a:p>
+        </p:txBody>
+      </p:sp>
+      <p:sp>
+        <p:nvSpPr>
+          <p:cNvPr id="4" name="Date Placeholder 3">
+            <a:extLst>
+              <a:ext uri="{FF2B5EF4-FFF2-40B4-BE49-F238E27FC236}">
+                <a16:creationId xmlns:a16="http://schemas.microsoft.com/office/drawing/2014/main" id="{4AD3E644-2F2A-49CC-874B-C101DEB5EEEE}"/>
+              </a:ext>
+            </a:extLst>
+          </p:cNvPr>
+          <p:cNvSpPr>
+            <a:spLocks noGrp="1"/>
+          </p:cNvSpPr>
+          <p:nvPr>
+            <p:ph type="dt" sz="half" idx="10"/>
+          </p:nvPr>
+        </p:nvSpPr>
+        <p:spPr/>
+        <p:txBody>
+          <a:bodyPr/>
+          <a:lstStyle/>
+          <a:p>
+            <a:fld id="{23ECED23-8745-4DCB-895C-E52D60B1B0C5}" type="datetimeFigureOut">
+              <a:rPr lang="en-CA" smtClean="0"/>
+              <a:t>2021-11-30</a:t>
+            </a:fld>
+            <a:endParaRPr lang="en-CA"/>
+          </a:p>
+        </p:txBody>
+      </p:sp>
+      <p:sp>
+        <p:nvSpPr>
+          <p:cNvPr id="5" name="Footer Placeholder 4">
+            <a:extLst>
+              <a:ext uri="{FF2B5EF4-FFF2-40B4-BE49-F238E27FC236}">
+                <a16:creationId xmlns:a16="http://schemas.microsoft.com/office/drawing/2014/main" id="{AF3E34C8-E020-4269-B942-DD448D0D8A11}"/>
+              </a:ext>
+            </a:extLst>
+          </p:cNvPr>
+          <p:cNvSpPr>
+            <a:spLocks noGrp="1"/>
+          </p:cNvSpPr>
+          <p:nvPr>
+            <p:ph type="ftr" sz="quarter" idx="11"/>
+          </p:nvPr>
+        </p:nvSpPr>
+        <p:spPr/>
+        <p:txBody>
+          <a:bodyPr/>
+          <a:lstStyle/>
+          <a:p>
+            <a:endParaRPr lang="en-CA"/>
+          </a:p>
+        </p:txBody>
+      </p:sp>
+      <p:sp>
+        <p:nvSpPr>
+          <p:cNvPr id="6" name="Slide Number Placeholder 5">
+            <a:extLst>
+              <a:ext uri="{FF2B5EF4-FFF2-40B4-BE49-F238E27FC236}">
+                <a16:creationId xmlns:a16="http://schemas.microsoft.com/office/drawing/2014/main" id="{7C8E43F2-53D0-419B-8160-A2A003E766F4}"/>
+              </a:ext>
+            </a:extLst>
+          </p:cNvPr>
+          <p:cNvSpPr>
+            <a:spLocks noGrp="1"/>
+          </p:cNvSpPr>
+          <p:nvPr>
+            <p:ph type="sldNum" sz="quarter" idx="12"/>
+          </p:nvPr>
+        </p:nvSpPr>
+        <p:spPr/>
+        <p:txBody>
+          <a:bodyPr/>
+          <a:lstStyle/>
+          <a:p>
+            <a:fld id="{D5A24872-EE29-46BC-97FE-F0E9E3FE5808}" type="slidenum">
+              <a:rPr lang="en-CA" smtClean="0"/>
+              <a:t>‹#›</a:t>
+            </a:fld>
+            <a:endParaRPr lang="en-CA"/>
+          </a:p>
+        </p:txBody>
+      </p:sp>
+    </p:spTree>
+    <p:extLst>
+      <p:ext uri="{BB962C8B-B14F-4D97-AF65-F5344CB8AC3E}">
+        <p14:creationId xmlns:p14="http://schemas.microsoft.com/office/powerpoint/2010/main" val="2019702345"/>
+      </p:ext>
+    </p:extLst>
+  </p:cSld>
+  <p:clrMapOvr>
+    <a:masterClrMapping/>
+  </p:clrMapOvr>
+</p:sldLayout>
+</file>
+
+<file path=ppt/slideLayouts/slideLayout19.xml><?xml version="1.0" encoding="utf-8"?>
+<p:sldLayout xmlns:a="http://schemas.openxmlformats.org/drawingml/2006/main" xmlns:r="http://schemas.openxmlformats.org/officeDocument/2006/relationships" xmlns:p="http://schemas.openxmlformats.org/presentationml/2006/main" type="obj" preserve="1">
+  <p:cSld name="Title and Content">
+    <p:spTree>
+      <p:nvGrpSpPr>
+        <p:cNvPr id="1" name=""/>
+        <p:cNvGrpSpPr/>
+        <p:nvPr/>
+      </p:nvGrpSpPr>
+      <p:grpSpPr>
+        <a:xfrm>
+          <a:off x="0" y="0"/>
+          <a:ext cx="0" cy="0"/>
+          <a:chOff x="0" y="0"/>
+          <a:chExt cx="0" cy="0"/>
+        </a:xfrm>
+      </p:grpSpPr>
+      <p:sp>
+        <p:nvSpPr>
+          <p:cNvPr id="2" name="Title 1">
+            <a:extLst>
+              <a:ext uri="{FF2B5EF4-FFF2-40B4-BE49-F238E27FC236}">
+                <a16:creationId xmlns:a16="http://schemas.microsoft.com/office/drawing/2014/main" id="{3DB078FB-14BB-42F0-B8C7-9165D77E2CA2}"/>
+              </a:ext>
+            </a:extLst>
+          </p:cNvPr>
+          <p:cNvSpPr>
+            <a:spLocks noGrp="1"/>
+          </p:cNvSpPr>
+          <p:nvPr>
+            <p:ph type="title"/>
+          </p:nvPr>
+        </p:nvSpPr>
+        <p:spPr/>
+        <p:txBody>
+          <a:bodyPr/>
+          <a:lstStyle/>
+          <a:p>
+            <a:r>
+              <a:rPr lang="en-US"/>
+              <a:t>Click to edit Master title style</a:t>
+            </a:r>
+            <a:endParaRPr lang="en-CA"/>
+          </a:p>
+        </p:txBody>
+      </p:sp>
+      <p:sp>
+        <p:nvSpPr>
+          <p:cNvPr id="3" name="Content Placeholder 2">
+            <a:extLst>
+              <a:ext uri="{FF2B5EF4-FFF2-40B4-BE49-F238E27FC236}">
+                <a16:creationId xmlns:a16="http://schemas.microsoft.com/office/drawing/2014/main" id="{F20C90BE-9A36-457A-9DB4-9BF43E7C80FE}"/>
+              </a:ext>
+            </a:extLst>
+          </p:cNvPr>
+          <p:cNvSpPr>
+            <a:spLocks noGrp="1"/>
+          </p:cNvSpPr>
+          <p:nvPr>
+            <p:ph idx="1"/>
+          </p:nvPr>
+        </p:nvSpPr>
+        <p:spPr/>
+        <p:txBody>
+          <a:bodyPr/>
+          <a:lstStyle/>
+          <a:p>
+            <a:pPr lvl="0"/>
+            <a:r>
+              <a:rPr lang="en-US"/>
+              <a:t>Click to edit Master text styles</a:t>
+            </a:r>
+          </a:p>
+          <a:p>
+            <a:pPr lvl="1"/>
+            <a:r>
+              <a:rPr lang="en-US"/>
+              <a:t>Second level</a:t>
+            </a:r>
+          </a:p>
+          <a:p>
+            <a:pPr lvl="2"/>
+            <a:r>
+              <a:rPr lang="en-US"/>
+              <a:t>Third level</a:t>
+            </a:r>
+          </a:p>
+          <a:p>
+            <a:pPr lvl="3"/>
+            <a:r>
+              <a:rPr lang="en-US"/>
+              <a:t>Fourth level</a:t>
+            </a:r>
+          </a:p>
+          <a:p>
+            <a:pPr lvl="4"/>
+            <a:r>
+              <a:rPr lang="en-US"/>
+              <a:t>Fifth level</a:t>
+            </a:r>
+            <a:endParaRPr lang="en-CA"/>
+          </a:p>
+        </p:txBody>
+      </p:sp>
+      <p:sp>
+        <p:nvSpPr>
+          <p:cNvPr id="4" name="Date Placeholder 3">
+            <a:extLst>
+              <a:ext uri="{FF2B5EF4-FFF2-40B4-BE49-F238E27FC236}">
+                <a16:creationId xmlns:a16="http://schemas.microsoft.com/office/drawing/2014/main" id="{071F4818-1CB7-4AE9-BC7C-CE4206C4FF3B}"/>
+              </a:ext>
+            </a:extLst>
+          </p:cNvPr>
+          <p:cNvSpPr>
+            <a:spLocks noGrp="1"/>
+          </p:cNvSpPr>
+          <p:nvPr>
+            <p:ph type="dt" sz="half" idx="10"/>
+          </p:nvPr>
+        </p:nvSpPr>
+        <p:spPr/>
+        <p:txBody>
+          <a:bodyPr/>
+          <a:lstStyle/>
+          <a:p>
+            <a:fld id="{23ECED23-8745-4DCB-895C-E52D60B1B0C5}" type="datetimeFigureOut">
+              <a:rPr lang="en-CA" smtClean="0"/>
+              <a:t>2021-11-30</a:t>
+            </a:fld>
+            <a:endParaRPr lang="en-CA"/>
+          </a:p>
+        </p:txBody>
+      </p:sp>
+      <p:sp>
+        <p:nvSpPr>
+          <p:cNvPr id="5" name="Footer Placeholder 4">
+            <a:extLst>
+              <a:ext uri="{FF2B5EF4-FFF2-40B4-BE49-F238E27FC236}">
+                <a16:creationId xmlns:a16="http://schemas.microsoft.com/office/drawing/2014/main" id="{3A74B292-7C2C-46A5-A9AC-E3D401BCB07A}"/>
+              </a:ext>
+            </a:extLst>
+          </p:cNvPr>
+          <p:cNvSpPr>
+            <a:spLocks noGrp="1"/>
+          </p:cNvSpPr>
+          <p:nvPr>
+            <p:ph type="ftr" sz="quarter" idx="11"/>
+          </p:nvPr>
+        </p:nvSpPr>
+        <p:spPr/>
+        <p:txBody>
+          <a:bodyPr/>
+          <a:lstStyle/>
+          <a:p>
+            <a:endParaRPr lang="en-CA"/>
+          </a:p>
+        </p:txBody>
+      </p:sp>
+      <p:sp>
+        <p:nvSpPr>
+          <p:cNvPr id="6" name="Slide Number Placeholder 5">
+            <a:extLst>
+              <a:ext uri="{FF2B5EF4-FFF2-40B4-BE49-F238E27FC236}">
+                <a16:creationId xmlns:a16="http://schemas.microsoft.com/office/drawing/2014/main" id="{72EE11FE-5C5D-4411-9068-DF9A397C05A1}"/>
+              </a:ext>
+            </a:extLst>
+          </p:cNvPr>
+          <p:cNvSpPr>
+            <a:spLocks noGrp="1"/>
+          </p:cNvSpPr>
+          <p:nvPr>
+            <p:ph type="sldNum" sz="quarter" idx="12"/>
+          </p:nvPr>
+        </p:nvSpPr>
+        <p:spPr/>
+        <p:txBody>
+          <a:bodyPr/>
+          <a:lstStyle/>
+          <a:p>
+            <a:fld id="{D5A24872-EE29-46BC-97FE-F0E9E3FE5808}" type="slidenum">
+              <a:rPr lang="en-CA" smtClean="0"/>
+              <a:t>‹#›</a:t>
+            </a:fld>
+            <a:endParaRPr lang="en-CA"/>
+          </a:p>
+        </p:txBody>
+      </p:sp>
+    </p:spTree>
+    <p:extLst>
+      <p:ext uri="{BB962C8B-B14F-4D97-AF65-F5344CB8AC3E}">
+        <p14:creationId xmlns:p14="http://schemas.microsoft.com/office/powerpoint/2010/main" val="1190604554"/>
+      </p:ext>
+    </p:extLst>
+  </p:cSld>
+  <p:clrMapOvr>
+    <a:masterClrMapping/>
+  </p:clrMapOvr>
+</p:sldLayout>
+</file>
+
 <file path=ppt/slideLayouts/slideLayout2.xml><?xml version="1.0" encoding="utf-8"?>
 <p:sldLayout xmlns:a="http://schemas.openxmlformats.org/drawingml/2006/main" xmlns:r="http://schemas.openxmlformats.org/officeDocument/2006/relationships" xmlns:p="http://schemas.openxmlformats.org/presentationml/2006/main" type="obj" preserve="1">
   <p:cSld name="Title and Content">
@@ -8989,6 +9424,2232 @@
     <p:extLst>
       <p:ext uri="{BB962C8B-B14F-4D97-AF65-F5344CB8AC3E}">
         <p14:creationId xmlns:p14="http://schemas.microsoft.com/office/powerpoint/2010/main" val="900586506"/>
+      </p:ext>
+    </p:extLst>
+  </p:cSld>
+  <p:clrMapOvr>
+    <a:masterClrMapping/>
+  </p:clrMapOvr>
+</p:sldLayout>
+</file>
+
+<file path=ppt/slideLayouts/slideLayout20.xml><?xml version="1.0" encoding="utf-8"?>
+<p:sldLayout xmlns:a="http://schemas.openxmlformats.org/drawingml/2006/main" xmlns:r="http://schemas.openxmlformats.org/officeDocument/2006/relationships" xmlns:p="http://schemas.openxmlformats.org/presentationml/2006/main" type="secHead" preserve="1">
+  <p:cSld name="Section Header">
+    <p:spTree>
+      <p:nvGrpSpPr>
+        <p:cNvPr id="1" name=""/>
+        <p:cNvGrpSpPr/>
+        <p:nvPr/>
+      </p:nvGrpSpPr>
+      <p:grpSpPr>
+        <a:xfrm>
+          <a:off x="0" y="0"/>
+          <a:ext cx="0" cy="0"/>
+          <a:chOff x="0" y="0"/>
+          <a:chExt cx="0" cy="0"/>
+        </a:xfrm>
+      </p:grpSpPr>
+      <p:sp>
+        <p:nvSpPr>
+          <p:cNvPr id="2" name="Title 1">
+            <a:extLst>
+              <a:ext uri="{FF2B5EF4-FFF2-40B4-BE49-F238E27FC236}">
+                <a16:creationId xmlns:a16="http://schemas.microsoft.com/office/drawing/2014/main" id="{AD069534-5347-43BB-9D91-F9BFD2218924}"/>
+              </a:ext>
+            </a:extLst>
+          </p:cNvPr>
+          <p:cNvSpPr>
+            <a:spLocks noGrp="1"/>
+          </p:cNvSpPr>
+          <p:nvPr>
+            <p:ph type="title"/>
+          </p:nvPr>
+        </p:nvSpPr>
+        <p:spPr>
+          <a:xfrm>
+            <a:off x="831850" y="1709738"/>
+            <a:ext cx="10515600" cy="2852737"/>
+          </a:xfrm>
+        </p:spPr>
+        <p:txBody>
+          <a:bodyPr anchor="b"/>
+          <a:lstStyle>
+            <a:lvl1pPr>
+              <a:defRPr sz="6000"/>
+            </a:lvl1pPr>
+          </a:lstStyle>
+          <a:p>
+            <a:r>
+              <a:rPr lang="en-US"/>
+              <a:t>Click to edit Master title style</a:t>
+            </a:r>
+            <a:endParaRPr lang="en-CA"/>
+          </a:p>
+        </p:txBody>
+      </p:sp>
+      <p:sp>
+        <p:nvSpPr>
+          <p:cNvPr id="3" name="Text Placeholder 2">
+            <a:extLst>
+              <a:ext uri="{FF2B5EF4-FFF2-40B4-BE49-F238E27FC236}">
+                <a16:creationId xmlns:a16="http://schemas.microsoft.com/office/drawing/2014/main" id="{8D5B58D3-067C-44A2-8712-E15812E7893D}"/>
+              </a:ext>
+            </a:extLst>
+          </p:cNvPr>
+          <p:cNvSpPr>
+            <a:spLocks noGrp="1"/>
+          </p:cNvSpPr>
+          <p:nvPr>
+            <p:ph type="body" idx="1"/>
+          </p:nvPr>
+        </p:nvSpPr>
+        <p:spPr>
+          <a:xfrm>
+            <a:off x="831850" y="4589463"/>
+            <a:ext cx="10515600" cy="1500187"/>
+          </a:xfrm>
+        </p:spPr>
+        <p:txBody>
+          <a:bodyPr/>
+          <a:lstStyle>
+            <a:lvl1pPr marL="0" indent="0">
+              <a:buNone/>
+              <a:defRPr sz="2400">
+                <a:solidFill>
+                  <a:schemeClr val="tx1">
+                    <a:tint val="75000"/>
+                  </a:schemeClr>
+                </a:solidFill>
+              </a:defRPr>
+            </a:lvl1pPr>
+            <a:lvl2pPr marL="457200" indent="0">
+              <a:buNone/>
+              <a:defRPr sz="2000">
+                <a:solidFill>
+                  <a:schemeClr val="tx1">
+                    <a:tint val="75000"/>
+                  </a:schemeClr>
+                </a:solidFill>
+              </a:defRPr>
+            </a:lvl2pPr>
+            <a:lvl3pPr marL="914400" indent="0">
+              <a:buNone/>
+              <a:defRPr sz="1800">
+                <a:solidFill>
+                  <a:schemeClr val="tx1">
+                    <a:tint val="75000"/>
+                  </a:schemeClr>
+                </a:solidFill>
+              </a:defRPr>
+            </a:lvl3pPr>
+            <a:lvl4pPr marL="1371600" indent="0">
+              <a:buNone/>
+              <a:defRPr sz="1600">
+                <a:solidFill>
+                  <a:schemeClr val="tx1">
+                    <a:tint val="75000"/>
+                  </a:schemeClr>
+                </a:solidFill>
+              </a:defRPr>
+            </a:lvl4pPr>
+            <a:lvl5pPr marL="1828800" indent="0">
+              <a:buNone/>
+              <a:defRPr sz="1600">
+                <a:solidFill>
+                  <a:schemeClr val="tx1">
+                    <a:tint val="75000"/>
+                  </a:schemeClr>
+                </a:solidFill>
+              </a:defRPr>
+            </a:lvl5pPr>
+            <a:lvl6pPr marL="2286000" indent="0">
+              <a:buNone/>
+              <a:defRPr sz="1600">
+                <a:solidFill>
+                  <a:schemeClr val="tx1">
+                    <a:tint val="75000"/>
+                  </a:schemeClr>
+                </a:solidFill>
+              </a:defRPr>
+            </a:lvl6pPr>
+            <a:lvl7pPr marL="2743200" indent="0">
+              <a:buNone/>
+              <a:defRPr sz="1600">
+                <a:solidFill>
+                  <a:schemeClr val="tx1">
+                    <a:tint val="75000"/>
+                  </a:schemeClr>
+                </a:solidFill>
+              </a:defRPr>
+            </a:lvl7pPr>
+            <a:lvl8pPr marL="3200400" indent="0">
+              <a:buNone/>
+              <a:defRPr sz="1600">
+                <a:solidFill>
+                  <a:schemeClr val="tx1">
+                    <a:tint val="75000"/>
+                  </a:schemeClr>
+                </a:solidFill>
+              </a:defRPr>
+            </a:lvl8pPr>
+            <a:lvl9pPr marL="3657600" indent="0">
+              <a:buNone/>
+              <a:defRPr sz="1600">
+                <a:solidFill>
+                  <a:schemeClr val="tx1">
+                    <a:tint val="75000"/>
+                  </a:schemeClr>
+                </a:solidFill>
+              </a:defRPr>
+            </a:lvl9pPr>
+          </a:lstStyle>
+          <a:p>
+            <a:pPr lvl="0"/>
+            <a:r>
+              <a:rPr lang="en-US"/>
+              <a:t>Click to edit Master text styles</a:t>
+            </a:r>
+          </a:p>
+        </p:txBody>
+      </p:sp>
+      <p:sp>
+        <p:nvSpPr>
+          <p:cNvPr id="4" name="Date Placeholder 3">
+            <a:extLst>
+              <a:ext uri="{FF2B5EF4-FFF2-40B4-BE49-F238E27FC236}">
+                <a16:creationId xmlns:a16="http://schemas.microsoft.com/office/drawing/2014/main" id="{EB20BCD9-19D2-4DEB-8E86-813B357838FE}"/>
+              </a:ext>
+            </a:extLst>
+          </p:cNvPr>
+          <p:cNvSpPr>
+            <a:spLocks noGrp="1"/>
+          </p:cNvSpPr>
+          <p:nvPr>
+            <p:ph type="dt" sz="half" idx="10"/>
+          </p:nvPr>
+        </p:nvSpPr>
+        <p:spPr/>
+        <p:txBody>
+          <a:bodyPr/>
+          <a:lstStyle/>
+          <a:p>
+            <a:fld id="{23ECED23-8745-4DCB-895C-E52D60B1B0C5}" type="datetimeFigureOut">
+              <a:rPr lang="en-CA" smtClean="0"/>
+              <a:t>2021-11-30</a:t>
+            </a:fld>
+            <a:endParaRPr lang="en-CA"/>
+          </a:p>
+        </p:txBody>
+      </p:sp>
+      <p:sp>
+        <p:nvSpPr>
+          <p:cNvPr id="5" name="Footer Placeholder 4">
+            <a:extLst>
+              <a:ext uri="{FF2B5EF4-FFF2-40B4-BE49-F238E27FC236}">
+                <a16:creationId xmlns:a16="http://schemas.microsoft.com/office/drawing/2014/main" id="{33C515FB-2A59-4CD4-BCDC-6DCF0FE10D47}"/>
+              </a:ext>
+            </a:extLst>
+          </p:cNvPr>
+          <p:cNvSpPr>
+            <a:spLocks noGrp="1"/>
+          </p:cNvSpPr>
+          <p:nvPr>
+            <p:ph type="ftr" sz="quarter" idx="11"/>
+          </p:nvPr>
+        </p:nvSpPr>
+        <p:spPr/>
+        <p:txBody>
+          <a:bodyPr/>
+          <a:lstStyle/>
+          <a:p>
+            <a:endParaRPr lang="en-CA"/>
+          </a:p>
+        </p:txBody>
+      </p:sp>
+      <p:sp>
+        <p:nvSpPr>
+          <p:cNvPr id="6" name="Slide Number Placeholder 5">
+            <a:extLst>
+              <a:ext uri="{FF2B5EF4-FFF2-40B4-BE49-F238E27FC236}">
+                <a16:creationId xmlns:a16="http://schemas.microsoft.com/office/drawing/2014/main" id="{9333110C-C537-4634-8671-DF72D1C726FE}"/>
+              </a:ext>
+            </a:extLst>
+          </p:cNvPr>
+          <p:cNvSpPr>
+            <a:spLocks noGrp="1"/>
+          </p:cNvSpPr>
+          <p:nvPr>
+            <p:ph type="sldNum" sz="quarter" idx="12"/>
+          </p:nvPr>
+        </p:nvSpPr>
+        <p:spPr/>
+        <p:txBody>
+          <a:bodyPr/>
+          <a:lstStyle/>
+          <a:p>
+            <a:fld id="{D5A24872-EE29-46BC-97FE-F0E9E3FE5808}" type="slidenum">
+              <a:rPr lang="en-CA" smtClean="0"/>
+              <a:t>‹#›</a:t>
+            </a:fld>
+            <a:endParaRPr lang="en-CA"/>
+          </a:p>
+        </p:txBody>
+      </p:sp>
+    </p:spTree>
+    <p:extLst>
+      <p:ext uri="{BB962C8B-B14F-4D97-AF65-F5344CB8AC3E}">
+        <p14:creationId xmlns:p14="http://schemas.microsoft.com/office/powerpoint/2010/main" val="78758270"/>
+      </p:ext>
+    </p:extLst>
+  </p:cSld>
+  <p:clrMapOvr>
+    <a:masterClrMapping/>
+  </p:clrMapOvr>
+</p:sldLayout>
+</file>
+
+<file path=ppt/slideLayouts/slideLayout21.xml><?xml version="1.0" encoding="utf-8"?>
+<p:sldLayout xmlns:a="http://schemas.openxmlformats.org/drawingml/2006/main" xmlns:r="http://schemas.openxmlformats.org/officeDocument/2006/relationships" xmlns:p="http://schemas.openxmlformats.org/presentationml/2006/main" type="twoObj" preserve="1">
+  <p:cSld name="Two Content">
+    <p:spTree>
+      <p:nvGrpSpPr>
+        <p:cNvPr id="1" name=""/>
+        <p:cNvGrpSpPr/>
+        <p:nvPr/>
+      </p:nvGrpSpPr>
+      <p:grpSpPr>
+        <a:xfrm>
+          <a:off x="0" y="0"/>
+          <a:ext cx="0" cy="0"/>
+          <a:chOff x="0" y="0"/>
+          <a:chExt cx="0" cy="0"/>
+        </a:xfrm>
+      </p:grpSpPr>
+      <p:sp>
+        <p:nvSpPr>
+          <p:cNvPr id="2" name="Title 1">
+            <a:extLst>
+              <a:ext uri="{FF2B5EF4-FFF2-40B4-BE49-F238E27FC236}">
+                <a16:creationId xmlns:a16="http://schemas.microsoft.com/office/drawing/2014/main" id="{82EE1296-9123-435E-8272-F987D1911102}"/>
+              </a:ext>
+            </a:extLst>
+          </p:cNvPr>
+          <p:cNvSpPr>
+            <a:spLocks noGrp="1"/>
+          </p:cNvSpPr>
+          <p:nvPr>
+            <p:ph type="title"/>
+          </p:nvPr>
+        </p:nvSpPr>
+        <p:spPr/>
+        <p:txBody>
+          <a:bodyPr/>
+          <a:lstStyle/>
+          <a:p>
+            <a:r>
+              <a:rPr lang="en-US"/>
+              <a:t>Click to edit Master title style</a:t>
+            </a:r>
+            <a:endParaRPr lang="en-CA"/>
+          </a:p>
+        </p:txBody>
+      </p:sp>
+      <p:sp>
+        <p:nvSpPr>
+          <p:cNvPr id="3" name="Content Placeholder 2">
+            <a:extLst>
+              <a:ext uri="{FF2B5EF4-FFF2-40B4-BE49-F238E27FC236}">
+                <a16:creationId xmlns:a16="http://schemas.microsoft.com/office/drawing/2014/main" id="{24C4C9BE-8AC6-4DC1-A094-F32734A936EE}"/>
+              </a:ext>
+            </a:extLst>
+          </p:cNvPr>
+          <p:cNvSpPr>
+            <a:spLocks noGrp="1"/>
+          </p:cNvSpPr>
+          <p:nvPr>
+            <p:ph sz="half" idx="1"/>
+          </p:nvPr>
+        </p:nvSpPr>
+        <p:spPr>
+          <a:xfrm>
+            <a:off x="838200" y="1825625"/>
+            <a:ext cx="5181600" cy="4351338"/>
+          </a:xfrm>
+        </p:spPr>
+        <p:txBody>
+          <a:bodyPr/>
+          <a:lstStyle/>
+          <a:p>
+            <a:pPr lvl="0"/>
+            <a:r>
+              <a:rPr lang="en-US"/>
+              <a:t>Click to edit Master text styles</a:t>
+            </a:r>
+          </a:p>
+          <a:p>
+            <a:pPr lvl="1"/>
+            <a:r>
+              <a:rPr lang="en-US"/>
+              <a:t>Second level</a:t>
+            </a:r>
+          </a:p>
+          <a:p>
+            <a:pPr lvl="2"/>
+            <a:r>
+              <a:rPr lang="en-US"/>
+              <a:t>Third level</a:t>
+            </a:r>
+          </a:p>
+          <a:p>
+            <a:pPr lvl="3"/>
+            <a:r>
+              <a:rPr lang="en-US"/>
+              <a:t>Fourth level</a:t>
+            </a:r>
+          </a:p>
+          <a:p>
+            <a:pPr lvl="4"/>
+            <a:r>
+              <a:rPr lang="en-US"/>
+              <a:t>Fifth level</a:t>
+            </a:r>
+            <a:endParaRPr lang="en-CA"/>
+          </a:p>
+        </p:txBody>
+      </p:sp>
+      <p:sp>
+        <p:nvSpPr>
+          <p:cNvPr id="4" name="Content Placeholder 3">
+            <a:extLst>
+              <a:ext uri="{FF2B5EF4-FFF2-40B4-BE49-F238E27FC236}">
+                <a16:creationId xmlns:a16="http://schemas.microsoft.com/office/drawing/2014/main" id="{92D03455-F531-4B05-9028-AF7B80F6829C}"/>
+              </a:ext>
+            </a:extLst>
+          </p:cNvPr>
+          <p:cNvSpPr>
+            <a:spLocks noGrp="1"/>
+          </p:cNvSpPr>
+          <p:nvPr>
+            <p:ph sz="half" idx="2"/>
+          </p:nvPr>
+        </p:nvSpPr>
+        <p:spPr>
+          <a:xfrm>
+            <a:off x="6172200" y="1825625"/>
+            <a:ext cx="5181600" cy="4351338"/>
+          </a:xfrm>
+        </p:spPr>
+        <p:txBody>
+          <a:bodyPr/>
+          <a:lstStyle/>
+          <a:p>
+            <a:pPr lvl="0"/>
+            <a:r>
+              <a:rPr lang="en-US"/>
+              <a:t>Click to edit Master text styles</a:t>
+            </a:r>
+          </a:p>
+          <a:p>
+            <a:pPr lvl="1"/>
+            <a:r>
+              <a:rPr lang="en-US"/>
+              <a:t>Second level</a:t>
+            </a:r>
+          </a:p>
+          <a:p>
+            <a:pPr lvl="2"/>
+            <a:r>
+              <a:rPr lang="en-US"/>
+              <a:t>Third level</a:t>
+            </a:r>
+          </a:p>
+          <a:p>
+            <a:pPr lvl="3"/>
+            <a:r>
+              <a:rPr lang="en-US"/>
+              <a:t>Fourth level</a:t>
+            </a:r>
+          </a:p>
+          <a:p>
+            <a:pPr lvl="4"/>
+            <a:r>
+              <a:rPr lang="en-US"/>
+              <a:t>Fifth level</a:t>
+            </a:r>
+            <a:endParaRPr lang="en-CA"/>
+          </a:p>
+        </p:txBody>
+      </p:sp>
+      <p:sp>
+        <p:nvSpPr>
+          <p:cNvPr id="5" name="Date Placeholder 4">
+            <a:extLst>
+              <a:ext uri="{FF2B5EF4-FFF2-40B4-BE49-F238E27FC236}">
+                <a16:creationId xmlns:a16="http://schemas.microsoft.com/office/drawing/2014/main" id="{3A2B220B-AECB-4801-B704-8A10BB01706F}"/>
+              </a:ext>
+            </a:extLst>
+          </p:cNvPr>
+          <p:cNvSpPr>
+            <a:spLocks noGrp="1"/>
+          </p:cNvSpPr>
+          <p:nvPr>
+            <p:ph type="dt" sz="half" idx="10"/>
+          </p:nvPr>
+        </p:nvSpPr>
+        <p:spPr/>
+        <p:txBody>
+          <a:bodyPr/>
+          <a:lstStyle/>
+          <a:p>
+            <a:fld id="{23ECED23-8745-4DCB-895C-E52D60B1B0C5}" type="datetimeFigureOut">
+              <a:rPr lang="en-CA" smtClean="0"/>
+              <a:t>2021-11-30</a:t>
+            </a:fld>
+            <a:endParaRPr lang="en-CA"/>
+          </a:p>
+        </p:txBody>
+      </p:sp>
+      <p:sp>
+        <p:nvSpPr>
+          <p:cNvPr id="6" name="Footer Placeholder 5">
+            <a:extLst>
+              <a:ext uri="{FF2B5EF4-FFF2-40B4-BE49-F238E27FC236}">
+                <a16:creationId xmlns:a16="http://schemas.microsoft.com/office/drawing/2014/main" id="{327F6FDC-F0A0-4DEC-B3C4-C3AC9814C801}"/>
+              </a:ext>
+            </a:extLst>
+          </p:cNvPr>
+          <p:cNvSpPr>
+            <a:spLocks noGrp="1"/>
+          </p:cNvSpPr>
+          <p:nvPr>
+            <p:ph type="ftr" sz="quarter" idx="11"/>
+          </p:nvPr>
+        </p:nvSpPr>
+        <p:spPr/>
+        <p:txBody>
+          <a:bodyPr/>
+          <a:lstStyle/>
+          <a:p>
+            <a:endParaRPr lang="en-CA"/>
+          </a:p>
+        </p:txBody>
+      </p:sp>
+      <p:sp>
+        <p:nvSpPr>
+          <p:cNvPr id="7" name="Slide Number Placeholder 6">
+            <a:extLst>
+              <a:ext uri="{FF2B5EF4-FFF2-40B4-BE49-F238E27FC236}">
+                <a16:creationId xmlns:a16="http://schemas.microsoft.com/office/drawing/2014/main" id="{69BCDD38-765B-4F52-85BE-38DEC7750B9D}"/>
+              </a:ext>
+            </a:extLst>
+          </p:cNvPr>
+          <p:cNvSpPr>
+            <a:spLocks noGrp="1"/>
+          </p:cNvSpPr>
+          <p:nvPr>
+            <p:ph type="sldNum" sz="quarter" idx="12"/>
+          </p:nvPr>
+        </p:nvSpPr>
+        <p:spPr/>
+        <p:txBody>
+          <a:bodyPr/>
+          <a:lstStyle/>
+          <a:p>
+            <a:fld id="{D5A24872-EE29-46BC-97FE-F0E9E3FE5808}" type="slidenum">
+              <a:rPr lang="en-CA" smtClean="0"/>
+              <a:t>‹#›</a:t>
+            </a:fld>
+            <a:endParaRPr lang="en-CA"/>
+          </a:p>
+        </p:txBody>
+      </p:sp>
+    </p:spTree>
+    <p:extLst>
+      <p:ext uri="{BB962C8B-B14F-4D97-AF65-F5344CB8AC3E}">
+        <p14:creationId xmlns:p14="http://schemas.microsoft.com/office/powerpoint/2010/main" val="1709704574"/>
+      </p:ext>
+    </p:extLst>
+  </p:cSld>
+  <p:clrMapOvr>
+    <a:masterClrMapping/>
+  </p:clrMapOvr>
+</p:sldLayout>
+</file>
+
+<file path=ppt/slideLayouts/slideLayout22.xml><?xml version="1.0" encoding="utf-8"?>
+<p:sldLayout xmlns:a="http://schemas.openxmlformats.org/drawingml/2006/main" xmlns:r="http://schemas.openxmlformats.org/officeDocument/2006/relationships" xmlns:p="http://schemas.openxmlformats.org/presentationml/2006/main" type="twoTxTwoObj" preserve="1">
+  <p:cSld name="Comparison">
+    <p:spTree>
+      <p:nvGrpSpPr>
+        <p:cNvPr id="1" name=""/>
+        <p:cNvGrpSpPr/>
+        <p:nvPr/>
+      </p:nvGrpSpPr>
+      <p:grpSpPr>
+        <a:xfrm>
+          <a:off x="0" y="0"/>
+          <a:ext cx="0" cy="0"/>
+          <a:chOff x="0" y="0"/>
+          <a:chExt cx="0" cy="0"/>
+        </a:xfrm>
+      </p:grpSpPr>
+      <p:sp>
+        <p:nvSpPr>
+          <p:cNvPr id="2" name="Title 1">
+            <a:extLst>
+              <a:ext uri="{FF2B5EF4-FFF2-40B4-BE49-F238E27FC236}">
+                <a16:creationId xmlns:a16="http://schemas.microsoft.com/office/drawing/2014/main" id="{5695D87E-87E8-4754-B5BA-EB87773E83F8}"/>
+              </a:ext>
+            </a:extLst>
+          </p:cNvPr>
+          <p:cNvSpPr>
+            <a:spLocks noGrp="1"/>
+          </p:cNvSpPr>
+          <p:nvPr>
+            <p:ph type="title"/>
+          </p:nvPr>
+        </p:nvSpPr>
+        <p:spPr>
+          <a:xfrm>
+            <a:off x="839788" y="365125"/>
+            <a:ext cx="10515600" cy="1325563"/>
+          </a:xfrm>
+        </p:spPr>
+        <p:txBody>
+          <a:bodyPr/>
+          <a:lstStyle/>
+          <a:p>
+            <a:r>
+              <a:rPr lang="en-US"/>
+              <a:t>Click to edit Master title style</a:t>
+            </a:r>
+            <a:endParaRPr lang="en-CA"/>
+          </a:p>
+        </p:txBody>
+      </p:sp>
+      <p:sp>
+        <p:nvSpPr>
+          <p:cNvPr id="3" name="Text Placeholder 2">
+            <a:extLst>
+              <a:ext uri="{FF2B5EF4-FFF2-40B4-BE49-F238E27FC236}">
+                <a16:creationId xmlns:a16="http://schemas.microsoft.com/office/drawing/2014/main" id="{B27E458B-CD33-4416-92B4-656744594B07}"/>
+              </a:ext>
+            </a:extLst>
+          </p:cNvPr>
+          <p:cNvSpPr>
+            <a:spLocks noGrp="1"/>
+          </p:cNvSpPr>
+          <p:nvPr>
+            <p:ph type="body" idx="1"/>
+          </p:nvPr>
+        </p:nvSpPr>
+        <p:spPr>
+          <a:xfrm>
+            <a:off x="839788" y="1681163"/>
+            <a:ext cx="5157787" cy="823912"/>
+          </a:xfrm>
+        </p:spPr>
+        <p:txBody>
+          <a:bodyPr anchor="b"/>
+          <a:lstStyle>
+            <a:lvl1pPr marL="0" indent="0">
+              <a:buNone/>
+              <a:defRPr sz="2400" b="1"/>
+            </a:lvl1pPr>
+            <a:lvl2pPr marL="457200" indent="0">
+              <a:buNone/>
+              <a:defRPr sz="2000" b="1"/>
+            </a:lvl2pPr>
+            <a:lvl3pPr marL="914400" indent="0">
+              <a:buNone/>
+              <a:defRPr sz="1800" b="1"/>
+            </a:lvl3pPr>
+            <a:lvl4pPr marL="1371600" indent="0">
+              <a:buNone/>
+              <a:defRPr sz="1600" b="1"/>
+            </a:lvl4pPr>
+            <a:lvl5pPr marL="1828800" indent="0">
+              <a:buNone/>
+              <a:defRPr sz="1600" b="1"/>
+            </a:lvl5pPr>
+            <a:lvl6pPr marL="2286000" indent="0">
+              <a:buNone/>
+              <a:defRPr sz="1600" b="1"/>
+            </a:lvl6pPr>
+            <a:lvl7pPr marL="2743200" indent="0">
+              <a:buNone/>
+              <a:defRPr sz="1600" b="1"/>
+            </a:lvl7pPr>
+            <a:lvl8pPr marL="3200400" indent="0">
+              <a:buNone/>
+              <a:defRPr sz="1600" b="1"/>
+            </a:lvl8pPr>
+            <a:lvl9pPr marL="3657600" indent="0">
+              <a:buNone/>
+              <a:defRPr sz="1600" b="1"/>
+            </a:lvl9pPr>
+          </a:lstStyle>
+          <a:p>
+            <a:pPr lvl="0"/>
+            <a:r>
+              <a:rPr lang="en-US"/>
+              <a:t>Click to edit Master text styles</a:t>
+            </a:r>
+          </a:p>
+        </p:txBody>
+      </p:sp>
+      <p:sp>
+        <p:nvSpPr>
+          <p:cNvPr id="4" name="Content Placeholder 3">
+            <a:extLst>
+              <a:ext uri="{FF2B5EF4-FFF2-40B4-BE49-F238E27FC236}">
+                <a16:creationId xmlns:a16="http://schemas.microsoft.com/office/drawing/2014/main" id="{8F1A48C5-B364-49AE-965D-B1C2F4851A5B}"/>
+              </a:ext>
+            </a:extLst>
+          </p:cNvPr>
+          <p:cNvSpPr>
+            <a:spLocks noGrp="1"/>
+          </p:cNvSpPr>
+          <p:nvPr>
+            <p:ph sz="half" idx="2"/>
+          </p:nvPr>
+        </p:nvSpPr>
+        <p:spPr>
+          <a:xfrm>
+            <a:off x="839788" y="2505075"/>
+            <a:ext cx="5157787" cy="3684588"/>
+          </a:xfrm>
+        </p:spPr>
+        <p:txBody>
+          <a:bodyPr/>
+          <a:lstStyle/>
+          <a:p>
+            <a:pPr lvl="0"/>
+            <a:r>
+              <a:rPr lang="en-US"/>
+              <a:t>Click to edit Master text styles</a:t>
+            </a:r>
+          </a:p>
+          <a:p>
+            <a:pPr lvl="1"/>
+            <a:r>
+              <a:rPr lang="en-US"/>
+              <a:t>Second level</a:t>
+            </a:r>
+          </a:p>
+          <a:p>
+            <a:pPr lvl="2"/>
+            <a:r>
+              <a:rPr lang="en-US"/>
+              <a:t>Third level</a:t>
+            </a:r>
+          </a:p>
+          <a:p>
+            <a:pPr lvl="3"/>
+            <a:r>
+              <a:rPr lang="en-US"/>
+              <a:t>Fourth level</a:t>
+            </a:r>
+          </a:p>
+          <a:p>
+            <a:pPr lvl="4"/>
+            <a:r>
+              <a:rPr lang="en-US"/>
+              <a:t>Fifth level</a:t>
+            </a:r>
+            <a:endParaRPr lang="en-CA"/>
+          </a:p>
+        </p:txBody>
+      </p:sp>
+      <p:sp>
+        <p:nvSpPr>
+          <p:cNvPr id="5" name="Text Placeholder 4">
+            <a:extLst>
+              <a:ext uri="{FF2B5EF4-FFF2-40B4-BE49-F238E27FC236}">
+                <a16:creationId xmlns:a16="http://schemas.microsoft.com/office/drawing/2014/main" id="{9AFDAA88-9B7D-4684-908B-1A1F71D6AD5D}"/>
+              </a:ext>
+            </a:extLst>
+          </p:cNvPr>
+          <p:cNvSpPr>
+            <a:spLocks noGrp="1"/>
+          </p:cNvSpPr>
+          <p:nvPr>
+            <p:ph type="body" sz="quarter" idx="3"/>
+          </p:nvPr>
+        </p:nvSpPr>
+        <p:spPr>
+          <a:xfrm>
+            <a:off x="6172200" y="1681163"/>
+            <a:ext cx="5183188" cy="823912"/>
+          </a:xfrm>
+        </p:spPr>
+        <p:txBody>
+          <a:bodyPr anchor="b"/>
+          <a:lstStyle>
+            <a:lvl1pPr marL="0" indent="0">
+              <a:buNone/>
+              <a:defRPr sz="2400" b="1"/>
+            </a:lvl1pPr>
+            <a:lvl2pPr marL="457200" indent="0">
+              <a:buNone/>
+              <a:defRPr sz="2000" b="1"/>
+            </a:lvl2pPr>
+            <a:lvl3pPr marL="914400" indent="0">
+              <a:buNone/>
+              <a:defRPr sz="1800" b="1"/>
+            </a:lvl3pPr>
+            <a:lvl4pPr marL="1371600" indent="0">
+              <a:buNone/>
+              <a:defRPr sz="1600" b="1"/>
+            </a:lvl4pPr>
+            <a:lvl5pPr marL="1828800" indent="0">
+              <a:buNone/>
+              <a:defRPr sz="1600" b="1"/>
+            </a:lvl5pPr>
+            <a:lvl6pPr marL="2286000" indent="0">
+              <a:buNone/>
+              <a:defRPr sz="1600" b="1"/>
+            </a:lvl6pPr>
+            <a:lvl7pPr marL="2743200" indent="0">
+              <a:buNone/>
+              <a:defRPr sz="1600" b="1"/>
+            </a:lvl7pPr>
+            <a:lvl8pPr marL="3200400" indent="0">
+              <a:buNone/>
+              <a:defRPr sz="1600" b="1"/>
+            </a:lvl8pPr>
+            <a:lvl9pPr marL="3657600" indent="0">
+              <a:buNone/>
+              <a:defRPr sz="1600" b="1"/>
+            </a:lvl9pPr>
+          </a:lstStyle>
+          <a:p>
+            <a:pPr lvl="0"/>
+            <a:r>
+              <a:rPr lang="en-US"/>
+              <a:t>Click to edit Master text styles</a:t>
+            </a:r>
+          </a:p>
+        </p:txBody>
+      </p:sp>
+      <p:sp>
+        <p:nvSpPr>
+          <p:cNvPr id="6" name="Content Placeholder 5">
+            <a:extLst>
+              <a:ext uri="{FF2B5EF4-FFF2-40B4-BE49-F238E27FC236}">
+                <a16:creationId xmlns:a16="http://schemas.microsoft.com/office/drawing/2014/main" id="{8FEBB0A9-2358-4480-BE80-DE0604F70E32}"/>
+              </a:ext>
+            </a:extLst>
+          </p:cNvPr>
+          <p:cNvSpPr>
+            <a:spLocks noGrp="1"/>
+          </p:cNvSpPr>
+          <p:nvPr>
+            <p:ph sz="quarter" idx="4"/>
+          </p:nvPr>
+        </p:nvSpPr>
+        <p:spPr>
+          <a:xfrm>
+            <a:off x="6172200" y="2505075"/>
+            <a:ext cx="5183188" cy="3684588"/>
+          </a:xfrm>
+        </p:spPr>
+        <p:txBody>
+          <a:bodyPr/>
+          <a:lstStyle/>
+          <a:p>
+            <a:pPr lvl="0"/>
+            <a:r>
+              <a:rPr lang="en-US"/>
+              <a:t>Click to edit Master text styles</a:t>
+            </a:r>
+          </a:p>
+          <a:p>
+            <a:pPr lvl="1"/>
+            <a:r>
+              <a:rPr lang="en-US"/>
+              <a:t>Second level</a:t>
+            </a:r>
+          </a:p>
+          <a:p>
+            <a:pPr lvl="2"/>
+            <a:r>
+              <a:rPr lang="en-US"/>
+              <a:t>Third level</a:t>
+            </a:r>
+          </a:p>
+          <a:p>
+            <a:pPr lvl="3"/>
+            <a:r>
+              <a:rPr lang="en-US"/>
+              <a:t>Fourth level</a:t>
+            </a:r>
+          </a:p>
+          <a:p>
+            <a:pPr lvl="4"/>
+            <a:r>
+              <a:rPr lang="en-US"/>
+              <a:t>Fifth level</a:t>
+            </a:r>
+            <a:endParaRPr lang="en-CA"/>
+          </a:p>
+        </p:txBody>
+      </p:sp>
+      <p:sp>
+        <p:nvSpPr>
+          <p:cNvPr id="7" name="Date Placeholder 6">
+            <a:extLst>
+              <a:ext uri="{FF2B5EF4-FFF2-40B4-BE49-F238E27FC236}">
+                <a16:creationId xmlns:a16="http://schemas.microsoft.com/office/drawing/2014/main" id="{11FA2416-987C-4F1C-BF27-6E26AECA58C1}"/>
+              </a:ext>
+            </a:extLst>
+          </p:cNvPr>
+          <p:cNvSpPr>
+            <a:spLocks noGrp="1"/>
+          </p:cNvSpPr>
+          <p:nvPr>
+            <p:ph type="dt" sz="half" idx="10"/>
+          </p:nvPr>
+        </p:nvSpPr>
+        <p:spPr/>
+        <p:txBody>
+          <a:bodyPr/>
+          <a:lstStyle/>
+          <a:p>
+            <a:fld id="{23ECED23-8745-4DCB-895C-E52D60B1B0C5}" type="datetimeFigureOut">
+              <a:rPr lang="en-CA" smtClean="0"/>
+              <a:t>2021-11-30</a:t>
+            </a:fld>
+            <a:endParaRPr lang="en-CA"/>
+          </a:p>
+        </p:txBody>
+      </p:sp>
+      <p:sp>
+        <p:nvSpPr>
+          <p:cNvPr id="8" name="Footer Placeholder 7">
+            <a:extLst>
+              <a:ext uri="{FF2B5EF4-FFF2-40B4-BE49-F238E27FC236}">
+                <a16:creationId xmlns:a16="http://schemas.microsoft.com/office/drawing/2014/main" id="{2377FEAA-67C4-4A7F-A26D-917F5E9805F5}"/>
+              </a:ext>
+            </a:extLst>
+          </p:cNvPr>
+          <p:cNvSpPr>
+            <a:spLocks noGrp="1"/>
+          </p:cNvSpPr>
+          <p:nvPr>
+            <p:ph type="ftr" sz="quarter" idx="11"/>
+          </p:nvPr>
+        </p:nvSpPr>
+        <p:spPr/>
+        <p:txBody>
+          <a:bodyPr/>
+          <a:lstStyle/>
+          <a:p>
+            <a:endParaRPr lang="en-CA"/>
+          </a:p>
+        </p:txBody>
+      </p:sp>
+      <p:sp>
+        <p:nvSpPr>
+          <p:cNvPr id="9" name="Slide Number Placeholder 8">
+            <a:extLst>
+              <a:ext uri="{FF2B5EF4-FFF2-40B4-BE49-F238E27FC236}">
+                <a16:creationId xmlns:a16="http://schemas.microsoft.com/office/drawing/2014/main" id="{ECD8E294-5292-40A7-B945-33555A3A42FA}"/>
+              </a:ext>
+            </a:extLst>
+          </p:cNvPr>
+          <p:cNvSpPr>
+            <a:spLocks noGrp="1"/>
+          </p:cNvSpPr>
+          <p:nvPr>
+            <p:ph type="sldNum" sz="quarter" idx="12"/>
+          </p:nvPr>
+        </p:nvSpPr>
+        <p:spPr/>
+        <p:txBody>
+          <a:bodyPr/>
+          <a:lstStyle/>
+          <a:p>
+            <a:fld id="{D5A24872-EE29-46BC-97FE-F0E9E3FE5808}" type="slidenum">
+              <a:rPr lang="en-CA" smtClean="0"/>
+              <a:t>‹#›</a:t>
+            </a:fld>
+            <a:endParaRPr lang="en-CA"/>
+          </a:p>
+        </p:txBody>
+      </p:sp>
+    </p:spTree>
+    <p:extLst>
+      <p:ext uri="{BB962C8B-B14F-4D97-AF65-F5344CB8AC3E}">
+        <p14:creationId xmlns:p14="http://schemas.microsoft.com/office/powerpoint/2010/main" val="4262319158"/>
+      </p:ext>
+    </p:extLst>
+  </p:cSld>
+  <p:clrMapOvr>
+    <a:masterClrMapping/>
+  </p:clrMapOvr>
+</p:sldLayout>
+</file>
+
+<file path=ppt/slideLayouts/slideLayout23.xml><?xml version="1.0" encoding="utf-8"?>
+<p:sldLayout xmlns:a="http://schemas.openxmlformats.org/drawingml/2006/main" xmlns:r="http://schemas.openxmlformats.org/officeDocument/2006/relationships" xmlns:p="http://schemas.openxmlformats.org/presentationml/2006/main" type="titleOnly" preserve="1">
+  <p:cSld name="Title Only">
+    <p:spTree>
+      <p:nvGrpSpPr>
+        <p:cNvPr id="1" name=""/>
+        <p:cNvGrpSpPr/>
+        <p:nvPr/>
+      </p:nvGrpSpPr>
+      <p:grpSpPr>
+        <a:xfrm>
+          <a:off x="0" y="0"/>
+          <a:ext cx="0" cy="0"/>
+          <a:chOff x="0" y="0"/>
+          <a:chExt cx="0" cy="0"/>
+        </a:xfrm>
+      </p:grpSpPr>
+      <p:sp>
+        <p:nvSpPr>
+          <p:cNvPr id="2" name="Title 1">
+            <a:extLst>
+              <a:ext uri="{FF2B5EF4-FFF2-40B4-BE49-F238E27FC236}">
+                <a16:creationId xmlns:a16="http://schemas.microsoft.com/office/drawing/2014/main" id="{B40A4896-E239-4C6E-9A3A-7EDBF402E2B5}"/>
+              </a:ext>
+            </a:extLst>
+          </p:cNvPr>
+          <p:cNvSpPr>
+            <a:spLocks noGrp="1"/>
+          </p:cNvSpPr>
+          <p:nvPr>
+            <p:ph type="title"/>
+          </p:nvPr>
+        </p:nvSpPr>
+        <p:spPr/>
+        <p:txBody>
+          <a:bodyPr/>
+          <a:lstStyle/>
+          <a:p>
+            <a:r>
+              <a:rPr lang="en-US"/>
+              <a:t>Click to edit Master title style</a:t>
+            </a:r>
+            <a:endParaRPr lang="en-CA"/>
+          </a:p>
+        </p:txBody>
+      </p:sp>
+      <p:sp>
+        <p:nvSpPr>
+          <p:cNvPr id="3" name="Date Placeholder 2">
+            <a:extLst>
+              <a:ext uri="{FF2B5EF4-FFF2-40B4-BE49-F238E27FC236}">
+                <a16:creationId xmlns:a16="http://schemas.microsoft.com/office/drawing/2014/main" id="{4292CF85-1371-40CF-9CCA-C6D810439E48}"/>
+              </a:ext>
+            </a:extLst>
+          </p:cNvPr>
+          <p:cNvSpPr>
+            <a:spLocks noGrp="1"/>
+          </p:cNvSpPr>
+          <p:nvPr>
+            <p:ph type="dt" sz="half" idx="10"/>
+          </p:nvPr>
+        </p:nvSpPr>
+        <p:spPr/>
+        <p:txBody>
+          <a:bodyPr/>
+          <a:lstStyle/>
+          <a:p>
+            <a:fld id="{23ECED23-8745-4DCB-895C-E52D60B1B0C5}" type="datetimeFigureOut">
+              <a:rPr lang="en-CA" smtClean="0"/>
+              <a:t>2021-11-30</a:t>
+            </a:fld>
+            <a:endParaRPr lang="en-CA"/>
+          </a:p>
+        </p:txBody>
+      </p:sp>
+      <p:sp>
+        <p:nvSpPr>
+          <p:cNvPr id="4" name="Footer Placeholder 3">
+            <a:extLst>
+              <a:ext uri="{FF2B5EF4-FFF2-40B4-BE49-F238E27FC236}">
+                <a16:creationId xmlns:a16="http://schemas.microsoft.com/office/drawing/2014/main" id="{00AC50A8-33DB-4F83-A67B-63095268ED20}"/>
+              </a:ext>
+            </a:extLst>
+          </p:cNvPr>
+          <p:cNvSpPr>
+            <a:spLocks noGrp="1"/>
+          </p:cNvSpPr>
+          <p:nvPr>
+            <p:ph type="ftr" sz="quarter" idx="11"/>
+          </p:nvPr>
+        </p:nvSpPr>
+        <p:spPr/>
+        <p:txBody>
+          <a:bodyPr/>
+          <a:lstStyle/>
+          <a:p>
+            <a:endParaRPr lang="en-CA"/>
+          </a:p>
+        </p:txBody>
+      </p:sp>
+      <p:sp>
+        <p:nvSpPr>
+          <p:cNvPr id="5" name="Slide Number Placeholder 4">
+            <a:extLst>
+              <a:ext uri="{FF2B5EF4-FFF2-40B4-BE49-F238E27FC236}">
+                <a16:creationId xmlns:a16="http://schemas.microsoft.com/office/drawing/2014/main" id="{5BCFCF60-891D-41F4-B3A3-6A019D561531}"/>
+              </a:ext>
+            </a:extLst>
+          </p:cNvPr>
+          <p:cNvSpPr>
+            <a:spLocks noGrp="1"/>
+          </p:cNvSpPr>
+          <p:nvPr>
+            <p:ph type="sldNum" sz="quarter" idx="12"/>
+          </p:nvPr>
+        </p:nvSpPr>
+        <p:spPr/>
+        <p:txBody>
+          <a:bodyPr/>
+          <a:lstStyle/>
+          <a:p>
+            <a:fld id="{D5A24872-EE29-46BC-97FE-F0E9E3FE5808}" type="slidenum">
+              <a:rPr lang="en-CA" smtClean="0"/>
+              <a:t>‹#›</a:t>
+            </a:fld>
+            <a:endParaRPr lang="en-CA"/>
+          </a:p>
+        </p:txBody>
+      </p:sp>
+    </p:spTree>
+    <p:extLst>
+      <p:ext uri="{BB962C8B-B14F-4D97-AF65-F5344CB8AC3E}">
+        <p14:creationId xmlns:p14="http://schemas.microsoft.com/office/powerpoint/2010/main" val="319336901"/>
+      </p:ext>
+    </p:extLst>
+  </p:cSld>
+  <p:clrMapOvr>
+    <a:masterClrMapping/>
+  </p:clrMapOvr>
+</p:sldLayout>
+</file>
+
+<file path=ppt/slideLayouts/slideLayout24.xml><?xml version="1.0" encoding="utf-8"?>
+<p:sldLayout xmlns:a="http://schemas.openxmlformats.org/drawingml/2006/main" xmlns:r="http://schemas.openxmlformats.org/officeDocument/2006/relationships" xmlns:p="http://schemas.openxmlformats.org/presentationml/2006/main" type="blank" preserve="1">
+  <p:cSld name="Blank">
+    <p:spTree>
+      <p:nvGrpSpPr>
+        <p:cNvPr id="1" name=""/>
+        <p:cNvGrpSpPr/>
+        <p:nvPr/>
+      </p:nvGrpSpPr>
+      <p:grpSpPr>
+        <a:xfrm>
+          <a:off x="0" y="0"/>
+          <a:ext cx="0" cy="0"/>
+          <a:chOff x="0" y="0"/>
+          <a:chExt cx="0" cy="0"/>
+        </a:xfrm>
+      </p:grpSpPr>
+      <p:sp>
+        <p:nvSpPr>
+          <p:cNvPr id="2" name="Date Placeholder 1">
+            <a:extLst>
+              <a:ext uri="{FF2B5EF4-FFF2-40B4-BE49-F238E27FC236}">
+                <a16:creationId xmlns:a16="http://schemas.microsoft.com/office/drawing/2014/main" id="{4F6DE321-049D-4CC5-9F83-3D05D3513D88}"/>
+              </a:ext>
+            </a:extLst>
+          </p:cNvPr>
+          <p:cNvSpPr>
+            <a:spLocks noGrp="1"/>
+          </p:cNvSpPr>
+          <p:nvPr>
+            <p:ph type="dt" sz="half" idx="10"/>
+          </p:nvPr>
+        </p:nvSpPr>
+        <p:spPr/>
+        <p:txBody>
+          <a:bodyPr/>
+          <a:lstStyle/>
+          <a:p>
+            <a:fld id="{23ECED23-8745-4DCB-895C-E52D60B1B0C5}" type="datetimeFigureOut">
+              <a:rPr lang="en-CA" smtClean="0"/>
+              <a:t>2021-11-30</a:t>
+            </a:fld>
+            <a:endParaRPr lang="en-CA"/>
+          </a:p>
+        </p:txBody>
+      </p:sp>
+      <p:sp>
+        <p:nvSpPr>
+          <p:cNvPr id="3" name="Footer Placeholder 2">
+            <a:extLst>
+              <a:ext uri="{FF2B5EF4-FFF2-40B4-BE49-F238E27FC236}">
+                <a16:creationId xmlns:a16="http://schemas.microsoft.com/office/drawing/2014/main" id="{80F7F43E-2C38-4B43-886E-3F2CAF1FC430}"/>
+              </a:ext>
+            </a:extLst>
+          </p:cNvPr>
+          <p:cNvSpPr>
+            <a:spLocks noGrp="1"/>
+          </p:cNvSpPr>
+          <p:nvPr>
+            <p:ph type="ftr" sz="quarter" idx="11"/>
+          </p:nvPr>
+        </p:nvSpPr>
+        <p:spPr/>
+        <p:txBody>
+          <a:bodyPr/>
+          <a:lstStyle/>
+          <a:p>
+            <a:endParaRPr lang="en-CA"/>
+          </a:p>
+        </p:txBody>
+      </p:sp>
+      <p:sp>
+        <p:nvSpPr>
+          <p:cNvPr id="4" name="Slide Number Placeholder 3">
+            <a:extLst>
+              <a:ext uri="{FF2B5EF4-FFF2-40B4-BE49-F238E27FC236}">
+                <a16:creationId xmlns:a16="http://schemas.microsoft.com/office/drawing/2014/main" id="{918475DF-83BB-478C-893D-F07A2D33BC7A}"/>
+              </a:ext>
+            </a:extLst>
+          </p:cNvPr>
+          <p:cNvSpPr>
+            <a:spLocks noGrp="1"/>
+          </p:cNvSpPr>
+          <p:nvPr>
+            <p:ph type="sldNum" sz="quarter" idx="12"/>
+          </p:nvPr>
+        </p:nvSpPr>
+        <p:spPr/>
+        <p:txBody>
+          <a:bodyPr/>
+          <a:lstStyle/>
+          <a:p>
+            <a:fld id="{D5A24872-EE29-46BC-97FE-F0E9E3FE5808}" type="slidenum">
+              <a:rPr lang="en-CA" smtClean="0"/>
+              <a:t>‹#›</a:t>
+            </a:fld>
+            <a:endParaRPr lang="en-CA"/>
+          </a:p>
+        </p:txBody>
+      </p:sp>
+    </p:spTree>
+    <p:extLst>
+      <p:ext uri="{BB962C8B-B14F-4D97-AF65-F5344CB8AC3E}">
+        <p14:creationId xmlns:p14="http://schemas.microsoft.com/office/powerpoint/2010/main" val="3990647304"/>
+      </p:ext>
+    </p:extLst>
+  </p:cSld>
+  <p:clrMapOvr>
+    <a:masterClrMapping/>
+  </p:clrMapOvr>
+</p:sldLayout>
+</file>
+
+<file path=ppt/slideLayouts/slideLayout25.xml><?xml version="1.0" encoding="utf-8"?>
+<p:sldLayout xmlns:a="http://schemas.openxmlformats.org/drawingml/2006/main" xmlns:r="http://schemas.openxmlformats.org/officeDocument/2006/relationships" xmlns:p="http://schemas.openxmlformats.org/presentationml/2006/main" type="objTx" preserve="1">
+  <p:cSld name="Content with Caption">
+    <p:spTree>
+      <p:nvGrpSpPr>
+        <p:cNvPr id="1" name=""/>
+        <p:cNvGrpSpPr/>
+        <p:nvPr/>
+      </p:nvGrpSpPr>
+      <p:grpSpPr>
+        <a:xfrm>
+          <a:off x="0" y="0"/>
+          <a:ext cx="0" cy="0"/>
+          <a:chOff x="0" y="0"/>
+          <a:chExt cx="0" cy="0"/>
+        </a:xfrm>
+      </p:grpSpPr>
+      <p:sp>
+        <p:nvSpPr>
+          <p:cNvPr id="2" name="Title 1">
+            <a:extLst>
+              <a:ext uri="{FF2B5EF4-FFF2-40B4-BE49-F238E27FC236}">
+                <a16:creationId xmlns:a16="http://schemas.microsoft.com/office/drawing/2014/main" id="{EDD6E9E9-FE78-4A2E-B777-F83D3DE2E76C}"/>
+              </a:ext>
+            </a:extLst>
+          </p:cNvPr>
+          <p:cNvSpPr>
+            <a:spLocks noGrp="1"/>
+          </p:cNvSpPr>
+          <p:nvPr>
+            <p:ph type="title"/>
+          </p:nvPr>
+        </p:nvSpPr>
+        <p:spPr>
+          <a:xfrm>
+            <a:off x="839788" y="457200"/>
+            <a:ext cx="3932237" cy="1600200"/>
+          </a:xfrm>
+        </p:spPr>
+        <p:txBody>
+          <a:bodyPr anchor="b"/>
+          <a:lstStyle>
+            <a:lvl1pPr>
+              <a:defRPr sz="3200"/>
+            </a:lvl1pPr>
+          </a:lstStyle>
+          <a:p>
+            <a:r>
+              <a:rPr lang="en-US"/>
+              <a:t>Click to edit Master title style</a:t>
+            </a:r>
+            <a:endParaRPr lang="en-CA"/>
+          </a:p>
+        </p:txBody>
+      </p:sp>
+      <p:sp>
+        <p:nvSpPr>
+          <p:cNvPr id="3" name="Content Placeholder 2">
+            <a:extLst>
+              <a:ext uri="{FF2B5EF4-FFF2-40B4-BE49-F238E27FC236}">
+                <a16:creationId xmlns:a16="http://schemas.microsoft.com/office/drawing/2014/main" id="{58868633-DB45-4B3A-AAC5-64E88A6ED8B8}"/>
+              </a:ext>
+            </a:extLst>
+          </p:cNvPr>
+          <p:cNvSpPr>
+            <a:spLocks noGrp="1"/>
+          </p:cNvSpPr>
+          <p:nvPr>
+            <p:ph idx="1"/>
+          </p:nvPr>
+        </p:nvSpPr>
+        <p:spPr>
+          <a:xfrm>
+            <a:off x="5183188" y="987425"/>
+            <a:ext cx="6172200" cy="4873625"/>
+          </a:xfrm>
+        </p:spPr>
+        <p:txBody>
+          <a:bodyPr/>
+          <a:lstStyle>
+            <a:lvl1pPr>
+              <a:defRPr sz="3200"/>
+            </a:lvl1pPr>
+            <a:lvl2pPr>
+              <a:defRPr sz="2800"/>
+            </a:lvl2pPr>
+            <a:lvl3pPr>
+              <a:defRPr sz="2400"/>
+            </a:lvl3pPr>
+            <a:lvl4pPr>
+              <a:defRPr sz="2000"/>
+            </a:lvl4pPr>
+            <a:lvl5pPr>
+              <a:defRPr sz="2000"/>
+            </a:lvl5pPr>
+            <a:lvl6pPr>
+              <a:defRPr sz="2000"/>
+            </a:lvl6pPr>
+            <a:lvl7pPr>
+              <a:defRPr sz="2000"/>
+            </a:lvl7pPr>
+            <a:lvl8pPr>
+              <a:defRPr sz="2000"/>
+            </a:lvl8pPr>
+            <a:lvl9pPr>
+              <a:defRPr sz="2000"/>
+            </a:lvl9pPr>
+          </a:lstStyle>
+          <a:p>
+            <a:pPr lvl="0"/>
+            <a:r>
+              <a:rPr lang="en-US"/>
+              <a:t>Click to edit Master text styles</a:t>
+            </a:r>
+          </a:p>
+          <a:p>
+            <a:pPr lvl="1"/>
+            <a:r>
+              <a:rPr lang="en-US"/>
+              <a:t>Second level</a:t>
+            </a:r>
+          </a:p>
+          <a:p>
+            <a:pPr lvl="2"/>
+            <a:r>
+              <a:rPr lang="en-US"/>
+              <a:t>Third level</a:t>
+            </a:r>
+          </a:p>
+          <a:p>
+            <a:pPr lvl="3"/>
+            <a:r>
+              <a:rPr lang="en-US"/>
+              <a:t>Fourth level</a:t>
+            </a:r>
+          </a:p>
+          <a:p>
+            <a:pPr lvl="4"/>
+            <a:r>
+              <a:rPr lang="en-US"/>
+              <a:t>Fifth level</a:t>
+            </a:r>
+            <a:endParaRPr lang="en-CA"/>
+          </a:p>
+        </p:txBody>
+      </p:sp>
+      <p:sp>
+        <p:nvSpPr>
+          <p:cNvPr id="4" name="Text Placeholder 3">
+            <a:extLst>
+              <a:ext uri="{FF2B5EF4-FFF2-40B4-BE49-F238E27FC236}">
+                <a16:creationId xmlns:a16="http://schemas.microsoft.com/office/drawing/2014/main" id="{0077FED6-8CE9-405A-8CD4-BEB54D8F5E2D}"/>
+              </a:ext>
+            </a:extLst>
+          </p:cNvPr>
+          <p:cNvSpPr>
+            <a:spLocks noGrp="1"/>
+          </p:cNvSpPr>
+          <p:nvPr>
+            <p:ph type="body" sz="half" idx="2"/>
+          </p:nvPr>
+        </p:nvSpPr>
+        <p:spPr>
+          <a:xfrm>
+            <a:off x="839788" y="2057400"/>
+            <a:ext cx="3932237" cy="3811588"/>
+          </a:xfrm>
+        </p:spPr>
+        <p:txBody>
+          <a:bodyPr/>
+          <a:lstStyle>
+            <a:lvl1pPr marL="0" indent="0">
+              <a:buNone/>
+              <a:defRPr sz="1600"/>
+            </a:lvl1pPr>
+            <a:lvl2pPr marL="457200" indent="0">
+              <a:buNone/>
+              <a:defRPr sz="1400"/>
+            </a:lvl2pPr>
+            <a:lvl3pPr marL="914400" indent="0">
+              <a:buNone/>
+              <a:defRPr sz="1200"/>
+            </a:lvl3pPr>
+            <a:lvl4pPr marL="1371600" indent="0">
+              <a:buNone/>
+              <a:defRPr sz="1000"/>
+            </a:lvl4pPr>
+            <a:lvl5pPr marL="1828800" indent="0">
+              <a:buNone/>
+              <a:defRPr sz="1000"/>
+            </a:lvl5pPr>
+            <a:lvl6pPr marL="2286000" indent="0">
+              <a:buNone/>
+              <a:defRPr sz="1000"/>
+            </a:lvl6pPr>
+            <a:lvl7pPr marL="2743200" indent="0">
+              <a:buNone/>
+              <a:defRPr sz="1000"/>
+            </a:lvl7pPr>
+            <a:lvl8pPr marL="3200400" indent="0">
+              <a:buNone/>
+              <a:defRPr sz="1000"/>
+            </a:lvl8pPr>
+            <a:lvl9pPr marL="3657600" indent="0">
+              <a:buNone/>
+              <a:defRPr sz="1000"/>
+            </a:lvl9pPr>
+          </a:lstStyle>
+          <a:p>
+            <a:pPr lvl="0"/>
+            <a:r>
+              <a:rPr lang="en-US"/>
+              <a:t>Click to edit Master text styles</a:t>
+            </a:r>
+          </a:p>
+        </p:txBody>
+      </p:sp>
+      <p:sp>
+        <p:nvSpPr>
+          <p:cNvPr id="5" name="Date Placeholder 4">
+            <a:extLst>
+              <a:ext uri="{FF2B5EF4-FFF2-40B4-BE49-F238E27FC236}">
+                <a16:creationId xmlns:a16="http://schemas.microsoft.com/office/drawing/2014/main" id="{8CBDF56A-A6EE-4304-B110-A058D8C62FBF}"/>
+              </a:ext>
+            </a:extLst>
+          </p:cNvPr>
+          <p:cNvSpPr>
+            <a:spLocks noGrp="1"/>
+          </p:cNvSpPr>
+          <p:nvPr>
+            <p:ph type="dt" sz="half" idx="10"/>
+          </p:nvPr>
+        </p:nvSpPr>
+        <p:spPr/>
+        <p:txBody>
+          <a:bodyPr/>
+          <a:lstStyle/>
+          <a:p>
+            <a:fld id="{23ECED23-8745-4DCB-895C-E52D60B1B0C5}" type="datetimeFigureOut">
+              <a:rPr lang="en-CA" smtClean="0"/>
+              <a:t>2021-11-30</a:t>
+            </a:fld>
+            <a:endParaRPr lang="en-CA"/>
+          </a:p>
+        </p:txBody>
+      </p:sp>
+      <p:sp>
+        <p:nvSpPr>
+          <p:cNvPr id="6" name="Footer Placeholder 5">
+            <a:extLst>
+              <a:ext uri="{FF2B5EF4-FFF2-40B4-BE49-F238E27FC236}">
+                <a16:creationId xmlns:a16="http://schemas.microsoft.com/office/drawing/2014/main" id="{113093F5-604A-4738-8B96-CFBDECB50659}"/>
+              </a:ext>
+            </a:extLst>
+          </p:cNvPr>
+          <p:cNvSpPr>
+            <a:spLocks noGrp="1"/>
+          </p:cNvSpPr>
+          <p:nvPr>
+            <p:ph type="ftr" sz="quarter" idx="11"/>
+          </p:nvPr>
+        </p:nvSpPr>
+        <p:spPr/>
+        <p:txBody>
+          <a:bodyPr/>
+          <a:lstStyle/>
+          <a:p>
+            <a:endParaRPr lang="en-CA"/>
+          </a:p>
+        </p:txBody>
+      </p:sp>
+      <p:sp>
+        <p:nvSpPr>
+          <p:cNvPr id="7" name="Slide Number Placeholder 6">
+            <a:extLst>
+              <a:ext uri="{FF2B5EF4-FFF2-40B4-BE49-F238E27FC236}">
+                <a16:creationId xmlns:a16="http://schemas.microsoft.com/office/drawing/2014/main" id="{B4702F98-4147-43C1-894A-7240E4ACE6FA}"/>
+              </a:ext>
+            </a:extLst>
+          </p:cNvPr>
+          <p:cNvSpPr>
+            <a:spLocks noGrp="1"/>
+          </p:cNvSpPr>
+          <p:nvPr>
+            <p:ph type="sldNum" sz="quarter" idx="12"/>
+          </p:nvPr>
+        </p:nvSpPr>
+        <p:spPr/>
+        <p:txBody>
+          <a:bodyPr/>
+          <a:lstStyle/>
+          <a:p>
+            <a:fld id="{D5A24872-EE29-46BC-97FE-F0E9E3FE5808}" type="slidenum">
+              <a:rPr lang="en-CA" smtClean="0"/>
+              <a:t>‹#›</a:t>
+            </a:fld>
+            <a:endParaRPr lang="en-CA"/>
+          </a:p>
+        </p:txBody>
+      </p:sp>
+    </p:spTree>
+    <p:extLst>
+      <p:ext uri="{BB962C8B-B14F-4D97-AF65-F5344CB8AC3E}">
+        <p14:creationId xmlns:p14="http://schemas.microsoft.com/office/powerpoint/2010/main" val="3146950321"/>
+      </p:ext>
+    </p:extLst>
+  </p:cSld>
+  <p:clrMapOvr>
+    <a:masterClrMapping/>
+  </p:clrMapOvr>
+</p:sldLayout>
+</file>
+
+<file path=ppt/slideLayouts/slideLayout26.xml><?xml version="1.0" encoding="utf-8"?>
+<p:sldLayout xmlns:a="http://schemas.openxmlformats.org/drawingml/2006/main" xmlns:r="http://schemas.openxmlformats.org/officeDocument/2006/relationships" xmlns:p="http://schemas.openxmlformats.org/presentationml/2006/main" type="picTx" preserve="1">
+  <p:cSld name="Picture with Caption">
+    <p:spTree>
+      <p:nvGrpSpPr>
+        <p:cNvPr id="1" name=""/>
+        <p:cNvGrpSpPr/>
+        <p:nvPr/>
+      </p:nvGrpSpPr>
+      <p:grpSpPr>
+        <a:xfrm>
+          <a:off x="0" y="0"/>
+          <a:ext cx="0" cy="0"/>
+          <a:chOff x="0" y="0"/>
+          <a:chExt cx="0" cy="0"/>
+        </a:xfrm>
+      </p:grpSpPr>
+      <p:sp>
+        <p:nvSpPr>
+          <p:cNvPr id="2" name="Title 1">
+            <a:extLst>
+              <a:ext uri="{FF2B5EF4-FFF2-40B4-BE49-F238E27FC236}">
+                <a16:creationId xmlns:a16="http://schemas.microsoft.com/office/drawing/2014/main" id="{F0C27D5E-637F-4218-9015-BD86B1037ED9}"/>
+              </a:ext>
+            </a:extLst>
+          </p:cNvPr>
+          <p:cNvSpPr>
+            <a:spLocks noGrp="1"/>
+          </p:cNvSpPr>
+          <p:nvPr>
+            <p:ph type="title"/>
+          </p:nvPr>
+        </p:nvSpPr>
+        <p:spPr>
+          <a:xfrm>
+            <a:off x="839788" y="457200"/>
+            <a:ext cx="3932237" cy="1600200"/>
+          </a:xfrm>
+        </p:spPr>
+        <p:txBody>
+          <a:bodyPr anchor="b"/>
+          <a:lstStyle>
+            <a:lvl1pPr>
+              <a:defRPr sz="3200"/>
+            </a:lvl1pPr>
+          </a:lstStyle>
+          <a:p>
+            <a:r>
+              <a:rPr lang="en-US"/>
+              <a:t>Click to edit Master title style</a:t>
+            </a:r>
+            <a:endParaRPr lang="en-CA"/>
+          </a:p>
+        </p:txBody>
+      </p:sp>
+      <p:sp>
+        <p:nvSpPr>
+          <p:cNvPr id="3" name="Picture Placeholder 2">
+            <a:extLst>
+              <a:ext uri="{FF2B5EF4-FFF2-40B4-BE49-F238E27FC236}">
+                <a16:creationId xmlns:a16="http://schemas.microsoft.com/office/drawing/2014/main" id="{7163DE9C-D859-418D-BA54-ECAE3A7FEF0F}"/>
+              </a:ext>
+            </a:extLst>
+          </p:cNvPr>
+          <p:cNvSpPr>
+            <a:spLocks noGrp="1"/>
+          </p:cNvSpPr>
+          <p:nvPr>
+            <p:ph type="pic" idx="1"/>
+          </p:nvPr>
+        </p:nvSpPr>
+        <p:spPr>
+          <a:xfrm>
+            <a:off x="5183188" y="987425"/>
+            <a:ext cx="6172200" cy="4873625"/>
+          </a:xfrm>
+        </p:spPr>
+        <p:txBody>
+          <a:bodyPr/>
+          <a:lstStyle>
+            <a:lvl1pPr marL="0" indent="0">
+              <a:buNone/>
+              <a:defRPr sz="3200"/>
+            </a:lvl1pPr>
+            <a:lvl2pPr marL="457200" indent="0">
+              <a:buNone/>
+              <a:defRPr sz="2800"/>
+            </a:lvl2pPr>
+            <a:lvl3pPr marL="914400" indent="0">
+              <a:buNone/>
+              <a:defRPr sz="2400"/>
+            </a:lvl3pPr>
+            <a:lvl4pPr marL="1371600" indent="0">
+              <a:buNone/>
+              <a:defRPr sz="2000"/>
+            </a:lvl4pPr>
+            <a:lvl5pPr marL="1828800" indent="0">
+              <a:buNone/>
+              <a:defRPr sz="2000"/>
+            </a:lvl5pPr>
+            <a:lvl6pPr marL="2286000" indent="0">
+              <a:buNone/>
+              <a:defRPr sz="2000"/>
+            </a:lvl6pPr>
+            <a:lvl7pPr marL="2743200" indent="0">
+              <a:buNone/>
+              <a:defRPr sz="2000"/>
+            </a:lvl7pPr>
+            <a:lvl8pPr marL="3200400" indent="0">
+              <a:buNone/>
+              <a:defRPr sz="2000"/>
+            </a:lvl8pPr>
+            <a:lvl9pPr marL="3657600" indent="0">
+              <a:buNone/>
+              <a:defRPr sz="2000"/>
+            </a:lvl9pPr>
+          </a:lstStyle>
+          <a:p>
+            <a:endParaRPr lang="en-CA"/>
+          </a:p>
+        </p:txBody>
+      </p:sp>
+      <p:sp>
+        <p:nvSpPr>
+          <p:cNvPr id="4" name="Text Placeholder 3">
+            <a:extLst>
+              <a:ext uri="{FF2B5EF4-FFF2-40B4-BE49-F238E27FC236}">
+                <a16:creationId xmlns:a16="http://schemas.microsoft.com/office/drawing/2014/main" id="{867555C8-B00E-4016-8987-0416A3A08133}"/>
+              </a:ext>
+            </a:extLst>
+          </p:cNvPr>
+          <p:cNvSpPr>
+            <a:spLocks noGrp="1"/>
+          </p:cNvSpPr>
+          <p:nvPr>
+            <p:ph type="body" sz="half" idx="2"/>
+          </p:nvPr>
+        </p:nvSpPr>
+        <p:spPr>
+          <a:xfrm>
+            <a:off x="839788" y="2057400"/>
+            <a:ext cx="3932237" cy="3811588"/>
+          </a:xfrm>
+        </p:spPr>
+        <p:txBody>
+          <a:bodyPr/>
+          <a:lstStyle>
+            <a:lvl1pPr marL="0" indent="0">
+              <a:buNone/>
+              <a:defRPr sz="1600"/>
+            </a:lvl1pPr>
+            <a:lvl2pPr marL="457200" indent="0">
+              <a:buNone/>
+              <a:defRPr sz="1400"/>
+            </a:lvl2pPr>
+            <a:lvl3pPr marL="914400" indent="0">
+              <a:buNone/>
+              <a:defRPr sz="1200"/>
+            </a:lvl3pPr>
+            <a:lvl4pPr marL="1371600" indent="0">
+              <a:buNone/>
+              <a:defRPr sz="1000"/>
+            </a:lvl4pPr>
+            <a:lvl5pPr marL="1828800" indent="0">
+              <a:buNone/>
+              <a:defRPr sz="1000"/>
+            </a:lvl5pPr>
+            <a:lvl6pPr marL="2286000" indent="0">
+              <a:buNone/>
+              <a:defRPr sz="1000"/>
+            </a:lvl6pPr>
+            <a:lvl7pPr marL="2743200" indent="0">
+              <a:buNone/>
+              <a:defRPr sz="1000"/>
+            </a:lvl7pPr>
+            <a:lvl8pPr marL="3200400" indent="0">
+              <a:buNone/>
+              <a:defRPr sz="1000"/>
+            </a:lvl8pPr>
+            <a:lvl9pPr marL="3657600" indent="0">
+              <a:buNone/>
+              <a:defRPr sz="1000"/>
+            </a:lvl9pPr>
+          </a:lstStyle>
+          <a:p>
+            <a:pPr lvl="0"/>
+            <a:r>
+              <a:rPr lang="en-US"/>
+              <a:t>Click to edit Master text styles</a:t>
+            </a:r>
+          </a:p>
+        </p:txBody>
+      </p:sp>
+      <p:sp>
+        <p:nvSpPr>
+          <p:cNvPr id="5" name="Date Placeholder 4">
+            <a:extLst>
+              <a:ext uri="{FF2B5EF4-FFF2-40B4-BE49-F238E27FC236}">
+                <a16:creationId xmlns:a16="http://schemas.microsoft.com/office/drawing/2014/main" id="{1D0E3B16-5903-4C15-8F55-932B9612BCB9}"/>
+              </a:ext>
+            </a:extLst>
+          </p:cNvPr>
+          <p:cNvSpPr>
+            <a:spLocks noGrp="1"/>
+          </p:cNvSpPr>
+          <p:nvPr>
+            <p:ph type="dt" sz="half" idx="10"/>
+          </p:nvPr>
+        </p:nvSpPr>
+        <p:spPr/>
+        <p:txBody>
+          <a:bodyPr/>
+          <a:lstStyle/>
+          <a:p>
+            <a:fld id="{23ECED23-8745-4DCB-895C-E52D60B1B0C5}" type="datetimeFigureOut">
+              <a:rPr lang="en-CA" smtClean="0"/>
+              <a:t>2021-11-30</a:t>
+            </a:fld>
+            <a:endParaRPr lang="en-CA"/>
+          </a:p>
+        </p:txBody>
+      </p:sp>
+      <p:sp>
+        <p:nvSpPr>
+          <p:cNvPr id="6" name="Footer Placeholder 5">
+            <a:extLst>
+              <a:ext uri="{FF2B5EF4-FFF2-40B4-BE49-F238E27FC236}">
+                <a16:creationId xmlns:a16="http://schemas.microsoft.com/office/drawing/2014/main" id="{53786B73-BA90-4C22-8A7D-64D555739B3E}"/>
+              </a:ext>
+            </a:extLst>
+          </p:cNvPr>
+          <p:cNvSpPr>
+            <a:spLocks noGrp="1"/>
+          </p:cNvSpPr>
+          <p:nvPr>
+            <p:ph type="ftr" sz="quarter" idx="11"/>
+          </p:nvPr>
+        </p:nvSpPr>
+        <p:spPr/>
+        <p:txBody>
+          <a:bodyPr/>
+          <a:lstStyle/>
+          <a:p>
+            <a:endParaRPr lang="en-CA"/>
+          </a:p>
+        </p:txBody>
+      </p:sp>
+      <p:sp>
+        <p:nvSpPr>
+          <p:cNvPr id="7" name="Slide Number Placeholder 6">
+            <a:extLst>
+              <a:ext uri="{FF2B5EF4-FFF2-40B4-BE49-F238E27FC236}">
+                <a16:creationId xmlns:a16="http://schemas.microsoft.com/office/drawing/2014/main" id="{D6A3CD18-A8F9-4D2A-AAD3-5AB708DD4105}"/>
+              </a:ext>
+            </a:extLst>
+          </p:cNvPr>
+          <p:cNvSpPr>
+            <a:spLocks noGrp="1"/>
+          </p:cNvSpPr>
+          <p:nvPr>
+            <p:ph type="sldNum" sz="quarter" idx="12"/>
+          </p:nvPr>
+        </p:nvSpPr>
+        <p:spPr/>
+        <p:txBody>
+          <a:bodyPr/>
+          <a:lstStyle/>
+          <a:p>
+            <a:fld id="{D5A24872-EE29-46BC-97FE-F0E9E3FE5808}" type="slidenum">
+              <a:rPr lang="en-CA" smtClean="0"/>
+              <a:t>‹#›</a:t>
+            </a:fld>
+            <a:endParaRPr lang="en-CA"/>
+          </a:p>
+        </p:txBody>
+      </p:sp>
+    </p:spTree>
+    <p:extLst>
+      <p:ext uri="{BB962C8B-B14F-4D97-AF65-F5344CB8AC3E}">
+        <p14:creationId xmlns:p14="http://schemas.microsoft.com/office/powerpoint/2010/main" val="3338578384"/>
+      </p:ext>
+    </p:extLst>
+  </p:cSld>
+  <p:clrMapOvr>
+    <a:masterClrMapping/>
+  </p:clrMapOvr>
+</p:sldLayout>
+</file>
+
+<file path=ppt/slideLayouts/slideLayout27.xml><?xml version="1.0" encoding="utf-8"?>
+<p:sldLayout xmlns:a="http://schemas.openxmlformats.org/drawingml/2006/main" xmlns:r="http://schemas.openxmlformats.org/officeDocument/2006/relationships" xmlns:p="http://schemas.openxmlformats.org/presentationml/2006/main" type="vertTx" preserve="1">
+  <p:cSld name="Title and Vertical Text">
+    <p:spTree>
+      <p:nvGrpSpPr>
+        <p:cNvPr id="1" name=""/>
+        <p:cNvGrpSpPr/>
+        <p:nvPr/>
+      </p:nvGrpSpPr>
+      <p:grpSpPr>
+        <a:xfrm>
+          <a:off x="0" y="0"/>
+          <a:ext cx="0" cy="0"/>
+          <a:chOff x="0" y="0"/>
+          <a:chExt cx="0" cy="0"/>
+        </a:xfrm>
+      </p:grpSpPr>
+      <p:sp>
+        <p:nvSpPr>
+          <p:cNvPr id="2" name="Title 1">
+            <a:extLst>
+              <a:ext uri="{FF2B5EF4-FFF2-40B4-BE49-F238E27FC236}">
+                <a16:creationId xmlns:a16="http://schemas.microsoft.com/office/drawing/2014/main" id="{B4C46B82-9DB7-42DE-A49F-8FE02A7130AC}"/>
+              </a:ext>
+            </a:extLst>
+          </p:cNvPr>
+          <p:cNvSpPr>
+            <a:spLocks noGrp="1"/>
+          </p:cNvSpPr>
+          <p:nvPr>
+            <p:ph type="title"/>
+          </p:nvPr>
+        </p:nvSpPr>
+        <p:spPr/>
+        <p:txBody>
+          <a:bodyPr/>
+          <a:lstStyle/>
+          <a:p>
+            <a:r>
+              <a:rPr lang="en-US"/>
+              <a:t>Click to edit Master title style</a:t>
+            </a:r>
+            <a:endParaRPr lang="en-CA"/>
+          </a:p>
+        </p:txBody>
+      </p:sp>
+      <p:sp>
+        <p:nvSpPr>
+          <p:cNvPr id="3" name="Vertical Text Placeholder 2">
+            <a:extLst>
+              <a:ext uri="{FF2B5EF4-FFF2-40B4-BE49-F238E27FC236}">
+                <a16:creationId xmlns:a16="http://schemas.microsoft.com/office/drawing/2014/main" id="{18AA68F8-9027-4AB4-8E60-6C2B5C46AC68}"/>
+              </a:ext>
+            </a:extLst>
+          </p:cNvPr>
+          <p:cNvSpPr>
+            <a:spLocks noGrp="1"/>
+          </p:cNvSpPr>
+          <p:nvPr>
+            <p:ph type="body" orient="vert" idx="1"/>
+          </p:nvPr>
+        </p:nvSpPr>
+        <p:spPr/>
+        <p:txBody>
+          <a:bodyPr vert="eaVert"/>
+          <a:lstStyle/>
+          <a:p>
+            <a:pPr lvl="0"/>
+            <a:r>
+              <a:rPr lang="en-US"/>
+              <a:t>Click to edit Master text styles</a:t>
+            </a:r>
+          </a:p>
+          <a:p>
+            <a:pPr lvl="1"/>
+            <a:r>
+              <a:rPr lang="en-US"/>
+              <a:t>Second level</a:t>
+            </a:r>
+          </a:p>
+          <a:p>
+            <a:pPr lvl="2"/>
+            <a:r>
+              <a:rPr lang="en-US"/>
+              <a:t>Third level</a:t>
+            </a:r>
+          </a:p>
+          <a:p>
+            <a:pPr lvl="3"/>
+            <a:r>
+              <a:rPr lang="en-US"/>
+              <a:t>Fourth level</a:t>
+            </a:r>
+          </a:p>
+          <a:p>
+            <a:pPr lvl="4"/>
+            <a:r>
+              <a:rPr lang="en-US"/>
+              <a:t>Fifth level</a:t>
+            </a:r>
+            <a:endParaRPr lang="en-CA"/>
+          </a:p>
+        </p:txBody>
+      </p:sp>
+      <p:sp>
+        <p:nvSpPr>
+          <p:cNvPr id="4" name="Date Placeholder 3">
+            <a:extLst>
+              <a:ext uri="{FF2B5EF4-FFF2-40B4-BE49-F238E27FC236}">
+                <a16:creationId xmlns:a16="http://schemas.microsoft.com/office/drawing/2014/main" id="{8820FBFA-9374-41DD-BAD2-553AAFF3F6AF}"/>
+              </a:ext>
+            </a:extLst>
+          </p:cNvPr>
+          <p:cNvSpPr>
+            <a:spLocks noGrp="1"/>
+          </p:cNvSpPr>
+          <p:nvPr>
+            <p:ph type="dt" sz="half" idx="10"/>
+          </p:nvPr>
+        </p:nvSpPr>
+        <p:spPr/>
+        <p:txBody>
+          <a:bodyPr/>
+          <a:lstStyle/>
+          <a:p>
+            <a:fld id="{23ECED23-8745-4DCB-895C-E52D60B1B0C5}" type="datetimeFigureOut">
+              <a:rPr lang="en-CA" smtClean="0"/>
+              <a:t>2021-11-30</a:t>
+            </a:fld>
+            <a:endParaRPr lang="en-CA"/>
+          </a:p>
+        </p:txBody>
+      </p:sp>
+      <p:sp>
+        <p:nvSpPr>
+          <p:cNvPr id="5" name="Footer Placeholder 4">
+            <a:extLst>
+              <a:ext uri="{FF2B5EF4-FFF2-40B4-BE49-F238E27FC236}">
+                <a16:creationId xmlns:a16="http://schemas.microsoft.com/office/drawing/2014/main" id="{665C4A68-2A62-4354-A2B2-2E2B97C6123B}"/>
+              </a:ext>
+            </a:extLst>
+          </p:cNvPr>
+          <p:cNvSpPr>
+            <a:spLocks noGrp="1"/>
+          </p:cNvSpPr>
+          <p:nvPr>
+            <p:ph type="ftr" sz="quarter" idx="11"/>
+          </p:nvPr>
+        </p:nvSpPr>
+        <p:spPr/>
+        <p:txBody>
+          <a:bodyPr/>
+          <a:lstStyle/>
+          <a:p>
+            <a:endParaRPr lang="en-CA"/>
+          </a:p>
+        </p:txBody>
+      </p:sp>
+      <p:sp>
+        <p:nvSpPr>
+          <p:cNvPr id="6" name="Slide Number Placeholder 5">
+            <a:extLst>
+              <a:ext uri="{FF2B5EF4-FFF2-40B4-BE49-F238E27FC236}">
+                <a16:creationId xmlns:a16="http://schemas.microsoft.com/office/drawing/2014/main" id="{B5EA6633-28C4-48ED-99B5-D0B9B40137B3}"/>
+              </a:ext>
+            </a:extLst>
+          </p:cNvPr>
+          <p:cNvSpPr>
+            <a:spLocks noGrp="1"/>
+          </p:cNvSpPr>
+          <p:nvPr>
+            <p:ph type="sldNum" sz="quarter" idx="12"/>
+          </p:nvPr>
+        </p:nvSpPr>
+        <p:spPr/>
+        <p:txBody>
+          <a:bodyPr/>
+          <a:lstStyle/>
+          <a:p>
+            <a:fld id="{D5A24872-EE29-46BC-97FE-F0E9E3FE5808}" type="slidenum">
+              <a:rPr lang="en-CA" smtClean="0"/>
+              <a:t>‹#›</a:t>
+            </a:fld>
+            <a:endParaRPr lang="en-CA"/>
+          </a:p>
+        </p:txBody>
+      </p:sp>
+    </p:spTree>
+    <p:extLst>
+      <p:ext uri="{BB962C8B-B14F-4D97-AF65-F5344CB8AC3E}">
+        <p14:creationId xmlns:p14="http://schemas.microsoft.com/office/powerpoint/2010/main" val="2678295016"/>
+      </p:ext>
+    </p:extLst>
+  </p:cSld>
+  <p:clrMapOvr>
+    <a:masterClrMapping/>
+  </p:clrMapOvr>
+</p:sldLayout>
+</file>
+
+<file path=ppt/slideLayouts/slideLayout28.xml><?xml version="1.0" encoding="utf-8"?>
+<p:sldLayout xmlns:a="http://schemas.openxmlformats.org/drawingml/2006/main" xmlns:r="http://schemas.openxmlformats.org/officeDocument/2006/relationships" xmlns:p="http://schemas.openxmlformats.org/presentationml/2006/main" type="vertTitleAndTx" preserve="1">
+  <p:cSld name="Vertical Title and Text">
+    <p:spTree>
+      <p:nvGrpSpPr>
+        <p:cNvPr id="1" name=""/>
+        <p:cNvGrpSpPr/>
+        <p:nvPr/>
+      </p:nvGrpSpPr>
+      <p:grpSpPr>
+        <a:xfrm>
+          <a:off x="0" y="0"/>
+          <a:ext cx="0" cy="0"/>
+          <a:chOff x="0" y="0"/>
+          <a:chExt cx="0" cy="0"/>
+        </a:xfrm>
+      </p:grpSpPr>
+      <p:sp>
+        <p:nvSpPr>
+          <p:cNvPr id="2" name="Vertical Title 1">
+            <a:extLst>
+              <a:ext uri="{FF2B5EF4-FFF2-40B4-BE49-F238E27FC236}">
+                <a16:creationId xmlns:a16="http://schemas.microsoft.com/office/drawing/2014/main" id="{46077323-2C23-45FD-9738-0A8EE6DAE91C}"/>
+              </a:ext>
+            </a:extLst>
+          </p:cNvPr>
+          <p:cNvSpPr>
+            <a:spLocks noGrp="1"/>
+          </p:cNvSpPr>
+          <p:nvPr>
+            <p:ph type="title" orient="vert"/>
+          </p:nvPr>
+        </p:nvSpPr>
+        <p:spPr>
+          <a:xfrm>
+            <a:off x="8724900" y="365125"/>
+            <a:ext cx="2628900" cy="5811838"/>
+          </a:xfrm>
+        </p:spPr>
+        <p:txBody>
+          <a:bodyPr vert="eaVert"/>
+          <a:lstStyle/>
+          <a:p>
+            <a:r>
+              <a:rPr lang="en-US"/>
+              <a:t>Click to edit Master title style</a:t>
+            </a:r>
+            <a:endParaRPr lang="en-CA"/>
+          </a:p>
+        </p:txBody>
+      </p:sp>
+      <p:sp>
+        <p:nvSpPr>
+          <p:cNvPr id="3" name="Vertical Text Placeholder 2">
+            <a:extLst>
+              <a:ext uri="{FF2B5EF4-FFF2-40B4-BE49-F238E27FC236}">
+                <a16:creationId xmlns:a16="http://schemas.microsoft.com/office/drawing/2014/main" id="{385E0C05-571E-40AD-B839-D4330111ACC8}"/>
+              </a:ext>
+            </a:extLst>
+          </p:cNvPr>
+          <p:cNvSpPr>
+            <a:spLocks noGrp="1"/>
+          </p:cNvSpPr>
+          <p:nvPr>
+            <p:ph type="body" orient="vert" idx="1"/>
+          </p:nvPr>
+        </p:nvSpPr>
+        <p:spPr>
+          <a:xfrm>
+            <a:off x="838200" y="365125"/>
+            <a:ext cx="7734300" cy="5811838"/>
+          </a:xfrm>
+        </p:spPr>
+        <p:txBody>
+          <a:bodyPr vert="eaVert"/>
+          <a:lstStyle/>
+          <a:p>
+            <a:pPr lvl="0"/>
+            <a:r>
+              <a:rPr lang="en-US"/>
+              <a:t>Click to edit Master text styles</a:t>
+            </a:r>
+          </a:p>
+          <a:p>
+            <a:pPr lvl="1"/>
+            <a:r>
+              <a:rPr lang="en-US"/>
+              <a:t>Second level</a:t>
+            </a:r>
+          </a:p>
+          <a:p>
+            <a:pPr lvl="2"/>
+            <a:r>
+              <a:rPr lang="en-US"/>
+              <a:t>Third level</a:t>
+            </a:r>
+          </a:p>
+          <a:p>
+            <a:pPr lvl="3"/>
+            <a:r>
+              <a:rPr lang="en-US"/>
+              <a:t>Fourth level</a:t>
+            </a:r>
+          </a:p>
+          <a:p>
+            <a:pPr lvl="4"/>
+            <a:r>
+              <a:rPr lang="en-US"/>
+              <a:t>Fifth level</a:t>
+            </a:r>
+            <a:endParaRPr lang="en-CA"/>
+          </a:p>
+        </p:txBody>
+      </p:sp>
+      <p:sp>
+        <p:nvSpPr>
+          <p:cNvPr id="4" name="Date Placeholder 3">
+            <a:extLst>
+              <a:ext uri="{FF2B5EF4-FFF2-40B4-BE49-F238E27FC236}">
+                <a16:creationId xmlns:a16="http://schemas.microsoft.com/office/drawing/2014/main" id="{3A30C597-755E-490D-BE69-B75A8956AA26}"/>
+              </a:ext>
+            </a:extLst>
+          </p:cNvPr>
+          <p:cNvSpPr>
+            <a:spLocks noGrp="1"/>
+          </p:cNvSpPr>
+          <p:nvPr>
+            <p:ph type="dt" sz="half" idx="10"/>
+          </p:nvPr>
+        </p:nvSpPr>
+        <p:spPr/>
+        <p:txBody>
+          <a:bodyPr/>
+          <a:lstStyle/>
+          <a:p>
+            <a:fld id="{23ECED23-8745-4DCB-895C-E52D60B1B0C5}" type="datetimeFigureOut">
+              <a:rPr lang="en-CA" smtClean="0"/>
+              <a:t>2021-11-30</a:t>
+            </a:fld>
+            <a:endParaRPr lang="en-CA"/>
+          </a:p>
+        </p:txBody>
+      </p:sp>
+      <p:sp>
+        <p:nvSpPr>
+          <p:cNvPr id="5" name="Footer Placeholder 4">
+            <a:extLst>
+              <a:ext uri="{FF2B5EF4-FFF2-40B4-BE49-F238E27FC236}">
+                <a16:creationId xmlns:a16="http://schemas.microsoft.com/office/drawing/2014/main" id="{4B5D466F-2A36-45CA-9A98-068CE4466C72}"/>
+              </a:ext>
+            </a:extLst>
+          </p:cNvPr>
+          <p:cNvSpPr>
+            <a:spLocks noGrp="1"/>
+          </p:cNvSpPr>
+          <p:nvPr>
+            <p:ph type="ftr" sz="quarter" idx="11"/>
+          </p:nvPr>
+        </p:nvSpPr>
+        <p:spPr/>
+        <p:txBody>
+          <a:bodyPr/>
+          <a:lstStyle/>
+          <a:p>
+            <a:endParaRPr lang="en-CA"/>
+          </a:p>
+        </p:txBody>
+      </p:sp>
+      <p:sp>
+        <p:nvSpPr>
+          <p:cNvPr id="6" name="Slide Number Placeholder 5">
+            <a:extLst>
+              <a:ext uri="{FF2B5EF4-FFF2-40B4-BE49-F238E27FC236}">
+                <a16:creationId xmlns:a16="http://schemas.microsoft.com/office/drawing/2014/main" id="{CE9D88C0-6D03-4004-8747-859971317B2E}"/>
+              </a:ext>
+            </a:extLst>
+          </p:cNvPr>
+          <p:cNvSpPr>
+            <a:spLocks noGrp="1"/>
+          </p:cNvSpPr>
+          <p:nvPr>
+            <p:ph type="sldNum" sz="quarter" idx="12"/>
+          </p:nvPr>
+        </p:nvSpPr>
+        <p:spPr/>
+        <p:txBody>
+          <a:bodyPr/>
+          <a:lstStyle/>
+          <a:p>
+            <a:fld id="{D5A24872-EE29-46BC-97FE-F0E9E3FE5808}" type="slidenum">
+              <a:rPr lang="en-CA" smtClean="0"/>
+              <a:t>‹#›</a:t>
+            </a:fld>
+            <a:endParaRPr lang="en-CA"/>
+          </a:p>
+        </p:txBody>
+      </p:sp>
+    </p:spTree>
+    <p:extLst>
+      <p:ext uri="{BB962C8B-B14F-4D97-AF65-F5344CB8AC3E}">
+        <p14:creationId xmlns:p14="http://schemas.microsoft.com/office/powerpoint/2010/main" val="3578028741"/>
       </p:ext>
     </p:extLst>
   </p:cSld>
@@ -11542,6 +14203,576 @@
 </p:sldMaster>
 </file>
 
+<file path=ppt/slideMasters/slideMaster2.xml><?xml version="1.0" encoding="utf-8"?>
+<p:sldMaster xmlns:a="http://schemas.openxmlformats.org/drawingml/2006/main" xmlns:r="http://schemas.openxmlformats.org/officeDocument/2006/relationships" xmlns:p="http://schemas.openxmlformats.org/presentationml/2006/main">
+  <p:cSld>
+    <p:bg>
+      <p:bgRef idx="1001">
+        <a:schemeClr val="bg1"/>
+      </p:bgRef>
+    </p:bg>
+    <p:spTree>
+      <p:nvGrpSpPr>
+        <p:cNvPr id="1" name=""/>
+        <p:cNvGrpSpPr/>
+        <p:nvPr/>
+      </p:nvGrpSpPr>
+      <p:grpSpPr>
+        <a:xfrm>
+          <a:off x="0" y="0"/>
+          <a:ext cx="0" cy="0"/>
+          <a:chOff x="0" y="0"/>
+          <a:chExt cx="0" cy="0"/>
+        </a:xfrm>
+      </p:grpSpPr>
+      <p:sp>
+        <p:nvSpPr>
+          <p:cNvPr id="2" name="Title Placeholder 1">
+            <a:extLst>
+              <a:ext uri="{FF2B5EF4-FFF2-40B4-BE49-F238E27FC236}">
+                <a16:creationId xmlns:a16="http://schemas.microsoft.com/office/drawing/2014/main" id="{FBF1B864-9C25-452D-9516-37723E7E3774}"/>
+              </a:ext>
+            </a:extLst>
+          </p:cNvPr>
+          <p:cNvSpPr>
+            <a:spLocks noGrp="1"/>
+          </p:cNvSpPr>
+          <p:nvPr>
+            <p:ph type="title"/>
+          </p:nvPr>
+        </p:nvSpPr>
+        <p:spPr>
+          <a:xfrm>
+            <a:off x="838200" y="365125"/>
+            <a:ext cx="10515600" cy="1325563"/>
+          </a:xfrm>
+          <a:prstGeom prst="rect">
+            <a:avLst/>
+          </a:prstGeom>
+        </p:spPr>
+        <p:txBody>
+          <a:bodyPr vert="horz" lIns="91440" tIns="45720" rIns="91440" bIns="45720" rtlCol="0" anchor="ctr">
+            <a:normAutofit/>
+          </a:bodyPr>
+          <a:lstStyle/>
+          <a:p>
+            <a:r>
+              <a:rPr lang="en-US"/>
+              <a:t>Click to edit Master title style</a:t>
+            </a:r>
+            <a:endParaRPr lang="en-CA"/>
+          </a:p>
+        </p:txBody>
+      </p:sp>
+      <p:sp>
+        <p:nvSpPr>
+          <p:cNvPr id="3" name="Text Placeholder 2">
+            <a:extLst>
+              <a:ext uri="{FF2B5EF4-FFF2-40B4-BE49-F238E27FC236}">
+                <a16:creationId xmlns:a16="http://schemas.microsoft.com/office/drawing/2014/main" id="{F11F0449-C792-4271-98FC-B0075B3CE142}"/>
+              </a:ext>
+            </a:extLst>
+          </p:cNvPr>
+          <p:cNvSpPr>
+            <a:spLocks noGrp="1"/>
+          </p:cNvSpPr>
+          <p:nvPr>
+            <p:ph type="body" idx="1"/>
+          </p:nvPr>
+        </p:nvSpPr>
+        <p:spPr>
+          <a:xfrm>
+            <a:off x="838200" y="1825625"/>
+            <a:ext cx="10515600" cy="4351338"/>
+          </a:xfrm>
+          <a:prstGeom prst="rect">
+            <a:avLst/>
+          </a:prstGeom>
+        </p:spPr>
+        <p:txBody>
+          <a:bodyPr vert="horz" lIns="91440" tIns="45720" rIns="91440" bIns="45720" rtlCol="0">
+            <a:normAutofit/>
+          </a:bodyPr>
+          <a:lstStyle/>
+          <a:p>
+            <a:pPr lvl="0"/>
+            <a:r>
+              <a:rPr lang="en-US"/>
+              <a:t>Click to edit Master text styles</a:t>
+            </a:r>
+          </a:p>
+          <a:p>
+            <a:pPr lvl="1"/>
+            <a:r>
+              <a:rPr lang="en-US"/>
+              <a:t>Second level</a:t>
+            </a:r>
+          </a:p>
+          <a:p>
+            <a:pPr lvl="2"/>
+            <a:r>
+              <a:rPr lang="en-US"/>
+              <a:t>Third level</a:t>
+            </a:r>
+          </a:p>
+          <a:p>
+            <a:pPr lvl="3"/>
+            <a:r>
+              <a:rPr lang="en-US"/>
+              <a:t>Fourth level</a:t>
+            </a:r>
+          </a:p>
+          <a:p>
+            <a:pPr lvl="4"/>
+            <a:r>
+              <a:rPr lang="en-US"/>
+              <a:t>Fifth level</a:t>
+            </a:r>
+            <a:endParaRPr lang="en-CA"/>
+          </a:p>
+        </p:txBody>
+      </p:sp>
+      <p:sp>
+        <p:nvSpPr>
+          <p:cNvPr id="4" name="Date Placeholder 3">
+            <a:extLst>
+              <a:ext uri="{FF2B5EF4-FFF2-40B4-BE49-F238E27FC236}">
+                <a16:creationId xmlns:a16="http://schemas.microsoft.com/office/drawing/2014/main" id="{0004429A-AD95-41FA-9C77-BC898A92372A}"/>
+              </a:ext>
+            </a:extLst>
+          </p:cNvPr>
+          <p:cNvSpPr>
+            <a:spLocks noGrp="1"/>
+          </p:cNvSpPr>
+          <p:nvPr>
+            <p:ph type="dt" sz="half" idx="2"/>
+          </p:nvPr>
+        </p:nvSpPr>
+        <p:spPr>
+          <a:xfrm>
+            <a:off x="838200" y="6356350"/>
+            <a:ext cx="2743200" cy="365125"/>
+          </a:xfrm>
+          <a:prstGeom prst="rect">
+            <a:avLst/>
+          </a:prstGeom>
+        </p:spPr>
+        <p:txBody>
+          <a:bodyPr vert="horz" lIns="91440" tIns="45720" rIns="91440" bIns="45720" rtlCol="0" anchor="ctr"/>
+          <a:lstStyle>
+            <a:lvl1pPr algn="l">
+              <a:defRPr sz="1200">
+                <a:solidFill>
+                  <a:schemeClr val="tx1">
+                    <a:tint val="75000"/>
+                  </a:schemeClr>
+                </a:solidFill>
+              </a:defRPr>
+            </a:lvl1pPr>
+          </a:lstStyle>
+          <a:p>
+            <a:fld id="{23ECED23-8745-4DCB-895C-E52D60B1B0C5}" type="datetimeFigureOut">
+              <a:rPr lang="en-CA" smtClean="0"/>
+              <a:t>2021-11-30</a:t>
+            </a:fld>
+            <a:endParaRPr lang="en-CA"/>
+          </a:p>
+        </p:txBody>
+      </p:sp>
+      <p:sp>
+        <p:nvSpPr>
+          <p:cNvPr id="5" name="Footer Placeholder 4">
+            <a:extLst>
+              <a:ext uri="{FF2B5EF4-FFF2-40B4-BE49-F238E27FC236}">
+                <a16:creationId xmlns:a16="http://schemas.microsoft.com/office/drawing/2014/main" id="{D6C887D7-87D1-4BCC-B871-530EBFCD7A51}"/>
+              </a:ext>
+            </a:extLst>
+          </p:cNvPr>
+          <p:cNvSpPr>
+            <a:spLocks noGrp="1"/>
+          </p:cNvSpPr>
+          <p:nvPr>
+            <p:ph type="ftr" sz="quarter" idx="3"/>
+          </p:nvPr>
+        </p:nvSpPr>
+        <p:spPr>
+          <a:xfrm>
+            <a:off x="4038600" y="6356350"/>
+            <a:ext cx="4114800" cy="365125"/>
+          </a:xfrm>
+          <a:prstGeom prst="rect">
+            <a:avLst/>
+          </a:prstGeom>
+        </p:spPr>
+        <p:txBody>
+          <a:bodyPr vert="horz" lIns="91440" tIns="45720" rIns="91440" bIns="45720" rtlCol="0" anchor="ctr"/>
+          <a:lstStyle>
+            <a:lvl1pPr algn="ctr">
+              <a:defRPr sz="1200">
+                <a:solidFill>
+                  <a:schemeClr val="tx1">
+                    <a:tint val="75000"/>
+                  </a:schemeClr>
+                </a:solidFill>
+              </a:defRPr>
+            </a:lvl1pPr>
+          </a:lstStyle>
+          <a:p>
+            <a:endParaRPr lang="en-CA"/>
+          </a:p>
+        </p:txBody>
+      </p:sp>
+      <p:sp>
+        <p:nvSpPr>
+          <p:cNvPr id="6" name="Slide Number Placeholder 5">
+            <a:extLst>
+              <a:ext uri="{FF2B5EF4-FFF2-40B4-BE49-F238E27FC236}">
+                <a16:creationId xmlns:a16="http://schemas.microsoft.com/office/drawing/2014/main" id="{EA894C11-A839-472A-B529-4E798C9FBF7A}"/>
+              </a:ext>
+            </a:extLst>
+          </p:cNvPr>
+          <p:cNvSpPr>
+            <a:spLocks noGrp="1"/>
+          </p:cNvSpPr>
+          <p:nvPr>
+            <p:ph type="sldNum" sz="quarter" idx="4"/>
+          </p:nvPr>
+        </p:nvSpPr>
+        <p:spPr>
+          <a:xfrm>
+            <a:off x="8610600" y="6356350"/>
+            <a:ext cx="2743200" cy="365125"/>
+          </a:xfrm>
+          <a:prstGeom prst="rect">
+            <a:avLst/>
+          </a:prstGeom>
+        </p:spPr>
+        <p:txBody>
+          <a:bodyPr vert="horz" lIns="91440" tIns="45720" rIns="91440" bIns="45720" rtlCol="0" anchor="ctr"/>
+          <a:lstStyle>
+            <a:lvl1pPr algn="r">
+              <a:defRPr sz="1200">
+                <a:solidFill>
+                  <a:schemeClr val="tx1">
+                    <a:tint val="75000"/>
+                  </a:schemeClr>
+                </a:solidFill>
+              </a:defRPr>
+            </a:lvl1pPr>
+          </a:lstStyle>
+          <a:p>
+            <a:fld id="{D5A24872-EE29-46BC-97FE-F0E9E3FE5808}" type="slidenum">
+              <a:rPr lang="en-CA" smtClean="0"/>
+              <a:t>‹#›</a:t>
+            </a:fld>
+            <a:endParaRPr lang="en-CA"/>
+          </a:p>
+        </p:txBody>
+      </p:sp>
+    </p:spTree>
+    <p:extLst>
+      <p:ext uri="{BB962C8B-B14F-4D97-AF65-F5344CB8AC3E}">
+        <p14:creationId xmlns:p14="http://schemas.microsoft.com/office/powerpoint/2010/main" val="1049840451"/>
+      </p:ext>
+    </p:extLst>
+  </p:cSld>
+  <p:clrMap bg1="lt1" tx1="dk1" bg2="lt2" tx2="dk2" accent1="accent1" accent2="accent2" accent3="accent3" accent4="accent4" accent5="accent5" accent6="accent6" hlink="hlink" folHlink="folHlink"/>
+  <p:sldLayoutIdLst>
+    <p:sldLayoutId id="2147483889" r:id="rId1"/>
+    <p:sldLayoutId id="2147483890" r:id="rId2"/>
+    <p:sldLayoutId id="2147483891" r:id="rId3"/>
+    <p:sldLayoutId id="2147483892" r:id="rId4"/>
+    <p:sldLayoutId id="2147483893" r:id="rId5"/>
+    <p:sldLayoutId id="2147483894" r:id="rId6"/>
+    <p:sldLayoutId id="2147483895" r:id="rId7"/>
+    <p:sldLayoutId id="2147483896" r:id="rId8"/>
+    <p:sldLayoutId id="2147483897" r:id="rId9"/>
+    <p:sldLayoutId id="2147483898" r:id="rId10"/>
+    <p:sldLayoutId id="2147483899" r:id="rId11"/>
+  </p:sldLayoutIdLst>
+  <p:txStyles>
+    <p:titleStyle>
+      <a:lvl1pPr algn="l" defTabSz="914400" rtl="0" eaLnBrk="1" latinLnBrk="0" hangingPunct="1">
+        <a:lnSpc>
+          <a:spcPct val="90000"/>
+        </a:lnSpc>
+        <a:spcBef>
+          <a:spcPct val="0"/>
+        </a:spcBef>
+        <a:buNone/>
+        <a:defRPr sz="4400" kern="1200">
+          <a:solidFill>
+            <a:schemeClr val="tx1"/>
+          </a:solidFill>
+          <a:latin typeface="+mj-lt"/>
+          <a:ea typeface="+mj-ea"/>
+          <a:cs typeface="+mj-cs"/>
+        </a:defRPr>
+      </a:lvl1pPr>
+    </p:titleStyle>
+    <p:bodyStyle>
+      <a:lvl1pPr marL="228600" indent="-228600" algn="l" defTabSz="914400" rtl="0" eaLnBrk="1" latinLnBrk="0" hangingPunct="1">
+        <a:lnSpc>
+          <a:spcPct val="90000"/>
+        </a:lnSpc>
+        <a:spcBef>
+          <a:spcPts val="1000"/>
+        </a:spcBef>
+        <a:buFont typeface="Arial" panose="020B0604020202020204" pitchFamily="34" charset="0"/>
+        <a:buChar char="•"/>
+        <a:defRPr sz="2800" kern="1200">
+          <a:solidFill>
+            <a:schemeClr val="tx1"/>
+          </a:solidFill>
+          <a:latin typeface="+mn-lt"/>
+          <a:ea typeface="+mn-ea"/>
+          <a:cs typeface="+mn-cs"/>
+        </a:defRPr>
+      </a:lvl1pPr>
+      <a:lvl2pPr marL="685800" indent="-228600" algn="l" defTabSz="914400" rtl="0" eaLnBrk="1" latinLnBrk="0" hangingPunct="1">
+        <a:lnSpc>
+          <a:spcPct val="90000"/>
+        </a:lnSpc>
+        <a:spcBef>
+          <a:spcPts val="500"/>
+        </a:spcBef>
+        <a:buFont typeface="Arial" panose="020B0604020202020204" pitchFamily="34" charset="0"/>
+        <a:buChar char="•"/>
+        <a:defRPr sz="2400" kern="1200">
+          <a:solidFill>
+            <a:schemeClr val="tx1"/>
+          </a:solidFill>
+          <a:latin typeface="+mn-lt"/>
+          <a:ea typeface="+mn-ea"/>
+          <a:cs typeface="+mn-cs"/>
+        </a:defRPr>
+      </a:lvl2pPr>
+      <a:lvl3pPr marL="1143000" indent="-228600" algn="l" defTabSz="914400" rtl="0" eaLnBrk="1" latinLnBrk="0" hangingPunct="1">
+        <a:lnSpc>
+          <a:spcPct val="90000"/>
+        </a:lnSpc>
+        <a:spcBef>
+          <a:spcPts val="500"/>
+        </a:spcBef>
+        <a:buFont typeface="Arial" panose="020B0604020202020204" pitchFamily="34" charset="0"/>
+        <a:buChar char="•"/>
+        <a:defRPr sz="2000" kern="1200">
+          <a:solidFill>
+            <a:schemeClr val="tx1"/>
+          </a:solidFill>
+          <a:latin typeface="+mn-lt"/>
+          <a:ea typeface="+mn-ea"/>
+          <a:cs typeface="+mn-cs"/>
+        </a:defRPr>
+      </a:lvl3pPr>
+      <a:lvl4pPr marL="1600200" indent="-228600" algn="l" defTabSz="914400" rtl="0" eaLnBrk="1" latinLnBrk="0" hangingPunct="1">
+        <a:lnSpc>
+          <a:spcPct val="90000"/>
+        </a:lnSpc>
+        <a:spcBef>
+          <a:spcPts val="500"/>
+        </a:spcBef>
+        <a:buFont typeface="Arial" panose="020B0604020202020204" pitchFamily="34" charset="0"/>
+        <a:buChar char="•"/>
+        <a:defRPr sz="1800" kern="1200">
+          <a:solidFill>
+            <a:schemeClr val="tx1"/>
+          </a:solidFill>
+          <a:latin typeface="+mn-lt"/>
+          <a:ea typeface="+mn-ea"/>
+          <a:cs typeface="+mn-cs"/>
+        </a:defRPr>
+      </a:lvl4pPr>
+      <a:lvl5pPr marL="2057400" indent="-228600" algn="l" defTabSz="914400" rtl="0" eaLnBrk="1" latinLnBrk="0" hangingPunct="1">
+        <a:lnSpc>
+          <a:spcPct val="90000"/>
+        </a:lnSpc>
+        <a:spcBef>
+          <a:spcPts val="500"/>
+        </a:spcBef>
+        <a:buFont typeface="Arial" panose="020B0604020202020204" pitchFamily="34" charset="0"/>
+        <a:buChar char="•"/>
+        <a:defRPr sz="1800" kern="1200">
+          <a:solidFill>
+            <a:schemeClr val="tx1"/>
+          </a:solidFill>
+          <a:latin typeface="+mn-lt"/>
+          <a:ea typeface="+mn-ea"/>
+          <a:cs typeface="+mn-cs"/>
+        </a:defRPr>
+      </a:lvl5pPr>
+      <a:lvl6pPr marL="2514600" indent="-228600" algn="l" defTabSz="914400" rtl="0" eaLnBrk="1" latinLnBrk="0" hangingPunct="1">
+        <a:lnSpc>
+          <a:spcPct val="90000"/>
+        </a:lnSpc>
+        <a:spcBef>
+          <a:spcPts val="500"/>
+        </a:spcBef>
+        <a:buFont typeface="Arial" panose="020B0604020202020204" pitchFamily="34" charset="0"/>
+        <a:buChar char="•"/>
+        <a:defRPr sz="1800" kern="1200">
+          <a:solidFill>
+            <a:schemeClr val="tx1"/>
+          </a:solidFill>
+          <a:latin typeface="+mn-lt"/>
+          <a:ea typeface="+mn-ea"/>
+          <a:cs typeface="+mn-cs"/>
+        </a:defRPr>
+      </a:lvl6pPr>
+      <a:lvl7pPr marL="2971800" indent="-228600" algn="l" defTabSz="914400" rtl="0" eaLnBrk="1" latinLnBrk="0" hangingPunct="1">
+        <a:lnSpc>
+          <a:spcPct val="90000"/>
+        </a:lnSpc>
+        <a:spcBef>
+          <a:spcPts val="500"/>
+        </a:spcBef>
+        <a:buFont typeface="Arial" panose="020B0604020202020204" pitchFamily="34" charset="0"/>
+        <a:buChar char="•"/>
+        <a:defRPr sz="1800" kern="1200">
+          <a:solidFill>
+            <a:schemeClr val="tx1"/>
+          </a:solidFill>
+          <a:latin typeface="+mn-lt"/>
+          <a:ea typeface="+mn-ea"/>
+          <a:cs typeface="+mn-cs"/>
+        </a:defRPr>
+      </a:lvl7pPr>
+      <a:lvl8pPr marL="3429000" indent="-228600" algn="l" defTabSz="914400" rtl="0" eaLnBrk="1" latinLnBrk="0" hangingPunct="1">
+        <a:lnSpc>
+          <a:spcPct val="90000"/>
+        </a:lnSpc>
+        <a:spcBef>
+          <a:spcPts val="500"/>
+        </a:spcBef>
+        <a:buFont typeface="Arial" panose="020B0604020202020204" pitchFamily="34" charset="0"/>
+        <a:buChar char="•"/>
+        <a:defRPr sz="1800" kern="1200">
+          <a:solidFill>
+            <a:schemeClr val="tx1"/>
+          </a:solidFill>
+          <a:latin typeface="+mn-lt"/>
+          <a:ea typeface="+mn-ea"/>
+          <a:cs typeface="+mn-cs"/>
+        </a:defRPr>
+      </a:lvl8pPr>
+      <a:lvl9pPr marL="3886200" indent="-228600" algn="l" defTabSz="914400" rtl="0" eaLnBrk="1" latinLnBrk="0" hangingPunct="1">
+        <a:lnSpc>
+          <a:spcPct val="90000"/>
+        </a:lnSpc>
+        <a:spcBef>
+          <a:spcPts val="500"/>
+        </a:spcBef>
+        <a:buFont typeface="Arial" panose="020B0604020202020204" pitchFamily="34" charset="0"/>
+        <a:buChar char="•"/>
+        <a:defRPr sz="1800" kern="1200">
+          <a:solidFill>
+            <a:schemeClr val="tx1"/>
+          </a:solidFill>
+          <a:latin typeface="+mn-lt"/>
+          <a:ea typeface="+mn-ea"/>
+          <a:cs typeface="+mn-cs"/>
+        </a:defRPr>
+      </a:lvl9pPr>
+    </p:bodyStyle>
+    <p:otherStyle>
+      <a:defPPr>
+        <a:defRPr lang="en-US"/>
+      </a:defPPr>
+      <a:lvl1pPr marL="0" algn="l" defTabSz="914400" rtl="0" eaLnBrk="1" latinLnBrk="0" hangingPunct="1">
+        <a:defRPr sz="1800" kern="1200">
+          <a:solidFill>
+            <a:schemeClr val="tx1"/>
+          </a:solidFill>
+          <a:latin typeface="+mn-lt"/>
+          <a:ea typeface="+mn-ea"/>
+          <a:cs typeface="+mn-cs"/>
+        </a:defRPr>
+      </a:lvl1pPr>
+      <a:lvl2pPr marL="457200" algn="l" defTabSz="914400" rtl="0" eaLnBrk="1" latinLnBrk="0" hangingPunct="1">
+        <a:defRPr sz="1800" kern="1200">
+          <a:solidFill>
+            <a:schemeClr val="tx1"/>
+          </a:solidFill>
+          <a:latin typeface="+mn-lt"/>
+          <a:ea typeface="+mn-ea"/>
+          <a:cs typeface="+mn-cs"/>
+        </a:defRPr>
+      </a:lvl2pPr>
+      <a:lvl3pPr marL="914400" algn="l" defTabSz="914400" rtl="0" eaLnBrk="1" latinLnBrk="0" hangingPunct="1">
+        <a:defRPr sz="1800" kern="1200">
+          <a:solidFill>
+            <a:schemeClr val="tx1"/>
+          </a:solidFill>
+          <a:latin typeface="+mn-lt"/>
+          <a:ea typeface="+mn-ea"/>
+          <a:cs typeface="+mn-cs"/>
+        </a:defRPr>
+      </a:lvl3pPr>
+      <a:lvl4pPr marL="1371600" algn="l" defTabSz="914400" rtl="0" eaLnBrk="1" latinLnBrk="0" hangingPunct="1">
+        <a:defRPr sz="1800" kern="1200">
+          <a:solidFill>
+            <a:schemeClr val="tx1"/>
+          </a:solidFill>
+          <a:latin typeface="+mn-lt"/>
+          <a:ea typeface="+mn-ea"/>
+          <a:cs typeface="+mn-cs"/>
+        </a:defRPr>
+      </a:lvl4pPr>
+      <a:lvl5pPr marL="1828800" algn="l" defTabSz="914400" rtl="0" eaLnBrk="1" latinLnBrk="0" hangingPunct="1">
+        <a:defRPr sz="1800" kern="1200">
+          <a:solidFill>
+            <a:schemeClr val="tx1"/>
+          </a:solidFill>
+          <a:latin typeface="+mn-lt"/>
+          <a:ea typeface="+mn-ea"/>
+          <a:cs typeface="+mn-cs"/>
+        </a:defRPr>
+      </a:lvl5pPr>
+      <a:lvl6pPr marL="2286000" algn="l" defTabSz="914400" rtl="0" eaLnBrk="1" latinLnBrk="0" hangingPunct="1">
+        <a:defRPr sz="1800" kern="1200">
+          <a:solidFill>
+            <a:schemeClr val="tx1"/>
+          </a:solidFill>
+          <a:latin typeface="+mn-lt"/>
+          <a:ea typeface="+mn-ea"/>
+          <a:cs typeface="+mn-cs"/>
+        </a:defRPr>
+      </a:lvl6pPr>
+      <a:lvl7pPr marL="2743200" algn="l" defTabSz="914400" rtl="0" eaLnBrk="1" latinLnBrk="0" hangingPunct="1">
+        <a:defRPr sz="1800" kern="1200">
+          <a:solidFill>
+            <a:schemeClr val="tx1"/>
+          </a:solidFill>
+          <a:latin typeface="+mn-lt"/>
+          <a:ea typeface="+mn-ea"/>
+          <a:cs typeface="+mn-cs"/>
+        </a:defRPr>
+      </a:lvl7pPr>
+      <a:lvl8pPr marL="3200400" algn="l" defTabSz="914400" rtl="0" eaLnBrk="1" latinLnBrk="0" hangingPunct="1">
+        <a:defRPr sz="1800" kern="1200">
+          <a:solidFill>
+            <a:schemeClr val="tx1"/>
+          </a:solidFill>
+          <a:latin typeface="+mn-lt"/>
+          <a:ea typeface="+mn-ea"/>
+          <a:cs typeface="+mn-cs"/>
+        </a:defRPr>
+      </a:lvl8pPr>
+      <a:lvl9pPr marL="3657600" algn="l" defTabSz="914400" rtl="0" eaLnBrk="1" latinLnBrk="0" hangingPunct="1">
+        <a:defRPr sz="1800" kern="1200">
+          <a:solidFill>
+            <a:schemeClr val="tx1"/>
+          </a:solidFill>
+          <a:latin typeface="+mn-lt"/>
+          <a:ea typeface="+mn-ea"/>
+          <a:cs typeface="+mn-cs"/>
+        </a:defRPr>
+      </a:lvl9pPr>
+    </p:otherStyle>
+  </p:txStyles>
+</p:sldMaster>
+</file>
+
 <file path=ppt/slides/slide1.xml><?xml version="1.0" encoding="utf-8"?>
 <p:sld xmlns:a="http://schemas.openxmlformats.org/drawingml/2006/main" xmlns:r="http://schemas.openxmlformats.org/officeDocument/2006/relationships" xmlns:p="http://schemas.openxmlformats.org/presentationml/2006/main">
   <p:cSld>
@@ -11911,6 +15142,2960 @@
     <p:extLst>
       <p:ext uri="{BB962C8B-B14F-4D97-AF65-F5344CB8AC3E}">
         <p14:creationId xmlns:p14="http://schemas.microsoft.com/office/powerpoint/2010/main" val="2272108907"/>
+      </p:ext>
+    </p:extLst>
+  </p:cSld>
+  <p:clrMapOvr>
+    <a:masterClrMapping/>
+  </p:clrMapOvr>
+</p:sld>
+</file>
+
+<file path=ppt/slides/slide12.xml><?xml version="1.0" encoding="utf-8"?>
+<p:sld xmlns:a="http://schemas.openxmlformats.org/drawingml/2006/main" xmlns:r="http://schemas.openxmlformats.org/officeDocument/2006/relationships" xmlns:p="http://schemas.openxmlformats.org/presentationml/2006/main">
+  <p:cSld>
+    <p:spTree>
+      <p:nvGrpSpPr>
+        <p:cNvPr id="1" name=""/>
+        <p:cNvGrpSpPr/>
+        <p:nvPr/>
+      </p:nvGrpSpPr>
+      <p:grpSpPr>
+        <a:xfrm>
+          <a:off x="0" y="0"/>
+          <a:ext cx="0" cy="0"/>
+          <a:chOff x="0" y="0"/>
+          <a:chExt cx="0" cy="0"/>
+        </a:xfrm>
+      </p:grpSpPr>
+      <p:sp>
+        <p:nvSpPr>
+          <p:cNvPr id="2" name="Title 1">
+            <a:extLst>
+              <a:ext uri="{FF2B5EF4-FFF2-40B4-BE49-F238E27FC236}">
+                <a16:creationId xmlns:a16="http://schemas.microsoft.com/office/drawing/2014/main" id="{B58C6222-246A-474A-9EF9-E004D1B51606}"/>
+              </a:ext>
+            </a:extLst>
+          </p:cNvPr>
+          <p:cNvSpPr>
+            <a:spLocks noGrp="1"/>
+          </p:cNvSpPr>
+          <p:nvPr>
+            <p:ph type="ctrTitle"/>
+          </p:nvPr>
+        </p:nvSpPr>
+        <p:spPr/>
+        <p:txBody>
+          <a:bodyPr/>
+          <a:lstStyle/>
+          <a:p>
+            <a:endParaRPr lang="en-CA"/>
+          </a:p>
+        </p:txBody>
+      </p:sp>
+      <p:sp>
+        <p:nvSpPr>
+          <p:cNvPr id="3" name="Subtitle 2">
+            <a:extLst>
+              <a:ext uri="{FF2B5EF4-FFF2-40B4-BE49-F238E27FC236}">
+                <a16:creationId xmlns:a16="http://schemas.microsoft.com/office/drawing/2014/main" id="{1DE31BB2-31B7-40DF-A002-FA50F531679D}"/>
+              </a:ext>
+            </a:extLst>
+          </p:cNvPr>
+          <p:cNvSpPr>
+            <a:spLocks noGrp="1"/>
+          </p:cNvSpPr>
+          <p:nvPr>
+            <p:ph type="subTitle" idx="1"/>
+          </p:nvPr>
+        </p:nvSpPr>
+        <p:spPr/>
+        <p:txBody>
+          <a:bodyPr/>
+          <a:lstStyle/>
+          <a:p>
+            <a:endParaRPr lang="en-CA"/>
+          </a:p>
+        </p:txBody>
+      </p:sp>
+      <p:pic>
+        <p:nvPicPr>
+          <p:cNvPr id="6" name="Picture 5">
+            <a:extLst>
+              <a:ext uri="{FF2B5EF4-FFF2-40B4-BE49-F238E27FC236}">
+                <a16:creationId xmlns:a16="http://schemas.microsoft.com/office/drawing/2014/main" id="{7E7F5F46-FF08-4752-8E67-D652F6935611}"/>
+              </a:ext>
+            </a:extLst>
+          </p:cNvPr>
+          <p:cNvPicPr>
+            <a:picLocks noChangeAspect="1"/>
+          </p:cNvPicPr>
+          <p:nvPr/>
+        </p:nvPicPr>
+        <p:blipFill rotWithShape="1">
+          <a:blip r:embed="rId2"/>
+          <a:srcRect l="8489" t="44414" r="58214" b="18130"/>
+          <a:stretch/>
+        </p:blipFill>
+        <p:spPr>
+          <a:xfrm>
+            <a:off x="351692" y="381837"/>
+            <a:ext cx="9502994" cy="4139921"/>
+          </a:xfrm>
+          <a:prstGeom prst="rect">
+            <a:avLst/>
+          </a:prstGeom>
+        </p:spPr>
+      </p:pic>
+      <p:pic>
+        <p:nvPicPr>
+          <p:cNvPr id="7" name="Picture 6">
+            <a:extLst>
+              <a:ext uri="{FF2B5EF4-FFF2-40B4-BE49-F238E27FC236}">
+                <a16:creationId xmlns:a16="http://schemas.microsoft.com/office/drawing/2014/main" id="{92460FDB-F64F-4B61-99BC-E603F12305C7}"/>
+              </a:ext>
+            </a:extLst>
+          </p:cNvPr>
+          <p:cNvPicPr>
+            <a:picLocks noChangeAspect="1"/>
+          </p:cNvPicPr>
+          <p:nvPr/>
+        </p:nvPicPr>
+        <p:blipFill rotWithShape="1">
+          <a:blip r:embed="rId2"/>
+          <a:srcRect l="9173" t="52944" r="75674" b="36237"/>
+          <a:stretch/>
+        </p:blipFill>
+        <p:spPr>
+          <a:xfrm>
+            <a:off x="4507757" y="4751998"/>
+            <a:ext cx="4324743" cy="1195754"/>
+          </a:xfrm>
+          <a:prstGeom prst="rect">
+            <a:avLst/>
+          </a:prstGeom>
+        </p:spPr>
+      </p:pic>
+      <p:pic>
+        <p:nvPicPr>
+          <p:cNvPr id="8" name="Picture 7">
+            <a:extLst>
+              <a:ext uri="{FF2B5EF4-FFF2-40B4-BE49-F238E27FC236}">
+                <a16:creationId xmlns:a16="http://schemas.microsoft.com/office/drawing/2014/main" id="{D78322D5-DF4F-4FC8-9B41-1E241462DFA1}"/>
+              </a:ext>
+            </a:extLst>
+          </p:cNvPr>
+          <p:cNvPicPr>
+            <a:picLocks noChangeAspect="1"/>
+          </p:cNvPicPr>
+          <p:nvPr/>
+        </p:nvPicPr>
+        <p:blipFill rotWithShape="1">
+          <a:blip r:embed="rId2"/>
+          <a:srcRect l="9257" t="65009" r="76358" b="22263"/>
+          <a:stretch/>
+        </p:blipFill>
+        <p:spPr>
+          <a:xfrm>
+            <a:off x="120580" y="4843305"/>
+            <a:ext cx="4105354" cy="1406770"/>
+          </a:xfrm>
+          <a:prstGeom prst="rect">
+            <a:avLst/>
+          </a:prstGeom>
+        </p:spPr>
+      </p:pic>
+    </p:spTree>
+    <p:extLst>
+      <p:ext uri="{BB962C8B-B14F-4D97-AF65-F5344CB8AC3E}">
+        <p14:creationId xmlns:p14="http://schemas.microsoft.com/office/powerpoint/2010/main" val="668929004"/>
+      </p:ext>
+    </p:extLst>
+  </p:cSld>
+  <p:clrMapOvr>
+    <a:masterClrMapping/>
+  </p:clrMapOvr>
+</p:sld>
+</file>
+
+<file path=ppt/slides/slide13.xml><?xml version="1.0" encoding="utf-8"?>
+<p:sld xmlns:a="http://schemas.openxmlformats.org/drawingml/2006/main" xmlns:r="http://schemas.openxmlformats.org/officeDocument/2006/relationships" xmlns:p="http://schemas.openxmlformats.org/presentationml/2006/main">
+  <p:cSld>
+    <p:spTree>
+      <p:nvGrpSpPr>
+        <p:cNvPr id="1" name=""/>
+        <p:cNvGrpSpPr/>
+        <p:nvPr/>
+      </p:nvGrpSpPr>
+      <p:grpSpPr>
+        <a:xfrm>
+          <a:off x="0" y="0"/>
+          <a:ext cx="0" cy="0"/>
+          <a:chOff x="0" y="0"/>
+          <a:chExt cx="0" cy="0"/>
+        </a:xfrm>
+      </p:grpSpPr>
+      <p:sp>
+        <p:nvSpPr>
+          <p:cNvPr id="2" name="Title 1">
+            <a:extLst>
+              <a:ext uri="{FF2B5EF4-FFF2-40B4-BE49-F238E27FC236}">
+                <a16:creationId xmlns:a16="http://schemas.microsoft.com/office/drawing/2014/main" id="{3907042D-DDC8-45A2-B2CD-803E953E38C9}"/>
+              </a:ext>
+            </a:extLst>
+          </p:cNvPr>
+          <p:cNvSpPr>
+            <a:spLocks noGrp="1"/>
+          </p:cNvSpPr>
+          <p:nvPr>
+            <p:ph type="title"/>
+          </p:nvPr>
+        </p:nvSpPr>
+        <p:spPr/>
+        <p:txBody>
+          <a:bodyPr/>
+          <a:lstStyle/>
+          <a:p>
+            <a:endParaRPr lang="en-CA"/>
+          </a:p>
+        </p:txBody>
+      </p:sp>
+      <p:sp>
+        <p:nvSpPr>
+          <p:cNvPr id="3" name="Content Placeholder 2">
+            <a:extLst>
+              <a:ext uri="{FF2B5EF4-FFF2-40B4-BE49-F238E27FC236}">
+                <a16:creationId xmlns:a16="http://schemas.microsoft.com/office/drawing/2014/main" id="{105D66BD-A03A-428E-926A-C38416C3FE90}"/>
+              </a:ext>
+            </a:extLst>
+          </p:cNvPr>
+          <p:cNvSpPr>
+            <a:spLocks noGrp="1"/>
+          </p:cNvSpPr>
+          <p:nvPr>
+            <p:ph idx="1"/>
+          </p:nvPr>
+        </p:nvSpPr>
+        <p:spPr/>
+        <p:txBody>
+          <a:bodyPr/>
+          <a:lstStyle/>
+          <a:p>
+            <a:endParaRPr lang="en-CA"/>
+          </a:p>
+        </p:txBody>
+      </p:sp>
+      <p:pic>
+        <p:nvPicPr>
+          <p:cNvPr id="4" name="Picture 3">
+            <a:extLst>
+              <a:ext uri="{FF2B5EF4-FFF2-40B4-BE49-F238E27FC236}">
+                <a16:creationId xmlns:a16="http://schemas.microsoft.com/office/drawing/2014/main" id="{497C4C8A-15FC-4380-89AE-FB4680463D50}"/>
+              </a:ext>
+            </a:extLst>
+          </p:cNvPr>
+          <p:cNvPicPr>
+            <a:picLocks noChangeAspect="1"/>
+          </p:cNvPicPr>
+          <p:nvPr/>
+        </p:nvPicPr>
+        <p:blipFill rotWithShape="1">
+          <a:blip r:embed="rId2"/>
+          <a:srcRect l="8489" t="44414" r="58214" b="18130"/>
+          <a:stretch/>
+        </p:blipFill>
+        <p:spPr>
+          <a:xfrm>
+            <a:off x="0" y="0"/>
+            <a:ext cx="9502994" cy="4139921"/>
+          </a:xfrm>
+          <a:prstGeom prst="rect">
+            <a:avLst/>
+          </a:prstGeom>
+        </p:spPr>
+      </p:pic>
+    </p:spTree>
+    <p:extLst>
+      <p:ext uri="{BB962C8B-B14F-4D97-AF65-F5344CB8AC3E}">
+        <p14:creationId xmlns:p14="http://schemas.microsoft.com/office/powerpoint/2010/main" val="1146858320"/>
+      </p:ext>
+    </p:extLst>
+  </p:cSld>
+  <p:clrMapOvr>
+    <a:masterClrMapping/>
+  </p:clrMapOvr>
+</p:sld>
+</file>
+
+<file path=ppt/slides/slide14.xml><?xml version="1.0" encoding="utf-8"?>
+<p:sld xmlns:a="http://schemas.openxmlformats.org/drawingml/2006/main" xmlns:r="http://schemas.openxmlformats.org/officeDocument/2006/relationships" xmlns:p="http://schemas.openxmlformats.org/presentationml/2006/main">
+  <p:cSld>
+    <p:spTree>
+      <p:nvGrpSpPr>
+        <p:cNvPr id="1" name=""/>
+        <p:cNvGrpSpPr/>
+        <p:nvPr/>
+      </p:nvGrpSpPr>
+      <p:grpSpPr>
+        <a:xfrm>
+          <a:off x="0" y="0"/>
+          <a:ext cx="0" cy="0"/>
+          <a:chOff x="0" y="0"/>
+          <a:chExt cx="0" cy="0"/>
+        </a:xfrm>
+      </p:grpSpPr>
+      <p:pic>
+        <p:nvPicPr>
+          <p:cNvPr id="5" name="Picture 4">
+            <a:extLst>
+              <a:ext uri="{FF2B5EF4-FFF2-40B4-BE49-F238E27FC236}">
+                <a16:creationId xmlns:a16="http://schemas.microsoft.com/office/drawing/2014/main" id="{9C7491F2-EC7C-45BD-BF43-A90E7B04B414}"/>
+              </a:ext>
+            </a:extLst>
+          </p:cNvPr>
+          <p:cNvPicPr>
+            <a:picLocks noChangeAspect="1"/>
+          </p:cNvPicPr>
+          <p:nvPr/>
+        </p:nvPicPr>
+        <p:blipFill rotWithShape="1">
+          <a:blip r:embed="rId2"/>
+          <a:srcRect l="9173" t="52944" r="75674" b="36237"/>
+          <a:stretch/>
+        </p:blipFill>
+        <p:spPr>
+          <a:xfrm>
+            <a:off x="690278" y="3354511"/>
+            <a:ext cx="4324743" cy="1195754"/>
+          </a:xfrm>
+          <a:prstGeom prst="rect">
+            <a:avLst/>
+          </a:prstGeom>
+        </p:spPr>
+      </p:pic>
+      <p:pic>
+        <p:nvPicPr>
+          <p:cNvPr id="7" name="Picture 6">
+            <a:extLst>
+              <a:ext uri="{FF2B5EF4-FFF2-40B4-BE49-F238E27FC236}">
+                <a16:creationId xmlns:a16="http://schemas.microsoft.com/office/drawing/2014/main" id="{60F49936-F55C-4A27-AE50-CCCB7D06C039}"/>
+              </a:ext>
+            </a:extLst>
+          </p:cNvPr>
+          <p:cNvPicPr>
+            <a:picLocks noChangeAspect="1"/>
+          </p:cNvPicPr>
+          <p:nvPr/>
+        </p:nvPicPr>
+        <p:blipFill rotWithShape="1">
+          <a:blip r:embed="rId2"/>
+          <a:srcRect l="9173" t="52944" r="75674" b="36237"/>
+          <a:stretch/>
+        </p:blipFill>
+        <p:spPr>
+          <a:xfrm>
+            <a:off x="668383" y="2756634"/>
+            <a:ext cx="4324743" cy="1195754"/>
+          </a:xfrm>
+          <a:prstGeom prst="rect">
+            <a:avLst/>
+          </a:prstGeom>
+        </p:spPr>
+      </p:pic>
+      <p:pic>
+        <p:nvPicPr>
+          <p:cNvPr id="6" name="Picture 5">
+            <a:extLst>
+              <a:ext uri="{FF2B5EF4-FFF2-40B4-BE49-F238E27FC236}">
+                <a16:creationId xmlns:a16="http://schemas.microsoft.com/office/drawing/2014/main" id="{324337C7-08FB-484C-8B43-E1EFEB848FF6}"/>
+              </a:ext>
+            </a:extLst>
+          </p:cNvPr>
+          <p:cNvPicPr>
+            <a:picLocks noChangeAspect="1"/>
+          </p:cNvPicPr>
+          <p:nvPr/>
+        </p:nvPicPr>
+        <p:blipFill rotWithShape="1">
+          <a:blip r:embed="rId2"/>
+          <a:srcRect l="9173" t="52944" r="75674" b="36237"/>
+          <a:stretch/>
+        </p:blipFill>
+        <p:spPr>
+          <a:xfrm>
+            <a:off x="707804" y="2233246"/>
+            <a:ext cx="4324743" cy="1195754"/>
+          </a:xfrm>
+          <a:prstGeom prst="rect">
+            <a:avLst/>
+          </a:prstGeom>
+        </p:spPr>
+      </p:pic>
+      <p:sp>
+        <p:nvSpPr>
+          <p:cNvPr id="2" name="Title 1">
+            <a:extLst>
+              <a:ext uri="{FF2B5EF4-FFF2-40B4-BE49-F238E27FC236}">
+                <a16:creationId xmlns:a16="http://schemas.microsoft.com/office/drawing/2014/main" id="{F3A8567B-521C-430B-8ECD-24670017B729}"/>
+              </a:ext>
+            </a:extLst>
+          </p:cNvPr>
+          <p:cNvSpPr>
+            <a:spLocks noGrp="1"/>
+          </p:cNvSpPr>
+          <p:nvPr>
+            <p:ph type="title"/>
+          </p:nvPr>
+        </p:nvSpPr>
+        <p:spPr/>
+        <p:txBody>
+          <a:bodyPr/>
+          <a:lstStyle/>
+          <a:p>
+            <a:endParaRPr lang="en-CA"/>
+          </a:p>
+        </p:txBody>
+      </p:sp>
+      <p:sp>
+        <p:nvSpPr>
+          <p:cNvPr id="3" name="Content Placeholder 2">
+            <a:extLst>
+              <a:ext uri="{FF2B5EF4-FFF2-40B4-BE49-F238E27FC236}">
+                <a16:creationId xmlns:a16="http://schemas.microsoft.com/office/drawing/2014/main" id="{1F9B8A83-9635-43E7-A3E2-57821E7757ED}"/>
+              </a:ext>
+            </a:extLst>
+          </p:cNvPr>
+          <p:cNvSpPr>
+            <a:spLocks noGrp="1"/>
+          </p:cNvSpPr>
+          <p:nvPr>
+            <p:ph idx="1"/>
+          </p:nvPr>
+        </p:nvSpPr>
+        <p:spPr/>
+        <p:txBody>
+          <a:bodyPr/>
+          <a:lstStyle/>
+          <a:p>
+            <a:endParaRPr lang="en-CA" dirty="0"/>
+          </a:p>
+        </p:txBody>
+      </p:sp>
+      <p:pic>
+        <p:nvPicPr>
+          <p:cNvPr id="4" name="Picture 3">
+            <a:extLst>
+              <a:ext uri="{FF2B5EF4-FFF2-40B4-BE49-F238E27FC236}">
+                <a16:creationId xmlns:a16="http://schemas.microsoft.com/office/drawing/2014/main" id="{259C62D3-DB4A-4F96-9AD6-35E3873161FB}"/>
+              </a:ext>
+            </a:extLst>
+          </p:cNvPr>
+          <p:cNvPicPr>
+            <a:picLocks noChangeAspect="1"/>
+          </p:cNvPicPr>
+          <p:nvPr/>
+        </p:nvPicPr>
+        <p:blipFill rotWithShape="1">
+          <a:blip r:embed="rId2"/>
+          <a:srcRect l="9173" t="52944" r="75674" b="36237"/>
+          <a:stretch/>
+        </p:blipFill>
+        <p:spPr>
+          <a:xfrm>
+            <a:off x="707804" y="1560880"/>
+            <a:ext cx="4324743" cy="1195754"/>
+          </a:xfrm>
+          <a:prstGeom prst="rect">
+            <a:avLst/>
+          </a:prstGeom>
+        </p:spPr>
+      </p:pic>
+      <p:pic>
+        <p:nvPicPr>
+          <p:cNvPr id="8" name="Picture 7">
+            <a:extLst>
+              <a:ext uri="{FF2B5EF4-FFF2-40B4-BE49-F238E27FC236}">
+                <a16:creationId xmlns:a16="http://schemas.microsoft.com/office/drawing/2014/main" id="{A5C392E7-258C-4F73-A84C-9D0047EF6D48}"/>
+              </a:ext>
+            </a:extLst>
+          </p:cNvPr>
+          <p:cNvPicPr>
+            <a:picLocks noChangeAspect="1"/>
+          </p:cNvPicPr>
+          <p:nvPr/>
+        </p:nvPicPr>
+        <p:blipFill rotWithShape="1">
+          <a:blip r:embed="rId2"/>
+          <a:srcRect l="9173" t="52944" r="75674" b="36237"/>
+          <a:stretch/>
+        </p:blipFill>
+        <p:spPr>
+          <a:xfrm>
+            <a:off x="707804" y="895534"/>
+            <a:ext cx="4324743" cy="1195754"/>
+          </a:xfrm>
+          <a:prstGeom prst="rect">
+            <a:avLst/>
+          </a:prstGeom>
+        </p:spPr>
+      </p:pic>
+      <p:pic>
+        <p:nvPicPr>
+          <p:cNvPr id="9" name="Picture 8">
+            <a:extLst>
+              <a:ext uri="{FF2B5EF4-FFF2-40B4-BE49-F238E27FC236}">
+                <a16:creationId xmlns:a16="http://schemas.microsoft.com/office/drawing/2014/main" id="{2D8D37C6-858D-4316-A7D8-0C90D27EC6D8}"/>
+              </a:ext>
+            </a:extLst>
+          </p:cNvPr>
+          <p:cNvPicPr>
+            <a:picLocks noChangeAspect="1"/>
+          </p:cNvPicPr>
+          <p:nvPr/>
+        </p:nvPicPr>
+        <p:blipFill rotWithShape="1">
+          <a:blip r:embed="rId2"/>
+          <a:srcRect l="9173" t="52944" r="75674" b="36237"/>
+          <a:stretch/>
+        </p:blipFill>
+        <p:spPr>
+          <a:xfrm>
+            <a:off x="707805" y="230188"/>
+            <a:ext cx="4324743" cy="1195754"/>
+          </a:xfrm>
+          <a:prstGeom prst="rect">
+            <a:avLst/>
+          </a:prstGeom>
+        </p:spPr>
+      </p:pic>
+      <p:pic>
+        <p:nvPicPr>
+          <p:cNvPr id="10" name="Picture 9">
+            <a:extLst>
+              <a:ext uri="{FF2B5EF4-FFF2-40B4-BE49-F238E27FC236}">
+                <a16:creationId xmlns:a16="http://schemas.microsoft.com/office/drawing/2014/main" id="{25DB91A7-F077-4273-A60C-BD34576AC4F4}"/>
+              </a:ext>
+            </a:extLst>
+          </p:cNvPr>
+          <p:cNvPicPr>
+            <a:picLocks noChangeAspect="1"/>
+          </p:cNvPicPr>
+          <p:nvPr/>
+        </p:nvPicPr>
+        <p:blipFill rotWithShape="1">
+          <a:blip r:embed="rId2"/>
+          <a:srcRect l="9257" t="65009" r="76358" b="22263"/>
+          <a:stretch/>
+        </p:blipFill>
+        <p:spPr>
+          <a:xfrm>
+            <a:off x="778077" y="4579695"/>
+            <a:ext cx="4105354" cy="1406770"/>
+          </a:xfrm>
+          <a:prstGeom prst="rect">
+            <a:avLst/>
+          </a:prstGeom>
+        </p:spPr>
+      </p:pic>
+    </p:spTree>
+    <p:extLst>
+      <p:ext uri="{BB962C8B-B14F-4D97-AF65-F5344CB8AC3E}">
+        <p14:creationId xmlns:p14="http://schemas.microsoft.com/office/powerpoint/2010/main" val="121070932"/>
+      </p:ext>
+    </p:extLst>
+  </p:cSld>
+  <p:clrMapOvr>
+    <a:masterClrMapping/>
+  </p:clrMapOvr>
+</p:sld>
+</file>
+
+<file path=ppt/slides/slide15.xml><?xml version="1.0" encoding="utf-8"?>
+<p:sld xmlns:a="http://schemas.openxmlformats.org/drawingml/2006/main" xmlns:r="http://schemas.openxmlformats.org/officeDocument/2006/relationships" xmlns:p="http://schemas.openxmlformats.org/presentationml/2006/main">
+  <p:cSld>
+    <p:spTree>
+      <p:nvGrpSpPr>
+        <p:cNvPr id="1" name=""/>
+        <p:cNvGrpSpPr/>
+        <p:nvPr/>
+      </p:nvGrpSpPr>
+      <p:grpSpPr>
+        <a:xfrm>
+          <a:off x="0" y="0"/>
+          <a:ext cx="0" cy="0"/>
+          <a:chOff x="0" y="0"/>
+          <a:chExt cx="0" cy="0"/>
+        </a:xfrm>
+      </p:grpSpPr>
+      <p:sp>
+        <p:nvSpPr>
+          <p:cNvPr id="10" name="Rectangle 9">
+            <a:extLst>
+              <a:ext uri="{FF2B5EF4-FFF2-40B4-BE49-F238E27FC236}">
+                <a16:creationId xmlns:a16="http://schemas.microsoft.com/office/drawing/2014/main" id="{6A7B669D-746F-4483-9580-17202D300E3E}"/>
+              </a:ext>
+            </a:extLst>
+          </p:cNvPr>
+          <p:cNvSpPr/>
+          <p:nvPr/>
+        </p:nvSpPr>
+        <p:spPr>
+          <a:xfrm>
+            <a:off x="2371412" y="874207"/>
+            <a:ext cx="2371411" cy="371789"/>
+          </a:xfrm>
+          <a:prstGeom prst="rect">
+            <a:avLst/>
+          </a:prstGeom>
+        </p:spPr>
+        <p:style>
+          <a:lnRef idx="2">
+            <a:schemeClr val="accent1">
+              <a:shade val="50000"/>
+            </a:schemeClr>
+          </a:lnRef>
+          <a:fillRef idx="1">
+            <a:schemeClr val="accent1"/>
+          </a:fillRef>
+          <a:effectRef idx="0">
+            <a:schemeClr val="accent1"/>
+          </a:effectRef>
+          <a:fontRef idx="minor">
+            <a:schemeClr val="lt1"/>
+          </a:fontRef>
+        </p:style>
+        <p:txBody>
+          <a:bodyPr rtlCol="0" anchor="ctr"/>
+          <a:lstStyle/>
+          <a:p>
+            <a:pPr marL="0" marR="0" lvl="0" indent="0" algn="ctr" defTabSz="914400" rtl="0" eaLnBrk="1" fontAlgn="auto" latinLnBrk="0" hangingPunct="1">
+              <a:lnSpc>
+                <a:spcPct val="100000"/>
+              </a:lnSpc>
+              <a:spcBef>
+                <a:spcPts val="0"/>
+              </a:spcBef>
+              <a:spcAft>
+                <a:spcPts val="0"/>
+              </a:spcAft>
+              <a:buClrTx/>
+              <a:buSzTx/>
+              <a:buFontTx/>
+              <a:buNone/>
+              <a:tabLst/>
+              <a:defRPr/>
+            </a:pPr>
+            <a:endParaRPr kumimoji="0" lang="en-CA" sz="1800" b="0" i="0" u="none" strike="noStrike" kern="1200" cap="none" spc="0" normalizeH="0" baseline="0" noProof="0">
+              <a:ln>
+                <a:noFill/>
+              </a:ln>
+              <a:solidFill>
+                <a:prstClr val="white"/>
+              </a:solidFill>
+              <a:effectLst/>
+              <a:uLnTx/>
+              <a:uFillTx/>
+              <a:latin typeface="Calibri" panose="020F0502020204030204"/>
+              <a:ea typeface="+mn-ea"/>
+              <a:cs typeface="+mn-cs"/>
+            </a:endParaRPr>
+          </a:p>
+        </p:txBody>
+      </p:sp>
+      <p:sp>
+        <p:nvSpPr>
+          <p:cNvPr id="11" name="Rectangle 10">
+            <a:extLst>
+              <a:ext uri="{FF2B5EF4-FFF2-40B4-BE49-F238E27FC236}">
+                <a16:creationId xmlns:a16="http://schemas.microsoft.com/office/drawing/2014/main" id="{635ECB05-6DAF-4CA5-94FA-200AD3BB9F04}"/>
+              </a:ext>
+            </a:extLst>
+          </p:cNvPr>
+          <p:cNvSpPr/>
+          <p:nvPr/>
+        </p:nvSpPr>
+        <p:spPr>
+          <a:xfrm>
+            <a:off x="2371412" y="1428541"/>
+            <a:ext cx="2371411" cy="371789"/>
+          </a:xfrm>
+          <a:prstGeom prst="rect">
+            <a:avLst/>
+          </a:prstGeom>
+        </p:spPr>
+        <p:style>
+          <a:lnRef idx="2">
+            <a:schemeClr val="accent1">
+              <a:shade val="50000"/>
+            </a:schemeClr>
+          </a:lnRef>
+          <a:fillRef idx="1">
+            <a:schemeClr val="accent1"/>
+          </a:fillRef>
+          <a:effectRef idx="0">
+            <a:schemeClr val="accent1"/>
+          </a:effectRef>
+          <a:fontRef idx="minor">
+            <a:schemeClr val="lt1"/>
+          </a:fontRef>
+        </p:style>
+        <p:txBody>
+          <a:bodyPr rtlCol="0" anchor="ctr"/>
+          <a:lstStyle/>
+          <a:p>
+            <a:pPr marL="0" marR="0" lvl="0" indent="0" algn="ctr" defTabSz="914400" rtl="0" eaLnBrk="1" fontAlgn="auto" latinLnBrk="0" hangingPunct="1">
+              <a:lnSpc>
+                <a:spcPct val="100000"/>
+              </a:lnSpc>
+              <a:spcBef>
+                <a:spcPts val="0"/>
+              </a:spcBef>
+              <a:spcAft>
+                <a:spcPts val="0"/>
+              </a:spcAft>
+              <a:buClrTx/>
+              <a:buSzTx/>
+              <a:buFontTx/>
+              <a:buNone/>
+              <a:tabLst/>
+              <a:defRPr/>
+            </a:pPr>
+            <a:endParaRPr kumimoji="0" lang="en-CA" sz="1800" b="0" i="0" u="none" strike="noStrike" kern="1200" cap="none" spc="0" normalizeH="0" baseline="0" noProof="0">
+              <a:ln>
+                <a:noFill/>
+              </a:ln>
+              <a:solidFill>
+                <a:prstClr val="white"/>
+              </a:solidFill>
+              <a:effectLst/>
+              <a:uLnTx/>
+              <a:uFillTx/>
+              <a:latin typeface="Calibri" panose="020F0502020204030204"/>
+              <a:ea typeface="+mn-ea"/>
+              <a:cs typeface="+mn-cs"/>
+            </a:endParaRPr>
+          </a:p>
+        </p:txBody>
+      </p:sp>
+      <p:sp>
+        <p:nvSpPr>
+          <p:cNvPr id="12" name="Rectangle 11">
+            <a:extLst>
+              <a:ext uri="{FF2B5EF4-FFF2-40B4-BE49-F238E27FC236}">
+                <a16:creationId xmlns:a16="http://schemas.microsoft.com/office/drawing/2014/main" id="{28A557B8-E22A-4A2B-A878-8844898967D9}"/>
+              </a:ext>
+            </a:extLst>
+          </p:cNvPr>
+          <p:cNvSpPr/>
+          <p:nvPr/>
+        </p:nvSpPr>
+        <p:spPr>
+          <a:xfrm>
+            <a:off x="2361363" y="1942682"/>
+            <a:ext cx="2371411" cy="371789"/>
+          </a:xfrm>
+          <a:prstGeom prst="rect">
+            <a:avLst/>
+          </a:prstGeom>
+        </p:spPr>
+        <p:style>
+          <a:lnRef idx="2">
+            <a:schemeClr val="accent1">
+              <a:shade val="50000"/>
+            </a:schemeClr>
+          </a:lnRef>
+          <a:fillRef idx="1">
+            <a:schemeClr val="accent1"/>
+          </a:fillRef>
+          <a:effectRef idx="0">
+            <a:schemeClr val="accent1"/>
+          </a:effectRef>
+          <a:fontRef idx="minor">
+            <a:schemeClr val="lt1"/>
+          </a:fontRef>
+        </p:style>
+        <p:txBody>
+          <a:bodyPr rtlCol="0" anchor="ctr"/>
+          <a:lstStyle/>
+          <a:p>
+            <a:pPr marL="0" marR="0" lvl="0" indent="0" algn="ctr" defTabSz="914400" rtl="0" eaLnBrk="1" fontAlgn="auto" latinLnBrk="0" hangingPunct="1">
+              <a:lnSpc>
+                <a:spcPct val="100000"/>
+              </a:lnSpc>
+              <a:spcBef>
+                <a:spcPts val="0"/>
+              </a:spcBef>
+              <a:spcAft>
+                <a:spcPts val="0"/>
+              </a:spcAft>
+              <a:buClrTx/>
+              <a:buSzTx/>
+              <a:buFontTx/>
+              <a:buNone/>
+              <a:tabLst/>
+              <a:defRPr/>
+            </a:pPr>
+            <a:endParaRPr kumimoji="0" lang="en-CA" sz="1800" b="0" i="0" u="none" strike="noStrike" kern="1200" cap="none" spc="0" normalizeH="0" baseline="0" noProof="0">
+              <a:ln>
+                <a:noFill/>
+              </a:ln>
+              <a:solidFill>
+                <a:prstClr val="white"/>
+              </a:solidFill>
+              <a:effectLst/>
+              <a:uLnTx/>
+              <a:uFillTx/>
+              <a:latin typeface="Calibri" panose="020F0502020204030204"/>
+              <a:ea typeface="+mn-ea"/>
+              <a:cs typeface="+mn-cs"/>
+            </a:endParaRPr>
+          </a:p>
+        </p:txBody>
+      </p:sp>
+      <p:sp>
+        <p:nvSpPr>
+          <p:cNvPr id="13" name="Rectangle 12">
+            <a:extLst>
+              <a:ext uri="{FF2B5EF4-FFF2-40B4-BE49-F238E27FC236}">
+                <a16:creationId xmlns:a16="http://schemas.microsoft.com/office/drawing/2014/main" id="{298880B0-7B3B-4569-A9E1-61F4C94C5332}"/>
+              </a:ext>
+            </a:extLst>
+          </p:cNvPr>
+          <p:cNvSpPr/>
+          <p:nvPr/>
+        </p:nvSpPr>
+        <p:spPr>
+          <a:xfrm>
+            <a:off x="2361363" y="2386483"/>
+            <a:ext cx="2371411" cy="371789"/>
+          </a:xfrm>
+          <a:prstGeom prst="rect">
+            <a:avLst/>
+          </a:prstGeom>
+        </p:spPr>
+        <p:style>
+          <a:lnRef idx="2">
+            <a:schemeClr val="accent1">
+              <a:shade val="50000"/>
+            </a:schemeClr>
+          </a:lnRef>
+          <a:fillRef idx="1">
+            <a:schemeClr val="accent1"/>
+          </a:fillRef>
+          <a:effectRef idx="0">
+            <a:schemeClr val="accent1"/>
+          </a:effectRef>
+          <a:fontRef idx="minor">
+            <a:schemeClr val="lt1"/>
+          </a:fontRef>
+        </p:style>
+        <p:txBody>
+          <a:bodyPr rtlCol="0" anchor="ctr"/>
+          <a:lstStyle/>
+          <a:p>
+            <a:pPr marL="0" marR="0" lvl="0" indent="0" algn="ctr" defTabSz="914400" rtl="0" eaLnBrk="1" fontAlgn="auto" latinLnBrk="0" hangingPunct="1">
+              <a:lnSpc>
+                <a:spcPct val="100000"/>
+              </a:lnSpc>
+              <a:spcBef>
+                <a:spcPts val="0"/>
+              </a:spcBef>
+              <a:spcAft>
+                <a:spcPts val="0"/>
+              </a:spcAft>
+              <a:buClrTx/>
+              <a:buSzTx/>
+              <a:buFontTx/>
+              <a:buNone/>
+              <a:tabLst/>
+              <a:defRPr/>
+            </a:pPr>
+            <a:endParaRPr kumimoji="0" lang="en-CA" sz="1800" b="0" i="0" u="none" strike="noStrike" kern="1200" cap="none" spc="0" normalizeH="0" baseline="0" noProof="0">
+              <a:ln>
+                <a:noFill/>
+              </a:ln>
+              <a:solidFill>
+                <a:prstClr val="white"/>
+              </a:solidFill>
+              <a:effectLst/>
+              <a:uLnTx/>
+              <a:uFillTx/>
+              <a:latin typeface="Calibri" panose="020F0502020204030204"/>
+              <a:ea typeface="+mn-ea"/>
+              <a:cs typeface="+mn-cs"/>
+            </a:endParaRPr>
+          </a:p>
+        </p:txBody>
+      </p:sp>
+      <p:sp>
+        <p:nvSpPr>
+          <p:cNvPr id="14" name="Rectangle 13">
+            <a:extLst>
+              <a:ext uri="{FF2B5EF4-FFF2-40B4-BE49-F238E27FC236}">
+                <a16:creationId xmlns:a16="http://schemas.microsoft.com/office/drawing/2014/main" id="{A5E9818C-63E8-4722-A81A-B8CEEB12EF64}"/>
+              </a:ext>
+            </a:extLst>
+          </p:cNvPr>
+          <p:cNvSpPr/>
+          <p:nvPr/>
+        </p:nvSpPr>
+        <p:spPr>
+          <a:xfrm>
+            <a:off x="2361363" y="2940817"/>
+            <a:ext cx="2371411" cy="371789"/>
+          </a:xfrm>
+          <a:prstGeom prst="rect">
+            <a:avLst/>
+          </a:prstGeom>
+        </p:spPr>
+        <p:style>
+          <a:lnRef idx="2">
+            <a:schemeClr val="accent1">
+              <a:shade val="50000"/>
+            </a:schemeClr>
+          </a:lnRef>
+          <a:fillRef idx="1">
+            <a:schemeClr val="accent1"/>
+          </a:fillRef>
+          <a:effectRef idx="0">
+            <a:schemeClr val="accent1"/>
+          </a:effectRef>
+          <a:fontRef idx="minor">
+            <a:schemeClr val="lt1"/>
+          </a:fontRef>
+        </p:style>
+        <p:txBody>
+          <a:bodyPr rtlCol="0" anchor="ctr"/>
+          <a:lstStyle/>
+          <a:p>
+            <a:pPr marL="0" marR="0" lvl="0" indent="0" algn="ctr" defTabSz="914400" rtl="0" eaLnBrk="1" fontAlgn="auto" latinLnBrk="0" hangingPunct="1">
+              <a:lnSpc>
+                <a:spcPct val="100000"/>
+              </a:lnSpc>
+              <a:spcBef>
+                <a:spcPts val="0"/>
+              </a:spcBef>
+              <a:spcAft>
+                <a:spcPts val="0"/>
+              </a:spcAft>
+              <a:buClrTx/>
+              <a:buSzTx/>
+              <a:buFontTx/>
+              <a:buNone/>
+              <a:tabLst/>
+              <a:defRPr/>
+            </a:pPr>
+            <a:endParaRPr kumimoji="0" lang="en-CA" sz="1800" b="0" i="0" u="none" strike="noStrike" kern="1200" cap="none" spc="0" normalizeH="0" baseline="0" noProof="0">
+              <a:ln>
+                <a:noFill/>
+              </a:ln>
+              <a:solidFill>
+                <a:prstClr val="white"/>
+              </a:solidFill>
+              <a:effectLst/>
+              <a:uLnTx/>
+              <a:uFillTx/>
+              <a:latin typeface="Calibri" panose="020F0502020204030204"/>
+              <a:ea typeface="+mn-ea"/>
+              <a:cs typeface="+mn-cs"/>
+            </a:endParaRPr>
+          </a:p>
+        </p:txBody>
+      </p:sp>
+      <p:sp>
+        <p:nvSpPr>
+          <p:cNvPr id="15" name="Rectangle 14">
+            <a:extLst>
+              <a:ext uri="{FF2B5EF4-FFF2-40B4-BE49-F238E27FC236}">
+                <a16:creationId xmlns:a16="http://schemas.microsoft.com/office/drawing/2014/main" id="{F539EE7F-1F79-4170-9027-A3868FA30394}"/>
+              </a:ext>
+            </a:extLst>
+          </p:cNvPr>
+          <p:cNvSpPr/>
+          <p:nvPr/>
+        </p:nvSpPr>
+        <p:spPr>
+          <a:xfrm>
+            <a:off x="2351314" y="3454958"/>
+            <a:ext cx="2371411" cy="371789"/>
+          </a:xfrm>
+          <a:prstGeom prst="rect">
+            <a:avLst/>
+          </a:prstGeom>
+        </p:spPr>
+        <p:style>
+          <a:lnRef idx="2">
+            <a:schemeClr val="accent1">
+              <a:shade val="50000"/>
+            </a:schemeClr>
+          </a:lnRef>
+          <a:fillRef idx="1">
+            <a:schemeClr val="accent1"/>
+          </a:fillRef>
+          <a:effectRef idx="0">
+            <a:schemeClr val="accent1"/>
+          </a:effectRef>
+          <a:fontRef idx="minor">
+            <a:schemeClr val="lt1"/>
+          </a:fontRef>
+        </p:style>
+        <p:txBody>
+          <a:bodyPr rtlCol="0" anchor="ctr"/>
+          <a:lstStyle/>
+          <a:p>
+            <a:pPr marL="0" marR="0" lvl="0" indent="0" algn="ctr" defTabSz="914400" rtl="0" eaLnBrk="1" fontAlgn="auto" latinLnBrk="0" hangingPunct="1">
+              <a:lnSpc>
+                <a:spcPct val="100000"/>
+              </a:lnSpc>
+              <a:spcBef>
+                <a:spcPts val="0"/>
+              </a:spcBef>
+              <a:spcAft>
+                <a:spcPts val="0"/>
+              </a:spcAft>
+              <a:buClrTx/>
+              <a:buSzTx/>
+              <a:buFontTx/>
+              <a:buNone/>
+              <a:tabLst/>
+              <a:defRPr/>
+            </a:pPr>
+            <a:endParaRPr kumimoji="0" lang="en-CA" sz="1800" b="0" i="0" u="none" strike="noStrike" kern="1200" cap="none" spc="0" normalizeH="0" baseline="0" noProof="0">
+              <a:ln>
+                <a:noFill/>
+              </a:ln>
+              <a:solidFill>
+                <a:prstClr val="white"/>
+              </a:solidFill>
+              <a:effectLst/>
+              <a:uLnTx/>
+              <a:uFillTx/>
+              <a:latin typeface="Calibri" panose="020F0502020204030204"/>
+              <a:ea typeface="+mn-ea"/>
+              <a:cs typeface="+mn-cs"/>
+            </a:endParaRPr>
+          </a:p>
+        </p:txBody>
+      </p:sp>
+      <p:sp>
+        <p:nvSpPr>
+          <p:cNvPr id="19" name="Rectangle 18">
+            <a:extLst>
+              <a:ext uri="{FF2B5EF4-FFF2-40B4-BE49-F238E27FC236}">
+                <a16:creationId xmlns:a16="http://schemas.microsoft.com/office/drawing/2014/main" id="{C29427CC-492D-4728-AE66-DA0FD2412B05}"/>
+              </a:ext>
+            </a:extLst>
+          </p:cNvPr>
+          <p:cNvSpPr/>
+          <p:nvPr/>
+        </p:nvSpPr>
+        <p:spPr>
+          <a:xfrm>
+            <a:off x="1446971" y="874207"/>
+            <a:ext cx="442127" cy="371789"/>
+          </a:xfrm>
+          <a:prstGeom prst="rect">
+            <a:avLst/>
+          </a:prstGeom>
+        </p:spPr>
+        <p:style>
+          <a:lnRef idx="2">
+            <a:schemeClr val="accent1">
+              <a:shade val="50000"/>
+            </a:schemeClr>
+          </a:lnRef>
+          <a:fillRef idx="1">
+            <a:schemeClr val="accent1"/>
+          </a:fillRef>
+          <a:effectRef idx="0">
+            <a:schemeClr val="accent1"/>
+          </a:effectRef>
+          <a:fontRef idx="minor">
+            <a:schemeClr val="lt1"/>
+          </a:fontRef>
+        </p:style>
+        <p:txBody>
+          <a:bodyPr rtlCol="0" anchor="ctr"/>
+          <a:lstStyle/>
+          <a:p>
+            <a:pPr marL="0" marR="0" lvl="0" indent="0" algn="ctr" defTabSz="914400" rtl="0" eaLnBrk="1" fontAlgn="auto" latinLnBrk="0" hangingPunct="1">
+              <a:lnSpc>
+                <a:spcPct val="100000"/>
+              </a:lnSpc>
+              <a:spcBef>
+                <a:spcPts val="0"/>
+              </a:spcBef>
+              <a:spcAft>
+                <a:spcPts val="0"/>
+              </a:spcAft>
+              <a:buClrTx/>
+              <a:buSzTx/>
+              <a:buFontTx/>
+              <a:buNone/>
+              <a:tabLst/>
+              <a:defRPr/>
+            </a:pPr>
+            <a:endParaRPr kumimoji="0" lang="en-CA" sz="1800" b="0" i="0" u="none" strike="noStrike" kern="1200" cap="none" spc="0" normalizeH="0" baseline="0" noProof="0" dirty="0">
+              <a:ln>
+                <a:noFill/>
+              </a:ln>
+              <a:solidFill>
+                <a:prstClr val="white"/>
+              </a:solidFill>
+              <a:effectLst/>
+              <a:uLnTx/>
+              <a:uFillTx/>
+              <a:latin typeface="Calibri" panose="020F0502020204030204"/>
+              <a:ea typeface="+mn-ea"/>
+              <a:cs typeface="+mn-cs"/>
+            </a:endParaRPr>
+          </a:p>
+        </p:txBody>
+      </p:sp>
+      <p:sp>
+        <p:nvSpPr>
+          <p:cNvPr id="20" name="Rectangle 19">
+            <a:extLst>
+              <a:ext uri="{FF2B5EF4-FFF2-40B4-BE49-F238E27FC236}">
+                <a16:creationId xmlns:a16="http://schemas.microsoft.com/office/drawing/2014/main" id="{3F68458F-4059-4425-A5FD-E7BBCC1824C4}"/>
+              </a:ext>
+            </a:extLst>
+          </p:cNvPr>
+          <p:cNvSpPr/>
+          <p:nvPr/>
+        </p:nvSpPr>
+        <p:spPr>
+          <a:xfrm>
+            <a:off x="1446970" y="1378299"/>
+            <a:ext cx="442127" cy="371789"/>
+          </a:xfrm>
+          <a:prstGeom prst="rect">
+            <a:avLst/>
+          </a:prstGeom>
+        </p:spPr>
+        <p:style>
+          <a:lnRef idx="2">
+            <a:schemeClr val="accent1">
+              <a:shade val="50000"/>
+            </a:schemeClr>
+          </a:lnRef>
+          <a:fillRef idx="1">
+            <a:schemeClr val="accent1"/>
+          </a:fillRef>
+          <a:effectRef idx="0">
+            <a:schemeClr val="accent1"/>
+          </a:effectRef>
+          <a:fontRef idx="minor">
+            <a:schemeClr val="lt1"/>
+          </a:fontRef>
+        </p:style>
+        <p:txBody>
+          <a:bodyPr rtlCol="0" anchor="ctr"/>
+          <a:lstStyle/>
+          <a:p>
+            <a:pPr marL="0" marR="0" lvl="0" indent="0" algn="ctr" defTabSz="914400" rtl="0" eaLnBrk="1" fontAlgn="auto" latinLnBrk="0" hangingPunct="1">
+              <a:lnSpc>
+                <a:spcPct val="100000"/>
+              </a:lnSpc>
+              <a:spcBef>
+                <a:spcPts val="0"/>
+              </a:spcBef>
+              <a:spcAft>
+                <a:spcPts val="0"/>
+              </a:spcAft>
+              <a:buClrTx/>
+              <a:buSzTx/>
+              <a:buFontTx/>
+              <a:buNone/>
+              <a:tabLst/>
+              <a:defRPr/>
+            </a:pPr>
+            <a:endParaRPr kumimoji="0" lang="en-CA" sz="1800" b="0" i="0" u="none" strike="noStrike" kern="1200" cap="none" spc="0" normalizeH="0" baseline="0" noProof="0">
+              <a:ln>
+                <a:noFill/>
+              </a:ln>
+              <a:solidFill>
+                <a:prstClr val="white"/>
+              </a:solidFill>
+              <a:effectLst/>
+              <a:uLnTx/>
+              <a:uFillTx/>
+              <a:latin typeface="Calibri" panose="020F0502020204030204"/>
+              <a:ea typeface="+mn-ea"/>
+              <a:cs typeface="+mn-cs"/>
+            </a:endParaRPr>
+          </a:p>
+        </p:txBody>
+      </p:sp>
+      <p:sp>
+        <p:nvSpPr>
+          <p:cNvPr id="21" name="Rectangle 20">
+            <a:extLst>
+              <a:ext uri="{FF2B5EF4-FFF2-40B4-BE49-F238E27FC236}">
+                <a16:creationId xmlns:a16="http://schemas.microsoft.com/office/drawing/2014/main" id="{1D2D8B41-DE0A-405F-ADFF-E4EC8C45F775}"/>
+              </a:ext>
+            </a:extLst>
+          </p:cNvPr>
+          <p:cNvSpPr/>
+          <p:nvPr/>
+        </p:nvSpPr>
+        <p:spPr>
+          <a:xfrm>
+            <a:off x="1446969" y="1882391"/>
+            <a:ext cx="442127" cy="371789"/>
+          </a:xfrm>
+          <a:prstGeom prst="rect">
+            <a:avLst/>
+          </a:prstGeom>
+        </p:spPr>
+        <p:style>
+          <a:lnRef idx="2">
+            <a:schemeClr val="accent1">
+              <a:shade val="50000"/>
+            </a:schemeClr>
+          </a:lnRef>
+          <a:fillRef idx="1">
+            <a:schemeClr val="accent1"/>
+          </a:fillRef>
+          <a:effectRef idx="0">
+            <a:schemeClr val="accent1"/>
+          </a:effectRef>
+          <a:fontRef idx="minor">
+            <a:schemeClr val="lt1"/>
+          </a:fontRef>
+        </p:style>
+        <p:txBody>
+          <a:bodyPr rtlCol="0" anchor="ctr"/>
+          <a:lstStyle/>
+          <a:p>
+            <a:pPr marL="0" marR="0" lvl="0" indent="0" algn="ctr" defTabSz="914400" rtl="0" eaLnBrk="1" fontAlgn="auto" latinLnBrk="0" hangingPunct="1">
+              <a:lnSpc>
+                <a:spcPct val="100000"/>
+              </a:lnSpc>
+              <a:spcBef>
+                <a:spcPts val="0"/>
+              </a:spcBef>
+              <a:spcAft>
+                <a:spcPts val="0"/>
+              </a:spcAft>
+              <a:buClrTx/>
+              <a:buSzTx/>
+              <a:buFontTx/>
+              <a:buNone/>
+              <a:tabLst/>
+              <a:defRPr/>
+            </a:pPr>
+            <a:endParaRPr kumimoji="0" lang="en-CA" sz="1800" b="0" i="0" u="none" strike="noStrike" kern="1200" cap="none" spc="0" normalizeH="0" baseline="0" noProof="0">
+              <a:ln>
+                <a:noFill/>
+              </a:ln>
+              <a:solidFill>
+                <a:prstClr val="white"/>
+              </a:solidFill>
+              <a:effectLst/>
+              <a:uLnTx/>
+              <a:uFillTx/>
+              <a:latin typeface="Calibri" panose="020F0502020204030204"/>
+              <a:ea typeface="+mn-ea"/>
+              <a:cs typeface="+mn-cs"/>
+            </a:endParaRPr>
+          </a:p>
+        </p:txBody>
+      </p:sp>
+      <p:sp>
+        <p:nvSpPr>
+          <p:cNvPr id="22" name="Rectangle 21">
+            <a:extLst>
+              <a:ext uri="{FF2B5EF4-FFF2-40B4-BE49-F238E27FC236}">
+                <a16:creationId xmlns:a16="http://schemas.microsoft.com/office/drawing/2014/main" id="{B2339E4E-8ED6-4BBB-B244-246DD0029E41}"/>
+              </a:ext>
+            </a:extLst>
+          </p:cNvPr>
+          <p:cNvSpPr/>
+          <p:nvPr/>
+        </p:nvSpPr>
+        <p:spPr>
+          <a:xfrm>
+            <a:off x="1426869" y="2386483"/>
+            <a:ext cx="442127" cy="371789"/>
+          </a:xfrm>
+          <a:prstGeom prst="rect">
+            <a:avLst/>
+          </a:prstGeom>
+        </p:spPr>
+        <p:style>
+          <a:lnRef idx="2">
+            <a:schemeClr val="accent1">
+              <a:shade val="50000"/>
+            </a:schemeClr>
+          </a:lnRef>
+          <a:fillRef idx="1">
+            <a:schemeClr val="accent1"/>
+          </a:fillRef>
+          <a:effectRef idx="0">
+            <a:schemeClr val="accent1"/>
+          </a:effectRef>
+          <a:fontRef idx="minor">
+            <a:schemeClr val="lt1"/>
+          </a:fontRef>
+        </p:style>
+        <p:txBody>
+          <a:bodyPr rtlCol="0" anchor="ctr"/>
+          <a:lstStyle/>
+          <a:p>
+            <a:pPr marL="0" marR="0" lvl="0" indent="0" algn="ctr" defTabSz="914400" rtl="0" eaLnBrk="1" fontAlgn="auto" latinLnBrk="0" hangingPunct="1">
+              <a:lnSpc>
+                <a:spcPct val="100000"/>
+              </a:lnSpc>
+              <a:spcBef>
+                <a:spcPts val="0"/>
+              </a:spcBef>
+              <a:spcAft>
+                <a:spcPts val="0"/>
+              </a:spcAft>
+              <a:buClrTx/>
+              <a:buSzTx/>
+              <a:buFontTx/>
+              <a:buNone/>
+              <a:tabLst/>
+              <a:defRPr/>
+            </a:pPr>
+            <a:endParaRPr kumimoji="0" lang="en-CA" sz="1800" b="0" i="0" u="none" strike="noStrike" kern="1200" cap="none" spc="0" normalizeH="0" baseline="0" noProof="0">
+              <a:ln>
+                <a:noFill/>
+              </a:ln>
+              <a:solidFill>
+                <a:prstClr val="white"/>
+              </a:solidFill>
+              <a:effectLst/>
+              <a:uLnTx/>
+              <a:uFillTx/>
+              <a:latin typeface="Calibri" panose="020F0502020204030204"/>
+              <a:ea typeface="+mn-ea"/>
+              <a:cs typeface="+mn-cs"/>
+            </a:endParaRPr>
+          </a:p>
+        </p:txBody>
+      </p:sp>
+      <p:sp>
+        <p:nvSpPr>
+          <p:cNvPr id="23" name="Rectangle 22">
+            <a:extLst>
+              <a:ext uri="{FF2B5EF4-FFF2-40B4-BE49-F238E27FC236}">
+                <a16:creationId xmlns:a16="http://schemas.microsoft.com/office/drawing/2014/main" id="{40101F92-BDB7-434E-804A-5B2CB06EFC62}"/>
+              </a:ext>
+            </a:extLst>
+          </p:cNvPr>
+          <p:cNvSpPr/>
+          <p:nvPr/>
+        </p:nvSpPr>
+        <p:spPr>
+          <a:xfrm>
+            <a:off x="1426868" y="2890575"/>
+            <a:ext cx="442127" cy="371789"/>
+          </a:xfrm>
+          <a:prstGeom prst="rect">
+            <a:avLst/>
+          </a:prstGeom>
+        </p:spPr>
+        <p:style>
+          <a:lnRef idx="2">
+            <a:schemeClr val="accent1">
+              <a:shade val="50000"/>
+            </a:schemeClr>
+          </a:lnRef>
+          <a:fillRef idx="1">
+            <a:schemeClr val="accent1"/>
+          </a:fillRef>
+          <a:effectRef idx="0">
+            <a:schemeClr val="accent1"/>
+          </a:effectRef>
+          <a:fontRef idx="minor">
+            <a:schemeClr val="lt1"/>
+          </a:fontRef>
+        </p:style>
+        <p:txBody>
+          <a:bodyPr rtlCol="0" anchor="ctr"/>
+          <a:lstStyle/>
+          <a:p>
+            <a:pPr marL="0" marR="0" lvl="0" indent="0" algn="ctr" defTabSz="914400" rtl="0" eaLnBrk="1" fontAlgn="auto" latinLnBrk="0" hangingPunct="1">
+              <a:lnSpc>
+                <a:spcPct val="100000"/>
+              </a:lnSpc>
+              <a:spcBef>
+                <a:spcPts val="0"/>
+              </a:spcBef>
+              <a:spcAft>
+                <a:spcPts val="0"/>
+              </a:spcAft>
+              <a:buClrTx/>
+              <a:buSzTx/>
+              <a:buFontTx/>
+              <a:buNone/>
+              <a:tabLst/>
+              <a:defRPr/>
+            </a:pPr>
+            <a:endParaRPr kumimoji="0" lang="en-CA" sz="1800" b="0" i="0" u="none" strike="noStrike" kern="1200" cap="none" spc="0" normalizeH="0" baseline="0" noProof="0">
+              <a:ln>
+                <a:noFill/>
+              </a:ln>
+              <a:solidFill>
+                <a:prstClr val="white"/>
+              </a:solidFill>
+              <a:effectLst/>
+              <a:uLnTx/>
+              <a:uFillTx/>
+              <a:latin typeface="Calibri" panose="020F0502020204030204"/>
+              <a:ea typeface="+mn-ea"/>
+              <a:cs typeface="+mn-cs"/>
+            </a:endParaRPr>
+          </a:p>
+        </p:txBody>
+      </p:sp>
+      <p:sp>
+        <p:nvSpPr>
+          <p:cNvPr id="24" name="Rectangle 23">
+            <a:extLst>
+              <a:ext uri="{FF2B5EF4-FFF2-40B4-BE49-F238E27FC236}">
+                <a16:creationId xmlns:a16="http://schemas.microsoft.com/office/drawing/2014/main" id="{AA27295B-4AC9-49FF-AE3C-71799422E53C}"/>
+              </a:ext>
+            </a:extLst>
+          </p:cNvPr>
+          <p:cNvSpPr/>
+          <p:nvPr/>
+        </p:nvSpPr>
+        <p:spPr>
+          <a:xfrm>
+            <a:off x="1426867" y="3414764"/>
+            <a:ext cx="442127" cy="371789"/>
+          </a:xfrm>
+          <a:prstGeom prst="rect">
+            <a:avLst/>
+          </a:prstGeom>
+        </p:spPr>
+        <p:style>
+          <a:lnRef idx="2">
+            <a:schemeClr val="accent1">
+              <a:shade val="50000"/>
+            </a:schemeClr>
+          </a:lnRef>
+          <a:fillRef idx="1">
+            <a:schemeClr val="accent1"/>
+          </a:fillRef>
+          <a:effectRef idx="0">
+            <a:schemeClr val="accent1"/>
+          </a:effectRef>
+          <a:fontRef idx="minor">
+            <a:schemeClr val="lt1"/>
+          </a:fontRef>
+        </p:style>
+        <p:txBody>
+          <a:bodyPr rtlCol="0" anchor="ctr"/>
+          <a:lstStyle/>
+          <a:p>
+            <a:pPr marL="0" marR="0" lvl="0" indent="0" algn="ctr" defTabSz="914400" rtl="0" eaLnBrk="1" fontAlgn="auto" latinLnBrk="0" hangingPunct="1">
+              <a:lnSpc>
+                <a:spcPct val="100000"/>
+              </a:lnSpc>
+              <a:spcBef>
+                <a:spcPts val="0"/>
+              </a:spcBef>
+              <a:spcAft>
+                <a:spcPts val="0"/>
+              </a:spcAft>
+              <a:buClrTx/>
+              <a:buSzTx/>
+              <a:buFontTx/>
+              <a:buNone/>
+              <a:tabLst/>
+              <a:defRPr/>
+            </a:pPr>
+            <a:endParaRPr kumimoji="0" lang="en-CA" sz="1800" b="0" i="0" u="none" strike="noStrike" kern="1200" cap="none" spc="0" normalizeH="0" baseline="0" noProof="0">
+              <a:ln>
+                <a:noFill/>
+              </a:ln>
+              <a:solidFill>
+                <a:prstClr val="white"/>
+              </a:solidFill>
+              <a:effectLst/>
+              <a:uLnTx/>
+              <a:uFillTx/>
+              <a:latin typeface="Calibri" panose="020F0502020204030204"/>
+              <a:ea typeface="+mn-ea"/>
+              <a:cs typeface="+mn-cs"/>
+            </a:endParaRPr>
+          </a:p>
+        </p:txBody>
+      </p:sp>
+      <p:sp>
+        <p:nvSpPr>
+          <p:cNvPr id="25" name="Rectangle 24">
+            <a:extLst>
+              <a:ext uri="{FF2B5EF4-FFF2-40B4-BE49-F238E27FC236}">
+                <a16:creationId xmlns:a16="http://schemas.microsoft.com/office/drawing/2014/main" id="{2025EAA1-3C8C-4318-AD96-87B9E44C133B}"/>
+              </a:ext>
+            </a:extLst>
+          </p:cNvPr>
+          <p:cNvSpPr/>
+          <p:nvPr/>
+        </p:nvSpPr>
+        <p:spPr>
+          <a:xfrm>
+            <a:off x="5097866" y="874207"/>
+            <a:ext cx="2371411" cy="371789"/>
+          </a:xfrm>
+          <a:prstGeom prst="rect">
+            <a:avLst/>
+          </a:prstGeom>
+        </p:spPr>
+        <p:style>
+          <a:lnRef idx="2">
+            <a:schemeClr val="accent1">
+              <a:shade val="50000"/>
+            </a:schemeClr>
+          </a:lnRef>
+          <a:fillRef idx="1">
+            <a:schemeClr val="accent1"/>
+          </a:fillRef>
+          <a:effectRef idx="0">
+            <a:schemeClr val="accent1"/>
+          </a:effectRef>
+          <a:fontRef idx="minor">
+            <a:schemeClr val="lt1"/>
+          </a:fontRef>
+        </p:style>
+        <p:txBody>
+          <a:bodyPr rtlCol="0" anchor="ctr"/>
+          <a:lstStyle/>
+          <a:p>
+            <a:pPr marL="0" marR="0" lvl="0" indent="0" algn="ctr" defTabSz="914400" rtl="0" eaLnBrk="1" fontAlgn="auto" latinLnBrk="0" hangingPunct="1">
+              <a:lnSpc>
+                <a:spcPct val="100000"/>
+              </a:lnSpc>
+              <a:spcBef>
+                <a:spcPts val="0"/>
+              </a:spcBef>
+              <a:spcAft>
+                <a:spcPts val="0"/>
+              </a:spcAft>
+              <a:buClrTx/>
+              <a:buSzTx/>
+              <a:buFontTx/>
+              <a:buNone/>
+              <a:tabLst/>
+              <a:defRPr/>
+            </a:pPr>
+            <a:endParaRPr kumimoji="0" lang="en-CA" sz="1800" b="0" i="0" u="none" strike="noStrike" kern="1200" cap="none" spc="0" normalizeH="0" baseline="0" noProof="0" dirty="0">
+              <a:ln>
+                <a:noFill/>
+              </a:ln>
+              <a:solidFill>
+                <a:prstClr val="white"/>
+              </a:solidFill>
+              <a:effectLst/>
+              <a:uLnTx/>
+              <a:uFillTx/>
+              <a:latin typeface="Calibri" panose="020F0502020204030204"/>
+              <a:ea typeface="+mn-ea"/>
+              <a:cs typeface="+mn-cs"/>
+            </a:endParaRPr>
+          </a:p>
+        </p:txBody>
+      </p:sp>
+      <p:sp>
+        <p:nvSpPr>
+          <p:cNvPr id="26" name="Rectangle 25">
+            <a:extLst>
+              <a:ext uri="{FF2B5EF4-FFF2-40B4-BE49-F238E27FC236}">
+                <a16:creationId xmlns:a16="http://schemas.microsoft.com/office/drawing/2014/main" id="{2D936F08-BF47-489D-9E14-6CB17213C808}"/>
+              </a:ext>
+            </a:extLst>
+          </p:cNvPr>
+          <p:cNvSpPr/>
+          <p:nvPr/>
+        </p:nvSpPr>
+        <p:spPr>
+          <a:xfrm>
+            <a:off x="5097866" y="1428541"/>
+            <a:ext cx="2371411" cy="371789"/>
+          </a:xfrm>
+          <a:prstGeom prst="rect">
+            <a:avLst/>
+          </a:prstGeom>
+        </p:spPr>
+        <p:style>
+          <a:lnRef idx="2">
+            <a:schemeClr val="accent1">
+              <a:shade val="50000"/>
+            </a:schemeClr>
+          </a:lnRef>
+          <a:fillRef idx="1">
+            <a:schemeClr val="accent1"/>
+          </a:fillRef>
+          <a:effectRef idx="0">
+            <a:schemeClr val="accent1"/>
+          </a:effectRef>
+          <a:fontRef idx="minor">
+            <a:schemeClr val="lt1"/>
+          </a:fontRef>
+        </p:style>
+        <p:txBody>
+          <a:bodyPr rtlCol="0" anchor="ctr"/>
+          <a:lstStyle/>
+          <a:p>
+            <a:pPr marL="0" marR="0" lvl="0" indent="0" algn="ctr" defTabSz="914400" rtl="0" eaLnBrk="1" fontAlgn="auto" latinLnBrk="0" hangingPunct="1">
+              <a:lnSpc>
+                <a:spcPct val="100000"/>
+              </a:lnSpc>
+              <a:spcBef>
+                <a:spcPts val="0"/>
+              </a:spcBef>
+              <a:spcAft>
+                <a:spcPts val="0"/>
+              </a:spcAft>
+              <a:buClrTx/>
+              <a:buSzTx/>
+              <a:buFontTx/>
+              <a:buNone/>
+              <a:tabLst/>
+              <a:defRPr/>
+            </a:pPr>
+            <a:endParaRPr kumimoji="0" lang="en-CA" sz="1800" b="0" i="0" u="none" strike="noStrike" kern="1200" cap="none" spc="0" normalizeH="0" baseline="0" noProof="0">
+              <a:ln>
+                <a:noFill/>
+              </a:ln>
+              <a:solidFill>
+                <a:prstClr val="white"/>
+              </a:solidFill>
+              <a:effectLst/>
+              <a:uLnTx/>
+              <a:uFillTx/>
+              <a:latin typeface="Calibri" panose="020F0502020204030204"/>
+              <a:ea typeface="+mn-ea"/>
+              <a:cs typeface="+mn-cs"/>
+            </a:endParaRPr>
+          </a:p>
+        </p:txBody>
+      </p:sp>
+      <p:sp>
+        <p:nvSpPr>
+          <p:cNvPr id="27" name="Rectangle 26">
+            <a:extLst>
+              <a:ext uri="{FF2B5EF4-FFF2-40B4-BE49-F238E27FC236}">
+                <a16:creationId xmlns:a16="http://schemas.microsoft.com/office/drawing/2014/main" id="{2063581E-9ABA-4140-9644-A24916A15420}"/>
+              </a:ext>
+            </a:extLst>
+          </p:cNvPr>
+          <p:cNvSpPr/>
+          <p:nvPr/>
+        </p:nvSpPr>
+        <p:spPr>
+          <a:xfrm>
+            <a:off x="5087817" y="1942682"/>
+            <a:ext cx="2371411" cy="371789"/>
+          </a:xfrm>
+          <a:prstGeom prst="rect">
+            <a:avLst/>
+          </a:prstGeom>
+        </p:spPr>
+        <p:style>
+          <a:lnRef idx="2">
+            <a:schemeClr val="accent1">
+              <a:shade val="50000"/>
+            </a:schemeClr>
+          </a:lnRef>
+          <a:fillRef idx="1">
+            <a:schemeClr val="accent1"/>
+          </a:fillRef>
+          <a:effectRef idx="0">
+            <a:schemeClr val="accent1"/>
+          </a:effectRef>
+          <a:fontRef idx="minor">
+            <a:schemeClr val="lt1"/>
+          </a:fontRef>
+        </p:style>
+        <p:txBody>
+          <a:bodyPr rtlCol="0" anchor="ctr"/>
+          <a:lstStyle/>
+          <a:p>
+            <a:pPr marL="0" marR="0" lvl="0" indent="0" algn="ctr" defTabSz="914400" rtl="0" eaLnBrk="1" fontAlgn="auto" latinLnBrk="0" hangingPunct="1">
+              <a:lnSpc>
+                <a:spcPct val="100000"/>
+              </a:lnSpc>
+              <a:spcBef>
+                <a:spcPts val="0"/>
+              </a:spcBef>
+              <a:spcAft>
+                <a:spcPts val="0"/>
+              </a:spcAft>
+              <a:buClrTx/>
+              <a:buSzTx/>
+              <a:buFontTx/>
+              <a:buNone/>
+              <a:tabLst/>
+              <a:defRPr/>
+            </a:pPr>
+            <a:endParaRPr kumimoji="0" lang="en-CA" sz="1800" b="0" i="0" u="none" strike="noStrike" kern="1200" cap="none" spc="0" normalizeH="0" baseline="0" noProof="0">
+              <a:ln>
+                <a:noFill/>
+              </a:ln>
+              <a:solidFill>
+                <a:prstClr val="white"/>
+              </a:solidFill>
+              <a:effectLst/>
+              <a:uLnTx/>
+              <a:uFillTx/>
+              <a:latin typeface="Calibri" panose="020F0502020204030204"/>
+              <a:ea typeface="+mn-ea"/>
+              <a:cs typeface="+mn-cs"/>
+            </a:endParaRPr>
+          </a:p>
+        </p:txBody>
+      </p:sp>
+      <p:sp>
+        <p:nvSpPr>
+          <p:cNvPr id="28" name="Rectangle 27">
+            <a:extLst>
+              <a:ext uri="{FF2B5EF4-FFF2-40B4-BE49-F238E27FC236}">
+                <a16:creationId xmlns:a16="http://schemas.microsoft.com/office/drawing/2014/main" id="{42192988-AB87-4537-A80A-7FB19C5B5DBD}"/>
+              </a:ext>
+            </a:extLst>
+          </p:cNvPr>
+          <p:cNvSpPr/>
+          <p:nvPr/>
+        </p:nvSpPr>
+        <p:spPr>
+          <a:xfrm>
+            <a:off x="5087817" y="2386483"/>
+            <a:ext cx="2371411" cy="371789"/>
+          </a:xfrm>
+          <a:prstGeom prst="rect">
+            <a:avLst/>
+          </a:prstGeom>
+        </p:spPr>
+        <p:style>
+          <a:lnRef idx="2">
+            <a:schemeClr val="accent1">
+              <a:shade val="50000"/>
+            </a:schemeClr>
+          </a:lnRef>
+          <a:fillRef idx="1">
+            <a:schemeClr val="accent1"/>
+          </a:fillRef>
+          <a:effectRef idx="0">
+            <a:schemeClr val="accent1"/>
+          </a:effectRef>
+          <a:fontRef idx="minor">
+            <a:schemeClr val="lt1"/>
+          </a:fontRef>
+        </p:style>
+        <p:txBody>
+          <a:bodyPr rtlCol="0" anchor="ctr"/>
+          <a:lstStyle/>
+          <a:p>
+            <a:pPr marL="0" marR="0" lvl="0" indent="0" algn="ctr" defTabSz="914400" rtl="0" eaLnBrk="1" fontAlgn="auto" latinLnBrk="0" hangingPunct="1">
+              <a:lnSpc>
+                <a:spcPct val="100000"/>
+              </a:lnSpc>
+              <a:spcBef>
+                <a:spcPts val="0"/>
+              </a:spcBef>
+              <a:spcAft>
+                <a:spcPts val="0"/>
+              </a:spcAft>
+              <a:buClrTx/>
+              <a:buSzTx/>
+              <a:buFontTx/>
+              <a:buNone/>
+              <a:tabLst/>
+              <a:defRPr/>
+            </a:pPr>
+            <a:endParaRPr kumimoji="0" lang="en-CA" sz="1800" b="0" i="0" u="none" strike="noStrike" kern="1200" cap="none" spc="0" normalizeH="0" baseline="0" noProof="0">
+              <a:ln>
+                <a:noFill/>
+              </a:ln>
+              <a:solidFill>
+                <a:prstClr val="white"/>
+              </a:solidFill>
+              <a:effectLst/>
+              <a:uLnTx/>
+              <a:uFillTx/>
+              <a:latin typeface="Calibri" panose="020F0502020204030204"/>
+              <a:ea typeface="+mn-ea"/>
+              <a:cs typeface="+mn-cs"/>
+            </a:endParaRPr>
+          </a:p>
+        </p:txBody>
+      </p:sp>
+      <p:sp>
+        <p:nvSpPr>
+          <p:cNvPr id="29" name="Rectangle 28">
+            <a:extLst>
+              <a:ext uri="{FF2B5EF4-FFF2-40B4-BE49-F238E27FC236}">
+                <a16:creationId xmlns:a16="http://schemas.microsoft.com/office/drawing/2014/main" id="{1B750E79-E323-4892-AF43-60243E2A9200}"/>
+              </a:ext>
+            </a:extLst>
+          </p:cNvPr>
+          <p:cNvSpPr/>
+          <p:nvPr/>
+        </p:nvSpPr>
+        <p:spPr>
+          <a:xfrm>
+            <a:off x="5087817" y="2940817"/>
+            <a:ext cx="2371411" cy="371789"/>
+          </a:xfrm>
+          <a:prstGeom prst="rect">
+            <a:avLst/>
+          </a:prstGeom>
+        </p:spPr>
+        <p:style>
+          <a:lnRef idx="2">
+            <a:schemeClr val="accent1">
+              <a:shade val="50000"/>
+            </a:schemeClr>
+          </a:lnRef>
+          <a:fillRef idx="1">
+            <a:schemeClr val="accent1"/>
+          </a:fillRef>
+          <a:effectRef idx="0">
+            <a:schemeClr val="accent1"/>
+          </a:effectRef>
+          <a:fontRef idx="minor">
+            <a:schemeClr val="lt1"/>
+          </a:fontRef>
+        </p:style>
+        <p:txBody>
+          <a:bodyPr rtlCol="0" anchor="ctr"/>
+          <a:lstStyle/>
+          <a:p>
+            <a:pPr marL="0" marR="0" lvl="0" indent="0" algn="ctr" defTabSz="914400" rtl="0" eaLnBrk="1" fontAlgn="auto" latinLnBrk="0" hangingPunct="1">
+              <a:lnSpc>
+                <a:spcPct val="100000"/>
+              </a:lnSpc>
+              <a:spcBef>
+                <a:spcPts val="0"/>
+              </a:spcBef>
+              <a:spcAft>
+                <a:spcPts val="0"/>
+              </a:spcAft>
+              <a:buClrTx/>
+              <a:buSzTx/>
+              <a:buFontTx/>
+              <a:buNone/>
+              <a:tabLst/>
+              <a:defRPr/>
+            </a:pPr>
+            <a:endParaRPr kumimoji="0" lang="en-CA" sz="1800" b="0" i="0" u="none" strike="noStrike" kern="1200" cap="none" spc="0" normalizeH="0" baseline="0" noProof="0">
+              <a:ln>
+                <a:noFill/>
+              </a:ln>
+              <a:solidFill>
+                <a:prstClr val="white"/>
+              </a:solidFill>
+              <a:effectLst/>
+              <a:uLnTx/>
+              <a:uFillTx/>
+              <a:latin typeface="Calibri" panose="020F0502020204030204"/>
+              <a:ea typeface="+mn-ea"/>
+              <a:cs typeface="+mn-cs"/>
+            </a:endParaRPr>
+          </a:p>
+        </p:txBody>
+      </p:sp>
+      <p:sp>
+        <p:nvSpPr>
+          <p:cNvPr id="30" name="Rectangle 29">
+            <a:extLst>
+              <a:ext uri="{FF2B5EF4-FFF2-40B4-BE49-F238E27FC236}">
+                <a16:creationId xmlns:a16="http://schemas.microsoft.com/office/drawing/2014/main" id="{6EFF42EB-E8D5-4B2F-B135-0AAF9CC64FDD}"/>
+              </a:ext>
+            </a:extLst>
+          </p:cNvPr>
+          <p:cNvSpPr/>
+          <p:nvPr/>
+        </p:nvSpPr>
+        <p:spPr>
+          <a:xfrm>
+            <a:off x="5077768" y="3454958"/>
+            <a:ext cx="2371411" cy="371789"/>
+          </a:xfrm>
+          <a:prstGeom prst="rect">
+            <a:avLst/>
+          </a:prstGeom>
+        </p:spPr>
+        <p:style>
+          <a:lnRef idx="2">
+            <a:schemeClr val="accent1">
+              <a:shade val="50000"/>
+            </a:schemeClr>
+          </a:lnRef>
+          <a:fillRef idx="1">
+            <a:schemeClr val="accent1"/>
+          </a:fillRef>
+          <a:effectRef idx="0">
+            <a:schemeClr val="accent1"/>
+          </a:effectRef>
+          <a:fontRef idx="minor">
+            <a:schemeClr val="lt1"/>
+          </a:fontRef>
+        </p:style>
+        <p:txBody>
+          <a:bodyPr rtlCol="0" anchor="ctr"/>
+          <a:lstStyle/>
+          <a:p>
+            <a:pPr marL="0" marR="0" lvl="0" indent="0" algn="ctr" defTabSz="914400" rtl="0" eaLnBrk="1" fontAlgn="auto" latinLnBrk="0" hangingPunct="1">
+              <a:lnSpc>
+                <a:spcPct val="100000"/>
+              </a:lnSpc>
+              <a:spcBef>
+                <a:spcPts val="0"/>
+              </a:spcBef>
+              <a:spcAft>
+                <a:spcPts val="0"/>
+              </a:spcAft>
+              <a:buClrTx/>
+              <a:buSzTx/>
+              <a:buFontTx/>
+              <a:buNone/>
+              <a:tabLst/>
+              <a:defRPr/>
+            </a:pPr>
+            <a:endParaRPr kumimoji="0" lang="en-CA" sz="1800" b="0" i="0" u="none" strike="noStrike" kern="1200" cap="none" spc="0" normalizeH="0" baseline="0" noProof="0">
+              <a:ln>
+                <a:noFill/>
+              </a:ln>
+              <a:solidFill>
+                <a:prstClr val="white"/>
+              </a:solidFill>
+              <a:effectLst/>
+              <a:uLnTx/>
+              <a:uFillTx/>
+              <a:latin typeface="Calibri" panose="020F0502020204030204"/>
+              <a:ea typeface="+mn-ea"/>
+              <a:cs typeface="+mn-cs"/>
+            </a:endParaRPr>
+          </a:p>
+        </p:txBody>
+      </p:sp>
+      <p:sp>
+        <p:nvSpPr>
+          <p:cNvPr id="31" name="TextBox 30">
+            <a:extLst>
+              <a:ext uri="{FF2B5EF4-FFF2-40B4-BE49-F238E27FC236}">
+                <a16:creationId xmlns:a16="http://schemas.microsoft.com/office/drawing/2014/main" id="{46C95B70-3C2E-457B-AA9A-A09FD8D97556}"/>
+              </a:ext>
+            </a:extLst>
+          </p:cNvPr>
+          <p:cNvSpPr txBox="1"/>
+          <p:nvPr/>
+        </p:nvSpPr>
+        <p:spPr>
+          <a:xfrm>
+            <a:off x="2730997" y="468869"/>
+            <a:ext cx="1612044" cy="369332"/>
+          </a:xfrm>
+          <a:prstGeom prst="rect">
+            <a:avLst/>
+          </a:prstGeom>
+          <a:noFill/>
+        </p:spPr>
+        <p:txBody>
+          <a:bodyPr wrap="none" rtlCol="0">
+            <a:spAutoFit/>
+          </a:bodyPr>
+          <a:lstStyle/>
+          <a:p>
+            <a:pPr marL="0" marR="0" lvl="0" indent="0" algn="l" defTabSz="914400" rtl="0" eaLnBrk="1" fontAlgn="auto" latinLnBrk="0" hangingPunct="1">
+              <a:lnSpc>
+                <a:spcPct val="100000"/>
+              </a:lnSpc>
+              <a:spcBef>
+                <a:spcPts val="0"/>
+              </a:spcBef>
+              <a:spcAft>
+                <a:spcPts val="0"/>
+              </a:spcAft>
+              <a:buClrTx/>
+              <a:buSzTx/>
+              <a:buFontTx/>
+              <a:buNone/>
+              <a:tabLst/>
+              <a:defRPr/>
+            </a:pPr>
+            <a:r>
+              <a:rPr kumimoji="0" lang="en-US" sz="1800" b="0" i="0" u="none" strike="noStrike" kern="1200" cap="none" spc="0" normalizeH="0" baseline="0" noProof="0" dirty="0">
+                <a:ln>
+                  <a:noFill/>
+                </a:ln>
+                <a:solidFill>
+                  <a:prstClr val="black"/>
+                </a:solidFill>
+                <a:effectLst/>
+                <a:uLnTx/>
+                <a:uFillTx/>
+                <a:latin typeface="Calibri" panose="020F0502020204030204"/>
+                <a:ea typeface="+mn-ea"/>
+                <a:cs typeface="+mn-cs"/>
+              </a:rPr>
+              <a:t>Transformation</a:t>
+            </a:r>
+            <a:endParaRPr kumimoji="0" lang="en-CA" sz="1800" b="0" i="0" u="none" strike="noStrike" kern="1200" cap="none" spc="0" normalizeH="0" baseline="0" noProof="0" dirty="0">
+              <a:ln>
+                <a:noFill/>
+              </a:ln>
+              <a:solidFill>
+                <a:prstClr val="black"/>
+              </a:solidFill>
+              <a:effectLst/>
+              <a:uLnTx/>
+              <a:uFillTx/>
+              <a:latin typeface="Calibri" panose="020F0502020204030204"/>
+              <a:ea typeface="+mn-ea"/>
+              <a:cs typeface="+mn-cs"/>
+            </a:endParaRPr>
+          </a:p>
+        </p:txBody>
+      </p:sp>
+      <p:sp>
+        <p:nvSpPr>
+          <p:cNvPr id="33" name="TextBox 32">
+            <a:extLst>
+              <a:ext uri="{FF2B5EF4-FFF2-40B4-BE49-F238E27FC236}">
+                <a16:creationId xmlns:a16="http://schemas.microsoft.com/office/drawing/2014/main" id="{8726FA56-9981-407A-A164-C5CCEB2992C1}"/>
+              </a:ext>
+            </a:extLst>
+          </p:cNvPr>
+          <p:cNvSpPr txBox="1"/>
+          <p:nvPr/>
+        </p:nvSpPr>
+        <p:spPr>
+          <a:xfrm>
+            <a:off x="1386297" y="450002"/>
+            <a:ext cx="673582" cy="369332"/>
+          </a:xfrm>
+          <a:prstGeom prst="rect">
+            <a:avLst/>
+          </a:prstGeom>
+          <a:noFill/>
+        </p:spPr>
+        <p:txBody>
+          <a:bodyPr wrap="none" rtlCol="0">
+            <a:spAutoFit/>
+          </a:bodyPr>
+          <a:lstStyle/>
+          <a:p>
+            <a:pPr marL="0" marR="0" lvl="0" indent="0" algn="l" defTabSz="914400" rtl="0" eaLnBrk="1" fontAlgn="auto" latinLnBrk="0" hangingPunct="1">
+              <a:lnSpc>
+                <a:spcPct val="100000"/>
+              </a:lnSpc>
+              <a:spcBef>
+                <a:spcPts val="0"/>
+              </a:spcBef>
+              <a:spcAft>
+                <a:spcPts val="0"/>
+              </a:spcAft>
+              <a:buClrTx/>
+              <a:buSzTx/>
+              <a:buFontTx/>
+              <a:buNone/>
+              <a:tabLst/>
+              <a:defRPr/>
+            </a:pPr>
+            <a:r>
+              <a:rPr kumimoji="0" lang="en-US" sz="1800" b="0" i="0" u="none" strike="noStrike" kern="1200" cap="none" spc="0" normalizeH="0" baseline="0" noProof="0" dirty="0">
+                <a:ln>
+                  <a:noFill/>
+                </a:ln>
+                <a:solidFill>
+                  <a:prstClr val="black"/>
+                </a:solidFill>
+                <a:effectLst/>
+                <a:uLnTx/>
+                <a:uFillTx/>
+                <a:latin typeface="Calibri" panose="020F0502020204030204"/>
+                <a:ea typeface="+mn-ea"/>
+                <a:cs typeface="+mn-cs"/>
+              </a:rPr>
+              <a:t>Units</a:t>
+            </a:r>
+            <a:endParaRPr kumimoji="0" lang="en-CA" sz="1800" b="0" i="0" u="none" strike="noStrike" kern="1200" cap="none" spc="0" normalizeH="0" baseline="0" noProof="0" dirty="0">
+              <a:ln>
+                <a:noFill/>
+              </a:ln>
+              <a:solidFill>
+                <a:prstClr val="black"/>
+              </a:solidFill>
+              <a:effectLst/>
+              <a:uLnTx/>
+              <a:uFillTx/>
+              <a:latin typeface="Calibri" panose="020F0502020204030204"/>
+              <a:ea typeface="+mn-ea"/>
+              <a:cs typeface="+mn-cs"/>
+            </a:endParaRPr>
+          </a:p>
+        </p:txBody>
+      </p:sp>
+      <p:sp>
+        <p:nvSpPr>
+          <p:cNvPr id="34" name="TextBox 33">
+            <a:extLst>
+              <a:ext uri="{FF2B5EF4-FFF2-40B4-BE49-F238E27FC236}">
+                <a16:creationId xmlns:a16="http://schemas.microsoft.com/office/drawing/2014/main" id="{F2F74864-0FD6-42BF-8C7B-C26820858DA0}"/>
+              </a:ext>
+            </a:extLst>
+          </p:cNvPr>
+          <p:cNvSpPr txBox="1"/>
+          <p:nvPr/>
+        </p:nvSpPr>
+        <p:spPr>
+          <a:xfrm>
+            <a:off x="5467174" y="468869"/>
+            <a:ext cx="1257652" cy="369332"/>
+          </a:xfrm>
+          <a:prstGeom prst="rect">
+            <a:avLst/>
+          </a:prstGeom>
+          <a:noFill/>
+        </p:spPr>
+        <p:txBody>
+          <a:bodyPr wrap="none" rtlCol="0">
+            <a:spAutoFit/>
+          </a:bodyPr>
+          <a:lstStyle/>
+          <a:p>
+            <a:pPr marL="0" marR="0" lvl="0" indent="0" algn="l" defTabSz="914400" rtl="0" eaLnBrk="1" fontAlgn="auto" latinLnBrk="0" hangingPunct="1">
+              <a:lnSpc>
+                <a:spcPct val="100000"/>
+              </a:lnSpc>
+              <a:spcBef>
+                <a:spcPts val="0"/>
+              </a:spcBef>
+              <a:spcAft>
+                <a:spcPts val="0"/>
+              </a:spcAft>
+              <a:buClrTx/>
+              <a:buSzTx/>
+              <a:buFontTx/>
+              <a:buNone/>
+              <a:tabLst/>
+              <a:defRPr/>
+            </a:pPr>
+            <a:r>
+              <a:rPr kumimoji="0" lang="en-US" sz="1800" b="0" i="0" u="none" strike="noStrike" kern="1200" cap="none" spc="0" normalizeH="0" baseline="0" noProof="0" dirty="0">
+                <a:ln>
+                  <a:noFill/>
+                </a:ln>
+                <a:solidFill>
+                  <a:prstClr val="black"/>
+                </a:solidFill>
+                <a:effectLst/>
+                <a:uLnTx/>
+                <a:uFillTx/>
+                <a:latin typeface="Calibri" panose="020F0502020204030204"/>
+                <a:ea typeface="+mn-ea"/>
+                <a:cs typeface="+mn-cs"/>
+              </a:rPr>
+              <a:t>Description</a:t>
+            </a:r>
+            <a:endParaRPr kumimoji="0" lang="en-CA" sz="1800" b="0" i="0" u="none" strike="noStrike" kern="1200" cap="none" spc="0" normalizeH="0" baseline="0" noProof="0" dirty="0">
+              <a:ln>
+                <a:noFill/>
+              </a:ln>
+              <a:solidFill>
+                <a:prstClr val="black"/>
+              </a:solidFill>
+              <a:effectLst/>
+              <a:uLnTx/>
+              <a:uFillTx/>
+              <a:latin typeface="Calibri" panose="020F0502020204030204"/>
+              <a:ea typeface="+mn-ea"/>
+              <a:cs typeface="+mn-cs"/>
+            </a:endParaRPr>
+          </a:p>
+        </p:txBody>
+      </p:sp>
+      <p:sp>
+        <p:nvSpPr>
+          <p:cNvPr id="35" name="TextBox 34">
+            <a:extLst>
+              <a:ext uri="{FF2B5EF4-FFF2-40B4-BE49-F238E27FC236}">
+                <a16:creationId xmlns:a16="http://schemas.microsoft.com/office/drawing/2014/main" id="{BAB95720-B1B7-482D-950B-6AD8F12094C8}"/>
+              </a:ext>
+            </a:extLst>
+          </p:cNvPr>
+          <p:cNvSpPr txBox="1"/>
+          <p:nvPr/>
+        </p:nvSpPr>
+        <p:spPr>
+          <a:xfrm>
+            <a:off x="2769875" y="809230"/>
+            <a:ext cx="1247649" cy="369332"/>
+          </a:xfrm>
+          <a:prstGeom prst="rect">
+            <a:avLst/>
+          </a:prstGeom>
+          <a:noFill/>
+        </p:spPr>
+        <p:txBody>
+          <a:bodyPr wrap="none" rtlCol="0">
+            <a:spAutoFit/>
+          </a:bodyPr>
+          <a:lstStyle/>
+          <a:p>
+            <a:pPr marL="0" marR="0" lvl="0" indent="0" algn="l" defTabSz="914400" rtl="0" eaLnBrk="1" fontAlgn="auto" latinLnBrk="0" hangingPunct="1">
+              <a:lnSpc>
+                <a:spcPct val="100000"/>
+              </a:lnSpc>
+              <a:spcBef>
+                <a:spcPts val="0"/>
+              </a:spcBef>
+              <a:spcAft>
+                <a:spcPts val="0"/>
+              </a:spcAft>
+              <a:buClrTx/>
+              <a:buSzTx/>
+              <a:buFontTx/>
+              <a:buNone/>
+              <a:tabLst/>
+              <a:defRPr/>
+            </a:pPr>
+            <a:r>
+              <a:rPr kumimoji="0" lang="en-US" sz="1800" b="0" i="0" u="none" strike="noStrike" kern="1200" cap="none" spc="0" normalizeH="0" baseline="0" noProof="0" dirty="0">
+                <a:ln>
+                  <a:noFill/>
+                </a:ln>
+                <a:solidFill>
+                  <a:prstClr val="black"/>
+                </a:solidFill>
+                <a:effectLst/>
+                <a:uLnTx/>
+                <a:uFillTx/>
+                <a:latin typeface="Calibri" panose="020F0502020204030204"/>
+                <a:ea typeface="+mn-ea"/>
+                <a:cs typeface="+mn-cs"/>
+              </a:rPr>
+              <a:t>Drop-down</a:t>
+            </a:r>
+            <a:endParaRPr kumimoji="0" lang="en-CA" sz="1800" b="0" i="0" u="none" strike="noStrike" kern="1200" cap="none" spc="0" normalizeH="0" baseline="0" noProof="0" dirty="0">
+              <a:ln>
+                <a:noFill/>
+              </a:ln>
+              <a:solidFill>
+                <a:prstClr val="black"/>
+              </a:solidFill>
+              <a:effectLst/>
+              <a:uLnTx/>
+              <a:uFillTx/>
+              <a:latin typeface="Calibri" panose="020F0502020204030204"/>
+              <a:ea typeface="+mn-ea"/>
+              <a:cs typeface="+mn-cs"/>
+            </a:endParaRPr>
+          </a:p>
+        </p:txBody>
+      </p:sp>
+      <p:sp>
+        <p:nvSpPr>
+          <p:cNvPr id="36" name="TextBox 35">
+            <a:extLst>
+              <a:ext uri="{FF2B5EF4-FFF2-40B4-BE49-F238E27FC236}">
+                <a16:creationId xmlns:a16="http://schemas.microsoft.com/office/drawing/2014/main" id="{8AD3D62E-CE14-4FAE-9FC0-DD7B06F7390E}"/>
+              </a:ext>
+            </a:extLst>
+          </p:cNvPr>
+          <p:cNvSpPr txBox="1"/>
+          <p:nvPr/>
+        </p:nvSpPr>
+        <p:spPr>
+          <a:xfrm>
+            <a:off x="1406018" y="894054"/>
+            <a:ext cx="535724" cy="369332"/>
+          </a:xfrm>
+          <a:prstGeom prst="rect">
+            <a:avLst/>
+          </a:prstGeom>
+          <a:noFill/>
+        </p:spPr>
+        <p:txBody>
+          <a:bodyPr wrap="none" rtlCol="0">
+            <a:spAutoFit/>
+          </a:bodyPr>
+          <a:lstStyle/>
+          <a:p>
+            <a:pPr marL="0" marR="0" lvl="0" indent="0" algn="l" defTabSz="914400" rtl="0" eaLnBrk="1" fontAlgn="auto" latinLnBrk="0" hangingPunct="1">
+              <a:lnSpc>
+                <a:spcPct val="100000"/>
+              </a:lnSpc>
+              <a:spcBef>
+                <a:spcPts val="0"/>
+              </a:spcBef>
+              <a:spcAft>
+                <a:spcPts val="0"/>
+              </a:spcAft>
+              <a:buClrTx/>
+              <a:buSzTx/>
+              <a:buFontTx/>
+              <a:buNone/>
+              <a:tabLst/>
+              <a:defRPr/>
+            </a:pPr>
+            <a:r>
+              <a:rPr kumimoji="0" lang="en-US" sz="1800" b="0" i="0" u="none" strike="noStrike" kern="1200" cap="none" spc="0" normalizeH="0" baseline="0" noProof="0" dirty="0">
+                <a:ln>
+                  <a:noFill/>
+                </a:ln>
+                <a:solidFill>
+                  <a:prstClr val="black"/>
+                </a:solidFill>
+                <a:effectLst/>
+                <a:uLnTx/>
+                <a:uFillTx/>
+                <a:latin typeface="Calibri" panose="020F0502020204030204"/>
+                <a:ea typeface="+mn-ea"/>
+                <a:cs typeface="+mn-cs"/>
+              </a:rPr>
+              <a:t>199</a:t>
+            </a:r>
+            <a:endParaRPr kumimoji="0" lang="en-CA" sz="1800" b="0" i="0" u="none" strike="noStrike" kern="1200" cap="none" spc="0" normalizeH="0" baseline="0" noProof="0" dirty="0">
+              <a:ln>
+                <a:noFill/>
+              </a:ln>
+              <a:solidFill>
+                <a:prstClr val="black"/>
+              </a:solidFill>
+              <a:effectLst/>
+              <a:uLnTx/>
+              <a:uFillTx/>
+              <a:latin typeface="Calibri" panose="020F0502020204030204"/>
+              <a:ea typeface="+mn-ea"/>
+              <a:cs typeface="+mn-cs"/>
+            </a:endParaRPr>
+          </a:p>
+        </p:txBody>
+      </p:sp>
+      <p:sp>
+        <p:nvSpPr>
+          <p:cNvPr id="37" name="TextBox 36">
+            <a:extLst>
+              <a:ext uri="{FF2B5EF4-FFF2-40B4-BE49-F238E27FC236}">
+                <a16:creationId xmlns:a16="http://schemas.microsoft.com/office/drawing/2014/main" id="{7F15C80F-AE3B-4FBE-8C63-13237D0341F4}"/>
+              </a:ext>
+            </a:extLst>
+          </p:cNvPr>
+          <p:cNvSpPr txBox="1"/>
+          <p:nvPr/>
+        </p:nvSpPr>
+        <p:spPr>
+          <a:xfrm>
+            <a:off x="5212462" y="899917"/>
+            <a:ext cx="1664238" cy="369332"/>
+          </a:xfrm>
+          <a:prstGeom prst="rect">
+            <a:avLst/>
+          </a:prstGeom>
+          <a:noFill/>
+        </p:spPr>
+        <p:txBody>
+          <a:bodyPr wrap="none" rtlCol="0">
+            <a:spAutoFit/>
+          </a:bodyPr>
+          <a:lstStyle/>
+          <a:p>
+            <a:pPr marL="0" marR="0" lvl="0" indent="0" algn="l" defTabSz="914400" rtl="0" eaLnBrk="1" fontAlgn="auto" latinLnBrk="0" hangingPunct="1">
+              <a:lnSpc>
+                <a:spcPct val="100000"/>
+              </a:lnSpc>
+              <a:spcBef>
+                <a:spcPts val="0"/>
+              </a:spcBef>
+              <a:spcAft>
+                <a:spcPts val="0"/>
+              </a:spcAft>
+              <a:buClrTx/>
+              <a:buSzTx/>
+              <a:buFontTx/>
+              <a:buNone/>
+              <a:tabLst/>
+              <a:defRPr/>
+            </a:pPr>
+            <a:r>
+              <a:rPr kumimoji="0" lang="en-US" sz="1800" b="0" i="0" u="none" strike="noStrike" kern="1200" cap="none" spc="0" normalizeH="0" baseline="0" noProof="0" dirty="0">
+                <a:ln>
+                  <a:noFill/>
+                </a:ln>
+                <a:solidFill>
+                  <a:prstClr val="black"/>
+                </a:solidFill>
+                <a:effectLst/>
+                <a:uLnTx/>
+                <a:uFillTx/>
+                <a:latin typeface="Calibri" panose="020F0502020204030204"/>
+                <a:ea typeface="+mn-ea"/>
+                <a:cs typeface="+mn-cs"/>
+              </a:rPr>
+              <a:t>Flooring 1.5mm</a:t>
+            </a:r>
+            <a:endParaRPr kumimoji="0" lang="en-CA" sz="1800" b="0" i="0" u="none" strike="noStrike" kern="1200" cap="none" spc="0" normalizeH="0" baseline="0" noProof="0" dirty="0">
+              <a:ln>
+                <a:noFill/>
+              </a:ln>
+              <a:solidFill>
+                <a:prstClr val="black"/>
+              </a:solidFill>
+              <a:effectLst/>
+              <a:uLnTx/>
+              <a:uFillTx/>
+              <a:latin typeface="Calibri" panose="020F0502020204030204"/>
+              <a:ea typeface="+mn-ea"/>
+              <a:cs typeface="+mn-cs"/>
+            </a:endParaRPr>
+          </a:p>
+        </p:txBody>
+      </p:sp>
+      <p:sp>
+        <p:nvSpPr>
+          <p:cNvPr id="39" name="Rectangle 38">
+            <a:extLst>
+              <a:ext uri="{FF2B5EF4-FFF2-40B4-BE49-F238E27FC236}">
+                <a16:creationId xmlns:a16="http://schemas.microsoft.com/office/drawing/2014/main" id="{E40005F9-DA7B-45DE-A3C7-AC42B6C67280}"/>
+              </a:ext>
+            </a:extLst>
+          </p:cNvPr>
+          <p:cNvSpPr/>
+          <p:nvPr/>
+        </p:nvSpPr>
+        <p:spPr>
+          <a:xfrm>
+            <a:off x="7732209" y="887410"/>
+            <a:ext cx="4275571" cy="5583728"/>
+          </a:xfrm>
+          <a:prstGeom prst="rect">
+            <a:avLst/>
+          </a:prstGeom>
+        </p:spPr>
+        <p:style>
+          <a:lnRef idx="2">
+            <a:schemeClr val="accent2">
+              <a:shade val="50000"/>
+            </a:schemeClr>
+          </a:lnRef>
+          <a:fillRef idx="1">
+            <a:schemeClr val="accent2"/>
+          </a:fillRef>
+          <a:effectRef idx="0">
+            <a:schemeClr val="accent2"/>
+          </a:effectRef>
+          <a:fontRef idx="minor">
+            <a:schemeClr val="lt1"/>
+          </a:fontRef>
+        </p:style>
+        <p:txBody>
+          <a:bodyPr rtlCol="0" anchor="ctr"/>
+          <a:lstStyle/>
+          <a:p>
+            <a:pPr marL="0" marR="0" lvl="0" indent="0" algn="ctr" defTabSz="914400" rtl="0" eaLnBrk="1" fontAlgn="auto" latinLnBrk="0" hangingPunct="1">
+              <a:lnSpc>
+                <a:spcPct val="100000"/>
+              </a:lnSpc>
+              <a:spcBef>
+                <a:spcPts val="0"/>
+              </a:spcBef>
+              <a:spcAft>
+                <a:spcPts val="0"/>
+              </a:spcAft>
+              <a:buClrTx/>
+              <a:buSzTx/>
+              <a:buFontTx/>
+              <a:buNone/>
+              <a:tabLst/>
+              <a:defRPr/>
+            </a:pPr>
+            <a:endParaRPr kumimoji="0" lang="en-CA" sz="1800" b="0" i="0" u="none" strike="noStrike" kern="1200" cap="none" spc="0" normalizeH="0" baseline="0" noProof="0" dirty="0">
+              <a:ln>
+                <a:noFill/>
+              </a:ln>
+              <a:solidFill>
+                <a:prstClr val="white"/>
+              </a:solidFill>
+              <a:effectLst/>
+              <a:uLnTx/>
+              <a:uFillTx/>
+              <a:latin typeface="Calibri" panose="020F0502020204030204"/>
+              <a:ea typeface="+mn-ea"/>
+              <a:cs typeface="+mn-cs"/>
+            </a:endParaRPr>
+          </a:p>
+        </p:txBody>
+      </p:sp>
+      <p:sp>
+        <p:nvSpPr>
+          <p:cNvPr id="40" name="TextBox 39">
+            <a:extLst>
+              <a:ext uri="{FF2B5EF4-FFF2-40B4-BE49-F238E27FC236}">
+                <a16:creationId xmlns:a16="http://schemas.microsoft.com/office/drawing/2014/main" id="{D6683B18-3B4E-4722-A73C-47D8A6777B21}"/>
+              </a:ext>
+            </a:extLst>
+          </p:cNvPr>
+          <p:cNvSpPr txBox="1"/>
+          <p:nvPr/>
+        </p:nvSpPr>
+        <p:spPr>
+          <a:xfrm>
+            <a:off x="8995821" y="515262"/>
+            <a:ext cx="856325" cy="369332"/>
+          </a:xfrm>
+          <a:prstGeom prst="rect">
+            <a:avLst/>
+          </a:prstGeom>
+          <a:noFill/>
+        </p:spPr>
+        <p:txBody>
+          <a:bodyPr wrap="none" rtlCol="0">
+            <a:spAutoFit/>
+          </a:bodyPr>
+          <a:lstStyle/>
+          <a:p>
+            <a:pPr marL="0" marR="0" lvl="0" indent="0" algn="l" defTabSz="914400" rtl="0" eaLnBrk="1" fontAlgn="auto" latinLnBrk="0" hangingPunct="1">
+              <a:lnSpc>
+                <a:spcPct val="100000"/>
+              </a:lnSpc>
+              <a:spcBef>
+                <a:spcPts val="0"/>
+              </a:spcBef>
+              <a:spcAft>
+                <a:spcPts val="0"/>
+              </a:spcAft>
+              <a:buClrTx/>
+              <a:buSzTx/>
+              <a:buFontTx/>
+              <a:buNone/>
+              <a:tabLst/>
+              <a:defRPr/>
+            </a:pPr>
+            <a:r>
+              <a:rPr kumimoji="0" lang="en-US" sz="1800" b="0" i="0" u="none" strike="noStrike" kern="1200" cap="none" spc="0" normalizeH="0" baseline="0" noProof="0" dirty="0">
+                <a:ln>
+                  <a:noFill/>
+                </a:ln>
+                <a:solidFill>
+                  <a:prstClr val="black"/>
+                </a:solidFill>
+                <a:effectLst/>
+                <a:uLnTx/>
+                <a:uFillTx/>
+                <a:latin typeface="Calibri" panose="020F0502020204030204"/>
+                <a:ea typeface="+mn-ea"/>
+                <a:cs typeface="+mn-cs"/>
+              </a:rPr>
+              <a:t>Output</a:t>
+            </a:r>
+            <a:endParaRPr kumimoji="0" lang="en-CA" sz="1800" b="0" i="0" u="none" strike="noStrike" kern="1200" cap="none" spc="0" normalizeH="0" baseline="0" noProof="0" dirty="0">
+              <a:ln>
+                <a:noFill/>
+              </a:ln>
+              <a:solidFill>
+                <a:prstClr val="black"/>
+              </a:solidFill>
+              <a:effectLst/>
+              <a:uLnTx/>
+              <a:uFillTx/>
+              <a:latin typeface="Calibri" panose="020F0502020204030204"/>
+              <a:ea typeface="+mn-ea"/>
+              <a:cs typeface="+mn-cs"/>
+            </a:endParaRPr>
+          </a:p>
+        </p:txBody>
+      </p:sp>
+      <p:sp>
+        <p:nvSpPr>
+          <p:cNvPr id="41" name="TextBox 40">
+            <a:extLst>
+              <a:ext uri="{FF2B5EF4-FFF2-40B4-BE49-F238E27FC236}">
+                <a16:creationId xmlns:a16="http://schemas.microsoft.com/office/drawing/2014/main" id="{CC8DD07D-C02A-47FF-A096-5C6B8F952D9E}"/>
+              </a:ext>
+            </a:extLst>
+          </p:cNvPr>
+          <p:cNvSpPr txBox="1"/>
+          <p:nvPr/>
+        </p:nvSpPr>
+        <p:spPr>
+          <a:xfrm>
+            <a:off x="1130162" y="-25299"/>
+            <a:ext cx="2682914" cy="369332"/>
+          </a:xfrm>
+          <a:prstGeom prst="rect">
+            <a:avLst/>
+          </a:prstGeom>
+          <a:noFill/>
+        </p:spPr>
+        <p:txBody>
+          <a:bodyPr wrap="none" rtlCol="0">
+            <a:spAutoFit/>
+          </a:bodyPr>
+          <a:lstStyle/>
+          <a:p>
+            <a:pPr marL="0" marR="0" lvl="0" indent="0" algn="l" defTabSz="914400" rtl="0" eaLnBrk="1" fontAlgn="auto" latinLnBrk="0" hangingPunct="1">
+              <a:lnSpc>
+                <a:spcPct val="100000"/>
+              </a:lnSpc>
+              <a:spcBef>
+                <a:spcPts val="0"/>
+              </a:spcBef>
+              <a:spcAft>
+                <a:spcPts val="0"/>
+              </a:spcAft>
+              <a:buClrTx/>
+              <a:buSzTx/>
+              <a:buFontTx/>
+              <a:buNone/>
+              <a:tabLst/>
+              <a:defRPr/>
+            </a:pPr>
+            <a:r>
+              <a:rPr kumimoji="0" lang="en-US" sz="1800" b="0" i="0" u="none" strike="noStrike" kern="1200" cap="none" spc="0" normalizeH="0" baseline="0" noProof="0" dirty="0">
+                <a:ln>
+                  <a:noFill/>
+                </a:ln>
+                <a:solidFill>
+                  <a:prstClr val="black"/>
+                </a:solidFill>
+                <a:effectLst/>
+                <a:uLnTx/>
+                <a:uFillTx/>
+                <a:latin typeface="Calibri" panose="020F0502020204030204"/>
+                <a:ea typeface="+mn-ea"/>
+                <a:cs typeface="+mn-cs"/>
+              </a:rPr>
+              <a:t>Input = Blue, Output = Red</a:t>
+            </a:r>
+            <a:endParaRPr kumimoji="0" lang="en-CA" sz="1800" b="0" i="0" u="none" strike="noStrike" kern="1200" cap="none" spc="0" normalizeH="0" baseline="0" noProof="0" dirty="0">
+              <a:ln>
+                <a:noFill/>
+              </a:ln>
+              <a:solidFill>
+                <a:prstClr val="black"/>
+              </a:solidFill>
+              <a:effectLst/>
+              <a:uLnTx/>
+              <a:uFillTx/>
+              <a:latin typeface="Calibri" panose="020F0502020204030204"/>
+              <a:ea typeface="+mn-ea"/>
+              <a:cs typeface="+mn-cs"/>
+            </a:endParaRPr>
+          </a:p>
+        </p:txBody>
+      </p:sp>
+      <p:sp>
+        <p:nvSpPr>
+          <p:cNvPr id="42" name="Rectangle 41">
+            <a:extLst>
+              <a:ext uri="{FF2B5EF4-FFF2-40B4-BE49-F238E27FC236}">
+                <a16:creationId xmlns:a16="http://schemas.microsoft.com/office/drawing/2014/main" id="{41097C2D-E419-434C-8083-FA62C7A112D2}"/>
+              </a:ext>
+            </a:extLst>
+          </p:cNvPr>
+          <p:cNvSpPr/>
+          <p:nvPr/>
+        </p:nvSpPr>
+        <p:spPr>
+          <a:xfrm>
+            <a:off x="2059879" y="5239501"/>
+            <a:ext cx="2371411" cy="371789"/>
+          </a:xfrm>
+          <a:prstGeom prst="rect">
+            <a:avLst/>
+          </a:prstGeom>
+        </p:spPr>
+        <p:style>
+          <a:lnRef idx="2">
+            <a:schemeClr val="accent1">
+              <a:shade val="50000"/>
+            </a:schemeClr>
+          </a:lnRef>
+          <a:fillRef idx="1">
+            <a:schemeClr val="accent1"/>
+          </a:fillRef>
+          <a:effectRef idx="0">
+            <a:schemeClr val="accent1"/>
+          </a:effectRef>
+          <a:fontRef idx="minor">
+            <a:schemeClr val="lt1"/>
+          </a:fontRef>
+        </p:style>
+        <p:txBody>
+          <a:bodyPr rtlCol="0" anchor="ctr"/>
+          <a:lstStyle/>
+          <a:p>
+            <a:pPr marL="0" marR="0" lvl="0" indent="0" algn="ctr" defTabSz="914400" rtl="0" eaLnBrk="1" fontAlgn="auto" latinLnBrk="0" hangingPunct="1">
+              <a:lnSpc>
+                <a:spcPct val="100000"/>
+              </a:lnSpc>
+              <a:spcBef>
+                <a:spcPts val="0"/>
+              </a:spcBef>
+              <a:spcAft>
+                <a:spcPts val="0"/>
+              </a:spcAft>
+              <a:buClrTx/>
+              <a:buSzTx/>
+              <a:buFontTx/>
+              <a:buNone/>
+              <a:tabLst/>
+              <a:defRPr/>
+            </a:pPr>
+            <a:endParaRPr kumimoji="0" lang="en-CA" sz="1800" b="0" i="0" u="none" strike="noStrike" kern="1200" cap="none" spc="0" normalizeH="0" baseline="0" noProof="0">
+              <a:ln>
+                <a:noFill/>
+              </a:ln>
+              <a:solidFill>
+                <a:prstClr val="white"/>
+              </a:solidFill>
+              <a:effectLst/>
+              <a:uLnTx/>
+              <a:uFillTx/>
+              <a:latin typeface="Calibri" panose="020F0502020204030204"/>
+              <a:ea typeface="+mn-ea"/>
+              <a:cs typeface="+mn-cs"/>
+            </a:endParaRPr>
+          </a:p>
+        </p:txBody>
+      </p:sp>
+      <p:sp>
+        <p:nvSpPr>
+          <p:cNvPr id="43" name="Rectangle 42">
+            <a:extLst>
+              <a:ext uri="{FF2B5EF4-FFF2-40B4-BE49-F238E27FC236}">
+                <a16:creationId xmlns:a16="http://schemas.microsoft.com/office/drawing/2014/main" id="{6FF9CC21-0B2A-4143-8BD9-72B8F15DE554}"/>
+              </a:ext>
+            </a:extLst>
+          </p:cNvPr>
+          <p:cNvSpPr/>
+          <p:nvPr/>
+        </p:nvSpPr>
+        <p:spPr>
+          <a:xfrm>
+            <a:off x="4613868" y="5239500"/>
+            <a:ext cx="2371411" cy="371789"/>
+          </a:xfrm>
+          <a:prstGeom prst="rect">
+            <a:avLst/>
+          </a:prstGeom>
+        </p:spPr>
+        <p:style>
+          <a:lnRef idx="2">
+            <a:schemeClr val="accent1">
+              <a:shade val="50000"/>
+            </a:schemeClr>
+          </a:lnRef>
+          <a:fillRef idx="1">
+            <a:schemeClr val="accent1"/>
+          </a:fillRef>
+          <a:effectRef idx="0">
+            <a:schemeClr val="accent1"/>
+          </a:effectRef>
+          <a:fontRef idx="minor">
+            <a:schemeClr val="lt1"/>
+          </a:fontRef>
+        </p:style>
+        <p:txBody>
+          <a:bodyPr rtlCol="0" anchor="ctr"/>
+          <a:lstStyle/>
+          <a:p>
+            <a:pPr marL="0" marR="0" lvl="0" indent="0" algn="ctr" defTabSz="914400" rtl="0" eaLnBrk="1" fontAlgn="auto" latinLnBrk="0" hangingPunct="1">
+              <a:lnSpc>
+                <a:spcPct val="100000"/>
+              </a:lnSpc>
+              <a:spcBef>
+                <a:spcPts val="0"/>
+              </a:spcBef>
+              <a:spcAft>
+                <a:spcPts val="0"/>
+              </a:spcAft>
+              <a:buClrTx/>
+              <a:buSzTx/>
+              <a:buFontTx/>
+              <a:buNone/>
+              <a:tabLst/>
+              <a:defRPr/>
+            </a:pPr>
+            <a:endParaRPr kumimoji="0" lang="en-CA" sz="1800" b="0" i="0" u="none" strike="noStrike" kern="1200" cap="none" spc="0" normalizeH="0" baseline="0" noProof="0">
+              <a:ln>
+                <a:noFill/>
+              </a:ln>
+              <a:solidFill>
+                <a:prstClr val="white"/>
+              </a:solidFill>
+              <a:effectLst/>
+              <a:uLnTx/>
+              <a:uFillTx/>
+              <a:latin typeface="Calibri" panose="020F0502020204030204"/>
+              <a:ea typeface="+mn-ea"/>
+              <a:cs typeface="+mn-cs"/>
+            </a:endParaRPr>
+          </a:p>
+        </p:txBody>
+      </p:sp>
+      <p:sp>
+        <p:nvSpPr>
+          <p:cNvPr id="44" name="TextBox 43">
+            <a:extLst>
+              <a:ext uri="{FF2B5EF4-FFF2-40B4-BE49-F238E27FC236}">
+                <a16:creationId xmlns:a16="http://schemas.microsoft.com/office/drawing/2014/main" id="{6BB3B693-DC93-43B4-B0D6-F913FDCB0CC7}"/>
+              </a:ext>
+            </a:extLst>
+          </p:cNvPr>
+          <p:cNvSpPr txBox="1"/>
+          <p:nvPr/>
+        </p:nvSpPr>
+        <p:spPr>
+          <a:xfrm>
+            <a:off x="2360884" y="4758249"/>
+            <a:ext cx="1126206" cy="369332"/>
+          </a:xfrm>
+          <a:prstGeom prst="rect">
+            <a:avLst/>
+          </a:prstGeom>
+          <a:noFill/>
+        </p:spPr>
+        <p:txBody>
+          <a:bodyPr wrap="none" rtlCol="0">
+            <a:spAutoFit/>
+          </a:bodyPr>
+          <a:lstStyle/>
+          <a:p>
+            <a:pPr marL="0" marR="0" lvl="0" indent="0" algn="l" defTabSz="914400" rtl="0" eaLnBrk="1" fontAlgn="auto" latinLnBrk="0" hangingPunct="1">
+              <a:lnSpc>
+                <a:spcPct val="100000"/>
+              </a:lnSpc>
+              <a:spcBef>
+                <a:spcPts val="0"/>
+              </a:spcBef>
+              <a:spcAft>
+                <a:spcPts val="0"/>
+              </a:spcAft>
+              <a:buClrTx/>
+              <a:buSzTx/>
+              <a:buFontTx/>
+              <a:buNone/>
+              <a:tabLst/>
+              <a:defRPr/>
+            </a:pPr>
+            <a:r>
+              <a:rPr kumimoji="0" lang="en-US" sz="1800" b="0" i="0" u="none" strike="noStrike" kern="1200" cap="none" spc="0" normalizeH="0" baseline="0" noProof="0" dirty="0">
+                <a:ln>
+                  <a:noFill/>
+                </a:ln>
+                <a:solidFill>
+                  <a:prstClr val="black"/>
+                </a:solidFill>
+                <a:effectLst/>
+                <a:uLnTx/>
+                <a:uFillTx/>
+                <a:latin typeface="Calibri" panose="020F0502020204030204"/>
+                <a:ea typeface="+mn-ea"/>
+                <a:cs typeface="+mn-cs"/>
+              </a:rPr>
+              <a:t>Start Date</a:t>
+            </a:r>
+            <a:endParaRPr kumimoji="0" lang="en-CA" sz="1800" b="0" i="0" u="none" strike="noStrike" kern="1200" cap="none" spc="0" normalizeH="0" baseline="0" noProof="0" dirty="0">
+              <a:ln>
+                <a:noFill/>
+              </a:ln>
+              <a:solidFill>
+                <a:prstClr val="black"/>
+              </a:solidFill>
+              <a:effectLst/>
+              <a:uLnTx/>
+              <a:uFillTx/>
+              <a:latin typeface="Calibri" panose="020F0502020204030204"/>
+              <a:ea typeface="+mn-ea"/>
+              <a:cs typeface="+mn-cs"/>
+            </a:endParaRPr>
+          </a:p>
+        </p:txBody>
+      </p:sp>
+      <p:sp>
+        <p:nvSpPr>
+          <p:cNvPr id="45" name="TextBox 44">
+            <a:extLst>
+              <a:ext uri="{FF2B5EF4-FFF2-40B4-BE49-F238E27FC236}">
+                <a16:creationId xmlns:a16="http://schemas.microsoft.com/office/drawing/2014/main" id="{D5552EE5-98C8-430B-8B5E-251E87835448}"/>
+              </a:ext>
+            </a:extLst>
+          </p:cNvPr>
+          <p:cNvSpPr txBox="1"/>
+          <p:nvPr/>
+        </p:nvSpPr>
+        <p:spPr>
+          <a:xfrm>
+            <a:off x="4722725" y="4702679"/>
+            <a:ext cx="1034450" cy="369332"/>
+          </a:xfrm>
+          <a:prstGeom prst="rect">
+            <a:avLst/>
+          </a:prstGeom>
+          <a:noFill/>
+        </p:spPr>
+        <p:txBody>
+          <a:bodyPr wrap="none" rtlCol="0">
+            <a:spAutoFit/>
+          </a:bodyPr>
+          <a:lstStyle/>
+          <a:p>
+            <a:pPr marL="0" marR="0" lvl="0" indent="0" algn="l" defTabSz="914400" rtl="0" eaLnBrk="1" fontAlgn="auto" latinLnBrk="0" hangingPunct="1">
+              <a:lnSpc>
+                <a:spcPct val="100000"/>
+              </a:lnSpc>
+              <a:spcBef>
+                <a:spcPts val="0"/>
+              </a:spcBef>
+              <a:spcAft>
+                <a:spcPts val="0"/>
+              </a:spcAft>
+              <a:buClrTx/>
+              <a:buSzTx/>
+              <a:buFontTx/>
+              <a:buNone/>
+              <a:tabLst/>
+              <a:defRPr/>
+            </a:pPr>
+            <a:r>
+              <a:rPr kumimoji="0" lang="en-US" sz="1800" b="0" i="0" u="none" strike="noStrike" kern="1200" cap="none" spc="0" normalizeH="0" baseline="0" noProof="0" dirty="0">
+                <a:ln>
+                  <a:noFill/>
+                </a:ln>
+                <a:solidFill>
+                  <a:prstClr val="black"/>
+                </a:solidFill>
+                <a:effectLst/>
+                <a:uLnTx/>
+                <a:uFillTx/>
+                <a:latin typeface="Calibri" panose="020F0502020204030204"/>
+                <a:ea typeface="+mn-ea"/>
+                <a:cs typeface="+mn-cs"/>
+              </a:rPr>
+              <a:t>End Date</a:t>
+            </a:r>
+            <a:endParaRPr kumimoji="0" lang="en-CA" sz="1800" b="0" i="0" u="none" strike="noStrike" kern="1200" cap="none" spc="0" normalizeH="0" baseline="0" noProof="0" dirty="0">
+              <a:ln>
+                <a:noFill/>
+              </a:ln>
+              <a:solidFill>
+                <a:prstClr val="black"/>
+              </a:solidFill>
+              <a:effectLst/>
+              <a:uLnTx/>
+              <a:uFillTx/>
+              <a:latin typeface="Calibri" panose="020F0502020204030204"/>
+              <a:ea typeface="+mn-ea"/>
+              <a:cs typeface="+mn-cs"/>
+            </a:endParaRPr>
+          </a:p>
+        </p:txBody>
+      </p:sp>
+    </p:spTree>
+    <p:extLst>
+      <p:ext uri="{BB962C8B-B14F-4D97-AF65-F5344CB8AC3E}">
+        <p14:creationId xmlns:p14="http://schemas.microsoft.com/office/powerpoint/2010/main" val="847662075"/>
       </p:ext>
     </p:extLst>
   </p:cSld>
@@ -13894,4 +20079,299 @@
     </a:ext>
   </a:extLst>
 </a:theme>
+</file>
+
+<file path=ppt/theme/theme2.xml><?xml version="1.0" encoding="utf-8"?>
+<a:theme xmlns:a="http://schemas.openxmlformats.org/drawingml/2006/main" name="Office Theme">
+  <a:themeElements>
+    <a:clrScheme name="Office">
+      <a:dk1>
+        <a:sysClr val="windowText" lastClr="000000"/>
+      </a:dk1>
+      <a:lt1>
+        <a:sysClr val="window" lastClr="FFFFFF"/>
+      </a:lt1>
+      <a:dk2>
+        <a:srgbClr val="44546A"/>
+      </a:dk2>
+      <a:lt2>
+        <a:srgbClr val="E7E6E6"/>
+      </a:lt2>
+      <a:accent1>
+        <a:srgbClr val="4472C4"/>
+      </a:accent1>
+      <a:accent2>
+        <a:srgbClr val="ED7D31"/>
+      </a:accent2>
+      <a:accent3>
+        <a:srgbClr val="A5A5A5"/>
+      </a:accent3>
+      <a:accent4>
+        <a:srgbClr val="FFC000"/>
+      </a:accent4>
+      <a:accent5>
+        <a:srgbClr val="5B9BD5"/>
+      </a:accent5>
+      <a:accent6>
+        <a:srgbClr val="70AD47"/>
+      </a:accent6>
+      <a:hlink>
+        <a:srgbClr val="0563C1"/>
+      </a:hlink>
+      <a:folHlink>
+        <a:srgbClr val="954F72"/>
+      </a:folHlink>
+    </a:clrScheme>
+    <a:fontScheme name="Office">
+      <a:majorFont>
+        <a:latin typeface="Calibri Light" panose="020F0302020204030204"/>
+        <a:ea typeface=""/>
+        <a:cs typeface=""/>
+        <a:font script="Jpan" typeface="游ゴシック Light"/>
+        <a:font script="Hang" typeface="맑은 고딕"/>
+        <a:font script="Hans" typeface="等线 Light"/>
+        <a:font script="Hant" typeface="新細明體"/>
+        <a:font script="Arab" typeface="Times New Roman"/>
+        <a:font script="Hebr" typeface="Times New Roman"/>
+        <a:font script="Thai" typeface="Angsana New"/>
+        <a:font script="Ethi" typeface="Nyala"/>
+        <a:font script="Beng" typeface="Vrinda"/>
+        <a:font script="Gujr" typeface="Shruti"/>
+        <a:font script="Khmr" typeface="MoolBoran"/>
+        <a:font script="Knda" typeface="Tunga"/>
+        <a:font script="Guru" typeface="Raavi"/>
+        <a:font script="Cans" typeface="Euphemia"/>
+        <a:font script="Cher" typeface="Plantagenet Cherokee"/>
+        <a:font script="Yiii" typeface="Microsoft Yi Baiti"/>
+        <a:font script="Tibt" typeface="Microsoft Himalaya"/>
+        <a:font script="Thaa" typeface="MV Boli"/>
+        <a:font script="Deva" typeface="Mangal"/>
+        <a:font script="Telu" typeface="Gautami"/>
+        <a:font script="Taml" typeface="Latha"/>
+        <a:font script="Syrc" typeface="Estrangelo Edessa"/>
+        <a:font script="Orya" typeface="Kalinga"/>
+        <a:font script="Mlym" typeface="Kartika"/>
+        <a:font script="Laoo" typeface="DokChampa"/>
+        <a:font script="Sinh" typeface="Iskoola Pota"/>
+        <a:font script="Mong" typeface="Mongolian Baiti"/>
+        <a:font script="Viet" typeface="Times New Roman"/>
+        <a:font script="Uigh" typeface="Microsoft Uighur"/>
+        <a:font script="Geor" typeface="Sylfaen"/>
+        <a:font script="Armn" typeface="Arial"/>
+        <a:font script="Bugi" typeface="Leelawadee UI"/>
+        <a:font script="Bopo" typeface="Microsoft JhengHei"/>
+        <a:font script="Java" typeface="Javanese Text"/>
+        <a:font script="Lisu" typeface="Segoe UI"/>
+        <a:font script="Mymr" typeface="Myanmar Text"/>
+        <a:font script="Nkoo" typeface="Ebrima"/>
+        <a:font script="Olck" typeface="Nirmala UI"/>
+        <a:font script="Osma" typeface="Ebrima"/>
+        <a:font script="Phag" typeface="Phagspa"/>
+        <a:font script="Syrn" typeface="Estrangelo Edessa"/>
+        <a:font script="Syrj" typeface="Estrangelo Edessa"/>
+        <a:font script="Syre" typeface="Estrangelo Edessa"/>
+        <a:font script="Sora" typeface="Nirmala UI"/>
+        <a:font script="Tale" typeface="Microsoft Tai Le"/>
+        <a:font script="Talu" typeface="Microsoft New Tai Lue"/>
+        <a:font script="Tfng" typeface="Ebrima"/>
+      </a:majorFont>
+      <a:minorFont>
+        <a:latin typeface="Calibri" panose="020F0502020204030204"/>
+        <a:ea typeface=""/>
+        <a:cs typeface=""/>
+        <a:font script="Jpan" typeface="游ゴシック"/>
+        <a:font script="Hang" typeface="맑은 고딕"/>
+        <a:font script="Hans" typeface="等线"/>
+        <a:font script="Hant" typeface="新細明體"/>
+        <a:font script="Arab" typeface="Arial"/>
+        <a:font script="Hebr" typeface="Arial"/>
+        <a:font script="Thai" typeface="Cordia New"/>
+        <a:font script="Ethi" typeface="Nyala"/>
+        <a:font script="Beng" typeface="Vrinda"/>
+        <a:font script="Gujr" typeface="Shruti"/>
+        <a:font script="Khmr" typeface="DaunPenh"/>
+        <a:font script="Knda" typeface="Tunga"/>
+        <a:font script="Guru" typeface="Raavi"/>
+        <a:font script="Cans" typeface="Euphemia"/>
+        <a:font script="Cher" typeface="Plantagenet Cherokee"/>
+        <a:font script="Yiii" typeface="Microsoft Yi Baiti"/>
+        <a:font script="Tibt" typeface="Microsoft Himalaya"/>
+        <a:font script="Thaa" typeface="MV Boli"/>
+        <a:font script="Deva" typeface="Mangal"/>
+        <a:font script="Telu" typeface="Gautami"/>
+        <a:font script="Taml" typeface="Latha"/>
+        <a:font script="Syrc" typeface="Estrangelo Edessa"/>
+        <a:font script="Orya" typeface="Kalinga"/>
+        <a:font script="Mlym" typeface="Kartika"/>
+        <a:font script="Laoo" typeface="DokChampa"/>
+        <a:font script="Sinh" typeface="Iskoola Pota"/>
+        <a:font script="Mong" typeface="Mongolian Baiti"/>
+        <a:font script="Viet" typeface="Arial"/>
+        <a:font script="Uigh" typeface="Microsoft Uighur"/>
+        <a:font script="Geor" typeface="Sylfaen"/>
+        <a:font script="Armn" typeface="Arial"/>
+        <a:font script="Bugi" typeface="Leelawadee UI"/>
+        <a:font script="Bopo" typeface="Microsoft JhengHei"/>
+        <a:font script="Java" typeface="Javanese Text"/>
+        <a:font script="Lisu" typeface="Segoe UI"/>
+        <a:font script="Mymr" typeface="Myanmar Text"/>
+        <a:font script="Nkoo" typeface="Ebrima"/>
+        <a:font script="Olck" typeface="Nirmala UI"/>
+        <a:font script="Osma" typeface="Ebrima"/>
+        <a:font script="Phag" typeface="Phagspa"/>
+        <a:font script="Syrn" typeface="Estrangelo Edessa"/>
+        <a:font script="Syrj" typeface="Estrangelo Edessa"/>
+        <a:font script="Syre" typeface="Estrangelo Edessa"/>
+        <a:font script="Sora" typeface="Nirmala UI"/>
+        <a:font script="Tale" typeface="Microsoft Tai Le"/>
+        <a:font script="Talu" typeface="Microsoft New Tai Lue"/>
+        <a:font script="Tfng" typeface="Ebrima"/>
+      </a:minorFont>
+    </a:fontScheme>
+    <a:fmtScheme name="Office">
+      <a:fillStyleLst>
+        <a:solidFill>
+          <a:schemeClr val="phClr"/>
+        </a:solidFill>
+        <a:gradFill rotWithShape="1">
+          <a:gsLst>
+            <a:gs pos="0">
+              <a:schemeClr val="phClr">
+                <a:lumMod val="110000"/>
+                <a:satMod val="105000"/>
+                <a:tint val="67000"/>
+              </a:schemeClr>
+            </a:gs>
+            <a:gs pos="50000">
+              <a:schemeClr val="phClr">
+                <a:lumMod val="105000"/>
+                <a:satMod val="103000"/>
+                <a:tint val="73000"/>
+              </a:schemeClr>
+            </a:gs>
+            <a:gs pos="100000">
+              <a:schemeClr val="phClr">
+                <a:lumMod val="105000"/>
+                <a:satMod val="109000"/>
+                <a:tint val="81000"/>
+              </a:schemeClr>
+            </a:gs>
+          </a:gsLst>
+          <a:lin ang="5400000" scaled="0"/>
+        </a:gradFill>
+        <a:gradFill rotWithShape="1">
+          <a:gsLst>
+            <a:gs pos="0">
+              <a:schemeClr val="phClr">
+                <a:satMod val="103000"/>
+                <a:lumMod val="102000"/>
+                <a:tint val="94000"/>
+              </a:schemeClr>
+            </a:gs>
+            <a:gs pos="50000">
+              <a:schemeClr val="phClr">
+                <a:satMod val="110000"/>
+                <a:lumMod val="100000"/>
+                <a:shade val="100000"/>
+              </a:schemeClr>
+            </a:gs>
+            <a:gs pos="100000">
+              <a:schemeClr val="phClr">
+                <a:lumMod val="99000"/>
+                <a:satMod val="120000"/>
+                <a:shade val="78000"/>
+              </a:schemeClr>
+            </a:gs>
+          </a:gsLst>
+          <a:lin ang="5400000" scaled="0"/>
+        </a:gradFill>
+      </a:fillStyleLst>
+      <a:lnStyleLst>
+        <a:ln w="6350" cap="flat" cmpd="sng" algn="ctr">
+          <a:solidFill>
+            <a:schemeClr val="phClr"/>
+          </a:solidFill>
+          <a:prstDash val="solid"/>
+          <a:miter lim="800000"/>
+        </a:ln>
+        <a:ln w="12700" cap="flat" cmpd="sng" algn="ctr">
+          <a:solidFill>
+            <a:schemeClr val="phClr"/>
+          </a:solidFill>
+          <a:prstDash val="solid"/>
+          <a:miter lim="800000"/>
+        </a:ln>
+        <a:ln w="19050" cap="flat" cmpd="sng" algn="ctr">
+          <a:solidFill>
+            <a:schemeClr val="phClr"/>
+          </a:solidFill>
+          <a:prstDash val="solid"/>
+          <a:miter lim="800000"/>
+        </a:ln>
+      </a:lnStyleLst>
+      <a:effectStyleLst>
+        <a:effectStyle>
+          <a:effectLst/>
+        </a:effectStyle>
+        <a:effectStyle>
+          <a:effectLst/>
+        </a:effectStyle>
+        <a:effectStyle>
+          <a:effectLst>
+            <a:outerShdw blurRad="57150" dist="19050" dir="5400000" algn="ctr" rotWithShape="0">
+              <a:srgbClr val="000000">
+                <a:alpha val="63000"/>
+              </a:srgbClr>
+            </a:outerShdw>
+          </a:effectLst>
+        </a:effectStyle>
+      </a:effectStyleLst>
+      <a:bgFillStyleLst>
+        <a:solidFill>
+          <a:schemeClr val="phClr"/>
+        </a:solidFill>
+        <a:solidFill>
+          <a:schemeClr val="phClr">
+            <a:tint val="95000"/>
+            <a:satMod val="170000"/>
+          </a:schemeClr>
+        </a:solidFill>
+        <a:gradFill rotWithShape="1">
+          <a:gsLst>
+            <a:gs pos="0">
+              <a:schemeClr val="phClr">
+                <a:tint val="93000"/>
+                <a:satMod val="150000"/>
+                <a:shade val="98000"/>
+                <a:lumMod val="102000"/>
+              </a:schemeClr>
+            </a:gs>
+            <a:gs pos="50000">
+              <a:schemeClr val="phClr">
+                <a:tint val="98000"/>
+                <a:satMod val="130000"/>
+                <a:shade val="90000"/>
+                <a:lumMod val="103000"/>
+              </a:schemeClr>
+            </a:gs>
+            <a:gs pos="100000">
+              <a:schemeClr val="phClr">
+                <a:shade val="63000"/>
+                <a:satMod val="120000"/>
+              </a:schemeClr>
+            </a:gs>
+          </a:gsLst>
+          <a:lin ang="5400000" scaled="0"/>
+        </a:gradFill>
+      </a:bgFillStyleLst>
+    </a:fmtScheme>
+  </a:themeElements>
+  <a:objectDefaults/>
+  <a:extraClrSchemeLst/>
+  <a:extLst>
+    <a:ext uri="{05A4C25C-085E-4340-85A3-A5531E510DB2}">
+      <thm15:themeFamily xmlns:thm15="http://schemas.microsoft.com/office/thememl/2012/main" name="Office Theme" id="{62F939B6-93AF-4DB8-9C6B-D6C7DFDC589F}" vid="{4A3C46E8-61CC-4603-A589-7422A47A8E4A}"/>
+    </a:ext>
+  </a:extLst>
+</a:theme>
 </file>
--- a/DanyloThoughts.pptx
+++ b/DanyloThoughts.pptx
@@ -21,6 +21,7 @@
     <p:sldId id="271" r:id="rId15"/>
     <p:sldId id="258" r:id="rId16"/>
     <p:sldId id="259" r:id="rId17"/>
+    <p:sldId id="272" r:id="rId18"/>
   </p:sldIdLst>
   <p:sldSz cx="12192000" cy="6858000"/>
   <p:notesSz cx="6858000" cy="9144000"/>
@@ -143,6 +144,11 @@
             <p14:sldId id="271"/>
             <p14:sldId id="258"/>
             <p14:sldId id="259"/>
+          </p14:sldIdLst>
+        </p14:section>
+        <p14:section name="Demo" id="{A482E7EB-C853-4954-9AF3-E38488412085}">
+          <p14:sldIdLst>
+            <p14:sldId id="272"/>
           </p14:sldIdLst>
         </p14:section>
       </p14:sectionLst>
@@ -5850,7 +5856,7 @@
           <a:p>
             <a:fld id="{990D8905-EC0B-41E3-AC8C-C6823787CC1C}" type="datetimeFigureOut">
               <a:rPr lang="en-CA" smtClean="0"/>
-              <a:t>2021-12-01</a:t>
+              <a:t>2021-12-08</a:t>
             </a:fld>
             <a:endParaRPr lang="en-CA"/>
           </a:p>
@@ -6148,7 +6154,7 @@
           <a:p>
             <a:fld id="{990D8905-EC0B-41E3-AC8C-C6823787CC1C}" type="datetimeFigureOut">
               <a:rPr lang="en-CA" smtClean="0"/>
-              <a:t>2021-12-01</a:t>
+              <a:t>2021-12-08</a:t>
             </a:fld>
             <a:endParaRPr lang="en-CA"/>
           </a:p>
@@ -6340,7 +6346,7 @@
           <a:p>
             <a:fld id="{990D8905-EC0B-41E3-AC8C-C6823787CC1C}" type="datetimeFigureOut">
               <a:rPr lang="en-CA" smtClean="0"/>
-              <a:t>2021-12-01</a:t>
+              <a:t>2021-12-08</a:t>
             </a:fld>
             <a:endParaRPr lang="en-CA"/>
           </a:p>
@@ -6601,7 +6607,7 @@
           <a:p>
             <a:fld id="{990D8905-EC0B-41E3-AC8C-C6823787CC1C}" type="datetimeFigureOut">
               <a:rPr lang="en-CA" smtClean="0"/>
-              <a:t>2021-12-01</a:t>
+              <a:t>2021-12-08</a:t>
             </a:fld>
             <a:endParaRPr lang="en-CA"/>
           </a:p>
@@ -7025,7 +7031,7 @@
           <a:p>
             <a:fld id="{990D8905-EC0B-41E3-AC8C-C6823787CC1C}" type="datetimeFigureOut">
               <a:rPr lang="en-CA" smtClean="0"/>
-              <a:t>2021-12-01</a:t>
+              <a:t>2021-12-08</a:t>
             </a:fld>
             <a:endParaRPr lang="en-CA"/>
           </a:p>
@@ -7562,7 +7568,7 @@
           <a:p>
             <a:fld id="{990D8905-EC0B-41E3-AC8C-C6823787CC1C}" type="datetimeFigureOut">
               <a:rPr lang="en-CA" smtClean="0"/>
-              <a:t>2021-12-01</a:t>
+              <a:t>2021-12-08</a:t>
             </a:fld>
             <a:endParaRPr lang="en-CA"/>
           </a:p>
@@ -8426,7 +8432,7 @@
           <a:p>
             <a:fld id="{990D8905-EC0B-41E3-AC8C-C6823787CC1C}" type="datetimeFigureOut">
               <a:rPr lang="en-CA" smtClean="0"/>
-              <a:t>2021-12-01</a:t>
+              <a:t>2021-12-08</a:t>
             </a:fld>
             <a:endParaRPr lang="en-CA"/>
           </a:p>
@@ -8596,7 +8602,7 @@
           <a:p>
             <a:fld id="{990D8905-EC0B-41E3-AC8C-C6823787CC1C}" type="datetimeFigureOut">
               <a:rPr lang="en-CA" smtClean="0"/>
-              <a:t>2021-12-01</a:t>
+              <a:t>2021-12-08</a:t>
             </a:fld>
             <a:endParaRPr lang="en-CA"/>
           </a:p>
@@ -8780,7 +8786,7 @@
           <a:p>
             <a:fld id="{990D8905-EC0B-41E3-AC8C-C6823787CC1C}" type="datetimeFigureOut">
               <a:rPr lang="en-CA" smtClean="0"/>
-              <a:t>2021-12-01</a:t>
+              <a:t>2021-12-08</a:t>
             </a:fld>
             <a:endParaRPr lang="en-CA"/>
           </a:p>
@@ -8990,7 +8996,7 @@
           <a:p>
             <a:fld id="{23ECED23-8745-4DCB-895C-E52D60B1B0C5}" type="datetimeFigureOut">
               <a:rPr lang="en-CA" smtClean="0"/>
-              <a:t>2021-11-30</a:t>
+              <a:t>2021-12-08</a:t>
             </a:fld>
             <a:endParaRPr lang="en-CA"/>
           </a:p>
@@ -9190,7 +9196,7 @@
           <a:p>
             <a:fld id="{23ECED23-8745-4DCB-895C-E52D60B1B0C5}" type="datetimeFigureOut">
               <a:rPr lang="en-CA" smtClean="0"/>
-              <a:t>2021-11-30</a:t>
+              <a:t>2021-12-08</a:t>
             </a:fld>
             <a:endParaRPr lang="en-CA"/>
           </a:p>
@@ -9372,7 +9378,7 @@
           <a:p>
             <a:fld id="{990D8905-EC0B-41E3-AC8C-C6823787CC1C}" type="datetimeFigureOut">
               <a:rPr lang="en-CA" smtClean="0"/>
-              <a:t>2021-12-01</a:t>
+              <a:t>2021-12-08</a:t>
             </a:fld>
             <a:endParaRPr lang="en-CA"/>
           </a:p>
@@ -9636,7 +9642,7 @@
           <a:p>
             <a:fld id="{23ECED23-8745-4DCB-895C-E52D60B1B0C5}" type="datetimeFigureOut">
               <a:rPr lang="en-CA" smtClean="0"/>
-              <a:t>2021-11-30</a:t>
+              <a:t>2021-12-08</a:t>
             </a:fld>
             <a:endParaRPr lang="en-CA"/>
           </a:p>
@@ -9904,7 +9910,7 @@
           <a:p>
             <a:fld id="{23ECED23-8745-4DCB-895C-E52D60B1B0C5}" type="datetimeFigureOut">
               <a:rPr lang="en-CA" smtClean="0"/>
-              <a:t>2021-11-30</a:t>
+              <a:t>2021-12-08</a:t>
             </a:fld>
             <a:endParaRPr lang="en-CA"/>
           </a:p>
@@ -10319,7 +10325,7 @@
           <a:p>
             <a:fld id="{23ECED23-8745-4DCB-895C-E52D60B1B0C5}" type="datetimeFigureOut">
               <a:rPr lang="en-CA" smtClean="0"/>
-              <a:t>2021-11-30</a:t>
+              <a:t>2021-12-08</a:t>
             </a:fld>
             <a:endParaRPr lang="en-CA"/>
           </a:p>
@@ -10461,7 +10467,7 @@
           <a:p>
             <a:fld id="{23ECED23-8745-4DCB-895C-E52D60B1B0C5}" type="datetimeFigureOut">
               <a:rPr lang="en-CA" smtClean="0"/>
-              <a:t>2021-11-30</a:t>
+              <a:t>2021-12-08</a:t>
             </a:fld>
             <a:endParaRPr lang="en-CA"/>
           </a:p>
@@ -10574,7 +10580,7 @@
           <a:p>
             <a:fld id="{23ECED23-8745-4DCB-895C-E52D60B1B0C5}" type="datetimeFigureOut">
               <a:rPr lang="en-CA" smtClean="0"/>
-              <a:t>2021-11-30</a:t>
+              <a:t>2021-12-08</a:t>
             </a:fld>
             <a:endParaRPr lang="en-CA"/>
           </a:p>
@@ -10887,7 +10893,7 @@
           <a:p>
             <a:fld id="{23ECED23-8745-4DCB-895C-E52D60B1B0C5}" type="datetimeFigureOut">
               <a:rPr lang="en-CA" smtClean="0"/>
-              <a:t>2021-11-30</a:t>
+              <a:t>2021-12-08</a:t>
             </a:fld>
             <a:endParaRPr lang="en-CA"/>
           </a:p>
@@ -11176,7 +11182,7 @@
           <a:p>
             <a:fld id="{23ECED23-8745-4DCB-895C-E52D60B1B0C5}" type="datetimeFigureOut">
               <a:rPr lang="en-CA" smtClean="0"/>
-              <a:t>2021-11-30</a:t>
+              <a:t>2021-12-08</a:t>
             </a:fld>
             <a:endParaRPr lang="en-CA"/>
           </a:p>
@@ -11376,7 +11382,7 @@
           <a:p>
             <a:fld id="{23ECED23-8745-4DCB-895C-E52D60B1B0C5}" type="datetimeFigureOut">
               <a:rPr lang="en-CA" smtClean="0"/>
-              <a:t>2021-11-30</a:t>
+              <a:t>2021-12-08</a:t>
             </a:fld>
             <a:endParaRPr lang="en-CA"/>
           </a:p>
@@ -11586,7 +11592,7 @@
           <a:p>
             <a:fld id="{23ECED23-8745-4DCB-895C-E52D60B1B0C5}" type="datetimeFigureOut">
               <a:rPr lang="en-CA" smtClean="0"/>
-              <a:t>2021-11-30</a:t>
+              <a:t>2021-12-08</a:t>
             </a:fld>
             <a:endParaRPr lang="en-CA"/>
           </a:p>
@@ -11842,7 +11848,7 @@
           <a:p>
             <a:fld id="{990D8905-EC0B-41E3-AC8C-C6823787CC1C}" type="datetimeFigureOut">
               <a:rPr lang="en-CA" smtClean="0"/>
-              <a:t>2021-12-01</a:t>
+              <a:t>2021-12-08</a:t>
             </a:fld>
             <a:endParaRPr lang="en-CA"/>
           </a:p>
@@ -12078,7 +12084,7 @@
           <a:p>
             <a:fld id="{990D8905-EC0B-41E3-AC8C-C6823787CC1C}" type="datetimeFigureOut">
               <a:rPr lang="en-CA" smtClean="0"/>
-              <a:t>2021-12-01</a:t>
+              <a:t>2021-12-08</a:t>
             </a:fld>
             <a:endParaRPr lang="en-CA"/>
           </a:p>
@@ -12544,7 +12550,7 @@
           <a:p>
             <a:fld id="{990D8905-EC0B-41E3-AC8C-C6823787CC1C}" type="datetimeFigureOut">
               <a:rPr lang="en-CA" smtClean="0"/>
-              <a:t>2021-12-01</a:t>
+              <a:t>2021-12-08</a:t>
             </a:fld>
             <a:endParaRPr lang="en-CA"/>
           </a:p>
@@ -12662,7 +12668,7 @@
           <a:p>
             <a:fld id="{990D8905-EC0B-41E3-AC8C-C6823787CC1C}" type="datetimeFigureOut">
               <a:rPr lang="en-CA" smtClean="0"/>
-              <a:t>2021-12-01</a:t>
+              <a:t>2021-12-08</a:t>
             </a:fld>
             <a:endParaRPr lang="en-CA"/>
           </a:p>
@@ -12757,7 +12763,7 @@
           <a:p>
             <a:fld id="{990D8905-EC0B-41E3-AC8C-C6823787CC1C}" type="datetimeFigureOut">
               <a:rPr lang="en-CA" smtClean="0"/>
-              <a:t>2021-12-01</a:t>
+              <a:t>2021-12-08</a:t>
             </a:fld>
             <a:endParaRPr lang="en-CA"/>
           </a:p>
@@ -13012,7 +13018,7 @@
           <a:p>
             <a:fld id="{990D8905-EC0B-41E3-AC8C-C6823787CC1C}" type="datetimeFigureOut">
               <a:rPr lang="en-CA" smtClean="0"/>
-              <a:t>2021-12-01</a:t>
+              <a:t>2021-12-08</a:t>
             </a:fld>
             <a:endParaRPr lang="en-CA"/>
           </a:p>
@@ -13312,7 +13318,7 @@
           <a:p>
             <a:fld id="{990D8905-EC0B-41E3-AC8C-C6823787CC1C}" type="datetimeFigureOut">
               <a:rPr lang="en-CA" smtClean="0"/>
-              <a:t>2021-12-01</a:t>
+              <a:t>2021-12-08</a:t>
             </a:fld>
             <a:endParaRPr lang="en-CA"/>
           </a:p>
@@ -13546,7 +13552,7 @@
           <a:p>
             <a:fld id="{990D8905-EC0B-41E3-AC8C-C6823787CC1C}" type="datetimeFigureOut">
               <a:rPr lang="en-CA" smtClean="0"/>
-              <a:t>2021-12-01</a:t>
+              <a:t>2021-12-08</a:t>
             </a:fld>
             <a:endParaRPr lang="en-CA"/>
           </a:p>
@@ -14373,7 +14379,7 @@
           <a:p>
             <a:fld id="{23ECED23-8745-4DCB-895C-E52D60B1B0C5}" type="datetimeFigureOut">
               <a:rPr lang="en-CA" smtClean="0"/>
-              <a:t>2021-11-30</a:t>
+              <a:t>2021-12-08</a:t>
             </a:fld>
             <a:endParaRPr lang="en-CA"/>
           </a:p>
@@ -18096,6 +18102,197 @@
     <p:extLst>
       <p:ext uri="{BB962C8B-B14F-4D97-AF65-F5344CB8AC3E}">
         <p14:creationId xmlns:p14="http://schemas.microsoft.com/office/powerpoint/2010/main" val="847662075"/>
+      </p:ext>
+    </p:extLst>
+  </p:cSld>
+  <p:clrMapOvr>
+    <a:masterClrMapping/>
+  </p:clrMapOvr>
+</p:sld>
+</file>
+
+<file path=ppt/slides/slide16.xml><?xml version="1.0" encoding="utf-8"?>
+<p:sld xmlns:a="http://schemas.openxmlformats.org/drawingml/2006/main" xmlns:r="http://schemas.openxmlformats.org/officeDocument/2006/relationships" xmlns:p="http://schemas.openxmlformats.org/presentationml/2006/main">
+  <p:cSld>
+    <p:spTree>
+      <p:nvGrpSpPr>
+        <p:cNvPr id="1" name=""/>
+        <p:cNvGrpSpPr/>
+        <p:nvPr/>
+      </p:nvGrpSpPr>
+      <p:grpSpPr>
+        <a:xfrm>
+          <a:off x="0" y="0"/>
+          <a:ext cx="0" cy="0"/>
+          <a:chOff x="0" y="0"/>
+          <a:chExt cx="0" cy="0"/>
+        </a:xfrm>
+      </p:grpSpPr>
+      <p:sp>
+        <p:nvSpPr>
+          <p:cNvPr id="2" name="Title 1">
+            <a:extLst>
+              <a:ext uri="{FF2B5EF4-FFF2-40B4-BE49-F238E27FC236}">
+                <a16:creationId xmlns:a16="http://schemas.microsoft.com/office/drawing/2014/main" id="{393D1089-8912-4124-8A26-8211D21C725D}"/>
+              </a:ext>
+            </a:extLst>
+          </p:cNvPr>
+          <p:cNvSpPr>
+            <a:spLocks noGrp="1"/>
+          </p:cNvSpPr>
+          <p:nvPr>
+            <p:ph type="title"/>
+          </p:nvPr>
+        </p:nvSpPr>
+        <p:spPr/>
+        <p:txBody>
+          <a:bodyPr/>
+          <a:lstStyle/>
+          <a:p>
+            <a:r>
+              <a:rPr lang="en-US" dirty="0"/>
+              <a:t>Construction Management – Back-End Code</a:t>
+            </a:r>
+            <a:endParaRPr lang="en-CA" dirty="0"/>
+          </a:p>
+        </p:txBody>
+      </p:sp>
+      <p:sp>
+        <p:nvSpPr>
+          <p:cNvPr id="6" name="Text Placeholder 5">
+            <a:extLst>
+              <a:ext uri="{FF2B5EF4-FFF2-40B4-BE49-F238E27FC236}">
+                <a16:creationId xmlns:a16="http://schemas.microsoft.com/office/drawing/2014/main" id="{F0CBAEEE-5D1D-4920-B8B0-2FF33CC5C23A}"/>
+              </a:ext>
+            </a:extLst>
+          </p:cNvPr>
+          <p:cNvSpPr>
+            <a:spLocks noGrp="1"/>
+          </p:cNvSpPr>
+          <p:nvPr>
+            <p:ph type="body" idx="1"/>
+          </p:nvPr>
+        </p:nvSpPr>
+        <p:spPr/>
+        <p:txBody>
+          <a:bodyPr/>
+          <a:lstStyle/>
+          <a:p>
+            <a:r>
+              <a:rPr lang="en-US" dirty="0"/>
+              <a:t>Data after Feature Engineering</a:t>
+            </a:r>
+            <a:endParaRPr lang="en-CA" dirty="0"/>
+          </a:p>
+        </p:txBody>
+      </p:sp>
+      <p:pic>
+        <p:nvPicPr>
+          <p:cNvPr id="12" name="Content Placeholder 11">
+            <a:extLst>
+              <a:ext uri="{FF2B5EF4-FFF2-40B4-BE49-F238E27FC236}">
+                <a16:creationId xmlns:a16="http://schemas.microsoft.com/office/drawing/2014/main" id="{441F4013-B897-4203-9979-6E17E48FF1E0}"/>
+              </a:ext>
+            </a:extLst>
+          </p:cNvPr>
+          <p:cNvPicPr>
+            <a:picLocks noGrp="1" noChangeAspect="1"/>
+          </p:cNvPicPr>
+          <p:nvPr>
+            <p:ph sz="half" idx="2"/>
+          </p:nvPr>
+        </p:nvPicPr>
+        <p:blipFill>
+          <a:blip r:embed="rId2"/>
+          <a:stretch>
+            <a:fillRect/>
+          </a:stretch>
+        </p:blipFill>
+        <p:spPr>
+          <a:xfrm>
+            <a:off x="1006475" y="2712885"/>
+            <a:ext cx="4875213" cy="2745092"/>
+          </a:xfrm>
+          <a:prstGeom prst="rect">
+            <a:avLst/>
+          </a:prstGeom>
+        </p:spPr>
+      </p:pic>
+      <p:sp>
+        <p:nvSpPr>
+          <p:cNvPr id="8" name="Text Placeholder 7">
+            <a:extLst>
+              <a:ext uri="{FF2B5EF4-FFF2-40B4-BE49-F238E27FC236}">
+                <a16:creationId xmlns:a16="http://schemas.microsoft.com/office/drawing/2014/main" id="{F17D915B-2981-4D17-B859-A4178B076AF9}"/>
+              </a:ext>
+            </a:extLst>
+          </p:cNvPr>
+          <p:cNvSpPr>
+            <a:spLocks noGrp="1"/>
+          </p:cNvSpPr>
+          <p:nvPr>
+            <p:ph type="body" sz="quarter" idx="3"/>
+          </p:nvPr>
+        </p:nvSpPr>
+        <p:spPr/>
+        <p:txBody>
+          <a:bodyPr/>
+          <a:lstStyle/>
+          <a:p>
+            <a:r>
+              <a:rPr lang="en-US" dirty="0"/>
+              <a:t>Tasks</a:t>
+            </a:r>
+          </a:p>
+        </p:txBody>
+      </p:sp>
+      <p:sp>
+        <p:nvSpPr>
+          <p:cNvPr id="9" name="Content Placeholder 8">
+            <a:extLst>
+              <a:ext uri="{FF2B5EF4-FFF2-40B4-BE49-F238E27FC236}">
+                <a16:creationId xmlns:a16="http://schemas.microsoft.com/office/drawing/2014/main" id="{3F734B33-8087-42A0-A446-39496FB429AC}"/>
+              </a:ext>
+            </a:extLst>
+          </p:cNvPr>
+          <p:cNvSpPr>
+            <a:spLocks noGrp="1"/>
+          </p:cNvSpPr>
+          <p:nvPr>
+            <p:ph sz="quarter" idx="4"/>
+          </p:nvPr>
+        </p:nvSpPr>
+        <p:spPr/>
+        <p:txBody>
+          <a:bodyPr/>
+          <a:lstStyle/>
+          <a:p>
+            <a:r>
+              <a:rPr lang="en-US" dirty="0"/>
+              <a:t>With a user input of a transformation type and a description:</a:t>
+            </a:r>
+          </a:p>
+          <a:p>
+            <a:pPr lvl="1"/>
+            <a:r>
+              <a:rPr lang="en-US" sz="1800" dirty="0"/>
+              <a:t>Predict rate at which tasks can be completed.</a:t>
+            </a:r>
+          </a:p>
+          <a:p>
+            <a:pPr lvl="1"/>
+            <a:r>
+              <a:rPr lang="en-US" sz="1800" dirty="0"/>
+              <a:t>Predict type of units </a:t>
+            </a:r>
+            <a:endParaRPr lang="en-CA" sz="1800" dirty="0"/>
+          </a:p>
+        </p:txBody>
+      </p:sp>
+    </p:spTree>
+    <p:extLst>
+      <p:ext uri="{BB962C8B-B14F-4D97-AF65-F5344CB8AC3E}">
+        <p14:creationId xmlns:p14="http://schemas.microsoft.com/office/powerpoint/2010/main" val="3746747555"/>
       </p:ext>
     </p:extLst>
   </p:cSld>

--- a/DanyloThoughts.pptx
+++ b/DanyloThoughts.pptx
@@ -22,6 +22,8 @@
     <p:sldId id="258" r:id="rId16"/>
     <p:sldId id="259" r:id="rId17"/>
     <p:sldId id="272" r:id="rId18"/>
+    <p:sldId id="273" r:id="rId19"/>
+    <p:sldId id="274" r:id="rId20"/>
   </p:sldIdLst>
   <p:sldSz cx="12192000" cy="6858000"/>
   <p:notesSz cx="6858000" cy="9144000"/>
@@ -149,6 +151,8 @@
         <p14:section name="Demo" id="{A482E7EB-C853-4954-9AF3-E38488412085}">
           <p14:sldIdLst>
             <p14:sldId id="272"/>
+            <p14:sldId id="273"/>
+            <p14:sldId id="274"/>
           </p14:sldIdLst>
         </p14:section>
       </p14:sectionLst>
@@ -18283,7 +18287,7 @@
             <a:pPr lvl="1"/>
             <a:r>
               <a:rPr lang="en-US" sz="1800" dirty="0"/>
-              <a:t>Predict type of units </a:t>
+              <a:t>Predict type of units</a:t>
             </a:r>
             <a:endParaRPr lang="en-CA" sz="1800" dirty="0"/>
           </a:p>
@@ -18293,6 +18297,273 @@
     <p:extLst>
       <p:ext uri="{BB962C8B-B14F-4D97-AF65-F5344CB8AC3E}">
         <p14:creationId xmlns:p14="http://schemas.microsoft.com/office/powerpoint/2010/main" val="3746747555"/>
+      </p:ext>
+    </p:extLst>
+  </p:cSld>
+  <p:clrMapOvr>
+    <a:masterClrMapping/>
+  </p:clrMapOvr>
+</p:sld>
+</file>
+
+<file path=ppt/slides/slide17.xml><?xml version="1.0" encoding="utf-8"?>
+<p:sld xmlns:a="http://schemas.openxmlformats.org/drawingml/2006/main" xmlns:r="http://schemas.openxmlformats.org/officeDocument/2006/relationships" xmlns:p="http://schemas.openxmlformats.org/presentationml/2006/main">
+  <p:cSld>
+    <p:spTree>
+      <p:nvGrpSpPr>
+        <p:cNvPr id="1" name=""/>
+        <p:cNvGrpSpPr/>
+        <p:nvPr/>
+      </p:nvGrpSpPr>
+      <p:grpSpPr>
+        <a:xfrm>
+          <a:off x="0" y="0"/>
+          <a:ext cx="0" cy="0"/>
+          <a:chOff x="0" y="0"/>
+          <a:chExt cx="0" cy="0"/>
+        </a:xfrm>
+      </p:grpSpPr>
+      <p:sp>
+        <p:nvSpPr>
+          <p:cNvPr id="2" name="Title 1">
+            <a:extLst>
+              <a:ext uri="{FF2B5EF4-FFF2-40B4-BE49-F238E27FC236}">
+                <a16:creationId xmlns:a16="http://schemas.microsoft.com/office/drawing/2014/main" id="{EB5A7313-14F0-4419-A08A-616CA7BBDC23}"/>
+              </a:ext>
+            </a:extLst>
+          </p:cNvPr>
+          <p:cNvSpPr>
+            <a:spLocks noGrp="1"/>
+          </p:cNvSpPr>
+          <p:nvPr>
+            <p:ph type="title"/>
+          </p:nvPr>
+        </p:nvSpPr>
+        <p:spPr/>
+        <p:txBody>
+          <a:bodyPr/>
+          <a:lstStyle/>
+          <a:p>
+            <a:r>
+              <a:rPr lang="en-US" dirty="0"/>
+              <a:t>How does the code do it?</a:t>
+            </a:r>
+            <a:endParaRPr lang="en-CA" dirty="0"/>
+          </a:p>
+        </p:txBody>
+      </p:sp>
+      <p:sp>
+        <p:nvSpPr>
+          <p:cNvPr id="7" name="Content Placeholder 6">
+            <a:extLst>
+              <a:ext uri="{FF2B5EF4-FFF2-40B4-BE49-F238E27FC236}">
+                <a16:creationId xmlns:a16="http://schemas.microsoft.com/office/drawing/2014/main" id="{81846F20-0837-43F3-8500-8A6E4EAAD485}"/>
+              </a:ext>
+            </a:extLst>
+          </p:cNvPr>
+          <p:cNvSpPr>
+            <a:spLocks noGrp="1"/>
+          </p:cNvSpPr>
+          <p:nvPr>
+            <p:ph idx="1"/>
+          </p:nvPr>
+        </p:nvSpPr>
+        <p:spPr>
+          <a:xfrm>
+            <a:off x="4967287" y="1732449"/>
+            <a:ext cx="6300269" cy="4058751"/>
+          </a:xfrm>
+        </p:spPr>
+        <p:txBody>
+          <a:bodyPr/>
+          <a:lstStyle/>
+          <a:p>
+            <a:r>
+              <a:rPr lang="en-US" dirty="0"/>
+              <a:t>Read in data</a:t>
+            </a:r>
+          </a:p>
+          <a:p>
+            <a:r>
+              <a:rPr lang="en-US" dirty="0"/>
+              <a:t>Data Wrangling – remove unwanted columns, zero values, calculate new features</a:t>
+            </a:r>
+          </a:p>
+          <a:p>
+            <a:r>
+              <a:rPr lang="en-US" dirty="0"/>
+              <a:t>Text Vectorization – convert each word to unique columns in dataset</a:t>
+            </a:r>
+          </a:p>
+          <a:p>
+            <a:r>
+              <a:rPr lang="en-US" dirty="0"/>
+              <a:t>Split data</a:t>
+            </a:r>
+          </a:p>
+          <a:p>
+            <a:r>
+              <a:rPr lang="en-US" dirty="0"/>
+              <a:t>Build machine learning model for predicting completion rate and unit type</a:t>
+            </a:r>
+          </a:p>
+          <a:p>
+            <a:endParaRPr lang="en-US" dirty="0"/>
+          </a:p>
+          <a:p>
+            <a:endParaRPr lang="en-US" dirty="0"/>
+          </a:p>
+          <a:p>
+            <a:endParaRPr lang="en-US" dirty="0"/>
+          </a:p>
+          <a:p>
+            <a:endParaRPr lang="en-CA" dirty="0"/>
+          </a:p>
+        </p:txBody>
+      </p:sp>
+      <p:pic>
+        <p:nvPicPr>
+          <p:cNvPr id="8" name="Content Placeholder 11">
+            <a:extLst>
+              <a:ext uri="{FF2B5EF4-FFF2-40B4-BE49-F238E27FC236}">
+                <a16:creationId xmlns:a16="http://schemas.microsoft.com/office/drawing/2014/main" id="{2756CFCF-7465-4A7D-BE83-5EF903A6E3FC}"/>
+              </a:ext>
+            </a:extLst>
+          </p:cNvPr>
+          <p:cNvPicPr>
+            <a:picLocks noChangeAspect="1"/>
+          </p:cNvPicPr>
+          <p:nvPr/>
+        </p:nvPicPr>
+        <p:blipFill>
+          <a:blip r:embed="rId2"/>
+          <a:stretch>
+            <a:fillRect/>
+          </a:stretch>
+        </p:blipFill>
+        <p:spPr>
+          <a:xfrm>
+            <a:off x="92074" y="1930925"/>
+            <a:ext cx="4875213" cy="2745092"/>
+          </a:xfrm>
+          <a:prstGeom prst="rect">
+            <a:avLst/>
+          </a:prstGeom>
+        </p:spPr>
+      </p:pic>
+    </p:spTree>
+    <p:extLst>
+      <p:ext uri="{BB962C8B-B14F-4D97-AF65-F5344CB8AC3E}">
+        <p14:creationId xmlns:p14="http://schemas.microsoft.com/office/powerpoint/2010/main" val="673377694"/>
+      </p:ext>
+    </p:extLst>
+  </p:cSld>
+  <p:clrMapOvr>
+    <a:masterClrMapping/>
+  </p:clrMapOvr>
+</p:sld>
+</file>
+
+<file path=ppt/slides/slide18.xml><?xml version="1.0" encoding="utf-8"?>
+<p:sld xmlns:a="http://schemas.openxmlformats.org/drawingml/2006/main" xmlns:r="http://schemas.openxmlformats.org/officeDocument/2006/relationships" xmlns:p="http://schemas.openxmlformats.org/presentationml/2006/main">
+  <p:cSld>
+    <p:spTree>
+      <p:nvGrpSpPr>
+        <p:cNvPr id="1" name=""/>
+        <p:cNvGrpSpPr/>
+        <p:nvPr/>
+      </p:nvGrpSpPr>
+      <p:grpSpPr>
+        <a:xfrm>
+          <a:off x="0" y="0"/>
+          <a:ext cx="0" cy="0"/>
+          <a:chOff x="0" y="0"/>
+          <a:chExt cx="0" cy="0"/>
+        </a:xfrm>
+      </p:grpSpPr>
+      <p:sp>
+        <p:nvSpPr>
+          <p:cNvPr id="2" name="Title 1">
+            <a:extLst>
+              <a:ext uri="{FF2B5EF4-FFF2-40B4-BE49-F238E27FC236}">
+                <a16:creationId xmlns:a16="http://schemas.microsoft.com/office/drawing/2014/main" id="{CB4C1720-672B-4E60-99AE-89A351BDB230}"/>
+              </a:ext>
+            </a:extLst>
+          </p:cNvPr>
+          <p:cNvSpPr>
+            <a:spLocks noGrp="1"/>
+          </p:cNvSpPr>
+          <p:nvPr>
+            <p:ph type="title"/>
+          </p:nvPr>
+        </p:nvSpPr>
+        <p:spPr/>
+        <p:txBody>
+          <a:bodyPr>
+            <a:normAutofit/>
+          </a:bodyPr>
+          <a:lstStyle/>
+          <a:p>
+            <a:r>
+              <a:rPr lang="en-US" dirty="0"/>
+              <a:t>Extra features</a:t>
+            </a:r>
+            <a:endParaRPr lang="en-CA" dirty="0"/>
+          </a:p>
+        </p:txBody>
+      </p:sp>
+      <p:sp>
+        <p:nvSpPr>
+          <p:cNvPr id="3" name="Content Placeholder 2">
+            <a:extLst>
+              <a:ext uri="{FF2B5EF4-FFF2-40B4-BE49-F238E27FC236}">
+                <a16:creationId xmlns:a16="http://schemas.microsoft.com/office/drawing/2014/main" id="{AB5E4236-DF77-431D-AC41-39E7D860263C}"/>
+              </a:ext>
+            </a:extLst>
+          </p:cNvPr>
+          <p:cNvSpPr>
+            <a:spLocks noGrp="1"/>
+          </p:cNvSpPr>
+          <p:nvPr>
+            <p:ph idx="1"/>
+          </p:nvPr>
+        </p:nvSpPr>
+        <p:spPr/>
+        <p:txBody>
+          <a:bodyPr/>
+          <a:lstStyle/>
+          <a:p>
+            <a:r>
+              <a:rPr lang="en-US" dirty="0"/>
+              <a:t>Spelling correction</a:t>
+            </a:r>
+          </a:p>
+          <a:p>
+            <a:pPr lvl="1"/>
+            <a:r>
+              <a:rPr lang="en-US" sz="2000" dirty="0"/>
+              <a:t>Uses English dictionary and construction dataset to identify misspelled words and find a replacement</a:t>
+            </a:r>
+          </a:p>
+          <a:p>
+            <a:r>
+              <a:rPr lang="en-CA" dirty="0"/>
+              <a:t>Direct search of text string to see matches</a:t>
+            </a:r>
+          </a:p>
+          <a:p>
+            <a:pPr lvl="1"/>
+            <a:r>
+              <a:rPr lang="en-CA" sz="2000" dirty="0"/>
+              <a:t>Returns min/max completion rate values to be able to compare with machine learning model prediction.</a:t>
+            </a:r>
+          </a:p>
+        </p:txBody>
+      </p:sp>
+    </p:spTree>
+    <p:extLst>
+      <p:ext uri="{BB962C8B-B14F-4D97-AF65-F5344CB8AC3E}">
+        <p14:creationId xmlns:p14="http://schemas.microsoft.com/office/powerpoint/2010/main" val="1359182863"/>
       </p:ext>
     </p:extLst>
   </p:cSld>

--- a/DanyloThoughts.pptx
+++ b/DanyloThoughts.pptx
@@ -21,9 +21,11 @@
     <p:sldId id="271" r:id="rId15"/>
     <p:sldId id="258" r:id="rId16"/>
     <p:sldId id="259" r:id="rId17"/>
-    <p:sldId id="272" r:id="rId18"/>
-    <p:sldId id="273" r:id="rId19"/>
-    <p:sldId id="274" r:id="rId20"/>
+    <p:sldId id="276" r:id="rId18"/>
+    <p:sldId id="272" r:id="rId19"/>
+    <p:sldId id="273" r:id="rId20"/>
+    <p:sldId id="275" r:id="rId21"/>
+    <p:sldId id="274" r:id="rId22"/>
   </p:sldIdLst>
   <p:sldSz cx="12192000" cy="6858000"/>
   <p:notesSz cx="6858000" cy="9144000"/>
@@ -150,8 +152,10 @@
         </p14:section>
         <p14:section name="Demo" id="{A482E7EB-C853-4954-9AF3-E38488412085}">
           <p14:sldIdLst>
+            <p14:sldId id="276"/>
             <p14:sldId id="272"/>
             <p14:sldId id="273"/>
+            <p14:sldId id="275"/>
             <p14:sldId id="274"/>
           </p14:sldIdLst>
         </p14:section>
@@ -18134,6 +18138,74 @@
       </p:grpSpPr>
       <p:sp>
         <p:nvSpPr>
+          <p:cNvPr id="7" name="Title 6">
+            <a:extLst>
+              <a:ext uri="{FF2B5EF4-FFF2-40B4-BE49-F238E27FC236}">
+                <a16:creationId xmlns:a16="http://schemas.microsoft.com/office/drawing/2014/main" id="{F2211F1D-F1F7-4C6B-91DE-91D118BC4FBB}"/>
+              </a:ext>
+            </a:extLst>
+          </p:cNvPr>
+          <p:cNvSpPr>
+            <a:spLocks noGrp="1"/>
+          </p:cNvSpPr>
+          <p:nvPr>
+            <p:ph type="ctrTitle"/>
+          </p:nvPr>
+        </p:nvSpPr>
+        <p:spPr/>
+        <p:txBody>
+          <a:bodyPr>
+            <a:normAutofit/>
+          </a:bodyPr>
+          <a:lstStyle/>
+          <a:p>
+            <a:r>
+              <a:rPr lang="en-US" dirty="0"/>
+              <a:t>Construction Management</a:t>
+            </a:r>
+            <a:br>
+              <a:rPr lang="en-US" dirty="0"/>
+            </a:br>
+            <a:r>
+              <a:rPr lang="en-US" dirty="0"/>
+              <a:t>Back-End Code</a:t>
+            </a:r>
+            <a:endParaRPr lang="en-CA" dirty="0"/>
+          </a:p>
+        </p:txBody>
+      </p:sp>
+    </p:spTree>
+    <p:extLst>
+      <p:ext uri="{BB962C8B-B14F-4D97-AF65-F5344CB8AC3E}">
+        <p14:creationId xmlns:p14="http://schemas.microsoft.com/office/powerpoint/2010/main" val="1360045559"/>
+      </p:ext>
+    </p:extLst>
+  </p:cSld>
+  <p:clrMapOvr>
+    <a:masterClrMapping/>
+  </p:clrMapOvr>
+</p:sld>
+</file>
+
+<file path=ppt/slides/slide17.xml><?xml version="1.0" encoding="utf-8"?>
+<p:sld xmlns:a="http://schemas.openxmlformats.org/drawingml/2006/main" xmlns:r="http://schemas.openxmlformats.org/officeDocument/2006/relationships" xmlns:p="http://schemas.openxmlformats.org/presentationml/2006/main">
+  <p:cSld>
+    <p:spTree>
+      <p:nvGrpSpPr>
+        <p:cNvPr id="1" name=""/>
+        <p:cNvGrpSpPr/>
+        <p:nvPr/>
+      </p:nvGrpSpPr>
+      <p:grpSpPr>
+        <a:xfrm>
+          <a:off x="0" y="0"/>
+          <a:ext cx="0" cy="0"/>
+          <a:chOff x="0" y="0"/>
+          <a:chExt cx="0" cy="0"/>
+        </a:xfrm>
+      </p:grpSpPr>
+      <p:sp>
+        <p:nvSpPr>
           <p:cNvPr id="2" name="Title 1">
             <a:extLst>
               <a:ext uri="{FF2B5EF4-FFF2-40B4-BE49-F238E27FC236}">
@@ -18155,7 +18227,7 @@
           <a:p>
             <a:r>
               <a:rPr lang="en-US" dirty="0"/>
-              <a:t>Construction Management – Back-End Code</a:t>
+              <a:t>Input Data and Tasks</a:t>
             </a:r>
             <a:endParaRPr lang="en-CA" dirty="0"/>
           </a:p>
@@ -18306,7 +18378,7 @@
 </p:sld>
 </file>
 
-<file path=ppt/slides/slide17.xml><?xml version="1.0" encoding="utf-8"?>
+<file path=ppt/slides/slide18.xml><?xml version="1.0" encoding="utf-8"?>
 <p:sld xmlns:a="http://schemas.openxmlformats.org/drawingml/2006/main" xmlns:r="http://schemas.openxmlformats.org/officeDocument/2006/relationships" xmlns:p="http://schemas.openxmlformats.org/presentationml/2006/main">
   <p:cSld>
     <p:spTree>
@@ -18392,19 +18464,25 @@
           <a:p>
             <a:r>
               <a:rPr lang="en-US" dirty="0"/>
+              <a:t>Split data</a:t>
+            </a:r>
+          </a:p>
+          <a:p>
+            <a:r>
+              <a:rPr lang="en-US" dirty="0"/>
               <a:t>Text Vectorization – convert each word to unique columns in dataset</a:t>
-            </a:r>
-          </a:p>
-          <a:p>
-            <a:r>
-              <a:rPr lang="en-US" dirty="0"/>
-              <a:t>Split data</a:t>
             </a:r>
           </a:p>
           <a:p>
             <a:r>
               <a:rPr lang="en-US" dirty="0"/>
               <a:t>Build machine learning model for predicting completion rate and unit type</a:t>
+            </a:r>
+          </a:p>
+          <a:p>
+            <a:r>
+              <a:rPr lang="en-US" dirty="0"/>
+              <a:t>Analyze results</a:t>
             </a:r>
           </a:p>
           <a:p>
@@ -18464,8 +18542,8 @@
 </p:sld>
 </file>
 
-<file path=ppt/slides/slide18.xml><?xml version="1.0" encoding="utf-8"?>
-<p:sld xmlns:a="http://schemas.openxmlformats.org/drawingml/2006/main" xmlns:r="http://schemas.openxmlformats.org/officeDocument/2006/relationships" xmlns:p="http://schemas.openxmlformats.org/presentationml/2006/main">
+<file path=ppt/slides/slide19.xml><?xml version="1.0" encoding="utf-8"?>
+<p:sld xmlns:a="http://schemas.openxmlformats.org/drawingml/2006/main" xmlns:r="http://schemas.openxmlformats.org/officeDocument/2006/relationships" xmlns:p="http://schemas.openxmlformats.org/presentationml/2006/main" show="0">
   <p:cSld>
     <p:spTree>
       <p:nvGrpSpPr>
@@ -18483,10 +18561,10 @@
       </p:grpSpPr>
       <p:sp>
         <p:nvSpPr>
-          <p:cNvPr id="2" name="Title 1">
+          <p:cNvPr id="7" name="Title 6">
             <a:extLst>
               <a:ext uri="{FF2B5EF4-FFF2-40B4-BE49-F238E27FC236}">
-                <a16:creationId xmlns:a16="http://schemas.microsoft.com/office/drawing/2014/main" id="{CB4C1720-672B-4E60-99AE-89A351BDB230}"/>
+                <a16:creationId xmlns:a16="http://schemas.microsoft.com/office/drawing/2014/main" id="{A1095C6F-2983-4B20-8A4A-68C1717FB92B}"/>
               </a:ext>
             </a:extLst>
           </p:cNvPr>
@@ -18499,14 +18577,12 @@
         </p:nvSpPr>
         <p:spPr/>
         <p:txBody>
-          <a:bodyPr>
-            <a:normAutofit/>
-          </a:bodyPr>
+          <a:bodyPr/>
           <a:lstStyle/>
           <a:p>
             <a:r>
               <a:rPr lang="en-US" dirty="0"/>
-              <a:t>Extra features</a:t>
+              <a:t>Model Performance</a:t>
             </a:r>
             <a:endParaRPr lang="en-CA" dirty="0"/>
           </a:p>
@@ -18514,10 +18590,10 @@
       </p:sp>
       <p:sp>
         <p:nvSpPr>
-          <p:cNvPr id="3" name="Content Placeholder 2">
+          <p:cNvPr id="8" name="Text Placeholder 7">
             <a:extLst>
               <a:ext uri="{FF2B5EF4-FFF2-40B4-BE49-F238E27FC236}">
-                <a16:creationId xmlns:a16="http://schemas.microsoft.com/office/drawing/2014/main" id="{AB5E4236-DF77-431D-AC41-39E7D860263C}"/>
+                <a16:creationId xmlns:a16="http://schemas.microsoft.com/office/drawing/2014/main" id="{96FD7E13-E266-4384-9EFD-E85A0BA0454C}"/>
               </a:ext>
             </a:extLst>
           </p:cNvPr>
@@ -18525,7 +18601,7 @@
             <a:spLocks noGrp="1"/>
           </p:cNvSpPr>
           <p:nvPr>
-            <p:ph idx="1"/>
+            <p:ph type="body" idx="1"/>
           </p:nvPr>
         </p:nvSpPr>
         <p:spPr/>
@@ -18535,35 +18611,526 @@
           <a:p>
             <a:r>
               <a:rPr lang="en-US" dirty="0"/>
-              <a:t>Spelling correction</a:t>
-            </a:r>
-          </a:p>
-          <a:p>
-            <a:pPr lvl="1"/>
-            <a:r>
-              <a:rPr lang="en-US" sz="2000" dirty="0"/>
-              <a:t>Uses English dictionary and construction dataset to identify misspelled words and find a replacement</a:t>
-            </a:r>
-          </a:p>
-          <a:p>
-            <a:r>
-              <a:rPr lang="en-CA" dirty="0"/>
-              <a:t>Direct search of text string to see matches</a:t>
-            </a:r>
-          </a:p>
-          <a:p>
-            <a:pPr lvl="1"/>
-            <a:r>
-              <a:rPr lang="en-CA" sz="2000" dirty="0"/>
-              <a:t>Returns min/max completion rate values to be able to compare with machine learning model prediction.</a:t>
-            </a:r>
+              <a:t>Completion Rate</a:t>
+            </a:r>
+            <a:endParaRPr lang="en-CA" dirty="0"/>
+          </a:p>
+        </p:txBody>
+      </p:sp>
+      <p:sp>
+        <p:nvSpPr>
+          <p:cNvPr id="9" name="Content Placeholder 8">
+            <a:extLst>
+              <a:ext uri="{FF2B5EF4-FFF2-40B4-BE49-F238E27FC236}">
+                <a16:creationId xmlns:a16="http://schemas.microsoft.com/office/drawing/2014/main" id="{3DD76C76-EAAB-4B1D-9B9B-CDB7AC7DD350}"/>
+              </a:ext>
+            </a:extLst>
+          </p:cNvPr>
+          <p:cNvSpPr>
+            <a:spLocks noGrp="1"/>
+          </p:cNvSpPr>
+          <p:nvPr>
+            <p:ph sz="half" idx="2"/>
+          </p:nvPr>
+        </p:nvSpPr>
+        <p:spPr/>
+        <p:txBody>
+          <a:bodyPr/>
+          <a:lstStyle/>
+          <a:p>
+            <a:r>
+              <a:rPr lang="en-US" dirty="0"/>
+              <a:t>Range of data: from 0.002 to 826 days per unit</a:t>
+            </a:r>
+          </a:p>
+          <a:p>
+            <a:endParaRPr lang="en-US" dirty="0"/>
+          </a:p>
+          <a:p>
+            <a:r>
+              <a:rPr lang="en-US" dirty="0"/>
+              <a:t>Median Absolute Error: 47.1 days per unit</a:t>
+            </a:r>
+          </a:p>
+          <a:p>
+            <a:r>
+              <a:rPr lang="en-US" dirty="0"/>
+              <a:t>Mean Absolute Error: 126 days per unit</a:t>
+            </a:r>
+          </a:p>
+          <a:p>
+            <a:r>
+              <a:rPr lang="en-US" dirty="0"/>
+              <a:t>Mean Absolute Percentage Error: 537%</a:t>
+            </a:r>
+            <a:endParaRPr lang="en-CA" dirty="0"/>
+          </a:p>
+        </p:txBody>
+      </p:sp>
+      <p:sp>
+        <p:nvSpPr>
+          <p:cNvPr id="10" name="Text Placeholder 9">
+            <a:extLst>
+              <a:ext uri="{FF2B5EF4-FFF2-40B4-BE49-F238E27FC236}">
+                <a16:creationId xmlns:a16="http://schemas.microsoft.com/office/drawing/2014/main" id="{DA6D917A-CB68-483F-955B-EF35758ED390}"/>
+              </a:ext>
+            </a:extLst>
+          </p:cNvPr>
+          <p:cNvSpPr>
+            <a:spLocks noGrp="1"/>
+          </p:cNvSpPr>
+          <p:nvPr>
+            <p:ph type="body" sz="quarter" idx="3"/>
+          </p:nvPr>
+        </p:nvSpPr>
+        <p:spPr/>
+        <p:txBody>
+          <a:bodyPr/>
+          <a:lstStyle/>
+          <a:p>
+            <a:r>
+              <a:rPr lang="en-US" dirty="0"/>
+              <a:t>Unit Type</a:t>
+            </a:r>
+            <a:endParaRPr lang="en-CA" dirty="0"/>
+          </a:p>
+        </p:txBody>
+      </p:sp>
+      <p:pic>
+        <p:nvPicPr>
+          <p:cNvPr id="17" name="Content Placeholder 12">
+            <a:extLst>
+              <a:ext uri="{FF2B5EF4-FFF2-40B4-BE49-F238E27FC236}">
+                <a16:creationId xmlns:a16="http://schemas.microsoft.com/office/drawing/2014/main" id="{48CE5269-D801-4D5B-801C-AB90269A2BEE}"/>
+              </a:ext>
+            </a:extLst>
+          </p:cNvPr>
+          <p:cNvPicPr>
+            <a:picLocks noGrp="1" noChangeAspect="1"/>
+          </p:cNvPicPr>
+          <p:nvPr>
+            <p:ph sz="quarter" idx="4"/>
+          </p:nvPr>
+        </p:nvPicPr>
+        <p:blipFill rotWithShape="1">
+          <a:blip r:embed="rId2">
+            <a:extLst>
+              <a:ext uri="{28A0092B-C50C-407E-A947-70E740481C1C}">
+                <a14:useLocalDpi xmlns:a14="http://schemas.microsoft.com/office/drawing/2010/main" val="0"/>
+              </a:ext>
+            </a:extLst>
+          </a:blip>
+          <a:srcRect t="14085" b="14544"/>
+          <a:stretch/>
+        </p:blipFill>
+        <p:spPr>
+          <a:xfrm>
+            <a:off x="6352361" y="2379663"/>
+            <a:ext cx="4780004" cy="3411537"/>
+          </a:xfrm>
+          <a:prstGeom prst="rect">
+            <a:avLst/>
+          </a:prstGeom>
+          <a:effectLst>
+            <a:outerShdw blurRad="25400" dir="17880000">
+              <a:srgbClr val="000000">
+                <a:alpha val="46000"/>
+              </a:srgbClr>
+            </a:outerShdw>
+          </a:effectLst>
+        </p:spPr>
+      </p:pic>
+      <p:sp>
+        <p:nvSpPr>
+          <p:cNvPr id="18" name="Content Placeholder 8">
+            <a:extLst>
+              <a:ext uri="{FF2B5EF4-FFF2-40B4-BE49-F238E27FC236}">
+                <a16:creationId xmlns:a16="http://schemas.microsoft.com/office/drawing/2014/main" id="{DE0B29B3-D38F-4B5A-89CB-8048EBA6BF72}"/>
+              </a:ext>
+            </a:extLst>
+          </p:cNvPr>
+          <p:cNvSpPr txBox="1">
+            <a:spLocks/>
+          </p:cNvSpPr>
+          <p:nvPr/>
+        </p:nvSpPr>
+        <p:spPr>
+          <a:xfrm>
+            <a:off x="6256021" y="5903059"/>
+            <a:ext cx="4876344" cy="544884"/>
+          </a:xfrm>
+          <a:prstGeom prst="rect">
+            <a:avLst/>
+          </a:prstGeom>
+          <a:effectLst>
+            <a:outerShdw blurRad="25400" dir="17880000">
+              <a:srgbClr val="000000">
+                <a:alpha val="46000"/>
+              </a:srgbClr>
+            </a:outerShdw>
+          </a:effectLst>
+        </p:spPr>
+        <p:txBody>
+          <a:bodyPr vert="horz" lIns="91440" tIns="45720" rIns="91440" bIns="45720" rtlCol="0" anchor="t">
+            <a:normAutofit/>
+          </a:bodyPr>
+          <a:lstStyle>
+            <a:lvl1pPr marL="342900" indent="-306000" algn="l" defTabSz="457200" rtl="0" eaLnBrk="1" latinLnBrk="0" hangingPunct="1">
+              <a:spcBef>
+                <a:spcPct val="20000"/>
+              </a:spcBef>
+              <a:spcAft>
+                <a:spcPts val="600"/>
+              </a:spcAft>
+              <a:buClr>
+                <a:schemeClr val="tx2"/>
+              </a:buClr>
+              <a:buSzPct val="70000"/>
+              <a:buFont typeface="Wingdings 2" charset="2"/>
+              <a:buChar char=""/>
+              <a:defRPr sz="1800" kern="1200">
+                <a:ln>
+                  <a:solidFill>
+                    <a:schemeClr val="bg1">
+                      <a:lumMod val="75000"/>
+                      <a:lumOff val="25000"/>
+                      <a:alpha val="10000"/>
+                    </a:schemeClr>
+                  </a:solidFill>
+                </a:ln>
+                <a:solidFill>
+                  <a:schemeClr val="tx2"/>
+                </a:solidFill>
+                <a:effectLst>
+                  <a:outerShdw blurRad="9525" dist="25400" dir="14640000" algn="tl" rotWithShape="0">
+                    <a:schemeClr val="bg1">
+                      <a:alpha val="30000"/>
+                    </a:schemeClr>
+                  </a:outerShdw>
+                </a:effectLst>
+                <a:latin typeface="+mn-lt"/>
+                <a:ea typeface="+mn-ea"/>
+                <a:cs typeface="+mn-cs"/>
+              </a:defRPr>
+            </a:lvl1pPr>
+            <a:lvl2pPr marL="720000" indent="-270000" algn="l" defTabSz="457200" rtl="0" eaLnBrk="1" latinLnBrk="0" hangingPunct="1">
+              <a:spcBef>
+                <a:spcPct val="20000"/>
+              </a:spcBef>
+              <a:spcAft>
+                <a:spcPts val="600"/>
+              </a:spcAft>
+              <a:buClr>
+                <a:schemeClr val="tx2"/>
+              </a:buClr>
+              <a:buSzPct val="70000"/>
+              <a:buFont typeface="Wingdings 2" charset="2"/>
+              <a:buChar char=""/>
+              <a:defRPr sz="1600" kern="1200">
+                <a:ln>
+                  <a:solidFill>
+                    <a:schemeClr val="bg1">
+                      <a:lumMod val="75000"/>
+                      <a:lumOff val="25000"/>
+                      <a:alpha val="10000"/>
+                    </a:schemeClr>
+                  </a:solidFill>
+                </a:ln>
+                <a:solidFill>
+                  <a:schemeClr val="tx2"/>
+                </a:solidFill>
+                <a:effectLst>
+                  <a:outerShdw blurRad="9525" dist="25400" dir="14640000" algn="tl" rotWithShape="0">
+                    <a:schemeClr val="bg1">
+                      <a:alpha val="30000"/>
+                    </a:schemeClr>
+                  </a:outerShdw>
+                </a:effectLst>
+                <a:latin typeface="+mn-lt"/>
+                <a:ea typeface="+mn-ea"/>
+                <a:cs typeface="+mn-cs"/>
+              </a:defRPr>
+            </a:lvl2pPr>
+            <a:lvl3pPr marL="1026000" indent="-216000" algn="l" defTabSz="457200" rtl="0" eaLnBrk="1" latinLnBrk="0" hangingPunct="1">
+              <a:spcBef>
+                <a:spcPct val="20000"/>
+              </a:spcBef>
+              <a:spcAft>
+                <a:spcPts val="600"/>
+              </a:spcAft>
+              <a:buClr>
+                <a:schemeClr val="tx2"/>
+              </a:buClr>
+              <a:buSzPct val="70000"/>
+              <a:buFont typeface="Wingdings 2" charset="2"/>
+              <a:buChar char=""/>
+              <a:defRPr sz="1400" kern="1200">
+                <a:ln>
+                  <a:solidFill>
+                    <a:schemeClr val="bg1">
+                      <a:lumMod val="75000"/>
+                      <a:lumOff val="25000"/>
+                      <a:alpha val="10000"/>
+                    </a:schemeClr>
+                  </a:solidFill>
+                </a:ln>
+                <a:solidFill>
+                  <a:schemeClr val="tx2"/>
+                </a:solidFill>
+                <a:effectLst>
+                  <a:outerShdw blurRad="9525" dist="25400" dir="14640000" algn="tl" rotWithShape="0">
+                    <a:schemeClr val="bg1">
+                      <a:alpha val="30000"/>
+                    </a:schemeClr>
+                  </a:outerShdw>
+                </a:effectLst>
+                <a:latin typeface="+mn-lt"/>
+                <a:ea typeface="+mn-ea"/>
+                <a:cs typeface="+mn-cs"/>
+              </a:defRPr>
+            </a:lvl3pPr>
+            <a:lvl4pPr marL="1386000" indent="-216000" algn="l" defTabSz="457200" rtl="0" eaLnBrk="1" latinLnBrk="0" hangingPunct="1">
+              <a:spcBef>
+                <a:spcPct val="20000"/>
+              </a:spcBef>
+              <a:spcAft>
+                <a:spcPts val="600"/>
+              </a:spcAft>
+              <a:buClr>
+                <a:schemeClr val="tx2"/>
+              </a:buClr>
+              <a:buSzPct val="70000"/>
+              <a:buFont typeface="Wingdings 2" charset="2"/>
+              <a:buChar char=""/>
+              <a:defRPr sz="1200" kern="1200">
+                <a:ln>
+                  <a:solidFill>
+                    <a:schemeClr val="bg1">
+                      <a:lumMod val="75000"/>
+                      <a:lumOff val="25000"/>
+                      <a:alpha val="10000"/>
+                    </a:schemeClr>
+                  </a:solidFill>
+                </a:ln>
+                <a:solidFill>
+                  <a:schemeClr val="tx2"/>
+                </a:solidFill>
+                <a:effectLst>
+                  <a:outerShdw blurRad="9525" dist="25400" dir="14640000" algn="tl" rotWithShape="0">
+                    <a:schemeClr val="bg1">
+                      <a:alpha val="30000"/>
+                    </a:schemeClr>
+                  </a:outerShdw>
+                </a:effectLst>
+                <a:latin typeface="+mn-lt"/>
+                <a:ea typeface="+mn-ea"/>
+                <a:cs typeface="+mn-cs"/>
+              </a:defRPr>
+            </a:lvl4pPr>
+            <a:lvl5pPr marL="1674000" indent="-216000" algn="l" defTabSz="457200" rtl="0" eaLnBrk="1" latinLnBrk="0" hangingPunct="1">
+              <a:spcBef>
+                <a:spcPct val="20000"/>
+              </a:spcBef>
+              <a:spcAft>
+                <a:spcPts val="600"/>
+              </a:spcAft>
+              <a:buClr>
+                <a:schemeClr val="tx2"/>
+              </a:buClr>
+              <a:buSzPct val="70000"/>
+              <a:buFont typeface="Wingdings 2" charset="2"/>
+              <a:buChar char=""/>
+              <a:defRPr sz="1200" kern="1200">
+                <a:ln>
+                  <a:solidFill>
+                    <a:schemeClr val="bg1">
+                      <a:lumMod val="75000"/>
+                      <a:lumOff val="25000"/>
+                      <a:alpha val="10000"/>
+                    </a:schemeClr>
+                  </a:solidFill>
+                </a:ln>
+                <a:solidFill>
+                  <a:schemeClr val="tx2"/>
+                </a:solidFill>
+                <a:effectLst>
+                  <a:outerShdw blurRad="9525" dist="25400" dir="14640000" algn="tl" rotWithShape="0">
+                    <a:schemeClr val="bg1">
+                      <a:alpha val="30000"/>
+                    </a:schemeClr>
+                  </a:outerShdw>
+                </a:effectLst>
+                <a:latin typeface="+mn-lt"/>
+                <a:ea typeface="+mn-ea"/>
+                <a:cs typeface="+mn-cs"/>
+              </a:defRPr>
+            </a:lvl5pPr>
+            <a:lvl6pPr marL="2014600" indent="-228600" algn="l" defTabSz="457200" rtl="0" eaLnBrk="1" latinLnBrk="0" hangingPunct="1">
+              <a:spcBef>
+                <a:spcPct val="20000"/>
+              </a:spcBef>
+              <a:spcAft>
+                <a:spcPts val="600"/>
+              </a:spcAft>
+              <a:buClr>
+                <a:schemeClr val="tx2"/>
+              </a:buClr>
+              <a:buSzPct val="70000"/>
+              <a:buFont typeface="Wingdings 2" charset="2"/>
+              <a:buChar char=""/>
+              <a:defRPr sz="1400" kern="1200">
+                <a:ln>
+                  <a:solidFill>
+                    <a:schemeClr val="bg1">
+                      <a:lumMod val="75000"/>
+                      <a:lumOff val="25000"/>
+                      <a:alpha val="10000"/>
+                    </a:schemeClr>
+                  </a:solidFill>
+                </a:ln>
+                <a:solidFill>
+                  <a:schemeClr val="tx2"/>
+                </a:solidFill>
+                <a:effectLst>
+                  <a:outerShdw blurRad="9525" dist="25400" dir="14640000" algn="tl" rotWithShape="0">
+                    <a:schemeClr val="bg1">
+                      <a:alpha val="30000"/>
+                    </a:schemeClr>
+                  </a:outerShdw>
+                </a:effectLst>
+                <a:latin typeface="+mn-lt"/>
+                <a:ea typeface="+mn-ea"/>
+                <a:cs typeface="+mn-cs"/>
+              </a:defRPr>
+            </a:lvl6pPr>
+            <a:lvl7pPr marL="2401800" indent="-228600" algn="l" defTabSz="457200" rtl="0" eaLnBrk="1" latinLnBrk="0" hangingPunct="1">
+              <a:spcBef>
+                <a:spcPct val="20000"/>
+              </a:spcBef>
+              <a:spcAft>
+                <a:spcPts val="600"/>
+              </a:spcAft>
+              <a:buClr>
+                <a:schemeClr val="tx2"/>
+              </a:buClr>
+              <a:buSzPct val="70000"/>
+              <a:buFont typeface="Wingdings 2" charset="2"/>
+              <a:buChar char=""/>
+              <a:defRPr sz="1400" kern="1200">
+                <a:ln>
+                  <a:solidFill>
+                    <a:schemeClr val="bg1">
+                      <a:lumMod val="75000"/>
+                      <a:lumOff val="25000"/>
+                      <a:alpha val="10000"/>
+                    </a:schemeClr>
+                  </a:solidFill>
+                </a:ln>
+                <a:solidFill>
+                  <a:schemeClr val="tx2"/>
+                </a:solidFill>
+                <a:effectLst>
+                  <a:outerShdw blurRad="9525" dist="25400" dir="14640000" algn="tl" rotWithShape="0">
+                    <a:schemeClr val="bg1">
+                      <a:alpha val="30000"/>
+                    </a:schemeClr>
+                  </a:outerShdw>
+                </a:effectLst>
+                <a:latin typeface="+mn-lt"/>
+                <a:ea typeface="+mn-ea"/>
+                <a:cs typeface="+mn-cs"/>
+              </a:defRPr>
+            </a:lvl7pPr>
+            <a:lvl8pPr marL="2789000" indent="-228600" algn="l" defTabSz="457200" rtl="0" eaLnBrk="1" latinLnBrk="0" hangingPunct="1">
+              <a:spcBef>
+                <a:spcPct val="20000"/>
+              </a:spcBef>
+              <a:spcAft>
+                <a:spcPts val="600"/>
+              </a:spcAft>
+              <a:buClr>
+                <a:schemeClr val="tx2"/>
+              </a:buClr>
+              <a:buSzPct val="70000"/>
+              <a:buFont typeface="Wingdings 2" charset="2"/>
+              <a:buChar char=""/>
+              <a:defRPr sz="1400" kern="1200">
+                <a:ln>
+                  <a:solidFill>
+                    <a:schemeClr val="bg1">
+                      <a:lumMod val="75000"/>
+                      <a:lumOff val="25000"/>
+                      <a:alpha val="10000"/>
+                    </a:schemeClr>
+                  </a:solidFill>
+                </a:ln>
+                <a:solidFill>
+                  <a:schemeClr val="tx2"/>
+                </a:solidFill>
+                <a:effectLst>
+                  <a:outerShdw blurRad="9525" dist="25400" dir="14640000" algn="tl" rotWithShape="0">
+                    <a:schemeClr val="bg1">
+                      <a:alpha val="30000"/>
+                    </a:schemeClr>
+                  </a:outerShdw>
+                </a:effectLst>
+                <a:latin typeface="+mn-lt"/>
+                <a:ea typeface="+mn-ea"/>
+                <a:cs typeface="+mn-cs"/>
+              </a:defRPr>
+            </a:lvl8pPr>
+            <a:lvl9pPr marL="3106200" indent="-228600" algn="l" defTabSz="457200" rtl="0" eaLnBrk="1" latinLnBrk="0" hangingPunct="1">
+              <a:spcBef>
+                <a:spcPct val="20000"/>
+              </a:spcBef>
+              <a:spcAft>
+                <a:spcPts val="600"/>
+              </a:spcAft>
+              <a:buClr>
+                <a:schemeClr val="tx2"/>
+              </a:buClr>
+              <a:buSzPct val="70000"/>
+              <a:buFont typeface="Wingdings 2" charset="2"/>
+              <a:buChar char=""/>
+              <a:defRPr sz="1400" kern="1200">
+                <a:ln>
+                  <a:solidFill>
+                    <a:schemeClr val="bg1">
+                      <a:lumMod val="75000"/>
+                      <a:lumOff val="25000"/>
+                      <a:alpha val="10000"/>
+                    </a:schemeClr>
+                  </a:solidFill>
+                </a:ln>
+                <a:solidFill>
+                  <a:schemeClr val="tx2"/>
+                </a:solidFill>
+                <a:effectLst>
+                  <a:outerShdw blurRad="9525" dist="25400" dir="14640000" algn="tl" rotWithShape="0">
+                    <a:schemeClr val="bg1">
+                      <a:alpha val="30000"/>
+                    </a:schemeClr>
+                  </a:outerShdw>
+                </a:effectLst>
+                <a:latin typeface="+mn-lt"/>
+                <a:ea typeface="+mn-ea"/>
+                <a:cs typeface="+mn-cs"/>
+              </a:defRPr>
+            </a:lvl9pPr>
+          </a:lstStyle>
+          <a:p>
+            <a:r>
+              <a:rPr lang="en-US" dirty="0"/>
+              <a:t>Accuracy Score: 99%</a:t>
+            </a:r>
+            <a:endParaRPr lang="en-CA" dirty="0"/>
           </a:p>
         </p:txBody>
       </p:sp>
     </p:spTree>
     <p:extLst>
       <p:ext uri="{BB962C8B-B14F-4D97-AF65-F5344CB8AC3E}">
-        <p14:creationId xmlns:p14="http://schemas.microsoft.com/office/powerpoint/2010/main" val="1359182863"/>
+        <p14:creationId xmlns:p14="http://schemas.microsoft.com/office/powerpoint/2010/main" val="2775206546"/>
       </p:ext>
     </p:extLst>
   </p:cSld>
@@ -18704,6 +19271,115 @@
     <p:extLst>
       <p:ext uri="{BB962C8B-B14F-4D97-AF65-F5344CB8AC3E}">
         <p14:creationId xmlns:p14="http://schemas.microsoft.com/office/powerpoint/2010/main" val="751372260"/>
+      </p:ext>
+    </p:extLst>
+  </p:cSld>
+  <p:clrMapOvr>
+    <a:masterClrMapping/>
+  </p:clrMapOvr>
+</p:sld>
+</file>
+
+<file path=ppt/slides/slide20.xml><?xml version="1.0" encoding="utf-8"?>
+<p:sld xmlns:a="http://schemas.openxmlformats.org/drawingml/2006/main" xmlns:r="http://schemas.openxmlformats.org/officeDocument/2006/relationships" xmlns:p="http://schemas.openxmlformats.org/presentationml/2006/main">
+  <p:cSld>
+    <p:spTree>
+      <p:nvGrpSpPr>
+        <p:cNvPr id="1" name=""/>
+        <p:cNvGrpSpPr/>
+        <p:nvPr/>
+      </p:nvGrpSpPr>
+      <p:grpSpPr>
+        <a:xfrm>
+          <a:off x="0" y="0"/>
+          <a:ext cx="0" cy="0"/>
+          <a:chOff x="0" y="0"/>
+          <a:chExt cx="0" cy="0"/>
+        </a:xfrm>
+      </p:grpSpPr>
+      <p:sp>
+        <p:nvSpPr>
+          <p:cNvPr id="2" name="Title 1">
+            <a:extLst>
+              <a:ext uri="{FF2B5EF4-FFF2-40B4-BE49-F238E27FC236}">
+                <a16:creationId xmlns:a16="http://schemas.microsoft.com/office/drawing/2014/main" id="{CB4C1720-672B-4E60-99AE-89A351BDB230}"/>
+              </a:ext>
+            </a:extLst>
+          </p:cNvPr>
+          <p:cNvSpPr>
+            <a:spLocks noGrp="1"/>
+          </p:cNvSpPr>
+          <p:nvPr>
+            <p:ph type="title"/>
+          </p:nvPr>
+        </p:nvSpPr>
+        <p:spPr/>
+        <p:txBody>
+          <a:bodyPr>
+            <a:normAutofit/>
+          </a:bodyPr>
+          <a:lstStyle/>
+          <a:p>
+            <a:r>
+              <a:rPr lang="en-US" dirty="0"/>
+              <a:t>Extra features</a:t>
+            </a:r>
+            <a:endParaRPr lang="en-CA" dirty="0"/>
+          </a:p>
+        </p:txBody>
+      </p:sp>
+      <p:sp>
+        <p:nvSpPr>
+          <p:cNvPr id="3" name="Content Placeholder 2">
+            <a:extLst>
+              <a:ext uri="{FF2B5EF4-FFF2-40B4-BE49-F238E27FC236}">
+                <a16:creationId xmlns:a16="http://schemas.microsoft.com/office/drawing/2014/main" id="{AB5E4236-DF77-431D-AC41-39E7D860263C}"/>
+              </a:ext>
+            </a:extLst>
+          </p:cNvPr>
+          <p:cNvSpPr>
+            <a:spLocks noGrp="1"/>
+          </p:cNvSpPr>
+          <p:nvPr>
+            <p:ph idx="1"/>
+          </p:nvPr>
+        </p:nvSpPr>
+        <p:spPr/>
+        <p:txBody>
+          <a:bodyPr/>
+          <a:lstStyle/>
+          <a:p>
+            <a:r>
+              <a:rPr lang="en-US" dirty="0"/>
+              <a:t>Spelling correction</a:t>
+            </a:r>
+          </a:p>
+          <a:p>
+            <a:pPr lvl="1"/>
+            <a:r>
+              <a:rPr lang="en-US" sz="2000" dirty="0"/>
+              <a:t>Uses English dictionary and construction dataset to identify misspelled words and find a replacement</a:t>
+            </a:r>
+          </a:p>
+          <a:p>
+            <a:r>
+              <a:rPr lang="en-CA" dirty="0"/>
+              <a:t>Direct search of text string to find matches</a:t>
+            </a:r>
+          </a:p>
+          <a:p>
+            <a:pPr lvl="1"/>
+            <a:r>
+              <a:rPr lang="en-CA" sz="2000" dirty="0"/>
+              <a:t>Returns min/max completion rate values to be able to compare with machine learning model prediction.</a:t>
+            </a:r>
+          </a:p>
+        </p:txBody>
+      </p:sp>
+    </p:spTree>
+    <p:extLst>
+      <p:ext uri="{BB962C8B-B14F-4D97-AF65-F5344CB8AC3E}">
+        <p14:creationId xmlns:p14="http://schemas.microsoft.com/office/powerpoint/2010/main" val="1359182863"/>
       </p:ext>
     </p:extLst>
   </p:cSld>

--- a/DanyloThoughts.pptx
+++ b/DanyloThoughts.pptx
@@ -26,6 +26,7 @@
     <p:sldId id="273" r:id="rId20"/>
     <p:sldId id="275" r:id="rId21"/>
     <p:sldId id="274" r:id="rId22"/>
+    <p:sldId id="277" r:id="rId23"/>
   </p:sldIdLst>
   <p:sldSz cx="12192000" cy="6858000"/>
   <p:notesSz cx="6858000" cy="9144000"/>
@@ -157,6 +158,7 @@
             <p14:sldId id="273"/>
             <p14:sldId id="275"/>
             <p14:sldId id="274"/>
+            <p14:sldId id="277"/>
           </p14:sldIdLst>
         </p14:section>
       </p14:sectionLst>
@@ -5864,7 +5866,7 @@
           <a:p>
             <a:fld id="{990D8905-EC0B-41E3-AC8C-C6823787CC1C}" type="datetimeFigureOut">
               <a:rPr lang="en-CA" smtClean="0"/>
-              <a:t>2021-12-08</a:t>
+              <a:t>2021-12-09</a:t>
             </a:fld>
             <a:endParaRPr lang="en-CA"/>
           </a:p>
@@ -6162,7 +6164,7 @@
           <a:p>
             <a:fld id="{990D8905-EC0B-41E3-AC8C-C6823787CC1C}" type="datetimeFigureOut">
               <a:rPr lang="en-CA" smtClean="0"/>
-              <a:t>2021-12-08</a:t>
+              <a:t>2021-12-09</a:t>
             </a:fld>
             <a:endParaRPr lang="en-CA"/>
           </a:p>
@@ -6354,7 +6356,7 @@
           <a:p>
             <a:fld id="{990D8905-EC0B-41E3-AC8C-C6823787CC1C}" type="datetimeFigureOut">
               <a:rPr lang="en-CA" smtClean="0"/>
-              <a:t>2021-12-08</a:t>
+              <a:t>2021-12-09</a:t>
             </a:fld>
             <a:endParaRPr lang="en-CA"/>
           </a:p>
@@ -6615,7 +6617,7 @@
           <a:p>
             <a:fld id="{990D8905-EC0B-41E3-AC8C-C6823787CC1C}" type="datetimeFigureOut">
               <a:rPr lang="en-CA" smtClean="0"/>
-              <a:t>2021-12-08</a:t>
+              <a:t>2021-12-09</a:t>
             </a:fld>
             <a:endParaRPr lang="en-CA"/>
           </a:p>
@@ -7039,7 +7041,7 @@
           <a:p>
             <a:fld id="{990D8905-EC0B-41E3-AC8C-C6823787CC1C}" type="datetimeFigureOut">
               <a:rPr lang="en-CA" smtClean="0"/>
-              <a:t>2021-12-08</a:t>
+              <a:t>2021-12-09</a:t>
             </a:fld>
             <a:endParaRPr lang="en-CA"/>
           </a:p>
@@ -7576,7 +7578,7 @@
           <a:p>
             <a:fld id="{990D8905-EC0B-41E3-AC8C-C6823787CC1C}" type="datetimeFigureOut">
               <a:rPr lang="en-CA" smtClean="0"/>
-              <a:t>2021-12-08</a:t>
+              <a:t>2021-12-09</a:t>
             </a:fld>
             <a:endParaRPr lang="en-CA"/>
           </a:p>
@@ -8440,7 +8442,7 @@
           <a:p>
             <a:fld id="{990D8905-EC0B-41E3-AC8C-C6823787CC1C}" type="datetimeFigureOut">
               <a:rPr lang="en-CA" smtClean="0"/>
-              <a:t>2021-12-08</a:t>
+              <a:t>2021-12-09</a:t>
             </a:fld>
             <a:endParaRPr lang="en-CA"/>
           </a:p>
@@ -8610,7 +8612,7 @@
           <a:p>
             <a:fld id="{990D8905-EC0B-41E3-AC8C-C6823787CC1C}" type="datetimeFigureOut">
               <a:rPr lang="en-CA" smtClean="0"/>
-              <a:t>2021-12-08</a:t>
+              <a:t>2021-12-09</a:t>
             </a:fld>
             <a:endParaRPr lang="en-CA"/>
           </a:p>
@@ -8794,7 +8796,7 @@
           <a:p>
             <a:fld id="{990D8905-EC0B-41E3-AC8C-C6823787CC1C}" type="datetimeFigureOut">
               <a:rPr lang="en-CA" smtClean="0"/>
-              <a:t>2021-12-08</a:t>
+              <a:t>2021-12-09</a:t>
             </a:fld>
             <a:endParaRPr lang="en-CA"/>
           </a:p>
@@ -9004,7 +9006,7 @@
           <a:p>
             <a:fld id="{23ECED23-8745-4DCB-895C-E52D60B1B0C5}" type="datetimeFigureOut">
               <a:rPr lang="en-CA" smtClean="0"/>
-              <a:t>2021-12-08</a:t>
+              <a:t>2021-12-09</a:t>
             </a:fld>
             <a:endParaRPr lang="en-CA"/>
           </a:p>
@@ -9204,7 +9206,7 @@
           <a:p>
             <a:fld id="{23ECED23-8745-4DCB-895C-E52D60B1B0C5}" type="datetimeFigureOut">
               <a:rPr lang="en-CA" smtClean="0"/>
-              <a:t>2021-12-08</a:t>
+              <a:t>2021-12-09</a:t>
             </a:fld>
             <a:endParaRPr lang="en-CA"/>
           </a:p>
@@ -9386,7 +9388,7 @@
           <a:p>
             <a:fld id="{990D8905-EC0B-41E3-AC8C-C6823787CC1C}" type="datetimeFigureOut">
               <a:rPr lang="en-CA" smtClean="0"/>
-              <a:t>2021-12-08</a:t>
+              <a:t>2021-12-09</a:t>
             </a:fld>
             <a:endParaRPr lang="en-CA"/>
           </a:p>
@@ -9650,7 +9652,7 @@
           <a:p>
             <a:fld id="{23ECED23-8745-4DCB-895C-E52D60B1B0C5}" type="datetimeFigureOut">
               <a:rPr lang="en-CA" smtClean="0"/>
-              <a:t>2021-12-08</a:t>
+              <a:t>2021-12-09</a:t>
             </a:fld>
             <a:endParaRPr lang="en-CA"/>
           </a:p>
@@ -9918,7 +9920,7 @@
           <a:p>
             <a:fld id="{23ECED23-8745-4DCB-895C-E52D60B1B0C5}" type="datetimeFigureOut">
               <a:rPr lang="en-CA" smtClean="0"/>
-              <a:t>2021-12-08</a:t>
+              <a:t>2021-12-09</a:t>
             </a:fld>
             <a:endParaRPr lang="en-CA"/>
           </a:p>
@@ -10333,7 +10335,7 @@
           <a:p>
             <a:fld id="{23ECED23-8745-4DCB-895C-E52D60B1B0C5}" type="datetimeFigureOut">
               <a:rPr lang="en-CA" smtClean="0"/>
-              <a:t>2021-12-08</a:t>
+              <a:t>2021-12-09</a:t>
             </a:fld>
             <a:endParaRPr lang="en-CA"/>
           </a:p>
@@ -10475,7 +10477,7 @@
           <a:p>
             <a:fld id="{23ECED23-8745-4DCB-895C-E52D60B1B0C5}" type="datetimeFigureOut">
               <a:rPr lang="en-CA" smtClean="0"/>
-              <a:t>2021-12-08</a:t>
+              <a:t>2021-12-09</a:t>
             </a:fld>
             <a:endParaRPr lang="en-CA"/>
           </a:p>
@@ -10588,7 +10590,7 @@
           <a:p>
             <a:fld id="{23ECED23-8745-4DCB-895C-E52D60B1B0C5}" type="datetimeFigureOut">
               <a:rPr lang="en-CA" smtClean="0"/>
-              <a:t>2021-12-08</a:t>
+              <a:t>2021-12-09</a:t>
             </a:fld>
             <a:endParaRPr lang="en-CA"/>
           </a:p>
@@ -10901,7 +10903,7 @@
           <a:p>
             <a:fld id="{23ECED23-8745-4DCB-895C-E52D60B1B0C5}" type="datetimeFigureOut">
               <a:rPr lang="en-CA" smtClean="0"/>
-              <a:t>2021-12-08</a:t>
+              <a:t>2021-12-09</a:t>
             </a:fld>
             <a:endParaRPr lang="en-CA"/>
           </a:p>
@@ -11190,7 +11192,7 @@
           <a:p>
             <a:fld id="{23ECED23-8745-4DCB-895C-E52D60B1B0C5}" type="datetimeFigureOut">
               <a:rPr lang="en-CA" smtClean="0"/>
-              <a:t>2021-12-08</a:t>
+              <a:t>2021-12-09</a:t>
             </a:fld>
             <a:endParaRPr lang="en-CA"/>
           </a:p>
@@ -11390,7 +11392,7 @@
           <a:p>
             <a:fld id="{23ECED23-8745-4DCB-895C-E52D60B1B0C5}" type="datetimeFigureOut">
               <a:rPr lang="en-CA" smtClean="0"/>
-              <a:t>2021-12-08</a:t>
+              <a:t>2021-12-09</a:t>
             </a:fld>
             <a:endParaRPr lang="en-CA"/>
           </a:p>
@@ -11600,7 +11602,7 @@
           <a:p>
             <a:fld id="{23ECED23-8745-4DCB-895C-E52D60B1B0C5}" type="datetimeFigureOut">
               <a:rPr lang="en-CA" smtClean="0"/>
-              <a:t>2021-12-08</a:t>
+              <a:t>2021-12-09</a:t>
             </a:fld>
             <a:endParaRPr lang="en-CA"/>
           </a:p>
@@ -11856,7 +11858,7 @@
           <a:p>
             <a:fld id="{990D8905-EC0B-41E3-AC8C-C6823787CC1C}" type="datetimeFigureOut">
               <a:rPr lang="en-CA" smtClean="0"/>
-              <a:t>2021-12-08</a:t>
+              <a:t>2021-12-09</a:t>
             </a:fld>
             <a:endParaRPr lang="en-CA"/>
           </a:p>
@@ -12092,7 +12094,7 @@
           <a:p>
             <a:fld id="{990D8905-EC0B-41E3-AC8C-C6823787CC1C}" type="datetimeFigureOut">
               <a:rPr lang="en-CA" smtClean="0"/>
-              <a:t>2021-12-08</a:t>
+              <a:t>2021-12-09</a:t>
             </a:fld>
             <a:endParaRPr lang="en-CA"/>
           </a:p>
@@ -12558,7 +12560,7 @@
           <a:p>
             <a:fld id="{990D8905-EC0B-41E3-AC8C-C6823787CC1C}" type="datetimeFigureOut">
               <a:rPr lang="en-CA" smtClean="0"/>
-              <a:t>2021-12-08</a:t>
+              <a:t>2021-12-09</a:t>
             </a:fld>
             <a:endParaRPr lang="en-CA"/>
           </a:p>
@@ -12676,7 +12678,7 @@
           <a:p>
             <a:fld id="{990D8905-EC0B-41E3-AC8C-C6823787CC1C}" type="datetimeFigureOut">
               <a:rPr lang="en-CA" smtClean="0"/>
-              <a:t>2021-12-08</a:t>
+              <a:t>2021-12-09</a:t>
             </a:fld>
             <a:endParaRPr lang="en-CA"/>
           </a:p>
@@ -12771,7 +12773,7 @@
           <a:p>
             <a:fld id="{990D8905-EC0B-41E3-AC8C-C6823787CC1C}" type="datetimeFigureOut">
               <a:rPr lang="en-CA" smtClean="0"/>
-              <a:t>2021-12-08</a:t>
+              <a:t>2021-12-09</a:t>
             </a:fld>
             <a:endParaRPr lang="en-CA"/>
           </a:p>
@@ -13026,7 +13028,7 @@
           <a:p>
             <a:fld id="{990D8905-EC0B-41E3-AC8C-C6823787CC1C}" type="datetimeFigureOut">
               <a:rPr lang="en-CA" smtClean="0"/>
-              <a:t>2021-12-08</a:t>
+              <a:t>2021-12-09</a:t>
             </a:fld>
             <a:endParaRPr lang="en-CA"/>
           </a:p>
@@ -13326,7 +13328,7 @@
           <a:p>
             <a:fld id="{990D8905-EC0B-41E3-AC8C-C6823787CC1C}" type="datetimeFigureOut">
               <a:rPr lang="en-CA" smtClean="0"/>
-              <a:t>2021-12-08</a:t>
+              <a:t>2021-12-09</a:t>
             </a:fld>
             <a:endParaRPr lang="en-CA"/>
           </a:p>
@@ -13560,7 +13562,7 @@
           <a:p>
             <a:fld id="{990D8905-EC0B-41E3-AC8C-C6823787CC1C}" type="datetimeFigureOut">
               <a:rPr lang="en-CA" smtClean="0"/>
-              <a:t>2021-12-08</a:t>
+              <a:t>2021-12-09</a:t>
             </a:fld>
             <a:endParaRPr lang="en-CA"/>
           </a:p>
@@ -14387,7 +14389,7 @@
           <a:p>
             <a:fld id="{23ECED23-8745-4DCB-895C-E52D60B1B0C5}" type="datetimeFigureOut">
               <a:rPr lang="en-CA" smtClean="0"/>
-              <a:t>2021-12-08</a:t>
+              <a:t>2021-12-09</a:t>
             </a:fld>
             <a:endParaRPr lang="en-CA"/>
           </a:p>
@@ -18355,14 +18357,6 @@
               <a:t>Predict rate at which tasks can be completed.</a:t>
             </a:r>
           </a:p>
-          <a:p>
-            <a:pPr lvl="1"/>
-            <a:r>
-              <a:rPr lang="en-US" sz="1800" dirty="0"/>
-              <a:t>Predict type of units</a:t>
-            </a:r>
-            <a:endParaRPr lang="en-CA" sz="1800" dirty="0"/>
-          </a:p>
         </p:txBody>
       </p:sp>
     </p:spTree>
@@ -18661,9 +18655,8 @@
           <a:p>
             <a:r>
               <a:rPr lang="en-US" dirty="0"/>
-              <a:t>Mean Absolute Percentage Error: 537%</a:t>
-            </a:r>
-            <a:endParaRPr lang="en-CA" dirty="0"/>
+              <a:t>Mean Absolute Percentage Error: 538%</a:t>
+            </a:r>
           </a:p>
         </p:txBody>
       </p:sp>
@@ -18696,50 +18689,6 @@
           </a:p>
         </p:txBody>
       </p:sp>
-      <p:pic>
-        <p:nvPicPr>
-          <p:cNvPr id="17" name="Content Placeholder 12">
-            <a:extLst>
-              <a:ext uri="{FF2B5EF4-FFF2-40B4-BE49-F238E27FC236}">
-                <a16:creationId xmlns:a16="http://schemas.microsoft.com/office/drawing/2014/main" id="{48CE5269-D801-4D5B-801C-AB90269A2BEE}"/>
-              </a:ext>
-            </a:extLst>
-          </p:cNvPr>
-          <p:cNvPicPr>
-            <a:picLocks noGrp="1" noChangeAspect="1"/>
-          </p:cNvPicPr>
-          <p:nvPr>
-            <p:ph sz="quarter" idx="4"/>
-          </p:nvPr>
-        </p:nvPicPr>
-        <p:blipFill rotWithShape="1">
-          <a:blip r:embed="rId2">
-            <a:extLst>
-              <a:ext uri="{28A0092B-C50C-407E-A947-70E740481C1C}">
-                <a14:useLocalDpi xmlns:a14="http://schemas.microsoft.com/office/drawing/2010/main" val="0"/>
-              </a:ext>
-            </a:extLst>
-          </a:blip>
-          <a:srcRect t="14085" b="14544"/>
-          <a:stretch/>
-        </p:blipFill>
-        <p:spPr>
-          <a:xfrm>
-            <a:off x="6352361" y="2379663"/>
-            <a:ext cx="4780004" cy="3411537"/>
-          </a:xfrm>
-          <a:prstGeom prst="rect">
-            <a:avLst/>
-          </a:prstGeom>
-          <a:effectLst>
-            <a:outerShdw blurRad="25400" dir="17880000">
-              <a:srgbClr val="000000">
-                <a:alpha val="46000"/>
-              </a:srgbClr>
-            </a:outerShdw>
-          </a:effectLst>
-        </p:spPr>
-      </p:pic>
       <p:sp>
         <p:nvSpPr>
           <p:cNvPr id="18" name="Content Placeholder 8">
@@ -18756,7 +18705,7 @@
         </p:nvSpPr>
         <p:spPr>
           <a:xfrm>
-            <a:off x="6256021" y="5903059"/>
+            <a:off x="6256021" y="6063167"/>
             <a:ext cx="4876344" cy="544884"/>
           </a:xfrm>
           <a:prstGeom prst="rect">
@@ -19127,6 +19076,41 @@
           </a:p>
         </p:txBody>
       </p:sp>
+      <p:pic>
+        <p:nvPicPr>
+          <p:cNvPr id="6" name="Content Placeholder 5">
+            <a:extLst>
+              <a:ext uri="{FF2B5EF4-FFF2-40B4-BE49-F238E27FC236}">
+                <a16:creationId xmlns:a16="http://schemas.microsoft.com/office/drawing/2014/main" id="{509A8275-B386-4385-A35E-489276A42C4E}"/>
+              </a:ext>
+            </a:extLst>
+          </p:cNvPr>
+          <p:cNvPicPr>
+            <a:picLocks noGrp="1" noChangeAspect="1"/>
+          </p:cNvPicPr>
+          <p:nvPr>
+            <p:ph sz="quarter" idx="4"/>
+          </p:nvPr>
+        </p:nvPicPr>
+        <p:blipFill>
+          <a:blip r:embed="rId2">
+            <a:extLst>
+              <a:ext uri="{28A0092B-C50C-407E-A947-70E740481C1C}">
+                <a14:useLocalDpi xmlns:a14="http://schemas.microsoft.com/office/drawing/2010/main" val="0"/>
+              </a:ext>
+            </a:extLst>
+          </a:blip>
+          <a:stretch>
+            <a:fillRect/>
+          </a:stretch>
+        </p:blipFill>
+        <p:spPr>
+          <a:xfrm>
+            <a:off x="6675636" y="2379663"/>
+            <a:ext cx="4133454" cy="3411537"/>
+          </a:xfrm>
+        </p:spPr>
+      </p:pic>
     </p:spTree>
     <p:extLst>
       <p:ext uri="{BB962C8B-B14F-4D97-AF65-F5344CB8AC3E}">
@@ -19322,7 +19306,7 @@
           <a:p>
             <a:r>
               <a:rPr lang="en-US" dirty="0"/>
-              <a:t>Extra features</a:t>
+              <a:t>Extra Features</a:t>
             </a:r>
             <a:endParaRPr lang="en-CA" dirty="0"/>
           </a:p>
@@ -19351,6 +19335,24 @@
           <a:p>
             <a:r>
               <a:rPr lang="en-US" dirty="0"/>
+              <a:t>Prediction of the type of units.</a:t>
+            </a:r>
+          </a:p>
+          <a:p>
+            <a:r>
+              <a:rPr lang="en-US" dirty="0"/>
+              <a:t>Error handling. </a:t>
+            </a:r>
+          </a:p>
+          <a:p>
+            <a:r>
+              <a:rPr lang="en-US" dirty="0"/>
+              <a:t>Multiple consecutive tasks can be input into a timeline. </a:t>
+            </a:r>
+          </a:p>
+          <a:p>
+            <a:r>
+              <a:rPr lang="en-US" dirty="0"/>
               <a:t>Spelling correction</a:t>
             </a:r>
           </a:p>
@@ -19380,6 +19382,99 @@
     <p:extLst>
       <p:ext uri="{BB962C8B-B14F-4D97-AF65-F5344CB8AC3E}">
         <p14:creationId xmlns:p14="http://schemas.microsoft.com/office/powerpoint/2010/main" val="1359182863"/>
+      </p:ext>
+    </p:extLst>
+  </p:cSld>
+  <p:clrMapOvr>
+    <a:masterClrMapping/>
+  </p:clrMapOvr>
+</p:sld>
+</file>
+
+<file path=ppt/slides/slide21.xml><?xml version="1.0" encoding="utf-8"?>
+<p:sld xmlns:a="http://schemas.openxmlformats.org/drawingml/2006/main" xmlns:r="http://schemas.openxmlformats.org/officeDocument/2006/relationships" xmlns:p="http://schemas.openxmlformats.org/presentationml/2006/main">
+  <p:cSld>
+    <p:spTree>
+      <p:nvGrpSpPr>
+        <p:cNvPr id="1" name=""/>
+        <p:cNvGrpSpPr/>
+        <p:nvPr/>
+      </p:nvGrpSpPr>
+      <p:grpSpPr>
+        <a:xfrm>
+          <a:off x="0" y="0"/>
+          <a:ext cx="0" cy="0"/>
+          <a:chOff x="0" y="0"/>
+          <a:chExt cx="0" cy="0"/>
+        </a:xfrm>
+      </p:grpSpPr>
+      <p:sp>
+        <p:nvSpPr>
+          <p:cNvPr id="2" name="Title 1">
+            <a:extLst>
+              <a:ext uri="{FF2B5EF4-FFF2-40B4-BE49-F238E27FC236}">
+                <a16:creationId xmlns:a16="http://schemas.microsoft.com/office/drawing/2014/main" id="{B8008886-C75D-41E1-A09F-32675F9B68B1}"/>
+              </a:ext>
+            </a:extLst>
+          </p:cNvPr>
+          <p:cNvSpPr>
+            <a:spLocks noGrp="1"/>
+          </p:cNvSpPr>
+          <p:nvPr>
+            <p:ph type="title"/>
+          </p:nvPr>
+        </p:nvSpPr>
+        <p:spPr/>
+        <p:txBody>
+          <a:bodyPr/>
+          <a:lstStyle/>
+          <a:p>
+            <a:r>
+              <a:rPr lang="en-US" dirty="0"/>
+              <a:t>Future Work</a:t>
+            </a:r>
+            <a:endParaRPr lang="en-CA" dirty="0"/>
+          </a:p>
+        </p:txBody>
+      </p:sp>
+      <p:sp>
+        <p:nvSpPr>
+          <p:cNvPr id="3" name="Content Placeholder 2">
+            <a:extLst>
+              <a:ext uri="{FF2B5EF4-FFF2-40B4-BE49-F238E27FC236}">
+                <a16:creationId xmlns:a16="http://schemas.microsoft.com/office/drawing/2014/main" id="{CA33A5A4-9750-4B93-B8C3-D7DE75C4DF34}"/>
+              </a:ext>
+            </a:extLst>
+          </p:cNvPr>
+          <p:cNvSpPr>
+            <a:spLocks noGrp="1"/>
+          </p:cNvSpPr>
+          <p:nvPr>
+            <p:ph idx="1"/>
+          </p:nvPr>
+        </p:nvSpPr>
+        <p:spPr/>
+        <p:txBody>
+          <a:bodyPr/>
+          <a:lstStyle/>
+          <a:p>
+            <a:r>
+              <a:rPr lang="en-US" dirty="0"/>
+              <a:t>Have a sorting and selection algorithm which learns to rank from previous user behavior.  </a:t>
+            </a:r>
+          </a:p>
+          <a:p>
+            <a:r>
+              <a:rPr lang="en-CA" dirty="0"/>
+              <a:t>A model which can update with user estimates for activities that are not found in the database. </a:t>
+            </a:r>
+          </a:p>
+        </p:txBody>
+      </p:sp>
+    </p:spTree>
+    <p:extLst>
+      <p:ext uri="{BB962C8B-B14F-4D97-AF65-F5344CB8AC3E}">
+        <p14:creationId xmlns:p14="http://schemas.microsoft.com/office/powerpoint/2010/main" val="458662135"/>
       </p:ext>
     </p:extLst>
   </p:cSld>
